--- a/wordpress-como-criar-um-novo-tema.pptx
+++ b/wordpress-como-criar-um-novo-tema.pptx
@@ -5,7 +5,7 @@
     <p:sldMasterId id="2147483648" r:id="rId1"/>
   </p:sldMasterIdLst>
   <p:notesMasterIdLst>
-    <p:notesMasterId r:id="rId22"/>
+    <p:notesMasterId r:id="rId36"/>
   </p:notesMasterIdLst>
   <p:sldIdLst>
     <p:sldId id="256" r:id="rId2"/>
@@ -14,20 +14,34 @@
     <p:sldId id="394" r:id="rId5"/>
     <p:sldId id="395" r:id="rId6"/>
     <p:sldId id="396" r:id="rId7"/>
-    <p:sldId id="397" r:id="rId8"/>
-    <p:sldId id="398" r:id="rId9"/>
-    <p:sldId id="399" r:id="rId10"/>
-    <p:sldId id="400" r:id="rId11"/>
-    <p:sldId id="401" r:id="rId12"/>
-    <p:sldId id="402" r:id="rId13"/>
-    <p:sldId id="403" r:id="rId14"/>
-    <p:sldId id="404" r:id="rId15"/>
-    <p:sldId id="405" r:id="rId16"/>
-    <p:sldId id="406" r:id="rId17"/>
-    <p:sldId id="407" r:id="rId18"/>
-    <p:sldId id="408" r:id="rId19"/>
-    <p:sldId id="409" r:id="rId20"/>
-    <p:sldId id="392" r:id="rId21"/>
+    <p:sldId id="412" r:id="rId8"/>
+    <p:sldId id="397" r:id="rId9"/>
+    <p:sldId id="398" r:id="rId10"/>
+    <p:sldId id="399" r:id="rId11"/>
+    <p:sldId id="400" r:id="rId12"/>
+    <p:sldId id="401" r:id="rId13"/>
+    <p:sldId id="402" r:id="rId14"/>
+    <p:sldId id="403" r:id="rId15"/>
+    <p:sldId id="404" r:id="rId16"/>
+    <p:sldId id="405" r:id="rId17"/>
+    <p:sldId id="406" r:id="rId18"/>
+    <p:sldId id="407" r:id="rId19"/>
+    <p:sldId id="408" r:id="rId20"/>
+    <p:sldId id="409" r:id="rId21"/>
+    <p:sldId id="410" r:id="rId22"/>
+    <p:sldId id="413" r:id="rId23"/>
+    <p:sldId id="414" r:id="rId24"/>
+    <p:sldId id="415" r:id="rId25"/>
+    <p:sldId id="416" r:id="rId26"/>
+    <p:sldId id="417" r:id="rId27"/>
+    <p:sldId id="418" r:id="rId28"/>
+    <p:sldId id="419" r:id="rId29"/>
+    <p:sldId id="411" r:id="rId30"/>
+    <p:sldId id="420" r:id="rId31"/>
+    <p:sldId id="421" r:id="rId32"/>
+    <p:sldId id="422" r:id="rId33"/>
+    <p:sldId id="423" r:id="rId34"/>
+    <p:sldId id="392" r:id="rId35"/>
   </p:sldIdLst>
   <p:sldSz cx="12192000" cy="6858000"/>
   <p:notesSz cx="6858000" cy="9144000"/>
@@ -216,7 +230,7 @@
           <a:p>
             <a:fld id="{94D3EB41-CF60-4C9F-BD83-AE56FA0945EB}" type="datetimeFigureOut">
               <a:rPr lang="pt-BR" smtClean="0"/>
-              <a:t>05/02/2020</a:t>
+              <a:t>07/02/2020</a:t>
             </a:fld>
             <a:endParaRPr lang="pt-BR"/>
           </a:p>
@@ -374,7 +388,7 @@
           <a:p>
             <a:fld id="{020F486D-935E-4125-8FD7-C735663CC7DE}" type="slidenum">
               <a:rPr lang="pt-BR" smtClean="0"/>
-              <a:t>‹#›</a:t>
+              <a:t>‹nº›</a:t>
             </a:fld>
             <a:endParaRPr lang="pt-BR"/>
           </a:p>
@@ -641,7 +655,7 @@
     </p:spTree>
     <p:extLst>
       <p:ext uri="{BB962C8B-B14F-4D97-AF65-F5344CB8AC3E}">
-        <p14:creationId xmlns:p14="http://schemas.microsoft.com/office/powerpoint/2010/main" val="3180764149"/>
+        <p14:creationId xmlns:p14="http://schemas.microsoft.com/office/powerpoint/2010/main" val="1073619568"/>
       </p:ext>
     </p:extLst>
   </p:cSld>
@@ -725,7 +739,7 @@
     </p:spTree>
     <p:extLst>
       <p:ext uri="{BB962C8B-B14F-4D97-AF65-F5344CB8AC3E}">
-        <p14:creationId xmlns:p14="http://schemas.microsoft.com/office/powerpoint/2010/main" val="1166011652"/>
+        <p14:creationId xmlns:p14="http://schemas.microsoft.com/office/powerpoint/2010/main" val="3180764149"/>
       </p:ext>
     </p:extLst>
   </p:cSld>
@@ -809,7 +823,7 @@
     </p:spTree>
     <p:extLst>
       <p:ext uri="{BB962C8B-B14F-4D97-AF65-F5344CB8AC3E}">
-        <p14:creationId xmlns:p14="http://schemas.microsoft.com/office/powerpoint/2010/main" val="311826583"/>
+        <p14:creationId xmlns:p14="http://schemas.microsoft.com/office/powerpoint/2010/main" val="1166011652"/>
       </p:ext>
     </p:extLst>
   </p:cSld>
@@ -893,7 +907,7 @@
     </p:spTree>
     <p:extLst>
       <p:ext uri="{BB962C8B-B14F-4D97-AF65-F5344CB8AC3E}">
-        <p14:creationId xmlns:p14="http://schemas.microsoft.com/office/powerpoint/2010/main" val="2138049373"/>
+        <p14:creationId xmlns:p14="http://schemas.microsoft.com/office/powerpoint/2010/main" val="311826583"/>
       </p:ext>
     </p:extLst>
   </p:cSld>
@@ -977,7 +991,7 @@
     </p:spTree>
     <p:extLst>
       <p:ext uri="{BB962C8B-B14F-4D97-AF65-F5344CB8AC3E}">
-        <p14:creationId xmlns:p14="http://schemas.microsoft.com/office/powerpoint/2010/main" val="3080775855"/>
+        <p14:creationId xmlns:p14="http://schemas.microsoft.com/office/powerpoint/2010/main" val="2138049373"/>
       </p:ext>
     </p:extLst>
   </p:cSld>
@@ -1061,7 +1075,7 @@
     </p:spTree>
     <p:extLst>
       <p:ext uri="{BB962C8B-B14F-4D97-AF65-F5344CB8AC3E}">
-        <p14:creationId xmlns:p14="http://schemas.microsoft.com/office/powerpoint/2010/main" val="2635206762"/>
+        <p14:creationId xmlns:p14="http://schemas.microsoft.com/office/powerpoint/2010/main" val="3080775855"/>
       </p:ext>
     </p:extLst>
   </p:cSld>
@@ -1145,7 +1159,7 @@
     </p:spTree>
     <p:extLst>
       <p:ext uri="{BB962C8B-B14F-4D97-AF65-F5344CB8AC3E}">
-        <p14:creationId xmlns:p14="http://schemas.microsoft.com/office/powerpoint/2010/main" val="440497715"/>
+        <p14:creationId xmlns:p14="http://schemas.microsoft.com/office/powerpoint/2010/main" val="2635206762"/>
       </p:ext>
     </p:extLst>
   </p:cSld>
@@ -1229,7 +1243,7 @@
     </p:spTree>
     <p:extLst>
       <p:ext uri="{BB962C8B-B14F-4D97-AF65-F5344CB8AC3E}">
-        <p14:creationId xmlns:p14="http://schemas.microsoft.com/office/powerpoint/2010/main" val="2660273404"/>
+        <p14:creationId xmlns:p14="http://schemas.microsoft.com/office/powerpoint/2010/main" val="440497715"/>
       </p:ext>
     </p:extLst>
   </p:cSld>
@@ -1313,7 +1327,7 @@
     </p:spTree>
     <p:extLst>
       <p:ext uri="{BB962C8B-B14F-4D97-AF65-F5344CB8AC3E}">
-        <p14:creationId xmlns:p14="http://schemas.microsoft.com/office/powerpoint/2010/main" val="2894900618"/>
+        <p14:creationId xmlns:p14="http://schemas.microsoft.com/office/powerpoint/2010/main" val="2660273404"/>
       </p:ext>
     </p:extLst>
   </p:cSld>
@@ -1397,7 +1411,7 @@
     </p:spTree>
     <p:extLst>
       <p:ext uri="{BB962C8B-B14F-4D97-AF65-F5344CB8AC3E}">
-        <p14:creationId xmlns:p14="http://schemas.microsoft.com/office/powerpoint/2010/main" val="3598011116"/>
+        <p14:creationId xmlns:p14="http://schemas.microsoft.com/office/powerpoint/2010/main" val="2894900618"/>
       </p:ext>
     </p:extLst>
   </p:cSld>
@@ -1535,7 +1549,7 @@
           <a:bodyPr/>
           <a:lstStyle/>
           <a:p>
-            <a:endParaRPr lang="pt-BR" dirty="0"/>
+            <a:endParaRPr lang="en-US" dirty="0"/>
           </a:p>
         </p:txBody>
       </p:sp>
@@ -1565,7 +1579,763 @@
     </p:spTree>
     <p:extLst>
       <p:ext uri="{BB962C8B-B14F-4D97-AF65-F5344CB8AC3E}">
-        <p14:creationId xmlns:p14="http://schemas.microsoft.com/office/powerpoint/2010/main" val="1008064520"/>
+        <p14:creationId xmlns:p14="http://schemas.microsoft.com/office/powerpoint/2010/main" val="3598011116"/>
+      </p:ext>
+    </p:extLst>
+  </p:cSld>
+  <p:clrMapOvr>
+    <a:masterClrMapping/>
+  </p:clrMapOvr>
+</p:notes>
+</file>
+
+<file path=ppt/notesSlides/notesSlide21.xml><?xml version="1.0" encoding="utf-8"?>
+<p:notes xmlns:a="http://schemas.openxmlformats.org/drawingml/2006/main" xmlns:r="http://schemas.openxmlformats.org/officeDocument/2006/relationships" xmlns:p="http://schemas.openxmlformats.org/presentationml/2006/main">
+  <p:cSld>
+    <p:spTree>
+      <p:nvGrpSpPr>
+        <p:cNvPr id="1" name=""/>
+        <p:cNvGrpSpPr/>
+        <p:nvPr/>
+      </p:nvGrpSpPr>
+      <p:grpSpPr>
+        <a:xfrm>
+          <a:off x="0" y="0"/>
+          <a:ext cx="0" cy="0"/>
+          <a:chOff x="0" y="0"/>
+          <a:chExt cx="0" cy="0"/>
+        </a:xfrm>
+      </p:grpSpPr>
+      <p:sp>
+        <p:nvSpPr>
+          <p:cNvPr id="2" name="Slide Image Placeholder 1"/>
+          <p:cNvSpPr>
+            <a:spLocks noGrp="1" noRot="1" noChangeAspect="1"/>
+          </p:cNvSpPr>
+          <p:nvPr>
+            <p:ph type="sldImg"/>
+          </p:nvPr>
+        </p:nvSpPr>
+        <p:spPr/>
+      </p:sp>
+      <p:sp>
+        <p:nvSpPr>
+          <p:cNvPr id="3" name="Notes Placeholder 2"/>
+          <p:cNvSpPr>
+            <a:spLocks noGrp="1"/>
+          </p:cNvSpPr>
+          <p:nvPr>
+            <p:ph type="body" idx="1"/>
+          </p:nvPr>
+        </p:nvSpPr>
+        <p:spPr/>
+        <p:txBody>
+          <a:bodyPr/>
+          <a:lstStyle/>
+          <a:p>
+            <a:endParaRPr lang="en-US" dirty="0"/>
+          </a:p>
+        </p:txBody>
+      </p:sp>
+      <p:sp>
+        <p:nvSpPr>
+          <p:cNvPr id="4" name="Slide Number Placeholder 3"/>
+          <p:cNvSpPr>
+            <a:spLocks noGrp="1"/>
+          </p:cNvSpPr>
+          <p:nvPr>
+            <p:ph type="sldNum" sz="quarter" idx="5"/>
+          </p:nvPr>
+        </p:nvSpPr>
+        <p:spPr/>
+        <p:txBody>
+          <a:bodyPr/>
+          <a:lstStyle/>
+          <a:p>
+            <a:fld id="{020F486D-935E-4125-8FD7-C735663CC7DE}" type="slidenum">
+              <a:rPr lang="pt-BR" smtClean="0"/>
+              <a:t>21</a:t>
+            </a:fld>
+            <a:endParaRPr lang="pt-BR"/>
+          </a:p>
+        </p:txBody>
+      </p:sp>
+    </p:spTree>
+    <p:extLst>
+      <p:ext uri="{BB962C8B-B14F-4D97-AF65-F5344CB8AC3E}">
+        <p14:creationId xmlns:p14="http://schemas.microsoft.com/office/powerpoint/2010/main" val="10824467"/>
+      </p:ext>
+    </p:extLst>
+  </p:cSld>
+  <p:clrMapOvr>
+    <a:masterClrMapping/>
+  </p:clrMapOvr>
+</p:notes>
+</file>
+
+<file path=ppt/notesSlides/notesSlide22.xml><?xml version="1.0" encoding="utf-8"?>
+<p:notes xmlns:a="http://schemas.openxmlformats.org/drawingml/2006/main" xmlns:r="http://schemas.openxmlformats.org/officeDocument/2006/relationships" xmlns:p="http://schemas.openxmlformats.org/presentationml/2006/main">
+  <p:cSld>
+    <p:spTree>
+      <p:nvGrpSpPr>
+        <p:cNvPr id="1" name=""/>
+        <p:cNvGrpSpPr/>
+        <p:nvPr/>
+      </p:nvGrpSpPr>
+      <p:grpSpPr>
+        <a:xfrm>
+          <a:off x="0" y="0"/>
+          <a:ext cx="0" cy="0"/>
+          <a:chOff x="0" y="0"/>
+          <a:chExt cx="0" cy="0"/>
+        </a:xfrm>
+      </p:grpSpPr>
+      <p:sp>
+        <p:nvSpPr>
+          <p:cNvPr id="2" name="Slide Image Placeholder 1"/>
+          <p:cNvSpPr>
+            <a:spLocks noGrp="1" noRot="1" noChangeAspect="1"/>
+          </p:cNvSpPr>
+          <p:nvPr>
+            <p:ph type="sldImg"/>
+          </p:nvPr>
+        </p:nvSpPr>
+        <p:spPr/>
+      </p:sp>
+      <p:sp>
+        <p:nvSpPr>
+          <p:cNvPr id="3" name="Notes Placeholder 2"/>
+          <p:cNvSpPr>
+            <a:spLocks noGrp="1"/>
+          </p:cNvSpPr>
+          <p:nvPr>
+            <p:ph type="body" idx="1"/>
+          </p:nvPr>
+        </p:nvSpPr>
+        <p:spPr/>
+        <p:txBody>
+          <a:bodyPr/>
+          <a:lstStyle/>
+          <a:p>
+            <a:endParaRPr lang="en-US" dirty="0"/>
+          </a:p>
+        </p:txBody>
+      </p:sp>
+      <p:sp>
+        <p:nvSpPr>
+          <p:cNvPr id="4" name="Slide Number Placeholder 3"/>
+          <p:cNvSpPr>
+            <a:spLocks noGrp="1"/>
+          </p:cNvSpPr>
+          <p:nvPr>
+            <p:ph type="sldNum" sz="quarter" idx="5"/>
+          </p:nvPr>
+        </p:nvSpPr>
+        <p:spPr/>
+        <p:txBody>
+          <a:bodyPr/>
+          <a:lstStyle/>
+          <a:p>
+            <a:fld id="{020F486D-935E-4125-8FD7-C735663CC7DE}" type="slidenum">
+              <a:rPr lang="pt-BR" smtClean="0"/>
+              <a:t>22</a:t>
+            </a:fld>
+            <a:endParaRPr lang="pt-BR"/>
+          </a:p>
+        </p:txBody>
+      </p:sp>
+    </p:spTree>
+    <p:extLst>
+      <p:ext uri="{BB962C8B-B14F-4D97-AF65-F5344CB8AC3E}">
+        <p14:creationId xmlns:p14="http://schemas.microsoft.com/office/powerpoint/2010/main" val="682146649"/>
+      </p:ext>
+    </p:extLst>
+  </p:cSld>
+  <p:clrMapOvr>
+    <a:masterClrMapping/>
+  </p:clrMapOvr>
+</p:notes>
+</file>
+
+<file path=ppt/notesSlides/notesSlide23.xml><?xml version="1.0" encoding="utf-8"?>
+<p:notes xmlns:a="http://schemas.openxmlformats.org/drawingml/2006/main" xmlns:r="http://schemas.openxmlformats.org/officeDocument/2006/relationships" xmlns:p="http://schemas.openxmlformats.org/presentationml/2006/main">
+  <p:cSld>
+    <p:spTree>
+      <p:nvGrpSpPr>
+        <p:cNvPr id="1" name=""/>
+        <p:cNvGrpSpPr/>
+        <p:nvPr/>
+      </p:nvGrpSpPr>
+      <p:grpSpPr>
+        <a:xfrm>
+          <a:off x="0" y="0"/>
+          <a:ext cx="0" cy="0"/>
+          <a:chOff x="0" y="0"/>
+          <a:chExt cx="0" cy="0"/>
+        </a:xfrm>
+      </p:grpSpPr>
+      <p:sp>
+        <p:nvSpPr>
+          <p:cNvPr id="2" name="Slide Image Placeholder 1"/>
+          <p:cNvSpPr>
+            <a:spLocks noGrp="1" noRot="1" noChangeAspect="1"/>
+          </p:cNvSpPr>
+          <p:nvPr>
+            <p:ph type="sldImg"/>
+          </p:nvPr>
+        </p:nvSpPr>
+        <p:spPr/>
+      </p:sp>
+      <p:sp>
+        <p:nvSpPr>
+          <p:cNvPr id="3" name="Notes Placeholder 2"/>
+          <p:cNvSpPr>
+            <a:spLocks noGrp="1"/>
+          </p:cNvSpPr>
+          <p:nvPr>
+            <p:ph type="body" idx="1"/>
+          </p:nvPr>
+        </p:nvSpPr>
+        <p:spPr/>
+        <p:txBody>
+          <a:bodyPr/>
+          <a:lstStyle/>
+          <a:p>
+            <a:endParaRPr lang="en-US" dirty="0"/>
+          </a:p>
+        </p:txBody>
+      </p:sp>
+      <p:sp>
+        <p:nvSpPr>
+          <p:cNvPr id="4" name="Slide Number Placeholder 3"/>
+          <p:cNvSpPr>
+            <a:spLocks noGrp="1"/>
+          </p:cNvSpPr>
+          <p:nvPr>
+            <p:ph type="sldNum" sz="quarter" idx="5"/>
+          </p:nvPr>
+        </p:nvSpPr>
+        <p:spPr/>
+        <p:txBody>
+          <a:bodyPr/>
+          <a:lstStyle/>
+          <a:p>
+            <a:fld id="{020F486D-935E-4125-8FD7-C735663CC7DE}" type="slidenum">
+              <a:rPr lang="pt-BR" smtClean="0"/>
+              <a:t>23</a:t>
+            </a:fld>
+            <a:endParaRPr lang="pt-BR"/>
+          </a:p>
+        </p:txBody>
+      </p:sp>
+    </p:spTree>
+    <p:extLst>
+      <p:ext uri="{BB962C8B-B14F-4D97-AF65-F5344CB8AC3E}">
+        <p14:creationId xmlns:p14="http://schemas.microsoft.com/office/powerpoint/2010/main" val="1782642357"/>
+      </p:ext>
+    </p:extLst>
+  </p:cSld>
+  <p:clrMapOvr>
+    <a:masterClrMapping/>
+  </p:clrMapOvr>
+</p:notes>
+</file>
+
+<file path=ppt/notesSlides/notesSlide24.xml><?xml version="1.0" encoding="utf-8"?>
+<p:notes xmlns:a="http://schemas.openxmlformats.org/drawingml/2006/main" xmlns:r="http://schemas.openxmlformats.org/officeDocument/2006/relationships" xmlns:p="http://schemas.openxmlformats.org/presentationml/2006/main">
+  <p:cSld>
+    <p:spTree>
+      <p:nvGrpSpPr>
+        <p:cNvPr id="1" name=""/>
+        <p:cNvGrpSpPr/>
+        <p:nvPr/>
+      </p:nvGrpSpPr>
+      <p:grpSpPr>
+        <a:xfrm>
+          <a:off x="0" y="0"/>
+          <a:ext cx="0" cy="0"/>
+          <a:chOff x="0" y="0"/>
+          <a:chExt cx="0" cy="0"/>
+        </a:xfrm>
+      </p:grpSpPr>
+      <p:sp>
+        <p:nvSpPr>
+          <p:cNvPr id="2" name="Slide Image Placeholder 1"/>
+          <p:cNvSpPr>
+            <a:spLocks noGrp="1" noRot="1" noChangeAspect="1"/>
+          </p:cNvSpPr>
+          <p:nvPr>
+            <p:ph type="sldImg"/>
+          </p:nvPr>
+        </p:nvSpPr>
+        <p:spPr/>
+      </p:sp>
+      <p:sp>
+        <p:nvSpPr>
+          <p:cNvPr id="3" name="Notes Placeholder 2"/>
+          <p:cNvSpPr>
+            <a:spLocks noGrp="1"/>
+          </p:cNvSpPr>
+          <p:nvPr>
+            <p:ph type="body" idx="1"/>
+          </p:nvPr>
+        </p:nvSpPr>
+        <p:spPr/>
+        <p:txBody>
+          <a:bodyPr/>
+          <a:lstStyle/>
+          <a:p>
+            <a:endParaRPr lang="en-US" dirty="0"/>
+          </a:p>
+        </p:txBody>
+      </p:sp>
+      <p:sp>
+        <p:nvSpPr>
+          <p:cNvPr id="4" name="Slide Number Placeholder 3"/>
+          <p:cNvSpPr>
+            <a:spLocks noGrp="1"/>
+          </p:cNvSpPr>
+          <p:nvPr>
+            <p:ph type="sldNum" sz="quarter" idx="5"/>
+          </p:nvPr>
+        </p:nvSpPr>
+        <p:spPr/>
+        <p:txBody>
+          <a:bodyPr/>
+          <a:lstStyle/>
+          <a:p>
+            <a:fld id="{020F486D-935E-4125-8FD7-C735663CC7DE}" type="slidenum">
+              <a:rPr lang="pt-BR" smtClean="0"/>
+              <a:t>24</a:t>
+            </a:fld>
+            <a:endParaRPr lang="pt-BR"/>
+          </a:p>
+        </p:txBody>
+      </p:sp>
+    </p:spTree>
+    <p:extLst>
+      <p:ext uri="{BB962C8B-B14F-4D97-AF65-F5344CB8AC3E}">
+        <p14:creationId xmlns:p14="http://schemas.microsoft.com/office/powerpoint/2010/main" val="3356350520"/>
+      </p:ext>
+    </p:extLst>
+  </p:cSld>
+  <p:clrMapOvr>
+    <a:masterClrMapping/>
+  </p:clrMapOvr>
+</p:notes>
+</file>
+
+<file path=ppt/notesSlides/notesSlide25.xml><?xml version="1.0" encoding="utf-8"?>
+<p:notes xmlns:a="http://schemas.openxmlformats.org/drawingml/2006/main" xmlns:r="http://schemas.openxmlformats.org/officeDocument/2006/relationships" xmlns:p="http://schemas.openxmlformats.org/presentationml/2006/main">
+  <p:cSld>
+    <p:spTree>
+      <p:nvGrpSpPr>
+        <p:cNvPr id="1" name=""/>
+        <p:cNvGrpSpPr/>
+        <p:nvPr/>
+      </p:nvGrpSpPr>
+      <p:grpSpPr>
+        <a:xfrm>
+          <a:off x="0" y="0"/>
+          <a:ext cx="0" cy="0"/>
+          <a:chOff x="0" y="0"/>
+          <a:chExt cx="0" cy="0"/>
+        </a:xfrm>
+      </p:grpSpPr>
+      <p:sp>
+        <p:nvSpPr>
+          <p:cNvPr id="2" name="Slide Image Placeholder 1"/>
+          <p:cNvSpPr>
+            <a:spLocks noGrp="1" noRot="1" noChangeAspect="1"/>
+          </p:cNvSpPr>
+          <p:nvPr>
+            <p:ph type="sldImg"/>
+          </p:nvPr>
+        </p:nvSpPr>
+        <p:spPr/>
+      </p:sp>
+      <p:sp>
+        <p:nvSpPr>
+          <p:cNvPr id="3" name="Notes Placeholder 2"/>
+          <p:cNvSpPr>
+            <a:spLocks noGrp="1"/>
+          </p:cNvSpPr>
+          <p:nvPr>
+            <p:ph type="body" idx="1"/>
+          </p:nvPr>
+        </p:nvSpPr>
+        <p:spPr/>
+        <p:txBody>
+          <a:bodyPr/>
+          <a:lstStyle/>
+          <a:p>
+            <a:endParaRPr lang="en-US" dirty="0"/>
+          </a:p>
+        </p:txBody>
+      </p:sp>
+      <p:sp>
+        <p:nvSpPr>
+          <p:cNvPr id="4" name="Slide Number Placeholder 3"/>
+          <p:cNvSpPr>
+            <a:spLocks noGrp="1"/>
+          </p:cNvSpPr>
+          <p:nvPr>
+            <p:ph type="sldNum" sz="quarter" idx="5"/>
+          </p:nvPr>
+        </p:nvSpPr>
+        <p:spPr/>
+        <p:txBody>
+          <a:bodyPr/>
+          <a:lstStyle/>
+          <a:p>
+            <a:fld id="{020F486D-935E-4125-8FD7-C735663CC7DE}" type="slidenum">
+              <a:rPr lang="pt-BR" smtClean="0"/>
+              <a:t>25</a:t>
+            </a:fld>
+            <a:endParaRPr lang="pt-BR"/>
+          </a:p>
+        </p:txBody>
+      </p:sp>
+    </p:spTree>
+    <p:extLst>
+      <p:ext uri="{BB962C8B-B14F-4D97-AF65-F5344CB8AC3E}">
+        <p14:creationId xmlns:p14="http://schemas.microsoft.com/office/powerpoint/2010/main" val="1451322432"/>
+      </p:ext>
+    </p:extLst>
+  </p:cSld>
+  <p:clrMapOvr>
+    <a:masterClrMapping/>
+  </p:clrMapOvr>
+</p:notes>
+</file>
+
+<file path=ppt/notesSlides/notesSlide26.xml><?xml version="1.0" encoding="utf-8"?>
+<p:notes xmlns:a="http://schemas.openxmlformats.org/drawingml/2006/main" xmlns:r="http://schemas.openxmlformats.org/officeDocument/2006/relationships" xmlns:p="http://schemas.openxmlformats.org/presentationml/2006/main">
+  <p:cSld>
+    <p:spTree>
+      <p:nvGrpSpPr>
+        <p:cNvPr id="1" name=""/>
+        <p:cNvGrpSpPr/>
+        <p:nvPr/>
+      </p:nvGrpSpPr>
+      <p:grpSpPr>
+        <a:xfrm>
+          <a:off x="0" y="0"/>
+          <a:ext cx="0" cy="0"/>
+          <a:chOff x="0" y="0"/>
+          <a:chExt cx="0" cy="0"/>
+        </a:xfrm>
+      </p:grpSpPr>
+      <p:sp>
+        <p:nvSpPr>
+          <p:cNvPr id="2" name="Slide Image Placeholder 1"/>
+          <p:cNvSpPr>
+            <a:spLocks noGrp="1" noRot="1" noChangeAspect="1"/>
+          </p:cNvSpPr>
+          <p:nvPr>
+            <p:ph type="sldImg"/>
+          </p:nvPr>
+        </p:nvSpPr>
+        <p:spPr/>
+      </p:sp>
+      <p:sp>
+        <p:nvSpPr>
+          <p:cNvPr id="3" name="Notes Placeholder 2"/>
+          <p:cNvSpPr>
+            <a:spLocks noGrp="1"/>
+          </p:cNvSpPr>
+          <p:nvPr>
+            <p:ph type="body" idx="1"/>
+          </p:nvPr>
+        </p:nvSpPr>
+        <p:spPr/>
+        <p:txBody>
+          <a:bodyPr/>
+          <a:lstStyle/>
+          <a:p>
+            <a:endParaRPr lang="en-US" dirty="0"/>
+          </a:p>
+        </p:txBody>
+      </p:sp>
+      <p:sp>
+        <p:nvSpPr>
+          <p:cNvPr id="4" name="Slide Number Placeholder 3"/>
+          <p:cNvSpPr>
+            <a:spLocks noGrp="1"/>
+          </p:cNvSpPr>
+          <p:nvPr>
+            <p:ph type="sldNum" sz="quarter" idx="5"/>
+          </p:nvPr>
+        </p:nvSpPr>
+        <p:spPr/>
+        <p:txBody>
+          <a:bodyPr/>
+          <a:lstStyle/>
+          <a:p>
+            <a:fld id="{020F486D-935E-4125-8FD7-C735663CC7DE}" type="slidenum">
+              <a:rPr lang="pt-BR" smtClean="0"/>
+              <a:t>26</a:t>
+            </a:fld>
+            <a:endParaRPr lang="pt-BR"/>
+          </a:p>
+        </p:txBody>
+      </p:sp>
+    </p:spTree>
+    <p:extLst>
+      <p:ext uri="{BB962C8B-B14F-4D97-AF65-F5344CB8AC3E}">
+        <p14:creationId xmlns:p14="http://schemas.microsoft.com/office/powerpoint/2010/main" val="1353072654"/>
+      </p:ext>
+    </p:extLst>
+  </p:cSld>
+  <p:clrMapOvr>
+    <a:masterClrMapping/>
+  </p:clrMapOvr>
+</p:notes>
+</file>
+
+<file path=ppt/notesSlides/notesSlide27.xml><?xml version="1.0" encoding="utf-8"?>
+<p:notes xmlns:a="http://schemas.openxmlformats.org/drawingml/2006/main" xmlns:r="http://schemas.openxmlformats.org/officeDocument/2006/relationships" xmlns:p="http://schemas.openxmlformats.org/presentationml/2006/main">
+  <p:cSld>
+    <p:spTree>
+      <p:nvGrpSpPr>
+        <p:cNvPr id="1" name=""/>
+        <p:cNvGrpSpPr/>
+        <p:nvPr/>
+      </p:nvGrpSpPr>
+      <p:grpSpPr>
+        <a:xfrm>
+          <a:off x="0" y="0"/>
+          <a:ext cx="0" cy="0"/>
+          <a:chOff x="0" y="0"/>
+          <a:chExt cx="0" cy="0"/>
+        </a:xfrm>
+      </p:grpSpPr>
+      <p:sp>
+        <p:nvSpPr>
+          <p:cNvPr id="2" name="Slide Image Placeholder 1"/>
+          <p:cNvSpPr>
+            <a:spLocks noGrp="1" noRot="1" noChangeAspect="1"/>
+          </p:cNvSpPr>
+          <p:nvPr>
+            <p:ph type="sldImg"/>
+          </p:nvPr>
+        </p:nvSpPr>
+        <p:spPr/>
+      </p:sp>
+      <p:sp>
+        <p:nvSpPr>
+          <p:cNvPr id="3" name="Notes Placeholder 2"/>
+          <p:cNvSpPr>
+            <a:spLocks noGrp="1"/>
+          </p:cNvSpPr>
+          <p:nvPr>
+            <p:ph type="body" idx="1"/>
+          </p:nvPr>
+        </p:nvSpPr>
+        <p:spPr/>
+        <p:txBody>
+          <a:bodyPr/>
+          <a:lstStyle/>
+          <a:p>
+            <a:endParaRPr lang="en-US" dirty="0"/>
+          </a:p>
+        </p:txBody>
+      </p:sp>
+      <p:sp>
+        <p:nvSpPr>
+          <p:cNvPr id="4" name="Slide Number Placeholder 3"/>
+          <p:cNvSpPr>
+            <a:spLocks noGrp="1"/>
+          </p:cNvSpPr>
+          <p:nvPr>
+            <p:ph type="sldNum" sz="quarter" idx="5"/>
+          </p:nvPr>
+        </p:nvSpPr>
+        <p:spPr/>
+        <p:txBody>
+          <a:bodyPr/>
+          <a:lstStyle/>
+          <a:p>
+            <a:fld id="{020F486D-935E-4125-8FD7-C735663CC7DE}" type="slidenum">
+              <a:rPr lang="pt-BR" smtClean="0"/>
+              <a:t>27</a:t>
+            </a:fld>
+            <a:endParaRPr lang="pt-BR"/>
+          </a:p>
+        </p:txBody>
+      </p:sp>
+    </p:spTree>
+    <p:extLst>
+      <p:ext uri="{BB962C8B-B14F-4D97-AF65-F5344CB8AC3E}">
+        <p14:creationId xmlns:p14="http://schemas.microsoft.com/office/powerpoint/2010/main" val="404051931"/>
+      </p:ext>
+    </p:extLst>
+  </p:cSld>
+  <p:clrMapOvr>
+    <a:masterClrMapping/>
+  </p:clrMapOvr>
+</p:notes>
+</file>
+
+<file path=ppt/notesSlides/notesSlide28.xml><?xml version="1.0" encoding="utf-8"?>
+<p:notes xmlns:a="http://schemas.openxmlformats.org/drawingml/2006/main" xmlns:r="http://schemas.openxmlformats.org/officeDocument/2006/relationships" xmlns:p="http://schemas.openxmlformats.org/presentationml/2006/main">
+  <p:cSld>
+    <p:spTree>
+      <p:nvGrpSpPr>
+        <p:cNvPr id="1" name=""/>
+        <p:cNvGrpSpPr/>
+        <p:nvPr/>
+      </p:nvGrpSpPr>
+      <p:grpSpPr>
+        <a:xfrm>
+          <a:off x="0" y="0"/>
+          <a:ext cx="0" cy="0"/>
+          <a:chOff x="0" y="0"/>
+          <a:chExt cx="0" cy="0"/>
+        </a:xfrm>
+      </p:grpSpPr>
+      <p:sp>
+        <p:nvSpPr>
+          <p:cNvPr id="2" name="Slide Image Placeholder 1"/>
+          <p:cNvSpPr>
+            <a:spLocks noGrp="1" noRot="1" noChangeAspect="1"/>
+          </p:cNvSpPr>
+          <p:nvPr>
+            <p:ph type="sldImg"/>
+          </p:nvPr>
+        </p:nvSpPr>
+        <p:spPr/>
+      </p:sp>
+      <p:sp>
+        <p:nvSpPr>
+          <p:cNvPr id="3" name="Notes Placeholder 2"/>
+          <p:cNvSpPr>
+            <a:spLocks noGrp="1"/>
+          </p:cNvSpPr>
+          <p:nvPr>
+            <p:ph type="body" idx="1"/>
+          </p:nvPr>
+        </p:nvSpPr>
+        <p:spPr/>
+        <p:txBody>
+          <a:bodyPr/>
+          <a:lstStyle/>
+          <a:p>
+            <a:endParaRPr lang="en-US" dirty="0"/>
+          </a:p>
+        </p:txBody>
+      </p:sp>
+      <p:sp>
+        <p:nvSpPr>
+          <p:cNvPr id="4" name="Slide Number Placeholder 3"/>
+          <p:cNvSpPr>
+            <a:spLocks noGrp="1"/>
+          </p:cNvSpPr>
+          <p:nvPr>
+            <p:ph type="sldNum" sz="quarter" idx="5"/>
+          </p:nvPr>
+        </p:nvSpPr>
+        <p:spPr/>
+        <p:txBody>
+          <a:bodyPr/>
+          <a:lstStyle/>
+          <a:p>
+            <a:fld id="{020F486D-935E-4125-8FD7-C735663CC7DE}" type="slidenum">
+              <a:rPr lang="pt-BR" smtClean="0"/>
+              <a:t>28</a:t>
+            </a:fld>
+            <a:endParaRPr lang="pt-BR"/>
+          </a:p>
+        </p:txBody>
+      </p:sp>
+    </p:spTree>
+    <p:extLst>
+      <p:ext uri="{BB962C8B-B14F-4D97-AF65-F5344CB8AC3E}">
+        <p14:creationId xmlns:p14="http://schemas.microsoft.com/office/powerpoint/2010/main" val="4289979712"/>
+      </p:ext>
+    </p:extLst>
+  </p:cSld>
+  <p:clrMapOvr>
+    <a:masterClrMapping/>
+  </p:clrMapOvr>
+</p:notes>
+</file>
+
+<file path=ppt/notesSlides/notesSlide29.xml><?xml version="1.0" encoding="utf-8"?>
+<p:notes xmlns:a="http://schemas.openxmlformats.org/drawingml/2006/main" xmlns:r="http://schemas.openxmlformats.org/officeDocument/2006/relationships" xmlns:p="http://schemas.openxmlformats.org/presentationml/2006/main">
+  <p:cSld>
+    <p:spTree>
+      <p:nvGrpSpPr>
+        <p:cNvPr id="1" name=""/>
+        <p:cNvGrpSpPr/>
+        <p:nvPr/>
+      </p:nvGrpSpPr>
+      <p:grpSpPr>
+        <a:xfrm>
+          <a:off x="0" y="0"/>
+          <a:ext cx="0" cy="0"/>
+          <a:chOff x="0" y="0"/>
+          <a:chExt cx="0" cy="0"/>
+        </a:xfrm>
+      </p:grpSpPr>
+      <p:sp>
+        <p:nvSpPr>
+          <p:cNvPr id="2" name="Slide Image Placeholder 1"/>
+          <p:cNvSpPr>
+            <a:spLocks noGrp="1" noRot="1" noChangeAspect="1"/>
+          </p:cNvSpPr>
+          <p:nvPr>
+            <p:ph type="sldImg"/>
+          </p:nvPr>
+        </p:nvSpPr>
+        <p:spPr/>
+      </p:sp>
+      <p:sp>
+        <p:nvSpPr>
+          <p:cNvPr id="3" name="Notes Placeholder 2"/>
+          <p:cNvSpPr>
+            <a:spLocks noGrp="1"/>
+          </p:cNvSpPr>
+          <p:nvPr>
+            <p:ph type="body" idx="1"/>
+          </p:nvPr>
+        </p:nvSpPr>
+        <p:spPr/>
+        <p:txBody>
+          <a:bodyPr/>
+          <a:lstStyle/>
+          <a:p>
+            <a:endParaRPr lang="en-US" dirty="0"/>
+          </a:p>
+        </p:txBody>
+      </p:sp>
+      <p:sp>
+        <p:nvSpPr>
+          <p:cNvPr id="4" name="Slide Number Placeholder 3"/>
+          <p:cNvSpPr>
+            <a:spLocks noGrp="1"/>
+          </p:cNvSpPr>
+          <p:nvPr>
+            <p:ph type="sldNum" sz="quarter" idx="5"/>
+          </p:nvPr>
+        </p:nvSpPr>
+        <p:spPr/>
+        <p:txBody>
+          <a:bodyPr/>
+          <a:lstStyle/>
+          <a:p>
+            <a:fld id="{020F486D-935E-4125-8FD7-C735663CC7DE}" type="slidenum">
+              <a:rPr lang="pt-BR" smtClean="0"/>
+              <a:t>29</a:t>
+            </a:fld>
+            <a:endParaRPr lang="pt-BR"/>
+          </a:p>
+        </p:txBody>
+      </p:sp>
+    </p:spTree>
+    <p:extLst>
+      <p:ext uri="{BB962C8B-B14F-4D97-AF65-F5344CB8AC3E}">
+        <p14:creationId xmlns:p14="http://schemas.microsoft.com/office/powerpoint/2010/main" val="2119129949"/>
       </p:ext>
     </p:extLst>
   </p:cSld>
@@ -1650,6 +2420,426 @@
     <p:extLst>
       <p:ext uri="{BB962C8B-B14F-4D97-AF65-F5344CB8AC3E}">
         <p14:creationId xmlns:p14="http://schemas.microsoft.com/office/powerpoint/2010/main" val="2488396558"/>
+      </p:ext>
+    </p:extLst>
+  </p:cSld>
+  <p:clrMapOvr>
+    <a:masterClrMapping/>
+  </p:clrMapOvr>
+</p:notes>
+</file>
+
+<file path=ppt/notesSlides/notesSlide30.xml><?xml version="1.0" encoding="utf-8"?>
+<p:notes xmlns:a="http://schemas.openxmlformats.org/drawingml/2006/main" xmlns:r="http://schemas.openxmlformats.org/officeDocument/2006/relationships" xmlns:p="http://schemas.openxmlformats.org/presentationml/2006/main">
+  <p:cSld>
+    <p:spTree>
+      <p:nvGrpSpPr>
+        <p:cNvPr id="1" name=""/>
+        <p:cNvGrpSpPr/>
+        <p:nvPr/>
+      </p:nvGrpSpPr>
+      <p:grpSpPr>
+        <a:xfrm>
+          <a:off x="0" y="0"/>
+          <a:ext cx="0" cy="0"/>
+          <a:chOff x="0" y="0"/>
+          <a:chExt cx="0" cy="0"/>
+        </a:xfrm>
+      </p:grpSpPr>
+      <p:sp>
+        <p:nvSpPr>
+          <p:cNvPr id="2" name="Slide Image Placeholder 1"/>
+          <p:cNvSpPr>
+            <a:spLocks noGrp="1" noRot="1" noChangeAspect="1"/>
+          </p:cNvSpPr>
+          <p:nvPr>
+            <p:ph type="sldImg"/>
+          </p:nvPr>
+        </p:nvSpPr>
+        <p:spPr/>
+      </p:sp>
+      <p:sp>
+        <p:nvSpPr>
+          <p:cNvPr id="3" name="Notes Placeholder 2"/>
+          <p:cNvSpPr>
+            <a:spLocks noGrp="1"/>
+          </p:cNvSpPr>
+          <p:nvPr>
+            <p:ph type="body" idx="1"/>
+          </p:nvPr>
+        </p:nvSpPr>
+        <p:spPr/>
+        <p:txBody>
+          <a:bodyPr/>
+          <a:lstStyle/>
+          <a:p>
+            <a:endParaRPr lang="en-US" dirty="0"/>
+          </a:p>
+        </p:txBody>
+      </p:sp>
+      <p:sp>
+        <p:nvSpPr>
+          <p:cNvPr id="4" name="Slide Number Placeholder 3"/>
+          <p:cNvSpPr>
+            <a:spLocks noGrp="1"/>
+          </p:cNvSpPr>
+          <p:nvPr>
+            <p:ph type="sldNum" sz="quarter" idx="5"/>
+          </p:nvPr>
+        </p:nvSpPr>
+        <p:spPr/>
+        <p:txBody>
+          <a:bodyPr/>
+          <a:lstStyle/>
+          <a:p>
+            <a:fld id="{020F486D-935E-4125-8FD7-C735663CC7DE}" type="slidenum">
+              <a:rPr lang="pt-BR" smtClean="0"/>
+              <a:t>30</a:t>
+            </a:fld>
+            <a:endParaRPr lang="pt-BR"/>
+          </a:p>
+        </p:txBody>
+      </p:sp>
+    </p:spTree>
+    <p:extLst>
+      <p:ext uri="{BB962C8B-B14F-4D97-AF65-F5344CB8AC3E}">
+        <p14:creationId xmlns:p14="http://schemas.microsoft.com/office/powerpoint/2010/main" val="2576326811"/>
+      </p:ext>
+    </p:extLst>
+  </p:cSld>
+  <p:clrMapOvr>
+    <a:masterClrMapping/>
+  </p:clrMapOvr>
+</p:notes>
+</file>
+
+<file path=ppt/notesSlides/notesSlide31.xml><?xml version="1.0" encoding="utf-8"?>
+<p:notes xmlns:a="http://schemas.openxmlformats.org/drawingml/2006/main" xmlns:r="http://schemas.openxmlformats.org/officeDocument/2006/relationships" xmlns:p="http://schemas.openxmlformats.org/presentationml/2006/main">
+  <p:cSld>
+    <p:spTree>
+      <p:nvGrpSpPr>
+        <p:cNvPr id="1" name=""/>
+        <p:cNvGrpSpPr/>
+        <p:nvPr/>
+      </p:nvGrpSpPr>
+      <p:grpSpPr>
+        <a:xfrm>
+          <a:off x="0" y="0"/>
+          <a:ext cx="0" cy="0"/>
+          <a:chOff x="0" y="0"/>
+          <a:chExt cx="0" cy="0"/>
+        </a:xfrm>
+      </p:grpSpPr>
+      <p:sp>
+        <p:nvSpPr>
+          <p:cNvPr id="2" name="Slide Image Placeholder 1"/>
+          <p:cNvSpPr>
+            <a:spLocks noGrp="1" noRot="1" noChangeAspect="1"/>
+          </p:cNvSpPr>
+          <p:nvPr>
+            <p:ph type="sldImg"/>
+          </p:nvPr>
+        </p:nvSpPr>
+        <p:spPr/>
+      </p:sp>
+      <p:sp>
+        <p:nvSpPr>
+          <p:cNvPr id="3" name="Notes Placeholder 2"/>
+          <p:cNvSpPr>
+            <a:spLocks noGrp="1"/>
+          </p:cNvSpPr>
+          <p:nvPr>
+            <p:ph type="body" idx="1"/>
+          </p:nvPr>
+        </p:nvSpPr>
+        <p:spPr/>
+        <p:txBody>
+          <a:bodyPr/>
+          <a:lstStyle/>
+          <a:p>
+            <a:endParaRPr lang="en-US" dirty="0"/>
+          </a:p>
+        </p:txBody>
+      </p:sp>
+      <p:sp>
+        <p:nvSpPr>
+          <p:cNvPr id="4" name="Slide Number Placeholder 3"/>
+          <p:cNvSpPr>
+            <a:spLocks noGrp="1"/>
+          </p:cNvSpPr>
+          <p:nvPr>
+            <p:ph type="sldNum" sz="quarter" idx="5"/>
+          </p:nvPr>
+        </p:nvSpPr>
+        <p:spPr/>
+        <p:txBody>
+          <a:bodyPr/>
+          <a:lstStyle/>
+          <a:p>
+            <a:fld id="{020F486D-935E-4125-8FD7-C735663CC7DE}" type="slidenum">
+              <a:rPr lang="pt-BR" smtClean="0"/>
+              <a:t>31</a:t>
+            </a:fld>
+            <a:endParaRPr lang="pt-BR"/>
+          </a:p>
+        </p:txBody>
+      </p:sp>
+    </p:spTree>
+    <p:extLst>
+      <p:ext uri="{BB962C8B-B14F-4D97-AF65-F5344CB8AC3E}">
+        <p14:creationId xmlns:p14="http://schemas.microsoft.com/office/powerpoint/2010/main" val="1652793502"/>
+      </p:ext>
+    </p:extLst>
+  </p:cSld>
+  <p:clrMapOvr>
+    <a:masterClrMapping/>
+  </p:clrMapOvr>
+</p:notes>
+</file>
+
+<file path=ppt/notesSlides/notesSlide32.xml><?xml version="1.0" encoding="utf-8"?>
+<p:notes xmlns:a="http://schemas.openxmlformats.org/drawingml/2006/main" xmlns:r="http://schemas.openxmlformats.org/officeDocument/2006/relationships" xmlns:p="http://schemas.openxmlformats.org/presentationml/2006/main">
+  <p:cSld>
+    <p:spTree>
+      <p:nvGrpSpPr>
+        <p:cNvPr id="1" name=""/>
+        <p:cNvGrpSpPr/>
+        <p:nvPr/>
+      </p:nvGrpSpPr>
+      <p:grpSpPr>
+        <a:xfrm>
+          <a:off x="0" y="0"/>
+          <a:ext cx="0" cy="0"/>
+          <a:chOff x="0" y="0"/>
+          <a:chExt cx="0" cy="0"/>
+        </a:xfrm>
+      </p:grpSpPr>
+      <p:sp>
+        <p:nvSpPr>
+          <p:cNvPr id="2" name="Slide Image Placeholder 1"/>
+          <p:cNvSpPr>
+            <a:spLocks noGrp="1" noRot="1" noChangeAspect="1"/>
+          </p:cNvSpPr>
+          <p:nvPr>
+            <p:ph type="sldImg"/>
+          </p:nvPr>
+        </p:nvSpPr>
+        <p:spPr/>
+      </p:sp>
+      <p:sp>
+        <p:nvSpPr>
+          <p:cNvPr id="3" name="Notes Placeholder 2"/>
+          <p:cNvSpPr>
+            <a:spLocks noGrp="1"/>
+          </p:cNvSpPr>
+          <p:nvPr>
+            <p:ph type="body" idx="1"/>
+          </p:nvPr>
+        </p:nvSpPr>
+        <p:spPr/>
+        <p:txBody>
+          <a:bodyPr/>
+          <a:lstStyle/>
+          <a:p>
+            <a:endParaRPr lang="en-US" dirty="0"/>
+          </a:p>
+        </p:txBody>
+      </p:sp>
+      <p:sp>
+        <p:nvSpPr>
+          <p:cNvPr id="4" name="Slide Number Placeholder 3"/>
+          <p:cNvSpPr>
+            <a:spLocks noGrp="1"/>
+          </p:cNvSpPr>
+          <p:nvPr>
+            <p:ph type="sldNum" sz="quarter" idx="5"/>
+          </p:nvPr>
+        </p:nvSpPr>
+        <p:spPr/>
+        <p:txBody>
+          <a:bodyPr/>
+          <a:lstStyle/>
+          <a:p>
+            <a:fld id="{020F486D-935E-4125-8FD7-C735663CC7DE}" type="slidenum">
+              <a:rPr lang="pt-BR" smtClean="0"/>
+              <a:t>32</a:t>
+            </a:fld>
+            <a:endParaRPr lang="pt-BR"/>
+          </a:p>
+        </p:txBody>
+      </p:sp>
+    </p:spTree>
+    <p:extLst>
+      <p:ext uri="{BB962C8B-B14F-4D97-AF65-F5344CB8AC3E}">
+        <p14:creationId xmlns:p14="http://schemas.microsoft.com/office/powerpoint/2010/main" val="76305166"/>
+      </p:ext>
+    </p:extLst>
+  </p:cSld>
+  <p:clrMapOvr>
+    <a:masterClrMapping/>
+  </p:clrMapOvr>
+</p:notes>
+</file>
+
+<file path=ppt/notesSlides/notesSlide33.xml><?xml version="1.0" encoding="utf-8"?>
+<p:notes xmlns:a="http://schemas.openxmlformats.org/drawingml/2006/main" xmlns:r="http://schemas.openxmlformats.org/officeDocument/2006/relationships" xmlns:p="http://schemas.openxmlformats.org/presentationml/2006/main">
+  <p:cSld>
+    <p:spTree>
+      <p:nvGrpSpPr>
+        <p:cNvPr id="1" name=""/>
+        <p:cNvGrpSpPr/>
+        <p:nvPr/>
+      </p:nvGrpSpPr>
+      <p:grpSpPr>
+        <a:xfrm>
+          <a:off x="0" y="0"/>
+          <a:ext cx="0" cy="0"/>
+          <a:chOff x="0" y="0"/>
+          <a:chExt cx="0" cy="0"/>
+        </a:xfrm>
+      </p:grpSpPr>
+      <p:sp>
+        <p:nvSpPr>
+          <p:cNvPr id="2" name="Slide Image Placeholder 1"/>
+          <p:cNvSpPr>
+            <a:spLocks noGrp="1" noRot="1" noChangeAspect="1"/>
+          </p:cNvSpPr>
+          <p:nvPr>
+            <p:ph type="sldImg"/>
+          </p:nvPr>
+        </p:nvSpPr>
+        <p:spPr/>
+      </p:sp>
+      <p:sp>
+        <p:nvSpPr>
+          <p:cNvPr id="3" name="Notes Placeholder 2"/>
+          <p:cNvSpPr>
+            <a:spLocks noGrp="1"/>
+          </p:cNvSpPr>
+          <p:nvPr>
+            <p:ph type="body" idx="1"/>
+          </p:nvPr>
+        </p:nvSpPr>
+        <p:spPr/>
+        <p:txBody>
+          <a:bodyPr/>
+          <a:lstStyle/>
+          <a:p>
+            <a:endParaRPr lang="en-US" dirty="0"/>
+          </a:p>
+        </p:txBody>
+      </p:sp>
+      <p:sp>
+        <p:nvSpPr>
+          <p:cNvPr id="4" name="Slide Number Placeholder 3"/>
+          <p:cNvSpPr>
+            <a:spLocks noGrp="1"/>
+          </p:cNvSpPr>
+          <p:nvPr>
+            <p:ph type="sldNum" sz="quarter" idx="5"/>
+          </p:nvPr>
+        </p:nvSpPr>
+        <p:spPr/>
+        <p:txBody>
+          <a:bodyPr/>
+          <a:lstStyle/>
+          <a:p>
+            <a:fld id="{020F486D-935E-4125-8FD7-C735663CC7DE}" type="slidenum">
+              <a:rPr lang="pt-BR" smtClean="0"/>
+              <a:t>33</a:t>
+            </a:fld>
+            <a:endParaRPr lang="pt-BR"/>
+          </a:p>
+        </p:txBody>
+      </p:sp>
+    </p:spTree>
+    <p:extLst>
+      <p:ext uri="{BB962C8B-B14F-4D97-AF65-F5344CB8AC3E}">
+        <p14:creationId xmlns:p14="http://schemas.microsoft.com/office/powerpoint/2010/main" val="4189901219"/>
+      </p:ext>
+    </p:extLst>
+  </p:cSld>
+  <p:clrMapOvr>
+    <a:masterClrMapping/>
+  </p:clrMapOvr>
+</p:notes>
+</file>
+
+<file path=ppt/notesSlides/notesSlide34.xml><?xml version="1.0" encoding="utf-8"?>
+<p:notes xmlns:a="http://schemas.openxmlformats.org/drawingml/2006/main" xmlns:r="http://schemas.openxmlformats.org/officeDocument/2006/relationships" xmlns:p="http://schemas.openxmlformats.org/presentationml/2006/main">
+  <p:cSld>
+    <p:spTree>
+      <p:nvGrpSpPr>
+        <p:cNvPr id="1" name=""/>
+        <p:cNvGrpSpPr/>
+        <p:nvPr/>
+      </p:nvGrpSpPr>
+      <p:grpSpPr>
+        <a:xfrm>
+          <a:off x="0" y="0"/>
+          <a:ext cx="0" cy="0"/>
+          <a:chOff x="0" y="0"/>
+          <a:chExt cx="0" cy="0"/>
+        </a:xfrm>
+      </p:grpSpPr>
+      <p:sp>
+        <p:nvSpPr>
+          <p:cNvPr id="2" name="Slide Image Placeholder 1"/>
+          <p:cNvSpPr>
+            <a:spLocks noGrp="1" noRot="1" noChangeAspect="1"/>
+          </p:cNvSpPr>
+          <p:nvPr>
+            <p:ph type="sldImg"/>
+          </p:nvPr>
+        </p:nvSpPr>
+        <p:spPr/>
+      </p:sp>
+      <p:sp>
+        <p:nvSpPr>
+          <p:cNvPr id="3" name="Notes Placeholder 2"/>
+          <p:cNvSpPr>
+            <a:spLocks noGrp="1"/>
+          </p:cNvSpPr>
+          <p:nvPr>
+            <p:ph type="body" idx="1"/>
+          </p:nvPr>
+        </p:nvSpPr>
+        <p:spPr/>
+        <p:txBody>
+          <a:bodyPr/>
+          <a:lstStyle/>
+          <a:p>
+            <a:endParaRPr lang="pt-BR" dirty="0"/>
+          </a:p>
+        </p:txBody>
+      </p:sp>
+      <p:sp>
+        <p:nvSpPr>
+          <p:cNvPr id="4" name="Slide Number Placeholder 3"/>
+          <p:cNvSpPr>
+            <a:spLocks noGrp="1"/>
+          </p:cNvSpPr>
+          <p:nvPr>
+            <p:ph type="sldNum" sz="quarter" idx="5"/>
+          </p:nvPr>
+        </p:nvSpPr>
+        <p:spPr/>
+        <p:txBody>
+          <a:bodyPr/>
+          <a:lstStyle/>
+          <a:p>
+            <a:fld id="{020F486D-935E-4125-8FD7-C735663CC7DE}" type="slidenum">
+              <a:rPr lang="pt-BR" smtClean="0"/>
+              <a:t>34</a:t>
+            </a:fld>
+            <a:endParaRPr lang="pt-BR"/>
+          </a:p>
+        </p:txBody>
+      </p:sp>
+    </p:spTree>
+    <p:extLst>
+      <p:ext uri="{BB962C8B-B14F-4D97-AF65-F5344CB8AC3E}">
+        <p14:creationId xmlns:p14="http://schemas.microsoft.com/office/powerpoint/2010/main" val="1008064520"/>
       </p:ext>
     </p:extLst>
   </p:cSld>
@@ -1985,7 +3175,7 @@
     </p:spTree>
     <p:extLst>
       <p:ext uri="{BB962C8B-B14F-4D97-AF65-F5344CB8AC3E}">
-        <p14:creationId xmlns:p14="http://schemas.microsoft.com/office/powerpoint/2010/main" val="1743046203"/>
+        <p14:creationId xmlns:p14="http://schemas.microsoft.com/office/powerpoint/2010/main" val="3368416053"/>
       </p:ext>
     </p:extLst>
   </p:cSld>
@@ -2069,7 +3259,7 @@
     </p:spTree>
     <p:extLst>
       <p:ext uri="{BB962C8B-B14F-4D97-AF65-F5344CB8AC3E}">
-        <p14:creationId xmlns:p14="http://schemas.microsoft.com/office/powerpoint/2010/main" val="3191202635"/>
+        <p14:creationId xmlns:p14="http://schemas.microsoft.com/office/powerpoint/2010/main" val="1743046203"/>
       </p:ext>
     </p:extLst>
   </p:cSld>
@@ -2153,7 +3343,7 @@
     </p:spTree>
     <p:extLst>
       <p:ext uri="{BB962C8B-B14F-4D97-AF65-F5344CB8AC3E}">
-        <p14:creationId xmlns:p14="http://schemas.microsoft.com/office/powerpoint/2010/main" val="1073619568"/>
+        <p14:creationId xmlns:p14="http://schemas.microsoft.com/office/powerpoint/2010/main" val="3191202635"/>
       </p:ext>
     </p:extLst>
   </p:cSld>
@@ -2322,7 +3512,7 @@
           <a:p>
             <a:fld id="{9642BF85-54FF-46CE-B398-87F998CFD60B}" type="datetimeFigureOut">
               <a:rPr lang="pt-BR" smtClean="0"/>
-              <a:t>05/02/2020</a:t>
+              <a:t>07/02/2020</a:t>
             </a:fld>
             <a:endParaRPr lang="pt-BR"/>
           </a:p>
@@ -2364,7 +3554,7 @@
           <a:p>
             <a:fld id="{29185252-FBA3-417A-8652-C405B89605D8}" type="slidenum">
               <a:rPr lang="pt-BR" smtClean="0"/>
-              <a:t>‹#›</a:t>
+              <a:t>‹nº›</a:t>
             </a:fld>
             <a:endParaRPr lang="pt-BR"/>
           </a:p>
@@ -2490,7 +3680,7 @@
           <a:p>
             <a:fld id="{9642BF85-54FF-46CE-B398-87F998CFD60B}" type="datetimeFigureOut">
               <a:rPr lang="pt-BR" smtClean="0"/>
-              <a:t>05/02/2020</a:t>
+              <a:t>07/02/2020</a:t>
             </a:fld>
             <a:endParaRPr lang="pt-BR"/>
           </a:p>
@@ -2532,7 +3722,7 @@
           <a:p>
             <a:fld id="{29185252-FBA3-417A-8652-C405B89605D8}" type="slidenum">
               <a:rPr lang="pt-BR" smtClean="0"/>
-              <a:t>‹#›</a:t>
+              <a:t>‹nº›</a:t>
             </a:fld>
             <a:endParaRPr lang="pt-BR"/>
           </a:p>
@@ -2668,7 +3858,7 @@
           <a:p>
             <a:fld id="{9642BF85-54FF-46CE-B398-87F998CFD60B}" type="datetimeFigureOut">
               <a:rPr lang="pt-BR" smtClean="0"/>
-              <a:t>05/02/2020</a:t>
+              <a:t>07/02/2020</a:t>
             </a:fld>
             <a:endParaRPr lang="pt-BR"/>
           </a:p>
@@ -2710,7 +3900,7 @@
           <a:p>
             <a:fld id="{29185252-FBA3-417A-8652-C405B89605D8}" type="slidenum">
               <a:rPr lang="pt-BR" smtClean="0"/>
-              <a:t>‹#›</a:t>
+              <a:t>‹nº›</a:t>
             </a:fld>
             <a:endParaRPr lang="pt-BR"/>
           </a:p>
@@ -3005,7 +4195,7 @@
           <a:p>
             <a:fld id="{9642BF85-54FF-46CE-B398-87F998CFD60B}" type="datetimeFigureOut">
               <a:rPr lang="pt-BR" smtClean="0"/>
-              <a:t>05/02/2020</a:t>
+              <a:t>07/02/2020</a:t>
             </a:fld>
             <a:endParaRPr lang="pt-BR"/>
           </a:p>
@@ -3047,7 +4237,7 @@
           <a:p>
             <a:fld id="{29185252-FBA3-417A-8652-C405B89605D8}" type="slidenum">
               <a:rPr lang="pt-BR" smtClean="0"/>
-              <a:t>‹#›</a:t>
+              <a:t>‹nº›</a:t>
             </a:fld>
             <a:endParaRPr lang="pt-BR"/>
           </a:p>
@@ -3276,7 +4466,7 @@
           <a:p>
             <a:fld id="{9642BF85-54FF-46CE-B398-87F998CFD60B}" type="datetimeFigureOut">
               <a:rPr lang="pt-BR" smtClean="0"/>
-              <a:t>05/02/2020</a:t>
+              <a:t>07/02/2020</a:t>
             </a:fld>
             <a:endParaRPr lang="pt-BR"/>
           </a:p>
@@ -3318,7 +4508,7 @@
           <a:p>
             <a:fld id="{29185252-FBA3-417A-8652-C405B89605D8}" type="slidenum">
               <a:rPr lang="pt-BR" smtClean="0"/>
-              <a:t>‹#›</a:t>
+              <a:t>‹nº›</a:t>
             </a:fld>
             <a:endParaRPr lang="pt-BR"/>
           </a:p>
@@ -3522,7 +4712,7 @@
           <a:p>
             <a:fld id="{9642BF85-54FF-46CE-B398-87F998CFD60B}" type="datetimeFigureOut">
               <a:rPr lang="pt-BR" smtClean="0"/>
-              <a:t>05/02/2020</a:t>
+              <a:t>07/02/2020</a:t>
             </a:fld>
             <a:endParaRPr lang="pt-BR"/>
           </a:p>
@@ -3564,7 +4754,7 @@
           <a:p>
             <a:fld id="{29185252-FBA3-417A-8652-C405B89605D8}" type="slidenum">
               <a:rPr lang="pt-BR" smtClean="0"/>
-              <a:t>‹#›</a:t>
+              <a:t>‹nº›</a:t>
             </a:fld>
             <a:endParaRPr lang="pt-BR"/>
           </a:p>
@@ -3886,7 +5076,7 @@
           <a:p>
             <a:fld id="{9642BF85-54FF-46CE-B398-87F998CFD60B}" type="datetimeFigureOut">
               <a:rPr lang="pt-BR" smtClean="0"/>
-              <a:t>05/02/2020</a:t>
+              <a:t>07/02/2020</a:t>
             </a:fld>
             <a:endParaRPr lang="pt-BR"/>
           </a:p>
@@ -3928,7 +5118,7 @@
           <a:p>
             <a:fld id="{29185252-FBA3-417A-8652-C405B89605D8}" type="slidenum">
               <a:rPr lang="pt-BR" smtClean="0"/>
-              <a:t>‹#›</a:t>
+              <a:t>‹nº›</a:t>
             </a:fld>
             <a:endParaRPr lang="pt-BR"/>
           </a:p>
@@ -4020,7 +5210,7 @@
           <a:p>
             <a:fld id="{9642BF85-54FF-46CE-B398-87F998CFD60B}" type="datetimeFigureOut">
               <a:rPr lang="pt-BR" smtClean="0"/>
-              <a:t>05/02/2020</a:t>
+              <a:t>07/02/2020</a:t>
             </a:fld>
             <a:endParaRPr lang="pt-BR"/>
           </a:p>
@@ -4062,7 +5252,7 @@
           <a:p>
             <a:fld id="{29185252-FBA3-417A-8652-C405B89605D8}" type="slidenum">
               <a:rPr lang="pt-BR" smtClean="0"/>
-              <a:t>‹#›</a:t>
+              <a:t>‹nº›</a:t>
             </a:fld>
             <a:endParaRPr lang="pt-BR"/>
           </a:p>
@@ -4115,7 +5305,7 @@
           <a:p>
             <a:fld id="{9642BF85-54FF-46CE-B398-87F998CFD60B}" type="datetimeFigureOut">
               <a:rPr lang="pt-BR" smtClean="0"/>
-              <a:t>05/02/2020</a:t>
+              <a:t>07/02/2020</a:t>
             </a:fld>
             <a:endParaRPr lang="pt-BR"/>
           </a:p>
@@ -4157,7 +5347,7 @@
           <a:p>
             <a:fld id="{29185252-FBA3-417A-8652-C405B89605D8}" type="slidenum">
               <a:rPr lang="pt-BR" smtClean="0"/>
-              <a:t>‹#›</a:t>
+              <a:t>‹nº›</a:t>
             </a:fld>
             <a:endParaRPr lang="pt-BR"/>
           </a:p>
@@ -4390,7 +5580,7 @@
           <a:p>
             <a:fld id="{9642BF85-54FF-46CE-B398-87F998CFD60B}" type="datetimeFigureOut">
               <a:rPr lang="pt-BR" smtClean="0"/>
-              <a:t>05/02/2020</a:t>
+              <a:t>07/02/2020</a:t>
             </a:fld>
             <a:endParaRPr lang="pt-BR"/>
           </a:p>
@@ -4432,7 +5622,7 @@
           <a:p>
             <a:fld id="{29185252-FBA3-417A-8652-C405B89605D8}" type="slidenum">
               <a:rPr lang="pt-BR" smtClean="0"/>
-              <a:t>‹#›</a:t>
+              <a:t>‹nº›</a:t>
             </a:fld>
             <a:endParaRPr lang="pt-BR"/>
           </a:p>
@@ -4642,7 +5832,7 @@
           <a:p>
             <a:fld id="{9642BF85-54FF-46CE-B398-87F998CFD60B}" type="datetimeFigureOut">
               <a:rPr lang="pt-BR" smtClean="0"/>
-              <a:t>05/02/2020</a:t>
+              <a:t>07/02/2020</a:t>
             </a:fld>
             <a:endParaRPr lang="pt-BR"/>
           </a:p>
@@ -4684,7 +5874,7 @@
           <a:p>
             <a:fld id="{29185252-FBA3-417A-8652-C405B89605D8}" type="slidenum">
               <a:rPr lang="pt-BR" smtClean="0"/>
-              <a:t>‹#›</a:t>
+              <a:t>‹nº›</a:t>
             </a:fld>
             <a:endParaRPr lang="pt-BR"/>
           </a:p>
@@ -4862,7 +6052,7 @@
           <a:p>
             <a:fld id="{9642BF85-54FF-46CE-B398-87F998CFD60B}" type="datetimeFigureOut">
               <a:rPr lang="pt-BR" smtClean="0"/>
-              <a:t>05/02/2020</a:t>
+              <a:t>07/02/2020</a:t>
             </a:fld>
             <a:endParaRPr lang="pt-BR"/>
           </a:p>
@@ -4940,7 +6130,7 @@
           <a:p>
             <a:fld id="{29185252-FBA3-417A-8652-C405B89605D8}" type="slidenum">
               <a:rPr lang="pt-BR" smtClean="0"/>
-              <a:t>‹#›</a:t>
+              <a:t>‹nº›</a:t>
             </a:fld>
             <a:endParaRPr lang="pt-BR"/>
           </a:p>
@@ -5417,20 +6607,31 @@
               <a:t>No arquivo </a:t>
             </a:r>
             <a:r>
+              <a:rPr lang="pt-BR" dirty="0" err="1">
+                <a:latin typeface="Courier New" panose="02070309020205020404" pitchFamily="49" charset="0"/>
+                <a:cs typeface="Courier New" panose="02070309020205020404" pitchFamily="49" charset="0"/>
+              </a:rPr>
+              <a:t>footer.php</a:t>
+            </a:r>
+            <a:r>
+              <a:rPr lang="pt-BR" dirty="0"/>
+              <a:t>, antes do fechamento da </a:t>
+            </a:r>
+            <a:r>
               <a:rPr lang="pt-BR" dirty="0" err="1"/>
-              <a:t>header.php</a:t>
-            </a:r>
-            <a:r>
-              <a:rPr lang="pt-BR" dirty="0"/>
-              <a:t>, dentro do elemento </a:t>
+              <a:t>tag</a:t>
+            </a:r>
+            <a:r>
+              <a:rPr lang="pt-BR" dirty="0"/>
+              <a:t> </a:t>
             </a:r>
             <a:r>
               <a:rPr lang="pt-BR" dirty="0" err="1"/>
-              <a:t>head</a:t>
-            </a:r>
-            <a:r>
-              <a:rPr lang="pt-BR" dirty="0"/>
-              <a:t>, insira o código que adicionará os scripts que devem ficar no início das páginas:</a:t>
+              <a:t>body</a:t>
+            </a:r>
+            <a:r>
+              <a:rPr lang="pt-BR" dirty="0"/>
+              <a:t>, insira o código que adicionará os scripts que devem ficar no final das páginas:</a:t>
             </a:r>
           </a:p>
           <a:p>
@@ -5447,7 +6648,7 @@
                 <a:latin typeface="Courier New" panose="02070309020205020404" pitchFamily="49" charset="0"/>
                 <a:cs typeface="Courier New" panose="02070309020205020404" pitchFamily="49" charset="0"/>
               </a:rPr>
-              <a:t>wp_head</a:t>
+              <a:t>wp_footer</a:t>
             </a:r>
             <a:r>
               <a:rPr lang="en-US" dirty="0">
@@ -5466,7 +6667,7 @@
     </p:spTree>
     <p:extLst>
       <p:ext uri="{BB962C8B-B14F-4D97-AF65-F5344CB8AC3E}">
-        <p14:creationId xmlns:p14="http://schemas.microsoft.com/office/powerpoint/2010/main" val="3855399896"/>
+        <p14:creationId xmlns:p14="http://schemas.microsoft.com/office/powerpoint/2010/main" val="548694929"/>
       </p:ext>
     </p:extLst>
   </p:cSld>
@@ -5510,13 +6711,8 @@
           <a:p>
             <a:r>
               <a:rPr lang="pt-BR" dirty="0"/>
-              <a:t>Adição de classe no </a:t>
-            </a:r>
-            <a:r>
-              <a:rPr lang="pt-BR" dirty="0" err="1"/>
-              <a:t>body</a:t>
-            </a:r>
-            <a:endParaRPr lang="pt-BR" dirty="0"/>
+              <a:t>Adição de scripts necessários</a:t>
+            </a:r>
           </a:p>
         </p:txBody>
       </p:sp>
@@ -5542,36 +6738,40 @@
               <a:t>No arquivo </a:t>
             </a:r>
             <a:r>
-              <a:rPr lang="pt-BR" dirty="0" err="1"/>
+              <a:rPr lang="pt-BR" dirty="0" err="1">
+                <a:latin typeface="Courier New" panose="02070309020205020404" pitchFamily="49" charset="0"/>
+                <a:cs typeface="Courier New" panose="02070309020205020404" pitchFamily="49" charset="0"/>
+              </a:rPr>
               <a:t>header.php</a:t>
             </a:r>
             <a:r>
               <a:rPr lang="pt-BR" dirty="0"/>
-              <a:t>, insira o código na </a:t>
-            </a:r>
-            <a:r>
-              <a:rPr lang="pt-BR" dirty="0" err="1"/>
-              <a:t>tag</a:t>
-            </a:r>
-            <a:r>
-              <a:rPr lang="pt-BR" dirty="0"/>
-              <a:t> </a:t>
-            </a:r>
-            <a:r>
-              <a:rPr lang="pt-BR" dirty="0" err="1"/>
-              <a:t>body</a:t>
-            </a:r>
-            <a:r>
-              <a:rPr lang="pt-BR" dirty="0"/>
-              <a:t> que adicionará as classes necessárias para a estrutura da página no </a:t>
-            </a:r>
-            <a:r>
-              <a:rPr lang="pt-BR" dirty="0" err="1"/>
-              <a:t>wordpress</a:t>
-            </a:r>
-            <a:r>
-              <a:rPr lang="pt-BR" dirty="0"/>
-              <a:t>:</a:t>
+              <a:t>, dentro do elemento </a:t>
+            </a:r>
+            <a:r>
+              <a:rPr lang="pt-BR" dirty="0">
+                <a:latin typeface="Courier New" panose="02070309020205020404" pitchFamily="49" charset="0"/>
+                <a:cs typeface="Courier New" panose="02070309020205020404" pitchFamily="49" charset="0"/>
+              </a:rPr>
+              <a:t>&lt;</a:t>
+            </a:r>
+            <a:r>
+              <a:rPr lang="pt-BR" dirty="0" err="1">
+                <a:latin typeface="Courier New" panose="02070309020205020404" pitchFamily="49" charset="0"/>
+                <a:cs typeface="Courier New" panose="02070309020205020404" pitchFamily="49" charset="0"/>
+              </a:rPr>
+              <a:t>head</a:t>
+            </a:r>
+            <a:r>
+              <a:rPr lang="pt-BR" dirty="0">
+                <a:latin typeface="Courier New" panose="02070309020205020404" pitchFamily="49" charset="0"/>
+                <a:cs typeface="Courier New" panose="02070309020205020404" pitchFamily="49" charset="0"/>
+              </a:rPr>
+              <a:t>&gt;</a:t>
+            </a:r>
+            <a:r>
+              <a:rPr lang="pt-BR" dirty="0"/>
+              <a:t>, insira o código que adicionará os scripts que devem ficar no início das páginas:</a:t>
             </a:r>
           </a:p>
           <a:p>
@@ -5581,21 +6781,21 @@
                 <a:latin typeface="Courier New" panose="02070309020205020404" pitchFamily="49" charset="0"/>
                 <a:cs typeface="Courier New" panose="02070309020205020404" pitchFamily="49" charset="0"/>
               </a:rPr>
-              <a:t>&lt;body &lt;?php </a:t>
+              <a:t>&lt;?php </a:t>
             </a:r>
             <a:r>
               <a:rPr lang="en-US" dirty="0" err="1">
                 <a:latin typeface="Courier New" panose="02070309020205020404" pitchFamily="49" charset="0"/>
                 <a:cs typeface="Courier New" panose="02070309020205020404" pitchFamily="49" charset="0"/>
               </a:rPr>
-              <a:t>body_class</a:t>
-            </a:r>
-            <a:r>
-              <a:rPr lang="en-US" dirty="0">
-                <a:latin typeface="Courier New" panose="02070309020205020404" pitchFamily="49" charset="0"/>
-                <a:cs typeface="Courier New" panose="02070309020205020404" pitchFamily="49" charset="0"/>
-              </a:rPr>
-              <a:t>(); ?&gt;&gt;</a:t>
+              <a:t>wp_head</a:t>
+            </a:r>
+            <a:r>
+              <a:rPr lang="en-US" dirty="0">
+                <a:latin typeface="Courier New" panose="02070309020205020404" pitchFamily="49" charset="0"/>
+                <a:cs typeface="Courier New" panose="02070309020205020404" pitchFamily="49" charset="0"/>
+              </a:rPr>
+              <a:t>(); ?&gt;</a:t>
             </a:r>
             <a:endParaRPr lang="pt-BR" dirty="0">
               <a:latin typeface="Courier New" panose="02070309020205020404" pitchFamily="49" charset="0"/>
@@ -5607,7 +6807,7 @@
     </p:spTree>
     <p:extLst>
       <p:ext uri="{BB962C8B-B14F-4D97-AF65-F5344CB8AC3E}">
-        <p14:creationId xmlns:p14="http://schemas.microsoft.com/office/powerpoint/2010/main" val="2565023380"/>
+        <p14:creationId xmlns:p14="http://schemas.microsoft.com/office/powerpoint/2010/main" val="3855399896"/>
       </p:ext>
     </p:extLst>
   </p:cSld>
@@ -5651,7 +6851,28 @@
           <a:p>
             <a:r>
               <a:rPr lang="pt-BR" dirty="0"/>
-              <a:t>Visualização do site</a:t>
+              <a:t>Adição de classe no elemento </a:t>
+            </a:r>
+            <a:r>
+              <a:rPr lang="pt-BR" dirty="0">
+                <a:latin typeface="Courier New" panose="02070309020205020404" pitchFamily="49" charset="0"/>
+                <a:cs typeface="Courier New" panose="02070309020205020404" pitchFamily="49" charset="0"/>
+              </a:rPr>
+              <a:t>&lt;</a:t>
+            </a:r>
+            <a:r>
+              <a:rPr lang="pt-BR" dirty="0" err="1">
+                <a:latin typeface="Courier New" panose="02070309020205020404" pitchFamily="49" charset="0"/>
+                <a:cs typeface="Courier New" panose="02070309020205020404" pitchFamily="49" charset="0"/>
+              </a:rPr>
+              <a:t>body</a:t>
+            </a:r>
+            <a:r>
+              <a:rPr lang="pt-BR" dirty="0">
+                <a:latin typeface="Courier New" panose="02070309020205020404" pitchFamily="49" charset="0"/>
+                <a:cs typeface="Courier New" panose="02070309020205020404" pitchFamily="49" charset="0"/>
+              </a:rPr>
+              <a:t>&gt;</a:t>
             </a:r>
           </a:p>
         </p:txBody>
@@ -5675,11 +6896,63 @@
           <a:p>
             <a:r>
               <a:rPr lang="pt-BR" dirty="0"/>
-              <a:t>Visualize o site e, usando as ferramentas para desenvolvedores, inspecione os códigos inseridos pelas funções usadas até o momento</a:t>
-            </a:r>
-            <a:r>
-              <a:rPr lang="en-US" dirty="0"/>
-              <a:t>.</a:t>
+              <a:t>No arquivo </a:t>
+            </a:r>
+            <a:r>
+              <a:rPr lang="pt-BR" dirty="0" err="1"/>
+              <a:t>header.php</a:t>
+            </a:r>
+            <a:r>
+              <a:rPr lang="pt-BR" dirty="0"/>
+              <a:t>, insira o código na </a:t>
+            </a:r>
+            <a:r>
+              <a:rPr lang="pt-BR" dirty="0" err="1"/>
+              <a:t>tag</a:t>
+            </a:r>
+            <a:r>
+              <a:rPr lang="pt-BR" dirty="0"/>
+              <a:t> </a:t>
+            </a:r>
+            <a:r>
+              <a:rPr lang="pt-BR" dirty="0" err="1"/>
+              <a:t>body</a:t>
+            </a:r>
+            <a:r>
+              <a:rPr lang="pt-BR" dirty="0"/>
+              <a:t> que adicionará as classes necessárias para a estrutura da página no </a:t>
+            </a:r>
+            <a:r>
+              <a:rPr lang="pt-BR" dirty="0" err="1"/>
+              <a:t>wordpress</a:t>
+            </a:r>
+            <a:r>
+              <a:rPr lang="pt-BR" dirty="0"/>
+              <a:t>:</a:t>
+            </a:r>
+          </a:p>
+          <a:p>
+            <a:pPr algn="l"/>
+            <a:r>
+              <a:rPr lang="en-US" dirty="0">
+                <a:latin typeface="Courier New" panose="02070309020205020404" pitchFamily="49" charset="0"/>
+                <a:cs typeface="Courier New" panose="02070309020205020404" pitchFamily="49" charset="0"/>
+              </a:rPr>
+              <a:t>&lt;body &lt;?php </a:t>
+            </a:r>
+            <a:r>
+              <a:rPr lang="en-US" dirty="0" err="1">
+                <a:latin typeface="Courier New" panose="02070309020205020404" pitchFamily="49" charset="0"/>
+                <a:cs typeface="Courier New" panose="02070309020205020404" pitchFamily="49" charset="0"/>
+              </a:rPr>
+              <a:t>body_class</a:t>
+            </a:r>
+            <a:r>
+              <a:rPr lang="en-US" dirty="0">
+                <a:latin typeface="Courier New" panose="02070309020205020404" pitchFamily="49" charset="0"/>
+                <a:cs typeface="Courier New" panose="02070309020205020404" pitchFamily="49" charset="0"/>
+              </a:rPr>
+              <a:t>(); ?&gt;&gt;</a:t>
             </a:r>
             <a:endParaRPr lang="pt-BR" dirty="0">
               <a:latin typeface="Courier New" panose="02070309020205020404" pitchFamily="49" charset="0"/>
@@ -5691,7 +6964,7 @@
     </p:spTree>
     <p:extLst>
       <p:ext uri="{BB962C8B-B14F-4D97-AF65-F5344CB8AC3E}">
-        <p14:creationId xmlns:p14="http://schemas.microsoft.com/office/powerpoint/2010/main" val="2719690615"/>
+        <p14:creationId xmlns:p14="http://schemas.microsoft.com/office/powerpoint/2010/main" val="2565023380"/>
       </p:ext>
     </p:extLst>
   </p:cSld>
@@ -5735,7 +7008,7 @@
           <a:p>
             <a:r>
               <a:rPr lang="pt-BR" dirty="0"/>
-              <a:t>Inserção de scripts adicionais</a:t>
+              <a:t>Visualização do site</a:t>
             </a:r>
           </a:p>
         </p:txBody>
@@ -5753,212 +7026,18 @@
         <p:spPr/>
         <p:txBody>
           <a:bodyPr>
-            <a:normAutofit fontScale="85000" lnSpcReduction="20000"/>
+            <a:normAutofit/>
           </a:bodyPr>
           <a:lstStyle/>
           <a:p>
             <a:r>
-              <a:rPr lang="en-US" dirty="0" err="1"/>
-              <a:t>Crie</a:t>
+              <a:rPr lang="pt-BR" dirty="0"/>
+              <a:t>Visualize o site e, usando as ferramentas para desenvolvedores, inspecione os códigos inseridos pelas funções usadas até o momento</a:t>
             </a:r>
             <a:r>
               <a:rPr lang="en-US" dirty="0"/>
-              <a:t> o </a:t>
-            </a:r>
-            <a:r>
-              <a:rPr lang="en-US" dirty="0" err="1"/>
-              <a:t>arquivo</a:t>
-            </a:r>
-            <a:r>
-              <a:rPr lang="en-US" dirty="0"/>
-              <a:t> </a:t>
-            </a:r>
-            <a:r>
-              <a:rPr lang="en-US" dirty="0" err="1"/>
-              <a:t>functions.php</a:t>
-            </a:r>
-            <a:r>
-              <a:rPr lang="en-US" dirty="0"/>
-              <a:t> com o </a:t>
-            </a:r>
-            <a:r>
-              <a:rPr lang="en-US" dirty="0" err="1"/>
-              <a:t>seguinte</a:t>
-            </a:r>
-            <a:r>
-              <a:rPr lang="en-US" dirty="0"/>
-              <a:t> </a:t>
-            </a:r>
-            <a:r>
-              <a:rPr lang="en-US" dirty="0" err="1"/>
-              <a:t>código</a:t>
-            </a:r>
-            <a:r>
-              <a:rPr lang="en-US" dirty="0"/>
-              <a:t>:</a:t>
-            </a:r>
-            <a:endParaRPr lang="en-US" dirty="0">
-              <a:latin typeface="Courier New" panose="02070309020205020404" pitchFamily="49" charset="0"/>
-              <a:cs typeface="Courier New" panose="02070309020205020404" pitchFamily="49" charset="0"/>
-            </a:endParaRPr>
-          </a:p>
-          <a:p>
-            <a:pPr algn="l"/>
-            <a:r>
-              <a:rPr lang="en-US" dirty="0">
-                <a:latin typeface="Courier New" panose="02070309020205020404" pitchFamily="49" charset="0"/>
-                <a:cs typeface="Courier New" panose="02070309020205020404" pitchFamily="49" charset="0"/>
-              </a:rPr>
-              <a:t>function </a:t>
-            </a:r>
-            <a:r>
-              <a:rPr lang="en-US" dirty="0" err="1">
-                <a:latin typeface="Courier New" panose="02070309020205020404" pitchFamily="49" charset="0"/>
-                <a:cs typeface="Courier New" panose="02070309020205020404" pitchFamily="49" charset="0"/>
-              </a:rPr>
-              <a:t>adicionar_estilos</a:t>
-            </a:r>
-            <a:r>
-              <a:rPr lang="en-US" dirty="0">
-                <a:latin typeface="Courier New" panose="02070309020205020404" pitchFamily="49" charset="0"/>
-                <a:cs typeface="Courier New" panose="02070309020205020404" pitchFamily="49" charset="0"/>
-              </a:rPr>
-              <a:t>(){</a:t>
-            </a:r>
-          </a:p>
-          <a:p>
-            <a:pPr algn="l"/>
-            <a:r>
-              <a:rPr lang="en-US" dirty="0">
-                <a:latin typeface="Courier New" panose="02070309020205020404" pitchFamily="49" charset="0"/>
-                <a:cs typeface="Courier New" panose="02070309020205020404" pitchFamily="49" charset="0"/>
-              </a:rPr>
-              <a:t>    </a:t>
-            </a:r>
-            <a:r>
-              <a:rPr lang="en-US" dirty="0" err="1">
-                <a:latin typeface="Courier New" panose="02070309020205020404" pitchFamily="49" charset="0"/>
-                <a:cs typeface="Courier New" panose="02070309020205020404" pitchFamily="49" charset="0"/>
-              </a:rPr>
-              <a:t>wp_register_style</a:t>
-            </a:r>
-            <a:r>
-              <a:rPr lang="en-US" dirty="0">
-                <a:latin typeface="Courier New" panose="02070309020205020404" pitchFamily="49" charset="0"/>
-                <a:cs typeface="Courier New" panose="02070309020205020404" pitchFamily="49" charset="0"/>
-              </a:rPr>
-              <a:t>('bootstrap', </a:t>
-            </a:r>
-            <a:r>
-              <a:rPr lang="en-US" dirty="0" err="1">
-                <a:latin typeface="Courier New" panose="02070309020205020404" pitchFamily="49" charset="0"/>
-                <a:cs typeface="Courier New" panose="02070309020205020404" pitchFamily="49" charset="0"/>
-              </a:rPr>
-              <a:t>get_template_directory_uri</a:t>
-            </a:r>
-            <a:r>
-              <a:rPr lang="en-US" dirty="0">
-                <a:latin typeface="Courier New" panose="02070309020205020404" pitchFamily="49" charset="0"/>
-                <a:cs typeface="Courier New" panose="02070309020205020404" pitchFamily="49" charset="0"/>
-              </a:rPr>
-              <a:t>() . '/</a:t>
-            </a:r>
-            <a:r>
-              <a:rPr lang="en-US" dirty="0" err="1">
-                <a:latin typeface="Courier New" panose="02070309020205020404" pitchFamily="49" charset="0"/>
-                <a:cs typeface="Courier New" panose="02070309020205020404" pitchFamily="49" charset="0"/>
-              </a:rPr>
-              <a:t>css</a:t>
-            </a:r>
-            <a:r>
-              <a:rPr lang="en-US" dirty="0">
-                <a:latin typeface="Courier New" panose="02070309020205020404" pitchFamily="49" charset="0"/>
-                <a:cs typeface="Courier New" panose="02070309020205020404" pitchFamily="49" charset="0"/>
-              </a:rPr>
-              <a:t>/bootstrap.min.css');</a:t>
-            </a:r>
-          </a:p>
-          <a:p>
-            <a:pPr algn="l"/>
-            <a:r>
-              <a:rPr lang="en-US" dirty="0">
-                <a:latin typeface="Courier New" panose="02070309020205020404" pitchFamily="49" charset="0"/>
-                <a:cs typeface="Courier New" panose="02070309020205020404" pitchFamily="49" charset="0"/>
-              </a:rPr>
-              <a:t>    </a:t>
-            </a:r>
-            <a:r>
-              <a:rPr lang="en-US" dirty="0" err="1">
-                <a:latin typeface="Courier New" panose="02070309020205020404" pitchFamily="49" charset="0"/>
-                <a:cs typeface="Courier New" panose="02070309020205020404" pitchFamily="49" charset="0"/>
-              </a:rPr>
-              <a:t>wp_enqueue_style</a:t>
-            </a:r>
-            <a:r>
-              <a:rPr lang="en-US" dirty="0">
-                <a:latin typeface="Courier New" panose="02070309020205020404" pitchFamily="49" charset="0"/>
-                <a:cs typeface="Courier New" panose="02070309020205020404" pitchFamily="49" charset="0"/>
-              </a:rPr>
-              <a:t>('bootstrap');</a:t>
-            </a:r>
-          </a:p>
-          <a:p>
-            <a:pPr algn="l"/>
-            <a:r>
-              <a:rPr lang="en-US" dirty="0">
-                <a:latin typeface="Courier New" panose="02070309020205020404" pitchFamily="49" charset="0"/>
-                <a:cs typeface="Courier New" panose="02070309020205020404" pitchFamily="49" charset="0"/>
-              </a:rPr>
-              <a:t>}</a:t>
-            </a:r>
-          </a:p>
-          <a:p>
-            <a:pPr algn="l"/>
-            <a:r>
-              <a:rPr lang="en-US" dirty="0" err="1">
-                <a:latin typeface="Courier New" panose="02070309020205020404" pitchFamily="49" charset="0"/>
-                <a:cs typeface="Courier New" panose="02070309020205020404" pitchFamily="49" charset="0"/>
-              </a:rPr>
-              <a:t>add_action</a:t>
-            </a:r>
-            <a:r>
-              <a:rPr lang="en-US" dirty="0">
-                <a:latin typeface="Courier New" panose="02070309020205020404" pitchFamily="49" charset="0"/>
-                <a:cs typeface="Courier New" panose="02070309020205020404" pitchFamily="49" charset="0"/>
-              </a:rPr>
-              <a:t>('</a:t>
-            </a:r>
-            <a:r>
-              <a:rPr lang="en-US" dirty="0" err="1">
-                <a:latin typeface="Courier New" panose="02070309020205020404" pitchFamily="49" charset="0"/>
-                <a:cs typeface="Courier New" panose="02070309020205020404" pitchFamily="49" charset="0"/>
-              </a:rPr>
-              <a:t>wp_enqueue_scripts</a:t>
-            </a:r>
-            <a:r>
-              <a:rPr lang="en-US" dirty="0">
-                <a:latin typeface="Courier New" panose="02070309020205020404" pitchFamily="49" charset="0"/>
-                <a:cs typeface="Courier New" panose="02070309020205020404" pitchFamily="49" charset="0"/>
-              </a:rPr>
-              <a:t>', '</a:t>
-            </a:r>
-            <a:r>
-              <a:rPr lang="en-US" dirty="0" err="1">
-                <a:latin typeface="Courier New" panose="02070309020205020404" pitchFamily="49" charset="0"/>
-                <a:cs typeface="Courier New" panose="02070309020205020404" pitchFamily="49" charset="0"/>
-              </a:rPr>
-              <a:t>adicionar_estilos</a:t>
-            </a:r>
-            <a:r>
-              <a:rPr lang="en-US" dirty="0">
-                <a:latin typeface="Courier New" panose="02070309020205020404" pitchFamily="49" charset="0"/>
-                <a:cs typeface="Courier New" panose="02070309020205020404" pitchFamily="49" charset="0"/>
-              </a:rPr>
-              <a:t>');</a:t>
-            </a:r>
-          </a:p>
-          <a:p>
-            <a:pPr algn="l"/>
+              <a:t>.</a:t>
+            </a:r>
             <a:endParaRPr lang="pt-BR" dirty="0">
               <a:latin typeface="Courier New" panose="02070309020205020404" pitchFamily="49" charset="0"/>
               <a:cs typeface="Courier New" panose="02070309020205020404" pitchFamily="49" charset="0"/>
@@ -5969,7 +7048,7 @@
     </p:spTree>
     <p:extLst>
       <p:ext uri="{BB962C8B-B14F-4D97-AF65-F5344CB8AC3E}">
-        <p14:creationId xmlns:p14="http://schemas.microsoft.com/office/powerpoint/2010/main" val="253856445"/>
+        <p14:creationId xmlns:p14="http://schemas.microsoft.com/office/powerpoint/2010/main" val="2719690615"/>
       </p:ext>
     </p:extLst>
   </p:cSld>
@@ -6013,7 +7092,7 @@
           <a:p>
             <a:r>
               <a:rPr lang="pt-BR" dirty="0"/>
-              <a:t>Visualização do site</a:t>
+              <a:t>Inserção de scripts adicionais</a:t>
             </a:r>
           </a:p>
         </p:txBody>
@@ -6036,37 +7115,49 @@
           <a:lstStyle/>
           <a:p>
             <a:r>
-              <a:rPr lang="pt-BR" dirty="0"/>
-              <a:t>Insira algum conteúdo HTML no arquivo front-</a:t>
-            </a:r>
-            <a:r>
-              <a:rPr lang="pt-BR" dirty="0" err="1"/>
-              <a:t>page.php</a:t>
-            </a:r>
-            <a:r>
-              <a:rPr lang="pt-BR" dirty="0"/>
-              <a:t> e visualize o site</a:t>
+              <a:rPr lang="en-US" dirty="0" err="1"/>
+              <a:t>Crie</a:t>
             </a:r>
             <a:r>
               <a:rPr lang="en-US" dirty="0"/>
-              <a:t> para </a:t>
-            </a:r>
-            <a:r>
-              <a:rPr lang="pt-BR" dirty="0"/>
-              <a:t>observar</a:t>
+              <a:t> o </a:t>
+            </a:r>
+            <a:r>
+              <a:rPr lang="en-US" dirty="0" err="1"/>
+              <a:t>arquivo</a:t>
             </a:r>
             <a:r>
               <a:rPr lang="en-US" dirty="0"/>
-              <a:t> a </a:t>
-            </a:r>
-            <a:r>
-              <a:rPr lang="pt-BR" dirty="0"/>
-              <a:t>inserção</a:t>
+              <a:t> </a:t>
+            </a:r>
+            <a:r>
+              <a:rPr lang="en-US" dirty="0" err="1"/>
+              <a:t>functions.php</a:t>
             </a:r>
             <a:r>
               <a:rPr lang="en-US" dirty="0"/>
-              <a:t> do novo script.</a:t>
-            </a:r>
+              <a:t> com o </a:t>
+            </a:r>
+            <a:r>
+              <a:rPr lang="en-US" dirty="0" err="1"/>
+              <a:t>seguinte</a:t>
+            </a:r>
+            <a:r>
+              <a:rPr lang="en-US" dirty="0"/>
+              <a:t> </a:t>
+            </a:r>
+            <a:r>
+              <a:rPr lang="en-US" dirty="0" err="1"/>
+              <a:t>código</a:t>
+            </a:r>
+            <a:r>
+              <a:rPr lang="en-US" dirty="0"/>
+              <a:t>:</a:t>
+            </a:r>
+            <a:endParaRPr lang="en-US" dirty="0">
+              <a:latin typeface="Courier New" panose="02070309020205020404" pitchFamily="49" charset="0"/>
+              <a:cs typeface="Courier New" panose="02070309020205020404" pitchFamily="49" charset="0"/>
+            </a:endParaRPr>
           </a:p>
           <a:p>
             <a:pPr algn="l"/>
@@ -6075,7 +7166,21 @@
                 <a:latin typeface="Courier New" panose="02070309020205020404" pitchFamily="49" charset="0"/>
                 <a:cs typeface="Courier New" panose="02070309020205020404" pitchFamily="49" charset="0"/>
               </a:rPr>
-              <a:t>&lt;div class="container"&gt;</a:t>
+              <a:t>function </a:t>
+            </a:r>
+            <a:r>
+              <a:rPr lang="en-US" dirty="0" err="1">
+                <a:latin typeface="Courier New" panose="02070309020205020404" pitchFamily="49" charset="0"/>
+                <a:cs typeface="Courier New" panose="02070309020205020404" pitchFamily="49" charset="0"/>
+              </a:rPr>
+              <a:t>adicionar_estilos</a:t>
+            </a:r>
+            <a:r>
+              <a:rPr lang="en-US" dirty="0">
+                <a:latin typeface="Courier New" panose="02070309020205020404" pitchFamily="49" charset="0"/>
+                <a:cs typeface="Courier New" panose="02070309020205020404" pitchFamily="49" charset="0"/>
+              </a:rPr>
+              <a:t>(){</a:t>
             </a:r>
           </a:p>
           <a:p>
@@ -6085,7 +7190,49 @@
                 <a:latin typeface="Courier New" panose="02070309020205020404" pitchFamily="49" charset="0"/>
                 <a:cs typeface="Courier New" panose="02070309020205020404" pitchFamily="49" charset="0"/>
               </a:rPr>
-              <a:t>    &lt;div class="row"&gt;</a:t>
+              <a:t>    </a:t>
+            </a:r>
+            <a:r>
+              <a:rPr lang="en-US" dirty="0" err="1">
+                <a:latin typeface="Courier New" panose="02070309020205020404" pitchFamily="49" charset="0"/>
+                <a:cs typeface="Courier New" panose="02070309020205020404" pitchFamily="49" charset="0"/>
+              </a:rPr>
+              <a:t>wp_register_style</a:t>
+            </a:r>
+            <a:r>
+              <a:rPr lang="en-US" dirty="0">
+                <a:latin typeface="Courier New" panose="02070309020205020404" pitchFamily="49" charset="0"/>
+                <a:cs typeface="Courier New" panose="02070309020205020404" pitchFamily="49" charset="0"/>
+              </a:rPr>
+              <a:t>('bootstrap', </a:t>
+            </a:r>
+            <a:r>
+              <a:rPr lang="en-US" dirty="0" err="1">
+                <a:latin typeface="Courier New" panose="02070309020205020404" pitchFamily="49" charset="0"/>
+                <a:cs typeface="Courier New" panose="02070309020205020404" pitchFamily="49" charset="0"/>
+              </a:rPr>
+              <a:t>get_template_directory_uri</a:t>
+            </a:r>
+            <a:r>
+              <a:rPr lang="en-US" dirty="0">
+                <a:latin typeface="Courier New" panose="02070309020205020404" pitchFamily="49" charset="0"/>
+                <a:cs typeface="Courier New" panose="02070309020205020404" pitchFamily="49" charset="0"/>
+              </a:rPr>
+              <a:t>() . '/</a:t>
+            </a:r>
+            <a:r>
+              <a:rPr lang="en-US" dirty="0" err="1">
+                <a:latin typeface="Courier New" panose="02070309020205020404" pitchFamily="49" charset="0"/>
+                <a:cs typeface="Courier New" panose="02070309020205020404" pitchFamily="49" charset="0"/>
+              </a:rPr>
+              <a:t>css</a:t>
+            </a:r>
+            <a:r>
+              <a:rPr lang="en-US" dirty="0">
+                <a:latin typeface="Courier New" panose="02070309020205020404" pitchFamily="49" charset="0"/>
+                <a:cs typeface="Courier New" panose="02070309020205020404" pitchFamily="49" charset="0"/>
+              </a:rPr>
+              <a:t>/bootstrap.min.css');</a:t>
             </a:r>
           </a:p>
           <a:p>
@@ -6095,21 +7242,21 @@
                 <a:latin typeface="Courier New" panose="02070309020205020404" pitchFamily="49" charset="0"/>
                 <a:cs typeface="Courier New" panose="02070309020205020404" pitchFamily="49" charset="0"/>
               </a:rPr>
-              <a:t>        &lt;div class="col"&gt;</a:t>
+              <a:t>    </a:t>
             </a:r>
             <a:r>
               <a:rPr lang="en-US" dirty="0" err="1">
                 <a:latin typeface="Courier New" panose="02070309020205020404" pitchFamily="49" charset="0"/>
                 <a:cs typeface="Courier New" panose="02070309020205020404" pitchFamily="49" charset="0"/>
               </a:rPr>
-              <a:t>Esquerda</a:t>
-            </a:r>
-            <a:r>
-              <a:rPr lang="en-US" dirty="0">
-                <a:latin typeface="Courier New" panose="02070309020205020404" pitchFamily="49" charset="0"/>
-                <a:cs typeface="Courier New" panose="02070309020205020404" pitchFamily="49" charset="0"/>
-              </a:rPr>
-              <a:t>&lt;/div&gt;</a:t>
+              <a:t>wp_enqueue_style</a:t>
+            </a:r>
+            <a:r>
+              <a:rPr lang="en-US" dirty="0">
+                <a:latin typeface="Courier New" panose="02070309020205020404" pitchFamily="49" charset="0"/>
+                <a:cs typeface="Courier New" panose="02070309020205020404" pitchFamily="49" charset="0"/>
+              </a:rPr>
+              <a:t>('bootstrap');</a:t>
             </a:r>
           </a:p>
           <a:p>
@@ -6119,42 +7266,56 @@
                 <a:latin typeface="Courier New" panose="02070309020205020404" pitchFamily="49" charset="0"/>
                 <a:cs typeface="Courier New" panose="02070309020205020404" pitchFamily="49" charset="0"/>
               </a:rPr>
-              <a:t>        &lt;div class="col"&gt;</a:t>
-            </a:r>
+              <a:t>}</a:t>
+            </a:r>
+          </a:p>
+          <a:p>
+            <a:pPr algn="l"/>
             <a:r>
               <a:rPr lang="en-US" dirty="0" err="1">
                 <a:latin typeface="Courier New" panose="02070309020205020404" pitchFamily="49" charset="0"/>
                 <a:cs typeface="Courier New" panose="02070309020205020404" pitchFamily="49" charset="0"/>
               </a:rPr>
-              <a:t>Direita</a:t>
-            </a:r>
-            <a:r>
-              <a:rPr lang="en-US" dirty="0">
-                <a:latin typeface="Courier New" panose="02070309020205020404" pitchFamily="49" charset="0"/>
-                <a:cs typeface="Courier New" panose="02070309020205020404" pitchFamily="49" charset="0"/>
-              </a:rPr>
-              <a:t>&lt;/div&gt;</a:t>
+              <a:t>add_action</a:t>
+            </a:r>
+            <a:r>
+              <a:rPr lang="en-US" dirty="0">
+                <a:latin typeface="Courier New" panose="02070309020205020404" pitchFamily="49" charset="0"/>
+                <a:cs typeface="Courier New" panose="02070309020205020404" pitchFamily="49" charset="0"/>
+              </a:rPr>
+              <a:t>('</a:t>
+            </a:r>
+            <a:r>
+              <a:rPr lang="en-US" dirty="0" err="1">
+                <a:latin typeface="Courier New" panose="02070309020205020404" pitchFamily="49" charset="0"/>
+                <a:cs typeface="Courier New" panose="02070309020205020404" pitchFamily="49" charset="0"/>
+              </a:rPr>
+              <a:t>wp_enqueue_scripts</a:t>
+            </a:r>
+            <a:r>
+              <a:rPr lang="en-US" dirty="0">
+                <a:latin typeface="Courier New" panose="02070309020205020404" pitchFamily="49" charset="0"/>
+                <a:cs typeface="Courier New" panose="02070309020205020404" pitchFamily="49" charset="0"/>
+              </a:rPr>
+              <a:t>', '</a:t>
+            </a:r>
+            <a:r>
+              <a:rPr lang="en-US" dirty="0" err="1">
+                <a:latin typeface="Courier New" panose="02070309020205020404" pitchFamily="49" charset="0"/>
+                <a:cs typeface="Courier New" panose="02070309020205020404" pitchFamily="49" charset="0"/>
+              </a:rPr>
+              <a:t>adicionar_estilos</a:t>
+            </a:r>
+            <a:r>
+              <a:rPr lang="en-US" dirty="0">
+                <a:latin typeface="Courier New" panose="02070309020205020404" pitchFamily="49" charset="0"/>
+                <a:cs typeface="Courier New" panose="02070309020205020404" pitchFamily="49" charset="0"/>
+              </a:rPr>
+              <a:t>');</a:t>
             </a:r>
           </a:p>
           <a:p>
             <a:pPr algn="l"/>
-            <a:r>
-              <a:rPr lang="en-US" dirty="0">
-                <a:latin typeface="Courier New" panose="02070309020205020404" pitchFamily="49" charset="0"/>
-                <a:cs typeface="Courier New" panose="02070309020205020404" pitchFamily="49" charset="0"/>
-              </a:rPr>
-              <a:t>    &lt;/div&gt;</a:t>
-            </a:r>
-          </a:p>
-          <a:p>
-            <a:pPr algn="l"/>
-            <a:r>
-              <a:rPr lang="en-US" dirty="0">
-                <a:latin typeface="Courier New" panose="02070309020205020404" pitchFamily="49" charset="0"/>
-                <a:cs typeface="Courier New" panose="02070309020205020404" pitchFamily="49" charset="0"/>
-              </a:rPr>
-              <a:t>&lt;/div&gt;</a:t>
-            </a:r>
             <a:endParaRPr lang="pt-BR" dirty="0">
               <a:latin typeface="Courier New" panose="02070309020205020404" pitchFamily="49" charset="0"/>
               <a:cs typeface="Courier New" panose="02070309020205020404" pitchFamily="49" charset="0"/>
@@ -6165,7 +7326,7 @@
     </p:spTree>
     <p:extLst>
       <p:ext uri="{BB962C8B-B14F-4D97-AF65-F5344CB8AC3E}">
-        <p14:creationId xmlns:p14="http://schemas.microsoft.com/office/powerpoint/2010/main" val="2278372398"/>
+        <p14:creationId xmlns:p14="http://schemas.microsoft.com/office/powerpoint/2010/main" val="253856445"/>
       </p:ext>
     </p:extLst>
   </p:cSld>
@@ -6209,7 +7370,7 @@
           <a:p>
             <a:r>
               <a:rPr lang="pt-BR" dirty="0"/>
-              <a:t>Inserção de scripts adicionais</a:t>
+              <a:t>Visualização do site</a:t>
             </a:r>
           </a:p>
         </p:txBody>
@@ -6227,82 +7388,42 @@
         <p:spPr/>
         <p:txBody>
           <a:bodyPr>
-            <a:normAutofit/>
+            <a:normAutofit fontScale="85000" lnSpcReduction="20000"/>
           </a:bodyPr>
           <a:lstStyle/>
           <a:p>
             <a:r>
+              <a:rPr lang="pt-BR" dirty="0"/>
+              <a:t>Insira algum conteúdo HTML no arquivo front-</a:t>
+            </a:r>
+            <a:r>
+              <a:rPr lang="pt-BR" dirty="0" err="1"/>
+              <a:t>page.php</a:t>
+            </a:r>
+            <a:r>
+              <a:rPr lang="pt-BR" dirty="0"/>
+              <a:t> e visualize o site</a:t>
+            </a:r>
+            <a:r>
               <a:rPr lang="en-US" dirty="0"/>
-              <a:t>No </a:t>
-            </a:r>
-            <a:r>
-              <a:rPr lang="en-US" dirty="0" err="1"/>
-              <a:t>arquivo</a:t>
+              <a:t> para </a:t>
+            </a:r>
+            <a:r>
+              <a:rPr lang="pt-BR" dirty="0"/>
+              <a:t>observar</a:t>
             </a:r>
             <a:r>
               <a:rPr lang="en-US" dirty="0"/>
-              <a:t> </a:t>
-            </a:r>
-            <a:r>
-              <a:rPr lang="en-US" dirty="0" err="1"/>
-              <a:t>functions.php</a:t>
+              <a:t> a </a:t>
+            </a:r>
+            <a:r>
+              <a:rPr lang="pt-BR" dirty="0"/>
+              <a:t>inserção</a:t>
             </a:r>
             <a:r>
               <a:rPr lang="en-US" dirty="0"/>
-              <a:t>, </a:t>
-            </a:r>
-            <a:r>
-              <a:rPr lang="en-US" dirty="0" err="1"/>
-              <a:t>na</a:t>
-            </a:r>
-            <a:r>
-              <a:rPr lang="en-US" dirty="0"/>
-              <a:t> </a:t>
-            </a:r>
-            <a:r>
-              <a:rPr lang="en-US" dirty="0" err="1"/>
-              <a:t>função</a:t>
-            </a:r>
-            <a:r>
-              <a:rPr lang="en-US" dirty="0"/>
-              <a:t> </a:t>
-            </a:r>
-            <a:r>
-              <a:rPr lang="en-US" dirty="0" err="1"/>
-              <a:t>adicionar_estilos</a:t>
-            </a:r>
-            <a:r>
-              <a:rPr lang="en-US" dirty="0"/>
-              <a:t>(), </a:t>
-            </a:r>
-            <a:r>
-              <a:rPr lang="en-US" dirty="0" err="1"/>
-              <a:t>insira</a:t>
-            </a:r>
-            <a:r>
-              <a:rPr lang="en-US" dirty="0"/>
-              <a:t> o </a:t>
-            </a:r>
-            <a:r>
-              <a:rPr lang="en-US" dirty="0" err="1"/>
-              <a:t>seguinte</a:t>
-            </a:r>
-            <a:r>
-              <a:rPr lang="en-US" dirty="0"/>
-              <a:t> </a:t>
-            </a:r>
-            <a:r>
-              <a:rPr lang="en-US" dirty="0" err="1"/>
-              <a:t>código</a:t>
-            </a:r>
-            <a:r>
-              <a:rPr lang="en-US" dirty="0"/>
-              <a:t>:</a:t>
-            </a:r>
-            <a:endParaRPr lang="en-US" dirty="0">
-              <a:latin typeface="Courier New" panose="02070309020205020404" pitchFamily="49" charset="0"/>
-              <a:cs typeface="Courier New" panose="02070309020205020404" pitchFamily="49" charset="0"/>
-            </a:endParaRPr>
+              <a:t> do novo script.</a:t>
+            </a:r>
           </a:p>
           <a:p>
             <a:pPr algn="l"/>
@@ -6311,35 +7432,65 @@
                 <a:latin typeface="Courier New" panose="02070309020205020404" pitchFamily="49" charset="0"/>
                 <a:cs typeface="Courier New" panose="02070309020205020404" pitchFamily="49" charset="0"/>
               </a:rPr>
-              <a:t>    </a:t>
+              <a:t>&lt;div class="container"&gt;</a:t>
+            </a:r>
+          </a:p>
+          <a:p>
+            <a:pPr algn="l"/>
+            <a:r>
+              <a:rPr lang="en-US" dirty="0">
+                <a:latin typeface="Courier New" panose="02070309020205020404" pitchFamily="49" charset="0"/>
+                <a:cs typeface="Courier New" panose="02070309020205020404" pitchFamily="49" charset="0"/>
+              </a:rPr>
+              <a:t>    &lt;div class="row"&gt;</a:t>
+            </a:r>
+          </a:p>
+          <a:p>
+            <a:pPr algn="l"/>
+            <a:r>
+              <a:rPr lang="en-US" dirty="0">
+                <a:latin typeface="Courier New" panose="02070309020205020404" pitchFamily="49" charset="0"/>
+                <a:cs typeface="Courier New" panose="02070309020205020404" pitchFamily="49" charset="0"/>
+              </a:rPr>
+              <a:t>        &lt;div class="col"&gt;</a:t>
             </a:r>
             <a:r>
               <a:rPr lang="en-US" dirty="0" err="1">
                 <a:latin typeface="Courier New" panose="02070309020205020404" pitchFamily="49" charset="0"/>
                 <a:cs typeface="Courier New" panose="02070309020205020404" pitchFamily="49" charset="0"/>
               </a:rPr>
-              <a:t>wp_register_style</a:t>
-            </a:r>
-            <a:r>
-              <a:rPr lang="en-US" dirty="0">
-                <a:latin typeface="Courier New" panose="02070309020205020404" pitchFamily="49" charset="0"/>
-                <a:cs typeface="Courier New" panose="02070309020205020404" pitchFamily="49" charset="0"/>
-              </a:rPr>
-              <a:t>(‘style’, </a:t>
+              <a:t>Esquerda</a:t>
+            </a:r>
+            <a:r>
+              <a:rPr lang="en-US" dirty="0">
+                <a:latin typeface="Courier New" panose="02070309020205020404" pitchFamily="49" charset="0"/>
+                <a:cs typeface="Courier New" panose="02070309020205020404" pitchFamily="49" charset="0"/>
+              </a:rPr>
+              <a:t>&lt;/div&gt;</a:t>
+            </a:r>
+          </a:p>
+          <a:p>
+            <a:pPr algn="l"/>
+            <a:r>
+              <a:rPr lang="en-US" dirty="0">
+                <a:latin typeface="Courier New" panose="02070309020205020404" pitchFamily="49" charset="0"/>
+                <a:cs typeface="Courier New" panose="02070309020205020404" pitchFamily="49" charset="0"/>
+              </a:rPr>
+              <a:t>        &lt;div class="col"&gt;</a:t>
             </a:r>
             <a:r>
               <a:rPr lang="en-US" dirty="0" err="1">
                 <a:latin typeface="Courier New" panose="02070309020205020404" pitchFamily="49" charset="0"/>
                 <a:cs typeface="Courier New" panose="02070309020205020404" pitchFamily="49" charset="0"/>
               </a:rPr>
-              <a:t>get_template_directory_uri</a:t>
-            </a:r>
-            <a:r>
-              <a:rPr lang="en-US" dirty="0">
-                <a:latin typeface="Courier New" panose="02070309020205020404" pitchFamily="49" charset="0"/>
-                <a:cs typeface="Courier New" panose="02070309020205020404" pitchFamily="49" charset="0"/>
-              </a:rPr>
-              <a:t>() . ‘/style.css’);</a:t>
+              <a:t>Direita</a:t>
+            </a:r>
+            <a:r>
+              <a:rPr lang="en-US" dirty="0">
+                <a:latin typeface="Courier New" panose="02070309020205020404" pitchFamily="49" charset="0"/>
+                <a:cs typeface="Courier New" panose="02070309020205020404" pitchFamily="49" charset="0"/>
+              </a:rPr>
+              <a:t>&lt;/div&gt;</a:t>
             </a:r>
           </a:p>
           <a:p>
@@ -6349,21 +7500,17 @@
                 <a:latin typeface="Courier New" panose="02070309020205020404" pitchFamily="49" charset="0"/>
                 <a:cs typeface="Courier New" panose="02070309020205020404" pitchFamily="49" charset="0"/>
               </a:rPr>
-              <a:t>    </a:t>
-            </a:r>
-            <a:r>
-              <a:rPr lang="en-US" dirty="0" err="1">
-                <a:latin typeface="Courier New" panose="02070309020205020404" pitchFamily="49" charset="0"/>
-                <a:cs typeface="Courier New" panose="02070309020205020404" pitchFamily="49" charset="0"/>
-              </a:rPr>
-              <a:t>wp_enqueue_style</a:t>
-            </a:r>
-            <a:r>
-              <a:rPr lang="en-US" dirty="0">
-                <a:latin typeface="Courier New" panose="02070309020205020404" pitchFamily="49" charset="0"/>
-                <a:cs typeface="Courier New" panose="02070309020205020404" pitchFamily="49" charset="0"/>
-              </a:rPr>
-              <a:t>(‘style’);</a:t>
+              <a:t>    &lt;/div&gt;</a:t>
+            </a:r>
+          </a:p>
+          <a:p>
+            <a:pPr algn="l"/>
+            <a:r>
+              <a:rPr lang="en-US" dirty="0">
+                <a:latin typeface="Courier New" panose="02070309020205020404" pitchFamily="49" charset="0"/>
+                <a:cs typeface="Courier New" panose="02070309020205020404" pitchFamily="49" charset="0"/>
+              </a:rPr>
+              <a:t>&lt;/div&gt;</a:t>
             </a:r>
             <a:endParaRPr lang="pt-BR" dirty="0">
               <a:latin typeface="Courier New" panose="02070309020205020404" pitchFamily="49" charset="0"/>
@@ -6375,7 +7522,7 @@
     </p:spTree>
     <p:extLst>
       <p:ext uri="{BB962C8B-B14F-4D97-AF65-F5344CB8AC3E}">
-        <p14:creationId xmlns:p14="http://schemas.microsoft.com/office/powerpoint/2010/main" val="3180327378"/>
+        <p14:creationId xmlns:p14="http://schemas.microsoft.com/office/powerpoint/2010/main" val="2278372398"/>
       </p:ext>
     </p:extLst>
   </p:cSld>
@@ -6419,7 +7566,7 @@
           <a:p>
             <a:r>
               <a:rPr lang="pt-BR" dirty="0"/>
-              <a:t>Visualização do site</a:t>
+              <a:t>Inserção de scripts adicionais</a:t>
             </a:r>
           </a:p>
         </p:txBody>
@@ -6442,29 +7589,90 @@
           <a:lstStyle/>
           <a:p>
             <a:r>
-              <a:rPr lang="pt-BR" dirty="0"/>
-              <a:t>Insira alguma regra CSS no arquivo style.css e visualize o site</a:t>
-            </a:r>
-            <a:r>
               <a:rPr lang="en-US" dirty="0"/>
-              <a:t> para </a:t>
-            </a:r>
-            <a:r>
-              <a:rPr lang="pt-BR" dirty="0"/>
-              <a:t>observar</a:t>
+              <a:t>No </a:t>
+            </a:r>
+            <a:r>
+              <a:rPr lang="en-US" dirty="0" err="1"/>
+              <a:t>arquivo</a:t>
             </a:r>
             <a:r>
               <a:rPr lang="en-US" dirty="0"/>
-              <a:t> a </a:t>
-            </a:r>
-            <a:r>
-              <a:rPr lang="pt-BR" dirty="0"/>
-              <a:t>inserção</a:t>
+              <a:t> </a:t>
+            </a:r>
+            <a:r>
+              <a:rPr lang="en-US" dirty="0" err="1">
+                <a:latin typeface="Courier New" panose="02070309020205020404" pitchFamily="49" charset="0"/>
+                <a:cs typeface="Courier New" panose="02070309020205020404" pitchFamily="49" charset="0"/>
+              </a:rPr>
+              <a:t>functions.php</a:t>
             </a:r>
             <a:r>
               <a:rPr lang="en-US" dirty="0"/>
-              <a:t> do novo script.</a:t>
-            </a:r>
+              <a:t>, </a:t>
+            </a:r>
+            <a:r>
+              <a:rPr lang="en-US" dirty="0" err="1"/>
+              <a:t>na</a:t>
+            </a:r>
+            <a:r>
+              <a:rPr lang="en-US" dirty="0"/>
+              <a:t> </a:t>
+            </a:r>
+            <a:r>
+              <a:rPr lang="en-US" dirty="0" err="1"/>
+              <a:t>função</a:t>
+            </a:r>
+            <a:r>
+              <a:rPr lang="en-US" dirty="0"/>
+              <a:t> </a:t>
+            </a:r>
+            <a:r>
+              <a:rPr lang="en-US" dirty="0" err="1">
+                <a:latin typeface="Courier New" panose="02070309020205020404" pitchFamily="49" charset="0"/>
+                <a:cs typeface="Courier New" panose="02070309020205020404" pitchFamily="49" charset="0"/>
+              </a:rPr>
+              <a:t>adicionar_estilos</a:t>
+            </a:r>
+            <a:r>
+              <a:rPr lang="en-US" dirty="0">
+                <a:latin typeface="Courier New" panose="02070309020205020404" pitchFamily="49" charset="0"/>
+                <a:cs typeface="Courier New" panose="02070309020205020404" pitchFamily="49" charset="0"/>
+              </a:rPr>
+              <a:t>()</a:t>
+            </a:r>
+            <a:r>
+              <a:rPr lang="en-US" dirty="0"/>
+              <a:t>, </a:t>
+            </a:r>
+            <a:r>
+              <a:rPr lang="en-US" dirty="0" err="1"/>
+              <a:t>insira</a:t>
+            </a:r>
+            <a:r>
+              <a:rPr lang="en-US" dirty="0"/>
+              <a:t> o </a:t>
+            </a:r>
+            <a:r>
+              <a:rPr lang="en-US" dirty="0" err="1"/>
+              <a:t>seguinte</a:t>
+            </a:r>
+            <a:r>
+              <a:rPr lang="en-US" dirty="0"/>
+              <a:t> </a:t>
+            </a:r>
+            <a:r>
+              <a:rPr lang="en-US" dirty="0" err="1"/>
+              <a:t>código</a:t>
+            </a:r>
+            <a:r>
+              <a:rPr lang="en-US" dirty="0"/>
+              <a:t>:</a:t>
+            </a:r>
+            <a:endParaRPr lang="en-US" dirty="0">
+              <a:latin typeface="Courier New" panose="02070309020205020404" pitchFamily="49" charset="0"/>
+              <a:cs typeface="Courier New" panose="02070309020205020404" pitchFamily="49" charset="0"/>
+            </a:endParaRPr>
           </a:p>
           <a:p>
             <a:pPr algn="l"/>
@@ -6473,7 +7681,35 @@
                 <a:latin typeface="Courier New" panose="02070309020205020404" pitchFamily="49" charset="0"/>
                 <a:cs typeface="Courier New" panose="02070309020205020404" pitchFamily="49" charset="0"/>
               </a:rPr>
-              <a:t>body{</a:t>
+              <a:t>    </a:t>
+            </a:r>
+            <a:r>
+              <a:rPr lang="en-US" dirty="0" err="1">
+                <a:latin typeface="Courier New" panose="02070309020205020404" pitchFamily="49" charset="0"/>
+                <a:cs typeface="Courier New" panose="02070309020205020404" pitchFamily="49" charset="0"/>
+              </a:rPr>
+              <a:t>wp_register_style</a:t>
+            </a:r>
+            <a:r>
+              <a:rPr lang="en-US" dirty="0">
+                <a:latin typeface="Courier New" panose="02070309020205020404" pitchFamily="49" charset="0"/>
+                <a:cs typeface="Courier New" panose="02070309020205020404" pitchFamily="49" charset="0"/>
+              </a:rPr>
+              <a:t>(‘style’, </a:t>
+            </a:r>
+            <a:r>
+              <a:rPr lang="en-US" dirty="0" err="1">
+                <a:latin typeface="Courier New" panose="02070309020205020404" pitchFamily="49" charset="0"/>
+                <a:cs typeface="Courier New" panose="02070309020205020404" pitchFamily="49" charset="0"/>
+              </a:rPr>
+              <a:t>get_template_directory_uri</a:t>
+            </a:r>
+            <a:r>
+              <a:rPr lang="en-US" dirty="0">
+                <a:latin typeface="Courier New" panose="02070309020205020404" pitchFamily="49" charset="0"/>
+                <a:cs typeface="Courier New" panose="02070309020205020404" pitchFamily="49" charset="0"/>
+              </a:rPr>
+              <a:t>() . ‘/style.css’);</a:t>
             </a:r>
           </a:p>
           <a:p>
@@ -6483,17 +7719,21 @@
                 <a:latin typeface="Courier New" panose="02070309020205020404" pitchFamily="49" charset="0"/>
                 <a:cs typeface="Courier New" panose="02070309020205020404" pitchFamily="49" charset="0"/>
               </a:rPr>
-              <a:t>    background-color: #ccc;</a:t>
-            </a:r>
-          </a:p>
-          <a:p>
-            <a:pPr algn="l"/>
-            <a:r>
-              <a:rPr lang="en-US" dirty="0">
-                <a:latin typeface="Courier New" panose="02070309020205020404" pitchFamily="49" charset="0"/>
-                <a:cs typeface="Courier New" panose="02070309020205020404" pitchFamily="49" charset="0"/>
-              </a:rPr>
-              <a:t>}</a:t>
+              <a:t>    </a:t>
+            </a:r>
+            <a:r>
+              <a:rPr lang="en-US" dirty="0" err="1">
+                <a:latin typeface="Courier New" panose="02070309020205020404" pitchFamily="49" charset="0"/>
+                <a:cs typeface="Courier New" panose="02070309020205020404" pitchFamily="49" charset="0"/>
+              </a:rPr>
+              <a:t>wp_enqueue_style</a:t>
+            </a:r>
+            <a:r>
+              <a:rPr lang="en-US" dirty="0">
+                <a:latin typeface="Courier New" panose="02070309020205020404" pitchFamily="49" charset="0"/>
+                <a:cs typeface="Courier New" panose="02070309020205020404" pitchFamily="49" charset="0"/>
+              </a:rPr>
+              <a:t>(‘style’);</a:t>
             </a:r>
             <a:endParaRPr lang="pt-BR" dirty="0">
               <a:latin typeface="Courier New" panose="02070309020205020404" pitchFamily="49" charset="0"/>
@@ -6505,7 +7745,7 @@
     </p:spTree>
     <p:extLst>
       <p:ext uri="{BB962C8B-B14F-4D97-AF65-F5344CB8AC3E}">
-        <p14:creationId xmlns:p14="http://schemas.microsoft.com/office/powerpoint/2010/main" val="449393554"/>
+        <p14:creationId xmlns:p14="http://schemas.microsoft.com/office/powerpoint/2010/main" val="3180327378"/>
       </p:ext>
     </p:extLst>
   </p:cSld>
@@ -6549,7 +7789,7 @@
           <a:p>
             <a:r>
               <a:rPr lang="pt-BR" dirty="0"/>
-              <a:t>Inserção de scripts adicionais</a:t>
+              <a:t>Visualização do site</a:t>
             </a:r>
           </a:p>
         </p:txBody>
@@ -6572,53 +7812,40 @@
           <a:lstStyle/>
           <a:p>
             <a:r>
+              <a:rPr lang="pt-BR" dirty="0"/>
+              <a:t>Insira alguma regra CSS no arquivo </a:t>
+            </a:r>
+            <a:r>
+              <a:rPr lang="pt-BR" dirty="0">
+                <a:latin typeface="Courier New" panose="02070309020205020404" pitchFamily="49" charset="0"/>
+                <a:cs typeface="Courier New" panose="02070309020205020404" pitchFamily="49" charset="0"/>
+              </a:rPr>
+              <a:t>style.css</a:t>
+            </a:r>
+            <a:r>
+              <a:rPr lang="pt-BR" dirty="0"/>
+              <a:t> e visualize o site</a:t>
+            </a:r>
+            <a:r>
               <a:rPr lang="en-US" dirty="0"/>
-              <a:t>No </a:t>
-            </a:r>
-            <a:r>
-              <a:rPr lang="en-US" dirty="0" err="1"/>
-              <a:t>arquivo</a:t>
+              <a:t> para </a:t>
+            </a:r>
+            <a:r>
+              <a:rPr lang="pt-BR" dirty="0"/>
+              <a:t>observar</a:t>
             </a:r>
             <a:r>
               <a:rPr lang="en-US" dirty="0"/>
-              <a:t> </a:t>
-            </a:r>
-            <a:r>
-              <a:rPr lang="en-US" dirty="0" err="1"/>
-              <a:t>functions.php</a:t>
+              <a:t> a </a:t>
+            </a:r>
+            <a:r>
+              <a:rPr lang="pt-BR" dirty="0"/>
+              <a:t>inserção</a:t>
             </a:r>
             <a:r>
               <a:rPr lang="en-US" dirty="0"/>
-              <a:t>, </a:t>
-            </a:r>
-            <a:r>
-              <a:rPr lang="en-US" dirty="0" err="1"/>
-              <a:t>insira</a:t>
-            </a:r>
-            <a:r>
-              <a:rPr lang="en-US" dirty="0"/>
-              <a:t> o </a:t>
-            </a:r>
-            <a:r>
-              <a:rPr lang="en-US" dirty="0" err="1"/>
-              <a:t>seguinte</a:t>
-            </a:r>
-            <a:r>
-              <a:rPr lang="en-US" dirty="0"/>
-              <a:t> </a:t>
-            </a:r>
-            <a:r>
-              <a:rPr lang="en-US" dirty="0" err="1"/>
-              <a:t>código</a:t>
-            </a:r>
-            <a:r>
-              <a:rPr lang="en-US" dirty="0"/>
-              <a:t>:</a:t>
-            </a:r>
-            <a:endParaRPr lang="en-US" dirty="0">
-              <a:latin typeface="Courier New" panose="02070309020205020404" pitchFamily="49" charset="0"/>
-              <a:cs typeface="Courier New" panose="02070309020205020404" pitchFamily="49" charset="0"/>
-            </a:endParaRPr>
+              <a:t> do novo script.</a:t>
+            </a:r>
           </a:p>
           <a:p>
             <a:pPr algn="l"/>
@@ -6627,21 +7854,7 @@
                 <a:latin typeface="Courier New" panose="02070309020205020404" pitchFamily="49" charset="0"/>
                 <a:cs typeface="Courier New" panose="02070309020205020404" pitchFamily="49" charset="0"/>
               </a:rPr>
-              <a:t>function </a:t>
-            </a:r>
-            <a:r>
-              <a:rPr lang="en-US" dirty="0" err="1">
-                <a:latin typeface="Courier New" panose="02070309020205020404" pitchFamily="49" charset="0"/>
-                <a:cs typeface="Courier New" panose="02070309020205020404" pitchFamily="49" charset="0"/>
-              </a:rPr>
-              <a:t>adicionar_scripts</a:t>
-            </a:r>
-            <a:r>
-              <a:rPr lang="en-US" dirty="0">
-                <a:latin typeface="Courier New" panose="02070309020205020404" pitchFamily="49" charset="0"/>
-                <a:cs typeface="Courier New" panose="02070309020205020404" pitchFamily="49" charset="0"/>
-              </a:rPr>
-              <a:t>(){</a:t>
+              <a:t>body{</a:t>
             </a:r>
           </a:p>
           <a:p>
@@ -6651,35 +7864,7 @@
                 <a:latin typeface="Courier New" panose="02070309020205020404" pitchFamily="49" charset="0"/>
                 <a:cs typeface="Courier New" panose="02070309020205020404" pitchFamily="49" charset="0"/>
               </a:rPr>
-              <a:t>    </a:t>
-            </a:r>
-            <a:r>
-              <a:rPr lang="en-US" dirty="0" err="1">
-                <a:latin typeface="Courier New" panose="02070309020205020404" pitchFamily="49" charset="0"/>
-                <a:cs typeface="Courier New" panose="02070309020205020404" pitchFamily="49" charset="0"/>
-              </a:rPr>
-              <a:t>wp_deregister_script</a:t>
-            </a:r>
-            <a:r>
-              <a:rPr lang="en-US" dirty="0">
-                <a:latin typeface="Courier New" panose="02070309020205020404" pitchFamily="49" charset="0"/>
-                <a:cs typeface="Courier New" panose="02070309020205020404" pitchFamily="49" charset="0"/>
-              </a:rPr>
-              <a:t>('</a:t>
-            </a:r>
-            <a:r>
-              <a:rPr lang="en-US" dirty="0" err="1">
-                <a:latin typeface="Courier New" panose="02070309020205020404" pitchFamily="49" charset="0"/>
-                <a:cs typeface="Courier New" panose="02070309020205020404" pitchFamily="49" charset="0"/>
-              </a:rPr>
-              <a:t>jquery</a:t>
-            </a:r>
-            <a:r>
-              <a:rPr lang="en-US" dirty="0">
-                <a:latin typeface="Courier New" panose="02070309020205020404" pitchFamily="49" charset="0"/>
-                <a:cs typeface="Courier New" panose="02070309020205020404" pitchFamily="49" charset="0"/>
-              </a:rPr>
-              <a:t>');</a:t>
+              <a:t>    background-color: #ccc;</a:t>
             </a:r>
           </a:p>
           <a:p>
@@ -6689,63 +7874,7 @@
                 <a:latin typeface="Courier New" panose="02070309020205020404" pitchFamily="49" charset="0"/>
                 <a:cs typeface="Courier New" panose="02070309020205020404" pitchFamily="49" charset="0"/>
               </a:rPr>
-              <a:t>    </a:t>
-            </a:r>
-            <a:r>
-              <a:rPr lang="en-US" dirty="0" err="1">
-                <a:latin typeface="Courier New" panose="02070309020205020404" pitchFamily="49" charset="0"/>
-                <a:cs typeface="Courier New" panose="02070309020205020404" pitchFamily="49" charset="0"/>
-              </a:rPr>
-              <a:t>wp_register_script</a:t>
-            </a:r>
-            <a:r>
-              <a:rPr lang="en-US" dirty="0">
-                <a:latin typeface="Courier New" panose="02070309020205020404" pitchFamily="49" charset="0"/>
-                <a:cs typeface="Courier New" panose="02070309020205020404" pitchFamily="49" charset="0"/>
-              </a:rPr>
-              <a:t>('</a:t>
-            </a:r>
-            <a:r>
-              <a:rPr lang="en-US" dirty="0" err="1">
-                <a:latin typeface="Courier New" panose="02070309020205020404" pitchFamily="49" charset="0"/>
-                <a:cs typeface="Courier New" panose="02070309020205020404" pitchFamily="49" charset="0"/>
-              </a:rPr>
-              <a:t>jquery</a:t>
-            </a:r>
-            <a:r>
-              <a:rPr lang="en-US" dirty="0">
-                <a:latin typeface="Courier New" panose="02070309020205020404" pitchFamily="49" charset="0"/>
-                <a:cs typeface="Courier New" panose="02070309020205020404" pitchFamily="49" charset="0"/>
-              </a:rPr>
-              <a:t>', </a:t>
-            </a:r>
-            <a:r>
-              <a:rPr lang="en-US" dirty="0" err="1">
-                <a:latin typeface="Courier New" panose="02070309020205020404" pitchFamily="49" charset="0"/>
-                <a:cs typeface="Courier New" panose="02070309020205020404" pitchFamily="49" charset="0"/>
-              </a:rPr>
-              <a:t>get_template_directory_uri</a:t>
-            </a:r>
-            <a:r>
-              <a:rPr lang="en-US" dirty="0">
-                <a:latin typeface="Courier New" panose="02070309020205020404" pitchFamily="49" charset="0"/>
-                <a:cs typeface="Courier New" panose="02070309020205020404" pitchFamily="49" charset="0"/>
-              </a:rPr>
-              <a:t>() . '/</a:t>
-            </a:r>
-            <a:r>
-              <a:rPr lang="en-US" dirty="0" err="1">
-                <a:latin typeface="Courier New" panose="02070309020205020404" pitchFamily="49" charset="0"/>
-                <a:cs typeface="Courier New" panose="02070309020205020404" pitchFamily="49" charset="0"/>
-              </a:rPr>
-              <a:t>js</a:t>
-            </a:r>
-            <a:r>
-              <a:rPr lang="en-US" dirty="0">
-                <a:latin typeface="Courier New" panose="02070309020205020404" pitchFamily="49" charset="0"/>
-                <a:cs typeface="Courier New" panose="02070309020205020404" pitchFamily="49" charset="0"/>
-              </a:rPr>
-              <a:t>/jquery-3.4.1.min.js', array(), 1, true);</a:t>
+              <a:t>}</a:t>
             </a:r>
             <a:endParaRPr lang="pt-BR" dirty="0">
               <a:latin typeface="Courier New" panose="02070309020205020404" pitchFamily="49" charset="0"/>
@@ -6757,7 +7886,7 @@
     </p:spTree>
     <p:extLst>
       <p:ext uri="{BB962C8B-B14F-4D97-AF65-F5344CB8AC3E}">
-        <p14:creationId xmlns:p14="http://schemas.microsoft.com/office/powerpoint/2010/main" val="843939500"/>
+        <p14:creationId xmlns:p14="http://schemas.microsoft.com/office/powerpoint/2010/main" val="449393554"/>
       </p:ext>
     </p:extLst>
   </p:cSld>
@@ -6819,7 +7948,7 @@
         <p:spPr/>
         <p:txBody>
           <a:bodyPr>
-            <a:normAutofit fontScale="85000" lnSpcReduction="10000"/>
+            <a:normAutofit/>
           </a:bodyPr>
           <a:lstStyle/>
           <a:p>
@@ -6836,7 +7965,10 @@
               <a:t> </a:t>
             </a:r>
             <a:r>
-              <a:rPr lang="en-US" dirty="0" err="1"/>
+              <a:rPr lang="en-US" dirty="0" err="1">
+                <a:latin typeface="Courier New" panose="02070309020205020404" pitchFamily="49" charset="0"/>
+                <a:cs typeface="Courier New" panose="02070309020205020404" pitchFamily="49" charset="0"/>
+              </a:rPr>
               <a:t>functions.php</a:t>
             </a:r>
             <a:r>
@@ -6879,6 +8011,30 @@
                 <a:latin typeface="Courier New" panose="02070309020205020404" pitchFamily="49" charset="0"/>
                 <a:cs typeface="Courier New" panose="02070309020205020404" pitchFamily="49" charset="0"/>
               </a:rPr>
+              <a:t>function </a:t>
+            </a:r>
+            <a:r>
+              <a:rPr lang="en-US" dirty="0" err="1">
+                <a:latin typeface="Courier New" panose="02070309020205020404" pitchFamily="49" charset="0"/>
+                <a:cs typeface="Courier New" panose="02070309020205020404" pitchFamily="49" charset="0"/>
+              </a:rPr>
+              <a:t>adicionar_scripts</a:t>
+            </a:r>
+            <a:r>
+              <a:rPr lang="en-US" dirty="0">
+                <a:latin typeface="Courier New" panose="02070309020205020404" pitchFamily="49" charset="0"/>
+                <a:cs typeface="Courier New" panose="02070309020205020404" pitchFamily="49" charset="0"/>
+              </a:rPr>
+              <a:t>(){</a:t>
+            </a:r>
+          </a:p>
+          <a:p>
+            <a:pPr algn="l"/>
+            <a:r>
+              <a:rPr lang="en-US" dirty="0">
+                <a:latin typeface="Courier New" panose="02070309020205020404" pitchFamily="49" charset="0"/>
+                <a:cs typeface="Courier New" panose="02070309020205020404" pitchFamily="49" charset="0"/>
+              </a:rPr>
               <a:t>    </a:t>
             </a:r>
             <a:r>
@@ -6886,7 +8042,7 @@
                 <a:latin typeface="Courier New" panose="02070309020205020404" pitchFamily="49" charset="0"/>
                 <a:cs typeface="Courier New" panose="02070309020205020404" pitchFamily="49" charset="0"/>
               </a:rPr>
-              <a:t>wp_enqueue_script</a:t>
+              <a:t>wp_deregister_script</a:t>
             </a:r>
             <a:r>
               <a:rPr lang="en-US" dirty="0">
@@ -6931,13 +8087,27 @@
                 <a:latin typeface="Courier New" panose="02070309020205020404" pitchFamily="49" charset="0"/>
                 <a:cs typeface="Courier New" panose="02070309020205020404" pitchFamily="49" charset="0"/>
               </a:rPr>
-              <a:t>('script', </a:t>
+              <a:t>('</a:t>
             </a:r>
             <a:r>
               <a:rPr lang="en-US" dirty="0" err="1">
                 <a:latin typeface="Courier New" panose="02070309020205020404" pitchFamily="49" charset="0"/>
                 <a:cs typeface="Courier New" panose="02070309020205020404" pitchFamily="49" charset="0"/>
               </a:rPr>
+              <a:t>jquery</a:t>
+            </a:r>
+            <a:r>
+              <a:rPr lang="en-US" dirty="0">
+                <a:latin typeface="Courier New" panose="02070309020205020404" pitchFamily="49" charset="0"/>
+                <a:cs typeface="Courier New" panose="02070309020205020404" pitchFamily="49" charset="0"/>
+              </a:rPr>
+              <a:t>', </a:t>
+            </a:r>
+            <a:r>
+              <a:rPr lang="en-US" dirty="0" err="1">
+                <a:latin typeface="Courier New" panose="02070309020205020404" pitchFamily="49" charset="0"/>
+                <a:cs typeface="Courier New" panose="02070309020205020404" pitchFamily="49" charset="0"/>
+              </a:rPr>
               <a:t>get_template_directory_uri</a:t>
             </a:r>
             <a:r>
@@ -6959,94 +8129,19 @@
                 <a:latin typeface="Courier New" panose="02070309020205020404" pitchFamily="49" charset="0"/>
                 <a:cs typeface="Courier New" panose="02070309020205020404" pitchFamily="49" charset="0"/>
               </a:rPr>
-              <a:t>/scripts.js', array(), 1, true);</a:t>
-            </a:r>
-          </a:p>
-          <a:p>
-            <a:pPr algn="l"/>
-            <a:r>
-              <a:rPr lang="en-US" dirty="0">
-                <a:latin typeface="Courier New" panose="02070309020205020404" pitchFamily="49" charset="0"/>
-                <a:cs typeface="Courier New" panose="02070309020205020404" pitchFamily="49" charset="0"/>
-              </a:rPr>
-              <a:t>    </a:t>
-            </a:r>
-            <a:r>
-              <a:rPr lang="en-US" dirty="0" err="1">
-                <a:latin typeface="Courier New" panose="02070309020205020404" pitchFamily="49" charset="0"/>
-                <a:cs typeface="Courier New" panose="02070309020205020404" pitchFamily="49" charset="0"/>
-              </a:rPr>
-              <a:t>wp_enqueue_script</a:t>
-            </a:r>
-            <a:r>
-              <a:rPr lang="en-US" dirty="0">
-                <a:latin typeface="Courier New" panose="02070309020205020404" pitchFamily="49" charset="0"/>
-                <a:cs typeface="Courier New" panose="02070309020205020404" pitchFamily="49" charset="0"/>
-              </a:rPr>
-              <a:t>('script');</a:t>
-            </a:r>
-          </a:p>
-          <a:p>
-            <a:pPr algn="l"/>
-            <a:r>
-              <a:rPr lang="en-US" dirty="0">
-                <a:latin typeface="Courier New" panose="02070309020205020404" pitchFamily="49" charset="0"/>
-                <a:cs typeface="Courier New" panose="02070309020205020404" pitchFamily="49" charset="0"/>
-              </a:rPr>
-              <a:t>}</a:t>
-            </a:r>
-          </a:p>
-          <a:p>
-            <a:pPr algn="l"/>
-            <a:r>
-              <a:rPr lang="en-US" dirty="0" err="1">
-                <a:latin typeface="Courier New" panose="02070309020205020404" pitchFamily="49" charset="0"/>
-                <a:cs typeface="Courier New" panose="02070309020205020404" pitchFamily="49" charset="0"/>
-              </a:rPr>
-              <a:t>add_action</a:t>
-            </a:r>
-            <a:r>
-              <a:rPr lang="en-US" dirty="0">
-                <a:latin typeface="Courier New" panose="02070309020205020404" pitchFamily="49" charset="0"/>
-                <a:cs typeface="Courier New" panose="02070309020205020404" pitchFamily="49" charset="0"/>
-              </a:rPr>
-              <a:t>('</a:t>
-            </a:r>
-            <a:r>
-              <a:rPr lang="en-US" dirty="0" err="1">
-                <a:latin typeface="Courier New" panose="02070309020205020404" pitchFamily="49" charset="0"/>
-                <a:cs typeface="Courier New" panose="02070309020205020404" pitchFamily="49" charset="0"/>
-              </a:rPr>
-              <a:t>wp_enqueue_scripts</a:t>
-            </a:r>
-            <a:r>
-              <a:rPr lang="en-US" dirty="0">
-                <a:latin typeface="Courier New" panose="02070309020205020404" pitchFamily="49" charset="0"/>
-                <a:cs typeface="Courier New" panose="02070309020205020404" pitchFamily="49" charset="0"/>
-              </a:rPr>
-              <a:t>', ' </a:t>
-            </a:r>
-            <a:r>
-              <a:rPr lang="en-US" dirty="0" err="1">
-                <a:latin typeface="Courier New" panose="02070309020205020404" pitchFamily="49" charset="0"/>
-                <a:cs typeface="Courier New" panose="02070309020205020404" pitchFamily="49" charset="0"/>
-              </a:rPr>
-              <a:t>adicionar_scripts</a:t>
-            </a:r>
-            <a:r>
-              <a:rPr lang="en-US" dirty="0">
-                <a:latin typeface="Courier New" panose="02070309020205020404" pitchFamily="49" charset="0"/>
-                <a:cs typeface="Courier New" panose="02070309020205020404" pitchFamily="49" charset="0"/>
-              </a:rPr>
-              <a:t>');</a:t>
-            </a:r>
+              <a:t>/jquery-3.4.1.min.js', array(), 1, true);</a:t>
+            </a:r>
+            <a:endParaRPr lang="pt-BR" dirty="0">
+              <a:latin typeface="Courier New" panose="02070309020205020404" pitchFamily="49" charset="0"/>
+              <a:cs typeface="Courier New" panose="02070309020205020404" pitchFamily="49" charset="0"/>
+            </a:endParaRPr>
           </a:p>
         </p:txBody>
       </p:sp>
     </p:spTree>
     <p:extLst>
       <p:ext uri="{BB962C8B-B14F-4D97-AF65-F5344CB8AC3E}">
-        <p14:creationId xmlns:p14="http://schemas.microsoft.com/office/powerpoint/2010/main" val="711182316"/>
+        <p14:creationId xmlns:p14="http://schemas.microsoft.com/office/powerpoint/2010/main" val="843939500"/>
       </p:ext>
     </p:extLst>
   </p:cSld>
@@ -7090,7 +8185,7 @@
           <a:p>
             <a:r>
               <a:rPr lang="pt-BR" dirty="0"/>
-              <a:t>Visualização do site</a:t>
+              <a:t>Inserção de scripts adicionais</a:t>
             </a:r>
           </a:p>
         </p:txBody>
@@ -7108,75 +8203,237 @@
         <p:spPr/>
         <p:txBody>
           <a:bodyPr>
-            <a:normAutofit/>
+            <a:normAutofit fontScale="85000" lnSpcReduction="10000"/>
           </a:bodyPr>
           <a:lstStyle/>
           <a:p>
             <a:r>
-              <a:rPr lang="pt-BR" dirty="0"/>
-              <a:t>Insira algum script no arquivo scripts.js e visualize o site</a:t>
-            </a:r>
-            <a:r>
               <a:rPr lang="en-US" dirty="0"/>
-              <a:t> para </a:t>
-            </a:r>
-            <a:r>
-              <a:rPr lang="pt-BR" dirty="0"/>
-              <a:t>observar</a:t>
+              <a:t>No </a:t>
+            </a:r>
+            <a:r>
+              <a:rPr lang="en-US" dirty="0" err="1"/>
+              <a:t>arquivo</a:t>
             </a:r>
             <a:r>
               <a:rPr lang="en-US" dirty="0"/>
-              <a:t> a </a:t>
-            </a:r>
-            <a:r>
-              <a:rPr lang="pt-BR" dirty="0"/>
-              <a:t>inserção</a:t>
+              <a:t> </a:t>
+            </a:r>
+            <a:r>
+              <a:rPr lang="en-US" dirty="0" err="1">
+                <a:latin typeface="Courier New" panose="02070309020205020404" pitchFamily="49" charset="0"/>
+                <a:cs typeface="Courier New" panose="02070309020205020404" pitchFamily="49" charset="0"/>
+              </a:rPr>
+              <a:t>functions.php</a:t>
             </a:r>
             <a:r>
               <a:rPr lang="en-US" dirty="0"/>
-              <a:t> do novo script.</a:t>
-            </a:r>
-          </a:p>
-          <a:p>
-            <a:pPr algn="l"/>
-            <a:r>
-              <a:rPr lang="en-US" dirty="0">
-                <a:latin typeface="Courier New" panose="02070309020205020404" pitchFamily="49" charset="0"/>
-                <a:cs typeface="Courier New" panose="02070309020205020404" pitchFamily="49" charset="0"/>
-              </a:rPr>
-              <a:t>$(document).ready(function(){</a:t>
-            </a:r>
-          </a:p>
-          <a:p>
-            <a:pPr algn="l"/>
-            <a:r>
-              <a:rPr lang="en-US" dirty="0">
-                <a:latin typeface="Courier New" panose="02070309020205020404" pitchFamily="49" charset="0"/>
-                <a:cs typeface="Courier New" panose="02070309020205020404" pitchFamily="49" charset="0"/>
-              </a:rPr>
-              <a:t>    alert('oi');</a:t>
-            </a:r>
-          </a:p>
-          <a:p>
-            <a:pPr algn="l"/>
-            <a:r>
-              <a:rPr lang="en-US" dirty="0">
-                <a:latin typeface="Courier New" panose="02070309020205020404" pitchFamily="49" charset="0"/>
-                <a:cs typeface="Courier New" panose="02070309020205020404" pitchFamily="49" charset="0"/>
-              </a:rPr>
-              <a:t>});</a:t>
-            </a:r>
-            <a:endParaRPr lang="pt-BR" dirty="0">
+              <a:t>, </a:t>
+            </a:r>
+            <a:r>
+              <a:rPr lang="en-US" dirty="0" err="1"/>
+              <a:t>insira</a:t>
+            </a:r>
+            <a:r>
+              <a:rPr lang="en-US" dirty="0"/>
+              <a:t> o </a:t>
+            </a:r>
+            <a:r>
+              <a:rPr lang="en-US" dirty="0" err="1"/>
+              <a:t>seguinte</a:t>
+            </a:r>
+            <a:r>
+              <a:rPr lang="en-US" dirty="0"/>
+              <a:t> </a:t>
+            </a:r>
+            <a:r>
+              <a:rPr lang="en-US" dirty="0" err="1"/>
+              <a:t>código</a:t>
+            </a:r>
+            <a:r>
+              <a:rPr lang="en-US" dirty="0"/>
+              <a:t>:</a:t>
+            </a:r>
+            <a:endParaRPr lang="en-US" dirty="0">
               <a:latin typeface="Courier New" panose="02070309020205020404" pitchFamily="49" charset="0"/>
               <a:cs typeface="Courier New" panose="02070309020205020404" pitchFamily="49" charset="0"/>
             </a:endParaRPr>
           </a:p>
+          <a:p>
+            <a:pPr algn="l"/>
+            <a:r>
+              <a:rPr lang="en-US" dirty="0">
+                <a:latin typeface="Courier New" panose="02070309020205020404" pitchFamily="49" charset="0"/>
+                <a:cs typeface="Courier New" panose="02070309020205020404" pitchFamily="49" charset="0"/>
+              </a:rPr>
+              <a:t>    </a:t>
+            </a:r>
+            <a:r>
+              <a:rPr lang="en-US" dirty="0" err="1">
+                <a:latin typeface="Courier New" panose="02070309020205020404" pitchFamily="49" charset="0"/>
+                <a:cs typeface="Courier New" panose="02070309020205020404" pitchFamily="49" charset="0"/>
+              </a:rPr>
+              <a:t>wp_enqueue_script</a:t>
+            </a:r>
+            <a:r>
+              <a:rPr lang="en-US" dirty="0">
+                <a:latin typeface="Courier New" panose="02070309020205020404" pitchFamily="49" charset="0"/>
+                <a:cs typeface="Courier New" panose="02070309020205020404" pitchFamily="49" charset="0"/>
+              </a:rPr>
+              <a:t>('</a:t>
+            </a:r>
+            <a:r>
+              <a:rPr lang="en-US" dirty="0" err="1">
+                <a:latin typeface="Courier New" panose="02070309020205020404" pitchFamily="49" charset="0"/>
+                <a:cs typeface="Courier New" panose="02070309020205020404" pitchFamily="49" charset="0"/>
+              </a:rPr>
+              <a:t>jquery</a:t>
+            </a:r>
+            <a:r>
+              <a:rPr lang="en-US" dirty="0">
+                <a:latin typeface="Courier New" panose="02070309020205020404" pitchFamily="49" charset="0"/>
+                <a:cs typeface="Courier New" panose="02070309020205020404" pitchFamily="49" charset="0"/>
+              </a:rPr>
+              <a:t>');</a:t>
+            </a:r>
+          </a:p>
+          <a:p>
+            <a:pPr algn="l"/>
+            <a:r>
+              <a:rPr lang="en-US" dirty="0">
+                <a:latin typeface="Courier New" panose="02070309020205020404" pitchFamily="49" charset="0"/>
+                <a:cs typeface="Courier New" panose="02070309020205020404" pitchFamily="49" charset="0"/>
+              </a:rPr>
+              <a:t>    </a:t>
+            </a:r>
+            <a:r>
+              <a:rPr lang="en-US" dirty="0" err="1">
+                <a:latin typeface="Courier New" panose="02070309020205020404" pitchFamily="49" charset="0"/>
+                <a:cs typeface="Courier New" panose="02070309020205020404" pitchFamily="49" charset="0"/>
+              </a:rPr>
+              <a:t>wp_register_script</a:t>
+            </a:r>
+            <a:r>
+              <a:rPr lang="en-US" dirty="0">
+                <a:latin typeface="Courier New" panose="02070309020205020404" pitchFamily="49" charset="0"/>
+                <a:cs typeface="Courier New" panose="02070309020205020404" pitchFamily="49" charset="0"/>
+              </a:rPr>
+              <a:t>('script', </a:t>
+            </a:r>
+            <a:r>
+              <a:rPr lang="en-US" dirty="0" err="1">
+                <a:latin typeface="Courier New" panose="02070309020205020404" pitchFamily="49" charset="0"/>
+                <a:cs typeface="Courier New" panose="02070309020205020404" pitchFamily="49" charset="0"/>
+              </a:rPr>
+              <a:t>get_template_directory_uri</a:t>
+            </a:r>
+            <a:r>
+              <a:rPr lang="en-US" dirty="0">
+                <a:latin typeface="Courier New" panose="02070309020205020404" pitchFamily="49" charset="0"/>
+                <a:cs typeface="Courier New" panose="02070309020205020404" pitchFamily="49" charset="0"/>
+              </a:rPr>
+              <a:t>() . '/</a:t>
+            </a:r>
+            <a:r>
+              <a:rPr lang="en-US" dirty="0" err="1">
+                <a:latin typeface="Courier New" panose="02070309020205020404" pitchFamily="49" charset="0"/>
+                <a:cs typeface="Courier New" panose="02070309020205020404" pitchFamily="49" charset="0"/>
+              </a:rPr>
+              <a:t>js</a:t>
+            </a:r>
+            <a:r>
+              <a:rPr lang="en-US" dirty="0">
+                <a:latin typeface="Courier New" panose="02070309020205020404" pitchFamily="49" charset="0"/>
+                <a:cs typeface="Courier New" panose="02070309020205020404" pitchFamily="49" charset="0"/>
+              </a:rPr>
+              <a:t>/scripts.js', array(), 1, true);</a:t>
+            </a:r>
+          </a:p>
+          <a:p>
+            <a:pPr algn="l"/>
+            <a:r>
+              <a:rPr lang="en-US" dirty="0">
+                <a:latin typeface="Courier New" panose="02070309020205020404" pitchFamily="49" charset="0"/>
+                <a:cs typeface="Courier New" panose="02070309020205020404" pitchFamily="49" charset="0"/>
+              </a:rPr>
+              <a:t>    </a:t>
+            </a:r>
+            <a:r>
+              <a:rPr lang="en-US" dirty="0" err="1">
+                <a:latin typeface="Courier New" panose="02070309020205020404" pitchFamily="49" charset="0"/>
+                <a:cs typeface="Courier New" panose="02070309020205020404" pitchFamily="49" charset="0"/>
+              </a:rPr>
+              <a:t>wp_enqueue_script</a:t>
+            </a:r>
+            <a:r>
+              <a:rPr lang="en-US" dirty="0">
+                <a:latin typeface="Courier New" panose="02070309020205020404" pitchFamily="49" charset="0"/>
+                <a:cs typeface="Courier New" panose="02070309020205020404" pitchFamily="49" charset="0"/>
+              </a:rPr>
+              <a:t>('script');</a:t>
+            </a:r>
+          </a:p>
+          <a:p>
+            <a:pPr algn="l"/>
+            <a:r>
+              <a:rPr lang="en-US" dirty="0">
+                <a:latin typeface="Courier New" panose="02070309020205020404" pitchFamily="49" charset="0"/>
+                <a:cs typeface="Courier New" panose="02070309020205020404" pitchFamily="49" charset="0"/>
+              </a:rPr>
+              <a:t>}</a:t>
+            </a:r>
+          </a:p>
+          <a:p>
+            <a:pPr algn="l"/>
+            <a:r>
+              <a:rPr lang="en-US" dirty="0" err="1">
+                <a:latin typeface="Courier New" panose="02070309020205020404" pitchFamily="49" charset="0"/>
+                <a:cs typeface="Courier New" panose="02070309020205020404" pitchFamily="49" charset="0"/>
+              </a:rPr>
+              <a:t>add_action</a:t>
+            </a:r>
+            <a:r>
+              <a:rPr lang="en-US" dirty="0">
+                <a:latin typeface="Courier New" panose="02070309020205020404" pitchFamily="49" charset="0"/>
+                <a:cs typeface="Courier New" panose="02070309020205020404" pitchFamily="49" charset="0"/>
+              </a:rPr>
+              <a:t>('</a:t>
+            </a:r>
+            <a:r>
+              <a:rPr lang="en-US" dirty="0" err="1">
+                <a:latin typeface="Courier New" panose="02070309020205020404" pitchFamily="49" charset="0"/>
+                <a:cs typeface="Courier New" panose="02070309020205020404" pitchFamily="49" charset="0"/>
+              </a:rPr>
+              <a:t>wp_enqueue_scripts</a:t>
+            </a:r>
+            <a:r>
+              <a:rPr lang="en-US" dirty="0">
+                <a:latin typeface="Courier New" panose="02070309020205020404" pitchFamily="49" charset="0"/>
+                <a:cs typeface="Courier New" panose="02070309020205020404" pitchFamily="49" charset="0"/>
+              </a:rPr>
+              <a:t>', ' </a:t>
+            </a:r>
+            <a:r>
+              <a:rPr lang="en-US" dirty="0" err="1">
+                <a:latin typeface="Courier New" panose="02070309020205020404" pitchFamily="49" charset="0"/>
+                <a:cs typeface="Courier New" panose="02070309020205020404" pitchFamily="49" charset="0"/>
+              </a:rPr>
+              <a:t>adicionar_scripts</a:t>
+            </a:r>
+            <a:r>
+              <a:rPr lang="en-US" dirty="0">
+                <a:latin typeface="Courier New" panose="02070309020205020404" pitchFamily="49" charset="0"/>
+                <a:cs typeface="Courier New" panose="02070309020205020404" pitchFamily="49" charset="0"/>
+              </a:rPr>
+              <a:t>');</a:t>
+            </a:r>
+          </a:p>
         </p:txBody>
       </p:sp>
     </p:spTree>
     <p:extLst>
       <p:ext uri="{BB962C8B-B14F-4D97-AF65-F5344CB8AC3E}">
-        <p14:creationId xmlns:p14="http://schemas.microsoft.com/office/powerpoint/2010/main" val="1145995629"/>
+        <p14:creationId xmlns:p14="http://schemas.microsoft.com/office/powerpoint/2010/main" val="711182316"/>
       </p:ext>
     </p:extLst>
   </p:cSld>
@@ -7247,15 +8504,24 @@
               <a:t>Criar um novo diretório para o tema em </a:t>
             </a:r>
             <a:r>
-              <a:rPr lang="pt-BR" dirty="0" err="1"/>
+              <a:rPr lang="pt-BR" dirty="0" err="1">
+                <a:latin typeface="Courier New" panose="02070309020205020404" pitchFamily="49" charset="0"/>
+                <a:cs typeface="Courier New" panose="02070309020205020404" pitchFamily="49" charset="0"/>
+              </a:rPr>
               <a:t>wp-content</a:t>
             </a:r>
             <a:r>
-              <a:rPr lang="pt-BR" dirty="0"/>
+              <a:rPr lang="pt-BR" dirty="0">
+                <a:latin typeface="Courier New" panose="02070309020205020404" pitchFamily="49" charset="0"/>
+                <a:cs typeface="Courier New" panose="02070309020205020404" pitchFamily="49" charset="0"/>
+              </a:rPr>
               <a:t>\</a:t>
             </a:r>
             <a:r>
-              <a:rPr lang="pt-BR" dirty="0" err="1"/>
+              <a:rPr lang="pt-BR" dirty="0" err="1">
+                <a:latin typeface="Courier New" panose="02070309020205020404" pitchFamily="49" charset="0"/>
+                <a:cs typeface="Courier New" panose="02070309020205020404" pitchFamily="49" charset="0"/>
+              </a:rPr>
               <a:t>themes</a:t>
             </a:r>
             <a:r>
@@ -7271,12 +8537,26 @@
               <a:t>, por exemplo) e os arquivos </a:t>
             </a:r>
             <a:r>
-              <a:rPr lang="pt-BR" dirty="0" err="1"/>
+              <a:rPr lang="pt-BR" dirty="0" err="1">
+                <a:latin typeface="Courier New" panose="02070309020205020404" pitchFamily="49" charset="0"/>
+                <a:cs typeface="Courier New" panose="02070309020205020404" pitchFamily="49" charset="0"/>
+              </a:rPr>
               <a:t>index.php</a:t>
             </a:r>
             <a:r>
               <a:rPr lang="pt-BR" dirty="0"/>
-              <a:t> e style.css nesse novo diretório.</a:t>
+              <a:t> e </a:t>
+            </a:r>
+            <a:r>
+              <a:rPr lang="pt-BR" dirty="0">
+                <a:latin typeface="Courier New" panose="02070309020205020404" pitchFamily="49" charset="0"/>
+                <a:cs typeface="Courier New" panose="02070309020205020404" pitchFamily="49" charset="0"/>
+              </a:rPr>
+              <a:t>style.css</a:t>
+            </a:r>
+            <a:r>
+              <a:rPr lang="pt-BR" dirty="0"/>
+              <a:t> nesse novo diretório.</a:t>
             </a:r>
           </a:p>
         </p:txBody>
@@ -7323,6 +8603,28 @@
         </p:nvSpPr>
         <p:spPr/>
         <p:txBody>
+          <a:bodyPr/>
+          <a:lstStyle/>
+          <a:p>
+            <a:r>
+              <a:rPr lang="pt-BR" dirty="0"/>
+              <a:t>Visualização do site</a:t>
+            </a:r>
+          </a:p>
+        </p:txBody>
+      </p:sp>
+      <p:sp>
+        <p:nvSpPr>
+          <p:cNvPr id="6" name="Espaço Reservado para Conteúdo 5"/>
+          <p:cNvSpPr>
+            <a:spLocks noGrp="1"/>
+          </p:cNvSpPr>
+          <p:nvPr>
+            <p:ph idx="1"/>
+          </p:nvPr>
+        </p:nvSpPr>
+        <p:spPr/>
+        <p:txBody>
           <a:bodyPr>
             <a:normAutofit/>
           </a:bodyPr>
@@ -7330,7 +8632,1138 @@
           <a:p>
             <a:r>
               <a:rPr lang="pt-BR" dirty="0"/>
-              <a:t>Referências</a:t>
+              <a:t>Insira algum script no arquivo </a:t>
+            </a:r>
+            <a:r>
+              <a:rPr lang="pt-BR" dirty="0">
+                <a:latin typeface="Courier New" panose="02070309020205020404" pitchFamily="49" charset="0"/>
+                <a:cs typeface="Courier New" panose="02070309020205020404" pitchFamily="49" charset="0"/>
+              </a:rPr>
+              <a:t>scripts.js</a:t>
+            </a:r>
+            <a:r>
+              <a:rPr lang="pt-BR" dirty="0"/>
+              <a:t> e visualize o site</a:t>
+            </a:r>
+            <a:r>
+              <a:rPr lang="en-US" dirty="0"/>
+              <a:t> para </a:t>
+            </a:r>
+            <a:r>
+              <a:rPr lang="pt-BR" dirty="0"/>
+              <a:t>observar</a:t>
+            </a:r>
+            <a:r>
+              <a:rPr lang="en-US" dirty="0"/>
+              <a:t> a </a:t>
+            </a:r>
+            <a:r>
+              <a:rPr lang="pt-BR" dirty="0"/>
+              <a:t>inserção</a:t>
+            </a:r>
+            <a:r>
+              <a:rPr lang="en-US" dirty="0"/>
+              <a:t> do novo script.</a:t>
+            </a:r>
+          </a:p>
+          <a:p>
+            <a:pPr algn="l"/>
+            <a:r>
+              <a:rPr lang="en-US" dirty="0">
+                <a:latin typeface="Courier New" panose="02070309020205020404" pitchFamily="49" charset="0"/>
+                <a:cs typeface="Courier New" panose="02070309020205020404" pitchFamily="49" charset="0"/>
+              </a:rPr>
+              <a:t>$(document).ready(function(){</a:t>
+            </a:r>
+          </a:p>
+          <a:p>
+            <a:pPr algn="l"/>
+            <a:r>
+              <a:rPr lang="en-US" dirty="0">
+                <a:latin typeface="Courier New" panose="02070309020205020404" pitchFamily="49" charset="0"/>
+                <a:cs typeface="Courier New" panose="02070309020205020404" pitchFamily="49" charset="0"/>
+              </a:rPr>
+              <a:t>    alert('oi');</a:t>
+            </a:r>
+          </a:p>
+          <a:p>
+            <a:pPr algn="l"/>
+            <a:r>
+              <a:rPr lang="en-US" dirty="0">
+                <a:latin typeface="Courier New" panose="02070309020205020404" pitchFamily="49" charset="0"/>
+                <a:cs typeface="Courier New" panose="02070309020205020404" pitchFamily="49" charset="0"/>
+              </a:rPr>
+              <a:t>});</a:t>
+            </a:r>
+            <a:endParaRPr lang="pt-BR" dirty="0">
+              <a:latin typeface="Courier New" panose="02070309020205020404" pitchFamily="49" charset="0"/>
+              <a:cs typeface="Courier New" panose="02070309020205020404" pitchFamily="49" charset="0"/>
+            </a:endParaRPr>
+          </a:p>
+        </p:txBody>
+      </p:sp>
+    </p:spTree>
+    <p:extLst>
+      <p:ext uri="{BB962C8B-B14F-4D97-AF65-F5344CB8AC3E}">
+        <p14:creationId xmlns:p14="http://schemas.microsoft.com/office/powerpoint/2010/main" val="1145995629"/>
+      </p:ext>
+    </p:extLst>
+  </p:cSld>
+  <p:clrMapOvr>
+    <a:masterClrMapping/>
+  </p:clrMapOvr>
+</p:sld>
+</file>
+
+<file path=ppt/slides/slide21.xml><?xml version="1.0" encoding="utf-8"?>
+<p:sld xmlns:a="http://schemas.openxmlformats.org/drawingml/2006/main" xmlns:r="http://schemas.openxmlformats.org/officeDocument/2006/relationships" xmlns:p="http://schemas.openxmlformats.org/presentationml/2006/main">
+  <p:cSld>
+    <p:spTree>
+      <p:nvGrpSpPr>
+        <p:cNvPr id="1" name=""/>
+        <p:cNvGrpSpPr/>
+        <p:nvPr/>
+      </p:nvGrpSpPr>
+      <p:grpSpPr>
+        <a:xfrm>
+          <a:off x="0" y="0"/>
+          <a:ext cx="0" cy="0"/>
+          <a:chOff x="0" y="0"/>
+          <a:chExt cx="0" cy="0"/>
+        </a:xfrm>
+      </p:grpSpPr>
+      <p:sp>
+        <p:nvSpPr>
+          <p:cNvPr id="5" name="Título 4"/>
+          <p:cNvSpPr>
+            <a:spLocks noGrp="1"/>
+          </p:cNvSpPr>
+          <p:nvPr>
+            <p:ph type="title"/>
+          </p:nvPr>
+        </p:nvSpPr>
+        <p:spPr/>
+        <p:txBody>
+          <a:bodyPr/>
+          <a:lstStyle/>
+          <a:p>
+            <a:r>
+              <a:rPr lang="pt-BR" dirty="0"/>
+              <a:t>Inserção do cabeçalho</a:t>
+            </a:r>
+          </a:p>
+        </p:txBody>
+      </p:sp>
+      <p:sp>
+        <p:nvSpPr>
+          <p:cNvPr id="6" name="Espaço Reservado para Conteúdo 5"/>
+          <p:cNvSpPr>
+            <a:spLocks noGrp="1"/>
+          </p:cNvSpPr>
+          <p:nvPr>
+            <p:ph idx="1"/>
+          </p:nvPr>
+        </p:nvSpPr>
+        <p:spPr/>
+        <p:txBody>
+          <a:bodyPr>
+            <a:normAutofit fontScale="92500" lnSpcReduction="10000"/>
+          </a:bodyPr>
+          <a:lstStyle/>
+          <a:p>
+            <a:r>
+              <a:rPr lang="pt-BR" dirty="0"/>
+              <a:t>No arquivo </a:t>
+            </a:r>
+            <a:r>
+              <a:rPr lang="pt-BR" dirty="0" err="1">
+                <a:latin typeface="Courier New" panose="02070309020205020404" pitchFamily="49" charset="0"/>
+                <a:cs typeface="Courier New" panose="02070309020205020404" pitchFamily="49" charset="0"/>
+              </a:rPr>
+              <a:t>header.php</a:t>
+            </a:r>
+            <a:r>
+              <a:rPr lang="pt-BR" dirty="0"/>
+              <a:t>, insira o elemento </a:t>
+            </a:r>
+            <a:r>
+              <a:rPr lang="pt-BR" dirty="0">
+                <a:latin typeface="Courier New" panose="02070309020205020404" pitchFamily="49" charset="0"/>
+                <a:cs typeface="Courier New" panose="02070309020205020404" pitchFamily="49" charset="0"/>
+              </a:rPr>
+              <a:t>&lt;header&gt;</a:t>
+            </a:r>
+            <a:r>
+              <a:rPr lang="pt-BR" dirty="0"/>
+              <a:t> (vazio) após a abertura da </a:t>
+            </a:r>
+            <a:r>
+              <a:rPr lang="pt-BR" dirty="0" err="1"/>
+              <a:t>tag</a:t>
+            </a:r>
+            <a:r>
+              <a:rPr lang="pt-BR" dirty="0"/>
+              <a:t> </a:t>
+            </a:r>
+            <a:r>
+              <a:rPr lang="pt-BR" dirty="0" err="1"/>
+              <a:t>body</a:t>
+            </a:r>
+            <a:r>
+              <a:rPr lang="pt-BR" dirty="0"/>
+              <a:t> e crie uma regra CSS para o mesmo</a:t>
+            </a:r>
+            <a:r>
+              <a:rPr lang="en-US" dirty="0"/>
+              <a:t>:</a:t>
+            </a:r>
+          </a:p>
+          <a:p>
+            <a:pPr algn="l"/>
+            <a:r>
+              <a:rPr lang="en-US" dirty="0">
+                <a:latin typeface="Courier New" panose="02070309020205020404" pitchFamily="49" charset="0"/>
+                <a:cs typeface="Courier New" panose="02070309020205020404" pitchFamily="49" charset="0"/>
+              </a:rPr>
+              <a:t>header{</a:t>
+            </a:r>
+          </a:p>
+          <a:p>
+            <a:pPr algn="l"/>
+            <a:r>
+              <a:rPr lang="en-US" dirty="0">
+                <a:latin typeface="Courier New" panose="02070309020205020404" pitchFamily="49" charset="0"/>
+                <a:cs typeface="Courier New" panose="02070309020205020404" pitchFamily="49" charset="0"/>
+              </a:rPr>
+              <a:t>    background-color: #</a:t>
+            </a:r>
+            <a:r>
+              <a:rPr lang="en-US" dirty="0" err="1">
+                <a:latin typeface="Courier New" panose="02070309020205020404" pitchFamily="49" charset="0"/>
+                <a:cs typeface="Courier New" panose="02070309020205020404" pitchFamily="49" charset="0"/>
+              </a:rPr>
+              <a:t>fff</a:t>
+            </a:r>
+            <a:r>
+              <a:rPr lang="en-US" dirty="0">
+                <a:latin typeface="Courier New" panose="02070309020205020404" pitchFamily="49" charset="0"/>
+                <a:cs typeface="Courier New" panose="02070309020205020404" pitchFamily="49" charset="0"/>
+              </a:rPr>
+              <a:t>;</a:t>
+            </a:r>
+          </a:p>
+          <a:p>
+            <a:pPr algn="l"/>
+            <a:r>
+              <a:rPr lang="en-US" dirty="0">
+                <a:latin typeface="Courier New" panose="02070309020205020404" pitchFamily="49" charset="0"/>
+                <a:cs typeface="Courier New" panose="02070309020205020404" pitchFamily="49" charset="0"/>
+              </a:rPr>
+              <a:t>    width: 100%;</a:t>
+            </a:r>
+          </a:p>
+          <a:p>
+            <a:pPr algn="l"/>
+            <a:r>
+              <a:rPr lang="en-US" dirty="0">
+                <a:latin typeface="Courier New" panose="02070309020205020404" pitchFamily="49" charset="0"/>
+                <a:cs typeface="Courier New" panose="02070309020205020404" pitchFamily="49" charset="0"/>
+              </a:rPr>
+              <a:t>	height: 100px;</a:t>
+            </a:r>
+          </a:p>
+          <a:p>
+            <a:pPr algn="l"/>
+            <a:r>
+              <a:rPr lang="en-US" dirty="0">
+                <a:latin typeface="Courier New" panose="02070309020205020404" pitchFamily="49" charset="0"/>
+                <a:cs typeface="Courier New" panose="02070309020205020404" pitchFamily="49" charset="0"/>
+              </a:rPr>
+              <a:t>}</a:t>
+            </a:r>
+            <a:endParaRPr lang="pt-BR" dirty="0">
+              <a:latin typeface="Courier New" panose="02070309020205020404" pitchFamily="49" charset="0"/>
+              <a:cs typeface="Courier New" panose="02070309020205020404" pitchFamily="49" charset="0"/>
+            </a:endParaRPr>
+          </a:p>
+        </p:txBody>
+      </p:sp>
+    </p:spTree>
+    <p:extLst>
+      <p:ext uri="{BB962C8B-B14F-4D97-AF65-F5344CB8AC3E}">
+        <p14:creationId xmlns:p14="http://schemas.microsoft.com/office/powerpoint/2010/main" val="3655724266"/>
+      </p:ext>
+    </p:extLst>
+  </p:cSld>
+  <p:clrMapOvr>
+    <a:masterClrMapping/>
+  </p:clrMapOvr>
+</p:sld>
+</file>
+
+<file path=ppt/slides/slide22.xml><?xml version="1.0" encoding="utf-8"?>
+<p:sld xmlns:a="http://schemas.openxmlformats.org/drawingml/2006/main" xmlns:r="http://schemas.openxmlformats.org/officeDocument/2006/relationships" xmlns:p="http://schemas.openxmlformats.org/presentationml/2006/main">
+  <p:cSld>
+    <p:spTree>
+      <p:nvGrpSpPr>
+        <p:cNvPr id="1" name=""/>
+        <p:cNvGrpSpPr/>
+        <p:nvPr/>
+      </p:nvGrpSpPr>
+      <p:grpSpPr>
+        <a:xfrm>
+          <a:off x="0" y="0"/>
+          <a:ext cx="0" cy="0"/>
+          <a:chOff x="0" y="0"/>
+          <a:chExt cx="0" cy="0"/>
+        </a:xfrm>
+      </p:grpSpPr>
+      <p:sp>
+        <p:nvSpPr>
+          <p:cNvPr id="5" name="Título 4"/>
+          <p:cNvSpPr>
+            <a:spLocks noGrp="1"/>
+          </p:cNvSpPr>
+          <p:nvPr>
+            <p:ph type="title"/>
+          </p:nvPr>
+        </p:nvSpPr>
+        <p:spPr/>
+        <p:txBody>
+          <a:bodyPr/>
+          <a:lstStyle/>
+          <a:p>
+            <a:r>
+              <a:rPr lang="pt-BR" dirty="0"/>
+              <a:t>Inserção do conteúdo</a:t>
+            </a:r>
+          </a:p>
+        </p:txBody>
+      </p:sp>
+      <p:sp>
+        <p:nvSpPr>
+          <p:cNvPr id="6" name="Espaço Reservado para Conteúdo 5"/>
+          <p:cNvSpPr>
+            <a:spLocks noGrp="1"/>
+          </p:cNvSpPr>
+          <p:nvPr>
+            <p:ph idx="1"/>
+          </p:nvPr>
+        </p:nvSpPr>
+        <p:spPr/>
+        <p:txBody>
+          <a:bodyPr>
+            <a:normAutofit/>
+          </a:bodyPr>
+          <a:lstStyle/>
+          <a:p>
+            <a:r>
+              <a:rPr lang="pt-BR" dirty="0"/>
+              <a:t>No arquivo </a:t>
+            </a:r>
+            <a:r>
+              <a:rPr lang="pt-BR" dirty="0">
+                <a:latin typeface="Courier New" panose="02070309020205020404" pitchFamily="49" charset="0"/>
+                <a:cs typeface="Courier New" panose="02070309020205020404" pitchFamily="49" charset="0"/>
+              </a:rPr>
+              <a:t>front-</a:t>
+            </a:r>
+            <a:r>
+              <a:rPr lang="pt-BR" dirty="0" err="1">
+                <a:latin typeface="Courier New" panose="02070309020205020404" pitchFamily="49" charset="0"/>
+                <a:cs typeface="Courier New" panose="02070309020205020404" pitchFamily="49" charset="0"/>
+              </a:rPr>
+              <a:t>page.php</a:t>
+            </a:r>
+            <a:r>
+              <a:rPr lang="pt-BR" dirty="0"/>
+              <a:t>, substitua o conteúdo do elemento </a:t>
+            </a:r>
+            <a:r>
+              <a:rPr lang="pt-BR" dirty="0">
+                <a:latin typeface="Courier New" panose="02070309020205020404" pitchFamily="49" charset="0"/>
+                <a:cs typeface="Courier New" panose="02070309020205020404" pitchFamily="49" charset="0"/>
+              </a:rPr>
+              <a:t>&lt;</a:t>
+            </a:r>
+            <a:r>
+              <a:rPr lang="pt-BR" dirty="0" err="1">
+                <a:latin typeface="Courier New" panose="02070309020205020404" pitchFamily="49" charset="0"/>
+                <a:cs typeface="Courier New" panose="02070309020205020404" pitchFamily="49" charset="0"/>
+              </a:rPr>
+              <a:t>div</a:t>
+            </a:r>
+            <a:r>
+              <a:rPr lang="pt-BR" dirty="0">
+                <a:latin typeface="Courier New" panose="02070309020205020404" pitchFamily="49" charset="0"/>
+                <a:cs typeface="Courier New" panose="02070309020205020404" pitchFamily="49" charset="0"/>
+              </a:rPr>
+              <a:t> </a:t>
+            </a:r>
+            <a:r>
+              <a:rPr lang="pt-BR" dirty="0" err="1">
+                <a:latin typeface="Courier New" panose="02070309020205020404" pitchFamily="49" charset="0"/>
+                <a:cs typeface="Courier New" panose="02070309020205020404" pitchFamily="49" charset="0"/>
+              </a:rPr>
+              <a:t>class</a:t>
+            </a:r>
+            <a:r>
+              <a:rPr lang="pt-BR" dirty="0">
+                <a:latin typeface="Courier New" panose="02070309020205020404" pitchFamily="49" charset="0"/>
+                <a:cs typeface="Courier New" panose="02070309020205020404" pitchFamily="49" charset="0"/>
+              </a:rPr>
+              <a:t>=“container”&gt;</a:t>
+            </a:r>
+            <a:r>
+              <a:rPr lang="pt-BR" dirty="0"/>
+              <a:t>, para exibir o título da página inicial</a:t>
+            </a:r>
+            <a:r>
+              <a:rPr lang="en-US" dirty="0"/>
+              <a:t>:</a:t>
+            </a:r>
+          </a:p>
+          <a:p>
+            <a:pPr algn="l"/>
+            <a:r>
+              <a:rPr lang="en-US" dirty="0">
+                <a:latin typeface="Courier New" panose="02070309020205020404" pitchFamily="49" charset="0"/>
+                <a:cs typeface="Courier New" panose="02070309020205020404" pitchFamily="49" charset="0"/>
+              </a:rPr>
+              <a:t>&lt;div class="container"&gt;</a:t>
+            </a:r>
+          </a:p>
+          <a:p>
+            <a:pPr algn="l"/>
+            <a:r>
+              <a:rPr lang="en-US" dirty="0">
+                <a:latin typeface="Courier New" panose="02070309020205020404" pitchFamily="49" charset="0"/>
+                <a:cs typeface="Courier New" panose="02070309020205020404" pitchFamily="49" charset="0"/>
+              </a:rPr>
+              <a:t>    &lt;h1&gt;&lt;?php </a:t>
+            </a:r>
+            <a:r>
+              <a:rPr lang="en-US" dirty="0" err="1">
+                <a:latin typeface="Courier New" panose="02070309020205020404" pitchFamily="49" charset="0"/>
+                <a:cs typeface="Courier New" panose="02070309020205020404" pitchFamily="49" charset="0"/>
+              </a:rPr>
+              <a:t>the_title</a:t>
+            </a:r>
+            <a:r>
+              <a:rPr lang="en-US" dirty="0">
+                <a:latin typeface="Courier New" panose="02070309020205020404" pitchFamily="49" charset="0"/>
+                <a:cs typeface="Courier New" panose="02070309020205020404" pitchFamily="49" charset="0"/>
+              </a:rPr>
+              <a:t>(); ?&gt;&lt;/h1&gt;</a:t>
+            </a:r>
+          </a:p>
+          <a:p>
+            <a:pPr algn="l"/>
+            <a:r>
+              <a:rPr lang="en-US" dirty="0">
+                <a:latin typeface="Courier New" panose="02070309020205020404" pitchFamily="49" charset="0"/>
+                <a:cs typeface="Courier New" panose="02070309020205020404" pitchFamily="49" charset="0"/>
+              </a:rPr>
+              <a:t>&lt;/div&gt;</a:t>
+            </a:r>
+            <a:endParaRPr lang="pt-BR" dirty="0">
+              <a:latin typeface="Courier New" panose="02070309020205020404" pitchFamily="49" charset="0"/>
+              <a:cs typeface="Courier New" panose="02070309020205020404" pitchFamily="49" charset="0"/>
+            </a:endParaRPr>
+          </a:p>
+        </p:txBody>
+      </p:sp>
+    </p:spTree>
+    <p:extLst>
+      <p:ext uri="{BB962C8B-B14F-4D97-AF65-F5344CB8AC3E}">
+        <p14:creationId xmlns:p14="http://schemas.microsoft.com/office/powerpoint/2010/main" val="3361946354"/>
+      </p:ext>
+    </p:extLst>
+  </p:cSld>
+  <p:clrMapOvr>
+    <a:masterClrMapping/>
+  </p:clrMapOvr>
+</p:sld>
+</file>
+
+<file path=ppt/slides/slide23.xml><?xml version="1.0" encoding="utf-8"?>
+<p:sld xmlns:a="http://schemas.openxmlformats.org/drawingml/2006/main" xmlns:r="http://schemas.openxmlformats.org/officeDocument/2006/relationships" xmlns:p="http://schemas.openxmlformats.org/presentationml/2006/main">
+  <p:cSld>
+    <p:spTree>
+      <p:nvGrpSpPr>
+        <p:cNvPr id="1" name=""/>
+        <p:cNvGrpSpPr/>
+        <p:nvPr/>
+      </p:nvGrpSpPr>
+      <p:grpSpPr>
+        <a:xfrm>
+          <a:off x="0" y="0"/>
+          <a:ext cx="0" cy="0"/>
+          <a:chOff x="0" y="0"/>
+          <a:chExt cx="0" cy="0"/>
+        </a:xfrm>
+      </p:grpSpPr>
+      <p:sp>
+        <p:nvSpPr>
+          <p:cNvPr id="5" name="Título 4"/>
+          <p:cNvSpPr>
+            <a:spLocks noGrp="1"/>
+          </p:cNvSpPr>
+          <p:nvPr>
+            <p:ph type="title"/>
+          </p:nvPr>
+        </p:nvSpPr>
+        <p:spPr/>
+        <p:txBody>
+          <a:bodyPr/>
+          <a:lstStyle/>
+          <a:p>
+            <a:r>
+              <a:rPr lang="pt-BR" dirty="0"/>
+              <a:t>Inserção do conteúdo</a:t>
+            </a:r>
+          </a:p>
+        </p:txBody>
+      </p:sp>
+      <p:sp>
+        <p:nvSpPr>
+          <p:cNvPr id="6" name="Espaço Reservado para Conteúdo 5"/>
+          <p:cNvSpPr>
+            <a:spLocks noGrp="1"/>
+          </p:cNvSpPr>
+          <p:nvPr>
+            <p:ph idx="1"/>
+          </p:nvPr>
+        </p:nvSpPr>
+        <p:spPr/>
+        <p:txBody>
+          <a:bodyPr>
+            <a:normAutofit/>
+          </a:bodyPr>
+          <a:lstStyle/>
+          <a:p>
+            <a:r>
+              <a:rPr lang="pt-BR" dirty="0"/>
+              <a:t>Ainda no arquivo </a:t>
+            </a:r>
+            <a:r>
+              <a:rPr lang="pt-BR" dirty="0">
+                <a:latin typeface="Courier New" panose="02070309020205020404" pitchFamily="49" charset="0"/>
+                <a:cs typeface="Courier New" panose="02070309020205020404" pitchFamily="49" charset="0"/>
+              </a:rPr>
+              <a:t>front-</a:t>
+            </a:r>
+            <a:r>
+              <a:rPr lang="pt-BR" dirty="0" err="1">
+                <a:latin typeface="Courier New" panose="02070309020205020404" pitchFamily="49" charset="0"/>
+                <a:cs typeface="Courier New" panose="02070309020205020404" pitchFamily="49" charset="0"/>
+              </a:rPr>
+              <a:t>page.php</a:t>
+            </a:r>
+            <a:r>
+              <a:rPr lang="pt-BR" dirty="0"/>
+              <a:t>, insira o código abaixo após o título, para exibir o corpo da página inicial</a:t>
+            </a:r>
+            <a:r>
+              <a:rPr lang="en-US" dirty="0"/>
+              <a:t>:</a:t>
+            </a:r>
+          </a:p>
+          <a:p>
+            <a:pPr algn="l"/>
+            <a:r>
+              <a:rPr lang="en-US" dirty="0">
+                <a:latin typeface="Courier New" panose="02070309020205020404" pitchFamily="49" charset="0"/>
+                <a:cs typeface="Courier New" panose="02070309020205020404" pitchFamily="49" charset="0"/>
+              </a:rPr>
+              <a:t>&lt;?php if(</a:t>
+            </a:r>
+            <a:r>
+              <a:rPr lang="en-US" dirty="0" err="1">
+                <a:latin typeface="Courier New" panose="02070309020205020404" pitchFamily="49" charset="0"/>
+                <a:cs typeface="Courier New" panose="02070309020205020404" pitchFamily="49" charset="0"/>
+              </a:rPr>
+              <a:t>have_posts</a:t>
+            </a:r>
+            <a:r>
+              <a:rPr lang="en-US" dirty="0">
+                <a:latin typeface="Courier New" panose="02070309020205020404" pitchFamily="49" charset="0"/>
+                <a:cs typeface="Courier New" panose="02070309020205020404" pitchFamily="49" charset="0"/>
+              </a:rPr>
+              <a:t>()) : while(</a:t>
+            </a:r>
+            <a:r>
+              <a:rPr lang="en-US" dirty="0" err="1">
+                <a:latin typeface="Courier New" panose="02070309020205020404" pitchFamily="49" charset="0"/>
+                <a:cs typeface="Courier New" panose="02070309020205020404" pitchFamily="49" charset="0"/>
+              </a:rPr>
+              <a:t>have_posts</a:t>
+            </a:r>
+            <a:r>
+              <a:rPr lang="en-US" dirty="0">
+                <a:latin typeface="Courier New" panose="02070309020205020404" pitchFamily="49" charset="0"/>
+                <a:cs typeface="Courier New" panose="02070309020205020404" pitchFamily="49" charset="0"/>
+              </a:rPr>
+              <a:t>()) : </a:t>
+            </a:r>
+            <a:r>
+              <a:rPr lang="en-US" dirty="0" err="1">
+                <a:latin typeface="Courier New" panose="02070309020205020404" pitchFamily="49" charset="0"/>
+                <a:cs typeface="Courier New" panose="02070309020205020404" pitchFamily="49" charset="0"/>
+              </a:rPr>
+              <a:t>the_post</a:t>
+            </a:r>
+            <a:r>
+              <a:rPr lang="en-US" dirty="0">
+                <a:latin typeface="Courier New" panose="02070309020205020404" pitchFamily="49" charset="0"/>
+                <a:cs typeface="Courier New" panose="02070309020205020404" pitchFamily="49" charset="0"/>
+              </a:rPr>
+              <a:t>(); ?&gt;</a:t>
+            </a:r>
+          </a:p>
+          <a:p>
+            <a:pPr algn="l"/>
+            <a:r>
+              <a:rPr lang="en-US" dirty="0">
+                <a:latin typeface="Courier New" panose="02070309020205020404" pitchFamily="49" charset="0"/>
+                <a:cs typeface="Courier New" panose="02070309020205020404" pitchFamily="49" charset="0"/>
+              </a:rPr>
+              <a:t>    &lt;?php </a:t>
+            </a:r>
+            <a:r>
+              <a:rPr lang="en-US" dirty="0" err="1">
+                <a:latin typeface="Courier New" panose="02070309020205020404" pitchFamily="49" charset="0"/>
+                <a:cs typeface="Courier New" panose="02070309020205020404" pitchFamily="49" charset="0"/>
+              </a:rPr>
+              <a:t>the_content</a:t>
+            </a:r>
+            <a:r>
+              <a:rPr lang="en-US" dirty="0">
+                <a:latin typeface="Courier New" panose="02070309020205020404" pitchFamily="49" charset="0"/>
+                <a:cs typeface="Courier New" panose="02070309020205020404" pitchFamily="49" charset="0"/>
+              </a:rPr>
+              <a:t>(); ?&gt;</a:t>
+            </a:r>
+          </a:p>
+          <a:p>
+            <a:pPr algn="l"/>
+            <a:r>
+              <a:rPr lang="en-US" dirty="0">
+                <a:latin typeface="Courier New" panose="02070309020205020404" pitchFamily="49" charset="0"/>
+                <a:cs typeface="Courier New" panose="02070309020205020404" pitchFamily="49" charset="0"/>
+              </a:rPr>
+              <a:t>&lt;?php </a:t>
+            </a:r>
+            <a:r>
+              <a:rPr lang="en-US" dirty="0" err="1">
+                <a:latin typeface="Courier New" panose="02070309020205020404" pitchFamily="49" charset="0"/>
+                <a:cs typeface="Courier New" panose="02070309020205020404" pitchFamily="49" charset="0"/>
+              </a:rPr>
+              <a:t>endwhile</a:t>
+            </a:r>
+            <a:r>
+              <a:rPr lang="en-US" dirty="0">
+                <a:latin typeface="Courier New" panose="02070309020205020404" pitchFamily="49" charset="0"/>
+                <a:cs typeface="Courier New" panose="02070309020205020404" pitchFamily="49" charset="0"/>
+              </a:rPr>
+              <a:t>; endif; ?&gt;</a:t>
+            </a:r>
+            <a:endParaRPr lang="pt-BR" dirty="0">
+              <a:latin typeface="Courier New" panose="02070309020205020404" pitchFamily="49" charset="0"/>
+              <a:cs typeface="Courier New" panose="02070309020205020404" pitchFamily="49" charset="0"/>
+            </a:endParaRPr>
+          </a:p>
+        </p:txBody>
+      </p:sp>
+    </p:spTree>
+    <p:extLst>
+      <p:ext uri="{BB962C8B-B14F-4D97-AF65-F5344CB8AC3E}">
+        <p14:creationId xmlns:p14="http://schemas.microsoft.com/office/powerpoint/2010/main" val="1376213679"/>
+      </p:ext>
+    </p:extLst>
+  </p:cSld>
+  <p:clrMapOvr>
+    <a:masterClrMapping/>
+  </p:clrMapOvr>
+</p:sld>
+</file>
+
+<file path=ppt/slides/slide24.xml><?xml version="1.0" encoding="utf-8"?>
+<p:sld xmlns:a="http://schemas.openxmlformats.org/drawingml/2006/main" xmlns:r="http://schemas.openxmlformats.org/officeDocument/2006/relationships" xmlns:p="http://schemas.openxmlformats.org/presentationml/2006/main">
+  <p:cSld>
+    <p:spTree>
+      <p:nvGrpSpPr>
+        <p:cNvPr id="1" name=""/>
+        <p:cNvGrpSpPr/>
+        <p:nvPr/>
+      </p:nvGrpSpPr>
+      <p:grpSpPr>
+        <a:xfrm>
+          <a:off x="0" y="0"/>
+          <a:ext cx="0" cy="0"/>
+          <a:chOff x="0" y="0"/>
+          <a:chExt cx="0" cy="0"/>
+        </a:xfrm>
+      </p:grpSpPr>
+      <p:sp>
+        <p:nvSpPr>
+          <p:cNvPr id="5" name="Título 4"/>
+          <p:cNvSpPr>
+            <a:spLocks noGrp="1"/>
+          </p:cNvSpPr>
+          <p:nvPr>
+            <p:ph type="title"/>
+          </p:nvPr>
+        </p:nvSpPr>
+        <p:spPr/>
+        <p:txBody>
+          <a:bodyPr>
+            <a:normAutofit/>
+          </a:bodyPr>
+          <a:lstStyle/>
+          <a:p>
+            <a:r>
+              <a:rPr lang="pt-BR" dirty="0"/>
+              <a:t>Demais páginas</a:t>
+            </a:r>
+          </a:p>
+        </p:txBody>
+      </p:sp>
+      <p:sp>
+        <p:nvSpPr>
+          <p:cNvPr id="6" name="Espaço Reservado para Conteúdo 5"/>
+          <p:cNvSpPr>
+            <a:spLocks noGrp="1"/>
+          </p:cNvSpPr>
+          <p:nvPr>
+            <p:ph idx="1"/>
+          </p:nvPr>
+        </p:nvSpPr>
+        <p:spPr/>
+        <p:txBody>
+          <a:bodyPr>
+            <a:normAutofit/>
+          </a:bodyPr>
+          <a:lstStyle/>
+          <a:p>
+            <a:r>
+              <a:rPr lang="pt-BR" dirty="0"/>
+              <a:t>Caso ainda não tenha, crie as demais páginas do site, no painel de gerenciamento.</a:t>
+            </a:r>
+          </a:p>
+          <a:p>
+            <a:r>
+              <a:rPr lang="pt-BR" dirty="0"/>
+              <a:t>Copie o código do arquivo </a:t>
+            </a:r>
+            <a:r>
+              <a:rPr lang="pt-BR" dirty="0">
+                <a:latin typeface="Courier New" panose="02070309020205020404" pitchFamily="49" charset="0"/>
+                <a:cs typeface="Courier New" panose="02070309020205020404" pitchFamily="49" charset="0"/>
+              </a:rPr>
+              <a:t>front-</a:t>
+            </a:r>
+            <a:r>
+              <a:rPr lang="pt-BR" dirty="0" err="1">
+                <a:latin typeface="Courier New" panose="02070309020205020404" pitchFamily="49" charset="0"/>
+                <a:cs typeface="Courier New" panose="02070309020205020404" pitchFamily="49" charset="0"/>
+              </a:rPr>
+              <a:t>page.php</a:t>
+            </a:r>
+            <a:r>
+              <a:rPr lang="pt-BR" dirty="0"/>
+              <a:t> para o arquivo </a:t>
+            </a:r>
+            <a:r>
+              <a:rPr lang="pt-BR" dirty="0" err="1">
+                <a:latin typeface="Courier New" panose="02070309020205020404" pitchFamily="49" charset="0"/>
+                <a:cs typeface="Courier New" panose="02070309020205020404" pitchFamily="49" charset="0"/>
+              </a:rPr>
+              <a:t>page.php</a:t>
+            </a:r>
+            <a:r>
+              <a:rPr lang="pt-BR" dirty="0"/>
+              <a:t>.</a:t>
+            </a:r>
+            <a:endParaRPr lang="pt-BR" dirty="0">
+              <a:latin typeface="Courier New" panose="02070309020205020404" pitchFamily="49" charset="0"/>
+              <a:cs typeface="Courier New" panose="02070309020205020404" pitchFamily="49" charset="0"/>
+            </a:endParaRPr>
+          </a:p>
+        </p:txBody>
+      </p:sp>
+    </p:spTree>
+    <p:extLst>
+      <p:ext uri="{BB962C8B-B14F-4D97-AF65-F5344CB8AC3E}">
+        <p14:creationId xmlns:p14="http://schemas.microsoft.com/office/powerpoint/2010/main" val="2277025092"/>
+      </p:ext>
+    </p:extLst>
+  </p:cSld>
+  <p:clrMapOvr>
+    <a:masterClrMapping/>
+  </p:clrMapOvr>
+</p:sld>
+</file>
+
+<file path=ppt/slides/slide25.xml><?xml version="1.0" encoding="utf-8"?>
+<p:sld xmlns:a="http://schemas.openxmlformats.org/drawingml/2006/main" xmlns:r="http://schemas.openxmlformats.org/officeDocument/2006/relationships" xmlns:p="http://schemas.openxmlformats.org/presentationml/2006/main">
+  <p:cSld>
+    <p:spTree>
+      <p:nvGrpSpPr>
+        <p:cNvPr id="1" name=""/>
+        <p:cNvGrpSpPr/>
+        <p:nvPr/>
+      </p:nvGrpSpPr>
+      <p:grpSpPr>
+        <a:xfrm>
+          <a:off x="0" y="0"/>
+          <a:ext cx="0" cy="0"/>
+          <a:chOff x="0" y="0"/>
+          <a:chExt cx="0" cy="0"/>
+        </a:xfrm>
+      </p:grpSpPr>
+      <p:sp>
+        <p:nvSpPr>
+          <p:cNvPr id="5" name="Título 4"/>
+          <p:cNvSpPr>
+            <a:spLocks noGrp="1"/>
+          </p:cNvSpPr>
+          <p:nvPr>
+            <p:ph type="title"/>
+          </p:nvPr>
+        </p:nvSpPr>
+        <p:spPr/>
+        <p:txBody>
+          <a:bodyPr>
+            <a:normAutofit/>
+          </a:bodyPr>
+          <a:lstStyle/>
+          <a:p>
+            <a:r>
+              <a:rPr lang="pt-BR" dirty="0"/>
+              <a:t>Inserção do menu global</a:t>
+            </a:r>
+          </a:p>
+        </p:txBody>
+      </p:sp>
+      <p:sp>
+        <p:nvSpPr>
+          <p:cNvPr id="6" name="Espaço Reservado para Conteúdo 5"/>
+          <p:cNvSpPr>
+            <a:spLocks noGrp="1"/>
+          </p:cNvSpPr>
+          <p:nvPr>
+            <p:ph idx="1"/>
+          </p:nvPr>
+        </p:nvSpPr>
+        <p:spPr/>
+        <p:txBody>
+          <a:bodyPr>
+            <a:normAutofit/>
+          </a:bodyPr>
+          <a:lstStyle/>
+          <a:p>
+            <a:r>
+              <a:rPr lang="pt-BR" dirty="0"/>
+              <a:t>No arquivo </a:t>
+            </a:r>
+            <a:r>
+              <a:rPr lang="pt-BR" dirty="0" err="1">
+                <a:latin typeface="Courier New" panose="02070309020205020404" pitchFamily="49" charset="0"/>
+                <a:cs typeface="Courier New" panose="02070309020205020404" pitchFamily="49" charset="0"/>
+              </a:rPr>
+              <a:t>functions.php</a:t>
+            </a:r>
+            <a:r>
+              <a:rPr lang="pt-BR" dirty="0"/>
+              <a:t>, insira o código abaixo no final do arquivo para habilitar o uso de menus no tema:</a:t>
+            </a:r>
+          </a:p>
+          <a:p>
+            <a:pPr algn="l"/>
+            <a:r>
+              <a:rPr lang="pt-BR" dirty="0" err="1">
+                <a:latin typeface="Courier New" panose="02070309020205020404" pitchFamily="49" charset="0"/>
+                <a:cs typeface="Courier New" panose="02070309020205020404" pitchFamily="49" charset="0"/>
+              </a:rPr>
+              <a:t>add_theme_support</a:t>
+            </a:r>
+            <a:r>
+              <a:rPr lang="pt-BR" dirty="0">
+                <a:latin typeface="Courier New" panose="02070309020205020404" pitchFamily="49" charset="0"/>
+                <a:cs typeface="Courier New" panose="02070309020205020404" pitchFamily="49" charset="0"/>
+              </a:rPr>
+              <a:t>('menus');</a:t>
+            </a:r>
+          </a:p>
+        </p:txBody>
+      </p:sp>
+    </p:spTree>
+    <p:extLst>
+      <p:ext uri="{BB962C8B-B14F-4D97-AF65-F5344CB8AC3E}">
+        <p14:creationId xmlns:p14="http://schemas.microsoft.com/office/powerpoint/2010/main" val="3057588112"/>
+      </p:ext>
+    </p:extLst>
+  </p:cSld>
+  <p:clrMapOvr>
+    <a:masterClrMapping/>
+  </p:clrMapOvr>
+</p:sld>
+</file>
+
+<file path=ppt/slides/slide26.xml><?xml version="1.0" encoding="utf-8"?>
+<p:sld xmlns:a="http://schemas.openxmlformats.org/drawingml/2006/main" xmlns:r="http://schemas.openxmlformats.org/officeDocument/2006/relationships" xmlns:p="http://schemas.openxmlformats.org/presentationml/2006/main">
+  <p:cSld>
+    <p:spTree>
+      <p:nvGrpSpPr>
+        <p:cNvPr id="1" name=""/>
+        <p:cNvGrpSpPr/>
+        <p:nvPr/>
+      </p:nvGrpSpPr>
+      <p:grpSpPr>
+        <a:xfrm>
+          <a:off x="0" y="0"/>
+          <a:ext cx="0" cy="0"/>
+          <a:chOff x="0" y="0"/>
+          <a:chExt cx="0" cy="0"/>
+        </a:xfrm>
+      </p:grpSpPr>
+      <p:sp>
+        <p:nvSpPr>
+          <p:cNvPr id="5" name="Título 4"/>
+          <p:cNvSpPr>
+            <a:spLocks noGrp="1"/>
+          </p:cNvSpPr>
+          <p:nvPr>
+            <p:ph type="title"/>
+          </p:nvPr>
+        </p:nvSpPr>
+        <p:spPr/>
+        <p:txBody>
+          <a:bodyPr>
+            <a:normAutofit/>
+          </a:bodyPr>
+          <a:lstStyle/>
+          <a:p>
+            <a:r>
+              <a:rPr lang="pt-BR" dirty="0"/>
+              <a:t>Inserção do menu global</a:t>
+            </a:r>
+          </a:p>
+        </p:txBody>
+      </p:sp>
+      <p:sp>
+        <p:nvSpPr>
+          <p:cNvPr id="6" name="Espaço Reservado para Conteúdo 5"/>
+          <p:cNvSpPr>
+            <a:spLocks noGrp="1"/>
+          </p:cNvSpPr>
+          <p:nvPr>
+            <p:ph idx="1"/>
+          </p:nvPr>
+        </p:nvSpPr>
+        <p:spPr/>
+        <p:txBody>
+          <a:bodyPr>
+            <a:normAutofit fontScale="92500" lnSpcReduction="20000"/>
+          </a:bodyPr>
+          <a:lstStyle/>
+          <a:p>
+            <a:r>
+              <a:rPr lang="pt-BR" dirty="0"/>
+              <a:t>Ainda no arquivo </a:t>
+            </a:r>
+            <a:r>
+              <a:rPr lang="pt-BR" dirty="0" err="1">
+                <a:latin typeface="Courier New" panose="02070309020205020404" pitchFamily="49" charset="0"/>
+                <a:cs typeface="Courier New" panose="02070309020205020404" pitchFamily="49" charset="0"/>
+              </a:rPr>
+              <a:t>functions.php</a:t>
+            </a:r>
+            <a:r>
+              <a:rPr lang="pt-BR" dirty="0"/>
+              <a:t>, insira o código abaixo no final do arquivo para habilitar a configuração da localização dos menus:</a:t>
+            </a:r>
+          </a:p>
+          <a:p>
+            <a:pPr algn="l"/>
+            <a:r>
+              <a:rPr lang="pt-BR" dirty="0" err="1">
+                <a:latin typeface="Courier New" panose="02070309020205020404" pitchFamily="49" charset="0"/>
+                <a:cs typeface="Courier New" panose="02070309020205020404" pitchFamily="49" charset="0"/>
+              </a:rPr>
+              <a:t>register_nav_menus</a:t>
+            </a:r>
+            <a:r>
+              <a:rPr lang="pt-BR" dirty="0">
+                <a:latin typeface="Courier New" panose="02070309020205020404" pitchFamily="49" charset="0"/>
+                <a:cs typeface="Courier New" panose="02070309020205020404" pitchFamily="49" charset="0"/>
+              </a:rPr>
+              <a:t>(</a:t>
+            </a:r>
+          </a:p>
+          <a:p>
+            <a:pPr algn="l"/>
+            <a:r>
+              <a:rPr lang="pt-BR" dirty="0">
+                <a:latin typeface="Courier New" panose="02070309020205020404" pitchFamily="49" charset="0"/>
+                <a:cs typeface="Courier New" panose="02070309020205020404" pitchFamily="49" charset="0"/>
+              </a:rPr>
+              <a:t>    </a:t>
+            </a:r>
+            <a:r>
+              <a:rPr lang="pt-BR" dirty="0" err="1">
+                <a:latin typeface="Courier New" panose="02070309020205020404" pitchFamily="49" charset="0"/>
+                <a:cs typeface="Courier New" panose="02070309020205020404" pitchFamily="49" charset="0"/>
+              </a:rPr>
+              <a:t>array</a:t>
+            </a:r>
+            <a:r>
+              <a:rPr lang="pt-BR" dirty="0">
+                <a:latin typeface="Courier New" panose="02070309020205020404" pitchFamily="49" charset="0"/>
+                <a:cs typeface="Courier New" panose="02070309020205020404" pitchFamily="49" charset="0"/>
+              </a:rPr>
+              <a:t>(</a:t>
+            </a:r>
+          </a:p>
+          <a:p>
+            <a:pPr algn="l"/>
+            <a:r>
+              <a:rPr lang="pt-BR" dirty="0">
+                <a:latin typeface="Courier New" panose="02070309020205020404" pitchFamily="49" charset="0"/>
+                <a:cs typeface="Courier New" panose="02070309020205020404" pitchFamily="49" charset="0"/>
+              </a:rPr>
+              <a:t>        'top-menu' =&gt; __('Top Menu', '</a:t>
+            </a:r>
+            <a:r>
+              <a:rPr lang="pt-BR" dirty="0" err="1">
+                <a:latin typeface="Courier New" panose="02070309020205020404" pitchFamily="49" charset="0"/>
+                <a:cs typeface="Courier New" panose="02070309020205020404" pitchFamily="49" charset="0"/>
+              </a:rPr>
+              <a:t>theme</a:t>
+            </a:r>
+            <a:r>
+              <a:rPr lang="pt-BR" dirty="0">
+                <a:latin typeface="Courier New" panose="02070309020205020404" pitchFamily="49" charset="0"/>
+                <a:cs typeface="Courier New" panose="02070309020205020404" pitchFamily="49" charset="0"/>
+              </a:rPr>
+              <a:t>'),</a:t>
+            </a:r>
+          </a:p>
+          <a:p>
+            <a:pPr algn="l"/>
+            <a:r>
+              <a:rPr lang="pt-BR" dirty="0">
+                <a:latin typeface="Courier New" panose="02070309020205020404" pitchFamily="49" charset="0"/>
+                <a:cs typeface="Courier New" panose="02070309020205020404" pitchFamily="49" charset="0"/>
+              </a:rPr>
+              <a:t>        '</a:t>
+            </a:r>
+            <a:r>
+              <a:rPr lang="pt-BR" dirty="0" err="1">
+                <a:latin typeface="Courier New" panose="02070309020205020404" pitchFamily="49" charset="0"/>
+                <a:cs typeface="Courier New" panose="02070309020205020404" pitchFamily="49" charset="0"/>
+              </a:rPr>
+              <a:t>footer</a:t>
+            </a:r>
+            <a:r>
+              <a:rPr lang="pt-BR" dirty="0">
+                <a:latin typeface="Courier New" panose="02070309020205020404" pitchFamily="49" charset="0"/>
+                <a:cs typeface="Courier New" panose="02070309020205020404" pitchFamily="49" charset="0"/>
+              </a:rPr>
+              <a:t>-menu' =&gt; __('</a:t>
+            </a:r>
+            <a:r>
+              <a:rPr lang="pt-BR" dirty="0" err="1">
+                <a:latin typeface="Courier New" panose="02070309020205020404" pitchFamily="49" charset="0"/>
+                <a:cs typeface="Courier New" panose="02070309020205020404" pitchFamily="49" charset="0"/>
+              </a:rPr>
+              <a:t>Footer</a:t>
+            </a:r>
+            <a:r>
+              <a:rPr lang="pt-BR" dirty="0">
+                <a:latin typeface="Courier New" panose="02070309020205020404" pitchFamily="49" charset="0"/>
+                <a:cs typeface="Courier New" panose="02070309020205020404" pitchFamily="49" charset="0"/>
+              </a:rPr>
+              <a:t> Menu', '</a:t>
+            </a:r>
+            <a:r>
+              <a:rPr lang="pt-BR" dirty="0" err="1">
+                <a:latin typeface="Courier New" panose="02070309020205020404" pitchFamily="49" charset="0"/>
+                <a:cs typeface="Courier New" panose="02070309020205020404" pitchFamily="49" charset="0"/>
+              </a:rPr>
+              <a:t>theme</a:t>
+            </a:r>
+            <a:r>
+              <a:rPr lang="pt-BR" dirty="0">
+                <a:latin typeface="Courier New" panose="02070309020205020404" pitchFamily="49" charset="0"/>
+                <a:cs typeface="Courier New" panose="02070309020205020404" pitchFamily="49" charset="0"/>
+              </a:rPr>
+              <a:t>')</a:t>
+            </a:r>
+          </a:p>
+          <a:p>
+            <a:pPr algn="l"/>
+            <a:r>
+              <a:rPr lang="pt-BR" dirty="0">
+                <a:latin typeface="Courier New" panose="02070309020205020404" pitchFamily="49" charset="0"/>
+                <a:cs typeface="Courier New" panose="02070309020205020404" pitchFamily="49" charset="0"/>
+              </a:rPr>
+              <a:t>    ));</a:t>
+            </a:r>
+          </a:p>
+        </p:txBody>
+      </p:sp>
+    </p:spTree>
+    <p:extLst>
+      <p:ext uri="{BB962C8B-B14F-4D97-AF65-F5344CB8AC3E}">
+        <p14:creationId xmlns:p14="http://schemas.microsoft.com/office/powerpoint/2010/main" val="25992435"/>
+      </p:ext>
+    </p:extLst>
+  </p:cSld>
+  <p:clrMapOvr>
+    <a:masterClrMapping/>
+  </p:clrMapOvr>
+</p:sld>
+</file>
+
+<file path=ppt/slides/slide27.xml><?xml version="1.0" encoding="utf-8"?>
+<p:sld xmlns:a="http://schemas.openxmlformats.org/drawingml/2006/main" xmlns:r="http://schemas.openxmlformats.org/officeDocument/2006/relationships" xmlns:p="http://schemas.openxmlformats.org/presentationml/2006/main">
+  <p:cSld>
+    <p:spTree>
+      <p:nvGrpSpPr>
+        <p:cNvPr id="1" name=""/>
+        <p:cNvGrpSpPr/>
+        <p:nvPr/>
+      </p:nvGrpSpPr>
+      <p:grpSpPr>
+        <a:xfrm>
+          <a:off x="0" y="0"/>
+          <a:ext cx="0" cy="0"/>
+          <a:chOff x="0" y="0"/>
+          <a:chExt cx="0" cy="0"/>
+        </a:xfrm>
+      </p:grpSpPr>
+      <p:sp>
+        <p:nvSpPr>
+          <p:cNvPr id="5" name="Título 4"/>
+          <p:cNvSpPr>
+            <a:spLocks noGrp="1"/>
+          </p:cNvSpPr>
+          <p:nvPr>
+            <p:ph type="title"/>
+          </p:nvPr>
+        </p:nvSpPr>
+        <p:spPr/>
+        <p:txBody>
+          <a:bodyPr>
+            <a:normAutofit/>
+          </a:bodyPr>
+          <a:lstStyle/>
+          <a:p>
+            <a:r>
+              <a:rPr lang="pt-BR" dirty="0"/>
+              <a:t>Inserção do menu global</a:t>
             </a:r>
           </a:p>
         </p:txBody>
@@ -7348,7 +9781,7 @@
         <p:spPr>
           <a:xfrm>
             <a:off x="317694" y="1291052"/>
-            <a:ext cx="11705493" cy="5011777"/>
+            <a:ext cx="11705493" cy="5045579"/>
           </a:xfrm>
         </p:spPr>
         <p:txBody>
@@ -7358,39 +9791,406 @@
           <a:lstStyle/>
           <a:p>
             <a:r>
-              <a:rPr lang="en-US" dirty="0"/>
-              <a:t>How to make your own WordPress theme from scratch (2019). </a:t>
-            </a:r>
-            <a:r>
-              <a:rPr lang="en-US" dirty="0" err="1"/>
-              <a:t>Disponível</a:t>
-            </a:r>
-            <a:r>
-              <a:rPr lang="en-US" dirty="0"/>
-              <a:t> </a:t>
-            </a:r>
-            <a:r>
-              <a:rPr lang="en-US" dirty="0" err="1"/>
-              <a:t>em</a:t>
-            </a:r>
-            <a:r>
-              <a:rPr lang="en-US" dirty="0"/>
-              <a:t>: </a:t>
-            </a:r>
-            <a:r>
-              <a:rPr lang="en-US" dirty="0">
-                <a:hlinkClick r:id="rId3"/>
-              </a:rPr>
-              <a:t>https://www.youtube.com/watch?v=pFMgAWkrk8o</a:t>
-            </a:r>
-            <a:endParaRPr lang="pt-BR" dirty="0"/>
+              <a:rPr lang="pt-BR" dirty="0"/>
+              <a:t>No arquivo </a:t>
+            </a:r>
+            <a:r>
+              <a:rPr lang="pt-BR" dirty="0" err="1">
+                <a:latin typeface="Courier New" panose="02070309020205020404" pitchFamily="49" charset="0"/>
+                <a:cs typeface="Courier New" panose="02070309020205020404" pitchFamily="49" charset="0"/>
+              </a:rPr>
+              <a:t>header.php</a:t>
+            </a:r>
+            <a:r>
+              <a:rPr lang="pt-BR" dirty="0"/>
+              <a:t>, insira o código abaixo para incluir o menu no cabeçalho das páginas:</a:t>
+            </a:r>
+          </a:p>
+          <a:p>
+            <a:pPr algn="l"/>
+            <a:r>
+              <a:rPr lang="en-US" dirty="0">
+                <a:latin typeface="Courier New" panose="02070309020205020404" pitchFamily="49" charset="0"/>
+                <a:cs typeface="Courier New" panose="02070309020205020404" pitchFamily="49" charset="0"/>
+              </a:rPr>
+              <a:t>&lt;?php </a:t>
+            </a:r>
+            <a:r>
+              <a:rPr lang="en-US" dirty="0" err="1">
+                <a:latin typeface="Courier New" panose="02070309020205020404" pitchFamily="49" charset="0"/>
+                <a:cs typeface="Courier New" panose="02070309020205020404" pitchFamily="49" charset="0"/>
+              </a:rPr>
+              <a:t>wp_nav_menu</a:t>
+            </a:r>
+            <a:r>
+              <a:rPr lang="en-US" dirty="0">
+                <a:latin typeface="Courier New" panose="02070309020205020404" pitchFamily="49" charset="0"/>
+                <a:cs typeface="Courier New" panose="02070309020205020404" pitchFamily="49" charset="0"/>
+              </a:rPr>
+              <a:t>(</a:t>
+            </a:r>
+          </a:p>
+          <a:p>
+            <a:pPr algn="l"/>
+            <a:r>
+              <a:rPr lang="en-US" dirty="0">
+                <a:latin typeface="Courier New" panose="02070309020205020404" pitchFamily="49" charset="0"/>
+                <a:cs typeface="Courier New" panose="02070309020205020404" pitchFamily="49" charset="0"/>
+              </a:rPr>
+              <a:t>        array(</a:t>
+            </a:r>
+          </a:p>
+          <a:p>
+            <a:pPr algn="l"/>
+            <a:r>
+              <a:rPr lang="en-US" dirty="0">
+                <a:latin typeface="Courier New" panose="02070309020205020404" pitchFamily="49" charset="0"/>
+                <a:cs typeface="Courier New" panose="02070309020205020404" pitchFamily="49" charset="0"/>
+              </a:rPr>
+              <a:t>            '</a:t>
+            </a:r>
+            <a:r>
+              <a:rPr lang="en-US" dirty="0" err="1">
+                <a:latin typeface="Courier New" panose="02070309020205020404" pitchFamily="49" charset="0"/>
+                <a:cs typeface="Courier New" panose="02070309020205020404" pitchFamily="49" charset="0"/>
+              </a:rPr>
+              <a:t>theme_location</a:t>
+            </a:r>
+            <a:r>
+              <a:rPr lang="en-US" dirty="0">
+                <a:latin typeface="Courier New" panose="02070309020205020404" pitchFamily="49" charset="0"/>
+                <a:cs typeface="Courier New" panose="02070309020205020404" pitchFamily="49" charset="0"/>
+              </a:rPr>
+              <a:t>' =&gt; 'top-menu'</a:t>
+            </a:r>
+          </a:p>
+          <a:p>
+            <a:pPr algn="l"/>
+            <a:r>
+              <a:rPr lang="en-US" dirty="0">
+                <a:latin typeface="Courier New" panose="02070309020205020404" pitchFamily="49" charset="0"/>
+                <a:cs typeface="Courier New" panose="02070309020205020404" pitchFamily="49" charset="0"/>
+              </a:rPr>
+              <a:t>        ));</a:t>
+            </a:r>
+          </a:p>
+          <a:p>
+            <a:pPr algn="l"/>
+            <a:r>
+              <a:rPr lang="en-US" dirty="0">
+                <a:latin typeface="Courier New" panose="02070309020205020404" pitchFamily="49" charset="0"/>
+                <a:cs typeface="Courier New" panose="02070309020205020404" pitchFamily="49" charset="0"/>
+              </a:rPr>
+              <a:t>?&gt;</a:t>
+            </a:r>
+            <a:endParaRPr lang="pt-BR" dirty="0">
+              <a:latin typeface="Courier New" panose="02070309020205020404" pitchFamily="49" charset="0"/>
+              <a:cs typeface="Courier New" panose="02070309020205020404" pitchFamily="49" charset="0"/>
+            </a:endParaRPr>
           </a:p>
         </p:txBody>
       </p:sp>
     </p:spTree>
     <p:extLst>
       <p:ext uri="{BB962C8B-B14F-4D97-AF65-F5344CB8AC3E}">
-        <p14:creationId xmlns:p14="http://schemas.microsoft.com/office/powerpoint/2010/main" val="2436293185"/>
+        <p14:creationId xmlns:p14="http://schemas.microsoft.com/office/powerpoint/2010/main" val="891450009"/>
+      </p:ext>
+    </p:extLst>
+  </p:cSld>
+  <p:clrMapOvr>
+    <a:masterClrMapping/>
+  </p:clrMapOvr>
+</p:sld>
+</file>
+
+<file path=ppt/slides/slide28.xml><?xml version="1.0" encoding="utf-8"?>
+<p:sld xmlns:a="http://schemas.openxmlformats.org/drawingml/2006/main" xmlns:r="http://schemas.openxmlformats.org/officeDocument/2006/relationships" xmlns:p="http://schemas.openxmlformats.org/presentationml/2006/main">
+  <p:cSld>
+    <p:spTree>
+      <p:nvGrpSpPr>
+        <p:cNvPr id="1" name=""/>
+        <p:cNvGrpSpPr/>
+        <p:nvPr/>
+      </p:nvGrpSpPr>
+      <p:grpSpPr>
+        <a:xfrm>
+          <a:off x="0" y="0"/>
+          <a:ext cx="0" cy="0"/>
+          <a:chOff x="0" y="0"/>
+          <a:chExt cx="0" cy="0"/>
+        </a:xfrm>
+      </p:grpSpPr>
+      <p:sp>
+        <p:nvSpPr>
+          <p:cNvPr id="5" name="Título 4"/>
+          <p:cNvSpPr>
+            <a:spLocks noGrp="1"/>
+          </p:cNvSpPr>
+          <p:nvPr>
+            <p:ph type="title"/>
+          </p:nvPr>
+        </p:nvSpPr>
+        <p:spPr/>
+        <p:txBody>
+          <a:bodyPr>
+            <a:normAutofit/>
+          </a:bodyPr>
+          <a:lstStyle/>
+          <a:p>
+            <a:r>
+              <a:rPr lang="pt-BR" dirty="0"/>
+              <a:t>Inserção do menu global</a:t>
+            </a:r>
+          </a:p>
+        </p:txBody>
+      </p:sp>
+      <p:sp>
+        <p:nvSpPr>
+          <p:cNvPr id="6" name="Espaço Reservado para Conteúdo 5"/>
+          <p:cNvSpPr>
+            <a:spLocks noGrp="1"/>
+          </p:cNvSpPr>
+          <p:nvPr>
+            <p:ph idx="1"/>
+          </p:nvPr>
+        </p:nvSpPr>
+        <p:spPr>
+          <a:xfrm>
+            <a:off x="317694" y="1291052"/>
+            <a:ext cx="11705493" cy="5045579"/>
+          </a:xfrm>
+        </p:spPr>
+        <p:txBody>
+          <a:bodyPr>
+            <a:normAutofit/>
+          </a:bodyPr>
+          <a:lstStyle/>
+          <a:p>
+            <a:r>
+              <a:rPr lang="pt-BR" dirty="0"/>
+              <a:t>Para adicionar uma classe ao menu, basta inserir mais uma chave (</a:t>
+            </a:r>
+            <a:r>
+              <a:rPr lang="pt-BR" dirty="0" err="1">
+                <a:latin typeface="Courier New" panose="02070309020205020404" pitchFamily="49" charset="0"/>
+                <a:cs typeface="Courier New" panose="02070309020205020404" pitchFamily="49" charset="0"/>
+              </a:rPr>
+              <a:t>menu_class</a:t>
+            </a:r>
+            <a:r>
+              <a:rPr lang="pt-BR" dirty="0"/>
+              <a:t>) no </a:t>
+            </a:r>
+            <a:r>
+              <a:rPr lang="pt-BR" dirty="0" err="1"/>
+              <a:t>array</a:t>
+            </a:r>
+            <a:r>
+              <a:rPr lang="pt-BR" dirty="0"/>
+              <a:t> com o nome da classe desejada:</a:t>
+            </a:r>
+          </a:p>
+          <a:p>
+            <a:pPr algn="l"/>
+            <a:r>
+              <a:rPr lang="en-US" dirty="0">
+                <a:latin typeface="Courier New" panose="02070309020205020404" pitchFamily="49" charset="0"/>
+                <a:cs typeface="Courier New" panose="02070309020205020404" pitchFamily="49" charset="0"/>
+              </a:rPr>
+              <a:t>array(</a:t>
+            </a:r>
+          </a:p>
+          <a:p>
+            <a:pPr algn="l"/>
+            <a:r>
+              <a:rPr lang="en-US" dirty="0">
+                <a:latin typeface="Courier New" panose="02070309020205020404" pitchFamily="49" charset="0"/>
+                <a:cs typeface="Courier New" panose="02070309020205020404" pitchFamily="49" charset="0"/>
+              </a:rPr>
+              <a:t>    '</a:t>
+            </a:r>
+            <a:r>
+              <a:rPr lang="en-US" dirty="0" err="1">
+                <a:latin typeface="Courier New" panose="02070309020205020404" pitchFamily="49" charset="0"/>
+                <a:cs typeface="Courier New" panose="02070309020205020404" pitchFamily="49" charset="0"/>
+              </a:rPr>
+              <a:t>theme_location</a:t>
+            </a:r>
+            <a:r>
+              <a:rPr lang="en-US" dirty="0">
+                <a:latin typeface="Courier New" panose="02070309020205020404" pitchFamily="49" charset="0"/>
+                <a:cs typeface="Courier New" panose="02070309020205020404" pitchFamily="49" charset="0"/>
+              </a:rPr>
+              <a:t>' =&gt; 'top-menu’</a:t>
+            </a:r>
+          </a:p>
+          <a:p>
+            <a:pPr algn="l"/>
+            <a:r>
+              <a:rPr lang="en-US" dirty="0">
+                <a:latin typeface="Courier New" panose="02070309020205020404" pitchFamily="49" charset="0"/>
+                <a:cs typeface="Courier New" panose="02070309020205020404" pitchFamily="49" charset="0"/>
+              </a:rPr>
+              <a:t>	'</a:t>
+            </a:r>
+            <a:r>
+              <a:rPr lang="en-US" dirty="0" err="1">
+                <a:latin typeface="Courier New" panose="02070309020205020404" pitchFamily="49" charset="0"/>
+                <a:cs typeface="Courier New" panose="02070309020205020404" pitchFamily="49" charset="0"/>
+              </a:rPr>
+              <a:t>menu_class</a:t>
+            </a:r>
+            <a:r>
+              <a:rPr lang="en-US" dirty="0">
+                <a:latin typeface="Courier New" panose="02070309020205020404" pitchFamily="49" charset="0"/>
+                <a:cs typeface="Courier New" panose="02070309020205020404" pitchFamily="49" charset="0"/>
+              </a:rPr>
+              <a:t>' =&gt; 'navigation'</a:t>
+            </a:r>
+          </a:p>
+          <a:p>
+            <a:pPr algn="l"/>
+            <a:r>
+              <a:rPr lang="en-US" dirty="0">
+                <a:latin typeface="Courier New" panose="02070309020205020404" pitchFamily="49" charset="0"/>
+                <a:cs typeface="Courier New" panose="02070309020205020404" pitchFamily="49" charset="0"/>
+              </a:rPr>
+              <a:t>));</a:t>
+            </a:r>
+            <a:endParaRPr lang="pt-BR" dirty="0">
+              <a:latin typeface="Courier New" panose="02070309020205020404" pitchFamily="49" charset="0"/>
+              <a:cs typeface="Courier New" panose="02070309020205020404" pitchFamily="49" charset="0"/>
+            </a:endParaRPr>
+          </a:p>
+        </p:txBody>
+      </p:sp>
+    </p:spTree>
+    <p:extLst>
+      <p:ext uri="{BB962C8B-B14F-4D97-AF65-F5344CB8AC3E}">
+        <p14:creationId xmlns:p14="http://schemas.microsoft.com/office/powerpoint/2010/main" val="1926250769"/>
+      </p:ext>
+    </p:extLst>
+  </p:cSld>
+  <p:clrMapOvr>
+    <a:masterClrMapping/>
+  </p:clrMapOvr>
+</p:sld>
+</file>
+
+<file path=ppt/slides/slide29.xml><?xml version="1.0" encoding="utf-8"?>
+<p:sld xmlns:a="http://schemas.openxmlformats.org/drawingml/2006/main" xmlns:r="http://schemas.openxmlformats.org/officeDocument/2006/relationships" xmlns:p="http://schemas.openxmlformats.org/presentationml/2006/main">
+  <p:cSld>
+    <p:spTree>
+      <p:nvGrpSpPr>
+        <p:cNvPr id="1" name=""/>
+        <p:cNvGrpSpPr/>
+        <p:nvPr/>
+      </p:nvGrpSpPr>
+      <p:grpSpPr>
+        <a:xfrm>
+          <a:off x="0" y="0"/>
+          <a:ext cx="0" cy="0"/>
+          <a:chOff x="0" y="0"/>
+          <a:chExt cx="0" cy="0"/>
+        </a:xfrm>
+      </p:grpSpPr>
+      <p:sp>
+        <p:nvSpPr>
+          <p:cNvPr id="5" name="Título 4"/>
+          <p:cNvSpPr>
+            <a:spLocks noGrp="1"/>
+          </p:cNvSpPr>
+          <p:nvPr>
+            <p:ph type="title"/>
+          </p:nvPr>
+        </p:nvSpPr>
+        <p:spPr/>
+        <p:txBody>
+          <a:bodyPr/>
+          <a:lstStyle/>
+          <a:p>
+            <a:r>
+              <a:rPr lang="pt-BR" dirty="0"/>
+              <a:t>Formatação do cabeçalho</a:t>
+            </a:r>
+          </a:p>
+        </p:txBody>
+      </p:sp>
+      <p:sp>
+        <p:nvSpPr>
+          <p:cNvPr id="6" name="Espaço Reservado para Conteúdo 5"/>
+          <p:cNvSpPr>
+            <a:spLocks noGrp="1"/>
+          </p:cNvSpPr>
+          <p:nvPr>
+            <p:ph idx="1"/>
+          </p:nvPr>
+        </p:nvSpPr>
+        <p:spPr/>
+        <p:txBody>
+          <a:bodyPr>
+            <a:normAutofit/>
+          </a:bodyPr>
+          <a:lstStyle/>
+          <a:p>
+            <a:r>
+              <a:rPr lang="pt-BR" dirty="0"/>
+              <a:t>Adicione ao elemento </a:t>
+            </a:r>
+            <a:r>
+              <a:rPr lang="pt-BR" dirty="0">
+                <a:latin typeface="Courier New" panose="02070309020205020404" pitchFamily="49" charset="0"/>
+                <a:cs typeface="Courier New" panose="02070309020205020404" pitchFamily="49" charset="0"/>
+              </a:rPr>
+              <a:t>&lt;header&gt;</a:t>
+            </a:r>
+            <a:r>
+              <a:rPr lang="pt-BR" dirty="0"/>
+              <a:t> a classe </a:t>
+            </a:r>
+            <a:r>
+              <a:rPr lang="pt-BR" dirty="0" err="1">
+                <a:latin typeface="Courier New" panose="02070309020205020404" pitchFamily="49" charset="0"/>
+                <a:cs typeface="Courier New" panose="02070309020205020404" pitchFamily="49" charset="0"/>
+              </a:rPr>
+              <a:t>sticky</a:t>
+            </a:r>
+            <a:r>
+              <a:rPr lang="pt-BR" dirty="0">
+                <a:latin typeface="Courier New" panose="02070309020205020404" pitchFamily="49" charset="0"/>
+                <a:cs typeface="Courier New" panose="02070309020205020404" pitchFamily="49" charset="0"/>
+              </a:rPr>
+              <a:t>-top</a:t>
+            </a:r>
+            <a:r>
+              <a:rPr lang="pt-BR" dirty="0"/>
+              <a:t> para que ele fique fixo no topo da página</a:t>
+            </a:r>
+            <a:r>
+              <a:rPr lang="en-US" dirty="0"/>
+              <a:t>:</a:t>
+            </a:r>
+          </a:p>
+          <a:p>
+            <a:pPr algn="l"/>
+            <a:r>
+              <a:rPr lang="en-US" dirty="0">
+                <a:latin typeface="Courier New" panose="02070309020205020404" pitchFamily="49" charset="0"/>
+                <a:cs typeface="Courier New" panose="02070309020205020404" pitchFamily="49" charset="0"/>
+              </a:rPr>
+              <a:t>&lt;header class="sticky-top"&gt;</a:t>
+            </a:r>
+            <a:endParaRPr lang="pt-BR" dirty="0">
+              <a:latin typeface="Courier New" panose="02070309020205020404" pitchFamily="49" charset="0"/>
+              <a:cs typeface="Courier New" panose="02070309020205020404" pitchFamily="49" charset="0"/>
+            </a:endParaRPr>
+          </a:p>
+        </p:txBody>
+      </p:sp>
+    </p:spTree>
+    <p:extLst>
+      <p:ext uri="{BB962C8B-B14F-4D97-AF65-F5344CB8AC3E}">
+        <p14:creationId xmlns:p14="http://schemas.microsoft.com/office/powerpoint/2010/main" val="2999945282"/>
       </p:ext>
     </p:extLst>
   </p:cSld>
@@ -7549,6 +10349,845 @@
     <p:extLst>
       <p:ext uri="{BB962C8B-B14F-4D97-AF65-F5344CB8AC3E}">
         <p14:creationId xmlns:p14="http://schemas.microsoft.com/office/powerpoint/2010/main" val="2172749851"/>
+      </p:ext>
+    </p:extLst>
+  </p:cSld>
+  <p:clrMapOvr>
+    <a:masterClrMapping/>
+  </p:clrMapOvr>
+</p:sld>
+</file>
+
+<file path=ppt/slides/slide30.xml><?xml version="1.0" encoding="utf-8"?>
+<p:sld xmlns:a="http://schemas.openxmlformats.org/drawingml/2006/main" xmlns:r="http://schemas.openxmlformats.org/officeDocument/2006/relationships" xmlns:p="http://schemas.openxmlformats.org/presentationml/2006/main">
+  <p:cSld>
+    <p:spTree>
+      <p:nvGrpSpPr>
+        <p:cNvPr id="1" name=""/>
+        <p:cNvGrpSpPr/>
+        <p:nvPr/>
+      </p:nvGrpSpPr>
+      <p:grpSpPr>
+        <a:xfrm>
+          <a:off x="0" y="0"/>
+          <a:ext cx="0" cy="0"/>
+          <a:chOff x="0" y="0"/>
+          <a:chExt cx="0" cy="0"/>
+        </a:xfrm>
+      </p:grpSpPr>
+      <p:sp>
+        <p:nvSpPr>
+          <p:cNvPr id="5" name="Título 4"/>
+          <p:cNvSpPr>
+            <a:spLocks noGrp="1"/>
+          </p:cNvSpPr>
+          <p:nvPr>
+            <p:ph type="title"/>
+          </p:nvPr>
+        </p:nvSpPr>
+        <p:spPr/>
+        <p:txBody>
+          <a:bodyPr>
+            <a:normAutofit/>
+          </a:bodyPr>
+          <a:lstStyle/>
+          <a:p>
+            <a:r>
+              <a:rPr lang="pt-BR" dirty="0"/>
+              <a:t>Página para posts</a:t>
+            </a:r>
+          </a:p>
+        </p:txBody>
+      </p:sp>
+      <p:sp>
+        <p:nvSpPr>
+          <p:cNvPr id="6" name="Espaço Reservado para Conteúdo 5"/>
+          <p:cNvSpPr>
+            <a:spLocks noGrp="1"/>
+          </p:cNvSpPr>
+          <p:nvPr>
+            <p:ph idx="1"/>
+          </p:nvPr>
+        </p:nvSpPr>
+        <p:spPr/>
+        <p:txBody>
+          <a:bodyPr>
+            <a:normAutofit/>
+          </a:bodyPr>
+          <a:lstStyle/>
+          <a:p>
+            <a:r>
+              <a:rPr lang="pt-BR" dirty="0"/>
+              <a:t>Caso ainda não tenha, crie alguns posts para o site, no painel de gerenciamento.</a:t>
+            </a:r>
+          </a:p>
+          <a:p>
+            <a:r>
+              <a:rPr lang="pt-BR" dirty="0"/>
+              <a:t>Copie o código do arquivo </a:t>
+            </a:r>
+            <a:r>
+              <a:rPr lang="pt-BR" dirty="0" err="1">
+                <a:latin typeface="Courier New" panose="02070309020205020404" pitchFamily="49" charset="0"/>
+                <a:cs typeface="Courier New" panose="02070309020205020404" pitchFamily="49" charset="0"/>
+              </a:rPr>
+              <a:t>page.php</a:t>
+            </a:r>
+            <a:r>
+              <a:rPr lang="pt-BR" dirty="0"/>
+              <a:t> para o arquivo </a:t>
+            </a:r>
+            <a:r>
+              <a:rPr lang="pt-BR" dirty="0" err="1">
+                <a:latin typeface="Courier New" panose="02070309020205020404" pitchFamily="49" charset="0"/>
+                <a:cs typeface="Courier New" panose="02070309020205020404" pitchFamily="49" charset="0"/>
+              </a:rPr>
+              <a:t>single.php</a:t>
+            </a:r>
+            <a:r>
+              <a:rPr lang="pt-BR" dirty="0"/>
+              <a:t> e </a:t>
+            </a:r>
+            <a:r>
+              <a:rPr lang="pt-BR" dirty="0" err="1">
+                <a:latin typeface="Courier New" panose="02070309020205020404" pitchFamily="49" charset="0"/>
+                <a:cs typeface="Courier New" panose="02070309020205020404" pitchFamily="49" charset="0"/>
+              </a:rPr>
+              <a:t>archive.php</a:t>
+            </a:r>
+            <a:r>
+              <a:rPr lang="pt-BR" dirty="0"/>
+              <a:t>.</a:t>
+            </a:r>
+            <a:endParaRPr lang="pt-BR" dirty="0">
+              <a:latin typeface="Courier New" panose="02070309020205020404" pitchFamily="49" charset="0"/>
+              <a:cs typeface="Courier New" panose="02070309020205020404" pitchFamily="49" charset="0"/>
+            </a:endParaRPr>
+          </a:p>
+        </p:txBody>
+      </p:sp>
+    </p:spTree>
+    <p:extLst>
+      <p:ext uri="{BB962C8B-B14F-4D97-AF65-F5344CB8AC3E}">
+        <p14:creationId xmlns:p14="http://schemas.microsoft.com/office/powerpoint/2010/main" val="3423407118"/>
+      </p:ext>
+    </p:extLst>
+  </p:cSld>
+  <p:clrMapOvr>
+    <a:masterClrMapping/>
+  </p:clrMapOvr>
+</p:sld>
+</file>
+
+<file path=ppt/slides/slide31.xml><?xml version="1.0" encoding="utf-8"?>
+<p:sld xmlns:a="http://schemas.openxmlformats.org/drawingml/2006/main" xmlns:r="http://schemas.openxmlformats.org/officeDocument/2006/relationships" xmlns:p="http://schemas.openxmlformats.org/presentationml/2006/main">
+  <p:cSld>
+    <p:spTree>
+      <p:nvGrpSpPr>
+        <p:cNvPr id="1" name=""/>
+        <p:cNvGrpSpPr/>
+        <p:nvPr/>
+      </p:nvGrpSpPr>
+      <p:grpSpPr>
+        <a:xfrm>
+          <a:off x="0" y="0"/>
+          <a:ext cx="0" cy="0"/>
+          <a:chOff x="0" y="0"/>
+          <a:chExt cx="0" cy="0"/>
+        </a:xfrm>
+      </p:grpSpPr>
+      <p:sp>
+        <p:nvSpPr>
+          <p:cNvPr id="5" name="Título 4"/>
+          <p:cNvSpPr>
+            <a:spLocks noGrp="1"/>
+          </p:cNvSpPr>
+          <p:nvPr>
+            <p:ph type="title"/>
+          </p:nvPr>
+        </p:nvSpPr>
+        <p:spPr/>
+        <p:txBody>
+          <a:bodyPr>
+            <a:normAutofit/>
+          </a:bodyPr>
+          <a:lstStyle/>
+          <a:p>
+            <a:r>
+              <a:rPr lang="pt-BR" dirty="0"/>
+              <a:t>Página para posts</a:t>
+            </a:r>
+          </a:p>
+        </p:txBody>
+      </p:sp>
+      <p:sp>
+        <p:nvSpPr>
+          <p:cNvPr id="6" name="Espaço Reservado para Conteúdo 5"/>
+          <p:cNvSpPr>
+            <a:spLocks noGrp="1"/>
+          </p:cNvSpPr>
+          <p:nvPr>
+            <p:ph idx="1"/>
+          </p:nvPr>
+        </p:nvSpPr>
+        <p:spPr/>
+        <p:txBody>
+          <a:bodyPr>
+            <a:normAutofit/>
+          </a:bodyPr>
+          <a:lstStyle/>
+          <a:p>
+            <a:r>
+              <a:rPr lang="pt-BR" dirty="0"/>
+              <a:t>No arquivo, </a:t>
+            </a:r>
+            <a:r>
+              <a:rPr lang="pt-BR" dirty="0" err="1">
+                <a:latin typeface="Courier New" panose="02070309020205020404" pitchFamily="49" charset="0"/>
+                <a:cs typeface="Courier New" panose="02070309020205020404" pitchFamily="49" charset="0"/>
+              </a:rPr>
+              <a:t>archive.php</a:t>
+            </a:r>
+            <a:r>
+              <a:rPr lang="pt-BR" dirty="0"/>
+              <a:t>, substitua </a:t>
+            </a:r>
+            <a:r>
+              <a:rPr lang="pt-BR" dirty="0" err="1">
+                <a:latin typeface="Courier New" panose="02070309020205020404" pitchFamily="49" charset="0"/>
+                <a:cs typeface="Courier New" panose="02070309020205020404" pitchFamily="49" charset="0"/>
+              </a:rPr>
+              <a:t>the_title</a:t>
+            </a:r>
+            <a:r>
+              <a:rPr lang="pt-BR" dirty="0">
+                <a:latin typeface="Courier New" panose="02070309020205020404" pitchFamily="49" charset="0"/>
+                <a:cs typeface="Courier New" panose="02070309020205020404" pitchFamily="49" charset="0"/>
+              </a:rPr>
+              <a:t>()</a:t>
+            </a:r>
+            <a:r>
+              <a:rPr lang="pt-BR" dirty="0"/>
+              <a:t> por </a:t>
+            </a:r>
+            <a:r>
+              <a:rPr lang="pt-BR" dirty="0" err="1">
+                <a:latin typeface="Courier New" panose="02070309020205020404" pitchFamily="49" charset="0"/>
+                <a:cs typeface="Courier New" panose="02070309020205020404" pitchFamily="49" charset="0"/>
+              </a:rPr>
+              <a:t>single_cat_title</a:t>
+            </a:r>
+            <a:r>
+              <a:rPr lang="pt-BR" dirty="0">
+                <a:latin typeface="Courier New" panose="02070309020205020404" pitchFamily="49" charset="0"/>
+                <a:cs typeface="Courier New" panose="02070309020205020404" pitchFamily="49" charset="0"/>
+              </a:rPr>
+              <a:t>()</a:t>
+            </a:r>
+            <a:r>
+              <a:rPr lang="pt-BR" dirty="0"/>
+              <a:t> e </a:t>
+            </a:r>
+            <a:r>
+              <a:rPr lang="pt-BR" dirty="0" err="1">
+                <a:latin typeface="Courier New" panose="02070309020205020404" pitchFamily="49" charset="0"/>
+                <a:cs typeface="Courier New" panose="02070309020205020404" pitchFamily="49" charset="0"/>
+              </a:rPr>
+              <a:t>the_content</a:t>
+            </a:r>
+            <a:r>
+              <a:rPr lang="pt-BR" dirty="0">
+                <a:latin typeface="Courier New" panose="02070309020205020404" pitchFamily="49" charset="0"/>
+                <a:cs typeface="Courier New" panose="02070309020205020404" pitchFamily="49" charset="0"/>
+              </a:rPr>
+              <a:t>()</a:t>
+            </a:r>
+            <a:r>
+              <a:rPr lang="pt-BR" dirty="0"/>
+              <a:t> por </a:t>
+            </a:r>
+            <a:r>
+              <a:rPr lang="pt-BR" dirty="0" err="1">
+                <a:latin typeface="Courier New" panose="02070309020205020404" pitchFamily="49" charset="0"/>
+                <a:cs typeface="Courier New" panose="02070309020205020404" pitchFamily="49" charset="0"/>
+              </a:rPr>
+              <a:t>the_excerpt</a:t>
+            </a:r>
+            <a:r>
+              <a:rPr lang="pt-BR" dirty="0">
+                <a:latin typeface="Courier New" panose="02070309020205020404" pitchFamily="49" charset="0"/>
+                <a:cs typeface="Courier New" panose="02070309020205020404" pitchFamily="49" charset="0"/>
+              </a:rPr>
+              <a:t>()</a:t>
+            </a:r>
+            <a:r>
+              <a:rPr lang="pt-BR" dirty="0"/>
+              <a:t>.</a:t>
+            </a:r>
+          </a:p>
+          <a:p>
+            <a:r>
+              <a:rPr lang="pt-BR" dirty="0"/>
+              <a:t>Depois, insira o código abaixo logo antes da chamada do método</a:t>
+            </a:r>
+            <a:r>
+              <a:rPr lang="pt-BR" dirty="0">
+                <a:latin typeface="Courier New" panose="02070309020205020404" pitchFamily="49" charset="0"/>
+                <a:cs typeface="Courier New" panose="02070309020205020404" pitchFamily="49" charset="0"/>
+              </a:rPr>
+              <a:t> </a:t>
+            </a:r>
+            <a:r>
+              <a:rPr lang="pt-BR" dirty="0" err="1">
+                <a:latin typeface="Courier New" panose="02070309020205020404" pitchFamily="49" charset="0"/>
+                <a:cs typeface="Courier New" panose="02070309020205020404" pitchFamily="49" charset="0"/>
+              </a:rPr>
+              <a:t>the_excerpt</a:t>
+            </a:r>
+            <a:r>
+              <a:rPr lang="pt-BR" dirty="0">
+                <a:latin typeface="Courier New" panose="02070309020205020404" pitchFamily="49" charset="0"/>
+                <a:cs typeface="Courier New" panose="02070309020205020404" pitchFamily="49" charset="0"/>
+              </a:rPr>
+              <a:t>()</a:t>
+            </a:r>
+            <a:r>
+              <a:rPr lang="pt-BR" dirty="0"/>
+              <a:t>, para exibir o título do post.</a:t>
+            </a:r>
+          </a:p>
+          <a:p>
+            <a:r>
+              <a:rPr lang="en-US" dirty="0">
+                <a:latin typeface="Courier New" panose="02070309020205020404" pitchFamily="49" charset="0"/>
+                <a:cs typeface="Courier New" panose="02070309020205020404" pitchFamily="49" charset="0"/>
+              </a:rPr>
+              <a:t>&lt;h3&gt;&lt;?php </a:t>
+            </a:r>
+            <a:r>
+              <a:rPr lang="en-US" dirty="0" err="1">
+                <a:latin typeface="Courier New" panose="02070309020205020404" pitchFamily="49" charset="0"/>
+                <a:cs typeface="Courier New" panose="02070309020205020404" pitchFamily="49" charset="0"/>
+              </a:rPr>
+              <a:t>the_title</a:t>
+            </a:r>
+            <a:r>
+              <a:rPr lang="en-US" dirty="0">
+                <a:latin typeface="Courier New" panose="02070309020205020404" pitchFamily="49" charset="0"/>
+                <a:cs typeface="Courier New" panose="02070309020205020404" pitchFamily="49" charset="0"/>
+              </a:rPr>
+              <a:t>(); ?&gt;&lt;/h3&gt;</a:t>
+            </a:r>
+            <a:endParaRPr lang="pt-BR" dirty="0">
+              <a:latin typeface="Courier New" panose="02070309020205020404" pitchFamily="49" charset="0"/>
+              <a:cs typeface="Courier New" panose="02070309020205020404" pitchFamily="49" charset="0"/>
+            </a:endParaRPr>
+          </a:p>
+        </p:txBody>
+      </p:sp>
+    </p:spTree>
+    <p:extLst>
+      <p:ext uri="{BB962C8B-B14F-4D97-AF65-F5344CB8AC3E}">
+        <p14:creationId xmlns:p14="http://schemas.microsoft.com/office/powerpoint/2010/main" val="2045831681"/>
+      </p:ext>
+    </p:extLst>
+  </p:cSld>
+  <p:clrMapOvr>
+    <a:masterClrMapping/>
+  </p:clrMapOvr>
+</p:sld>
+</file>
+
+<file path=ppt/slides/slide32.xml><?xml version="1.0" encoding="utf-8"?>
+<p:sld xmlns:a="http://schemas.openxmlformats.org/drawingml/2006/main" xmlns:r="http://schemas.openxmlformats.org/officeDocument/2006/relationships" xmlns:p="http://schemas.openxmlformats.org/presentationml/2006/main">
+  <p:cSld>
+    <p:spTree>
+      <p:nvGrpSpPr>
+        <p:cNvPr id="1" name=""/>
+        <p:cNvGrpSpPr/>
+        <p:nvPr/>
+      </p:nvGrpSpPr>
+      <p:grpSpPr>
+        <a:xfrm>
+          <a:off x="0" y="0"/>
+          <a:ext cx="0" cy="0"/>
+          <a:chOff x="0" y="0"/>
+          <a:chExt cx="0" cy="0"/>
+        </a:xfrm>
+      </p:grpSpPr>
+      <p:sp>
+        <p:nvSpPr>
+          <p:cNvPr id="5" name="Título 4"/>
+          <p:cNvSpPr>
+            <a:spLocks noGrp="1"/>
+          </p:cNvSpPr>
+          <p:nvPr>
+            <p:ph type="title"/>
+          </p:nvPr>
+        </p:nvSpPr>
+        <p:spPr/>
+        <p:txBody>
+          <a:bodyPr>
+            <a:normAutofit/>
+          </a:bodyPr>
+          <a:lstStyle/>
+          <a:p>
+            <a:r>
+              <a:rPr lang="pt-BR" dirty="0"/>
+              <a:t>Página para posts</a:t>
+            </a:r>
+          </a:p>
+        </p:txBody>
+      </p:sp>
+      <p:sp>
+        <p:nvSpPr>
+          <p:cNvPr id="6" name="Espaço Reservado para Conteúdo 5"/>
+          <p:cNvSpPr>
+            <a:spLocks noGrp="1"/>
+          </p:cNvSpPr>
+          <p:nvPr>
+            <p:ph idx="1"/>
+          </p:nvPr>
+        </p:nvSpPr>
+        <p:spPr/>
+        <p:txBody>
+          <a:bodyPr>
+            <a:normAutofit fontScale="92500" lnSpcReduction="20000"/>
+          </a:bodyPr>
+          <a:lstStyle/>
+          <a:p>
+            <a:r>
+              <a:rPr lang="pt-BR" dirty="0"/>
+              <a:t>Ainda no arquivo, </a:t>
+            </a:r>
+            <a:r>
+              <a:rPr lang="pt-BR" dirty="0" err="1">
+                <a:latin typeface="Courier New" panose="02070309020205020404" pitchFamily="49" charset="0"/>
+                <a:cs typeface="Courier New" panose="02070309020205020404" pitchFamily="49" charset="0"/>
+              </a:rPr>
+              <a:t>archive.php</a:t>
+            </a:r>
+            <a:r>
+              <a:rPr lang="pt-BR" dirty="0"/>
+              <a:t>, insira o código abaixo</a:t>
+            </a:r>
+          </a:p>
+          <a:p>
+            <a:r>
+              <a:rPr lang="en-US" dirty="0">
+                <a:latin typeface="Courier New" panose="02070309020205020404" pitchFamily="49" charset="0"/>
+                <a:cs typeface="Courier New" panose="02070309020205020404" pitchFamily="49" charset="0"/>
+              </a:rPr>
+              <a:t>&lt;h3&gt;&lt;?php </a:t>
+            </a:r>
+            <a:r>
+              <a:rPr lang="en-US" dirty="0" err="1">
+                <a:latin typeface="Courier New" panose="02070309020205020404" pitchFamily="49" charset="0"/>
+                <a:cs typeface="Courier New" panose="02070309020205020404" pitchFamily="49" charset="0"/>
+              </a:rPr>
+              <a:t>the_title</a:t>
+            </a:r>
+            <a:r>
+              <a:rPr lang="en-US" dirty="0">
+                <a:latin typeface="Courier New" panose="02070309020205020404" pitchFamily="49" charset="0"/>
+                <a:cs typeface="Courier New" panose="02070309020205020404" pitchFamily="49" charset="0"/>
+              </a:rPr>
+              <a:t>(); ?&gt;&lt;/h3&gt;</a:t>
+            </a:r>
+          </a:p>
+          <a:p>
+            <a:r>
+              <a:rPr lang="pt-BR" dirty="0"/>
+              <a:t>logo antes da chamada do método</a:t>
+            </a:r>
+            <a:r>
+              <a:rPr lang="pt-BR" dirty="0">
+                <a:latin typeface="Courier New" panose="02070309020205020404" pitchFamily="49" charset="0"/>
+                <a:cs typeface="Courier New" panose="02070309020205020404" pitchFamily="49" charset="0"/>
+              </a:rPr>
+              <a:t> </a:t>
+            </a:r>
+            <a:r>
+              <a:rPr lang="pt-BR" dirty="0" err="1">
+                <a:latin typeface="Courier New" panose="02070309020205020404" pitchFamily="49" charset="0"/>
+                <a:cs typeface="Courier New" panose="02070309020205020404" pitchFamily="49" charset="0"/>
+              </a:rPr>
+              <a:t>the_excerpt</a:t>
+            </a:r>
+            <a:r>
+              <a:rPr lang="pt-BR" dirty="0">
+                <a:latin typeface="Courier New" panose="02070309020205020404" pitchFamily="49" charset="0"/>
+                <a:cs typeface="Courier New" panose="02070309020205020404" pitchFamily="49" charset="0"/>
+              </a:rPr>
+              <a:t>()</a:t>
+            </a:r>
+            <a:r>
+              <a:rPr lang="pt-BR" dirty="0"/>
+              <a:t>, para exibir o título do post, e o código seguinte</a:t>
+            </a:r>
+          </a:p>
+          <a:p>
+            <a:r>
+              <a:rPr lang="en-US" dirty="0">
+                <a:latin typeface="Courier New" panose="02070309020205020404" pitchFamily="49" charset="0"/>
+                <a:cs typeface="Courier New" panose="02070309020205020404" pitchFamily="49" charset="0"/>
+              </a:rPr>
+              <a:t>&lt;a </a:t>
+            </a:r>
+            <a:r>
+              <a:rPr lang="en-US" dirty="0" err="1">
+                <a:latin typeface="Courier New" panose="02070309020205020404" pitchFamily="49" charset="0"/>
+                <a:cs typeface="Courier New" panose="02070309020205020404" pitchFamily="49" charset="0"/>
+              </a:rPr>
+              <a:t>href</a:t>
+            </a:r>
+            <a:r>
+              <a:rPr lang="en-US" dirty="0">
+                <a:latin typeface="Courier New" panose="02070309020205020404" pitchFamily="49" charset="0"/>
+                <a:cs typeface="Courier New" panose="02070309020205020404" pitchFamily="49" charset="0"/>
+              </a:rPr>
+              <a:t>="&lt;?php </a:t>
+            </a:r>
+            <a:r>
+              <a:rPr lang="en-US" dirty="0" err="1">
+                <a:latin typeface="Courier New" panose="02070309020205020404" pitchFamily="49" charset="0"/>
+                <a:cs typeface="Courier New" panose="02070309020205020404" pitchFamily="49" charset="0"/>
+              </a:rPr>
+              <a:t>the_permalink</a:t>
+            </a:r>
+            <a:r>
+              <a:rPr lang="en-US" dirty="0">
+                <a:latin typeface="Courier New" panose="02070309020205020404" pitchFamily="49" charset="0"/>
+                <a:cs typeface="Courier New" panose="02070309020205020404" pitchFamily="49" charset="0"/>
+              </a:rPr>
+              <a:t>(); ?&gt;" class="</a:t>
+            </a:r>
+            <a:r>
+              <a:rPr lang="en-US" dirty="0" err="1">
+                <a:latin typeface="Courier New" panose="02070309020205020404" pitchFamily="49" charset="0"/>
+                <a:cs typeface="Courier New" panose="02070309020205020404" pitchFamily="49" charset="0"/>
+              </a:rPr>
+              <a:t>btn</a:t>
+            </a:r>
+            <a:r>
+              <a:rPr lang="en-US" dirty="0">
+                <a:latin typeface="Courier New" panose="02070309020205020404" pitchFamily="49" charset="0"/>
+                <a:cs typeface="Courier New" panose="02070309020205020404" pitchFamily="49" charset="0"/>
+              </a:rPr>
+              <a:t> </a:t>
+            </a:r>
+            <a:r>
+              <a:rPr lang="en-US" dirty="0" err="1">
+                <a:latin typeface="Courier New" panose="02070309020205020404" pitchFamily="49" charset="0"/>
+                <a:cs typeface="Courier New" panose="02070309020205020404" pitchFamily="49" charset="0"/>
+              </a:rPr>
+              <a:t>btn</a:t>
+            </a:r>
+            <a:r>
+              <a:rPr lang="en-US" dirty="0">
+                <a:latin typeface="Courier New" panose="02070309020205020404" pitchFamily="49" charset="0"/>
+                <a:cs typeface="Courier New" panose="02070309020205020404" pitchFamily="49" charset="0"/>
+              </a:rPr>
+              <a:t>-success"&gt;Leia </a:t>
+            </a:r>
+            <a:r>
+              <a:rPr lang="en-US" dirty="0" err="1">
+                <a:latin typeface="Courier New" panose="02070309020205020404" pitchFamily="49" charset="0"/>
+                <a:cs typeface="Courier New" panose="02070309020205020404" pitchFamily="49" charset="0"/>
+              </a:rPr>
+              <a:t>mais</a:t>
+            </a:r>
+            <a:r>
+              <a:rPr lang="en-US" dirty="0">
+                <a:latin typeface="Courier New" panose="02070309020205020404" pitchFamily="49" charset="0"/>
+                <a:cs typeface="Courier New" panose="02070309020205020404" pitchFamily="49" charset="0"/>
+              </a:rPr>
+              <a:t>&lt;/a&gt;</a:t>
+            </a:r>
+            <a:endParaRPr lang="pt-BR" dirty="0">
+              <a:latin typeface="Courier New" panose="02070309020205020404" pitchFamily="49" charset="0"/>
+              <a:cs typeface="Courier New" panose="02070309020205020404" pitchFamily="49" charset="0"/>
+            </a:endParaRPr>
+          </a:p>
+          <a:p>
+            <a:r>
+              <a:rPr lang="pt-BR" dirty="0"/>
+              <a:t>Logo após a chamada do método </a:t>
+            </a:r>
+            <a:r>
+              <a:rPr lang="pt-BR" dirty="0" err="1">
+                <a:latin typeface="Courier New" panose="02070309020205020404" pitchFamily="49" charset="0"/>
+                <a:cs typeface="Courier New" panose="02070309020205020404" pitchFamily="49" charset="0"/>
+              </a:rPr>
+              <a:t>the_excerpt</a:t>
+            </a:r>
+            <a:r>
+              <a:rPr lang="pt-BR" dirty="0">
+                <a:latin typeface="Courier New" panose="02070309020205020404" pitchFamily="49" charset="0"/>
+                <a:cs typeface="Courier New" panose="02070309020205020404" pitchFamily="49" charset="0"/>
+              </a:rPr>
+              <a:t>()</a:t>
+            </a:r>
+            <a:r>
+              <a:rPr lang="pt-BR" dirty="0"/>
+              <a:t>, para exibir um link para o post completo.</a:t>
+            </a:r>
+          </a:p>
+        </p:txBody>
+      </p:sp>
+    </p:spTree>
+    <p:extLst>
+      <p:ext uri="{BB962C8B-B14F-4D97-AF65-F5344CB8AC3E}">
+        <p14:creationId xmlns:p14="http://schemas.microsoft.com/office/powerpoint/2010/main" val="3672891892"/>
+      </p:ext>
+    </p:extLst>
+  </p:cSld>
+  <p:clrMapOvr>
+    <a:masterClrMapping/>
+  </p:clrMapOvr>
+</p:sld>
+</file>
+
+<file path=ppt/slides/slide33.xml><?xml version="1.0" encoding="utf-8"?>
+<p:sld xmlns:a="http://schemas.openxmlformats.org/drawingml/2006/main" xmlns:r="http://schemas.openxmlformats.org/officeDocument/2006/relationships" xmlns:p="http://schemas.openxmlformats.org/presentationml/2006/main">
+  <p:cSld>
+    <p:spTree>
+      <p:nvGrpSpPr>
+        <p:cNvPr id="1" name=""/>
+        <p:cNvGrpSpPr/>
+        <p:nvPr/>
+      </p:nvGrpSpPr>
+      <p:grpSpPr>
+        <a:xfrm>
+          <a:off x="0" y="0"/>
+          <a:ext cx="0" cy="0"/>
+          <a:chOff x="0" y="0"/>
+          <a:chExt cx="0" cy="0"/>
+        </a:xfrm>
+      </p:grpSpPr>
+      <p:sp>
+        <p:nvSpPr>
+          <p:cNvPr id="5" name="Título 4"/>
+          <p:cNvSpPr>
+            <a:spLocks noGrp="1"/>
+          </p:cNvSpPr>
+          <p:nvPr>
+            <p:ph type="title"/>
+          </p:nvPr>
+        </p:nvSpPr>
+        <p:spPr/>
+        <p:txBody>
+          <a:bodyPr>
+            <a:normAutofit/>
+          </a:bodyPr>
+          <a:lstStyle/>
+          <a:p>
+            <a:r>
+              <a:rPr lang="pt-BR" dirty="0"/>
+              <a:t>Página para posts</a:t>
+            </a:r>
+          </a:p>
+        </p:txBody>
+      </p:sp>
+      <p:sp>
+        <p:nvSpPr>
+          <p:cNvPr id="6" name="Espaço Reservado para Conteúdo 5"/>
+          <p:cNvSpPr>
+            <a:spLocks noGrp="1"/>
+          </p:cNvSpPr>
+          <p:nvPr>
+            <p:ph idx="1"/>
+          </p:nvPr>
+        </p:nvSpPr>
+        <p:spPr/>
+        <p:txBody>
+          <a:bodyPr>
+            <a:normAutofit fontScale="92500" lnSpcReduction="10000"/>
+          </a:bodyPr>
+          <a:lstStyle/>
+          <a:p>
+            <a:r>
+              <a:rPr lang="pt-BR" dirty="0"/>
+              <a:t>Ainda no arquivo, </a:t>
+            </a:r>
+            <a:r>
+              <a:rPr lang="pt-BR" dirty="0" err="1">
+                <a:latin typeface="Courier New" panose="02070309020205020404" pitchFamily="49" charset="0"/>
+                <a:cs typeface="Courier New" panose="02070309020205020404" pitchFamily="49" charset="0"/>
+              </a:rPr>
+              <a:t>archive.php</a:t>
+            </a:r>
+            <a:r>
+              <a:rPr lang="pt-BR" dirty="0"/>
+              <a:t>, envolva as informações do post com a estrutura abaixo:</a:t>
+            </a:r>
+          </a:p>
+          <a:p>
+            <a:pPr algn="l"/>
+            <a:r>
+              <a:rPr lang="en-US" dirty="0">
+                <a:latin typeface="Courier New" panose="02070309020205020404" pitchFamily="49" charset="0"/>
+                <a:cs typeface="Courier New" panose="02070309020205020404" pitchFamily="49" charset="0"/>
+              </a:rPr>
+              <a:t>&lt;div class="card"&gt;</a:t>
+            </a:r>
+          </a:p>
+          <a:p>
+            <a:pPr algn="l"/>
+            <a:r>
+              <a:rPr lang="en-US" dirty="0">
+                <a:latin typeface="Courier New" panose="02070309020205020404" pitchFamily="49" charset="0"/>
+                <a:cs typeface="Courier New" panose="02070309020205020404" pitchFamily="49" charset="0"/>
+              </a:rPr>
+              <a:t>	&lt;div class="card-body"&gt;</a:t>
+            </a:r>
+          </a:p>
+          <a:p>
+            <a:pPr algn="l"/>
+            <a:r>
+              <a:rPr lang="en-US" dirty="0">
+                <a:latin typeface="Courier New" panose="02070309020205020404" pitchFamily="49" charset="0"/>
+                <a:cs typeface="Courier New" panose="02070309020205020404" pitchFamily="49" charset="0"/>
+              </a:rPr>
+              <a:t>		…</a:t>
+            </a:r>
+          </a:p>
+          <a:p>
+            <a:pPr algn="l"/>
+            <a:r>
+              <a:rPr lang="en-US" dirty="0">
+                <a:latin typeface="Courier New" panose="02070309020205020404" pitchFamily="49" charset="0"/>
+                <a:cs typeface="Courier New" panose="02070309020205020404" pitchFamily="49" charset="0"/>
+              </a:rPr>
+              <a:t>	&lt;/div&gt;</a:t>
+            </a:r>
+          </a:p>
+          <a:p>
+            <a:pPr algn="l"/>
+            <a:r>
+              <a:rPr lang="en-US" dirty="0">
+                <a:latin typeface="Courier New" panose="02070309020205020404" pitchFamily="49" charset="0"/>
+                <a:cs typeface="Courier New" panose="02070309020205020404" pitchFamily="49" charset="0"/>
+              </a:rPr>
+              <a:t>&lt;/div&gt;</a:t>
+            </a:r>
+            <a:endParaRPr lang="pt-BR" dirty="0">
+              <a:latin typeface="Courier New" panose="02070309020205020404" pitchFamily="49" charset="0"/>
+              <a:cs typeface="Courier New" panose="02070309020205020404" pitchFamily="49" charset="0"/>
+            </a:endParaRPr>
+          </a:p>
+        </p:txBody>
+      </p:sp>
+    </p:spTree>
+    <p:extLst>
+      <p:ext uri="{BB962C8B-B14F-4D97-AF65-F5344CB8AC3E}">
+        <p14:creationId xmlns:p14="http://schemas.microsoft.com/office/powerpoint/2010/main" val="3869236380"/>
+      </p:ext>
+    </p:extLst>
+  </p:cSld>
+  <p:clrMapOvr>
+    <a:masterClrMapping/>
+  </p:clrMapOvr>
+</p:sld>
+</file>
+
+<file path=ppt/slides/slide34.xml><?xml version="1.0" encoding="utf-8"?>
+<p:sld xmlns:a="http://schemas.openxmlformats.org/drawingml/2006/main" xmlns:r="http://schemas.openxmlformats.org/officeDocument/2006/relationships" xmlns:p="http://schemas.openxmlformats.org/presentationml/2006/main">
+  <p:cSld>
+    <p:spTree>
+      <p:nvGrpSpPr>
+        <p:cNvPr id="1" name=""/>
+        <p:cNvGrpSpPr/>
+        <p:nvPr/>
+      </p:nvGrpSpPr>
+      <p:grpSpPr>
+        <a:xfrm>
+          <a:off x="0" y="0"/>
+          <a:ext cx="0" cy="0"/>
+          <a:chOff x="0" y="0"/>
+          <a:chExt cx="0" cy="0"/>
+        </a:xfrm>
+      </p:grpSpPr>
+      <p:sp>
+        <p:nvSpPr>
+          <p:cNvPr id="5" name="Título 4"/>
+          <p:cNvSpPr>
+            <a:spLocks noGrp="1"/>
+          </p:cNvSpPr>
+          <p:nvPr>
+            <p:ph type="title"/>
+          </p:nvPr>
+        </p:nvSpPr>
+        <p:spPr/>
+        <p:txBody>
+          <a:bodyPr>
+            <a:normAutofit/>
+          </a:bodyPr>
+          <a:lstStyle/>
+          <a:p>
+            <a:r>
+              <a:rPr lang="pt-BR" dirty="0"/>
+              <a:t>Referências</a:t>
+            </a:r>
+          </a:p>
+        </p:txBody>
+      </p:sp>
+      <p:sp>
+        <p:nvSpPr>
+          <p:cNvPr id="6" name="Espaço Reservado para Conteúdo 5"/>
+          <p:cNvSpPr>
+            <a:spLocks noGrp="1"/>
+          </p:cNvSpPr>
+          <p:nvPr>
+            <p:ph idx="1"/>
+          </p:nvPr>
+        </p:nvSpPr>
+        <p:spPr>
+          <a:xfrm>
+            <a:off x="317694" y="1291052"/>
+            <a:ext cx="11705493" cy="5011777"/>
+          </a:xfrm>
+        </p:spPr>
+        <p:txBody>
+          <a:bodyPr>
+            <a:normAutofit/>
+          </a:bodyPr>
+          <a:lstStyle/>
+          <a:p>
+            <a:r>
+              <a:rPr lang="en-US" dirty="0"/>
+              <a:t>How to make your own WordPress theme from scratch (2019). </a:t>
+            </a:r>
+            <a:r>
+              <a:rPr lang="en-US" dirty="0" err="1"/>
+              <a:t>Disponível</a:t>
+            </a:r>
+            <a:r>
+              <a:rPr lang="en-US" dirty="0"/>
+              <a:t> </a:t>
+            </a:r>
+            <a:r>
+              <a:rPr lang="en-US" dirty="0" err="1"/>
+              <a:t>em</a:t>
+            </a:r>
+            <a:r>
+              <a:rPr lang="en-US" dirty="0"/>
+              <a:t>: </a:t>
+            </a:r>
+            <a:r>
+              <a:rPr lang="en-US" dirty="0">
+                <a:hlinkClick r:id="rId3"/>
+              </a:rPr>
+              <a:t>https://www.youtube.com/watch?v=pFMgAWkrk8o</a:t>
+            </a:r>
+            <a:endParaRPr lang="pt-BR" dirty="0"/>
+          </a:p>
+        </p:txBody>
+      </p:sp>
+    </p:spTree>
+    <p:extLst>
+      <p:ext uri="{BB962C8B-B14F-4D97-AF65-F5344CB8AC3E}">
+        <p14:creationId xmlns:p14="http://schemas.microsoft.com/office/powerpoint/2010/main" val="2436293185"/>
       </p:ext>
     </p:extLst>
   </p:cSld>
@@ -7698,11 +11337,17 @@
           <a:p>
             <a:pPr algn="l"/>
             <a:r>
-              <a:rPr lang="pt-BR" dirty="0"/>
+              <a:rPr lang="pt-BR" dirty="0">
+                <a:latin typeface="Courier New" panose="02070309020205020404" pitchFamily="49" charset="0"/>
+                <a:cs typeface="Courier New" panose="02070309020205020404" pitchFamily="49" charset="0"/>
+              </a:rPr>
               <a:t>front-</a:t>
             </a:r>
             <a:r>
-              <a:rPr lang="pt-BR" dirty="0" err="1"/>
+              <a:rPr lang="pt-BR" dirty="0" err="1">
+                <a:latin typeface="Courier New" panose="02070309020205020404" pitchFamily="49" charset="0"/>
+                <a:cs typeface="Courier New" panose="02070309020205020404" pitchFamily="49" charset="0"/>
+              </a:rPr>
               <a:t>page.php</a:t>
             </a:r>
             <a:r>
@@ -7713,7 +11358,10 @@
           <a:p>
             <a:pPr algn="l"/>
             <a:r>
-              <a:rPr lang="pt-BR" dirty="0" err="1"/>
+              <a:rPr lang="pt-BR" dirty="0" err="1">
+                <a:latin typeface="Courier New" panose="02070309020205020404" pitchFamily="49" charset="0"/>
+                <a:cs typeface="Courier New" panose="02070309020205020404" pitchFamily="49" charset="0"/>
+              </a:rPr>
               <a:t>page.php</a:t>
             </a:r>
             <a:r>
@@ -7724,7 +11372,10 @@
           <a:p>
             <a:pPr algn="l"/>
             <a:r>
-              <a:rPr lang="pt-BR" dirty="0" err="1"/>
+              <a:rPr lang="pt-BR" dirty="0" err="1">
+                <a:latin typeface="Courier New" panose="02070309020205020404" pitchFamily="49" charset="0"/>
+                <a:cs typeface="Courier New" panose="02070309020205020404" pitchFamily="49" charset="0"/>
+              </a:rPr>
               <a:t>single.php</a:t>
             </a:r>
             <a:r>
@@ -7735,7 +11386,10 @@
           <a:p>
             <a:pPr algn="l"/>
             <a:r>
-              <a:rPr lang="pt-BR" dirty="0" err="1"/>
+              <a:rPr lang="pt-BR" dirty="0" err="1">
+                <a:latin typeface="Courier New" panose="02070309020205020404" pitchFamily="49" charset="0"/>
+                <a:cs typeface="Courier New" panose="02070309020205020404" pitchFamily="49" charset="0"/>
+              </a:rPr>
               <a:t>footer.php</a:t>
             </a:r>
             <a:r>
@@ -7746,7 +11400,10 @@
           <a:p>
             <a:pPr algn="l"/>
             <a:r>
-              <a:rPr lang="pt-BR" dirty="0" err="1"/>
+              <a:rPr lang="pt-BR" dirty="0" err="1">
+                <a:latin typeface="Courier New" panose="02070309020205020404" pitchFamily="49" charset="0"/>
+                <a:cs typeface="Courier New" panose="02070309020205020404" pitchFamily="49" charset="0"/>
+              </a:rPr>
               <a:t>header.php</a:t>
             </a:r>
             <a:r>
@@ -7757,8 +11414,11 @@
           <a:p>
             <a:pPr algn="l"/>
             <a:r>
-              <a:rPr lang="pt-BR" dirty="0" err="1"/>
-              <a:t>archived.php</a:t>
+              <a:rPr lang="pt-BR" dirty="0" err="1">
+                <a:latin typeface="Courier New" panose="02070309020205020404" pitchFamily="49" charset="0"/>
+                <a:cs typeface="Courier New" panose="02070309020205020404" pitchFamily="49" charset="0"/>
+              </a:rPr>
+              <a:t>archive.php</a:t>
             </a:r>
             <a:r>
               <a:rPr lang="pt-BR" dirty="0"/>
@@ -7814,7 +11474,7 @@
           <a:p>
             <a:r>
               <a:rPr lang="pt-BR" dirty="0"/>
-              <a:t>Estrutura</a:t>
+              <a:t>Página inicial</a:t>
             </a:r>
           </a:p>
         </p:txBody>
@@ -7832,106 +11492,49 @@
         <p:spPr/>
         <p:txBody>
           <a:bodyPr>
-            <a:normAutofit fontScale="92500"/>
+            <a:normAutofit/>
           </a:bodyPr>
           <a:lstStyle/>
           <a:p>
             <a:r>
               <a:rPr lang="pt-BR" dirty="0"/>
-              <a:t>Insira o código inicial, comum, das páginas no arquivo </a:t>
-            </a:r>
-            <a:r>
-              <a:rPr lang="pt-BR" dirty="0" err="1"/>
-              <a:t>header.php</a:t>
-            </a:r>
-            <a:r>
-              <a:rPr lang="pt-BR" dirty="0"/>
-              <a:t>:</a:t>
-            </a:r>
-          </a:p>
-          <a:p>
-            <a:pPr algn="l"/>
-            <a:r>
-              <a:rPr lang="en-US" dirty="0">
-                <a:latin typeface="Courier New" panose="02070309020205020404" pitchFamily="49" charset="0"/>
-                <a:cs typeface="Courier New" panose="02070309020205020404" pitchFamily="49" charset="0"/>
-              </a:rPr>
-              <a:t>&lt;!DOCTYPE html&gt;</a:t>
-            </a:r>
-          </a:p>
-          <a:p>
-            <a:pPr algn="l"/>
-            <a:r>
-              <a:rPr lang="en-US" dirty="0">
-                <a:latin typeface="Courier New" panose="02070309020205020404" pitchFamily="49" charset="0"/>
-                <a:cs typeface="Courier New" panose="02070309020205020404" pitchFamily="49" charset="0"/>
-              </a:rPr>
-              <a:t>&lt;html </a:t>
-            </a:r>
-            <a:r>
-              <a:rPr lang="en-US" dirty="0" err="1">
-                <a:latin typeface="Courier New" panose="02070309020205020404" pitchFamily="49" charset="0"/>
-                <a:cs typeface="Courier New" panose="02070309020205020404" pitchFamily="49" charset="0"/>
-              </a:rPr>
-              <a:t>lang</a:t>
-            </a:r>
-            <a:r>
-              <a:rPr lang="en-US" dirty="0">
-                <a:latin typeface="Courier New" panose="02070309020205020404" pitchFamily="49" charset="0"/>
-                <a:cs typeface="Courier New" panose="02070309020205020404" pitchFamily="49" charset="0"/>
-              </a:rPr>
-              <a:t>="</a:t>
-            </a:r>
-            <a:r>
-              <a:rPr lang="en-US" dirty="0" err="1">
-                <a:latin typeface="Courier New" panose="02070309020205020404" pitchFamily="49" charset="0"/>
-                <a:cs typeface="Courier New" panose="02070309020205020404" pitchFamily="49" charset="0"/>
-              </a:rPr>
-              <a:t>pt-br</a:t>
-            </a:r>
-            <a:r>
-              <a:rPr lang="en-US" dirty="0">
-                <a:latin typeface="Courier New" panose="02070309020205020404" pitchFamily="49" charset="0"/>
-                <a:cs typeface="Courier New" panose="02070309020205020404" pitchFamily="49" charset="0"/>
-              </a:rPr>
-              <a:t>"&gt;</a:t>
-            </a:r>
-          </a:p>
-          <a:p>
-            <a:pPr algn="l"/>
-            <a:r>
-              <a:rPr lang="en-US" dirty="0">
-                <a:latin typeface="Courier New" panose="02070309020205020404" pitchFamily="49" charset="0"/>
-                <a:cs typeface="Courier New" panose="02070309020205020404" pitchFamily="49" charset="0"/>
-              </a:rPr>
-              <a:t>    &lt;head&gt;</a:t>
-            </a:r>
-          </a:p>
-          <a:p>
-            <a:pPr algn="l"/>
-            <a:r>
-              <a:rPr lang="en-US" dirty="0">
-                <a:latin typeface="Courier New" panose="02070309020205020404" pitchFamily="49" charset="0"/>
-                <a:cs typeface="Courier New" panose="02070309020205020404" pitchFamily="49" charset="0"/>
-              </a:rPr>
-              <a:t>    &lt;/head&gt;</a:t>
-            </a:r>
-          </a:p>
-          <a:p>
-            <a:pPr algn="l"/>
-            <a:r>
-              <a:rPr lang="en-US" dirty="0">
-                <a:latin typeface="Courier New" panose="02070309020205020404" pitchFamily="49" charset="0"/>
-                <a:cs typeface="Courier New" panose="02070309020205020404" pitchFamily="49" charset="0"/>
-              </a:rPr>
-              <a:t>    &lt;body&gt;</a:t>
-            </a:r>
-            <a:r>
-              <a:rPr lang="pt-BR" dirty="0">
-                <a:latin typeface="Courier New" panose="02070309020205020404" pitchFamily="49" charset="0"/>
-                <a:cs typeface="Courier New" panose="02070309020205020404" pitchFamily="49" charset="0"/>
-              </a:rPr>
-              <a:t> </a:t>
+              <a:t>Caso ainda não tenha criado a página Home de seu site, crie uma agora.</a:t>
+            </a:r>
+          </a:p>
+          <a:p>
+            <a:r>
+              <a:rPr lang="pt-BR" dirty="0"/>
+              <a:t>Depois, No painel de gerenciamento, navegue até</a:t>
+            </a:r>
+          </a:p>
+          <a:p>
+            <a:r>
+              <a:rPr lang="pt-BR" b="1" dirty="0"/>
+              <a:t>Configurações &gt; Leitura &gt; Sua página inicial exibe</a:t>
+            </a:r>
+          </a:p>
+          <a:p>
+            <a:r>
+              <a:rPr lang="pt-BR" dirty="0"/>
+              <a:t>Selecione a opção </a:t>
+            </a:r>
+            <a:r>
+              <a:rPr lang="pt-BR" b="1" dirty="0"/>
+              <a:t>Uma página estática</a:t>
+            </a:r>
+          </a:p>
+          <a:p>
+            <a:r>
+              <a:rPr lang="pt-BR" dirty="0"/>
+              <a:t>e, em </a:t>
+            </a:r>
+            <a:r>
+              <a:rPr lang="pt-BR" b="1" dirty="0"/>
+              <a:t>Página inicial</a:t>
+            </a:r>
+            <a:r>
+              <a:rPr lang="pt-BR" dirty="0"/>
+              <a:t>, selecione a página Home. </a:t>
             </a:r>
           </a:p>
         </p:txBody>
@@ -7983,7 +11586,7 @@
           <a:p>
             <a:r>
               <a:rPr lang="pt-BR" dirty="0"/>
-              <a:t>Estrutura</a:t>
+              <a:t>Página inicial</a:t>
             </a:r>
           </a:p>
         </p:txBody>
@@ -8001,17 +11604,20 @@
         <p:spPr/>
         <p:txBody>
           <a:bodyPr>
-            <a:normAutofit/>
+            <a:normAutofit fontScale="92500" lnSpcReduction="10000"/>
           </a:bodyPr>
           <a:lstStyle/>
           <a:p>
             <a:r>
               <a:rPr lang="pt-BR" dirty="0"/>
-              <a:t>Insira o código final, comum, das páginas no arquivo </a:t>
-            </a:r>
-            <a:r>
-              <a:rPr lang="pt-BR" dirty="0" err="1"/>
-              <a:t>footer.php</a:t>
+              <a:t>Insira o código inicial, comum, das páginas no arquivo </a:t>
+            </a:r>
+            <a:r>
+              <a:rPr lang="pt-BR" dirty="0" err="1">
+                <a:latin typeface="Courier New" panose="02070309020205020404" pitchFamily="49" charset="0"/>
+                <a:cs typeface="Courier New" panose="02070309020205020404" pitchFamily="49" charset="0"/>
+              </a:rPr>
+              <a:t>header.php</a:t>
             </a:r>
             <a:r>
               <a:rPr lang="pt-BR" dirty="0"/>
@@ -8025,7 +11631,7 @@
                 <a:latin typeface="Courier New" panose="02070309020205020404" pitchFamily="49" charset="0"/>
                 <a:cs typeface="Courier New" panose="02070309020205020404" pitchFamily="49" charset="0"/>
               </a:rPr>
-              <a:t> &lt;/body&gt;</a:t>
+              <a:t>&lt;!DOCTYPE html&gt;</a:t>
             </a:r>
           </a:p>
           <a:p>
@@ -8035,7 +11641,65 @@
                 <a:latin typeface="Courier New" panose="02070309020205020404" pitchFamily="49" charset="0"/>
                 <a:cs typeface="Courier New" panose="02070309020205020404" pitchFamily="49" charset="0"/>
               </a:rPr>
-              <a:t>&lt;/html&gt;</a:t>
+              <a:t>&lt;html </a:t>
+            </a:r>
+            <a:r>
+              <a:rPr lang="en-US" dirty="0" err="1">
+                <a:latin typeface="Courier New" panose="02070309020205020404" pitchFamily="49" charset="0"/>
+                <a:cs typeface="Courier New" panose="02070309020205020404" pitchFamily="49" charset="0"/>
+              </a:rPr>
+              <a:t>lang</a:t>
+            </a:r>
+            <a:r>
+              <a:rPr lang="en-US" dirty="0">
+                <a:latin typeface="Courier New" panose="02070309020205020404" pitchFamily="49" charset="0"/>
+                <a:cs typeface="Courier New" panose="02070309020205020404" pitchFamily="49" charset="0"/>
+              </a:rPr>
+              <a:t>="</a:t>
+            </a:r>
+            <a:r>
+              <a:rPr lang="en-US" dirty="0" err="1">
+                <a:latin typeface="Courier New" panose="02070309020205020404" pitchFamily="49" charset="0"/>
+                <a:cs typeface="Courier New" panose="02070309020205020404" pitchFamily="49" charset="0"/>
+              </a:rPr>
+              <a:t>pt-br</a:t>
+            </a:r>
+            <a:r>
+              <a:rPr lang="en-US" dirty="0">
+                <a:latin typeface="Courier New" panose="02070309020205020404" pitchFamily="49" charset="0"/>
+                <a:cs typeface="Courier New" panose="02070309020205020404" pitchFamily="49" charset="0"/>
+              </a:rPr>
+              <a:t>"&gt;</a:t>
+            </a:r>
+          </a:p>
+          <a:p>
+            <a:pPr algn="l"/>
+            <a:r>
+              <a:rPr lang="en-US" dirty="0">
+                <a:latin typeface="Courier New" panose="02070309020205020404" pitchFamily="49" charset="0"/>
+                <a:cs typeface="Courier New" panose="02070309020205020404" pitchFamily="49" charset="0"/>
+              </a:rPr>
+              <a:t>    &lt;head&gt;</a:t>
+            </a:r>
+          </a:p>
+          <a:p>
+            <a:pPr algn="l"/>
+            <a:r>
+              <a:rPr lang="en-US" dirty="0">
+                <a:latin typeface="Courier New" panose="02070309020205020404" pitchFamily="49" charset="0"/>
+                <a:cs typeface="Courier New" panose="02070309020205020404" pitchFamily="49" charset="0"/>
+              </a:rPr>
+              <a:t>    &lt;/head&gt;</a:t>
+            </a:r>
+          </a:p>
+          <a:p>
+            <a:pPr algn="l"/>
+            <a:r>
+              <a:rPr lang="en-US" dirty="0">
+                <a:latin typeface="Courier New" panose="02070309020205020404" pitchFamily="49" charset="0"/>
+                <a:cs typeface="Courier New" panose="02070309020205020404" pitchFamily="49" charset="0"/>
+              </a:rPr>
+              <a:t>    &lt;body&gt;</a:t>
             </a:r>
             <a:r>
               <a:rPr lang="pt-BR" dirty="0">
@@ -8050,7 +11714,7 @@
     </p:spTree>
     <p:extLst>
       <p:ext uri="{BB962C8B-B14F-4D97-AF65-F5344CB8AC3E}">
-        <p14:creationId xmlns:p14="http://schemas.microsoft.com/office/powerpoint/2010/main" val="3837942883"/>
+        <p14:creationId xmlns:p14="http://schemas.microsoft.com/office/powerpoint/2010/main" val="2287660699"/>
       </p:ext>
     </p:extLst>
   </p:cSld>
@@ -8094,7 +11758,7 @@
           <a:p>
             <a:r>
               <a:rPr lang="pt-BR" dirty="0"/>
-              <a:t>Página principal</a:t>
+              <a:t>Página inicial</a:t>
             </a:r>
           </a:p>
         </p:txBody>
@@ -8118,26 +11782,13 @@
           <a:p>
             <a:r>
               <a:rPr lang="pt-BR" dirty="0"/>
-              <a:t>No arquivo front-</a:t>
-            </a:r>
-            <a:r>
-              <a:rPr lang="pt-BR" dirty="0" err="1"/>
-              <a:t>page.php</a:t>
-            </a:r>
-            <a:r>
-              <a:rPr lang="pt-BR" dirty="0"/>
-              <a:t>, insira o código que adicionará o conteúdo dos arquivos </a:t>
-            </a:r>
-            <a:r>
-              <a:rPr lang="pt-BR" dirty="0" err="1"/>
-              <a:t>header.php</a:t>
-            </a:r>
-            <a:r>
-              <a:rPr lang="pt-BR" dirty="0"/>
-              <a:t> e </a:t>
-            </a:r>
-            <a:r>
-              <a:rPr lang="pt-BR" dirty="0" err="1"/>
+              <a:t>Insira o código final, comum, das páginas no arquivo </a:t>
+            </a:r>
+            <a:r>
+              <a:rPr lang="pt-BR" dirty="0" err="1">
+                <a:latin typeface="Courier New" panose="02070309020205020404" pitchFamily="49" charset="0"/>
+                <a:cs typeface="Courier New" panose="02070309020205020404" pitchFamily="49" charset="0"/>
+              </a:rPr>
               <a:t>footer.php</a:t>
             </a:r>
             <a:r>
@@ -8152,21 +11803,7 @@
                 <a:latin typeface="Courier New" panose="02070309020205020404" pitchFamily="49" charset="0"/>
                 <a:cs typeface="Courier New" panose="02070309020205020404" pitchFamily="49" charset="0"/>
               </a:rPr>
-              <a:t>&lt;?php </a:t>
-            </a:r>
-            <a:r>
-              <a:rPr lang="en-US" dirty="0" err="1">
-                <a:latin typeface="Courier New" panose="02070309020205020404" pitchFamily="49" charset="0"/>
-                <a:cs typeface="Courier New" panose="02070309020205020404" pitchFamily="49" charset="0"/>
-              </a:rPr>
-              <a:t>get_header</a:t>
-            </a:r>
-            <a:r>
-              <a:rPr lang="en-US" dirty="0">
-                <a:latin typeface="Courier New" panose="02070309020205020404" pitchFamily="49" charset="0"/>
-                <a:cs typeface="Courier New" panose="02070309020205020404" pitchFamily="49" charset="0"/>
-              </a:rPr>
-              <a:t>(); ?&gt;</a:t>
+              <a:t> &lt;/body&gt;</a:t>
             </a:r>
           </a:p>
           <a:p>
@@ -8176,33 +11813,22 @@
                 <a:latin typeface="Courier New" panose="02070309020205020404" pitchFamily="49" charset="0"/>
                 <a:cs typeface="Courier New" panose="02070309020205020404" pitchFamily="49" charset="0"/>
               </a:rPr>
-              <a:t>&lt;?php </a:t>
-            </a:r>
-            <a:r>
-              <a:rPr lang="en-US" dirty="0" err="1">
-                <a:latin typeface="Courier New" panose="02070309020205020404" pitchFamily="49" charset="0"/>
-                <a:cs typeface="Courier New" panose="02070309020205020404" pitchFamily="49" charset="0"/>
-              </a:rPr>
-              <a:t>get_footer</a:t>
-            </a:r>
-            <a:r>
-              <a:rPr lang="en-US" dirty="0">
-                <a:latin typeface="Courier New" panose="02070309020205020404" pitchFamily="49" charset="0"/>
-                <a:cs typeface="Courier New" panose="02070309020205020404" pitchFamily="49" charset="0"/>
-              </a:rPr>
-              <a:t>(); ?&gt;</a:t>
-            </a:r>
-            <a:endParaRPr lang="pt-BR" dirty="0">
-              <a:latin typeface="Courier New" panose="02070309020205020404" pitchFamily="49" charset="0"/>
-              <a:cs typeface="Courier New" panose="02070309020205020404" pitchFamily="49" charset="0"/>
-            </a:endParaRPr>
+              <a:t>&lt;/html&gt;</a:t>
+            </a:r>
+            <a:r>
+              <a:rPr lang="pt-BR" dirty="0">
+                <a:latin typeface="Courier New" panose="02070309020205020404" pitchFamily="49" charset="0"/>
+                <a:cs typeface="Courier New" panose="02070309020205020404" pitchFamily="49" charset="0"/>
+              </a:rPr>
+              <a:t> </a:t>
+            </a:r>
           </a:p>
         </p:txBody>
       </p:sp>
     </p:spTree>
     <p:extLst>
       <p:ext uri="{BB962C8B-B14F-4D97-AF65-F5344CB8AC3E}">
-        <p14:creationId xmlns:p14="http://schemas.microsoft.com/office/powerpoint/2010/main" val="2769387917"/>
+        <p14:creationId xmlns:p14="http://schemas.microsoft.com/office/powerpoint/2010/main" val="3837942883"/>
       </p:ext>
     </p:extLst>
   </p:cSld>
@@ -8246,7 +11872,7 @@
           <a:p>
             <a:r>
               <a:rPr lang="pt-BR" dirty="0"/>
-              <a:t>Adição de scripts necessários</a:t>
+              <a:t>Página inicial</a:t>
             </a:r>
           </a:p>
         </p:txBody>
@@ -8273,28 +11899,44 @@
               <a:t>No arquivo </a:t>
             </a:r>
             <a:r>
-              <a:rPr lang="pt-BR" dirty="0" err="1"/>
+              <a:rPr lang="pt-BR" dirty="0">
+                <a:latin typeface="Courier New" panose="02070309020205020404" pitchFamily="49" charset="0"/>
+                <a:cs typeface="Courier New" panose="02070309020205020404" pitchFamily="49" charset="0"/>
+              </a:rPr>
+              <a:t>front-</a:t>
+            </a:r>
+            <a:r>
+              <a:rPr lang="pt-BR" dirty="0" err="1">
+                <a:latin typeface="Courier New" panose="02070309020205020404" pitchFamily="49" charset="0"/>
+                <a:cs typeface="Courier New" panose="02070309020205020404" pitchFamily="49" charset="0"/>
+              </a:rPr>
+              <a:t>page.php</a:t>
+            </a:r>
+            <a:r>
+              <a:rPr lang="pt-BR" dirty="0"/>
+              <a:t>, insira o código que adicionará o conteúdo dos arquivos </a:t>
+            </a:r>
+            <a:r>
+              <a:rPr lang="pt-BR" dirty="0" err="1">
+                <a:latin typeface="Courier New" panose="02070309020205020404" pitchFamily="49" charset="0"/>
+                <a:cs typeface="Courier New" panose="02070309020205020404" pitchFamily="49" charset="0"/>
+              </a:rPr>
+              <a:t>header.php</a:t>
+            </a:r>
+            <a:r>
+              <a:rPr lang="pt-BR" dirty="0"/>
+              <a:t> e </a:t>
+            </a:r>
+            <a:r>
+              <a:rPr lang="pt-BR" dirty="0" err="1">
+                <a:latin typeface="Courier New" panose="02070309020205020404" pitchFamily="49" charset="0"/>
+                <a:cs typeface="Courier New" panose="02070309020205020404" pitchFamily="49" charset="0"/>
+              </a:rPr>
               <a:t>footer.php</a:t>
             </a:r>
             <a:r>
               <a:rPr lang="pt-BR" dirty="0"/>
-              <a:t>, antes do fechamento da </a:t>
-            </a:r>
-            <a:r>
-              <a:rPr lang="pt-BR" dirty="0" err="1"/>
-              <a:t>tag</a:t>
-            </a:r>
-            <a:r>
-              <a:rPr lang="pt-BR" dirty="0"/>
-              <a:t> </a:t>
-            </a:r>
-            <a:r>
-              <a:rPr lang="pt-BR" dirty="0" err="1"/>
-              <a:t>body</a:t>
-            </a:r>
-            <a:r>
-              <a:rPr lang="pt-BR" dirty="0"/>
-              <a:t>, insira o código que adicionará os scripts que devem ficar no final das páginas:</a:t>
+              <a:t>:</a:t>
             </a:r>
           </a:p>
           <a:p>
@@ -8311,7 +11953,31 @@
                 <a:latin typeface="Courier New" panose="02070309020205020404" pitchFamily="49" charset="0"/>
                 <a:cs typeface="Courier New" panose="02070309020205020404" pitchFamily="49" charset="0"/>
               </a:rPr>
-              <a:t>wp_footer</a:t>
+              <a:t>get_header</a:t>
+            </a:r>
+            <a:r>
+              <a:rPr lang="en-US" dirty="0">
+                <a:latin typeface="Courier New" panose="02070309020205020404" pitchFamily="49" charset="0"/>
+                <a:cs typeface="Courier New" panose="02070309020205020404" pitchFamily="49" charset="0"/>
+              </a:rPr>
+              <a:t>(); ?&gt;</a:t>
+            </a:r>
+          </a:p>
+          <a:p>
+            <a:pPr algn="l"/>
+            <a:r>
+              <a:rPr lang="en-US" dirty="0">
+                <a:latin typeface="Courier New" panose="02070309020205020404" pitchFamily="49" charset="0"/>
+                <a:cs typeface="Courier New" panose="02070309020205020404" pitchFamily="49" charset="0"/>
+              </a:rPr>
+              <a:t>&lt;?php </a:t>
+            </a:r>
+            <a:r>
+              <a:rPr lang="en-US" dirty="0" err="1">
+                <a:latin typeface="Courier New" panose="02070309020205020404" pitchFamily="49" charset="0"/>
+                <a:cs typeface="Courier New" panose="02070309020205020404" pitchFamily="49" charset="0"/>
+              </a:rPr>
+              <a:t>get_footer</a:t>
             </a:r>
             <a:r>
               <a:rPr lang="en-US" dirty="0">
@@ -8330,7 +11996,7 @@
     </p:spTree>
     <p:extLst>
       <p:ext uri="{BB962C8B-B14F-4D97-AF65-F5344CB8AC3E}">
-        <p14:creationId xmlns:p14="http://schemas.microsoft.com/office/powerpoint/2010/main" val="548694929"/>
+        <p14:creationId xmlns:p14="http://schemas.microsoft.com/office/powerpoint/2010/main" val="2769387917"/>
       </p:ext>
     </p:extLst>
   </p:cSld>

--- a/wordpress-como-criar-um-novo-tema.pptx
+++ b/wordpress-como-criar-um-novo-tema.pptx
@@ -5,43 +5,49 @@
     <p:sldMasterId id="2147483648" r:id="rId1"/>
   </p:sldMasterIdLst>
   <p:notesMasterIdLst>
-    <p:notesMasterId r:id="rId36"/>
+    <p:notesMasterId r:id="rId42"/>
   </p:notesMasterIdLst>
   <p:sldIdLst>
     <p:sldId id="256" r:id="rId2"/>
     <p:sldId id="298" r:id="rId3"/>
-    <p:sldId id="393" r:id="rId4"/>
-    <p:sldId id="394" r:id="rId5"/>
-    <p:sldId id="395" r:id="rId6"/>
-    <p:sldId id="396" r:id="rId7"/>
-    <p:sldId id="412" r:id="rId8"/>
-    <p:sldId id="397" r:id="rId9"/>
-    <p:sldId id="398" r:id="rId10"/>
-    <p:sldId id="399" r:id="rId11"/>
-    <p:sldId id="400" r:id="rId12"/>
-    <p:sldId id="401" r:id="rId13"/>
-    <p:sldId id="402" r:id="rId14"/>
-    <p:sldId id="403" r:id="rId15"/>
-    <p:sldId id="404" r:id="rId16"/>
-    <p:sldId id="405" r:id="rId17"/>
-    <p:sldId id="406" r:id="rId18"/>
-    <p:sldId id="407" r:id="rId19"/>
-    <p:sldId id="408" r:id="rId20"/>
-    <p:sldId id="409" r:id="rId21"/>
-    <p:sldId id="410" r:id="rId22"/>
-    <p:sldId id="413" r:id="rId23"/>
-    <p:sldId id="414" r:id="rId24"/>
-    <p:sldId id="415" r:id="rId25"/>
-    <p:sldId id="416" r:id="rId26"/>
-    <p:sldId id="417" r:id="rId27"/>
-    <p:sldId id="418" r:id="rId28"/>
-    <p:sldId id="419" r:id="rId29"/>
-    <p:sldId id="411" r:id="rId30"/>
-    <p:sldId id="420" r:id="rId31"/>
-    <p:sldId id="421" r:id="rId32"/>
-    <p:sldId id="422" r:id="rId33"/>
-    <p:sldId id="423" r:id="rId34"/>
-    <p:sldId id="392" r:id="rId35"/>
+    <p:sldId id="430" r:id="rId4"/>
+    <p:sldId id="393" r:id="rId5"/>
+    <p:sldId id="394" r:id="rId6"/>
+    <p:sldId id="395" r:id="rId7"/>
+    <p:sldId id="396" r:id="rId8"/>
+    <p:sldId id="412" r:id="rId9"/>
+    <p:sldId id="397" r:id="rId10"/>
+    <p:sldId id="398" r:id="rId11"/>
+    <p:sldId id="399" r:id="rId12"/>
+    <p:sldId id="400" r:id="rId13"/>
+    <p:sldId id="401" r:id="rId14"/>
+    <p:sldId id="402" r:id="rId15"/>
+    <p:sldId id="403" r:id="rId16"/>
+    <p:sldId id="404" r:id="rId17"/>
+    <p:sldId id="405" r:id="rId18"/>
+    <p:sldId id="406" r:id="rId19"/>
+    <p:sldId id="407" r:id="rId20"/>
+    <p:sldId id="408" r:id="rId21"/>
+    <p:sldId id="409" r:id="rId22"/>
+    <p:sldId id="410" r:id="rId23"/>
+    <p:sldId id="413" r:id="rId24"/>
+    <p:sldId id="414" r:id="rId25"/>
+    <p:sldId id="415" r:id="rId26"/>
+    <p:sldId id="416" r:id="rId27"/>
+    <p:sldId id="417" r:id="rId28"/>
+    <p:sldId id="418" r:id="rId29"/>
+    <p:sldId id="419" r:id="rId30"/>
+    <p:sldId id="411" r:id="rId31"/>
+    <p:sldId id="420" r:id="rId32"/>
+    <p:sldId id="421" r:id="rId33"/>
+    <p:sldId id="422" r:id="rId34"/>
+    <p:sldId id="423" r:id="rId35"/>
+    <p:sldId id="425" r:id="rId36"/>
+    <p:sldId id="426" r:id="rId37"/>
+    <p:sldId id="427" r:id="rId38"/>
+    <p:sldId id="428" r:id="rId39"/>
+    <p:sldId id="429" r:id="rId40"/>
+    <p:sldId id="392" r:id="rId41"/>
   </p:sldIdLst>
   <p:sldSz cx="12192000" cy="6858000"/>
   <p:notesSz cx="6858000" cy="9144000"/>
@@ -230,7 +236,7 @@
           <a:p>
             <a:fld id="{94D3EB41-CF60-4C9F-BD83-AE56FA0945EB}" type="datetimeFigureOut">
               <a:rPr lang="pt-BR" smtClean="0"/>
-              <a:t>07/02/2020</a:t>
+              <a:t>11/02/2020</a:t>
             </a:fld>
             <a:endParaRPr lang="pt-BR"/>
           </a:p>
@@ -655,7 +661,7 @@
     </p:spTree>
     <p:extLst>
       <p:ext uri="{BB962C8B-B14F-4D97-AF65-F5344CB8AC3E}">
-        <p14:creationId xmlns:p14="http://schemas.microsoft.com/office/powerpoint/2010/main" val="1073619568"/>
+        <p14:creationId xmlns:p14="http://schemas.microsoft.com/office/powerpoint/2010/main" val="3191202635"/>
       </p:ext>
     </p:extLst>
   </p:cSld>
@@ -739,7 +745,7 @@
     </p:spTree>
     <p:extLst>
       <p:ext uri="{BB962C8B-B14F-4D97-AF65-F5344CB8AC3E}">
-        <p14:creationId xmlns:p14="http://schemas.microsoft.com/office/powerpoint/2010/main" val="3180764149"/>
+        <p14:creationId xmlns:p14="http://schemas.microsoft.com/office/powerpoint/2010/main" val="1073619568"/>
       </p:ext>
     </p:extLst>
   </p:cSld>
@@ -823,7 +829,7 @@
     </p:spTree>
     <p:extLst>
       <p:ext uri="{BB962C8B-B14F-4D97-AF65-F5344CB8AC3E}">
-        <p14:creationId xmlns:p14="http://schemas.microsoft.com/office/powerpoint/2010/main" val="1166011652"/>
+        <p14:creationId xmlns:p14="http://schemas.microsoft.com/office/powerpoint/2010/main" val="3180764149"/>
       </p:ext>
     </p:extLst>
   </p:cSld>
@@ -907,7 +913,7 @@
     </p:spTree>
     <p:extLst>
       <p:ext uri="{BB962C8B-B14F-4D97-AF65-F5344CB8AC3E}">
-        <p14:creationId xmlns:p14="http://schemas.microsoft.com/office/powerpoint/2010/main" val="311826583"/>
+        <p14:creationId xmlns:p14="http://schemas.microsoft.com/office/powerpoint/2010/main" val="1166011652"/>
       </p:ext>
     </p:extLst>
   </p:cSld>
@@ -991,7 +997,7 @@
     </p:spTree>
     <p:extLst>
       <p:ext uri="{BB962C8B-B14F-4D97-AF65-F5344CB8AC3E}">
-        <p14:creationId xmlns:p14="http://schemas.microsoft.com/office/powerpoint/2010/main" val="2138049373"/>
+        <p14:creationId xmlns:p14="http://schemas.microsoft.com/office/powerpoint/2010/main" val="311826583"/>
       </p:ext>
     </p:extLst>
   </p:cSld>
@@ -1075,7 +1081,7 @@
     </p:spTree>
     <p:extLst>
       <p:ext uri="{BB962C8B-B14F-4D97-AF65-F5344CB8AC3E}">
-        <p14:creationId xmlns:p14="http://schemas.microsoft.com/office/powerpoint/2010/main" val="3080775855"/>
+        <p14:creationId xmlns:p14="http://schemas.microsoft.com/office/powerpoint/2010/main" val="2138049373"/>
       </p:ext>
     </p:extLst>
   </p:cSld>
@@ -1159,7 +1165,7 @@
     </p:spTree>
     <p:extLst>
       <p:ext uri="{BB962C8B-B14F-4D97-AF65-F5344CB8AC3E}">
-        <p14:creationId xmlns:p14="http://schemas.microsoft.com/office/powerpoint/2010/main" val="2635206762"/>
+        <p14:creationId xmlns:p14="http://schemas.microsoft.com/office/powerpoint/2010/main" val="3080775855"/>
       </p:ext>
     </p:extLst>
   </p:cSld>
@@ -1243,7 +1249,7 @@
     </p:spTree>
     <p:extLst>
       <p:ext uri="{BB962C8B-B14F-4D97-AF65-F5344CB8AC3E}">
-        <p14:creationId xmlns:p14="http://schemas.microsoft.com/office/powerpoint/2010/main" val="440497715"/>
+        <p14:creationId xmlns:p14="http://schemas.microsoft.com/office/powerpoint/2010/main" val="2635206762"/>
       </p:ext>
     </p:extLst>
   </p:cSld>
@@ -1327,7 +1333,7 @@
     </p:spTree>
     <p:extLst>
       <p:ext uri="{BB962C8B-B14F-4D97-AF65-F5344CB8AC3E}">
-        <p14:creationId xmlns:p14="http://schemas.microsoft.com/office/powerpoint/2010/main" val="2660273404"/>
+        <p14:creationId xmlns:p14="http://schemas.microsoft.com/office/powerpoint/2010/main" val="440497715"/>
       </p:ext>
     </p:extLst>
   </p:cSld>
@@ -1411,7 +1417,7 @@
     </p:spTree>
     <p:extLst>
       <p:ext uri="{BB962C8B-B14F-4D97-AF65-F5344CB8AC3E}">
-        <p14:creationId xmlns:p14="http://schemas.microsoft.com/office/powerpoint/2010/main" val="2894900618"/>
+        <p14:creationId xmlns:p14="http://schemas.microsoft.com/office/powerpoint/2010/main" val="2660273404"/>
       </p:ext>
     </p:extLst>
   </p:cSld>
@@ -1579,7 +1585,7 @@
     </p:spTree>
     <p:extLst>
       <p:ext uri="{BB962C8B-B14F-4D97-AF65-F5344CB8AC3E}">
-        <p14:creationId xmlns:p14="http://schemas.microsoft.com/office/powerpoint/2010/main" val="3598011116"/>
+        <p14:creationId xmlns:p14="http://schemas.microsoft.com/office/powerpoint/2010/main" val="2894900618"/>
       </p:ext>
     </p:extLst>
   </p:cSld>
@@ -1663,7 +1669,7 @@
     </p:spTree>
     <p:extLst>
       <p:ext uri="{BB962C8B-B14F-4D97-AF65-F5344CB8AC3E}">
-        <p14:creationId xmlns:p14="http://schemas.microsoft.com/office/powerpoint/2010/main" val="10824467"/>
+        <p14:creationId xmlns:p14="http://schemas.microsoft.com/office/powerpoint/2010/main" val="3598011116"/>
       </p:ext>
     </p:extLst>
   </p:cSld>
@@ -1747,7 +1753,7 @@
     </p:spTree>
     <p:extLst>
       <p:ext uri="{BB962C8B-B14F-4D97-AF65-F5344CB8AC3E}">
-        <p14:creationId xmlns:p14="http://schemas.microsoft.com/office/powerpoint/2010/main" val="682146649"/>
+        <p14:creationId xmlns:p14="http://schemas.microsoft.com/office/powerpoint/2010/main" val="10824467"/>
       </p:ext>
     </p:extLst>
   </p:cSld>
@@ -1831,7 +1837,7 @@
     </p:spTree>
     <p:extLst>
       <p:ext uri="{BB962C8B-B14F-4D97-AF65-F5344CB8AC3E}">
-        <p14:creationId xmlns:p14="http://schemas.microsoft.com/office/powerpoint/2010/main" val="1782642357"/>
+        <p14:creationId xmlns:p14="http://schemas.microsoft.com/office/powerpoint/2010/main" val="682146649"/>
       </p:ext>
     </p:extLst>
   </p:cSld>
@@ -1915,7 +1921,7 @@
     </p:spTree>
     <p:extLst>
       <p:ext uri="{BB962C8B-B14F-4D97-AF65-F5344CB8AC3E}">
-        <p14:creationId xmlns:p14="http://schemas.microsoft.com/office/powerpoint/2010/main" val="3356350520"/>
+        <p14:creationId xmlns:p14="http://schemas.microsoft.com/office/powerpoint/2010/main" val="1782642357"/>
       </p:ext>
     </p:extLst>
   </p:cSld>
@@ -1999,7 +2005,7 @@
     </p:spTree>
     <p:extLst>
       <p:ext uri="{BB962C8B-B14F-4D97-AF65-F5344CB8AC3E}">
-        <p14:creationId xmlns:p14="http://schemas.microsoft.com/office/powerpoint/2010/main" val="1451322432"/>
+        <p14:creationId xmlns:p14="http://schemas.microsoft.com/office/powerpoint/2010/main" val="3356350520"/>
       </p:ext>
     </p:extLst>
   </p:cSld>
@@ -2083,7 +2089,7 @@
     </p:spTree>
     <p:extLst>
       <p:ext uri="{BB962C8B-B14F-4D97-AF65-F5344CB8AC3E}">
-        <p14:creationId xmlns:p14="http://schemas.microsoft.com/office/powerpoint/2010/main" val="1353072654"/>
+        <p14:creationId xmlns:p14="http://schemas.microsoft.com/office/powerpoint/2010/main" val="1451322432"/>
       </p:ext>
     </p:extLst>
   </p:cSld>
@@ -2167,7 +2173,7 @@
     </p:spTree>
     <p:extLst>
       <p:ext uri="{BB962C8B-B14F-4D97-AF65-F5344CB8AC3E}">
-        <p14:creationId xmlns:p14="http://schemas.microsoft.com/office/powerpoint/2010/main" val="404051931"/>
+        <p14:creationId xmlns:p14="http://schemas.microsoft.com/office/powerpoint/2010/main" val="1353072654"/>
       </p:ext>
     </p:extLst>
   </p:cSld>
@@ -2251,7 +2257,7 @@
     </p:spTree>
     <p:extLst>
       <p:ext uri="{BB962C8B-B14F-4D97-AF65-F5344CB8AC3E}">
-        <p14:creationId xmlns:p14="http://schemas.microsoft.com/office/powerpoint/2010/main" val="4289979712"/>
+        <p14:creationId xmlns:p14="http://schemas.microsoft.com/office/powerpoint/2010/main" val="404051931"/>
       </p:ext>
     </p:extLst>
   </p:cSld>
@@ -2335,7 +2341,7 @@
     </p:spTree>
     <p:extLst>
       <p:ext uri="{BB962C8B-B14F-4D97-AF65-F5344CB8AC3E}">
-        <p14:creationId xmlns:p14="http://schemas.microsoft.com/office/powerpoint/2010/main" val="2119129949"/>
+        <p14:creationId xmlns:p14="http://schemas.microsoft.com/office/powerpoint/2010/main" val="4289979712"/>
       </p:ext>
     </p:extLst>
   </p:cSld>
@@ -2419,7 +2425,7 @@
     </p:spTree>
     <p:extLst>
       <p:ext uri="{BB962C8B-B14F-4D97-AF65-F5344CB8AC3E}">
-        <p14:creationId xmlns:p14="http://schemas.microsoft.com/office/powerpoint/2010/main" val="2488396558"/>
+        <p14:creationId xmlns:p14="http://schemas.microsoft.com/office/powerpoint/2010/main" val="390589368"/>
       </p:ext>
     </p:extLst>
   </p:cSld>
@@ -2503,7 +2509,7 @@
     </p:spTree>
     <p:extLst>
       <p:ext uri="{BB962C8B-B14F-4D97-AF65-F5344CB8AC3E}">
-        <p14:creationId xmlns:p14="http://schemas.microsoft.com/office/powerpoint/2010/main" val="2576326811"/>
+        <p14:creationId xmlns:p14="http://schemas.microsoft.com/office/powerpoint/2010/main" val="2119129949"/>
       </p:ext>
     </p:extLst>
   </p:cSld>
@@ -2587,7 +2593,7 @@
     </p:spTree>
     <p:extLst>
       <p:ext uri="{BB962C8B-B14F-4D97-AF65-F5344CB8AC3E}">
-        <p14:creationId xmlns:p14="http://schemas.microsoft.com/office/powerpoint/2010/main" val="1652793502"/>
+        <p14:creationId xmlns:p14="http://schemas.microsoft.com/office/powerpoint/2010/main" val="2576326811"/>
       </p:ext>
     </p:extLst>
   </p:cSld>
@@ -2671,7 +2677,7 @@
     </p:spTree>
     <p:extLst>
       <p:ext uri="{BB962C8B-B14F-4D97-AF65-F5344CB8AC3E}">
-        <p14:creationId xmlns:p14="http://schemas.microsoft.com/office/powerpoint/2010/main" val="76305166"/>
+        <p14:creationId xmlns:p14="http://schemas.microsoft.com/office/powerpoint/2010/main" val="1652793502"/>
       </p:ext>
     </p:extLst>
   </p:cSld>
@@ -2755,7 +2761,7 @@
     </p:spTree>
     <p:extLst>
       <p:ext uri="{BB962C8B-B14F-4D97-AF65-F5344CB8AC3E}">
-        <p14:creationId xmlns:p14="http://schemas.microsoft.com/office/powerpoint/2010/main" val="4189901219"/>
+        <p14:creationId xmlns:p14="http://schemas.microsoft.com/office/powerpoint/2010/main" val="76305166"/>
       </p:ext>
     </p:extLst>
   </p:cSld>
@@ -2809,7 +2815,7 @@
           <a:bodyPr/>
           <a:lstStyle/>
           <a:p>
-            <a:endParaRPr lang="pt-BR" dirty="0"/>
+            <a:endParaRPr lang="en-US" dirty="0"/>
           </a:p>
         </p:txBody>
       </p:sp>
@@ -2839,7 +2845,427 @@
     </p:spTree>
     <p:extLst>
       <p:ext uri="{BB962C8B-B14F-4D97-AF65-F5344CB8AC3E}">
-        <p14:creationId xmlns:p14="http://schemas.microsoft.com/office/powerpoint/2010/main" val="1008064520"/>
+        <p14:creationId xmlns:p14="http://schemas.microsoft.com/office/powerpoint/2010/main" val="4189901219"/>
+      </p:ext>
+    </p:extLst>
+  </p:cSld>
+  <p:clrMapOvr>
+    <a:masterClrMapping/>
+  </p:clrMapOvr>
+</p:notes>
+</file>
+
+<file path=ppt/notesSlides/notesSlide35.xml><?xml version="1.0" encoding="utf-8"?>
+<p:notes xmlns:a="http://schemas.openxmlformats.org/drawingml/2006/main" xmlns:r="http://schemas.openxmlformats.org/officeDocument/2006/relationships" xmlns:p="http://schemas.openxmlformats.org/presentationml/2006/main">
+  <p:cSld>
+    <p:spTree>
+      <p:nvGrpSpPr>
+        <p:cNvPr id="1" name=""/>
+        <p:cNvGrpSpPr/>
+        <p:nvPr/>
+      </p:nvGrpSpPr>
+      <p:grpSpPr>
+        <a:xfrm>
+          <a:off x="0" y="0"/>
+          <a:ext cx="0" cy="0"/>
+          <a:chOff x="0" y="0"/>
+          <a:chExt cx="0" cy="0"/>
+        </a:xfrm>
+      </p:grpSpPr>
+      <p:sp>
+        <p:nvSpPr>
+          <p:cNvPr id="2" name="Slide Image Placeholder 1"/>
+          <p:cNvSpPr>
+            <a:spLocks noGrp="1" noRot="1" noChangeAspect="1"/>
+          </p:cNvSpPr>
+          <p:nvPr>
+            <p:ph type="sldImg"/>
+          </p:nvPr>
+        </p:nvSpPr>
+        <p:spPr/>
+      </p:sp>
+      <p:sp>
+        <p:nvSpPr>
+          <p:cNvPr id="3" name="Notes Placeholder 2"/>
+          <p:cNvSpPr>
+            <a:spLocks noGrp="1"/>
+          </p:cNvSpPr>
+          <p:nvPr>
+            <p:ph type="body" idx="1"/>
+          </p:nvPr>
+        </p:nvSpPr>
+        <p:spPr/>
+        <p:txBody>
+          <a:bodyPr/>
+          <a:lstStyle/>
+          <a:p>
+            <a:endParaRPr lang="en-US" dirty="0"/>
+          </a:p>
+        </p:txBody>
+      </p:sp>
+      <p:sp>
+        <p:nvSpPr>
+          <p:cNvPr id="4" name="Slide Number Placeholder 3"/>
+          <p:cNvSpPr>
+            <a:spLocks noGrp="1"/>
+          </p:cNvSpPr>
+          <p:nvPr>
+            <p:ph type="sldNum" sz="quarter" idx="5"/>
+          </p:nvPr>
+        </p:nvSpPr>
+        <p:spPr/>
+        <p:txBody>
+          <a:bodyPr/>
+          <a:lstStyle/>
+          <a:p>
+            <a:fld id="{020F486D-935E-4125-8FD7-C735663CC7DE}" type="slidenum">
+              <a:rPr lang="pt-BR" smtClean="0"/>
+              <a:t>35</a:t>
+            </a:fld>
+            <a:endParaRPr lang="pt-BR"/>
+          </a:p>
+        </p:txBody>
+      </p:sp>
+    </p:spTree>
+    <p:extLst>
+      <p:ext uri="{BB962C8B-B14F-4D97-AF65-F5344CB8AC3E}">
+        <p14:creationId xmlns:p14="http://schemas.microsoft.com/office/powerpoint/2010/main" val="3701135508"/>
+      </p:ext>
+    </p:extLst>
+  </p:cSld>
+  <p:clrMapOvr>
+    <a:masterClrMapping/>
+  </p:clrMapOvr>
+</p:notes>
+</file>
+
+<file path=ppt/notesSlides/notesSlide36.xml><?xml version="1.0" encoding="utf-8"?>
+<p:notes xmlns:a="http://schemas.openxmlformats.org/drawingml/2006/main" xmlns:r="http://schemas.openxmlformats.org/officeDocument/2006/relationships" xmlns:p="http://schemas.openxmlformats.org/presentationml/2006/main">
+  <p:cSld>
+    <p:spTree>
+      <p:nvGrpSpPr>
+        <p:cNvPr id="1" name=""/>
+        <p:cNvGrpSpPr/>
+        <p:nvPr/>
+      </p:nvGrpSpPr>
+      <p:grpSpPr>
+        <a:xfrm>
+          <a:off x="0" y="0"/>
+          <a:ext cx="0" cy="0"/>
+          <a:chOff x="0" y="0"/>
+          <a:chExt cx="0" cy="0"/>
+        </a:xfrm>
+      </p:grpSpPr>
+      <p:sp>
+        <p:nvSpPr>
+          <p:cNvPr id="2" name="Slide Image Placeholder 1"/>
+          <p:cNvSpPr>
+            <a:spLocks noGrp="1" noRot="1" noChangeAspect="1"/>
+          </p:cNvSpPr>
+          <p:nvPr>
+            <p:ph type="sldImg"/>
+          </p:nvPr>
+        </p:nvSpPr>
+        <p:spPr/>
+      </p:sp>
+      <p:sp>
+        <p:nvSpPr>
+          <p:cNvPr id="3" name="Notes Placeholder 2"/>
+          <p:cNvSpPr>
+            <a:spLocks noGrp="1"/>
+          </p:cNvSpPr>
+          <p:nvPr>
+            <p:ph type="body" idx="1"/>
+          </p:nvPr>
+        </p:nvSpPr>
+        <p:spPr/>
+        <p:txBody>
+          <a:bodyPr/>
+          <a:lstStyle/>
+          <a:p>
+            <a:endParaRPr lang="en-US" dirty="0"/>
+          </a:p>
+        </p:txBody>
+      </p:sp>
+      <p:sp>
+        <p:nvSpPr>
+          <p:cNvPr id="4" name="Slide Number Placeholder 3"/>
+          <p:cNvSpPr>
+            <a:spLocks noGrp="1"/>
+          </p:cNvSpPr>
+          <p:nvPr>
+            <p:ph type="sldNum" sz="quarter" idx="5"/>
+          </p:nvPr>
+        </p:nvSpPr>
+        <p:spPr/>
+        <p:txBody>
+          <a:bodyPr/>
+          <a:lstStyle/>
+          <a:p>
+            <a:fld id="{020F486D-935E-4125-8FD7-C735663CC7DE}" type="slidenum">
+              <a:rPr lang="pt-BR" smtClean="0"/>
+              <a:t>36</a:t>
+            </a:fld>
+            <a:endParaRPr lang="pt-BR"/>
+          </a:p>
+        </p:txBody>
+      </p:sp>
+    </p:spTree>
+    <p:extLst>
+      <p:ext uri="{BB962C8B-B14F-4D97-AF65-F5344CB8AC3E}">
+        <p14:creationId xmlns:p14="http://schemas.microsoft.com/office/powerpoint/2010/main" val="4270546382"/>
+      </p:ext>
+    </p:extLst>
+  </p:cSld>
+  <p:clrMapOvr>
+    <a:masterClrMapping/>
+  </p:clrMapOvr>
+</p:notes>
+</file>
+
+<file path=ppt/notesSlides/notesSlide37.xml><?xml version="1.0" encoding="utf-8"?>
+<p:notes xmlns:a="http://schemas.openxmlformats.org/drawingml/2006/main" xmlns:r="http://schemas.openxmlformats.org/officeDocument/2006/relationships" xmlns:p="http://schemas.openxmlformats.org/presentationml/2006/main">
+  <p:cSld>
+    <p:spTree>
+      <p:nvGrpSpPr>
+        <p:cNvPr id="1" name=""/>
+        <p:cNvGrpSpPr/>
+        <p:nvPr/>
+      </p:nvGrpSpPr>
+      <p:grpSpPr>
+        <a:xfrm>
+          <a:off x="0" y="0"/>
+          <a:ext cx="0" cy="0"/>
+          <a:chOff x="0" y="0"/>
+          <a:chExt cx="0" cy="0"/>
+        </a:xfrm>
+      </p:grpSpPr>
+      <p:sp>
+        <p:nvSpPr>
+          <p:cNvPr id="2" name="Slide Image Placeholder 1"/>
+          <p:cNvSpPr>
+            <a:spLocks noGrp="1" noRot="1" noChangeAspect="1"/>
+          </p:cNvSpPr>
+          <p:nvPr>
+            <p:ph type="sldImg"/>
+          </p:nvPr>
+        </p:nvSpPr>
+        <p:spPr/>
+      </p:sp>
+      <p:sp>
+        <p:nvSpPr>
+          <p:cNvPr id="3" name="Notes Placeholder 2"/>
+          <p:cNvSpPr>
+            <a:spLocks noGrp="1"/>
+          </p:cNvSpPr>
+          <p:nvPr>
+            <p:ph type="body" idx="1"/>
+          </p:nvPr>
+        </p:nvSpPr>
+        <p:spPr/>
+        <p:txBody>
+          <a:bodyPr/>
+          <a:lstStyle/>
+          <a:p>
+            <a:endParaRPr lang="en-US" dirty="0"/>
+          </a:p>
+        </p:txBody>
+      </p:sp>
+      <p:sp>
+        <p:nvSpPr>
+          <p:cNvPr id="4" name="Slide Number Placeholder 3"/>
+          <p:cNvSpPr>
+            <a:spLocks noGrp="1"/>
+          </p:cNvSpPr>
+          <p:nvPr>
+            <p:ph type="sldNum" sz="quarter" idx="5"/>
+          </p:nvPr>
+        </p:nvSpPr>
+        <p:spPr/>
+        <p:txBody>
+          <a:bodyPr/>
+          <a:lstStyle/>
+          <a:p>
+            <a:fld id="{020F486D-935E-4125-8FD7-C735663CC7DE}" type="slidenum">
+              <a:rPr lang="pt-BR" smtClean="0"/>
+              <a:t>37</a:t>
+            </a:fld>
+            <a:endParaRPr lang="pt-BR"/>
+          </a:p>
+        </p:txBody>
+      </p:sp>
+    </p:spTree>
+    <p:extLst>
+      <p:ext uri="{BB962C8B-B14F-4D97-AF65-F5344CB8AC3E}">
+        <p14:creationId xmlns:p14="http://schemas.microsoft.com/office/powerpoint/2010/main" val="2458189762"/>
+      </p:ext>
+    </p:extLst>
+  </p:cSld>
+  <p:clrMapOvr>
+    <a:masterClrMapping/>
+  </p:clrMapOvr>
+</p:notes>
+</file>
+
+<file path=ppt/notesSlides/notesSlide38.xml><?xml version="1.0" encoding="utf-8"?>
+<p:notes xmlns:a="http://schemas.openxmlformats.org/drawingml/2006/main" xmlns:r="http://schemas.openxmlformats.org/officeDocument/2006/relationships" xmlns:p="http://schemas.openxmlformats.org/presentationml/2006/main">
+  <p:cSld>
+    <p:spTree>
+      <p:nvGrpSpPr>
+        <p:cNvPr id="1" name=""/>
+        <p:cNvGrpSpPr/>
+        <p:nvPr/>
+      </p:nvGrpSpPr>
+      <p:grpSpPr>
+        <a:xfrm>
+          <a:off x="0" y="0"/>
+          <a:ext cx="0" cy="0"/>
+          <a:chOff x="0" y="0"/>
+          <a:chExt cx="0" cy="0"/>
+        </a:xfrm>
+      </p:grpSpPr>
+      <p:sp>
+        <p:nvSpPr>
+          <p:cNvPr id="2" name="Slide Image Placeholder 1"/>
+          <p:cNvSpPr>
+            <a:spLocks noGrp="1" noRot="1" noChangeAspect="1"/>
+          </p:cNvSpPr>
+          <p:nvPr>
+            <p:ph type="sldImg"/>
+          </p:nvPr>
+        </p:nvSpPr>
+        <p:spPr/>
+      </p:sp>
+      <p:sp>
+        <p:nvSpPr>
+          <p:cNvPr id="3" name="Notes Placeholder 2"/>
+          <p:cNvSpPr>
+            <a:spLocks noGrp="1"/>
+          </p:cNvSpPr>
+          <p:nvPr>
+            <p:ph type="body" idx="1"/>
+          </p:nvPr>
+        </p:nvSpPr>
+        <p:spPr/>
+        <p:txBody>
+          <a:bodyPr/>
+          <a:lstStyle/>
+          <a:p>
+            <a:endParaRPr lang="en-US" dirty="0"/>
+          </a:p>
+        </p:txBody>
+      </p:sp>
+      <p:sp>
+        <p:nvSpPr>
+          <p:cNvPr id="4" name="Slide Number Placeholder 3"/>
+          <p:cNvSpPr>
+            <a:spLocks noGrp="1"/>
+          </p:cNvSpPr>
+          <p:nvPr>
+            <p:ph type="sldNum" sz="quarter" idx="5"/>
+          </p:nvPr>
+        </p:nvSpPr>
+        <p:spPr/>
+        <p:txBody>
+          <a:bodyPr/>
+          <a:lstStyle/>
+          <a:p>
+            <a:fld id="{020F486D-935E-4125-8FD7-C735663CC7DE}" type="slidenum">
+              <a:rPr lang="pt-BR" smtClean="0"/>
+              <a:t>38</a:t>
+            </a:fld>
+            <a:endParaRPr lang="pt-BR"/>
+          </a:p>
+        </p:txBody>
+      </p:sp>
+    </p:spTree>
+    <p:extLst>
+      <p:ext uri="{BB962C8B-B14F-4D97-AF65-F5344CB8AC3E}">
+        <p14:creationId xmlns:p14="http://schemas.microsoft.com/office/powerpoint/2010/main" val="1363971774"/>
+      </p:ext>
+    </p:extLst>
+  </p:cSld>
+  <p:clrMapOvr>
+    <a:masterClrMapping/>
+  </p:clrMapOvr>
+</p:notes>
+</file>
+
+<file path=ppt/notesSlides/notesSlide39.xml><?xml version="1.0" encoding="utf-8"?>
+<p:notes xmlns:a="http://schemas.openxmlformats.org/drawingml/2006/main" xmlns:r="http://schemas.openxmlformats.org/officeDocument/2006/relationships" xmlns:p="http://schemas.openxmlformats.org/presentationml/2006/main">
+  <p:cSld>
+    <p:spTree>
+      <p:nvGrpSpPr>
+        <p:cNvPr id="1" name=""/>
+        <p:cNvGrpSpPr/>
+        <p:nvPr/>
+      </p:nvGrpSpPr>
+      <p:grpSpPr>
+        <a:xfrm>
+          <a:off x="0" y="0"/>
+          <a:ext cx="0" cy="0"/>
+          <a:chOff x="0" y="0"/>
+          <a:chExt cx="0" cy="0"/>
+        </a:xfrm>
+      </p:grpSpPr>
+      <p:sp>
+        <p:nvSpPr>
+          <p:cNvPr id="2" name="Slide Image Placeholder 1"/>
+          <p:cNvSpPr>
+            <a:spLocks noGrp="1" noRot="1" noChangeAspect="1"/>
+          </p:cNvSpPr>
+          <p:nvPr>
+            <p:ph type="sldImg"/>
+          </p:nvPr>
+        </p:nvSpPr>
+        <p:spPr/>
+      </p:sp>
+      <p:sp>
+        <p:nvSpPr>
+          <p:cNvPr id="3" name="Notes Placeholder 2"/>
+          <p:cNvSpPr>
+            <a:spLocks noGrp="1"/>
+          </p:cNvSpPr>
+          <p:nvPr>
+            <p:ph type="body" idx="1"/>
+          </p:nvPr>
+        </p:nvSpPr>
+        <p:spPr/>
+        <p:txBody>
+          <a:bodyPr/>
+          <a:lstStyle/>
+          <a:p>
+            <a:endParaRPr lang="en-US" dirty="0"/>
+          </a:p>
+        </p:txBody>
+      </p:sp>
+      <p:sp>
+        <p:nvSpPr>
+          <p:cNvPr id="4" name="Slide Number Placeholder 3"/>
+          <p:cNvSpPr>
+            <a:spLocks noGrp="1"/>
+          </p:cNvSpPr>
+          <p:nvPr>
+            <p:ph type="sldNum" sz="quarter" idx="5"/>
+          </p:nvPr>
+        </p:nvSpPr>
+        <p:spPr/>
+        <p:txBody>
+          <a:bodyPr/>
+          <a:lstStyle/>
+          <a:p>
+            <a:fld id="{020F486D-935E-4125-8FD7-C735663CC7DE}" type="slidenum">
+              <a:rPr lang="pt-BR" smtClean="0"/>
+              <a:t>39</a:t>
+            </a:fld>
+            <a:endParaRPr lang="pt-BR"/>
+          </a:p>
+        </p:txBody>
+      </p:sp>
+    </p:spTree>
+    <p:extLst>
+      <p:ext uri="{BB962C8B-B14F-4D97-AF65-F5344CB8AC3E}">
+        <p14:creationId xmlns:p14="http://schemas.microsoft.com/office/powerpoint/2010/main" val="676528111"/>
       </p:ext>
     </p:extLst>
   </p:cSld>
@@ -2923,7 +3349,91 @@
     </p:spTree>
     <p:extLst>
       <p:ext uri="{BB962C8B-B14F-4D97-AF65-F5344CB8AC3E}">
-        <p14:creationId xmlns:p14="http://schemas.microsoft.com/office/powerpoint/2010/main" val="2257404429"/>
+        <p14:creationId xmlns:p14="http://schemas.microsoft.com/office/powerpoint/2010/main" val="2488396558"/>
+      </p:ext>
+    </p:extLst>
+  </p:cSld>
+  <p:clrMapOvr>
+    <a:masterClrMapping/>
+  </p:clrMapOvr>
+</p:notes>
+</file>
+
+<file path=ppt/notesSlides/notesSlide40.xml><?xml version="1.0" encoding="utf-8"?>
+<p:notes xmlns:a="http://schemas.openxmlformats.org/drawingml/2006/main" xmlns:r="http://schemas.openxmlformats.org/officeDocument/2006/relationships" xmlns:p="http://schemas.openxmlformats.org/presentationml/2006/main">
+  <p:cSld>
+    <p:spTree>
+      <p:nvGrpSpPr>
+        <p:cNvPr id="1" name=""/>
+        <p:cNvGrpSpPr/>
+        <p:nvPr/>
+      </p:nvGrpSpPr>
+      <p:grpSpPr>
+        <a:xfrm>
+          <a:off x="0" y="0"/>
+          <a:ext cx="0" cy="0"/>
+          <a:chOff x="0" y="0"/>
+          <a:chExt cx="0" cy="0"/>
+        </a:xfrm>
+      </p:grpSpPr>
+      <p:sp>
+        <p:nvSpPr>
+          <p:cNvPr id="2" name="Slide Image Placeholder 1"/>
+          <p:cNvSpPr>
+            <a:spLocks noGrp="1" noRot="1" noChangeAspect="1"/>
+          </p:cNvSpPr>
+          <p:nvPr>
+            <p:ph type="sldImg"/>
+          </p:nvPr>
+        </p:nvSpPr>
+        <p:spPr/>
+      </p:sp>
+      <p:sp>
+        <p:nvSpPr>
+          <p:cNvPr id="3" name="Notes Placeholder 2"/>
+          <p:cNvSpPr>
+            <a:spLocks noGrp="1"/>
+          </p:cNvSpPr>
+          <p:nvPr>
+            <p:ph type="body" idx="1"/>
+          </p:nvPr>
+        </p:nvSpPr>
+        <p:spPr/>
+        <p:txBody>
+          <a:bodyPr/>
+          <a:lstStyle/>
+          <a:p>
+            <a:endParaRPr lang="pt-BR" dirty="0"/>
+          </a:p>
+        </p:txBody>
+      </p:sp>
+      <p:sp>
+        <p:nvSpPr>
+          <p:cNvPr id="4" name="Slide Number Placeholder 3"/>
+          <p:cNvSpPr>
+            <a:spLocks noGrp="1"/>
+          </p:cNvSpPr>
+          <p:nvPr>
+            <p:ph type="sldNum" sz="quarter" idx="5"/>
+          </p:nvPr>
+        </p:nvSpPr>
+        <p:spPr/>
+        <p:txBody>
+          <a:bodyPr/>
+          <a:lstStyle/>
+          <a:p>
+            <a:fld id="{020F486D-935E-4125-8FD7-C735663CC7DE}" type="slidenum">
+              <a:rPr lang="pt-BR" smtClean="0"/>
+              <a:t>40</a:t>
+            </a:fld>
+            <a:endParaRPr lang="pt-BR"/>
+          </a:p>
+        </p:txBody>
+      </p:sp>
+    </p:spTree>
+    <p:extLst>
+      <p:ext uri="{BB962C8B-B14F-4D97-AF65-F5344CB8AC3E}">
+        <p14:creationId xmlns:p14="http://schemas.microsoft.com/office/powerpoint/2010/main" val="1008064520"/>
       </p:ext>
     </p:extLst>
   </p:cSld>
@@ -3007,7 +3517,7 @@
     </p:spTree>
     <p:extLst>
       <p:ext uri="{BB962C8B-B14F-4D97-AF65-F5344CB8AC3E}">
-        <p14:creationId xmlns:p14="http://schemas.microsoft.com/office/powerpoint/2010/main" val="3663502361"/>
+        <p14:creationId xmlns:p14="http://schemas.microsoft.com/office/powerpoint/2010/main" val="2257404429"/>
       </p:ext>
     </p:extLst>
   </p:cSld>
@@ -3091,7 +3601,7 @@
     </p:spTree>
     <p:extLst>
       <p:ext uri="{BB962C8B-B14F-4D97-AF65-F5344CB8AC3E}">
-        <p14:creationId xmlns:p14="http://schemas.microsoft.com/office/powerpoint/2010/main" val="4278718632"/>
+        <p14:creationId xmlns:p14="http://schemas.microsoft.com/office/powerpoint/2010/main" val="3663502361"/>
       </p:ext>
     </p:extLst>
   </p:cSld>
@@ -3175,7 +3685,7 @@
     </p:spTree>
     <p:extLst>
       <p:ext uri="{BB962C8B-B14F-4D97-AF65-F5344CB8AC3E}">
-        <p14:creationId xmlns:p14="http://schemas.microsoft.com/office/powerpoint/2010/main" val="3368416053"/>
+        <p14:creationId xmlns:p14="http://schemas.microsoft.com/office/powerpoint/2010/main" val="4278718632"/>
       </p:ext>
     </p:extLst>
   </p:cSld>
@@ -3259,7 +3769,7 @@
     </p:spTree>
     <p:extLst>
       <p:ext uri="{BB962C8B-B14F-4D97-AF65-F5344CB8AC3E}">
-        <p14:creationId xmlns:p14="http://schemas.microsoft.com/office/powerpoint/2010/main" val="1743046203"/>
+        <p14:creationId xmlns:p14="http://schemas.microsoft.com/office/powerpoint/2010/main" val="3368416053"/>
       </p:ext>
     </p:extLst>
   </p:cSld>
@@ -3343,7 +3853,7 @@
     </p:spTree>
     <p:extLst>
       <p:ext uri="{BB962C8B-B14F-4D97-AF65-F5344CB8AC3E}">
-        <p14:creationId xmlns:p14="http://schemas.microsoft.com/office/powerpoint/2010/main" val="3191202635"/>
+        <p14:creationId xmlns:p14="http://schemas.microsoft.com/office/powerpoint/2010/main" val="1743046203"/>
       </p:ext>
     </p:extLst>
   </p:cSld>
@@ -3512,7 +4022,7 @@
           <a:p>
             <a:fld id="{9642BF85-54FF-46CE-B398-87F998CFD60B}" type="datetimeFigureOut">
               <a:rPr lang="pt-BR" smtClean="0"/>
-              <a:t>07/02/2020</a:t>
+              <a:t>11/02/2020</a:t>
             </a:fld>
             <a:endParaRPr lang="pt-BR"/>
           </a:p>
@@ -3680,7 +4190,7 @@
           <a:p>
             <a:fld id="{9642BF85-54FF-46CE-B398-87F998CFD60B}" type="datetimeFigureOut">
               <a:rPr lang="pt-BR" smtClean="0"/>
-              <a:t>07/02/2020</a:t>
+              <a:t>11/02/2020</a:t>
             </a:fld>
             <a:endParaRPr lang="pt-BR"/>
           </a:p>
@@ -3858,7 +4368,7 @@
           <a:p>
             <a:fld id="{9642BF85-54FF-46CE-B398-87F998CFD60B}" type="datetimeFigureOut">
               <a:rPr lang="pt-BR" smtClean="0"/>
-              <a:t>07/02/2020</a:t>
+              <a:t>11/02/2020</a:t>
             </a:fld>
             <a:endParaRPr lang="pt-BR"/>
           </a:p>
@@ -4195,7 +4705,7 @@
           <a:p>
             <a:fld id="{9642BF85-54FF-46CE-B398-87F998CFD60B}" type="datetimeFigureOut">
               <a:rPr lang="pt-BR" smtClean="0"/>
-              <a:t>07/02/2020</a:t>
+              <a:t>11/02/2020</a:t>
             </a:fld>
             <a:endParaRPr lang="pt-BR"/>
           </a:p>
@@ -4466,7 +4976,7 @@
           <a:p>
             <a:fld id="{9642BF85-54FF-46CE-B398-87F998CFD60B}" type="datetimeFigureOut">
               <a:rPr lang="pt-BR" smtClean="0"/>
-              <a:t>07/02/2020</a:t>
+              <a:t>11/02/2020</a:t>
             </a:fld>
             <a:endParaRPr lang="pt-BR"/>
           </a:p>
@@ -4712,7 +5222,7 @@
           <a:p>
             <a:fld id="{9642BF85-54FF-46CE-B398-87F998CFD60B}" type="datetimeFigureOut">
               <a:rPr lang="pt-BR" smtClean="0"/>
-              <a:t>07/02/2020</a:t>
+              <a:t>11/02/2020</a:t>
             </a:fld>
             <a:endParaRPr lang="pt-BR"/>
           </a:p>
@@ -5076,7 +5586,7 @@
           <a:p>
             <a:fld id="{9642BF85-54FF-46CE-B398-87F998CFD60B}" type="datetimeFigureOut">
               <a:rPr lang="pt-BR" smtClean="0"/>
-              <a:t>07/02/2020</a:t>
+              <a:t>11/02/2020</a:t>
             </a:fld>
             <a:endParaRPr lang="pt-BR"/>
           </a:p>
@@ -5210,7 +5720,7 @@
           <a:p>
             <a:fld id="{9642BF85-54FF-46CE-B398-87F998CFD60B}" type="datetimeFigureOut">
               <a:rPr lang="pt-BR" smtClean="0"/>
-              <a:t>07/02/2020</a:t>
+              <a:t>11/02/2020</a:t>
             </a:fld>
             <a:endParaRPr lang="pt-BR"/>
           </a:p>
@@ -5305,7 +5815,7 @@
           <a:p>
             <a:fld id="{9642BF85-54FF-46CE-B398-87F998CFD60B}" type="datetimeFigureOut">
               <a:rPr lang="pt-BR" smtClean="0"/>
-              <a:t>07/02/2020</a:t>
+              <a:t>11/02/2020</a:t>
             </a:fld>
             <a:endParaRPr lang="pt-BR"/>
           </a:p>
@@ -5580,7 +6090,7 @@
           <a:p>
             <a:fld id="{9642BF85-54FF-46CE-B398-87F998CFD60B}" type="datetimeFigureOut">
               <a:rPr lang="pt-BR" smtClean="0"/>
-              <a:t>07/02/2020</a:t>
+              <a:t>11/02/2020</a:t>
             </a:fld>
             <a:endParaRPr lang="pt-BR"/>
           </a:p>
@@ -5832,7 +6342,7 @@
           <a:p>
             <a:fld id="{9642BF85-54FF-46CE-B398-87F998CFD60B}" type="datetimeFigureOut">
               <a:rPr lang="pt-BR" smtClean="0"/>
-              <a:t>07/02/2020</a:t>
+              <a:t>11/02/2020</a:t>
             </a:fld>
             <a:endParaRPr lang="pt-BR"/>
           </a:p>
@@ -6052,7 +6562,7 @@
           <a:p>
             <a:fld id="{9642BF85-54FF-46CE-B398-87F998CFD60B}" type="datetimeFigureOut">
               <a:rPr lang="pt-BR" smtClean="0"/>
-              <a:t>07/02/2020</a:t>
+              <a:t>11/02/2020</a:t>
             </a:fld>
             <a:endParaRPr lang="pt-BR"/>
           </a:p>
@@ -6580,7 +7090,7 @@
           <a:p>
             <a:r>
               <a:rPr lang="pt-BR" dirty="0"/>
-              <a:t>Adição de scripts necessários</a:t>
+              <a:t>Página inicial</a:t>
             </a:r>
           </a:p>
         </p:txBody>
@@ -6607,31 +7117,44 @@
               <a:t>No arquivo </a:t>
             </a:r>
             <a:r>
+              <a:rPr lang="pt-BR" dirty="0">
+                <a:latin typeface="Courier New" panose="02070309020205020404" pitchFamily="49" charset="0"/>
+                <a:cs typeface="Courier New" panose="02070309020205020404" pitchFamily="49" charset="0"/>
+              </a:rPr>
+              <a:t>front-</a:t>
+            </a:r>
+            <a:r>
               <a:rPr lang="pt-BR" dirty="0" err="1">
                 <a:latin typeface="Courier New" panose="02070309020205020404" pitchFamily="49" charset="0"/>
                 <a:cs typeface="Courier New" panose="02070309020205020404" pitchFamily="49" charset="0"/>
               </a:rPr>
+              <a:t>page.php</a:t>
+            </a:r>
+            <a:r>
+              <a:rPr lang="pt-BR" dirty="0"/>
+              <a:t>, insira o código que adicionará o conteúdo dos arquivos </a:t>
+            </a:r>
+            <a:r>
+              <a:rPr lang="pt-BR" dirty="0" err="1">
+                <a:latin typeface="Courier New" panose="02070309020205020404" pitchFamily="49" charset="0"/>
+                <a:cs typeface="Courier New" panose="02070309020205020404" pitchFamily="49" charset="0"/>
+              </a:rPr>
+              <a:t>header.php</a:t>
+            </a:r>
+            <a:r>
+              <a:rPr lang="pt-BR" dirty="0"/>
+              <a:t> e </a:t>
+            </a:r>
+            <a:r>
+              <a:rPr lang="pt-BR" dirty="0" err="1">
+                <a:latin typeface="Courier New" panose="02070309020205020404" pitchFamily="49" charset="0"/>
+                <a:cs typeface="Courier New" panose="02070309020205020404" pitchFamily="49" charset="0"/>
+              </a:rPr>
               <a:t>footer.php</a:t>
             </a:r>
             <a:r>
               <a:rPr lang="pt-BR" dirty="0"/>
-              <a:t>, antes do fechamento da </a:t>
-            </a:r>
-            <a:r>
-              <a:rPr lang="pt-BR" dirty="0" err="1"/>
-              <a:t>tag</a:t>
-            </a:r>
-            <a:r>
-              <a:rPr lang="pt-BR" dirty="0"/>
-              <a:t> </a:t>
-            </a:r>
-            <a:r>
-              <a:rPr lang="pt-BR" dirty="0" err="1"/>
-              <a:t>body</a:t>
-            </a:r>
-            <a:r>
-              <a:rPr lang="pt-BR" dirty="0"/>
-              <a:t>, insira o código que adicionará os scripts que devem ficar no final das páginas:</a:t>
+              <a:t>:</a:t>
             </a:r>
           </a:p>
           <a:p>
@@ -6648,7 +7171,31 @@
                 <a:latin typeface="Courier New" panose="02070309020205020404" pitchFamily="49" charset="0"/>
                 <a:cs typeface="Courier New" panose="02070309020205020404" pitchFamily="49" charset="0"/>
               </a:rPr>
-              <a:t>wp_footer</a:t>
+              <a:t>get_header</a:t>
+            </a:r>
+            <a:r>
+              <a:rPr lang="en-US" dirty="0">
+                <a:latin typeface="Courier New" panose="02070309020205020404" pitchFamily="49" charset="0"/>
+                <a:cs typeface="Courier New" panose="02070309020205020404" pitchFamily="49" charset="0"/>
+              </a:rPr>
+              <a:t>(); ?&gt;</a:t>
+            </a:r>
+          </a:p>
+          <a:p>
+            <a:pPr algn="l"/>
+            <a:r>
+              <a:rPr lang="en-US" dirty="0">
+                <a:latin typeface="Courier New" panose="02070309020205020404" pitchFamily="49" charset="0"/>
+                <a:cs typeface="Courier New" panose="02070309020205020404" pitchFamily="49" charset="0"/>
+              </a:rPr>
+              <a:t>&lt;?php </a:t>
+            </a:r>
+            <a:r>
+              <a:rPr lang="en-US" dirty="0" err="1">
+                <a:latin typeface="Courier New" panose="02070309020205020404" pitchFamily="49" charset="0"/>
+                <a:cs typeface="Courier New" panose="02070309020205020404" pitchFamily="49" charset="0"/>
+              </a:rPr>
+              <a:t>get_footer</a:t>
             </a:r>
             <a:r>
               <a:rPr lang="en-US" dirty="0">
@@ -6667,7 +7214,7 @@
     </p:spTree>
     <p:extLst>
       <p:ext uri="{BB962C8B-B14F-4D97-AF65-F5344CB8AC3E}">
-        <p14:creationId xmlns:p14="http://schemas.microsoft.com/office/powerpoint/2010/main" val="548694929"/>
+        <p14:creationId xmlns:p14="http://schemas.microsoft.com/office/powerpoint/2010/main" val="2769387917"/>
       </p:ext>
     </p:extLst>
   </p:cSld>
@@ -6742,36 +7289,27 @@
                 <a:latin typeface="Courier New" panose="02070309020205020404" pitchFamily="49" charset="0"/>
                 <a:cs typeface="Courier New" panose="02070309020205020404" pitchFamily="49" charset="0"/>
               </a:rPr>
-              <a:t>header.php</a:t>
-            </a:r>
-            <a:r>
-              <a:rPr lang="pt-BR" dirty="0"/>
-              <a:t>, dentro do elemento </a:t>
-            </a:r>
-            <a:r>
-              <a:rPr lang="pt-BR" dirty="0">
-                <a:latin typeface="Courier New" panose="02070309020205020404" pitchFamily="49" charset="0"/>
-                <a:cs typeface="Courier New" panose="02070309020205020404" pitchFamily="49" charset="0"/>
-              </a:rPr>
-              <a:t>&lt;</a:t>
-            </a:r>
-            <a:r>
-              <a:rPr lang="pt-BR" dirty="0" err="1">
-                <a:latin typeface="Courier New" panose="02070309020205020404" pitchFamily="49" charset="0"/>
-                <a:cs typeface="Courier New" panose="02070309020205020404" pitchFamily="49" charset="0"/>
-              </a:rPr>
-              <a:t>head</a:t>
-            </a:r>
-            <a:r>
-              <a:rPr lang="pt-BR" dirty="0">
-                <a:latin typeface="Courier New" panose="02070309020205020404" pitchFamily="49" charset="0"/>
-                <a:cs typeface="Courier New" panose="02070309020205020404" pitchFamily="49" charset="0"/>
-              </a:rPr>
-              <a:t>&gt;</a:t>
-            </a:r>
-            <a:r>
-              <a:rPr lang="pt-BR" dirty="0"/>
-              <a:t>, insira o código que adicionará os scripts que devem ficar no início das páginas:</a:t>
+              <a:t>footer.php</a:t>
+            </a:r>
+            <a:r>
+              <a:rPr lang="pt-BR" dirty="0"/>
+              <a:t>, antes do fechamento da </a:t>
+            </a:r>
+            <a:r>
+              <a:rPr lang="pt-BR" dirty="0" err="1"/>
+              <a:t>tag</a:t>
+            </a:r>
+            <a:r>
+              <a:rPr lang="pt-BR" dirty="0"/>
+              <a:t> </a:t>
+            </a:r>
+            <a:r>
+              <a:rPr lang="pt-BR" dirty="0" err="1"/>
+              <a:t>body</a:t>
+            </a:r>
+            <a:r>
+              <a:rPr lang="pt-BR" dirty="0"/>
+              <a:t>, insira o código que adicionará os scripts que devem ficar no final das páginas:</a:t>
             </a:r>
           </a:p>
           <a:p>
@@ -6788,7 +7326,7 @@
                 <a:latin typeface="Courier New" panose="02070309020205020404" pitchFamily="49" charset="0"/>
                 <a:cs typeface="Courier New" panose="02070309020205020404" pitchFamily="49" charset="0"/>
               </a:rPr>
-              <a:t>wp_head</a:t>
+              <a:t>wp_footer</a:t>
             </a:r>
             <a:r>
               <a:rPr lang="en-US" dirty="0">
@@ -6807,7 +7345,7 @@
     </p:spTree>
     <p:extLst>
       <p:ext uri="{BB962C8B-B14F-4D97-AF65-F5344CB8AC3E}">
-        <p14:creationId xmlns:p14="http://schemas.microsoft.com/office/powerpoint/2010/main" val="3855399896"/>
+        <p14:creationId xmlns:p14="http://schemas.microsoft.com/office/powerpoint/2010/main" val="548694929"/>
       </p:ext>
     </p:extLst>
   </p:cSld>
@@ -6851,28 +7389,7 @@
           <a:p>
             <a:r>
               <a:rPr lang="pt-BR" dirty="0"/>
-              <a:t>Adição de classe no elemento </a:t>
-            </a:r>
-            <a:r>
-              <a:rPr lang="pt-BR" dirty="0">
-                <a:latin typeface="Courier New" panose="02070309020205020404" pitchFamily="49" charset="0"/>
-                <a:cs typeface="Courier New" panose="02070309020205020404" pitchFamily="49" charset="0"/>
-              </a:rPr>
-              <a:t>&lt;</a:t>
-            </a:r>
-            <a:r>
-              <a:rPr lang="pt-BR" dirty="0" err="1">
-                <a:latin typeface="Courier New" panose="02070309020205020404" pitchFamily="49" charset="0"/>
-                <a:cs typeface="Courier New" panose="02070309020205020404" pitchFamily="49" charset="0"/>
-              </a:rPr>
-              <a:t>body</a:t>
-            </a:r>
-            <a:r>
-              <a:rPr lang="pt-BR" dirty="0">
-                <a:latin typeface="Courier New" panose="02070309020205020404" pitchFamily="49" charset="0"/>
-                <a:cs typeface="Courier New" panose="02070309020205020404" pitchFamily="49" charset="0"/>
-              </a:rPr>
-              <a:t>&gt;</a:t>
+              <a:t>Adição de scripts necessários</a:t>
             </a:r>
           </a:p>
         </p:txBody>
@@ -6899,36 +7416,40 @@
               <a:t>No arquivo </a:t>
             </a:r>
             <a:r>
-              <a:rPr lang="pt-BR" dirty="0" err="1"/>
+              <a:rPr lang="pt-BR" dirty="0" err="1">
+                <a:latin typeface="Courier New" panose="02070309020205020404" pitchFamily="49" charset="0"/>
+                <a:cs typeface="Courier New" panose="02070309020205020404" pitchFamily="49" charset="0"/>
+              </a:rPr>
               <a:t>header.php</a:t>
             </a:r>
             <a:r>
               <a:rPr lang="pt-BR" dirty="0"/>
-              <a:t>, insira o código na </a:t>
-            </a:r>
-            <a:r>
-              <a:rPr lang="pt-BR" dirty="0" err="1"/>
-              <a:t>tag</a:t>
-            </a:r>
-            <a:r>
-              <a:rPr lang="pt-BR" dirty="0"/>
-              <a:t> </a:t>
-            </a:r>
-            <a:r>
-              <a:rPr lang="pt-BR" dirty="0" err="1"/>
-              <a:t>body</a:t>
-            </a:r>
-            <a:r>
-              <a:rPr lang="pt-BR" dirty="0"/>
-              <a:t> que adicionará as classes necessárias para a estrutura da página no </a:t>
-            </a:r>
-            <a:r>
-              <a:rPr lang="pt-BR" dirty="0" err="1"/>
-              <a:t>wordpress</a:t>
-            </a:r>
-            <a:r>
-              <a:rPr lang="pt-BR" dirty="0"/>
-              <a:t>:</a:t>
+              <a:t>, dentro do elemento </a:t>
+            </a:r>
+            <a:r>
+              <a:rPr lang="pt-BR" dirty="0">
+                <a:latin typeface="Courier New" panose="02070309020205020404" pitchFamily="49" charset="0"/>
+                <a:cs typeface="Courier New" panose="02070309020205020404" pitchFamily="49" charset="0"/>
+              </a:rPr>
+              <a:t>&lt;</a:t>
+            </a:r>
+            <a:r>
+              <a:rPr lang="pt-BR" dirty="0" err="1">
+                <a:latin typeface="Courier New" panose="02070309020205020404" pitchFamily="49" charset="0"/>
+                <a:cs typeface="Courier New" panose="02070309020205020404" pitchFamily="49" charset="0"/>
+              </a:rPr>
+              <a:t>head</a:t>
+            </a:r>
+            <a:r>
+              <a:rPr lang="pt-BR" dirty="0">
+                <a:latin typeface="Courier New" panose="02070309020205020404" pitchFamily="49" charset="0"/>
+                <a:cs typeface="Courier New" panose="02070309020205020404" pitchFamily="49" charset="0"/>
+              </a:rPr>
+              <a:t>&gt;</a:t>
+            </a:r>
+            <a:r>
+              <a:rPr lang="pt-BR" dirty="0"/>
+              <a:t>, insira o código que adicionará os scripts que devem ficar no início das páginas:</a:t>
             </a:r>
           </a:p>
           <a:p>
@@ -6938,21 +7459,21 @@
                 <a:latin typeface="Courier New" panose="02070309020205020404" pitchFamily="49" charset="0"/>
                 <a:cs typeface="Courier New" panose="02070309020205020404" pitchFamily="49" charset="0"/>
               </a:rPr>
-              <a:t>&lt;body &lt;?php </a:t>
+              <a:t>&lt;?php </a:t>
             </a:r>
             <a:r>
               <a:rPr lang="en-US" dirty="0" err="1">
                 <a:latin typeface="Courier New" panose="02070309020205020404" pitchFamily="49" charset="0"/>
                 <a:cs typeface="Courier New" panose="02070309020205020404" pitchFamily="49" charset="0"/>
               </a:rPr>
-              <a:t>body_class</a:t>
-            </a:r>
-            <a:r>
-              <a:rPr lang="en-US" dirty="0">
-                <a:latin typeface="Courier New" panose="02070309020205020404" pitchFamily="49" charset="0"/>
-                <a:cs typeface="Courier New" panose="02070309020205020404" pitchFamily="49" charset="0"/>
-              </a:rPr>
-              <a:t>(); ?&gt;&gt;</a:t>
+              <a:t>wp_head</a:t>
+            </a:r>
+            <a:r>
+              <a:rPr lang="en-US" dirty="0">
+                <a:latin typeface="Courier New" panose="02070309020205020404" pitchFamily="49" charset="0"/>
+                <a:cs typeface="Courier New" panose="02070309020205020404" pitchFamily="49" charset="0"/>
+              </a:rPr>
+              <a:t>(); ?&gt;</a:t>
             </a:r>
             <a:endParaRPr lang="pt-BR" dirty="0">
               <a:latin typeface="Courier New" panose="02070309020205020404" pitchFamily="49" charset="0"/>
@@ -6964,7 +7485,7 @@
     </p:spTree>
     <p:extLst>
       <p:ext uri="{BB962C8B-B14F-4D97-AF65-F5344CB8AC3E}">
-        <p14:creationId xmlns:p14="http://schemas.microsoft.com/office/powerpoint/2010/main" val="2565023380"/>
+        <p14:creationId xmlns:p14="http://schemas.microsoft.com/office/powerpoint/2010/main" val="3855399896"/>
       </p:ext>
     </p:extLst>
   </p:cSld>
@@ -7008,7 +7529,28 @@
           <a:p>
             <a:r>
               <a:rPr lang="pt-BR" dirty="0"/>
-              <a:t>Visualização do site</a:t>
+              <a:t>Adição de classe no elemento </a:t>
+            </a:r>
+            <a:r>
+              <a:rPr lang="pt-BR" dirty="0">
+                <a:latin typeface="Courier New" panose="02070309020205020404" pitchFamily="49" charset="0"/>
+                <a:cs typeface="Courier New" panose="02070309020205020404" pitchFamily="49" charset="0"/>
+              </a:rPr>
+              <a:t>&lt;</a:t>
+            </a:r>
+            <a:r>
+              <a:rPr lang="pt-BR" dirty="0" err="1">
+                <a:latin typeface="Courier New" panose="02070309020205020404" pitchFamily="49" charset="0"/>
+                <a:cs typeface="Courier New" panose="02070309020205020404" pitchFamily="49" charset="0"/>
+              </a:rPr>
+              <a:t>body</a:t>
+            </a:r>
+            <a:r>
+              <a:rPr lang="pt-BR" dirty="0">
+                <a:latin typeface="Courier New" panose="02070309020205020404" pitchFamily="49" charset="0"/>
+                <a:cs typeface="Courier New" panose="02070309020205020404" pitchFamily="49" charset="0"/>
+              </a:rPr>
+              <a:t>&gt;</a:t>
             </a:r>
           </a:p>
         </p:txBody>
@@ -7032,11 +7574,66 @@
           <a:p>
             <a:r>
               <a:rPr lang="pt-BR" dirty="0"/>
-              <a:t>Visualize o site e, usando as ferramentas para desenvolvedores, inspecione os códigos inseridos pelas funções usadas até o momento</a:t>
-            </a:r>
-            <a:r>
-              <a:rPr lang="en-US" dirty="0"/>
-              <a:t>.</a:t>
+              <a:t>No arquivo </a:t>
+            </a:r>
+            <a:r>
+              <a:rPr lang="pt-BR" dirty="0" err="1">
+                <a:latin typeface="Courier New" panose="02070309020205020404" pitchFamily="49" charset="0"/>
+                <a:cs typeface="Courier New" panose="02070309020205020404" pitchFamily="49" charset="0"/>
+              </a:rPr>
+              <a:t>header.php</a:t>
+            </a:r>
+            <a:r>
+              <a:rPr lang="pt-BR" dirty="0"/>
+              <a:t>, insira o código na </a:t>
+            </a:r>
+            <a:r>
+              <a:rPr lang="pt-BR" dirty="0" err="1"/>
+              <a:t>tag</a:t>
+            </a:r>
+            <a:r>
+              <a:rPr lang="pt-BR" dirty="0"/>
+              <a:t> </a:t>
+            </a:r>
+            <a:r>
+              <a:rPr lang="pt-BR" dirty="0" err="1"/>
+              <a:t>body</a:t>
+            </a:r>
+            <a:r>
+              <a:rPr lang="pt-BR" dirty="0"/>
+              <a:t> que adicionará as classes necessárias para a estrutura da página no </a:t>
+            </a:r>
+            <a:r>
+              <a:rPr lang="pt-BR" dirty="0" err="1"/>
+              <a:t>Wordpress</a:t>
+            </a:r>
+            <a:r>
+              <a:rPr lang="pt-BR" dirty="0"/>
+              <a:t>:</a:t>
+            </a:r>
+          </a:p>
+          <a:p>
+            <a:pPr algn="l"/>
+            <a:r>
+              <a:rPr lang="en-US" dirty="0">
+                <a:latin typeface="Courier New" panose="02070309020205020404" pitchFamily="49" charset="0"/>
+                <a:cs typeface="Courier New" panose="02070309020205020404" pitchFamily="49" charset="0"/>
+              </a:rPr>
+              <a:t>&lt;body &lt;?php </a:t>
+            </a:r>
+            <a:r>
+              <a:rPr lang="en-US" dirty="0" err="1">
+                <a:latin typeface="Courier New" panose="02070309020205020404" pitchFamily="49" charset="0"/>
+                <a:cs typeface="Courier New" panose="02070309020205020404" pitchFamily="49" charset="0"/>
+              </a:rPr>
+              <a:t>body_class</a:t>
+            </a:r>
+            <a:r>
+              <a:rPr lang="en-US" dirty="0">
+                <a:latin typeface="Courier New" panose="02070309020205020404" pitchFamily="49" charset="0"/>
+                <a:cs typeface="Courier New" panose="02070309020205020404" pitchFamily="49" charset="0"/>
+              </a:rPr>
+              <a:t>(); ?&gt;&gt;</a:t>
             </a:r>
             <a:endParaRPr lang="pt-BR" dirty="0">
               <a:latin typeface="Courier New" panose="02070309020205020404" pitchFamily="49" charset="0"/>
@@ -7048,7 +7645,7 @@
     </p:spTree>
     <p:extLst>
       <p:ext uri="{BB962C8B-B14F-4D97-AF65-F5344CB8AC3E}">
-        <p14:creationId xmlns:p14="http://schemas.microsoft.com/office/powerpoint/2010/main" val="2719690615"/>
+        <p14:creationId xmlns:p14="http://schemas.microsoft.com/office/powerpoint/2010/main" val="2565023380"/>
       </p:ext>
     </p:extLst>
   </p:cSld>
@@ -7092,7 +7689,7 @@
           <a:p>
             <a:r>
               <a:rPr lang="pt-BR" dirty="0"/>
-              <a:t>Inserção de scripts adicionais</a:t>
+              <a:t>Visualização do site</a:t>
             </a:r>
           </a:p>
         </p:txBody>
@@ -7110,212 +7707,18 @@
         <p:spPr/>
         <p:txBody>
           <a:bodyPr>
-            <a:normAutofit fontScale="85000" lnSpcReduction="20000"/>
+            <a:normAutofit/>
           </a:bodyPr>
           <a:lstStyle/>
           <a:p>
             <a:r>
-              <a:rPr lang="en-US" dirty="0" err="1"/>
-              <a:t>Crie</a:t>
+              <a:rPr lang="pt-BR" dirty="0"/>
+              <a:t>Visualize o site e, usando as ferramentas para desenvolvedores, inspecione os códigos inseridos pelas funções usadas até o momento</a:t>
             </a:r>
             <a:r>
               <a:rPr lang="en-US" dirty="0"/>
-              <a:t> o </a:t>
-            </a:r>
-            <a:r>
-              <a:rPr lang="en-US" dirty="0" err="1"/>
-              <a:t>arquivo</a:t>
-            </a:r>
-            <a:r>
-              <a:rPr lang="en-US" dirty="0"/>
-              <a:t> </a:t>
-            </a:r>
-            <a:r>
-              <a:rPr lang="en-US" dirty="0" err="1"/>
-              <a:t>functions.php</a:t>
-            </a:r>
-            <a:r>
-              <a:rPr lang="en-US" dirty="0"/>
-              <a:t> com o </a:t>
-            </a:r>
-            <a:r>
-              <a:rPr lang="en-US" dirty="0" err="1"/>
-              <a:t>seguinte</a:t>
-            </a:r>
-            <a:r>
-              <a:rPr lang="en-US" dirty="0"/>
-              <a:t> </a:t>
-            </a:r>
-            <a:r>
-              <a:rPr lang="en-US" dirty="0" err="1"/>
-              <a:t>código</a:t>
-            </a:r>
-            <a:r>
-              <a:rPr lang="en-US" dirty="0"/>
-              <a:t>:</a:t>
-            </a:r>
-            <a:endParaRPr lang="en-US" dirty="0">
-              <a:latin typeface="Courier New" panose="02070309020205020404" pitchFamily="49" charset="0"/>
-              <a:cs typeface="Courier New" panose="02070309020205020404" pitchFamily="49" charset="0"/>
-            </a:endParaRPr>
-          </a:p>
-          <a:p>
-            <a:pPr algn="l"/>
-            <a:r>
-              <a:rPr lang="en-US" dirty="0">
-                <a:latin typeface="Courier New" panose="02070309020205020404" pitchFamily="49" charset="0"/>
-                <a:cs typeface="Courier New" panose="02070309020205020404" pitchFamily="49" charset="0"/>
-              </a:rPr>
-              <a:t>function </a:t>
-            </a:r>
-            <a:r>
-              <a:rPr lang="en-US" dirty="0" err="1">
-                <a:latin typeface="Courier New" panose="02070309020205020404" pitchFamily="49" charset="0"/>
-                <a:cs typeface="Courier New" panose="02070309020205020404" pitchFamily="49" charset="0"/>
-              </a:rPr>
-              <a:t>adicionar_estilos</a:t>
-            </a:r>
-            <a:r>
-              <a:rPr lang="en-US" dirty="0">
-                <a:latin typeface="Courier New" panose="02070309020205020404" pitchFamily="49" charset="0"/>
-                <a:cs typeface="Courier New" panose="02070309020205020404" pitchFamily="49" charset="0"/>
-              </a:rPr>
-              <a:t>(){</a:t>
-            </a:r>
-          </a:p>
-          <a:p>
-            <a:pPr algn="l"/>
-            <a:r>
-              <a:rPr lang="en-US" dirty="0">
-                <a:latin typeface="Courier New" panose="02070309020205020404" pitchFamily="49" charset="0"/>
-                <a:cs typeface="Courier New" panose="02070309020205020404" pitchFamily="49" charset="0"/>
-              </a:rPr>
-              <a:t>    </a:t>
-            </a:r>
-            <a:r>
-              <a:rPr lang="en-US" dirty="0" err="1">
-                <a:latin typeface="Courier New" panose="02070309020205020404" pitchFamily="49" charset="0"/>
-                <a:cs typeface="Courier New" panose="02070309020205020404" pitchFamily="49" charset="0"/>
-              </a:rPr>
-              <a:t>wp_register_style</a:t>
-            </a:r>
-            <a:r>
-              <a:rPr lang="en-US" dirty="0">
-                <a:latin typeface="Courier New" panose="02070309020205020404" pitchFamily="49" charset="0"/>
-                <a:cs typeface="Courier New" panose="02070309020205020404" pitchFamily="49" charset="0"/>
-              </a:rPr>
-              <a:t>('bootstrap', </a:t>
-            </a:r>
-            <a:r>
-              <a:rPr lang="en-US" dirty="0" err="1">
-                <a:latin typeface="Courier New" panose="02070309020205020404" pitchFamily="49" charset="0"/>
-                <a:cs typeface="Courier New" panose="02070309020205020404" pitchFamily="49" charset="0"/>
-              </a:rPr>
-              <a:t>get_template_directory_uri</a:t>
-            </a:r>
-            <a:r>
-              <a:rPr lang="en-US" dirty="0">
-                <a:latin typeface="Courier New" panose="02070309020205020404" pitchFamily="49" charset="0"/>
-                <a:cs typeface="Courier New" panose="02070309020205020404" pitchFamily="49" charset="0"/>
-              </a:rPr>
-              <a:t>() . '/</a:t>
-            </a:r>
-            <a:r>
-              <a:rPr lang="en-US" dirty="0" err="1">
-                <a:latin typeface="Courier New" panose="02070309020205020404" pitchFamily="49" charset="0"/>
-                <a:cs typeface="Courier New" panose="02070309020205020404" pitchFamily="49" charset="0"/>
-              </a:rPr>
-              <a:t>css</a:t>
-            </a:r>
-            <a:r>
-              <a:rPr lang="en-US" dirty="0">
-                <a:latin typeface="Courier New" panose="02070309020205020404" pitchFamily="49" charset="0"/>
-                <a:cs typeface="Courier New" panose="02070309020205020404" pitchFamily="49" charset="0"/>
-              </a:rPr>
-              <a:t>/bootstrap.min.css');</a:t>
-            </a:r>
-          </a:p>
-          <a:p>
-            <a:pPr algn="l"/>
-            <a:r>
-              <a:rPr lang="en-US" dirty="0">
-                <a:latin typeface="Courier New" panose="02070309020205020404" pitchFamily="49" charset="0"/>
-                <a:cs typeface="Courier New" panose="02070309020205020404" pitchFamily="49" charset="0"/>
-              </a:rPr>
-              <a:t>    </a:t>
-            </a:r>
-            <a:r>
-              <a:rPr lang="en-US" dirty="0" err="1">
-                <a:latin typeface="Courier New" panose="02070309020205020404" pitchFamily="49" charset="0"/>
-                <a:cs typeface="Courier New" panose="02070309020205020404" pitchFamily="49" charset="0"/>
-              </a:rPr>
-              <a:t>wp_enqueue_style</a:t>
-            </a:r>
-            <a:r>
-              <a:rPr lang="en-US" dirty="0">
-                <a:latin typeface="Courier New" panose="02070309020205020404" pitchFamily="49" charset="0"/>
-                <a:cs typeface="Courier New" panose="02070309020205020404" pitchFamily="49" charset="0"/>
-              </a:rPr>
-              <a:t>('bootstrap');</a:t>
-            </a:r>
-          </a:p>
-          <a:p>
-            <a:pPr algn="l"/>
-            <a:r>
-              <a:rPr lang="en-US" dirty="0">
-                <a:latin typeface="Courier New" panose="02070309020205020404" pitchFamily="49" charset="0"/>
-                <a:cs typeface="Courier New" panose="02070309020205020404" pitchFamily="49" charset="0"/>
-              </a:rPr>
-              <a:t>}</a:t>
-            </a:r>
-          </a:p>
-          <a:p>
-            <a:pPr algn="l"/>
-            <a:r>
-              <a:rPr lang="en-US" dirty="0" err="1">
-                <a:latin typeface="Courier New" panose="02070309020205020404" pitchFamily="49" charset="0"/>
-                <a:cs typeface="Courier New" panose="02070309020205020404" pitchFamily="49" charset="0"/>
-              </a:rPr>
-              <a:t>add_action</a:t>
-            </a:r>
-            <a:r>
-              <a:rPr lang="en-US" dirty="0">
-                <a:latin typeface="Courier New" panose="02070309020205020404" pitchFamily="49" charset="0"/>
-                <a:cs typeface="Courier New" panose="02070309020205020404" pitchFamily="49" charset="0"/>
-              </a:rPr>
-              <a:t>('</a:t>
-            </a:r>
-            <a:r>
-              <a:rPr lang="en-US" dirty="0" err="1">
-                <a:latin typeface="Courier New" panose="02070309020205020404" pitchFamily="49" charset="0"/>
-                <a:cs typeface="Courier New" panose="02070309020205020404" pitchFamily="49" charset="0"/>
-              </a:rPr>
-              <a:t>wp_enqueue_scripts</a:t>
-            </a:r>
-            <a:r>
-              <a:rPr lang="en-US" dirty="0">
-                <a:latin typeface="Courier New" panose="02070309020205020404" pitchFamily="49" charset="0"/>
-                <a:cs typeface="Courier New" panose="02070309020205020404" pitchFamily="49" charset="0"/>
-              </a:rPr>
-              <a:t>', '</a:t>
-            </a:r>
-            <a:r>
-              <a:rPr lang="en-US" dirty="0" err="1">
-                <a:latin typeface="Courier New" panose="02070309020205020404" pitchFamily="49" charset="0"/>
-                <a:cs typeface="Courier New" panose="02070309020205020404" pitchFamily="49" charset="0"/>
-              </a:rPr>
-              <a:t>adicionar_estilos</a:t>
-            </a:r>
-            <a:r>
-              <a:rPr lang="en-US" dirty="0">
-                <a:latin typeface="Courier New" panose="02070309020205020404" pitchFamily="49" charset="0"/>
-                <a:cs typeface="Courier New" panose="02070309020205020404" pitchFamily="49" charset="0"/>
-              </a:rPr>
-              <a:t>');</a:t>
-            </a:r>
-          </a:p>
-          <a:p>
-            <a:pPr algn="l"/>
+              <a:t>.</a:t>
+            </a:r>
             <a:endParaRPr lang="pt-BR" dirty="0">
               <a:latin typeface="Courier New" panose="02070309020205020404" pitchFamily="49" charset="0"/>
               <a:cs typeface="Courier New" panose="02070309020205020404" pitchFamily="49" charset="0"/>
@@ -7326,7 +7729,7 @@
     </p:spTree>
     <p:extLst>
       <p:ext uri="{BB962C8B-B14F-4D97-AF65-F5344CB8AC3E}">
-        <p14:creationId xmlns:p14="http://schemas.microsoft.com/office/powerpoint/2010/main" val="253856445"/>
+        <p14:creationId xmlns:p14="http://schemas.microsoft.com/office/powerpoint/2010/main" val="2719690615"/>
       </p:ext>
     </p:extLst>
   </p:cSld>
@@ -7370,7 +7773,7 @@
           <a:p>
             <a:r>
               <a:rPr lang="pt-BR" dirty="0"/>
-              <a:t>Visualização do site</a:t>
+              <a:t>Inserção de scripts adicionais</a:t>
             </a:r>
           </a:p>
         </p:txBody>
@@ -7393,37 +7796,52 @@
           <a:lstStyle/>
           <a:p>
             <a:r>
-              <a:rPr lang="pt-BR" dirty="0"/>
-              <a:t>Insira algum conteúdo HTML no arquivo front-</a:t>
-            </a:r>
-            <a:r>
-              <a:rPr lang="pt-BR" dirty="0" err="1"/>
-              <a:t>page.php</a:t>
-            </a:r>
-            <a:r>
-              <a:rPr lang="pt-BR" dirty="0"/>
-              <a:t> e visualize o site</a:t>
+              <a:rPr lang="en-US" dirty="0" err="1"/>
+              <a:t>Crie</a:t>
             </a:r>
             <a:r>
               <a:rPr lang="en-US" dirty="0"/>
-              <a:t> para </a:t>
-            </a:r>
-            <a:r>
-              <a:rPr lang="pt-BR" dirty="0"/>
-              <a:t>observar</a:t>
+              <a:t> o </a:t>
+            </a:r>
+            <a:r>
+              <a:rPr lang="en-US" dirty="0" err="1"/>
+              <a:t>arquivo</a:t>
             </a:r>
             <a:r>
               <a:rPr lang="en-US" dirty="0"/>
-              <a:t> a </a:t>
-            </a:r>
-            <a:r>
-              <a:rPr lang="pt-BR" dirty="0"/>
-              <a:t>inserção</a:t>
+              <a:t> </a:t>
+            </a:r>
+            <a:r>
+              <a:rPr lang="en-US" dirty="0" err="1">
+                <a:latin typeface="Courier New" panose="02070309020205020404" pitchFamily="49" charset="0"/>
+                <a:cs typeface="Courier New" panose="02070309020205020404" pitchFamily="49" charset="0"/>
+              </a:rPr>
+              <a:t>functions.php</a:t>
             </a:r>
             <a:r>
               <a:rPr lang="en-US" dirty="0"/>
-              <a:t> do novo script.</a:t>
-            </a:r>
+              <a:t> com o </a:t>
+            </a:r>
+            <a:r>
+              <a:rPr lang="en-US" dirty="0" err="1"/>
+              <a:t>seguinte</a:t>
+            </a:r>
+            <a:r>
+              <a:rPr lang="en-US" dirty="0"/>
+              <a:t> </a:t>
+            </a:r>
+            <a:r>
+              <a:rPr lang="en-US" dirty="0" err="1"/>
+              <a:t>código</a:t>
+            </a:r>
+            <a:r>
+              <a:rPr lang="en-US" dirty="0"/>
+              <a:t>:</a:t>
+            </a:r>
+            <a:endParaRPr lang="en-US" dirty="0">
+              <a:latin typeface="Courier New" panose="02070309020205020404" pitchFamily="49" charset="0"/>
+              <a:cs typeface="Courier New" panose="02070309020205020404" pitchFamily="49" charset="0"/>
+            </a:endParaRPr>
           </a:p>
           <a:p>
             <a:pPr algn="l"/>
@@ -7432,7 +7850,21 @@
                 <a:latin typeface="Courier New" panose="02070309020205020404" pitchFamily="49" charset="0"/>
                 <a:cs typeface="Courier New" panose="02070309020205020404" pitchFamily="49" charset="0"/>
               </a:rPr>
-              <a:t>&lt;div class="container"&gt;</a:t>
+              <a:t>function </a:t>
+            </a:r>
+            <a:r>
+              <a:rPr lang="en-US" dirty="0" err="1">
+                <a:latin typeface="Courier New" panose="02070309020205020404" pitchFamily="49" charset="0"/>
+                <a:cs typeface="Courier New" panose="02070309020205020404" pitchFamily="49" charset="0"/>
+              </a:rPr>
+              <a:t>adicionar_estilos</a:t>
+            </a:r>
+            <a:r>
+              <a:rPr lang="en-US" dirty="0">
+                <a:latin typeface="Courier New" panose="02070309020205020404" pitchFamily="49" charset="0"/>
+                <a:cs typeface="Courier New" panose="02070309020205020404" pitchFamily="49" charset="0"/>
+              </a:rPr>
+              <a:t>(){</a:t>
             </a:r>
           </a:p>
           <a:p>
@@ -7442,7 +7874,49 @@
                 <a:latin typeface="Courier New" panose="02070309020205020404" pitchFamily="49" charset="0"/>
                 <a:cs typeface="Courier New" panose="02070309020205020404" pitchFamily="49" charset="0"/>
               </a:rPr>
-              <a:t>    &lt;div class="row"&gt;</a:t>
+              <a:t>    </a:t>
+            </a:r>
+            <a:r>
+              <a:rPr lang="en-US" dirty="0" err="1">
+                <a:latin typeface="Courier New" panose="02070309020205020404" pitchFamily="49" charset="0"/>
+                <a:cs typeface="Courier New" panose="02070309020205020404" pitchFamily="49" charset="0"/>
+              </a:rPr>
+              <a:t>wp_register_style</a:t>
+            </a:r>
+            <a:r>
+              <a:rPr lang="en-US" dirty="0">
+                <a:latin typeface="Courier New" panose="02070309020205020404" pitchFamily="49" charset="0"/>
+                <a:cs typeface="Courier New" panose="02070309020205020404" pitchFamily="49" charset="0"/>
+              </a:rPr>
+              <a:t>('bootstrap', </a:t>
+            </a:r>
+            <a:r>
+              <a:rPr lang="en-US" dirty="0" err="1">
+                <a:latin typeface="Courier New" panose="02070309020205020404" pitchFamily="49" charset="0"/>
+                <a:cs typeface="Courier New" panose="02070309020205020404" pitchFamily="49" charset="0"/>
+              </a:rPr>
+              <a:t>get_template_directory_uri</a:t>
+            </a:r>
+            <a:r>
+              <a:rPr lang="en-US" dirty="0">
+                <a:latin typeface="Courier New" panose="02070309020205020404" pitchFamily="49" charset="0"/>
+                <a:cs typeface="Courier New" panose="02070309020205020404" pitchFamily="49" charset="0"/>
+              </a:rPr>
+              <a:t>() . '/</a:t>
+            </a:r>
+            <a:r>
+              <a:rPr lang="en-US" dirty="0" err="1">
+                <a:latin typeface="Courier New" panose="02070309020205020404" pitchFamily="49" charset="0"/>
+                <a:cs typeface="Courier New" panose="02070309020205020404" pitchFamily="49" charset="0"/>
+              </a:rPr>
+              <a:t>css</a:t>
+            </a:r>
+            <a:r>
+              <a:rPr lang="en-US" dirty="0">
+                <a:latin typeface="Courier New" panose="02070309020205020404" pitchFamily="49" charset="0"/>
+                <a:cs typeface="Courier New" panose="02070309020205020404" pitchFamily="49" charset="0"/>
+              </a:rPr>
+              <a:t>/bootstrap.min.css');</a:t>
             </a:r>
           </a:p>
           <a:p>
@@ -7452,21 +7926,21 @@
                 <a:latin typeface="Courier New" panose="02070309020205020404" pitchFamily="49" charset="0"/>
                 <a:cs typeface="Courier New" panose="02070309020205020404" pitchFamily="49" charset="0"/>
               </a:rPr>
-              <a:t>        &lt;div class="col"&gt;</a:t>
+              <a:t>    </a:t>
             </a:r>
             <a:r>
               <a:rPr lang="en-US" dirty="0" err="1">
                 <a:latin typeface="Courier New" panose="02070309020205020404" pitchFamily="49" charset="0"/>
                 <a:cs typeface="Courier New" panose="02070309020205020404" pitchFamily="49" charset="0"/>
               </a:rPr>
-              <a:t>Esquerda</a:t>
-            </a:r>
-            <a:r>
-              <a:rPr lang="en-US" dirty="0">
-                <a:latin typeface="Courier New" panose="02070309020205020404" pitchFamily="49" charset="0"/>
-                <a:cs typeface="Courier New" panose="02070309020205020404" pitchFamily="49" charset="0"/>
-              </a:rPr>
-              <a:t>&lt;/div&gt;</a:t>
+              <a:t>wp_enqueue_style</a:t>
+            </a:r>
+            <a:r>
+              <a:rPr lang="en-US" dirty="0">
+                <a:latin typeface="Courier New" panose="02070309020205020404" pitchFamily="49" charset="0"/>
+                <a:cs typeface="Courier New" panose="02070309020205020404" pitchFamily="49" charset="0"/>
+              </a:rPr>
+              <a:t>('bootstrap');</a:t>
             </a:r>
           </a:p>
           <a:p>
@@ -7476,42 +7950,56 @@
                 <a:latin typeface="Courier New" panose="02070309020205020404" pitchFamily="49" charset="0"/>
                 <a:cs typeface="Courier New" panose="02070309020205020404" pitchFamily="49" charset="0"/>
               </a:rPr>
-              <a:t>        &lt;div class="col"&gt;</a:t>
-            </a:r>
+              <a:t>}</a:t>
+            </a:r>
+          </a:p>
+          <a:p>
+            <a:pPr algn="l"/>
             <a:r>
               <a:rPr lang="en-US" dirty="0" err="1">
                 <a:latin typeface="Courier New" panose="02070309020205020404" pitchFamily="49" charset="0"/>
                 <a:cs typeface="Courier New" panose="02070309020205020404" pitchFamily="49" charset="0"/>
               </a:rPr>
-              <a:t>Direita</a:t>
-            </a:r>
-            <a:r>
-              <a:rPr lang="en-US" dirty="0">
-                <a:latin typeface="Courier New" panose="02070309020205020404" pitchFamily="49" charset="0"/>
-                <a:cs typeface="Courier New" panose="02070309020205020404" pitchFamily="49" charset="0"/>
-              </a:rPr>
-              <a:t>&lt;/div&gt;</a:t>
+              <a:t>add_action</a:t>
+            </a:r>
+            <a:r>
+              <a:rPr lang="en-US" dirty="0">
+                <a:latin typeface="Courier New" panose="02070309020205020404" pitchFamily="49" charset="0"/>
+                <a:cs typeface="Courier New" panose="02070309020205020404" pitchFamily="49" charset="0"/>
+              </a:rPr>
+              <a:t>('</a:t>
+            </a:r>
+            <a:r>
+              <a:rPr lang="en-US" dirty="0" err="1">
+                <a:latin typeface="Courier New" panose="02070309020205020404" pitchFamily="49" charset="0"/>
+                <a:cs typeface="Courier New" panose="02070309020205020404" pitchFamily="49" charset="0"/>
+              </a:rPr>
+              <a:t>wp_enqueue_scripts</a:t>
+            </a:r>
+            <a:r>
+              <a:rPr lang="en-US" dirty="0">
+                <a:latin typeface="Courier New" panose="02070309020205020404" pitchFamily="49" charset="0"/>
+                <a:cs typeface="Courier New" panose="02070309020205020404" pitchFamily="49" charset="0"/>
+              </a:rPr>
+              <a:t>', '</a:t>
+            </a:r>
+            <a:r>
+              <a:rPr lang="en-US" dirty="0" err="1">
+                <a:latin typeface="Courier New" panose="02070309020205020404" pitchFamily="49" charset="0"/>
+                <a:cs typeface="Courier New" panose="02070309020205020404" pitchFamily="49" charset="0"/>
+              </a:rPr>
+              <a:t>adicionar_estilos</a:t>
+            </a:r>
+            <a:r>
+              <a:rPr lang="en-US" dirty="0">
+                <a:latin typeface="Courier New" panose="02070309020205020404" pitchFamily="49" charset="0"/>
+                <a:cs typeface="Courier New" panose="02070309020205020404" pitchFamily="49" charset="0"/>
+              </a:rPr>
+              <a:t>');</a:t>
             </a:r>
           </a:p>
           <a:p>
             <a:pPr algn="l"/>
-            <a:r>
-              <a:rPr lang="en-US" dirty="0">
-                <a:latin typeface="Courier New" panose="02070309020205020404" pitchFamily="49" charset="0"/>
-                <a:cs typeface="Courier New" panose="02070309020205020404" pitchFamily="49" charset="0"/>
-              </a:rPr>
-              <a:t>    &lt;/div&gt;</a:t>
-            </a:r>
-          </a:p>
-          <a:p>
-            <a:pPr algn="l"/>
-            <a:r>
-              <a:rPr lang="en-US" dirty="0">
-                <a:latin typeface="Courier New" panose="02070309020205020404" pitchFamily="49" charset="0"/>
-                <a:cs typeface="Courier New" panose="02070309020205020404" pitchFamily="49" charset="0"/>
-              </a:rPr>
-              <a:t>&lt;/div&gt;</a:t>
-            </a:r>
             <a:endParaRPr lang="pt-BR" dirty="0">
               <a:latin typeface="Courier New" panose="02070309020205020404" pitchFamily="49" charset="0"/>
               <a:cs typeface="Courier New" panose="02070309020205020404" pitchFamily="49" charset="0"/>
@@ -7522,7 +8010,7 @@
     </p:spTree>
     <p:extLst>
       <p:ext uri="{BB962C8B-B14F-4D97-AF65-F5344CB8AC3E}">
-        <p14:creationId xmlns:p14="http://schemas.microsoft.com/office/powerpoint/2010/main" val="2278372398"/>
+        <p14:creationId xmlns:p14="http://schemas.microsoft.com/office/powerpoint/2010/main" val="253856445"/>
       </p:ext>
     </p:extLst>
   </p:cSld>
@@ -7566,7 +8054,7 @@
           <a:p>
             <a:r>
               <a:rPr lang="pt-BR" dirty="0"/>
-              <a:t>Inserção de scripts adicionais</a:t>
+              <a:t>Visualização do site</a:t>
             </a:r>
           </a:p>
         </p:txBody>
@@ -7584,95 +8072,120 @@
         <p:spPr/>
         <p:txBody>
           <a:bodyPr>
-            <a:normAutofit/>
+            <a:normAutofit fontScale="85000" lnSpcReduction="20000"/>
           </a:bodyPr>
           <a:lstStyle/>
           <a:p>
             <a:r>
+              <a:rPr lang="pt-BR" dirty="0"/>
+              <a:t>Insira algum conteúdo HTML no arquivo </a:t>
+            </a:r>
+            <a:r>
+              <a:rPr lang="pt-BR" dirty="0">
+                <a:latin typeface="Courier New" panose="02070309020205020404" pitchFamily="49" charset="0"/>
+                <a:cs typeface="Courier New" panose="02070309020205020404" pitchFamily="49" charset="0"/>
+              </a:rPr>
+              <a:t>front-</a:t>
+            </a:r>
+            <a:r>
+              <a:rPr lang="pt-BR" dirty="0" err="1">
+                <a:latin typeface="Courier New" panose="02070309020205020404" pitchFamily="49" charset="0"/>
+                <a:cs typeface="Courier New" panose="02070309020205020404" pitchFamily="49" charset="0"/>
+              </a:rPr>
+              <a:t>page.php</a:t>
+            </a:r>
+            <a:r>
+              <a:rPr lang="pt-BR" dirty="0"/>
+              <a:t> e visualize o site</a:t>
+            </a:r>
+            <a:r>
               <a:rPr lang="en-US" dirty="0"/>
-              <a:t>No </a:t>
-            </a:r>
-            <a:r>
-              <a:rPr lang="en-US" dirty="0" err="1"/>
-              <a:t>arquivo</a:t>
+              <a:t> para </a:t>
+            </a:r>
+            <a:r>
+              <a:rPr lang="pt-BR" dirty="0"/>
+              <a:t>observar</a:t>
             </a:r>
             <a:r>
               <a:rPr lang="en-US" dirty="0"/>
-              <a:t> </a:t>
+              <a:t> a </a:t>
+            </a:r>
+            <a:r>
+              <a:rPr lang="pt-BR" dirty="0"/>
+              <a:t>inserção</a:t>
+            </a:r>
+            <a:r>
+              <a:rPr lang="en-US" dirty="0"/>
+              <a:t> do novo script.</a:t>
+            </a:r>
+          </a:p>
+          <a:p>
+            <a:pPr algn="l"/>
+            <a:r>
+              <a:rPr lang="en-US" dirty="0">
+                <a:latin typeface="Courier New" panose="02070309020205020404" pitchFamily="49" charset="0"/>
+                <a:cs typeface="Courier New" panose="02070309020205020404" pitchFamily="49" charset="0"/>
+              </a:rPr>
+              <a:t>&lt;div class="container"&gt;</a:t>
+            </a:r>
+          </a:p>
+          <a:p>
+            <a:pPr algn="l"/>
+            <a:r>
+              <a:rPr lang="en-US" dirty="0">
+                <a:latin typeface="Courier New" panose="02070309020205020404" pitchFamily="49" charset="0"/>
+                <a:cs typeface="Courier New" panose="02070309020205020404" pitchFamily="49" charset="0"/>
+              </a:rPr>
+              <a:t>    &lt;div class="row"&gt;</a:t>
+            </a:r>
+          </a:p>
+          <a:p>
+            <a:pPr algn="l"/>
+            <a:r>
+              <a:rPr lang="en-US" dirty="0">
+                <a:latin typeface="Courier New" panose="02070309020205020404" pitchFamily="49" charset="0"/>
+                <a:cs typeface="Courier New" panose="02070309020205020404" pitchFamily="49" charset="0"/>
+              </a:rPr>
+              <a:t>        &lt;div class="col"&gt;</a:t>
             </a:r>
             <a:r>
               <a:rPr lang="en-US" dirty="0" err="1">
                 <a:latin typeface="Courier New" panose="02070309020205020404" pitchFamily="49" charset="0"/>
                 <a:cs typeface="Courier New" panose="02070309020205020404" pitchFamily="49" charset="0"/>
               </a:rPr>
-              <a:t>functions.php</a:t>
-            </a:r>
-            <a:r>
-              <a:rPr lang="en-US" dirty="0"/>
-              <a:t>, </a:t>
-            </a:r>
-            <a:r>
-              <a:rPr lang="en-US" dirty="0" err="1"/>
-              <a:t>na</a:t>
-            </a:r>
-            <a:r>
-              <a:rPr lang="en-US" dirty="0"/>
-              <a:t> </a:t>
-            </a:r>
-            <a:r>
-              <a:rPr lang="en-US" dirty="0" err="1"/>
-              <a:t>função</a:t>
-            </a:r>
-            <a:r>
-              <a:rPr lang="en-US" dirty="0"/>
-              <a:t> </a:t>
+              <a:t>Esquerda</a:t>
+            </a:r>
+            <a:r>
+              <a:rPr lang="en-US" dirty="0">
+                <a:latin typeface="Courier New" panose="02070309020205020404" pitchFamily="49" charset="0"/>
+                <a:cs typeface="Courier New" panose="02070309020205020404" pitchFamily="49" charset="0"/>
+              </a:rPr>
+              <a:t>&lt;/div&gt;</a:t>
+            </a:r>
+          </a:p>
+          <a:p>
+            <a:pPr algn="l"/>
+            <a:r>
+              <a:rPr lang="en-US" dirty="0">
+                <a:latin typeface="Courier New" panose="02070309020205020404" pitchFamily="49" charset="0"/>
+                <a:cs typeface="Courier New" panose="02070309020205020404" pitchFamily="49" charset="0"/>
+              </a:rPr>
+              <a:t>        &lt;div class="col"&gt;</a:t>
             </a:r>
             <a:r>
               <a:rPr lang="en-US" dirty="0" err="1">
                 <a:latin typeface="Courier New" panose="02070309020205020404" pitchFamily="49" charset="0"/>
                 <a:cs typeface="Courier New" panose="02070309020205020404" pitchFamily="49" charset="0"/>
               </a:rPr>
-              <a:t>adicionar_estilos</a:t>
-            </a:r>
-            <a:r>
-              <a:rPr lang="en-US" dirty="0">
-                <a:latin typeface="Courier New" panose="02070309020205020404" pitchFamily="49" charset="0"/>
-                <a:cs typeface="Courier New" panose="02070309020205020404" pitchFamily="49" charset="0"/>
-              </a:rPr>
-              <a:t>()</a:t>
-            </a:r>
-            <a:r>
-              <a:rPr lang="en-US" dirty="0"/>
-              <a:t>, </a:t>
-            </a:r>
-            <a:r>
-              <a:rPr lang="en-US" dirty="0" err="1"/>
-              <a:t>insira</a:t>
-            </a:r>
-            <a:r>
-              <a:rPr lang="en-US" dirty="0"/>
-              <a:t> o </a:t>
-            </a:r>
-            <a:r>
-              <a:rPr lang="en-US" dirty="0" err="1"/>
-              <a:t>seguinte</a:t>
-            </a:r>
-            <a:r>
-              <a:rPr lang="en-US" dirty="0"/>
-              <a:t> </a:t>
-            </a:r>
-            <a:r>
-              <a:rPr lang="en-US" dirty="0" err="1"/>
-              <a:t>código</a:t>
-            </a:r>
-            <a:r>
-              <a:rPr lang="en-US" dirty="0"/>
-              <a:t>:</a:t>
-            </a:r>
-            <a:endParaRPr lang="en-US" dirty="0">
-              <a:latin typeface="Courier New" panose="02070309020205020404" pitchFamily="49" charset="0"/>
-              <a:cs typeface="Courier New" panose="02070309020205020404" pitchFamily="49" charset="0"/>
-            </a:endParaRPr>
+              <a:t>Direita</a:t>
+            </a:r>
+            <a:r>
+              <a:rPr lang="en-US" dirty="0">
+                <a:latin typeface="Courier New" panose="02070309020205020404" pitchFamily="49" charset="0"/>
+                <a:cs typeface="Courier New" panose="02070309020205020404" pitchFamily="49" charset="0"/>
+              </a:rPr>
+              <a:t>&lt;/div&gt;</a:t>
+            </a:r>
           </a:p>
           <a:p>
             <a:pPr algn="l"/>
@@ -7681,35 +8194,7 @@
                 <a:latin typeface="Courier New" panose="02070309020205020404" pitchFamily="49" charset="0"/>
                 <a:cs typeface="Courier New" panose="02070309020205020404" pitchFamily="49" charset="0"/>
               </a:rPr>
-              <a:t>    </a:t>
-            </a:r>
-            <a:r>
-              <a:rPr lang="en-US" dirty="0" err="1">
-                <a:latin typeface="Courier New" panose="02070309020205020404" pitchFamily="49" charset="0"/>
-                <a:cs typeface="Courier New" panose="02070309020205020404" pitchFamily="49" charset="0"/>
-              </a:rPr>
-              <a:t>wp_register_style</a:t>
-            </a:r>
-            <a:r>
-              <a:rPr lang="en-US" dirty="0">
-                <a:latin typeface="Courier New" panose="02070309020205020404" pitchFamily="49" charset="0"/>
-                <a:cs typeface="Courier New" panose="02070309020205020404" pitchFamily="49" charset="0"/>
-              </a:rPr>
-              <a:t>(‘style’, </a:t>
-            </a:r>
-            <a:r>
-              <a:rPr lang="en-US" dirty="0" err="1">
-                <a:latin typeface="Courier New" panose="02070309020205020404" pitchFamily="49" charset="0"/>
-                <a:cs typeface="Courier New" panose="02070309020205020404" pitchFamily="49" charset="0"/>
-              </a:rPr>
-              <a:t>get_template_directory_uri</a:t>
-            </a:r>
-            <a:r>
-              <a:rPr lang="en-US" dirty="0">
-                <a:latin typeface="Courier New" panose="02070309020205020404" pitchFamily="49" charset="0"/>
-                <a:cs typeface="Courier New" panose="02070309020205020404" pitchFamily="49" charset="0"/>
-              </a:rPr>
-              <a:t>() . ‘/style.css’);</a:t>
+              <a:t>    &lt;/div&gt;</a:t>
             </a:r>
           </a:p>
           <a:p>
@@ -7719,21 +8204,7 @@
                 <a:latin typeface="Courier New" panose="02070309020205020404" pitchFamily="49" charset="0"/>
                 <a:cs typeface="Courier New" panose="02070309020205020404" pitchFamily="49" charset="0"/>
               </a:rPr>
-              <a:t>    </a:t>
-            </a:r>
-            <a:r>
-              <a:rPr lang="en-US" dirty="0" err="1">
-                <a:latin typeface="Courier New" panose="02070309020205020404" pitchFamily="49" charset="0"/>
-                <a:cs typeface="Courier New" panose="02070309020205020404" pitchFamily="49" charset="0"/>
-              </a:rPr>
-              <a:t>wp_enqueue_style</a:t>
-            </a:r>
-            <a:r>
-              <a:rPr lang="en-US" dirty="0">
-                <a:latin typeface="Courier New" panose="02070309020205020404" pitchFamily="49" charset="0"/>
-                <a:cs typeface="Courier New" panose="02070309020205020404" pitchFamily="49" charset="0"/>
-              </a:rPr>
-              <a:t>(‘style’);</a:t>
+              <a:t>&lt;/div&gt;</a:t>
             </a:r>
             <a:endParaRPr lang="pt-BR" dirty="0">
               <a:latin typeface="Courier New" panose="02070309020205020404" pitchFamily="49" charset="0"/>
@@ -7745,7 +8216,7 @@
     </p:spTree>
     <p:extLst>
       <p:ext uri="{BB962C8B-B14F-4D97-AF65-F5344CB8AC3E}">
-        <p14:creationId xmlns:p14="http://schemas.microsoft.com/office/powerpoint/2010/main" val="3180327378"/>
+        <p14:creationId xmlns:p14="http://schemas.microsoft.com/office/powerpoint/2010/main" val="2278372398"/>
       </p:ext>
     </p:extLst>
   </p:cSld>
@@ -7789,7 +8260,7 @@
           <a:p>
             <a:r>
               <a:rPr lang="pt-BR" dirty="0"/>
-              <a:t>Visualização do site</a:t>
+              <a:t>Inserção de scripts adicionais</a:t>
             </a:r>
           </a:p>
         </p:txBody>
@@ -7812,40 +8283,90 @@
           <a:lstStyle/>
           <a:p>
             <a:r>
-              <a:rPr lang="pt-BR" dirty="0"/>
-              <a:t>Insira alguma regra CSS no arquivo </a:t>
-            </a:r>
-            <a:r>
-              <a:rPr lang="pt-BR" dirty="0">
-                <a:latin typeface="Courier New" panose="02070309020205020404" pitchFamily="49" charset="0"/>
-                <a:cs typeface="Courier New" panose="02070309020205020404" pitchFamily="49" charset="0"/>
-              </a:rPr>
-              <a:t>style.css</a:t>
-            </a:r>
-            <a:r>
-              <a:rPr lang="pt-BR" dirty="0"/>
-              <a:t> e visualize o site</a:t>
-            </a:r>
-            <a:r>
               <a:rPr lang="en-US" dirty="0"/>
-              <a:t> para </a:t>
-            </a:r>
-            <a:r>
-              <a:rPr lang="pt-BR" dirty="0"/>
-              <a:t>observar</a:t>
+              <a:t>No </a:t>
+            </a:r>
+            <a:r>
+              <a:rPr lang="en-US" dirty="0" err="1"/>
+              <a:t>arquivo</a:t>
             </a:r>
             <a:r>
               <a:rPr lang="en-US" dirty="0"/>
-              <a:t> a </a:t>
-            </a:r>
-            <a:r>
-              <a:rPr lang="pt-BR" dirty="0"/>
-              <a:t>inserção</a:t>
+              <a:t> </a:t>
+            </a:r>
+            <a:r>
+              <a:rPr lang="en-US" dirty="0" err="1">
+                <a:latin typeface="Courier New" panose="02070309020205020404" pitchFamily="49" charset="0"/>
+                <a:cs typeface="Courier New" panose="02070309020205020404" pitchFamily="49" charset="0"/>
+              </a:rPr>
+              <a:t>functions.php</a:t>
             </a:r>
             <a:r>
               <a:rPr lang="en-US" dirty="0"/>
-              <a:t> do novo script.</a:t>
-            </a:r>
+              <a:t>, </a:t>
+            </a:r>
+            <a:r>
+              <a:rPr lang="en-US" dirty="0" err="1"/>
+              <a:t>na</a:t>
+            </a:r>
+            <a:r>
+              <a:rPr lang="en-US" dirty="0"/>
+              <a:t> </a:t>
+            </a:r>
+            <a:r>
+              <a:rPr lang="en-US" dirty="0" err="1"/>
+              <a:t>função</a:t>
+            </a:r>
+            <a:r>
+              <a:rPr lang="en-US" dirty="0"/>
+              <a:t> </a:t>
+            </a:r>
+            <a:r>
+              <a:rPr lang="en-US" dirty="0" err="1">
+                <a:latin typeface="Courier New" panose="02070309020205020404" pitchFamily="49" charset="0"/>
+                <a:cs typeface="Courier New" panose="02070309020205020404" pitchFamily="49" charset="0"/>
+              </a:rPr>
+              <a:t>adicionar_estilos</a:t>
+            </a:r>
+            <a:r>
+              <a:rPr lang="en-US" dirty="0">
+                <a:latin typeface="Courier New" panose="02070309020205020404" pitchFamily="49" charset="0"/>
+                <a:cs typeface="Courier New" panose="02070309020205020404" pitchFamily="49" charset="0"/>
+              </a:rPr>
+              <a:t>()</a:t>
+            </a:r>
+            <a:r>
+              <a:rPr lang="en-US" dirty="0"/>
+              <a:t>, </a:t>
+            </a:r>
+            <a:r>
+              <a:rPr lang="en-US" dirty="0" err="1"/>
+              <a:t>insira</a:t>
+            </a:r>
+            <a:r>
+              <a:rPr lang="en-US" dirty="0"/>
+              <a:t> o </a:t>
+            </a:r>
+            <a:r>
+              <a:rPr lang="en-US" dirty="0" err="1"/>
+              <a:t>seguinte</a:t>
+            </a:r>
+            <a:r>
+              <a:rPr lang="en-US" dirty="0"/>
+              <a:t> </a:t>
+            </a:r>
+            <a:r>
+              <a:rPr lang="en-US" dirty="0" err="1"/>
+              <a:t>código</a:t>
+            </a:r>
+            <a:r>
+              <a:rPr lang="en-US" dirty="0"/>
+              <a:t>:</a:t>
+            </a:r>
+            <a:endParaRPr lang="en-US" dirty="0">
+              <a:latin typeface="Courier New" panose="02070309020205020404" pitchFamily="49" charset="0"/>
+              <a:cs typeface="Courier New" panose="02070309020205020404" pitchFamily="49" charset="0"/>
+            </a:endParaRPr>
           </a:p>
           <a:p>
             <a:pPr algn="l"/>
@@ -7854,7 +8375,35 @@
                 <a:latin typeface="Courier New" panose="02070309020205020404" pitchFamily="49" charset="0"/>
                 <a:cs typeface="Courier New" panose="02070309020205020404" pitchFamily="49" charset="0"/>
               </a:rPr>
-              <a:t>body{</a:t>
+              <a:t>    </a:t>
+            </a:r>
+            <a:r>
+              <a:rPr lang="en-US" dirty="0" err="1">
+                <a:latin typeface="Courier New" panose="02070309020205020404" pitchFamily="49" charset="0"/>
+                <a:cs typeface="Courier New" panose="02070309020205020404" pitchFamily="49" charset="0"/>
+              </a:rPr>
+              <a:t>wp_register_style</a:t>
+            </a:r>
+            <a:r>
+              <a:rPr lang="en-US" dirty="0">
+                <a:latin typeface="Courier New" panose="02070309020205020404" pitchFamily="49" charset="0"/>
+                <a:cs typeface="Courier New" panose="02070309020205020404" pitchFamily="49" charset="0"/>
+              </a:rPr>
+              <a:t>(‘style’, </a:t>
+            </a:r>
+            <a:r>
+              <a:rPr lang="en-US" dirty="0" err="1">
+                <a:latin typeface="Courier New" panose="02070309020205020404" pitchFamily="49" charset="0"/>
+                <a:cs typeface="Courier New" panose="02070309020205020404" pitchFamily="49" charset="0"/>
+              </a:rPr>
+              <a:t>get_template_directory_uri</a:t>
+            </a:r>
+            <a:r>
+              <a:rPr lang="en-US" dirty="0">
+                <a:latin typeface="Courier New" panose="02070309020205020404" pitchFamily="49" charset="0"/>
+                <a:cs typeface="Courier New" panose="02070309020205020404" pitchFamily="49" charset="0"/>
+              </a:rPr>
+              <a:t>() . ‘/style.css’);</a:t>
             </a:r>
           </a:p>
           <a:p>
@@ -7864,17 +8413,21 @@
                 <a:latin typeface="Courier New" panose="02070309020205020404" pitchFamily="49" charset="0"/>
                 <a:cs typeface="Courier New" panose="02070309020205020404" pitchFamily="49" charset="0"/>
               </a:rPr>
-              <a:t>    background-color: #ccc;</a:t>
-            </a:r>
-          </a:p>
-          <a:p>
-            <a:pPr algn="l"/>
-            <a:r>
-              <a:rPr lang="en-US" dirty="0">
-                <a:latin typeface="Courier New" panose="02070309020205020404" pitchFamily="49" charset="0"/>
-                <a:cs typeface="Courier New" panose="02070309020205020404" pitchFamily="49" charset="0"/>
-              </a:rPr>
-              <a:t>}</a:t>
+              <a:t>    </a:t>
+            </a:r>
+            <a:r>
+              <a:rPr lang="en-US" dirty="0" err="1">
+                <a:latin typeface="Courier New" panose="02070309020205020404" pitchFamily="49" charset="0"/>
+                <a:cs typeface="Courier New" panose="02070309020205020404" pitchFamily="49" charset="0"/>
+              </a:rPr>
+              <a:t>wp_enqueue_style</a:t>
+            </a:r>
+            <a:r>
+              <a:rPr lang="en-US" dirty="0">
+                <a:latin typeface="Courier New" panose="02070309020205020404" pitchFamily="49" charset="0"/>
+                <a:cs typeface="Courier New" panose="02070309020205020404" pitchFamily="49" charset="0"/>
+              </a:rPr>
+              <a:t>(‘style’);</a:t>
             </a:r>
             <a:endParaRPr lang="pt-BR" dirty="0">
               <a:latin typeface="Courier New" panose="02070309020205020404" pitchFamily="49" charset="0"/>
@@ -7886,7 +8439,7 @@
     </p:spTree>
     <p:extLst>
       <p:ext uri="{BB962C8B-B14F-4D97-AF65-F5344CB8AC3E}">
-        <p14:creationId xmlns:p14="http://schemas.microsoft.com/office/powerpoint/2010/main" val="449393554"/>
+        <p14:creationId xmlns:p14="http://schemas.microsoft.com/office/powerpoint/2010/main" val="3180327378"/>
       </p:ext>
     </p:extLst>
   </p:cSld>
@@ -7930,7 +8483,7 @@
           <a:p>
             <a:r>
               <a:rPr lang="pt-BR" dirty="0"/>
-              <a:t>Inserção de scripts adicionais</a:t>
+              <a:t>Visualização do site</a:t>
             </a:r>
           </a:p>
         </p:txBody>
@@ -7953,56 +8506,40 @@
           <a:lstStyle/>
           <a:p>
             <a:r>
+              <a:rPr lang="pt-BR" dirty="0"/>
+              <a:t>Insira alguma regra CSS no arquivo </a:t>
+            </a:r>
+            <a:r>
+              <a:rPr lang="pt-BR" dirty="0">
+                <a:latin typeface="Courier New" panose="02070309020205020404" pitchFamily="49" charset="0"/>
+                <a:cs typeface="Courier New" panose="02070309020205020404" pitchFamily="49" charset="0"/>
+              </a:rPr>
+              <a:t>style.css</a:t>
+            </a:r>
+            <a:r>
+              <a:rPr lang="pt-BR" dirty="0"/>
+              <a:t> e visualize o site</a:t>
+            </a:r>
+            <a:r>
               <a:rPr lang="en-US" dirty="0"/>
-              <a:t>No </a:t>
-            </a:r>
-            <a:r>
-              <a:rPr lang="en-US" dirty="0" err="1"/>
-              <a:t>arquivo</a:t>
+              <a:t> para </a:t>
+            </a:r>
+            <a:r>
+              <a:rPr lang="pt-BR" dirty="0"/>
+              <a:t>observar</a:t>
             </a:r>
             <a:r>
               <a:rPr lang="en-US" dirty="0"/>
-              <a:t> </a:t>
-            </a:r>
-            <a:r>
-              <a:rPr lang="en-US" dirty="0" err="1">
-                <a:latin typeface="Courier New" panose="02070309020205020404" pitchFamily="49" charset="0"/>
-                <a:cs typeface="Courier New" panose="02070309020205020404" pitchFamily="49" charset="0"/>
-              </a:rPr>
-              <a:t>functions.php</a:t>
+              <a:t> a </a:t>
+            </a:r>
+            <a:r>
+              <a:rPr lang="pt-BR" dirty="0"/>
+              <a:t>inserção</a:t>
             </a:r>
             <a:r>
               <a:rPr lang="en-US" dirty="0"/>
-              <a:t>, </a:t>
-            </a:r>
-            <a:r>
-              <a:rPr lang="en-US" dirty="0" err="1"/>
-              <a:t>insira</a:t>
-            </a:r>
-            <a:r>
-              <a:rPr lang="en-US" dirty="0"/>
-              <a:t> o </a:t>
-            </a:r>
-            <a:r>
-              <a:rPr lang="en-US" dirty="0" err="1"/>
-              <a:t>seguinte</a:t>
-            </a:r>
-            <a:r>
-              <a:rPr lang="en-US" dirty="0"/>
-              <a:t> </a:t>
-            </a:r>
-            <a:r>
-              <a:rPr lang="en-US" dirty="0" err="1"/>
-              <a:t>código</a:t>
-            </a:r>
-            <a:r>
-              <a:rPr lang="en-US" dirty="0"/>
-              <a:t>:</a:t>
-            </a:r>
-            <a:endParaRPr lang="en-US" dirty="0">
-              <a:latin typeface="Courier New" panose="02070309020205020404" pitchFamily="49" charset="0"/>
-              <a:cs typeface="Courier New" panose="02070309020205020404" pitchFamily="49" charset="0"/>
-            </a:endParaRPr>
+              <a:t> do novo script.</a:t>
+            </a:r>
           </a:p>
           <a:p>
             <a:pPr algn="l"/>
@@ -8011,21 +8548,7 @@
                 <a:latin typeface="Courier New" panose="02070309020205020404" pitchFamily="49" charset="0"/>
                 <a:cs typeface="Courier New" panose="02070309020205020404" pitchFamily="49" charset="0"/>
               </a:rPr>
-              <a:t>function </a:t>
-            </a:r>
-            <a:r>
-              <a:rPr lang="en-US" dirty="0" err="1">
-                <a:latin typeface="Courier New" panose="02070309020205020404" pitchFamily="49" charset="0"/>
-                <a:cs typeface="Courier New" panose="02070309020205020404" pitchFamily="49" charset="0"/>
-              </a:rPr>
-              <a:t>adicionar_scripts</a:t>
-            </a:r>
-            <a:r>
-              <a:rPr lang="en-US" dirty="0">
-                <a:latin typeface="Courier New" panose="02070309020205020404" pitchFamily="49" charset="0"/>
-                <a:cs typeface="Courier New" panose="02070309020205020404" pitchFamily="49" charset="0"/>
-              </a:rPr>
-              <a:t>(){</a:t>
+              <a:t>body{</a:t>
             </a:r>
           </a:p>
           <a:p>
@@ -8035,35 +8558,7 @@
                 <a:latin typeface="Courier New" panose="02070309020205020404" pitchFamily="49" charset="0"/>
                 <a:cs typeface="Courier New" panose="02070309020205020404" pitchFamily="49" charset="0"/>
               </a:rPr>
-              <a:t>    </a:t>
-            </a:r>
-            <a:r>
-              <a:rPr lang="en-US" dirty="0" err="1">
-                <a:latin typeface="Courier New" panose="02070309020205020404" pitchFamily="49" charset="0"/>
-                <a:cs typeface="Courier New" panose="02070309020205020404" pitchFamily="49" charset="0"/>
-              </a:rPr>
-              <a:t>wp_deregister_script</a:t>
-            </a:r>
-            <a:r>
-              <a:rPr lang="en-US" dirty="0">
-                <a:latin typeface="Courier New" panose="02070309020205020404" pitchFamily="49" charset="0"/>
-                <a:cs typeface="Courier New" panose="02070309020205020404" pitchFamily="49" charset="0"/>
-              </a:rPr>
-              <a:t>('</a:t>
-            </a:r>
-            <a:r>
-              <a:rPr lang="en-US" dirty="0" err="1">
-                <a:latin typeface="Courier New" panose="02070309020205020404" pitchFamily="49" charset="0"/>
-                <a:cs typeface="Courier New" panose="02070309020205020404" pitchFamily="49" charset="0"/>
-              </a:rPr>
-              <a:t>jquery</a:t>
-            </a:r>
-            <a:r>
-              <a:rPr lang="en-US" dirty="0">
-                <a:latin typeface="Courier New" panose="02070309020205020404" pitchFamily="49" charset="0"/>
-                <a:cs typeface="Courier New" panose="02070309020205020404" pitchFamily="49" charset="0"/>
-              </a:rPr>
-              <a:t>');</a:t>
+              <a:t>    background-color: #ccc;</a:t>
             </a:r>
           </a:p>
           <a:p>
@@ -8073,63 +8568,7 @@
                 <a:latin typeface="Courier New" panose="02070309020205020404" pitchFamily="49" charset="0"/>
                 <a:cs typeface="Courier New" panose="02070309020205020404" pitchFamily="49" charset="0"/>
               </a:rPr>
-              <a:t>    </a:t>
-            </a:r>
-            <a:r>
-              <a:rPr lang="en-US" dirty="0" err="1">
-                <a:latin typeface="Courier New" panose="02070309020205020404" pitchFamily="49" charset="0"/>
-                <a:cs typeface="Courier New" panose="02070309020205020404" pitchFamily="49" charset="0"/>
-              </a:rPr>
-              <a:t>wp_register_script</a:t>
-            </a:r>
-            <a:r>
-              <a:rPr lang="en-US" dirty="0">
-                <a:latin typeface="Courier New" panose="02070309020205020404" pitchFamily="49" charset="0"/>
-                <a:cs typeface="Courier New" panose="02070309020205020404" pitchFamily="49" charset="0"/>
-              </a:rPr>
-              <a:t>('</a:t>
-            </a:r>
-            <a:r>
-              <a:rPr lang="en-US" dirty="0" err="1">
-                <a:latin typeface="Courier New" panose="02070309020205020404" pitchFamily="49" charset="0"/>
-                <a:cs typeface="Courier New" panose="02070309020205020404" pitchFamily="49" charset="0"/>
-              </a:rPr>
-              <a:t>jquery</a:t>
-            </a:r>
-            <a:r>
-              <a:rPr lang="en-US" dirty="0">
-                <a:latin typeface="Courier New" panose="02070309020205020404" pitchFamily="49" charset="0"/>
-                <a:cs typeface="Courier New" panose="02070309020205020404" pitchFamily="49" charset="0"/>
-              </a:rPr>
-              <a:t>', </a:t>
-            </a:r>
-            <a:r>
-              <a:rPr lang="en-US" dirty="0" err="1">
-                <a:latin typeface="Courier New" panose="02070309020205020404" pitchFamily="49" charset="0"/>
-                <a:cs typeface="Courier New" panose="02070309020205020404" pitchFamily="49" charset="0"/>
-              </a:rPr>
-              <a:t>get_template_directory_uri</a:t>
-            </a:r>
-            <a:r>
-              <a:rPr lang="en-US" dirty="0">
-                <a:latin typeface="Courier New" panose="02070309020205020404" pitchFamily="49" charset="0"/>
-                <a:cs typeface="Courier New" panose="02070309020205020404" pitchFamily="49" charset="0"/>
-              </a:rPr>
-              <a:t>() . '/</a:t>
-            </a:r>
-            <a:r>
-              <a:rPr lang="en-US" dirty="0" err="1">
-                <a:latin typeface="Courier New" panose="02070309020205020404" pitchFamily="49" charset="0"/>
-                <a:cs typeface="Courier New" panose="02070309020205020404" pitchFamily="49" charset="0"/>
-              </a:rPr>
-              <a:t>js</a:t>
-            </a:r>
-            <a:r>
-              <a:rPr lang="en-US" dirty="0">
-                <a:latin typeface="Courier New" panose="02070309020205020404" pitchFamily="49" charset="0"/>
-                <a:cs typeface="Courier New" panose="02070309020205020404" pitchFamily="49" charset="0"/>
-              </a:rPr>
-              <a:t>/jquery-3.4.1.min.js', array(), 1, true);</a:t>
+              <a:t>}</a:t>
             </a:r>
             <a:endParaRPr lang="pt-BR" dirty="0">
               <a:latin typeface="Courier New" panose="02070309020205020404" pitchFamily="49" charset="0"/>
@@ -8141,7 +8580,7 @@
     </p:spTree>
     <p:extLst>
       <p:ext uri="{BB962C8B-B14F-4D97-AF65-F5344CB8AC3E}">
-        <p14:creationId xmlns:p14="http://schemas.microsoft.com/office/powerpoint/2010/main" val="843939500"/>
+        <p14:creationId xmlns:p14="http://schemas.microsoft.com/office/powerpoint/2010/main" val="449393554"/>
       </p:ext>
     </p:extLst>
   </p:cSld>
@@ -8203,7 +8642,7 @@
         <p:spPr/>
         <p:txBody>
           <a:bodyPr>
-            <a:normAutofit fontScale="85000" lnSpcReduction="10000"/>
+            <a:normAutofit/>
           </a:bodyPr>
           <a:lstStyle/>
           <a:p>
@@ -8266,6 +8705,30 @@
                 <a:latin typeface="Courier New" panose="02070309020205020404" pitchFamily="49" charset="0"/>
                 <a:cs typeface="Courier New" panose="02070309020205020404" pitchFamily="49" charset="0"/>
               </a:rPr>
+              <a:t>function </a:t>
+            </a:r>
+            <a:r>
+              <a:rPr lang="en-US" dirty="0" err="1">
+                <a:latin typeface="Courier New" panose="02070309020205020404" pitchFamily="49" charset="0"/>
+                <a:cs typeface="Courier New" panose="02070309020205020404" pitchFamily="49" charset="0"/>
+              </a:rPr>
+              <a:t>adicionar_scripts</a:t>
+            </a:r>
+            <a:r>
+              <a:rPr lang="en-US" dirty="0">
+                <a:latin typeface="Courier New" panose="02070309020205020404" pitchFamily="49" charset="0"/>
+                <a:cs typeface="Courier New" panose="02070309020205020404" pitchFamily="49" charset="0"/>
+              </a:rPr>
+              <a:t>(){</a:t>
+            </a:r>
+          </a:p>
+          <a:p>
+            <a:pPr algn="l"/>
+            <a:r>
+              <a:rPr lang="en-US" dirty="0">
+                <a:latin typeface="Courier New" panose="02070309020205020404" pitchFamily="49" charset="0"/>
+                <a:cs typeface="Courier New" panose="02070309020205020404" pitchFamily="49" charset="0"/>
+              </a:rPr>
               <a:t>    </a:t>
             </a:r>
             <a:r>
@@ -8273,7 +8736,7 @@
                 <a:latin typeface="Courier New" panose="02070309020205020404" pitchFamily="49" charset="0"/>
                 <a:cs typeface="Courier New" panose="02070309020205020404" pitchFamily="49" charset="0"/>
               </a:rPr>
-              <a:t>wp_enqueue_script</a:t>
+              <a:t>wp_deregister_script</a:t>
             </a:r>
             <a:r>
               <a:rPr lang="en-US" dirty="0">
@@ -8318,13 +8781,27 @@
                 <a:latin typeface="Courier New" panose="02070309020205020404" pitchFamily="49" charset="0"/>
                 <a:cs typeface="Courier New" panose="02070309020205020404" pitchFamily="49" charset="0"/>
               </a:rPr>
-              <a:t>('script', </a:t>
+              <a:t>('</a:t>
             </a:r>
             <a:r>
               <a:rPr lang="en-US" dirty="0" err="1">
                 <a:latin typeface="Courier New" panose="02070309020205020404" pitchFamily="49" charset="0"/>
                 <a:cs typeface="Courier New" panose="02070309020205020404" pitchFamily="49" charset="0"/>
               </a:rPr>
+              <a:t>jquery</a:t>
+            </a:r>
+            <a:r>
+              <a:rPr lang="en-US" dirty="0">
+                <a:latin typeface="Courier New" panose="02070309020205020404" pitchFamily="49" charset="0"/>
+                <a:cs typeface="Courier New" panose="02070309020205020404" pitchFamily="49" charset="0"/>
+              </a:rPr>
+              <a:t>', </a:t>
+            </a:r>
+            <a:r>
+              <a:rPr lang="en-US" dirty="0" err="1">
+                <a:latin typeface="Courier New" panose="02070309020205020404" pitchFamily="49" charset="0"/>
+                <a:cs typeface="Courier New" panose="02070309020205020404" pitchFamily="49" charset="0"/>
+              </a:rPr>
               <a:t>get_template_directory_uri</a:t>
             </a:r>
             <a:r>
@@ -8346,94 +8823,19 @@
                 <a:latin typeface="Courier New" panose="02070309020205020404" pitchFamily="49" charset="0"/>
                 <a:cs typeface="Courier New" panose="02070309020205020404" pitchFamily="49" charset="0"/>
               </a:rPr>
-              <a:t>/scripts.js', array(), 1, true);</a:t>
-            </a:r>
-          </a:p>
-          <a:p>
-            <a:pPr algn="l"/>
-            <a:r>
-              <a:rPr lang="en-US" dirty="0">
-                <a:latin typeface="Courier New" panose="02070309020205020404" pitchFamily="49" charset="0"/>
-                <a:cs typeface="Courier New" panose="02070309020205020404" pitchFamily="49" charset="0"/>
-              </a:rPr>
-              <a:t>    </a:t>
-            </a:r>
-            <a:r>
-              <a:rPr lang="en-US" dirty="0" err="1">
-                <a:latin typeface="Courier New" panose="02070309020205020404" pitchFamily="49" charset="0"/>
-                <a:cs typeface="Courier New" panose="02070309020205020404" pitchFamily="49" charset="0"/>
-              </a:rPr>
-              <a:t>wp_enqueue_script</a:t>
-            </a:r>
-            <a:r>
-              <a:rPr lang="en-US" dirty="0">
-                <a:latin typeface="Courier New" panose="02070309020205020404" pitchFamily="49" charset="0"/>
-                <a:cs typeface="Courier New" panose="02070309020205020404" pitchFamily="49" charset="0"/>
-              </a:rPr>
-              <a:t>('script');</a:t>
-            </a:r>
-          </a:p>
-          <a:p>
-            <a:pPr algn="l"/>
-            <a:r>
-              <a:rPr lang="en-US" dirty="0">
-                <a:latin typeface="Courier New" panose="02070309020205020404" pitchFamily="49" charset="0"/>
-                <a:cs typeface="Courier New" panose="02070309020205020404" pitchFamily="49" charset="0"/>
-              </a:rPr>
-              <a:t>}</a:t>
-            </a:r>
-          </a:p>
-          <a:p>
-            <a:pPr algn="l"/>
-            <a:r>
-              <a:rPr lang="en-US" dirty="0" err="1">
-                <a:latin typeface="Courier New" panose="02070309020205020404" pitchFamily="49" charset="0"/>
-                <a:cs typeface="Courier New" panose="02070309020205020404" pitchFamily="49" charset="0"/>
-              </a:rPr>
-              <a:t>add_action</a:t>
-            </a:r>
-            <a:r>
-              <a:rPr lang="en-US" dirty="0">
-                <a:latin typeface="Courier New" panose="02070309020205020404" pitchFamily="49" charset="0"/>
-                <a:cs typeface="Courier New" panose="02070309020205020404" pitchFamily="49" charset="0"/>
-              </a:rPr>
-              <a:t>('</a:t>
-            </a:r>
-            <a:r>
-              <a:rPr lang="en-US" dirty="0" err="1">
-                <a:latin typeface="Courier New" panose="02070309020205020404" pitchFamily="49" charset="0"/>
-                <a:cs typeface="Courier New" panose="02070309020205020404" pitchFamily="49" charset="0"/>
-              </a:rPr>
-              <a:t>wp_enqueue_scripts</a:t>
-            </a:r>
-            <a:r>
-              <a:rPr lang="en-US" dirty="0">
-                <a:latin typeface="Courier New" panose="02070309020205020404" pitchFamily="49" charset="0"/>
-                <a:cs typeface="Courier New" panose="02070309020205020404" pitchFamily="49" charset="0"/>
-              </a:rPr>
-              <a:t>', ' </a:t>
-            </a:r>
-            <a:r>
-              <a:rPr lang="en-US" dirty="0" err="1">
-                <a:latin typeface="Courier New" panose="02070309020205020404" pitchFamily="49" charset="0"/>
-                <a:cs typeface="Courier New" panose="02070309020205020404" pitchFamily="49" charset="0"/>
-              </a:rPr>
-              <a:t>adicionar_scripts</a:t>
-            </a:r>
-            <a:r>
-              <a:rPr lang="en-US" dirty="0">
-                <a:latin typeface="Courier New" panose="02070309020205020404" pitchFamily="49" charset="0"/>
-                <a:cs typeface="Courier New" panose="02070309020205020404" pitchFamily="49" charset="0"/>
-              </a:rPr>
-              <a:t>');</a:t>
-            </a:r>
+              <a:t>/jquery-3.4.1.min.js', array(), 1, true);</a:t>
+            </a:r>
+            <a:endParaRPr lang="pt-BR" dirty="0">
+              <a:latin typeface="Courier New" panose="02070309020205020404" pitchFamily="49" charset="0"/>
+              <a:cs typeface="Courier New" panose="02070309020205020404" pitchFamily="49" charset="0"/>
+            </a:endParaRPr>
           </a:p>
         </p:txBody>
       </p:sp>
     </p:spTree>
     <p:extLst>
       <p:ext uri="{BB962C8B-B14F-4D97-AF65-F5344CB8AC3E}">
-        <p14:creationId xmlns:p14="http://schemas.microsoft.com/office/powerpoint/2010/main" val="711182316"/>
+        <p14:creationId xmlns:p14="http://schemas.microsoft.com/office/powerpoint/2010/main" val="843939500"/>
       </p:ext>
     </p:extLst>
   </p:cSld>
@@ -8477,7 +8879,7 @@
           <a:p>
             <a:r>
               <a:rPr lang="pt-BR" dirty="0"/>
-              <a:t>Estrutura</a:t>
+              <a:t>Objetivo</a:t>
             </a:r>
           </a:p>
         </p:txBody>
@@ -8501,62 +8903,27 @@
           <a:p>
             <a:r>
               <a:rPr lang="pt-BR" dirty="0"/>
-              <a:t>Criar um novo diretório para o tema em </a:t>
-            </a:r>
-            <a:r>
-              <a:rPr lang="pt-BR" dirty="0" err="1">
-                <a:latin typeface="Courier New" panose="02070309020205020404" pitchFamily="49" charset="0"/>
-                <a:cs typeface="Courier New" panose="02070309020205020404" pitchFamily="49" charset="0"/>
-              </a:rPr>
-              <a:t>wp-content</a:t>
-            </a:r>
-            <a:r>
-              <a:rPr lang="pt-BR" dirty="0">
-                <a:latin typeface="Courier New" panose="02070309020205020404" pitchFamily="49" charset="0"/>
-                <a:cs typeface="Courier New" panose="02070309020205020404" pitchFamily="49" charset="0"/>
-              </a:rPr>
-              <a:t>\</a:t>
-            </a:r>
-            <a:r>
-              <a:rPr lang="pt-BR" dirty="0" err="1">
-                <a:latin typeface="Courier New" panose="02070309020205020404" pitchFamily="49" charset="0"/>
-                <a:cs typeface="Courier New" panose="02070309020205020404" pitchFamily="49" charset="0"/>
-              </a:rPr>
-              <a:t>themes</a:t>
-            </a:r>
-            <a:r>
-              <a:rPr lang="pt-BR" dirty="0"/>
-              <a:t> (</a:t>
+              <a:t>Este tutorial apresenta um passo a passo para a criação de um tema simples, iniciado do zero, para ser usado no </a:t>
             </a:r>
             <a:r>
               <a:rPr lang="pt-BR" dirty="0" err="1"/>
-              <a:t>temaSimples</a:t>
-            </a:r>
-            <a:r>
-              <a:rPr lang="pt-BR" dirty="0"/>
-              <a:t>, por exemplo) e os arquivos </a:t>
-            </a:r>
-            <a:r>
-              <a:rPr lang="pt-BR" dirty="0" err="1">
-                <a:latin typeface="Courier New" panose="02070309020205020404" pitchFamily="49" charset="0"/>
-                <a:cs typeface="Courier New" panose="02070309020205020404" pitchFamily="49" charset="0"/>
-              </a:rPr>
-              <a:t>index.php</a:t>
-            </a:r>
-            <a:r>
-              <a:rPr lang="pt-BR" dirty="0"/>
-              <a:t> e </a:t>
-            </a:r>
-            <a:r>
-              <a:rPr lang="pt-BR" dirty="0">
-                <a:latin typeface="Courier New" panose="02070309020205020404" pitchFamily="49" charset="0"/>
-                <a:cs typeface="Courier New" panose="02070309020205020404" pitchFamily="49" charset="0"/>
-              </a:rPr>
-              <a:t>style.css</a:t>
-            </a:r>
-            <a:r>
-              <a:rPr lang="pt-BR" dirty="0"/>
-              <a:t> nesse novo diretório.</a:t>
+              <a:t>Wordpress</a:t>
+            </a:r>
+            <a:r>
+              <a:rPr lang="pt-BR" dirty="0"/>
+              <a:t>.</a:t>
+            </a:r>
+          </a:p>
+          <a:p>
+            <a:r>
+              <a:rPr lang="pt-BR" dirty="0"/>
+              <a:t>Nele você encontrará instruções e trechos de códigos para construir a estrutura de um novo tema.</a:t>
+            </a:r>
+          </a:p>
+          <a:p>
+            <a:r>
+              <a:rPr lang="pt-BR" dirty="0"/>
+              <a:t>Este material é focado na programação dos arquivos e não possui instruções detalhadas de como realizar tarefas comuns no painel de gerenciamento.</a:t>
             </a:r>
           </a:p>
         </p:txBody>
@@ -8608,7 +8975,7 @@
           <a:p>
             <a:r>
               <a:rPr lang="pt-BR" dirty="0"/>
-              <a:t>Visualização do site</a:t>
+              <a:t>Inserção de scripts adicionais</a:t>
             </a:r>
           </a:p>
         </p:txBody>
@@ -8626,86 +8993,237 @@
         <p:spPr/>
         <p:txBody>
           <a:bodyPr>
-            <a:normAutofit/>
+            <a:normAutofit fontScale="85000" lnSpcReduction="10000"/>
           </a:bodyPr>
           <a:lstStyle/>
           <a:p>
             <a:r>
-              <a:rPr lang="pt-BR" dirty="0"/>
-              <a:t>Insira algum script no arquivo </a:t>
-            </a:r>
-            <a:r>
-              <a:rPr lang="pt-BR" dirty="0">
-                <a:latin typeface="Courier New" panose="02070309020205020404" pitchFamily="49" charset="0"/>
-                <a:cs typeface="Courier New" panose="02070309020205020404" pitchFamily="49" charset="0"/>
-              </a:rPr>
-              <a:t>scripts.js</a:t>
-            </a:r>
-            <a:r>
-              <a:rPr lang="pt-BR" dirty="0"/>
-              <a:t> e visualize o site</a:t>
-            </a:r>
-            <a:r>
               <a:rPr lang="en-US" dirty="0"/>
-              <a:t> para </a:t>
-            </a:r>
-            <a:r>
-              <a:rPr lang="pt-BR" dirty="0"/>
-              <a:t>observar</a:t>
+              <a:t>No </a:t>
+            </a:r>
+            <a:r>
+              <a:rPr lang="en-US" dirty="0" err="1"/>
+              <a:t>arquivo</a:t>
             </a:r>
             <a:r>
               <a:rPr lang="en-US" dirty="0"/>
-              <a:t> a </a:t>
-            </a:r>
-            <a:r>
-              <a:rPr lang="pt-BR" dirty="0"/>
-              <a:t>inserção</a:t>
+              <a:t> </a:t>
+            </a:r>
+            <a:r>
+              <a:rPr lang="en-US" dirty="0" err="1">
+                <a:latin typeface="Courier New" panose="02070309020205020404" pitchFamily="49" charset="0"/>
+                <a:cs typeface="Courier New" panose="02070309020205020404" pitchFamily="49" charset="0"/>
+              </a:rPr>
+              <a:t>functions.php</a:t>
             </a:r>
             <a:r>
               <a:rPr lang="en-US" dirty="0"/>
-              <a:t> do novo script.</a:t>
-            </a:r>
-          </a:p>
-          <a:p>
-            <a:pPr algn="l"/>
-            <a:r>
-              <a:rPr lang="en-US" dirty="0">
-                <a:latin typeface="Courier New" panose="02070309020205020404" pitchFamily="49" charset="0"/>
-                <a:cs typeface="Courier New" panose="02070309020205020404" pitchFamily="49" charset="0"/>
-              </a:rPr>
-              <a:t>$(document).ready(function(){</a:t>
-            </a:r>
-          </a:p>
-          <a:p>
-            <a:pPr algn="l"/>
-            <a:r>
-              <a:rPr lang="en-US" dirty="0">
-                <a:latin typeface="Courier New" panose="02070309020205020404" pitchFamily="49" charset="0"/>
-                <a:cs typeface="Courier New" panose="02070309020205020404" pitchFamily="49" charset="0"/>
-              </a:rPr>
-              <a:t>    alert('oi');</a:t>
-            </a:r>
-          </a:p>
-          <a:p>
-            <a:pPr algn="l"/>
-            <a:r>
-              <a:rPr lang="en-US" dirty="0">
-                <a:latin typeface="Courier New" panose="02070309020205020404" pitchFamily="49" charset="0"/>
-                <a:cs typeface="Courier New" panose="02070309020205020404" pitchFamily="49" charset="0"/>
-              </a:rPr>
-              <a:t>});</a:t>
-            </a:r>
-            <a:endParaRPr lang="pt-BR" dirty="0">
+              <a:t>, </a:t>
+            </a:r>
+            <a:r>
+              <a:rPr lang="en-US" dirty="0" err="1"/>
+              <a:t>insira</a:t>
+            </a:r>
+            <a:r>
+              <a:rPr lang="en-US" dirty="0"/>
+              <a:t> o </a:t>
+            </a:r>
+            <a:r>
+              <a:rPr lang="en-US" dirty="0" err="1"/>
+              <a:t>seguinte</a:t>
+            </a:r>
+            <a:r>
+              <a:rPr lang="en-US" dirty="0"/>
+              <a:t> </a:t>
+            </a:r>
+            <a:r>
+              <a:rPr lang="en-US" dirty="0" err="1"/>
+              <a:t>código</a:t>
+            </a:r>
+            <a:r>
+              <a:rPr lang="en-US" dirty="0"/>
+              <a:t>:</a:t>
+            </a:r>
+            <a:endParaRPr lang="en-US" dirty="0">
               <a:latin typeface="Courier New" panose="02070309020205020404" pitchFamily="49" charset="0"/>
               <a:cs typeface="Courier New" panose="02070309020205020404" pitchFamily="49" charset="0"/>
             </a:endParaRPr>
           </a:p>
+          <a:p>
+            <a:pPr algn="l"/>
+            <a:r>
+              <a:rPr lang="en-US" dirty="0">
+                <a:latin typeface="Courier New" panose="02070309020205020404" pitchFamily="49" charset="0"/>
+                <a:cs typeface="Courier New" panose="02070309020205020404" pitchFamily="49" charset="0"/>
+              </a:rPr>
+              <a:t>    </a:t>
+            </a:r>
+            <a:r>
+              <a:rPr lang="en-US" dirty="0" err="1">
+                <a:latin typeface="Courier New" panose="02070309020205020404" pitchFamily="49" charset="0"/>
+                <a:cs typeface="Courier New" panose="02070309020205020404" pitchFamily="49" charset="0"/>
+              </a:rPr>
+              <a:t>wp_enqueue_script</a:t>
+            </a:r>
+            <a:r>
+              <a:rPr lang="en-US" dirty="0">
+                <a:latin typeface="Courier New" panose="02070309020205020404" pitchFamily="49" charset="0"/>
+                <a:cs typeface="Courier New" panose="02070309020205020404" pitchFamily="49" charset="0"/>
+              </a:rPr>
+              <a:t>('</a:t>
+            </a:r>
+            <a:r>
+              <a:rPr lang="en-US" dirty="0" err="1">
+                <a:latin typeface="Courier New" panose="02070309020205020404" pitchFamily="49" charset="0"/>
+                <a:cs typeface="Courier New" panose="02070309020205020404" pitchFamily="49" charset="0"/>
+              </a:rPr>
+              <a:t>jquery</a:t>
+            </a:r>
+            <a:r>
+              <a:rPr lang="en-US" dirty="0">
+                <a:latin typeface="Courier New" panose="02070309020205020404" pitchFamily="49" charset="0"/>
+                <a:cs typeface="Courier New" panose="02070309020205020404" pitchFamily="49" charset="0"/>
+              </a:rPr>
+              <a:t>');</a:t>
+            </a:r>
+          </a:p>
+          <a:p>
+            <a:pPr algn="l"/>
+            <a:r>
+              <a:rPr lang="en-US" dirty="0">
+                <a:latin typeface="Courier New" panose="02070309020205020404" pitchFamily="49" charset="0"/>
+                <a:cs typeface="Courier New" panose="02070309020205020404" pitchFamily="49" charset="0"/>
+              </a:rPr>
+              <a:t>    </a:t>
+            </a:r>
+            <a:r>
+              <a:rPr lang="en-US" dirty="0" err="1">
+                <a:latin typeface="Courier New" panose="02070309020205020404" pitchFamily="49" charset="0"/>
+                <a:cs typeface="Courier New" panose="02070309020205020404" pitchFamily="49" charset="0"/>
+              </a:rPr>
+              <a:t>wp_register_script</a:t>
+            </a:r>
+            <a:r>
+              <a:rPr lang="en-US" dirty="0">
+                <a:latin typeface="Courier New" panose="02070309020205020404" pitchFamily="49" charset="0"/>
+                <a:cs typeface="Courier New" panose="02070309020205020404" pitchFamily="49" charset="0"/>
+              </a:rPr>
+              <a:t>('script', </a:t>
+            </a:r>
+            <a:r>
+              <a:rPr lang="en-US" dirty="0" err="1">
+                <a:latin typeface="Courier New" panose="02070309020205020404" pitchFamily="49" charset="0"/>
+                <a:cs typeface="Courier New" panose="02070309020205020404" pitchFamily="49" charset="0"/>
+              </a:rPr>
+              <a:t>get_template_directory_uri</a:t>
+            </a:r>
+            <a:r>
+              <a:rPr lang="en-US" dirty="0">
+                <a:latin typeface="Courier New" panose="02070309020205020404" pitchFamily="49" charset="0"/>
+                <a:cs typeface="Courier New" panose="02070309020205020404" pitchFamily="49" charset="0"/>
+              </a:rPr>
+              <a:t>() . '/</a:t>
+            </a:r>
+            <a:r>
+              <a:rPr lang="en-US" dirty="0" err="1">
+                <a:latin typeface="Courier New" panose="02070309020205020404" pitchFamily="49" charset="0"/>
+                <a:cs typeface="Courier New" panose="02070309020205020404" pitchFamily="49" charset="0"/>
+              </a:rPr>
+              <a:t>js</a:t>
+            </a:r>
+            <a:r>
+              <a:rPr lang="en-US" dirty="0">
+                <a:latin typeface="Courier New" panose="02070309020205020404" pitchFamily="49" charset="0"/>
+                <a:cs typeface="Courier New" panose="02070309020205020404" pitchFamily="49" charset="0"/>
+              </a:rPr>
+              <a:t>/scripts.js', array(), 1, true);</a:t>
+            </a:r>
+          </a:p>
+          <a:p>
+            <a:pPr algn="l"/>
+            <a:r>
+              <a:rPr lang="en-US" dirty="0">
+                <a:latin typeface="Courier New" panose="02070309020205020404" pitchFamily="49" charset="0"/>
+                <a:cs typeface="Courier New" panose="02070309020205020404" pitchFamily="49" charset="0"/>
+              </a:rPr>
+              <a:t>    </a:t>
+            </a:r>
+            <a:r>
+              <a:rPr lang="en-US" dirty="0" err="1">
+                <a:latin typeface="Courier New" panose="02070309020205020404" pitchFamily="49" charset="0"/>
+                <a:cs typeface="Courier New" panose="02070309020205020404" pitchFamily="49" charset="0"/>
+              </a:rPr>
+              <a:t>wp_enqueue_script</a:t>
+            </a:r>
+            <a:r>
+              <a:rPr lang="en-US" dirty="0">
+                <a:latin typeface="Courier New" panose="02070309020205020404" pitchFamily="49" charset="0"/>
+                <a:cs typeface="Courier New" panose="02070309020205020404" pitchFamily="49" charset="0"/>
+              </a:rPr>
+              <a:t>('script');</a:t>
+            </a:r>
+          </a:p>
+          <a:p>
+            <a:pPr algn="l"/>
+            <a:r>
+              <a:rPr lang="en-US" dirty="0">
+                <a:latin typeface="Courier New" panose="02070309020205020404" pitchFamily="49" charset="0"/>
+                <a:cs typeface="Courier New" panose="02070309020205020404" pitchFamily="49" charset="0"/>
+              </a:rPr>
+              <a:t>}</a:t>
+            </a:r>
+          </a:p>
+          <a:p>
+            <a:pPr algn="l"/>
+            <a:r>
+              <a:rPr lang="en-US" dirty="0" err="1">
+                <a:latin typeface="Courier New" panose="02070309020205020404" pitchFamily="49" charset="0"/>
+                <a:cs typeface="Courier New" panose="02070309020205020404" pitchFamily="49" charset="0"/>
+              </a:rPr>
+              <a:t>add_action</a:t>
+            </a:r>
+            <a:r>
+              <a:rPr lang="en-US" dirty="0">
+                <a:latin typeface="Courier New" panose="02070309020205020404" pitchFamily="49" charset="0"/>
+                <a:cs typeface="Courier New" panose="02070309020205020404" pitchFamily="49" charset="0"/>
+              </a:rPr>
+              <a:t>('</a:t>
+            </a:r>
+            <a:r>
+              <a:rPr lang="en-US" dirty="0" err="1">
+                <a:latin typeface="Courier New" panose="02070309020205020404" pitchFamily="49" charset="0"/>
+                <a:cs typeface="Courier New" panose="02070309020205020404" pitchFamily="49" charset="0"/>
+              </a:rPr>
+              <a:t>wp_enqueue_scripts</a:t>
+            </a:r>
+            <a:r>
+              <a:rPr lang="en-US" dirty="0">
+                <a:latin typeface="Courier New" panose="02070309020205020404" pitchFamily="49" charset="0"/>
+                <a:cs typeface="Courier New" panose="02070309020205020404" pitchFamily="49" charset="0"/>
+              </a:rPr>
+              <a:t>', ' </a:t>
+            </a:r>
+            <a:r>
+              <a:rPr lang="en-US" dirty="0" err="1">
+                <a:latin typeface="Courier New" panose="02070309020205020404" pitchFamily="49" charset="0"/>
+                <a:cs typeface="Courier New" panose="02070309020205020404" pitchFamily="49" charset="0"/>
+              </a:rPr>
+              <a:t>adicionar_scripts</a:t>
+            </a:r>
+            <a:r>
+              <a:rPr lang="en-US" dirty="0">
+                <a:latin typeface="Courier New" panose="02070309020205020404" pitchFamily="49" charset="0"/>
+                <a:cs typeface="Courier New" panose="02070309020205020404" pitchFamily="49" charset="0"/>
+              </a:rPr>
+              <a:t>');</a:t>
+            </a:r>
+          </a:p>
         </p:txBody>
       </p:sp>
     </p:spTree>
     <p:extLst>
       <p:ext uri="{BB962C8B-B14F-4D97-AF65-F5344CB8AC3E}">
-        <p14:creationId xmlns:p14="http://schemas.microsoft.com/office/powerpoint/2010/main" val="1145995629"/>
+        <p14:creationId xmlns:p14="http://schemas.microsoft.com/office/powerpoint/2010/main" val="711182316"/>
       </p:ext>
     </p:extLst>
   </p:cSld>
@@ -8749,7 +9267,7 @@
           <a:p>
             <a:r>
               <a:rPr lang="pt-BR" dirty="0"/>
-              <a:t>Inserção do cabeçalho</a:t>
+              <a:t>Visualização do site</a:t>
             </a:r>
           </a:p>
         </p:txBody>
@@ -8767,55 +9285,44 @@
         <p:spPr/>
         <p:txBody>
           <a:bodyPr>
-            <a:normAutofit fontScale="92500" lnSpcReduction="10000"/>
+            <a:normAutofit/>
           </a:bodyPr>
           <a:lstStyle/>
           <a:p>
             <a:r>
               <a:rPr lang="pt-BR" dirty="0"/>
-              <a:t>No arquivo </a:t>
-            </a:r>
-            <a:r>
-              <a:rPr lang="pt-BR" dirty="0" err="1">
-                <a:latin typeface="Courier New" panose="02070309020205020404" pitchFamily="49" charset="0"/>
-                <a:cs typeface="Courier New" panose="02070309020205020404" pitchFamily="49" charset="0"/>
-              </a:rPr>
-              <a:t>header.php</a:t>
-            </a:r>
-            <a:r>
-              <a:rPr lang="pt-BR" dirty="0"/>
-              <a:t>, insira o elemento </a:t>
+              <a:t>Insira algum script no arquivo </a:t>
             </a:r>
             <a:r>
               <a:rPr lang="pt-BR" dirty="0">
                 <a:latin typeface="Courier New" panose="02070309020205020404" pitchFamily="49" charset="0"/>
                 <a:cs typeface="Courier New" panose="02070309020205020404" pitchFamily="49" charset="0"/>
               </a:rPr>
-              <a:t>&lt;header&gt;</a:t>
-            </a:r>
-            <a:r>
-              <a:rPr lang="pt-BR" dirty="0"/>
-              <a:t> (vazio) após a abertura da </a:t>
-            </a:r>
-            <a:r>
-              <a:rPr lang="pt-BR" dirty="0" err="1"/>
-              <a:t>tag</a:t>
-            </a:r>
-            <a:r>
-              <a:rPr lang="pt-BR" dirty="0"/>
-              <a:t> </a:t>
-            </a:r>
-            <a:r>
-              <a:rPr lang="pt-BR" dirty="0" err="1"/>
-              <a:t>body</a:t>
-            </a:r>
-            <a:r>
-              <a:rPr lang="pt-BR" dirty="0"/>
-              <a:t> e crie uma regra CSS para o mesmo</a:t>
+              <a:t>scripts.js</a:t>
+            </a:r>
+            <a:r>
+              <a:rPr lang="pt-BR" dirty="0"/>
+              <a:t> e visualize o site</a:t>
             </a:r>
             <a:r>
               <a:rPr lang="en-US" dirty="0"/>
-              <a:t>:</a:t>
+              <a:t> para </a:t>
+            </a:r>
+            <a:r>
+              <a:rPr lang="pt-BR" dirty="0"/>
+              <a:t>observar</a:t>
+            </a:r>
+            <a:r>
+              <a:rPr lang="en-US" dirty="0"/>
+              <a:t> a </a:t>
+            </a:r>
+            <a:r>
+              <a:rPr lang="pt-BR" dirty="0"/>
+              <a:t>inserção</a:t>
+            </a:r>
+            <a:r>
+              <a:rPr lang="en-US" dirty="0"/>
+              <a:t> do novo script.</a:t>
             </a:r>
           </a:p>
           <a:p>
@@ -8825,7 +9332,7 @@
                 <a:latin typeface="Courier New" panose="02070309020205020404" pitchFamily="49" charset="0"/>
                 <a:cs typeface="Courier New" panose="02070309020205020404" pitchFamily="49" charset="0"/>
               </a:rPr>
-              <a:t>header{</a:t>
+              <a:t>$(document).ready(function(){</a:t>
             </a:r>
           </a:p>
           <a:p>
@@ -8835,21 +9342,7 @@
                 <a:latin typeface="Courier New" panose="02070309020205020404" pitchFamily="49" charset="0"/>
                 <a:cs typeface="Courier New" panose="02070309020205020404" pitchFamily="49" charset="0"/>
               </a:rPr>
-              <a:t>    background-color: #</a:t>
-            </a:r>
-            <a:r>
-              <a:rPr lang="en-US" dirty="0" err="1">
-                <a:latin typeface="Courier New" panose="02070309020205020404" pitchFamily="49" charset="0"/>
-                <a:cs typeface="Courier New" panose="02070309020205020404" pitchFamily="49" charset="0"/>
-              </a:rPr>
-              <a:t>fff</a:t>
-            </a:r>
-            <a:r>
-              <a:rPr lang="en-US" dirty="0">
-                <a:latin typeface="Courier New" panose="02070309020205020404" pitchFamily="49" charset="0"/>
-                <a:cs typeface="Courier New" panose="02070309020205020404" pitchFamily="49" charset="0"/>
-              </a:rPr>
-              <a:t>;</a:t>
+              <a:t>    alert('oi');</a:t>
             </a:r>
           </a:p>
           <a:p>
@@ -8859,27 +9352,7 @@
                 <a:latin typeface="Courier New" panose="02070309020205020404" pitchFamily="49" charset="0"/>
                 <a:cs typeface="Courier New" panose="02070309020205020404" pitchFamily="49" charset="0"/>
               </a:rPr>
-              <a:t>    width: 100%;</a:t>
-            </a:r>
-          </a:p>
-          <a:p>
-            <a:pPr algn="l"/>
-            <a:r>
-              <a:rPr lang="en-US" dirty="0">
-                <a:latin typeface="Courier New" panose="02070309020205020404" pitchFamily="49" charset="0"/>
-                <a:cs typeface="Courier New" panose="02070309020205020404" pitchFamily="49" charset="0"/>
-              </a:rPr>
-              <a:t>	height: 100px;</a:t>
-            </a:r>
-          </a:p>
-          <a:p>
-            <a:pPr algn="l"/>
-            <a:r>
-              <a:rPr lang="en-US" dirty="0">
-                <a:latin typeface="Courier New" panose="02070309020205020404" pitchFamily="49" charset="0"/>
-                <a:cs typeface="Courier New" panose="02070309020205020404" pitchFamily="49" charset="0"/>
-              </a:rPr>
-              <a:t>}</a:t>
+              <a:t>});</a:t>
             </a:r>
             <a:endParaRPr lang="pt-BR" dirty="0">
               <a:latin typeface="Courier New" panose="02070309020205020404" pitchFamily="49" charset="0"/>
@@ -8891,7 +9364,7 @@
     </p:spTree>
     <p:extLst>
       <p:ext uri="{BB962C8B-B14F-4D97-AF65-F5344CB8AC3E}">
-        <p14:creationId xmlns:p14="http://schemas.microsoft.com/office/powerpoint/2010/main" val="3655724266"/>
+        <p14:creationId xmlns:p14="http://schemas.microsoft.com/office/powerpoint/2010/main" val="1145995629"/>
       </p:ext>
     </p:extLst>
   </p:cSld>
@@ -8935,7 +9408,7 @@
           <a:p>
             <a:r>
               <a:rPr lang="pt-BR" dirty="0"/>
-              <a:t>Inserção do conteúdo</a:t>
+              <a:t>Inserção do cabeçalho</a:t>
             </a:r>
           </a:p>
         </p:txBody>
@@ -8953,7 +9426,7 @@
         <p:spPr/>
         <p:txBody>
           <a:bodyPr>
-            <a:normAutofit/>
+            <a:normAutofit fontScale="92500" lnSpcReduction="10000"/>
           </a:bodyPr>
           <a:lstStyle/>
           <a:p>
@@ -8962,61 +9435,42 @@
               <a:t>No arquivo </a:t>
             </a:r>
             <a:r>
+              <a:rPr lang="pt-BR" dirty="0" err="1">
+                <a:latin typeface="Courier New" panose="02070309020205020404" pitchFamily="49" charset="0"/>
+                <a:cs typeface="Courier New" panose="02070309020205020404" pitchFamily="49" charset="0"/>
+              </a:rPr>
+              <a:t>header.php</a:t>
+            </a:r>
+            <a:r>
+              <a:rPr lang="pt-BR" dirty="0"/>
+              <a:t>, insira o elemento </a:t>
+            </a:r>
+            <a:r>
               <a:rPr lang="pt-BR" dirty="0">
                 <a:latin typeface="Courier New" panose="02070309020205020404" pitchFamily="49" charset="0"/>
                 <a:cs typeface="Courier New" panose="02070309020205020404" pitchFamily="49" charset="0"/>
               </a:rPr>
-              <a:t>front-</a:t>
-            </a:r>
-            <a:r>
-              <a:rPr lang="pt-BR" dirty="0" err="1">
-                <a:latin typeface="Courier New" panose="02070309020205020404" pitchFamily="49" charset="0"/>
-                <a:cs typeface="Courier New" panose="02070309020205020404" pitchFamily="49" charset="0"/>
-              </a:rPr>
-              <a:t>page.php</a:t>
-            </a:r>
-            <a:r>
-              <a:rPr lang="pt-BR" dirty="0"/>
-              <a:t>, substitua o conteúdo do elemento </a:t>
-            </a:r>
-            <a:r>
-              <a:rPr lang="pt-BR" dirty="0">
-                <a:latin typeface="Courier New" panose="02070309020205020404" pitchFamily="49" charset="0"/>
-                <a:cs typeface="Courier New" panose="02070309020205020404" pitchFamily="49" charset="0"/>
-              </a:rPr>
-              <a:t>&lt;</a:t>
-            </a:r>
-            <a:r>
-              <a:rPr lang="pt-BR" dirty="0" err="1">
-                <a:latin typeface="Courier New" panose="02070309020205020404" pitchFamily="49" charset="0"/>
-                <a:cs typeface="Courier New" panose="02070309020205020404" pitchFamily="49" charset="0"/>
-              </a:rPr>
-              <a:t>div</a:t>
-            </a:r>
-            <a:r>
-              <a:rPr lang="pt-BR" dirty="0">
-                <a:latin typeface="Courier New" panose="02070309020205020404" pitchFamily="49" charset="0"/>
-                <a:cs typeface="Courier New" panose="02070309020205020404" pitchFamily="49" charset="0"/>
-              </a:rPr>
+              <a:t>&lt;header&gt;</a:t>
+            </a:r>
+            <a:r>
+              <a:rPr lang="pt-BR" dirty="0"/>
+              <a:t> (vazio) após a abertura da </a:t>
+            </a:r>
+            <a:r>
+              <a:rPr lang="pt-BR" dirty="0" err="1"/>
+              <a:t>tag</a:t>
+            </a:r>
+            <a:r>
+              <a:rPr lang="pt-BR" dirty="0"/>
               <a:t> </a:t>
             </a:r>
             <a:r>
-              <a:rPr lang="pt-BR" dirty="0" err="1">
-                <a:latin typeface="Courier New" panose="02070309020205020404" pitchFamily="49" charset="0"/>
-                <a:cs typeface="Courier New" panose="02070309020205020404" pitchFamily="49" charset="0"/>
-              </a:rPr>
-              <a:t>class</a:t>
-            </a:r>
-            <a:r>
-              <a:rPr lang="pt-BR" dirty="0">
-                <a:latin typeface="Courier New" panose="02070309020205020404" pitchFamily="49" charset="0"/>
-                <a:cs typeface="Courier New" panose="02070309020205020404" pitchFamily="49" charset="0"/>
-              </a:rPr>
-              <a:t>=“container”&gt;</a:t>
-            </a:r>
-            <a:r>
-              <a:rPr lang="pt-BR" dirty="0"/>
-              <a:t>, para exibir o título da página inicial</a:t>
+              <a:rPr lang="pt-BR" dirty="0" err="1"/>
+              <a:t>body</a:t>
+            </a:r>
+            <a:r>
+              <a:rPr lang="pt-BR" dirty="0"/>
+              <a:t> e crie uma regra CSS para o mesmo</a:t>
             </a:r>
             <a:r>
               <a:rPr lang="en-US" dirty="0"/>
@@ -9030,7 +9484,7 @@
                 <a:latin typeface="Courier New" panose="02070309020205020404" pitchFamily="49" charset="0"/>
                 <a:cs typeface="Courier New" panose="02070309020205020404" pitchFamily="49" charset="0"/>
               </a:rPr>
-              <a:t>&lt;div class="container"&gt;</a:t>
+              <a:t>header{</a:t>
             </a:r>
           </a:p>
           <a:p>
@@ -9040,21 +9494,21 @@
                 <a:latin typeface="Courier New" panose="02070309020205020404" pitchFamily="49" charset="0"/>
                 <a:cs typeface="Courier New" panose="02070309020205020404" pitchFamily="49" charset="0"/>
               </a:rPr>
-              <a:t>    &lt;h1&gt;&lt;?php </a:t>
+              <a:t>    background-color: #</a:t>
             </a:r>
             <a:r>
               <a:rPr lang="en-US" dirty="0" err="1">
                 <a:latin typeface="Courier New" panose="02070309020205020404" pitchFamily="49" charset="0"/>
                 <a:cs typeface="Courier New" panose="02070309020205020404" pitchFamily="49" charset="0"/>
               </a:rPr>
-              <a:t>the_title</a:t>
-            </a:r>
-            <a:r>
-              <a:rPr lang="en-US" dirty="0">
-                <a:latin typeface="Courier New" panose="02070309020205020404" pitchFamily="49" charset="0"/>
-                <a:cs typeface="Courier New" panose="02070309020205020404" pitchFamily="49" charset="0"/>
-              </a:rPr>
-              <a:t>(); ?&gt;&lt;/h1&gt;</a:t>
+              <a:t>fff</a:t>
+            </a:r>
+            <a:r>
+              <a:rPr lang="en-US" dirty="0">
+                <a:latin typeface="Courier New" panose="02070309020205020404" pitchFamily="49" charset="0"/>
+                <a:cs typeface="Courier New" panose="02070309020205020404" pitchFamily="49" charset="0"/>
+              </a:rPr>
+              <a:t>;</a:t>
             </a:r>
           </a:p>
           <a:p>
@@ -9064,7 +9518,27 @@
                 <a:latin typeface="Courier New" panose="02070309020205020404" pitchFamily="49" charset="0"/>
                 <a:cs typeface="Courier New" panose="02070309020205020404" pitchFamily="49" charset="0"/>
               </a:rPr>
-              <a:t>&lt;/div&gt;</a:t>
+              <a:t>    width: 100%;</a:t>
+            </a:r>
+          </a:p>
+          <a:p>
+            <a:pPr algn="l"/>
+            <a:r>
+              <a:rPr lang="en-US" dirty="0">
+                <a:latin typeface="Courier New" panose="02070309020205020404" pitchFamily="49" charset="0"/>
+                <a:cs typeface="Courier New" panose="02070309020205020404" pitchFamily="49" charset="0"/>
+              </a:rPr>
+              <a:t>	height: 100px;</a:t>
+            </a:r>
+          </a:p>
+          <a:p>
+            <a:pPr algn="l"/>
+            <a:r>
+              <a:rPr lang="en-US" dirty="0">
+                <a:latin typeface="Courier New" panose="02070309020205020404" pitchFamily="49" charset="0"/>
+                <a:cs typeface="Courier New" panose="02070309020205020404" pitchFamily="49" charset="0"/>
+              </a:rPr>
+              <a:t>}</a:t>
             </a:r>
             <a:endParaRPr lang="pt-BR" dirty="0">
               <a:latin typeface="Courier New" panose="02070309020205020404" pitchFamily="49" charset="0"/>
@@ -9076,7 +9550,7 @@
     </p:spTree>
     <p:extLst>
       <p:ext uri="{BB962C8B-B14F-4D97-AF65-F5344CB8AC3E}">
-        <p14:creationId xmlns:p14="http://schemas.microsoft.com/office/powerpoint/2010/main" val="3361946354"/>
+        <p14:creationId xmlns:p14="http://schemas.microsoft.com/office/powerpoint/2010/main" val="3655724266"/>
       </p:ext>
     </p:extLst>
   </p:cSld>
@@ -9144,7 +9618,7 @@
           <a:p>
             <a:r>
               <a:rPr lang="pt-BR" dirty="0"/>
-              <a:t>Ainda no arquivo </a:t>
+              <a:t>No arquivo </a:t>
             </a:r>
             <a:r>
               <a:rPr lang="pt-BR" dirty="0">
@@ -9162,7 +9636,46 @@
             </a:r>
             <a:r>
               <a:rPr lang="pt-BR" dirty="0"/>
-              <a:t>, insira o código abaixo após o título, para exibir o corpo da página inicial</a:t>
+              <a:t>, substitua o conteúdo do elemento </a:t>
+            </a:r>
+            <a:r>
+              <a:rPr lang="pt-BR" dirty="0">
+                <a:latin typeface="Courier New" panose="02070309020205020404" pitchFamily="49" charset="0"/>
+                <a:cs typeface="Courier New" panose="02070309020205020404" pitchFamily="49" charset="0"/>
+              </a:rPr>
+              <a:t>&lt;</a:t>
+            </a:r>
+            <a:r>
+              <a:rPr lang="pt-BR" dirty="0" err="1">
+                <a:latin typeface="Courier New" panose="02070309020205020404" pitchFamily="49" charset="0"/>
+                <a:cs typeface="Courier New" panose="02070309020205020404" pitchFamily="49" charset="0"/>
+              </a:rPr>
+              <a:t>div</a:t>
+            </a:r>
+            <a:r>
+              <a:rPr lang="pt-BR" dirty="0">
+                <a:latin typeface="Courier New" panose="02070309020205020404" pitchFamily="49" charset="0"/>
+                <a:cs typeface="Courier New" panose="02070309020205020404" pitchFamily="49" charset="0"/>
+              </a:rPr>
+              <a:t> </a:t>
+            </a:r>
+            <a:r>
+              <a:rPr lang="pt-BR" dirty="0" err="1">
+                <a:latin typeface="Courier New" panose="02070309020205020404" pitchFamily="49" charset="0"/>
+                <a:cs typeface="Courier New" panose="02070309020205020404" pitchFamily="49" charset="0"/>
+              </a:rPr>
+              <a:t>class</a:t>
+            </a:r>
+            <a:r>
+              <a:rPr lang="pt-BR" dirty="0">
+                <a:latin typeface="Courier New" panose="02070309020205020404" pitchFamily="49" charset="0"/>
+                <a:cs typeface="Courier New" panose="02070309020205020404" pitchFamily="49" charset="0"/>
+              </a:rPr>
+              <a:t>=“container”&gt;</a:t>
+            </a:r>
+            <a:r>
+              <a:rPr lang="pt-BR" dirty="0"/>
+              <a:t>, para exibir o título da página inicial</a:t>
             </a:r>
             <a:r>
               <a:rPr lang="en-US" dirty="0"/>
@@ -9176,49 +9689,31 @@
                 <a:latin typeface="Courier New" panose="02070309020205020404" pitchFamily="49" charset="0"/>
                 <a:cs typeface="Courier New" panose="02070309020205020404" pitchFamily="49" charset="0"/>
               </a:rPr>
-              <a:t>&lt;?php if(</a:t>
+              <a:t>&lt;div class="container"&gt;</a:t>
+            </a:r>
+          </a:p>
+          <a:p>
+            <a:pPr algn="l"/>
+            <a:r>
+              <a:rPr lang="en-US" dirty="0">
+                <a:latin typeface="Courier New" panose="02070309020205020404" pitchFamily="49" charset="0"/>
+                <a:cs typeface="Courier New" panose="02070309020205020404" pitchFamily="49" charset="0"/>
+              </a:rPr>
+              <a:t>    &lt;h1&gt;&lt;?php </a:t>
             </a:r>
             <a:r>
               <a:rPr lang="en-US" dirty="0" err="1">
                 <a:latin typeface="Courier New" panose="02070309020205020404" pitchFamily="49" charset="0"/>
                 <a:cs typeface="Courier New" panose="02070309020205020404" pitchFamily="49" charset="0"/>
               </a:rPr>
-              <a:t>have_posts</a:t>
-            </a:r>
-            <a:r>
-              <a:rPr lang="en-US" dirty="0">
-                <a:latin typeface="Courier New" panose="02070309020205020404" pitchFamily="49" charset="0"/>
-                <a:cs typeface="Courier New" panose="02070309020205020404" pitchFamily="49" charset="0"/>
-              </a:rPr>
-              <a:t>()) : while(</a:t>
-            </a:r>
-            <a:r>
-              <a:rPr lang="en-US" dirty="0" err="1">
-                <a:latin typeface="Courier New" panose="02070309020205020404" pitchFamily="49" charset="0"/>
-                <a:cs typeface="Courier New" panose="02070309020205020404" pitchFamily="49" charset="0"/>
-              </a:rPr>
-              <a:t>have_posts</a:t>
-            </a:r>
-            <a:r>
-              <a:rPr lang="en-US" dirty="0">
-                <a:latin typeface="Courier New" panose="02070309020205020404" pitchFamily="49" charset="0"/>
-                <a:cs typeface="Courier New" panose="02070309020205020404" pitchFamily="49" charset="0"/>
-              </a:rPr>
-              <a:t>()) : </a:t>
-            </a:r>
-            <a:r>
-              <a:rPr lang="en-US" dirty="0" err="1">
-                <a:latin typeface="Courier New" panose="02070309020205020404" pitchFamily="49" charset="0"/>
-                <a:cs typeface="Courier New" panose="02070309020205020404" pitchFamily="49" charset="0"/>
-              </a:rPr>
-              <a:t>the_post</a:t>
-            </a:r>
-            <a:r>
-              <a:rPr lang="en-US" dirty="0">
-                <a:latin typeface="Courier New" panose="02070309020205020404" pitchFamily="49" charset="0"/>
-                <a:cs typeface="Courier New" panose="02070309020205020404" pitchFamily="49" charset="0"/>
-              </a:rPr>
-              <a:t>(); ?&gt;</a:t>
+              <a:t>the_title</a:t>
+            </a:r>
+            <a:r>
+              <a:rPr lang="en-US" dirty="0">
+                <a:latin typeface="Courier New" panose="02070309020205020404" pitchFamily="49" charset="0"/>
+                <a:cs typeface="Courier New" panose="02070309020205020404" pitchFamily="49" charset="0"/>
+              </a:rPr>
+              <a:t>(); ?&gt;&lt;/h1&gt;</a:t>
             </a:r>
           </a:p>
           <a:p>
@@ -9228,45 +9723,7 @@
                 <a:latin typeface="Courier New" panose="02070309020205020404" pitchFamily="49" charset="0"/>
                 <a:cs typeface="Courier New" panose="02070309020205020404" pitchFamily="49" charset="0"/>
               </a:rPr>
-              <a:t>    &lt;?php </a:t>
-            </a:r>
-            <a:r>
-              <a:rPr lang="en-US" dirty="0" err="1">
-                <a:latin typeface="Courier New" panose="02070309020205020404" pitchFamily="49" charset="0"/>
-                <a:cs typeface="Courier New" panose="02070309020205020404" pitchFamily="49" charset="0"/>
-              </a:rPr>
-              <a:t>the_content</a:t>
-            </a:r>
-            <a:r>
-              <a:rPr lang="en-US" dirty="0">
-                <a:latin typeface="Courier New" panose="02070309020205020404" pitchFamily="49" charset="0"/>
-                <a:cs typeface="Courier New" panose="02070309020205020404" pitchFamily="49" charset="0"/>
-              </a:rPr>
-              <a:t>(); ?&gt;</a:t>
-            </a:r>
-          </a:p>
-          <a:p>
-            <a:pPr algn="l"/>
-            <a:r>
-              <a:rPr lang="en-US" dirty="0">
-                <a:latin typeface="Courier New" panose="02070309020205020404" pitchFamily="49" charset="0"/>
-                <a:cs typeface="Courier New" panose="02070309020205020404" pitchFamily="49" charset="0"/>
-              </a:rPr>
-              <a:t>&lt;?php </a:t>
-            </a:r>
-            <a:r>
-              <a:rPr lang="en-US" dirty="0" err="1">
-                <a:latin typeface="Courier New" panose="02070309020205020404" pitchFamily="49" charset="0"/>
-                <a:cs typeface="Courier New" panose="02070309020205020404" pitchFamily="49" charset="0"/>
-              </a:rPr>
-              <a:t>endwhile</a:t>
-            </a:r>
-            <a:r>
-              <a:rPr lang="en-US" dirty="0">
-                <a:latin typeface="Courier New" panose="02070309020205020404" pitchFamily="49" charset="0"/>
-                <a:cs typeface="Courier New" panose="02070309020205020404" pitchFamily="49" charset="0"/>
-              </a:rPr>
-              <a:t>; endif; ?&gt;</a:t>
+              <a:t>&lt;/div&gt;</a:t>
             </a:r>
             <a:endParaRPr lang="pt-BR" dirty="0">
               <a:latin typeface="Courier New" panose="02070309020205020404" pitchFamily="49" charset="0"/>
@@ -9278,7 +9735,7 @@
     </p:spTree>
     <p:extLst>
       <p:ext uri="{BB962C8B-B14F-4D97-AF65-F5344CB8AC3E}">
-        <p14:creationId xmlns:p14="http://schemas.microsoft.com/office/powerpoint/2010/main" val="1376213679"/>
+        <p14:creationId xmlns:p14="http://schemas.microsoft.com/office/powerpoint/2010/main" val="3361946354"/>
       </p:ext>
     </p:extLst>
   </p:cSld>
@@ -9317,6 +9774,28 @@
         </p:nvSpPr>
         <p:spPr/>
         <p:txBody>
+          <a:bodyPr/>
+          <a:lstStyle/>
+          <a:p>
+            <a:r>
+              <a:rPr lang="pt-BR" dirty="0"/>
+              <a:t>Inserção do conteúdo</a:t>
+            </a:r>
+          </a:p>
+        </p:txBody>
+      </p:sp>
+      <p:sp>
+        <p:nvSpPr>
+          <p:cNvPr id="6" name="Espaço Reservado para Conteúdo 5"/>
+          <p:cNvSpPr>
+            <a:spLocks noGrp="1"/>
+          </p:cNvSpPr>
+          <p:nvPr>
+            <p:ph idx="1"/>
+          </p:nvPr>
+        </p:nvSpPr>
+        <p:spPr/>
+        <p:txBody>
           <a:bodyPr>
             <a:normAutofit/>
           </a:bodyPr>
@@ -9324,37 +9803,7 @@
           <a:p>
             <a:r>
               <a:rPr lang="pt-BR" dirty="0"/>
-              <a:t>Demais páginas</a:t>
-            </a:r>
-          </a:p>
-        </p:txBody>
-      </p:sp>
-      <p:sp>
-        <p:nvSpPr>
-          <p:cNvPr id="6" name="Espaço Reservado para Conteúdo 5"/>
-          <p:cNvSpPr>
-            <a:spLocks noGrp="1"/>
-          </p:cNvSpPr>
-          <p:nvPr>
-            <p:ph idx="1"/>
-          </p:nvPr>
-        </p:nvSpPr>
-        <p:spPr/>
-        <p:txBody>
-          <a:bodyPr>
-            <a:normAutofit/>
-          </a:bodyPr>
-          <a:lstStyle/>
-          <a:p>
-            <a:r>
-              <a:rPr lang="pt-BR" dirty="0"/>
-              <a:t>Caso ainda não tenha, crie as demais páginas do site, no painel de gerenciamento.</a:t>
-            </a:r>
-          </a:p>
-          <a:p>
-            <a:r>
-              <a:rPr lang="pt-BR" dirty="0"/>
-              <a:t>Copie o código do arquivo </a:t>
+              <a:t>Ainda no arquivo </a:t>
             </a:r>
             <a:r>
               <a:rPr lang="pt-BR" dirty="0">
@@ -9372,18 +9821,111 @@
             </a:r>
             <a:r>
               <a:rPr lang="pt-BR" dirty="0"/>
-              <a:t> para o arquivo </a:t>
-            </a:r>
-            <a:r>
-              <a:rPr lang="pt-BR" dirty="0" err="1">
-                <a:latin typeface="Courier New" panose="02070309020205020404" pitchFamily="49" charset="0"/>
-                <a:cs typeface="Courier New" panose="02070309020205020404" pitchFamily="49" charset="0"/>
-              </a:rPr>
-              <a:t>page.php</a:t>
-            </a:r>
-            <a:r>
-              <a:rPr lang="pt-BR" dirty="0"/>
-              <a:t>.</a:t>
+              <a:t>, insira o código abaixo após o título, para exibir o corpo da página inicial</a:t>
+            </a:r>
+            <a:r>
+              <a:rPr lang="en-US" dirty="0"/>
+              <a:t>:</a:t>
+            </a:r>
+          </a:p>
+          <a:p>
+            <a:pPr algn="l"/>
+            <a:r>
+              <a:rPr lang="en-US" dirty="0">
+                <a:latin typeface="Courier New" panose="02070309020205020404" pitchFamily="49" charset="0"/>
+                <a:cs typeface="Courier New" panose="02070309020205020404" pitchFamily="49" charset="0"/>
+              </a:rPr>
+              <a:t>&lt;?php if(</a:t>
+            </a:r>
+            <a:r>
+              <a:rPr lang="en-US" dirty="0" err="1">
+                <a:latin typeface="Courier New" panose="02070309020205020404" pitchFamily="49" charset="0"/>
+                <a:cs typeface="Courier New" panose="02070309020205020404" pitchFamily="49" charset="0"/>
+              </a:rPr>
+              <a:t>have_posts</a:t>
+            </a:r>
+            <a:r>
+              <a:rPr lang="en-US" dirty="0">
+                <a:latin typeface="Courier New" panose="02070309020205020404" pitchFamily="49" charset="0"/>
+                <a:cs typeface="Courier New" panose="02070309020205020404" pitchFamily="49" charset="0"/>
+              </a:rPr>
+              <a:t>()) : while(</a:t>
+            </a:r>
+            <a:r>
+              <a:rPr lang="en-US" dirty="0" err="1">
+                <a:latin typeface="Courier New" panose="02070309020205020404" pitchFamily="49" charset="0"/>
+                <a:cs typeface="Courier New" panose="02070309020205020404" pitchFamily="49" charset="0"/>
+              </a:rPr>
+              <a:t>have_posts</a:t>
+            </a:r>
+            <a:r>
+              <a:rPr lang="en-US" dirty="0">
+                <a:latin typeface="Courier New" panose="02070309020205020404" pitchFamily="49" charset="0"/>
+                <a:cs typeface="Courier New" panose="02070309020205020404" pitchFamily="49" charset="0"/>
+              </a:rPr>
+              <a:t>()) : </a:t>
+            </a:r>
+            <a:r>
+              <a:rPr lang="en-US" dirty="0" err="1">
+                <a:latin typeface="Courier New" panose="02070309020205020404" pitchFamily="49" charset="0"/>
+                <a:cs typeface="Courier New" panose="02070309020205020404" pitchFamily="49" charset="0"/>
+              </a:rPr>
+              <a:t>the_post</a:t>
+            </a:r>
+            <a:r>
+              <a:rPr lang="en-US" dirty="0">
+                <a:latin typeface="Courier New" panose="02070309020205020404" pitchFamily="49" charset="0"/>
+                <a:cs typeface="Courier New" panose="02070309020205020404" pitchFamily="49" charset="0"/>
+              </a:rPr>
+              <a:t>(); ?&gt;</a:t>
+            </a:r>
+          </a:p>
+          <a:p>
+            <a:pPr algn="l"/>
+            <a:r>
+              <a:rPr lang="en-US" dirty="0">
+                <a:latin typeface="Courier New" panose="02070309020205020404" pitchFamily="49" charset="0"/>
+                <a:cs typeface="Courier New" panose="02070309020205020404" pitchFamily="49" charset="0"/>
+              </a:rPr>
+              <a:t>    &lt;?php </a:t>
+            </a:r>
+            <a:r>
+              <a:rPr lang="en-US" dirty="0" err="1">
+                <a:latin typeface="Courier New" panose="02070309020205020404" pitchFamily="49" charset="0"/>
+                <a:cs typeface="Courier New" panose="02070309020205020404" pitchFamily="49" charset="0"/>
+              </a:rPr>
+              <a:t>the_content</a:t>
+            </a:r>
+            <a:r>
+              <a:rPr lang="en-US" dirty="0">
+                <a:latin typeface="Courier New" panose="02070309020205020404" pitchFamily="49" charset="0"/>
+                <a:cs typeface="Courier New" panose="02070309020205020404" pitchFamily="49" charset="0"/>
+              </a:rPr>
+              <a:t>(); ?&gt;</a:t>
+            </a:r>
+          </a:p>
+          <a:p>
+            <a:pPr algn="l"/>
+            <a:r>
+              <a:rPr lang="en-US" dirty="0">
+                <a:latin typeface="Courier New" panose="02070309020205020404" pitchFamily="49" charset="0"/>
+                <a:cs typeface="Courier New" panose="02070309020205020404" pitchFamily="49" charset="0"/>
+              </a:rPr>
+              <a:t>&lt;?php </a:t>
+            </a:r>
+            <a:r>
+              <a:rPr lang="en-US" dirty="0" err="1">
+                <a:latin typeface="Courier New" panose="02070309020205020404" pitchFamily="49" charset="0"/>
+                <a:cs typeface="Courier New" panose="02070309020205020404" pitchFamily="49" charset="0"/>
+              </a:rPr>
+              <a:t>endwhile</a:t>
+            </a:r>
+            <a:r>
+              <a:rPr lang="en-US" dirty="0">
+                <a:latin typeface="Courier New" panose="02070309020205020404" pitchFamily="49" charset="0"/>
+                <a:cs typeface="Courier New" panose="02070309020205020404" pitchFamily="49" charset="0"/>
+              </a:rPr>
+              <a:t>; endif; ?&gt;</a:t>
             </a:r>
             <a:endParaRPr lang="pt-BR" dirty="0">
               <a:latin typeface="Courier New" panose="02070309020205020404" pitchFamily="49" charset="0"/>
@@ -9395,7 +9937,7 @@
     </p:spTree>
     <p:extLst>
       <p:ext uri="{BB962C8B-B14F-4D97-AF65-F5344CB8AC3E}">
-        <p14:creationId xmlns:p14="http://schemas.microsoft.com/office/powerpoint/2010/main" val="2277025092"/>
+        <p14:creationId xmlns:p14="http://schemas.microsoft.com/office/powerpoint/2010/main" val="1376213679"/>
       </p:ext>
     </p:extLst>
   </p:cSld>
@@ -9441,7 +9983,7 @@
           <a:p>
             <a:r>
               <a:rPr lang="pt-BR" dirty="0"/>
-              <a:t>Inserção do menu global</a:t>
+              <a:t>Demais páginas</a:t>
             </a:r>
           </a:p>
         </p:txBody>
@@ -9465,43 +10007,54 @@
           <a:p>
             <a:r>
               <a:rPr lang="pt-BR" dirty="0"/>
-              <a:t>No arquivo </a:t>
+              <a:t>Caso ainda não tenha, crie as demais páginas do site, no painel de gerenciamento.</a:t>
+            </a:r>
+          </a:p>
+          <a:p>
+            <a:r>
+              <a:rPr lang="pt-BR" dirty="0"/>
+              <a:t>Copie o código do arquivo </a:t>
+            </a:r>
+            <a:r>
+              <a:rPr lang="pt-BR" dirty="0">
+                <a:latin typeface="Courier New" panose="02070309020205020404" pitchFamily="49" charset="0"/>
+                <a:cs typeface="Courier New" panose="02070309020205020404" pitchFamily="49" charset="0"/>
+              </a:rPr>
+              <a:t>front-</a:t>
             </a:r>
             <a:r>
               <a:rPr lang="pt-BR" dirty="0" err="1">
                 <a:latin typeface="Courier New" panose="02070309020205020404" pitchFamily="49" charset="0"/>
                 <a:cs typeface="Courier New" panose="02070309020205020404" pitchFamily="49" charset="0"/>
               </a:rPr>
-              <a:t>functions.php</a:t>
-            </a:r>
-            <a:r>
-              <a:rPr lang="pt-BR" dirty="0"/>
-              <a:t>, insira o código abaixo no final do arquivo para habilitar o uso de menus no tema:</a:t>
-            </a:r>
-          </a:p>
-          <a:p>
-            <a:pPr algn="l"/>
+              <a:t>page.php</a:t>
+            </a:r>
+            <a:r>
+              <a:rPr lang="pt-BR" dirty="0"/>
+              <a:t> para o arquivo </a:t>
+            </a:r>
             <a:r>
               <a:rPr lang="pt-BR" dirty="0" err="1">
                 <a:latin typeface="Courier New" panose="02070309020205020404" pitchFamily="49" charset="0"/>
                 <a:cs typeface="Courier New" panose="02070309020205020404" pitchFamily="49" charset="0"/>
               </a:rPr>
-              <a:t>add_theme_support</a:t>
-            </a:r>
-            <a:r>
-              <a:rPr lang="pt-BR" dirty="0">
-                <a:latin typeface="Courier New" panose="02070309020205020404" pitchFamily="49" charset="0"/>
-                <a:cs typeface="Courier New" panose="02070309020205020404" pitchFamily="49" charset="0"/>
-              </a:rPr>
-              <a:t>('menus');</a:t>
-            </a:r>
+              <a:t>page.php</a:t>
+            </a:r>
+            <a:r>
+              <a:rPr lang="pt-BR" dirty="0"/>
+              <a:t>.</a:t>
+            </a:r>
+            <a:endParaRPr lang="pt-BR" dirty="0">
+              <a:latin typeface="Courier New" panose="02070309020205020404" pitchFamily="49" charset="0"/>
+              <a:cs typeface="Courier New" panose="02070309020205020404" pitchFamily="49" charset="0"/>
+            </a:endParaRPr>
           </a:p>
         </p:txBody>
       </p:sp>
     </p:spTree>
     <p:extLst>
       <p:ext uri="{BB962C8B-B14F-4D97-AF65-F5344CB8AC3E}">
-        <p14:creationId xmlns:p14="http://schemas.microsoft.com/office/powerpoint/2010/main" val="3057588112"/>
+        <p14:creationId xmlns:p14="http://schemas.microsoft.com/office/powerpoint/2010/main" val="2277025092"/>
       </p:ext>
     </p:extLst>
   </p:cSld>
@@ -9565,13 +10118,13 @@
         <p:spPr/>
         <p:txBody>
           <a:bodyPr>
-            <a:normAutofit fontScale="92500" lnSpcReduction="20000"/>
+            <a:normAutofit/>
           </a:bodyPr>
           <a:lstStyle/>
           <a:p>
             <a:r>
               <a:rPr lang="pt-BR" dirty="0"/>
-              <a:t>Ainda no arquivo </a:t>
+              <a:t>No arquivo </a:t>
             </a:r>
             <a:r>
               <a:rPr lang="pt-BR" dirty="0" err="1">
@@ -9582,7 +10135,7 @@
             </a:r>
             <a:r>
               <a:rPr lang="pt-BR" dirty="0"/>
-              <a:t>, insira o código abaixo no final do arquivo para habilitar a configuração da localização dos menus:</a:t>
+              <a:t>, insira o código abaixo no final do arquivo para habilitar o uso de menus no tema:</a:t>
             </a:r>
           </a:p>
           <a:p>
@@ -9592,124 +10145,14 @@
                 <a:latin typeface="Courier New" panose="02070309020205020404" pitchFamily="49" charset="0"/>
                 <a:cs typeface="Courier New" panose="02070309020205020404" pitchFamily="49" charset="0"/>
               </a:rPr>
-              <a:t>register_nav_menus</a:t>
+              <a:t>add_theme_support</a:t>
             </a:r>
             <a:r>
               <a:rPr lang="pt-BR" dirty="0">
                 <a:latin typeface="Courier New" panose="02070309020205020404" pitchFamily="49" charset="0"/>
                 <a:cs typeface="Courier New" panose="02070309020205020404" pitchFamily="49" charset="0"/>
               </a:rPr>
-              <a:t>(</a:t>
-            </a:r>
-          </a:p>
-          <a:p>
-            <a:pPr algn="l"/>
-            <a:r>
-              <a:rPr lang="pt-BR" dirty="0">
-                <a:latin typeface="Courier New" panose="02070309020205020404" pitchFamily="49" charset="0"/>
-                <a:cs typeface="Courier New" panose="02070309020205020404" pitchFamily="49" charset="0"/>
-              </a:rPr>
-              <a:t>    </a:t>
-            </a:r>
-            <a:r>
-              <a:rPr lang="pt-BR" dirty="0" err="1">
-                <a:latin typeface="Courier New" panose="02070309020205020404" pitchFamily="49" charset="0"/>
-                <a:cs typeface="Courier New" panose="02070309020205020404" pitchFamily="49" charset="0"/>
-              </a:rPr>
-              <a:t>array</a:t>
-            </a:r>
-            <a:r>
-              <a:rPr lang="pt-BR" dirty="0">
-                <a:latin typeface="Courier New" panose="02070309020205020404" pitchFamily="49" charset="0"/>
-                <a:cs typeface="Courier New" panose="02070309020205020404" pitchFamily="49" charset="0"/>
-              </a:rPr>
-              <a:t>(</a:t>
-            </a:r>
-          </a:p>
-          <a:p>
-            <a:pPr algn="l"/>
-            <a:r>
-              <a:rPr lang="pt-BR" dirty="0">
-                <a:latin typeface="Courier New" panose="02070309020205020404" pitchFamily="49" charset="0"/>
-                <a:cs typeface="Courier New" panose="02070309020205020404" pitchFamily="49" charset="0"/>
-              </a:rPr>
-              <a:t>        'top-menu' =&gt; __('Top Menu', '</a:t>
-            </a:r>
-            <a:r>
-              <a:rPr lang="pt-BR" dirty="0" err="1">
-                <a:latin typeface="Courier New" panose="02070309020205020404" pitchFamily="49" charset="0"/>
-                <a:cs typeface="Courier New" panose="02070309020205020404" pitchFamily="49" charset="0"/>
-              </a:rPr>
-              <a:t>theme</a:t>
-            </a:r>
-            <a:r>
-              <a:rPr lang="pt-BR" dirty="0">
-                <a:latin typeface="Courier New" panose="02070309020205020404" pitchFamily="49" charset="0"/>
-                <a:cs typeface="Courier New" panose="02070309020205020404" pitchFamily="49" charset="0"/>
-              </a:rPr>
-              <a:t>'),</a:t>
-            </a:r>
-          </a:p>
-          <a:p>
-            <a:pPr algn="l"/>
-            <a:r>
-              <a:rPr lang="pt-BR" dirty="0">
-                <a:latin typeface="Courier New" panose="02070309020205020404" pitchFamily="49" charset="0"/>
-                <a:cs typeface="Courier New" panose="02070309020205020404" pitchFamily="49" charset="0"/>
-              </a:rPr>
-              <a:t>        '</a:t>
-            </a:r>
-            <a:r>
-              <a:rPr lang="pt-BR" dirty="0" err="1">
-                <a:latin typeface="Courier New" panose="02070309020205020404" pitchFamily="49" charset="0"/>
-                <a:cs typeface="Courier New" panose="02070309020205020404" pitchFamily="49" charset="0"/>
-              </a:rPr>
-              <a:t>footer</a:t>
-            </a:r>
-            <a:r>
-              <a:rPr lang="pt-BR" dirty="0">
-                <a:latin typeface="Courier New" panose="02070309020205020404" pitchFamily="49" charset="0"/>
-                <a:cs typeface="Courier New" panose="02070309020205020404" pitchFamily="49" charset="0"/>
-              </a:rPr>
-              <a:t>-menu' =&gt; __('</a:t>
-            </a:r>
-            <a:r>
-              <a:rPr lang="pt-BR" dirty="0" err="1">
-                <a:latin typeface="Courier New" panose="02070309020205020404" pitchFamily="49" charset="0"/>
-                <a:cs typeface="Courier New" panose="02070309020205020404" pitchFamily="49" charset="0"/>
-              </a:rPr>
-              <a:t>Footer</a:t>
-            </a:r>
-            <a:r>
-              <a:rPr lang="pt-BR" dirty="0">
-                <a:latin typeface="Courier New" panose="02070309020205020404" pitchFamily="49" charset="0"/>
-                <a:cs typeface="Courier New" panose="02070309020205020404" pitchFamily="49" charset="0"/>
-              </a:rPr>
-              <a:t> Menu', '</a:t>
-            </a:r>
-            <a:r>
-              <a:rPr lang="pt-BR" dirty="0" err="1">
-                <a:latin typeface="Courier New" panose="02070309020205020404" pitchFamily="49" charset="0"/>
-                <a:cs typeface="Courier New" panose="02070309020205020404" pitchFamily="49" charset="0"/>
-              </a:rPr>
-              <a:t>theme</a:t>
-            </a:r>
-            <a:r>
-              <a:rPr lang="pt-BR" dirty="0">
-                <a:latin typeface="Courier New" panose="02070309020205020404" pitchFamily="49" charset="0"/>
-                <a:cs typeface="Courier New" panose="02070309020205020404" pitchFamily="49" charset="0"/>
-              </a:rPr>
-              <a:t>')</a:t>
-            </a:r>
-          </a:p>
-          <a:p>
-            <a:pPr algn="l"/>
-            <a:r>
-              <a:rPr lang="pt-BR" dirty="0">
-                <a:latin typeface="Courier New" panose="02070309020205020404" pitchFamily="49" charset="0"/>
-                <a:cs typeface="Courier New" panose="02070309020205020404" pitchFamily="49" charset="0"/>
-              </a:rPr>
-              <a:t>    ));</a:t>
+              <a:t>('menus');</a:t>
             </a:r>
           </a:p>
         </p:txBody>
@@ -9717,7 +10160,7 @@
     </p:spTree>
     <p:extLst>
       <p:ext uri="{BB962C8B-B14F-4D97-AF65-F5344CB8AC3E}">
-        <p14:creationId xmlns:p14="http://schemas.microsoft.com/office/powerpoint/2010/main" val="25992435"/>
+        <p14:creationId xmlns:p14="http://schemas.microsoft.com/office/powerpoint/2010/main" val="3057588112"/>
       </p:ext>
     </p:extLst>
   </p:cSld>
@@ -9778,52 +10221,40 @@
             <p:ph idx="1"/>
           </p:nvPr>
         </p:nvSpPr>
-        <p:spPr>
-          <a:xfrm>
-            <a:off x="317694" y="1291052"/>
-            <a:ext cx="11705493" cy="5045579"/>
-          </a:xfrm>
-        </p:spPr>
+        <p:spPr/>
         <p:txBody>
           <a:bodyPr>
-            <a:normAutofit/>
+            <a:normAutofit fontScale="92500" lnSpcReduction="20000"/>
           </a:bodyPr>
           <a:lstStyle/>
           <a:p>
             <a:r>
               <a:rPr lang="pt-BR" dirty="0"/>
-              <a:t>No arquivo </a:t>
+              <a:t>Ainda no arquivo </a:t>
             </a:r>
             <a:r>
               <a:rPr lang="pt-BR" dirty="0" err="1">
                 <a:latin typeface="Courier New" panose="02070309020205020404" pitchFamily="49" charset="0"/>
                 <a:cs typeface="Courier New" panose="02070309020205020404" pitchFamily="49" charset="0"/>
               </a:rPr>
-              <a:t>header.php</a:t>
-            </a:r>
-            <a:r>
-              <a:rPr lang="pt-BR" dirty="0"/>
-              <a:t>, insira o código abaixo para incluir o menu no cabeçalho das páginas:</a:t>
+              <a:t>functions.php</a:t>
+            </a:r>
+            <a:r>
+              <a:rPr lang="pt-BR" dirty="0"/>
+              <a:t>, insira o código abaixo no final do arquivo para habilitar a configuração da localização dos menus:</a:t>
             </a:r>
           </a:p>
           <a:p>
             <a:pPr algn="l"/>
             <a:r>
-              <a:rPr lang="en-US" dirty="0">
-                <a:latin typeface="Courier New" panose="02070309020205020404" pitchFamily="49" charset="0"/>
-                <a:cs typeface="Courier New" panose="02070309020205020404" pitchFamily="49" charset="0"/>
-              </a:rPr>
-              <a:t>&lt;?php </a:t>
-            </a:r>
-            <a:r>
-              <a:rPr lang="en-US" dirty="0" err="1">
-                <a:latin typeface="Courier New" panose="02070309020205020404" pitchFamily="49" charset="0"/>
-                <a:cs typeface="Courier New" panose="02070309020205020404" pitchFamily="49" charset="0"/>
-              </a:rPr>
-              <a:t>wp_nav_menu</a:t>
-            </a:r>
-            <a:r>
-              <a:rPr lang="en-US" dirty="0">
+              <a:rPr lang="pt-BR" dirty="0" err="1">
+                <a:latin typeface="Courier New" panose="02070309020205020404" pitchFamily="49" charset="0"/>
+                <a:cs typeface="Courier New" panose="02070309020205020404" pitchFamily="49" charset="0"/>
+              </a:rPr>
+              <a:t>register_nav_menus</a:t>
+            </a:r>
+            <a:r>
+              <a:rPr lang="pt-BR" dirty="0">
                 <a:latin typeface="Courier New" panose="02070309020205020404" pitchFamily="49" charset="0"/>
                 <a:cs typeface="Courier New" panose="02070309020205020404" pitchFamily="49" charset="0"/>
               </a:rPr>
@@ -9833,67 +10264,119 @@
           <a:p>
             <a:pPr algn="l"/>
             <a:r>
-              <a:rPr lang="en-US" dirty="0">
-                <a:latin typeface="Courier New" panose="02070309020205020404" pitchFamily="49" charset="0"/>
-                <a:cs typeface="Courier New" panose="02070309020205020404" pitchFamily="49" charset="0"/>
-              </a:rPr>
-              <a:t>        array(</a:t>
+              <a:rPr lang="pt-BR" dirty="0">
+                <a:latin typeface="Courier New" panose="02070309020205020404" pitchFamily="49" charset="0"/>
+                <a:cs typeface="Courier New" panose="02070309020205020404" pitchFamily="49" charset="0"/>
+              </a:rPr>
+              <a:t>    </a:t>
+            </a:r>
+            <a:r>
+              <a:rPr lang="pt-BR" dirty="0" err="1">
+                <a:latin typeface="Courier New" panose="02070309020205020404" pitchFamily="49" charset="0"/>
+                <a:cs typeface="Courier New" panose="02070309020205020404" pitchFamily="49" charset="0"/>
+              </a:rPr>
+              <a:t>array</a:t>
+            </a:r>
+            <a:r>
+              <a:rPr lang="pt-BR" dirty="0">
+                <a:latin typeface="Courier New" panose="02070309020205020404" pitchFamily="49" charset="0"/>
+                <a:cs typeface="Courier New" panose="02070309020205020404" pitchFamily="49" charset="0"/>
+              </a:rPr>
+              <a:t>(</a:t>
             </a:r>
           </a:p>
           <a:p>
             <a:pPr algn="l"/>
             <a:r>
-              <a:rPr lang="en-US" dirty="0">
-                <a:latin typeface="Courier New" panose="02070309020205020404" pitchFamily="49" charset="0"/>
-                <a:cs typeface="Courier New" panose="02070309020205020404" pitchFamily="49" charset="0"/>
-              </a:rPr>
-              <a:t>            '</a:t>
-            </a:r>
-            <a:r>
-              <a:rPr lang="en-US" dirty="0" err="1">
-                <a:latin typeface="Courier New" panose="02070309020205020404" pitchFamily="49" charset="0"/>
-                <a:cs typeface="Courier New" panose="02070309020205020404" pitchFamily="49" charset="0"/>
-              </a:rPr>
-              <a:t>theme_location</a:t>
-            </a:r>
-            <a:r>
-              <a:rPr lang="en-US" dirty="0">
-                <a:latin typeface="Courier New" panose="02070309020205020404" pitchFamily="49" charset="0"/>
-                <a:cs typeface="Courier New" panose="02070309020205020404" pitchFamily="49" charset="0"/>
-              </a:rPr>
-              <a:t>' =&gt; 'top-menu'</a:t>
+              <a:rPr lang="pt-BR" dirty="0">
+                <a:latin typeface="Courier New" panose="02070309020205020404" pitchFamily="49" charset="0"/>
+                <a:cs typeface="Courier New" panose="02070309020205020404" pitchFamily="49" charset="0"/>
+              </a:rPr>
+              <a:t>        'top-menu' =&gt; __('Top Menu', '</a:t>
+            </a:r>
+            <a:r>
+              <a:rPr lang="pt-BR" dirty="0" err="1">
+                <a:latin typeface="Courier New" panose="02070309020205020404" pitchFamily="49" charset="0"/>
+                <a:cs typeface="Courier New" panose="02070309020205020404" pitchFamily="49" charset="0"/>
+              </a:rPr>
+              <a:t>theme</a:t>
+            </a:r>
+            <a:r>
+              <a:rPr lang="pt-BR" dirty="0">
+                <a:latin typeface="Courier New" panose="02070309020205020404" pitchFamily="49" charset="0"/>
+                <a:cs typeface="Courier New" panose="02070309020205020404" pitchFamily="49" charset="0"/>
+              </a:rPr>
+              <a:t>'),</a:t>
             </a:r>
           </a:p>
           <a:p>
             <a:pPr algn="l"/>
             <a:r>
-              <a:rPr lang="en-US" dirty="0">
-                <a:latin typeface="Courier New" panose="02070309020205020404" pitchFamily="49" charset="0"/>
-                <a:cs typeface="Courier New" panose="02070309020205020404" pitchFamily="49" charset="0"/>
-              </a:rPr>
-              <a:t>        ));</a:t>
+              <a:rPr lang="pt-BR" dirty="0">
+                <a:latin typeface="Courier New" panose="02070309020205020404" pitchFamily="49" charset="0"/>
+                <a:cs typeface="Courier New" panose="02070309020205020404" pitchFamily="49" charset="0"/>
+              </a:rPr>
+              <a:t>        '</a:t>
+            </a:r>
+            <a:r>
+              <a:rPr lang="pt-BR" dirty="0" err="1">
+                <a:latin typeface="Courier New" panose="02070309020205020404" pitchFamily="49" charset="0"/>
+                <a:cs typeface="Courier New" panose="02070309020205020404" pitchFamily="49" charset="0"/>
+              </a:rPr>
+              <a:t>footer</a:t>
+            </a:r>
+            <a:r>
+              <a:rPr lang="pt-BR" dirty="0">
+                <a:latin typeface="Courier New" panose="02070309020205020404" pitchFamily="49" charset="0"/>
+                <a:cs typeface="Courier New" panose="02070309020205020404" pitchFamily="49" charset="0"/>
+              </a:rPr>
+              <a:t>-menu' =&gt; __('</a:t>
+            </a:r>
+            <a:r>
+              <a:rPr lang="pt-BR" dirty="0" err="1">
+                <a:latin typeface="Courier New" panose="02070309020205020404" pitchFamily="49" charset="0"/>
+                <a:cs typeface="Courier New" panose="02070309020205020404" pitchFamily="49" charset="0"/>
+              </a:rPr>
+              <a:t>Footer</a:t>
+            </a:r>
+            <a:r>
+              <a:rPr lang="pt-BR" dirty="0">
+                <a:latin typeface="Courier New" panose="02070309020205020404" pitchFamily="49" charset="0"/>
+                <a:cs typeface="Courier New" panose="02070309020205020404" pitchFamily="49" charset="0"/>
+              </a:rPr>
+              <a:t> Menu', '</a:t>
+            </a:r>
+            <a:r>
+              <a:rPr lang="pt-BR" dirty="0" err="1">
+                <a:latin typeface="Courier New" panose="02070309020205020404" pitchFamily="49" charset="0"/>
+                <a:cs typeface="Courier New" panose="02070309020205020404" pitchFamily="49" charset="0"/>
+              </a:rPr>
+              <a:t>theme</a:t>
+            </a:r>
+            <a:r>
+              <a:rPr lang="pt-BR" dirty="0">
+                <a:latin typeface="Courier New" panose="02070309020205020404" pitchFamily="49" charset="0"/>
+                <a:cs typeface="Courier New" panose="02070309020205020404" pitchFamily="49" charset="0"/>
+              </a:rPr>
+              <a:t>')</a:t>
             </a:r>
           </a:p>
           <a:p>
             <a:pPr algn="l"/>
             <a:r>
-              <a:rPr lang="en-US" dirty="0">
-                <a:latin typeface="Courier New" panose="02070309020205020404" pitchFamily="49" charset="0"/>
-                <a:cs typeface="Courier New" panose="02070309020205020404" pitchFamily="49" charset="0"/>
-              </a:rPr>
-              <a:t>?&gt;</a:t>
-            </a:r>
-            <a:endParaRPr lang="pt-BR" dirty="0">
-              <a:latin typeface="Courier New" panose="02070309020205020404" pitchFamily="49" charset="0"/>
-              <a:cs typeface="Courier New" panose="02070309020205020404" pitchFamily="49" charset="0"/>
-            </a:endParaRPr>
+              <a:rPr lang="pt-BR" dirty="0">
+                <a:latin typeface="Courier New" panose="02070309020205020404" pitchFamily="49" charset="0"/>
+                <a:cs typeface="Courier New" panose="02070309020205020404" pitchFamily="49" charset="0"/>
+              </a:rPr>
+              <a:t>    ));</a:t>
+            </a:r>
           </a:p>
         </p:txBody>
       </p:sp>
     </p:spTree>
     <p:extLst>
       <p:ext uri="{BB962C8B-B14F-4D97-AF65-F5344CB8AC3E}">
-        <p14:creationId xmlns:p14="http://schemas.microsoft.com/office/powerpoint/2010/main" val="891450009"/>
+        <p14:creationId xmlns:p14="http://schemas.microsoft.com/office/powerpoint/2010/main" val="25992435"/>
       </p:ext>
     </p:extLst>
   </p:cSld>
@@ -9968,26 +10451,18 @@
           <a:p>
             <a:r>
               <a:rPr lang="pt-BR" dirty="0"/>
-              <a:t>Para adicionar uma classe ao menu, basta inserir mais uma chave (</a:t>
+              <a:t>No arquivo </a:t>
             </a:r>
             <a:r>
               <a:rPr lang="pt-BR" dirty="0" err="1">
                 <a:latin typeface="Courier New" panose="02070309020205020404" pitchFamily="49" charset="0"/>
                 <a:cs typeface="Courier New" panose="02070309020205020404" pitchFamily="49" charset="0"/>
               </a:rPr>
-              <a:t>menu_class</a:t>
-            </a:r>
-            <a:r>
-              <a:rPr lang="pt-BR" dirty="0"/>
-              <a:t>) no </a:t>
-            </a:r>
-            <a:r>
-              <a:rPr lang="pt-BR" dirty="0" err="1"/>
-              <a:t>array</a:t>
-            </a:r>
-            <a:r>
-              <a:rPr lang="pt-BR" dirty="0"/>
-              <a:t> com o nome da classe desejada:</a:t>
+              <a:t>header.php</a:t>
+            </a:r>
+            <a:r>
+              <a:rPr lang="pt-BR" dirty="0"/>
+              <a:t>, insira o código abaixo para incluir o menu no cabeçalho das páginas:</a:t>
             </a:r>
           </a:p>
           <a:p>
@@ -9997,7 +10472,21 @@
                 <a:latin typeface="Courier New" panose="02070309020205020404" pitchFamily="49" charset="0"/>
                 <a:cs typeface="Courier New" panose="02070309020205020404" pitchFamily="49" charset="0"/>
               </a:rPr>
-              <a:t>array(</a:t>
+              <a:t>&lt;?php </a:t>
+            </a:r>
+            <a:r>
+              <a:rPr lang="en-US" dirty="0" err="1">
+                <a:latin typeface="Courier New" panose="02070309020205020404" pitchFamily="49" charset="0"/>
+                <a:cs typeface="Courier New" panose="02070309020205020404" pitchFamily="49" charset="0"/>
+              </a:rPr>
+              <a:t>wp_nav_menu</a:t>
+            </a:r>
+            <a:r>
+              <a:rPr lang="en-US" dirty="0">
+                <a:latin typeface="Courier New" panose="02070309020205020404" pitchFamily="49" charset="0"/>
+                <a:cs typeface="Courier New" panose="02070309020205020404" pitchFamily="49" charset="0"/>
+              </a:rPr>
+              <a:t>(</a:t>
             </a:r>
           </a:p>
           <a:p>
@@ -10007,7 +10496,17 @@
                 <a:latin typeface="Courier New" panose="02070309020205020404" pitchFamily="49" charset="0"/>
                 <a:cs typeface="Courier New" panose="02070309020205020404" pitchFamily="49" charset="0"/>
               </a:rPr>
-              <a:t>    '</a:t>
+              <a:t>        array(</a:t>
+            </a:r>
+          </a:p>
+          <a:p>
+            <a:pPr algn="l"/>
+            <a:r>
+              <a:rPr lang="en-US" dirty="0">
+                <a:latin typeface="Courier New" panose="02070309020205020404" pitchFamily="49" charset="0"/>
+                <a:cs typeface="Courier New" panose="02070309020205020404" pitchFamily="49" charset="0"/>
+              </a:rPr>
+              <a:t>            '</a:t>
             </a:r>
             <a:r>
               <a:rPr lang="en-US" dirty="0" err="1">
@@ -10021,7 +10520,7 @@
                 <a:latin typeface="Courier New" panose="02070309020205020404" pitchFamily="49" charset="0"/>
                 <a:cs typeface="Courier New" panose="02070309020205020404" pitchFamily="49" charset="0"/>
               </a:rPr>
-              <a:t>' =&gt; 'top-menu’</a:t>
+              <a:t>' =&gt; 'top-menu'</a:t>
             </a:r>
           </a:p>
           <a:p>
@@ -10031,21 +10530,7 @@
                 <a:latin typeface="Courier New" panose="02070309020205020404" pitchFamily="49" charset="0"/>
                 <a:cs typeface="Courier New" panose="02070309020205020404" pitchFamily="49" charset="0"/>
               </a:rPr>
-              <a:t>	'</a:t>
-            </a:r>
-            <a:r>
-              <a:rPr lang="en-US" dirty="0" err="1">
-                <a:latin typeface="Courier New" panose="02070309020205020404" pitchFamily="49" charset="0"/>
-                <a:cs typeface="Courier New" panose="02070309020205020404" pitchFamily="49" charset="0"/>
-              </a:rPr>
-              <a:t>menu_class</a:t>
-            </a:r>
-            <a:r>
-              <a:rPr lang="en-US" dirty="0">
-                <a:latin typeface="Courier New" panose="02070309020205020404" pitchFamily="49" charset="0"/>
-                <a:cs typeface="Courier New" panose="02070309020205020404" pitchFamily="49" charset="0"/>
-              </a:rPr>
-              <a:t>' =&gt; 'navigation'</a:t>
+              <a:t>        ));</a:t>
             </a:r>
           </a:p>
           <a:p>
@@ -10055,7 +10540,7 @@
                 <a:latin typeface="Courier New" panose="02070309020205020404" pitchFamily="49" charset="0"/>
                 <a:cs typeface="Courier New" panose="02070309020205020404" pitchFamily="49" charset="0"/>
               </a:rPr>
-              <a:t>));</a:t>
+              <a:t>?&gt;</a:t>
             </a:r>
             <a:endParaRPr lang="pt-BR" dirty="0">
               <a:latin typeface="Courier New" panose="02070309020205020404" pitchFamily="49" charset="0"/>
@@ -10067,7 +10552,7 @@
     </p:spTree>
     <p:extLst>
       <p:ext uri="{BB962C8B-B14F-4D97-AF65-F5344CB8AC3E}">
-        <p14:creationId xmlns:p14="http://schemas.microsoft.com/office/powerpoint/2010/main" val="1926250769"/>
+        <p14:creationId xmlns:p14="http://schemas.microsoft.com/office/powerpoint/2010/main" val="891450009"/>
       </p:ext>
     </p:extLst>
   </p:cSld>
@@ -10106,28 +10591,6 @@
         </p:nvSpPr>
         <p:spPr/>
         <p:txBody>
-          <a:bodyPr/>
-          <a:lstStyle/>
-          <a:p>
-            <a:r>
-              <a:rPr lang="pt-BR" dirty="0"/>
-              <a:t>Formatação do cabeçalho</a:t>
-            </a:r>
-          </a:p>
-        </p:txBody>
-      </p:sp>
-      <p:sp>
-        <p:nvSpPr>
-          <p:cNvPr id="6" name="Espaço Reservado para Conteúdo 5"/>
-          <p:cNvSpPr>
-            <a:spLocks noGrp="1"/>
-          </p:cNvSpPr>
-          <p:nvPr>
-            <p:ph idx="1"/>
-          </p:nvPr>
-        </p:nvSpPr>
-        <p:spPr/>
-        <p:txBody>
           <a:bodyPr>
             <a:normAutofit/>
           </a:bodyPr>
@@ -10135,40 +10598,55 @@
           <a:p>
             <a:r>
               <a:rPr lang="pt-BR" dirty="0"/>
-              <a:t>Adicione ao elemento </a:t>
-            </a:r>
-            <a:r>
-              <a:rPr lang="pt-BR" dirty="0">
-                <a:latin typeface="Courier New" panose="02070309020205020404" pitchFamily="49" charset="0"/>
-                <a:cs typeface="Courier New" panose="02070309020205020404" pitchFamily="49" charset="0"/>
-              </a:rPr>
-              <a:t>&lt;header&gt;</a:t>
-            </a:r>
-            <a:r>
-              <a:rPr lang="pt-BR" dirty="0"/>
-              <a:t> a classe </a:t>
+              <a:t>Inserção do menu global</a:t>
+            </a:r>
+          </a:p>
+        </p:txBody>
+      </p:sp>
+      <p:sp>
+        <p:nvSpPr>
+          <p:cNvPr id="6" name="Espaço Reservado para Conteúdo 5"/>
+          <p:cNvSpPr>
+            <a:spLocks noGrp="1"/>
+          </p:cNvSpPr>
+          <p:nvPr>
+            <p:ph idx="1"/>
+          </p:nvPr>
+        </p:nvSpPr>
+        <p:spPr>
+          <a:xfrm>
+            <a:off x="317694" y="1291052"/>
+            <a:ext cx="11705493" cy="5045579"/>
+          </a:xfrm>
+        </p:spPr>
+        <p:txBody>
+          <a:bodyPr>
+            <a:normAutofit/>
+          </a:bodyPr>
+          <a:lstStyle/>
+          <a:p>
+            <a:r>
+              <a:rPr lang="pt-BR" dirty="0"/>
+              <a:t>Para adicionar uma classe ao menu, basta inserir mais uma chave (</a:t>
             </a:r>
             <a:r>
               <a:rPr lang="pt-BR" dirty="0" err="1">
                 <a:latin typeface="Courier New" panose="02070309020205020404" pitchFamily="49" charset="0"/>
                 <a:cs typeface="Courier New" panose="02070309020205020404" pitchFamily="49" charset="0"/>
               </a:rPr>
-              <a:t>sticky</a:t>
-            </a:r>
-            <a:r>
-              <a:rPr lang="pt-BR" dirty="0">
-                <a:latin typeface="Courier New" panose="02070309020205020404" pitchFamily="49" charset="0"/>
-                <a:cs typeface="Courier New" panose="02070309020205020404" pitchFamily="49" charset="0"/>
-              </a:rPr>
-              <a:t>-top</a:t>
-            </a:r>
-            <a:r>
-              <a:rPr lang="pt-BR" dirty="0"/>
-              <a:t> para que ele fique fixo no topo da página</a:t>
-            </a:r>
-            <a:r>
-              <a:rPr lang="en-US" dirty="0"/>
-              <a:t>:</a:t>
+              <a:t>menu_class</a:t>
+            </a:r>
+            <a:r>
+              <a:rPr lang="pt-BR" dirty="0"/>
+              <a:t>) no </a:t>
+            </a:r>
+            <a:r>
+              <a:rPr lang="pt-BR" dirty="0" err="1"/>
+              <a:t>array</a:t>
+            </a:r>
+            <a:r>
+              <a:rPr lang="pt-BR" dirty="0"/>
+              <a:t> com o nome da classe desejada:</a:t>
             </a:r>
           </a:p>
           <a:p>
@@ -10178,7 +10656,65 @@
                 <a:latin typeface="Courier New" panose="02070309020205020404" pitchFamily="49" charset="0"/>
                 <a:cs typeface="Courier New" panose="02070309020205020404" pitchFamily="49" charset="0"/>
               </a:rPr>
-              <a:t>&lt;header class="sticky-top"&gt;</a:t>
+              <a:t>array(</a:t>
+            </a:r>
+          </a:p>
+          <a:p>
+            <a:pPr algn="l"/>
+            <a:r>
+              <a:rPr lang="en-US" dirty="0">
+                <a:latin typeface="Courier New" panose="02070309020205020404" pitchFamily="49" charset="0"/>
+                <a:cs typeface="Courier New" panose="02070309020205020404" pitchFamily="49" charset="0"/>
+              </a:rPr>
+              <a:t>    '</a:t>
+            </a:r>
+            <a:r>
+              <a:rPr lang="en-US" dirty="0" err="1">
+                <a:latin typeface="Courier New" panose="02070309020205020404" pitchFamily="49" charset="0"/>
+                <a:cs typeface="Courier New" panose="02070309020205020404" pitchFamily="49" charset="0"/>
+              </a:rPr>
+              <a:t>theme_location</a:t>
+            </a:r>
+            <a:r>
+              <a:rPr lang="en-US" dirty="0">
+                <a:latin typeface="Courier New" panose="02070309020205020404" pitchFamily="49" charset="0"/>
+                <a:cs typeface="Courier New" panose="02070309020205020404" pitchFamily="49" charset="0"/>
+              </a:rPr>
+              <a:t>' =&gt; 'top-menu’</a:t>
+            </a:r>
+          </a:p>
+          <a:p>
+            <a:pPr algn="l"/>
+            <a:r>
+              <a:rPr lang="en-US" dirty="0">
+                <a:latin typeface="Courier New" panose="02070309020205020404" pitchFamily="49" charset="0"/>
+                <a:cs typeface="Courier New" panose="02070309020205020404" pitchFamily="49" charset="0"/>
+              </a:rPr>
+              <a:t>	'</a:t>
+            </a:r>
+            <a:r>
+              <a:rPr lang="en-US" dirty="0" err="1">
+                <a:latin typeface="Courier New" panose="02070309020205020404" pitchFamily="49" charset="0"/>
+                <a:cs typeface="Courier New" panose="02070309020205020404" pitchFamily="49" charset="0"/>
+              </a:rPr>
+              <a:t>menu_class</a:t>
+            </a:r>
+            <a:r>
+              <a:rPr lang="en-US" dirty="0">
+                <a:latin typeface="Courier New" panose="02070309020205020404" pitchFamily="49" charset="0"/>
+                <a:cs typeface="Courier New" panose="02070309020205020404" pitchFamily="49" charset="0"/>
+              </a:rPr>
+              <a:t>' =&gt; 'navigation'</a:t>
+            </a:r>
+          </a:p>
+          <a:p>
+            <a:pPr algn="l"/>
+            <a:r>
+              <a:rPr lang="en-US" dirty="0">
+                <a:latin typeface="Courier New" panose="02070309020205020404" pitchFamily="49" charset="0"/>
+                <a:cs typeface="Courier New" panose="02070309020205020404" pitchFamily="49" charset="0"/>
+              </a:rPr>
+              <a:t>));</a:t>
             </a:r>
             <a:endParaRPr lang="pt-BR" dirty="0">
               <a:latin typeface="Courier New" panose="02070309020205020404" pitchFamily="49" charset="0"/>
@@ -10190,7 +10726,7 @@
     </p:spTree>
     <p:extLst>
       <p:ext uri="{BB962C8B-B14F-4D97-AF65-F5344CB8AC3E}">
-        <p14:creationId xmlns:p14="http://schemas.microsoft.com/office/powerpoint/2010/main" val="2999945282"/>
+        <p14:creationId xmlns:p14="http://schemas.microsoft.com/office/powerpoint/2010/main" val="1926250769"/>
       </p:ext>
     </p:extLst>
   </p:cSld>
@@ -10258,97 +10794,76 @@
           <a:p>
             <a:r>
               <a:rPr lang="pt-BR" dirty="0"/>
-              <a:t>Inserir a descrição do tema no arquivo style.css.</a:t>
-            </a:r>
-          </a:p>
-          <a:p>
-            <a:pPr algn="l"/>
-            <a:r>
-              <a:rPr lang="en-US" dirty="0">
-                <a:latin typeface="Courier New" panose="02070309020205020404" pitchFamily="49" charset="0"/>
-                <a:cs typeface="Courier New" panose="02070309020205020404" pitchFamily="49" charset="0"/>
-              </a:rPr>
-              <a:t>/*</a:t>
-            </a:r>
-          </a:p>
-          <a:p>
-            <a:pPr algn="l"/>
-            <a:r>
-              <a:rPr lang="en-US" dirty="0">
-                <a:latin typeface="Courier New" panose="02070309020205020404" pitchFamily="49" charset="0"/>
-                <a:cs typeface="Courier New" panose="02070309020205020404" pitchFamily="49" charset="0"/>
-              </a:rPr>
-              <a:t>Theme Name: </a:t>
-            </a:r>
-            <a:r>
-              <a:rPr lang="en-US" dirty="0" err="1">
-                <a:latin typeface="Courier New" panose="02070309020205020404" pitchFamily="49" charset="0"/>
-                <a:cs typeface="Courier New" panose="02070309020205020404" pitchFamily="49" charset="0"/>
-              </a:rPr>
-              <a:t>TemaSimples</a:t>
-            </a:r>
-            <a:endParaRPr lang="en-US" dirty="0">
-              <a:latin typeface="Courier New" panose="02070309020205020404" pitchFamily="49" charset="0"/>
-              <a:cs typeface="Courier New" panose="02070309020205020404" pitchFamily="49" charset="0"/>
-            </a:endParaRPr>
-          </a:p>
-          <a:p>
-            <a:pPr algn="l"/>
-            <a:r>
-              <a:rPr lang="en-US" dirty="0">
-                <a:latin typeface="Courier New" panose="02070309020205020404" pitchFamily="49" charset="0"/>
-                <a:cs typeface="Courier New" panose="02070309020205020404" pitchFamily="49" charset="0"/>
-              </a:rPr>
-              <a:t>Author: &lt;</a:t>
-            </a:r>
-            <a:r>
-              <a:rPr lang="en-US" dirty="0" err="1">
-                <a:latin typeface="Courier New" panose="02070309020205020404" pitchFamily="49" charset="0"/>
-                <a:cs typeface="Courier New" panose="02070309020205020404" pitchFamily="49" charset="0"/>
-              </a:rPr>
-              <a:t>nome</a:t>
-            </a:r>
-            <a:r>
-              <a:rPr lang="en-US" dirty="0">
-                <a:latin typeface="Courier New" panose="02070309020205020404" pitchFamily="49" charset="0"/>
-                <a:cs typeface="Courier New" panose="02070309020205020404" pitchFamily="49" charset="0"/>
-              </a:rPr>
-              <a:t>-do-</a:t>
-            </a:r>
-            <a:r>
-              <a:rPr lang="en-US" dirty="0" err="1">
-                <a:latin typeface="Courier New" panose="02070309020205020404" pitchFamily="49" charset="0"/>
-                <a:cs typeface="Courier New" panose="02070309020205020404" pitchFamily="49" charset="0"/>
-              </a:rPr>
-              <a:t>autor</a:t>
-            </a:r>
-            <a:r>
-              <a:rPr lang="en-US" dirty="0">
-                <a:latin typeface="Courier New" panose="02070309020205020404" pitchFamily="49" charset="0"/>
-                <a:cs typeface="Courier New" panose="02070309020205020404" pitchFamily="49" charset="0"/>
-              </a:rPr>
-              <a:t>&gt;</a:t>
-            </a:r>
-          </a:p>
-          <a:p>
-            <a:pPr algn="l"/>
-            <a:r>
-              <a:rPr lang="en-US" dirty="0">
-                <a:latin typeface="Courier New" panose="02070309020205020404" pitchFamily="49" charset="0"/>
-                <a:cs typeface="Courier New" panose="02070309020205020404" pitchFamily="49" charset="0"/>
-              </a:rPr>
-              <a:t>*/</a:t>
-            </a:r>
-          </a:p>
-          <a:p>
-            <a:endParaRPr lang="pt-BR" dirty="0"/>
+              <a:t>Crie um novo diretório para o novo tema em </a:t>
+            </a:r>
+            <a:r>
+              <a:rPr lang="pt-BR" dirty="0" err="1">
+                <a:latin typeface="Courier New" panose="02070309020205020404" pitchFamily="49" charset="0"/>
+                <a:cs typeface="Courier New" panose="02070309020205020404" pitchFamily="49" charset="0"/>
+              </a:rPr>
+              <a:t>wp-content</a:t>
+            </a:r>
+            <a:r>
+              <a:rPr lang="pt-BR" dirty="0">
+                <a:latin typeface="Courier New" panose="02070309020205020404" pitchFamily="49" charset="0"/>
+                <a:cs typeface="Courier New" panose="02070309020205020404" pitchFamily="49" charset="0"/>
+              </a:rPr>
+              <a:t>\</a:t>
+            </a:r>
+            <a:r>
+              <a:rPr lang="pt-BR" dirty="0" err="1">
+                <a:latin typeface="Courier New" panose="02070309020205020404" pitchFamily="49" charset="0"/>
+                <a:cs typeface="Courier New" panose="02070309020205020404" pitchFamily="49" charset="0"/>
+              </a:rPr>
+              <a:t>themes</a:t>
+            </a:r>
+            <a:r>
+              <a:rPr lang="pt-BR" dirty="0"/>
+              <a:t> (</a:t>
+            </a:r>
+            <a:r>
+              <a:rPr lang="pt-BR" dirty="0" err="1"/>
+              <a:t>temaSimples</a:t>
+            </a:r>
+            <a:r>
+              <a:rPr lang="pt-BR" dirty="0"/>
+              <a:t>, por exemplo).</a:t>
+            </a:r>
+          </a:p>
+          <a:p>
+            <a:r>
+              <a:rPr lang="pt-BR" dirty="0"/>
+              <a:t>Dentro dele, crie os arquivos </a:t>
+            </a:r>
+            <a:r>
+              <a:rPr lang="pt-BR" dirty="0" err="1">
+                <a:latin typeface="Courier New" panose="02070309020205020404" pitchFamily="49" charset="0"/>
+                <a:cs typeface="Courier New" panose="02070309020205020404" pitchFamily="49" charset="0"/>
+              </a:rPr>
+              <a:t>index.php</a:t>
+            </a:r>
+            <a:r>
+              <a:rPr lang="pt-BR" dirty="0"/>
+              <a:t> e </a:t>
+            </a:r>
+            <a:r>
+              <a:rPr lang="pt-BR" dirty="0">
+                <a:latin typeface="Courier New" panose="02070309020205020404" pitchFamily="49" charset="0"/>
+                <a:cs typeface="Courier New" panose="02070309020205020404" pitchFamily="49" charset="0"/>
+              </a:rPr>
+              <a:t>style.css</a:t>
+            </a:r>
+            <a:r>
+              <a:rPr lang="pt-BR" dirty="0"/>
+              <a:t> nesse novo diretório.</a:t>
+            </a:r>
           </a:p>
         </p:txBody>
       </p:sp>
     </p:spTree>
     <p:extLst>
       <p:ext uri="{BB962C8B-B14F-4D97-AF65-F5344CB8AC3E}">
-        <p14:creationId xmlns:p14="http://schemas.microsoft.com/office/powerpoint/2010/main" val="2172749851"/>
+        <p14:creationId xmlns:p14="http://schemas.microsoft.com/office/powerpoint/2010/main" val="3322152757"/>
       </p:ext>
     </p:extLst>
   </p:cSld>
@@ -10387,6 +10902,28 @@
         </p:nvSpPr>
         <p:spPr/>
         <p:txBody>
+          <a:bodyPr/>
+          <a:lstStyle/>
+          <a:p>
+            <a:r>
+              <a:rPr lang="pt-BR" dirty="0"/>
+              <a:t>Formatação do cabeçalho</a:t>
+            </a:r>
+          </a:p>
+        </p:txBody>
+      </p:sp>
+      <p:sp>
+        <p:nvSpPr>
+          <p:cNvPr id="6" name="Espaço Reservado para Conteúdo 5"/>
+          <p:cNvSpPr>
+            <a:spLocks noGrp="1"/>
+          </p:cNvSpPr>
+          <p:nvPr>
+            <p:ph idx="1"/>
+          </p:nvPr>
+        </p:nvSpPr>
+        <p:spPr/>
+        <p:txBody>
           <a:bodyPr>
             <a:normAutofit/>
           </a:bodyPr>
@@ -10394,70 +10931,50 @@
           <a:p>
             <a:r>
               <a:rPr lang="pt-BR" dirty="0"/>
-              <a:t>Página para posts</a:t>
-            </a:r>
-          </a:p>
-        </p:txBody>
-      </p:sp>
-      <p:sp>
-        <p:nvSpPr>
-          <p:cNvPr id="6" name="Espaço Reservado para Conteúdo 5"/>
-          <p:cNvSpPr>
-            <a:spLocks noGrp="1"/>
-          </p:cNvSpPr>
-          <p:nvPr>
-            <p:ph idx="1"/>
-          </p:nvPr>
-        </p:nvSpPr>
-        <p:spPr/>
-        <p:txBody>
-          <a:bodyPr>
-            <a:normAutofit/>
-          </a:bodyPr>
-          <a:lstStyle/>
-          <a:p>
-            <a:r>
-              <a:rPr lang="pt-BR" dirty="0"/>
-              <a:t>Caso ainda não tenha, crie alguns posts para o site, no painel de gerenciamento.</a:t>
-            </a:r>
-          </a:p>
-          <a:p>
-            <a:r>
-              <a:rPr lang="pt-BR" dirty="0"/>
-              <a:t>Copie o código do arquivo </a:t>
+              <a:t>Adicione ao elemento </a:t>
+            </a:r>
+            <a:r>
+              <a:rPr lang="pt-BR" dirty="0">
+                <a:latin typeface="Courier New" panose="02070309020205020404" pitchFamily="49" charset="0"/>
+                <a:cs typeface="Courier New" panose="02070309020205020404" pitchFamily="49" charset="0"/>
+              </a:rPr>
+              <a:t>&lt;header&gt;</a:t>
+            </a:r>
+            <a:r>
+              <a:rPr lang="pt-BR" dirty="0"/>
+              <a:t> a classe </a:t>
             </a:r>
             <a:r>
               <a:rPr lang="pt-BR" dirty="0" err="1">
                 <a:latin typeface="Courier New" panose="02070309020205020404" pitchFamily="49" charset="0"/>
                 <a:cs typeface="Courier New" panose="02070309020205020404" pitchFamily="49" charset="0"/>
               </a:rPr>
-              <a:t>page.php</a:t>
-            </a:r>
-            <a:r>
-              <a:rPr lang="pt-BR" dirty="0"/>
-              <a:t> para o arquivo </a:t>
-            </a:r>
-            <a:r>
-              <a:rPr lang="pt-BR" dirty="0" err="1">
-                <a:latin typeface="Courier New" panose="02070309020205020404" pitchFamily="49" charset="0"/>
-                <a:cs typeface="Courier New" panose="02070309020205020404" pitchFamily="49" charset="0"/>
-              </a:rPr>
-              <a:t>single.php</a:t>
-            </a:r>
-            <a:r>
-              <a:rPr lang="pt-BR" dirty="0"/>
-              <a:t> e </a:t>
-            </a:r>
-            <a:r>
-              <a:rPr lang="pt-BR" dirty="0" err="1">
-                <a:latin typeface="Courier New" panose="02070309020205020404" pitchFamily="49" charset="0"/>
-                <a:cs typeface="Courier New" panose="02070309020205020404" pitchFamily="49" charset="0"/>
-              </a:rPr>
-              <a:t>archive.php</a:t>
-            </a:r>
-            <a:r>
-              <a:rPr lang="pt-BR" dirty="0"/>
-              <a:t>.</a:t>
+              <a:t>sticky</a:t>
+            </a:r>
+            <a:r>
+              <a:rPr lang="pt-BR" dirty="0">
+                <a:latin typeface="Courier New" panose="02070309020205020404" pitchFamily="49" charset="0"/>
+                <a:cs typeface="Courier New" panose="02070309020205020404" pitchFamily="49" charset="0"/>
+              </a:rPr>
+              <a:t>-top</a:t>
+            </a:r>
+            <a:r>
+              <a:rPr lang="pt-BR" dirty="0"/>
+              <a:t> para que ele fique fixo no topo da página</a:t>
+            </a:r>
+            <a:r>
+              <a:rPr lang="en-US" dirty="0"/>
+              <a:t>:</a:t>
+            </a:r>
+          </a:p>
+          <a:p>
+            <a:pPr algn="l"/>
+            <a:r>
+              <a:rPr lang="en-US" dirty="0">
+                <a:latin typeface="Courier New" panose="02070309020205020404" pitchFamily="49" charset="0"/>
+                <a:cs typeface="Courier New" panose="02070309020205020404" pitchFamily="49" charset="0"/>
+              </a:rPr>
+              <a:t>&lt;header class="sticky-top"&gt;</a:t>
             </a:r>
             <a:endParaRPr lang="pt-BR" dirty="0">
               <a:latin typeface="Courier New" panose="02070309020205020404" pitchFamily="49" charset="0"/>
@@ -10469,7 +10986,7 @@
     </p:spTree>
     <p:extLst>
       <p:ext uri="{BB962C8B-B14F-4D97-AF65-F5344CB8AC3E}">
-        <p14:creationId xmlns:p14="http://schemas.microsoft.com/office/powerpoint/2010/main" val="3423407118"/>
+        <p14:creationId xmlns:p14="http://schemas.microsoft.com/office/powerpoint/2010/main" val="2999945282"/>
       </p:ext>
     </p:extLst>
   </p:cSld>
@@ -10539,144 +11056,46 @@
           <a:p>
             <a:r>
               <a:rPr lang="pt-BR" dirty="0"/>
-              <a:t>No arquivo, </a:t>
+              <a:t>Caso ainda não tenha, crie alguns posts para o site, no painel de gerenciamento.</a:t>
+            </a:r>
+          </a:p>
+          <a:p>
+            <a:r>
+              <a:rPr lang="pt-BR" dirty="0"/>
+              <a:t>Copie o código do arquivo </a:t>
             </a:r>
             <a:r>
               <a:rPr lang="pt-BR" dirty="0" err="1">
                 <a:latin typeface="Courier New" panose="02070309020205020404" pitchFamily="49" charset="0"/>
                 <a:cs typeface="Courier New" panose="02070309020205020404" pitchFamily="49" charset="0"/>
               </a:rPr>
+              <a:t>page.php</a:t>
+            </a:r>
+            <a:r>
+              <a:rPr lang="pt-BR" dirty="0"/>
+              <a:t> para o arquivo </a:t>
+            </a:r>
+            <a:r>
+              <a:rPr lang="pt-BR" dirty="0" err="1">
+                <a:latin typeface="Courier New" panose="02070309020205020404" pitchFamily="49" charset="0"/>
+                <a:cs typeface="Courier New" panose="02070309020205020404" pitchFamily="49" charset="0"/>
+              </a:rPr>
+              <a:t>single.php</a:t>
+            </a:r>
+            <a:r>
+              <a:rPr lang="pt-BR" dirty="0"/>
+              <a:t> e </a:t>
+            </a:r>
+            <a:r>
+              <a:rPr lang="pt-BR" dirty="0" err="1">
+                <a:latin typeface="Courier New" panose="02070309020205020404" pitchFamily="49" charset="0"/>
+                <a:cs typeface="Courier New" panose="02070309020205020404" pitchFamily="49" charset="0"/>
+              </a:rPr>
               <a:t>archive.php</a:t>
             </a:r>
             <a:r>
               <a:rPr lang="pt-BR" dirty="0"/>
-              <a:t>, substitua </a:t>
-            </a:r>
-            <a:r>
-              <a:rPr lang="pt-BR" dirty="0" err="1">
-                <a:latin typeface="Courier New" panose="02070309020205020404" pitchFamily="49" charset="0"/>
-                <a:cs typeface="Courier New" panose="02070309020205020404" pitchFamily="49" charset="0"/>
-              </a:rPr>
-              <a:t>the_title</a:t>
-            </a:r>
-            <a:r>
-              <a:rPr lang="pt-BR" dirty="0">
-                <a:latin typeface="Courier New" panose="02070309020205020404" pitchFamily="49" charset="0"/>
-                <a:cs typeface="Courier New" panose="02070309020205020404" pitchFamily="49" charset="0"/>
-              </a:rPr>
-              <a:t>()</a:t>
-            </a:r>
-            <a:r>
-              <a:rPr lang="pt-BR" dirty="0"/>
-              <a:t> por </a:t>
-            </a:r>
-            <a:r>
-              <a:rPr lang="pt-BR" dirty="0" err="1">
-                <a:latin typeface="Courier New" panose="02070309020205020404" pitchFamily="49" charset="0"/>
-                <a:cs typeface="Courier New" panose="02070309020205020404" pitchFamily="49" charset="0"/>
-              </a:rPr>
-              <a:t>single_cat_title</a:t>
-            </a:r>
-            <a:r>
-              <a:rPr lang="pt-BR" dirty="0">
-                <a:latin typeface="Courier New" panose="02070309020205020404" pitchFamily="49" charset="0"/>
-                <a:cs typeface="Courier New" panose="02070309020205020404" pitchFamily="49" charset="0"/>
-              </a:rPr>
-              <a:t>()</a:t>
-            </a:r>
-            <a:r>
-              <a:rPr lang="pt-BR" dirty="0"/>
-              <a:t> e </a:t>
-            </a:r>
-            <a:r>
-              <a:rPr lang="pt-BR" dirty="0" err="1">
-                <a:latin typeface="Courier New" panose="02070309020205020404" pitchFamily="49" charset="0"/>
-                <a:cs typeface="Courier New" panose="02070309020205020404" pitchFamily="49" charset="0"/>
-              </a:rPr>
-              <a:t>the_content</a:t>
-            </a:r>
-            <a:r>
-              <a:rPr lang="pt-BR" dirty="0">
-                <a:latin typeface="Courier New" panose="02070309020205020404" pitchFamily="49" charset="0"/>
-                <a:cs typeface="Courier New" panose="02070309020205020404" pitchFamily="49" charset="0"/>
-              </a:rPr>
-              <a:t>()</a:t>
-            </a:r>
-            <a:r>
-              <a:rPr lang="pt-BR" dirty="0"/>
-              <a:t> por </a:t>
-            </a:r>
-            <a:r>
-              <a:rPr lang="pt-BR" dirty="0" err="1">
-                <a:latin typeface="Courier New" panose="02070309020205020404" pitchFamily="49" charset="0"/>
-                <a:cs typeface="Courier New" panose="02070309020205020404" pitchFamily="49" charset="0"/>
-              </a:rPr>
-              <a:t>the_excerpt</a:t>
-            </a:r>
-            <a:r>
-              <a:rPr lang="pt-BR" dirty="0">
-                <a:latin typeface="Courier New" panose="02070309020205020404" pitchFamily="49" charset="0"/>
-                <a:cs typeface="Courier New" panose="02070309020205020404" pitchFamily="49" charset="0"/>
-              </a:rPr>
-              <a:t>()</a:t>
-            </a:r>
-            <a:r>
-              <a:rPr lang="pt-BR" dirty="0"/>
               <a:t>.</a:t>
-            </a:r>
-          </a:p>
-          <a:p>
-            <a:r>
-              <a:rPr lang="pt-BR" dirty="0"/>
-              <a:t>Depois, insira o código abaixo logo antes da chamada do método</a:t>
-            </a:r>
-            <a:r>
-              <a:rPr lang="pt-BR" dirty="0">
-                <a:latin typeface="Courier New" panose="02070309020205020404" pitchFamily="49" charset="0"/>
-                <a:cs typeface="Courier New" panose="02070309020205020404" pitchFamily="49" charset="0"/>
-              </a:rPr>
-              <a:t> </a:t>
-            </a:r>
-            <a:r>
-              <a:rPr lang="pt-BR" dirty="0" err="1">
-                <a:latin typeface="Courier New" panose="02070309020205020404" pitchFamily="49" charset="0"/>
-                <a:cs typeface="Courier New" panose="02070309020205020404" pitchFamily="49" charset="0"/>
-              </a:rPr>
-              <a:t>the_excerpt</a:t>
-            </a:r>
-            <a:r>
-              <a:rPr lang="pt-BR" dirty="0">
-                <a:latin typeface="Courier New" panose="02070309020205020404" pitchFamily="49" charset="0"/>
-                <a:cs typeface="Courier New" panose="02070309020205020404" pitchFamily="49" charset="0"/>
-              </a:rPr>
-              <a:t>()</a:t>
-            </a:r>
-            <a:r>
-              <a:rPr lang="pt-BR" dirty="0"/>
-              <a:t>, para exibir o título do post.</a:t>
-            </a:r>
-          </a:p>
-          <a:p>
-            <a:r>
-              <a:rPr lang="en-US" dirty="0">
-                <a:latin typeface="Courier New" panose="02070309020205020404" pitchFamily="49" charset="0"/>
-                <a:cs typeface="Courier New" panose="02070309020205020404" pitchFamily="49" charset="0"/>
-              </a:rPr>
-              <a:t>&lt;h3&gt;&lt;?php </a:t>
-            </a:r>
-            <a:r>
-              <a:rPr lang="en-US" dirty="0" err="1">
-                <a:latin typeface="Courier New" panose="02070309020205020404" pitchFamily="49" charset="0"/>
-                <a:cs typeface="Courier New" panose="02070309020205020404" pitchFamily="49" charset="0"/>
-              </a:rPr>
-              <a:t>the_title</a:t>
-            </a:r>
-            <a:r>
-              <a:rPr lang="en-US" dirty="0">
-                <a:latin typeface="Courier New" panose="02070309020205020404" pitchFamily="49" charset="0"/>
-                <a:cs typeface="Courier New" panose="02070309020205020404" pitchFamily="49" charset="0"/>
-              </a:rPr>
-              <a:t>(); ?&gt;&lt;/h3&gt;</a:t>
             </a:r>
             <a:endParaRPr lang="pt-BR" dirty="0">
               <a:latin typeface="Courier New" panose="02070309020205020404" pitchFamily="49" charset="0"/>
@@ -10688,7 +11107,7 @@
     </p:spTree>
     <p:extLst>
       <p:ext uri="{BB962C8B-B14F-4D97-AF65-F5344CB8AC3E}">
-        <p14:creationId xmlns:p14="http://schemas.microsoft.com/office/powerpoint/2010/main" val="2045831681"/>
+        <p14:creationId xmlns:p14="http://schemas.microsoft.com/office/powerpoint/2010/main" val="3423407118"/>
       </p:ext>
     </p:extLst>
   </p:cSld>
@@ -10752,13 +11171,13 @@
         <p:spPr/>
         <p:txBody>
           <a:bodyPr>
-            <a:normAutofit fontScale="92500" lnSpcReduction="20000"/>
+            <a:normAutofit/>
           </a:bodyPr>
           <a:lstStyle/>
           <a:p>
             <a:r>
               <a:rPr lang="pt-BR" dirty="0"/>
-              <a:t>Ainda no arquivo, </a:t>
+              <a:t>No arquivo, </a:t>
             </a:r>
             <a:r>
               <a:rPr lang="pt-BR" dirty="0" err="1">
@@ -10769,7 +11188,110 @@
             </a:r>
             <a:r>
               <a:rPr lang="pt-BR" dirty="0"/>
-              <a:t>, insira o código abaixo</a:t>
+              <a:t>, substitua </a:t>
+            </a:r>
+            <a:r>
+              <a:rPr lang="pt-BR" dirty="0" err="1">
+                <a:latin typeface="Courier New" panose="02070309020205020404" pitchFamily="49" charset="0"/>
+                <a:cs typeface="Courier New" panose="02070309020205020404" pitchFamily="49" charset="0"/>
+              </a:rPr>
+              <a:t>the_title</a:t>
+            </a:r>
+            <a:r>
+              <a:rPr lang="pt-BR" dirty="0">
+                <a:latin typeface="Courier New" panose="02070309020205020404" pitchFamily="49" charset="0"/>
+                <a:cs typeface="Courier New" panose="02070309020205020404" pitchFamily="49" charset="0"/>
+              </a:rPr>
+              <a:t>()</a:t>
+            </a:r>
+            <a:r>
+              <a:rPr lang="pt-BR" dirty="0"/>
+              <a:t> por </a:t>
+            </a:r>
+            <a:r>
+              <a:rPr lang="pt-BR" dirty="0" err="1">
+                <a:latin typeface="Courier New" panose="02070309020205020404" pitchFamily="49" charset="0"/>
+                <a:cs typeface="Courier New" panose="02070309020205020404" pitchFamily="49" charset="0"/>
+              </a:rPr>
+              <a:t>single_cat_title</a:t>
+            </a:r>
+            <a:r>
+              <a:rPr lang="pt-BR" dirty="0">
+                <a:latin typeface="Courier New" panose="02070309020205020404" pitchFamily="49" charset="0"/>
+                <a:cs typeface="Courier New" panose="02070309020205020404" pitchFamily="49" charset="0"/>
+              </a:rPr>
+              <a:t>()</a:t>
+            </a:r>
+            <a:r>
+              <a:rPr lang="pt-BR" dirty="0"/>
+              <a:t> e </a:t>
+            </a:r>
+            <a:r>
+              <a:rPr lang="pt-BR" dirty="0" err="1">
+                <a:latin typeface="Courier New" panose="02070309020205020404" pitchFamily="49" charset="0"/>
+                <a:cs typeface="Courier New" panose="02070309020205020404" pitchFamily="49" charset="0"/>
+              </a:rPr>
+              <a:t>the_content</a:t>
+            </a:r>
+            <a:r>
+              <a:rPr lang="pt-BR" dirty="0">
+                <a:latin typeface="Courier New" panose="02070309020205020404" pitchFamily="49" charset="0"/>
+                <a:cs typeface="Courier New" panose="02070309020205020404" pitchFamily="49" charset="0"/>
+              </a:rPr>
+              <a:t>()</a:t>
+            </a:r>
+            <a:r>
+              <a:rPr lang="pt-BR" dirty="0"/>
+              <a:t> por </a:t>
+            </a:r>
+            <a:r>
+              <a:rPr lang="pt-BR" dirty="0" err="1">
+                <a:latin typeface="Courier New" panose="02070309020205020404" pitchFamily="49" charset="0"/>
+                <a:cs typeface="Courier New" panose="02070309020205020404" pitchFamily="49" charset="0"/>
+              </a:rPr>
+              <a:t>the_excerpt</a:t>
+            </a:r>
+            <a:r>
+              <a:rPr lang="pt-BR" dirty="0">
+                <a:latin typeface="Courier New" panose="02070309020205020404" pitchFamily="49" charset="0"/>
+                <a:cs typeface="Courier New" panose="02070309020205020404" pitchFamily="49" charset="0"/>
+              </a:rPr>
+              <a:t>()</a:t>
+            </a:r>
+            <a:r>
+              <a:rPr lang="pt-BR" dirty="0"/>
+              <a:t>.</a:t>
+            </a:r>
+          </a:p>
+          <a:p>
+            <a:r>
+              <a:rPr lang="pt-BR" dirty="0"/>
+              <a:t>Depois, insira o código abaixo logo antes da chamada do método</a:t>
+            </a:r>
+            <a:r>
+              <a:rPr lang="pt-BR" dirty="0">
+                <a:latin typeface="Courier New" panose="02070309020205020404" pitchFamily="49" charset="0"/>
+                <a:cs typeface="Courier New" panose="02070309020205020404" pitchFamily="49" charset="0"/>
+              </a:rPr>
+              <a:t> </a:t>
+            </a:r>
+            <a:r>
+              <a:rPr lang="pt-BR" dirty="0" err="1">
+                <a:latin typeface="Courier New" panose="02070309020205020404" pitchFamily="49" charset="0"/>
+                <a:cs typeface="Courier New" panose="02070309020205020404" pitchFamily="49" charset="0"/>
+              </a:rPr>
+              <a:t>the_excerpt</a:t>
+            </a:r>
+            <a:r>
+              <a:rPr lang="pt-BR" dirty="0">
+                <a:latin typeface="Courier New" panose="02070309020205020404" pitchFamily="49" charset="0"/>
+                <a:cs typeface="Courier New" panose="02070309020205020404" pitchFamily="49" charset="0"/>
+              </a:rPr>
+              <a:t>()</a:t>
+            </a:r>
+            <a:r>
+              <a:rPr lang="pt-BR" dirty="0"/>
+              <a:t>, para exibir o título do post.</a:t>
             </a:r>
           </a:p>
           <a:p>
@@ -10793,152 +11315,18 @@
                 <a:cs typeface="Courier New" panose="02070309020205020404" pitchFamily="49" charset="0"/>
               </a:rPr>
               <a:t>(); ?&gt;&lt;/h3&gt;</a:t>
-            </a:r>
-          </a:p>
-          <a:p>
-            <a:r>
-              <a:rPr lang="pt-BR" dirty="0"/>
-              <a:t>logo antes da chamada do método</a:t>
-            </a:r>
-            <a:r>
-              <a:rPr lang="pt-BR" dirty="0">
-                <a:latin typeface="Courier New" panose="02070309020205020404" pitchFamily="49" charset="0"/>
-                <a:cs typeface="Courier New" panose="02070309020205020404" pitchFamily="49" charset="0"/>
-              </a:rPr>
-              <a:t> </a:t>
-            </a:r>
-            <a:r>
-              <a:rPr lang="pt-BR" dirty="0" err="1">
-                <a:latin typeface="Courier New" panose="02070309020205020404" pitchFamily="49" charset="0"/>
-                <a:cs typeface="Courier New" panose="02070309020205020404" pitchFamily="49" charset="0"/>
-              </a:rPr>
-              <a:t>the_excerpt</a:t>
-            </a:r>
-            <a:r>
-              <a:rPr lang="pt-BR" dirty="0">
-                <a:latin typeface="Courier New" panose="02070309020205020404" pitchFamily="49" charset="0"/>
-                <a:cs typeface="Courier New" panose="02070309020205020404" pitchFamily="49" charset="0"/>
-              </a:rPr>
-              <a:t>()</a:t>
-            </a:r>
-            <a:r>
-              <a:rPr lang="pt-BR" dirty="0"/>
-              <a:t>, para exibir o título do post, e o código seguinte</a:t>
-            </a:r>
-          </a:p>
-          <a:p>
-            <a:r>
-              <a:rPr lang="en-US" dirty="0">
-                <a:latin typeface="Courier New" panose="02070309020205020404" pitchFamily="49" charset="0"/>
-                <a:cs typeface="Courier New" panose="02070309020205020404" pitchFamily="49" charset="0"/>
-              </a:rPr>
-              <a:t>&lt;a </a:t>
-            </a:r>
-            <a:r>
-              <a:rPr lang="en-US" dirty="0" err="1">
-                <a:latin typeface="Courier New" panose="02070309020205020404" pitchFamily="49" charset="0"/>
-                <a:cs typeface="Courier New" panose="02070309020205020404" pitchFamily="49" charset="0"/>
-              </a:rPr>
-              <a:t>href</a:t>
-            </a:r>
-            <a:r>
-              <a:rPr lang="en-US" dirty="0">
-                <a:latin typeface="Courier New" panose="02070309020205020404" pitchFamily="49" charset="0"/>
-                <a:cs typeface="Courier New" panose="02070309020205020404" pitchFamily="49" charset="0"/>
-              </a:rPr>
-              <a:t>="&lt;?php </a:t>
-            </a:r>
-            <a:r>
-              <a:rPr lang="en-US" dirty="0" err="1">
-                <a:latin typeface="Courier New" panose="02070309020205020404" pitchFamily="49" charset="0"/>
-                <a:cs typeface="Courier New" panose="02070309020205020404" pitchFamily="49" charset="0"/>
-              </a:rPr>
-              <a:t>the_permalink</a:t>
-            </a:r>
-            <a:r>
-              <a:rPr lang="en-US" dirty="0">
-                <a:latin typeface="Courier New" panose="02070309020205020404" pitchFamily="49" charset="0"/>
-                <a:cs typeface="Courier New" panose="02070309020205020404" pitchFamily="49" charset="0"/>
-              </a:rPr>
-              <a:t>(); ?&gt;" class="</a:t>
-            </a:r>
-            <a:r>
-              <a:rPr lang="en-US" dirty="0" err="1">
-                <a:latin typeface="Courier New" panose="02070309020205020404" pitchFamily="49" charset="0"/>
-                <a:cs typeface="Courier New" panose="02070309020205020404" pitchFamily="49" charset="0"/>
-              </a:rPr>
-              <a:t>btn</a:t>
-            </a:r>
-            <a:r>
-              <a:rPr lang="en-US" dirty="0">
-                <a:latin typeface="Courier New" panose="02070309020205020404" pitchFamily="49" charset="0"/>
-                <a:cs typeface="Courier New" panose="02070309020205020404" pitchFamily="49" charset="0"/>
-              </a:rPr>
-              <a:t> </a:t>
-            </a:r>
-            <a:r>
-              <a:rPr lang="en-US" dirty="0" err="1">
-                <a:latin typeface="Courier New" panose="02070309020205020404" pitchFamily="49" charset="0"/>
-                <a:cs typeface="Courier New" panose="02070309020205020404" pitchFamily="49" charset="0"/>
-              </a:rPr>
-              <a:t>btn</a:t>
-            </a:r>
-            <a:r>
-              <a:rPr lang="en-US" dirty="0">
-                <a:latin typeface="Courier New" panose="02070309020205020404" pitchFamily="49" charset="0"/>
-                <a:cs typeface="Courier New" panose="02070309020205020404" pitchFamily="49" charset="0"/>
-              </a:rPr>
-              <a:t>-success"&gt;Leia </a:t>
-            </a:r>
-            <a:r>
-              <a:rPr lang="en-US" dirty="0" err="1">
-                <a:latin typeface="Courier New" panose="02070309020205020404" pitchFamily="49" charset="0"/>
-                <a:cs typeface="Courier New" panose="02070309020205020404" pitchFamily="49" charset="0"/>
-              </a:rPr>
-              <a:t>mais</a:t>
-            </a:r>
-            <a:r>
-              <a:rPr lang="en-US" dirty="0">
-                <a:latin typeface="Courier New" panose="02070309020205020404" pitchFamily="49" charset="0"/>
-                <a:cs typeface="Courier New" panose="02070309020205020404" pitchFamily="49" charset="0"/>
-              </a:rPr>
-              <a:t>&lt;/a&gt;</a:t>
             </a:r>
             <a:endParaRPr lang="pt-BR" dirty="0">
               <a:latin typeface="Courier New" panose="02070309020205020404" pitchFamily="49" charset="0"/>
               <a:cs typeface="Courier New" panose="02070309020205020404" pitchFamily="49" charset="0"/>
             </a:endParaRPr>
           </a:p>
-          <a:p>
-            <a:r>
-              <a:rPr lang="pt-BR" dirty="0"/>
-              <a:t>Logo após a chamada do método </a:t>
-            </a:r>
-            <a:r>
-              <a:rPr lang="pt-BR" dirty="0" err="1">
-                <a:latin typeface="Courier New" panose="02070309020205020404" pitchFamily="49" charset="0"/>
-                <a:cs typeface="Courier New" panose="02070309020205020404" pitchFamily="49" charset="0"/>
-              </a:rPr>
-              <a:t>the_excerpt</a:t>
-            </a:r>
-            <a:r>
-              <a:rPr lang="pt-BR" dirty="0">
-                <a:latin typeface="Courier New" panose="02070309020205020404" pitchFamily="49" charset="0"/>
-                <a:cs typeface="Courier New" panose="02070309020205020404" pitchFamily="49" charset="0"/>
-              </a:rPr>
-              <a:t>()</a:t>
-            </a:r>
-            <a:r>
-              <a:rPr lang="pt-BR" dirty="0"/>
-              <a:t>, para exibir um link para o post completo.</a:t>
-            </a:r>
-          </a:p>
         </p:txBody>
       </p:sp>
     </p:spTree>
     <p:extLst>
       <p:ext uri="{BB962C8B-B14F-4D97-AF65-F5344CB8AC3E}">
-        <p14:creationId xmlns:p14="http://schemas.microsoft.com/office/powerpoint/2010/main" val="3672891892"/>
+        <p14:creationId xmlns:p14="http://schemas.microsoft.com/office/powerpoint/2010/main" val="2045831681"/>
       </p:ext>
     </p:extLst>
   </p:cSld>
@@ -11002,7 +11390,7 @@
         <p:spPr/>
         <p:txBody>
           <a:bodyPr>
-            <a:normAutofit fontScale="92500" lnSpcReduction="10000"/>
+            <a:normAutofit fontScale="92500" lnSpcReduction="20000"/>
           </a:bodyPr>
           <a:lstStyle/>
           <a:p>
@@ -11019,69 +11407,176 @@
             </a:r>
             <a:r>
               <a:rPr lang="pt-BR" dirty="0"/>
-              <a:t>, envolva as informações do post com a estrutura abaixo:</a:t>
-            </a:r>
-          </a:p>
-          <a:p>
-            <a:pPr algn="l"/>
-            <a:r>
-              <a:rPr lang="en-US" dirty="0">
-                <a:latin typeface="Courier New" panose="02070309020205020404" pitchFamily="49" charset="0"/>
-                <a:cs typeface="Courier New" panose="02070309020205020404" pitchFamily="49" charset="0"/>
-              </a:rPr>
-              <a:t>&lt;div class="card"&gt;</a:t>
-            </a:r>
-          </a:p>
-          <a:p>
-            <a:pPr algn="l"/>
-            <a:r>
-              <a:rPr lang="en-US" dirty="0">
-                <a:latin typeface="Courier New" panose="02070309020205020404" pitchFamily="49" charset="0"/>
-                <a:cs typeface="Courier New" panose="02070309020205020404" pitchFamily="49" charset="0"/>
-              </a:rPr>
-              <a:t>	&lt;div class="card-body"&gt;</a:t>
-            </a:r>
-          </a:p>
-          <a:p>
-            <a:pPr algn="l"/>
-            <a:r>
-              <a:rPr lang="en-US" dirty="0">
-                <a:latin typeface="Courier New" panose="02070309020205020404" pitchFamily="49" charset="0"/>
-                <a:cs typeface="Courier New" panose="02070309020205020404" pitchFamily="49" charset="0"/>
-              </a:rPr>
-              <a:t>		…</a:t>
-            </a:r>
-          </a:p>
-          <a:p>
-            <a:pPr algn="l"/>
-            <a:r>
-              <a:rPr lang="en-US" dirty="0">
-                <a:latin typeface="Courier New" panose="02070309020205020404" pitchFamily="49" charset="0"/>
-                <a:cs typeface="Courier New" panose="02070309020205020404" pitchFamily="49" charset="0"/>
-              </a:rPr>
-              <a:t>	&lt;/div&gt;</a:t>
-            </a:r>
-          </a:p>
-          <a:p>
-            <a:pPr algn="l"/>
-            <a:r>
-              <a:rPr lang="en-US" dirty="0">
-                <a:latin typeface="Courier New" panose="02070309020205020404" pitchFamily="49" charset="0"/>
-                <a:cs typeface="Courier New" panose="02070309020205020404" pitchFamily="49" charset="0"/>
-              </a:rPr>
-              <a:t>&lt;/div&gt;</a:t>
+              <a:t>, insira o código abaixo</a:t>
+            </a:r>
+          </a:p>
+          <a:p>
+            <a:r>
+              <a:rPr lang="en-US" dirty="0">
+                <a:latin typeface="Courier New" panose="02070309020205020404" pitchFamily="49" charset="0"/>
+                <a:cs typeface="Courier New" panose="02070309020205020404" pitchFamily="49" charset="0"/>
+              </a:rPr>
+              <a:t>&lt;h3&gt;&lt;?php </a:t>
+            </a:r>
+            <a:r>
+              <a:rPr lang="en-US" dirty="0" err="1">
+                <a:latin typeface="Courier New" panose="02070309020205020404" pitchFamily="49" charset="0"/>
+                <a:cs typeface="Courier New" panose="02070309020205020404" pitchFamily="49" charset="0"/>
+              </a:rPr>
+              <a:t>the_title</a:t>
+            </a:r>
+            <a:r>
+              <a:rPr lang="en-US" dirty="0">
+                <a:latin typeface="Courier New" panose="02070309020205020404" pitchFamily="49" charset="0"/>
+                <a:cs typeface="Courier New" panose="02070309020205020404" pitchFamily="49" charset="0"/>
+              </a:rPr>
+              <a:t>(); ?&gt;&lt;/h3&gt;</a:t>
+            </a:r>
+          </a:p>
+          <a:p>
+            <a:r>
+              <a:rPr lang="pt-BR" dirty="0"/>
+              <a:t>logo antes da chamada do método</a:t>
+            </a:r>
+            <a:r>
+              <a:rPr lang="pt-BR" dirty="0">
+                <a:latin typeface="Courier New" panose="02070309020205020404" pitchFamily="49" charset="0"/>
+                <a:cs typeface="Courier New" panose="02070309020205020404" pitchFamily="49" charset="0"/>
+              </a:rPr>
+              <a:t> </a:t>
+            </a:r>
+            <a:r>
+              <a:rPr lang="pt-BR" dirty="0" err="1">
+                <a:latin typeface="Courier New" panose="02070309020205020404" pitchFamily="49" charset="0"/>
+                <a:cs typeface="Courier New" panose="02070309020205020404" pitchFamily="49" charset="0"/>
+              </a:rPr>
+              <a:t>the_excerpt</a:t>
+            </a:r>
+            <a:r>
+              <a:rPr lang="pt-BR" dirty="0">
+                <a:latin typeface="Courier New" panose="02070309020205020404" pitchFamily="49" charset="0"/>
+                <a:cs typeface="Courier New" panose="02070309020205020404" pitchFamily="49" charset="0"/>
+              </a:rPr>
+              <a:t>()</a:t>
+            </a:r>
+            <a:r>
+              <a:rPr lang="pt-BR" dirty="0"/>
+              <a:t>, para exibir o título do post, e o código seguinte</a:t>
+            </a:r>
+          </a:p>
+          <a:p>
+            <a:r>
+              <a:rPr lang="en-US" dirty="0">
+                <a:latin typeface="Courier New" panose="02070309020205020404" pitchFamily="49" charset="0"/>
+                <a:cs typeface="Courier New" panose="02070309020205020404" pitchFamily="49" charset="0"/>
+              </a:rPr>
+              <a:t>&lt;a </a:t>
+            </a:r>
+            <a:r>
+              <a:rPr lang="en-US" dirty="0" err="1">
+                <a:latin typeface="Courier New" panose="02070309020205020404" pitchFamily="49" charset="0"/>
+                <a:cs typeface="Courier New" panose="02070309020205020404" pitchFamily="49" charset="0"/>
+              </a:rPr>
+              <a:t>href</a:t>
+            </a:r>
+            <a:r>
+              <a:rPr lang="en-US" dirty="0">
+                <a:latin typeface="Courier New" panose="02070309020205020404" pitchFamily="49" charset="0"/>
+                <a:cs typeface="Courier New" panose="02070309020205020404" pitchFamily="49" charset="0"/>
+              </a:rPr>
+              <a:t>="&lt;?php </a:t>
+            </a:r>
+            <a:r>
+              <a:rPr lang="en-US" dirty="0" err="1">
+                <a:latin typeface="Courier New" panose="02070309020205020404" pitchFamily="49" charset="0"/>
+                <a:cs typeface="Courier New" panose="02070309020205020404" pitchFamily="49" charset="0"/>
+              </a:rPr>
+              <a:t>the_permalink</a:t>
+            </a:r>
+            <a:r>
+              <a:rPr lang="en-US" dirty="0">
+                <a:latin typeface="Courier New" panose="02070309020205020404" pitchFamily="49" charset="0"/>
+                <a:cs typeface="Courier New" panose="02070309020205020404" pitchFamily="49" charset="0"/>
+              </a:rPr>
+              <a:t>(); ?&gt;" class="</a:t>
+            </a:r>
+            <a:r>
+              <a:rPr lang="en-US" dirty="0" err="1">
+                <a:latin typeface="Courier New" panose="02070309020205020404" pitchFamily="49" charset="0"/>
+                <a:cs typeface="Courier New" panose="02070309020205020404" pitchFamily="49" charset="0"/>
+              </a:rPr>
+              <a:t>btn</a:t>
+            </a:r>
+            <a:r>
+              <a:rPr lang="en-US" dirty="0">
+                <a:latin typeface="Courier New" panose="02070309020205020404" pitchFamily="49" charset="0"/>
+                <a:cs typeface="Courier New" panose="02070309020205020404" pitchFamily="49" charset="0"/>
+              </a:rPr>
+              <a:t> </a:t>
+            </a:r>
+            <a:r>
+              <a:rPr lang="en-US" dirty="0" err="1">
+                <a:latin typeface="Courier New" panose="02070309020205020404" pitchFamily="49" charset="0"/>
+                <a:cs typeface="Courier New" panose="02070309020205020404" pitchFamily="49" charset="0"/>
+              </a:rPr>
+              <a:t>btn</a:t>
+            </a:r>
+            <a:r>
+              <a:rPr lang="en-US" dirty="0">
+                <a:latin typeface="Courier New" panose="02070309020205020404" pitchFamily="49" charset="0"/>
+                <a:cs typeface="Courier New" panose="02070309020205020404" pitchFamily="49" charset="0"/>
+              </a:rPr>
+              <a:t>-success"&gt;Leia </a:t>
+            </a:r>
+            <a:r>
+              <a:rPr lang="en-US" dirty="0" err="1">
+                <a:latin typeface="Courier New" panose="02070309020205020404" pitchFamily="49" charset="0"/>
+                <a:cs typeface="Courier New" panose="02070309020205020404" pitchFamily="49" charset="0"/>
+              </a:rPr>
+              <a:t>mais</a:t>
+            </a:r>
+            <a:r>
+              <a:rPr lang="en-US" dirty="0">
+                <a:latin typeface="Courier New" panose="02070309020205020404" pitchFamily="49" charset="0"/>
+                <a:cs typeface="Courier New" panose="02070309020205020404" pitchFamily="49" charset="0"/>
+              </a:rPr>
+              <a:t>&lt;/a&gt;</a:t>
             </a:r>
             <a:endParaRPr lang="pt-BR" dirty="0">
               <a:latin typeface="Courier New" panose="02070309020205020404" pitchFamily="49" charset="0"/>
               <a:cs typeface="Courier New" panose="02070309020205020404" pitchFamily="49" charset="0"/>
             </a:endParaRPr>
           </a:p>
+          <a:p>
+            <a:r>
+              <a:rPr lang="pt-BR" dirty="0"/>
+              <a:t>Logo após a chamada do método </a:t>
+            </a:r>
+            <a:r>
+              <a:rPr lang="pt-BR" dirty="0" err="1">
+                <a:latin typeface="Courier New" panose="02070309020205020404" pitchFamily="49" charset="0"/>
+                <a:cs typeface="Courier New" panose="02070309020205020404" pitchFamily="49" charset="0"/>
+              </a:rPr>
+              <a:t>the_excerpt</a:t>
+            </a:r>
+            <a:r>
+              <a:rPr lang="pt-BR" dirty="0">
+                <a:latin typeface="Courier New" panose="02070309020205020404" pitchFamily="49" charset="0"/>
+                <a:cs typeface="Courier New" panose="02070309020205020404" pitchFamily="49" charset="0"/>
+              </a:rPr>
+              <a:t>()</a:t>
+            </a:r>
+            <a:r>
+              <a:rPr lang="pt-BR" dirty="0"/>
+              <a:t>, para exibir um link para o post completo.</a:t>
+            </a:r>
+          </a:p>
         </p:txBody>
       </p:sp>
     </p:spTree>
     <p:extLst>
       <p:ext uri="{BB962C8B-B14F-4D97-AF65-F5344CB8AC3E}">
-        <p14:creationId xmlns:p14="http://schemas.microsoft.com/office/powerpoint/2010/main" val="3869236380"/>
+        <p14:creationId xmlns:p14="http://schemas.microsoft.com/office/powerpoint/2010/main" val="3672891892"/>
       </p:ext>
     </p:extLst>
   </p:cSld>
@@ -11127,7 +11622,7 @@
           <a:p>
             <a:r>
               <a:rPr lang="pt-BR" dirty="0"/>
-              <a:t>Referências</a:t>
+              <a:t>Página para posts</a:t>
             </a:r>
           </a:p>
         </p:txBody>
@@ -11142,12 +11637,126 @@
             <p:ph idx="1"/>
           </p:nvPr>
         </p:nvSpPr>
-        <p:spPr>
-          <a:xfrm>
-            <a:off x="317694" y="1291052"/>
-            <a:ext cx="11705493" cy="5011777"/>
-          </a:xfrm>
-        </p:spPr>
+        <p:spPr/>
+        <p:txBody>
+          <a:bodyPr>
+            <a:normAutofit fontScale="92500" lnSpcReduction="10000"/>
+          </a:bodyPr>
+          <a:lstStyle/>
+          <a:p>
+            <a:r>
+              <a:rPr lang="pt-BR" dirty="0"/>
+              <a:t>Ainda no arquivo, </a:t>
+            </a:r>
+            <a:r>
+              <a:rPr lang="pt-BR" dirty="0" err="1">
+                <a:latin typeface="Courier New" panose="02070309020205020404" pitchFamily="49" charset="0"/>
+                <a:cs typeface="Courier New" panose="02070309020205020404" pitchFamily="49" charset="0"/>
+              </a:rPr>
+              <a:t>archive.php</a:t>
+            </a:r>
+            <a:r>
+              <a:rPr lang="pt-BR" dirty="0"/>
+              <a:t>, envolva as informações do post com a estrutura abaixo:</a:t>
+            </a:r>
+          </a:p>
+          <a:p>
+            <a:pPr algn="l"/>
+            <a:r>
+              <a:rPr lang="en-US" dirty="0">
+                <a:latin typeface="Courier New" panose="02070309020205020404" pitchFamily="49" charset="0"/>
+                <a:cs typeface="Courier New" panose="02070309020205020404" pitchFamily="49" charset="0"/>
+              </a:rPr>
+              <a:t>&lt;div class="card"&gt;</a:t>
+            </a:r>
+          </a:p>
+          <a:p>
+            <a:pPr algn="l"/>
+            <a:r>
+              <a:rPr lang="en-US" dirty="0">
+                <a:latin typeface="Courier New" panose="02070309020205020404" pitchFamily="49" charset="0"/>
+                <a:cs typeface="Courier New" panose="02070309020205020404" pitchFamily="49" charset="0"/>
+              </a:rPr>
+              <a:t>	&lt;div class="card-body"&gt;</a:t>
+            </a:r>
+          </a:p>
+          <a:p>
+            <a:pPr algn="l"/>
+            <a:r>
+              <a:rPr lang="en-US" dirty="0">
+                <a:latin typeface="Courier New" panose="02070309020205020404" pitchFamily="49" charset="0"/>
+                <a:cs typeface="Courier New" panose="02070309020205020404" pitchFamily="49" charset="0"/>
+              </a:rPr>
+              <a:t>		…</a:t>
+            </a:r>
+          </a:p>
+          <a:p>
+            <a:pPr algn="l"/>
+            <a:r>
+              <a:rPr lang="en-US" dirty="0">
+                <a:latin typeface="Courier New" panose="02070309020205020404" pitchFamily="49" charset="0"/>
+                <a:cs typeface="Courier New" panose="02070309020205020404" pitchFamily="49" charset="0"/>
+              </a:rPr>
+              <a:t>	&lt;/div&gt;</a:t>
+            </a:r>
+          </a:p>
+          <a:p>
+            <a:pPr algn="l"/>
+            <a:r>
+              <a:rPr lang="en-US" dirty="0">
+                <a:latin typeface="Courier New" panose="02070309020205020404" pitchFamily="49" charset="0"/>
+                <a:cs typeface="Courier New" panose="02070309020205020404" pitchFamily="49" charset="0"/>
+              </a:rPr>
+              <a:t>&lt;/div&gt;</a:t>
+            </a:r>
+            <a:endParaRPr lang="pt-BR" dirty="0">
+              <a:latin typeface="Courier New" panose="02070309020205020404" pitchFamily="49" charset="0"/>
+              <a:cs typeface="Courier New" panose="02070309020205020404" pitchFamily="49" charset="0"/>
+            </a:endParaRPr>
+          </a:p>
+        </p:txBody>
+      </p:sp>
+    </p:spTree>
+    <p:extLst>
+      <p:ext uri="{BB962C8B-B14F-4D97-AF65-F5344CB8AC3E}">
+        <p14:creationId xmlns:p14="http://schemas.microsoft.com/office/powerpoint/2010/main" val="3869236380"/>
+      </p:ext>
+    </p:extLst>
+  </p:cSld>
+  <p:clrMapOvr>
+    <a:masterClrMapping/>
+  </p:clrMapOvr>
+</p:sld>
+</file>
+
+<file path=ppt/slides/slide35.xml><?xml version="1.0" encoding="utf-8"?>
+<p:sld xmlns:a="http://schemas.openxmlformats.org/drawingml/2006/main" xmlns:r="http://schemas.openxmlformats.org/officeDocument/2006/relationships" xmlns:p="http://schemas.openxmlformats.org/presentationml/2006/main">
+  <p:cSld>
+    <p:spTree>
+      <p:nvGrpSpPr>
+        <p:cNvPr id="1" name=""/>
+        <p:cNvGrpSpPr/>
+        <p:nvPr/>
+      </p:nvGrpSpPr>
+      <p:grpSpPr>
+        <a:xfrm>
+          <a:off x="0" y="0"/>
+          <a:ext cx="0" cy="0"/>
+          <a:chOff x="0" y="0"/>
+          <a:chExt cx="0" cy="0"/>
+        </a:xfrm>
+      </p:grpSpPr>
+      <p:sp>
+        <p:nvSpPr>
+          <p:cNvPr id="5" name="Título 4"/>
+          <p:cNvSpPr>
+            <a:spLocks noGrp="1"/>
+          </p:cNvSpPr>
+          <p:nvPr>
+            <p:ph type="title"/>
+          </p:nvPr>
+        </p:nvSpPr>
+        <p:spPr/>
         <p:txBody>
           <a:bodyPr>
             <a:normAutofit/>
@@ -11155,39 +11764,605 @@
           <a:lstStyle/>
           <a:p>
             <a:r>
-              <a:rPr lang="en-US" dirty="0"/>
-              <a:t>How to make your own WordPress theme from scratch (2019). </a:t>
-            </a:r>
-            <a:r>
-              <a:rPr lang="en-US" dirty="0" err="1"/>
-              <a:t>Disponível</a:t>
-            </a:r>
-            <a:r>
-              <a:rPr lang="en-US" dirty="0"/>
-              <a:t> </a:t>
-            </a:r>
-            <a:r>
-              <a:rPr lang="en-US" dirty="0" err="1"/>
-              <a:t>em</a:t>
-            </a:r>
-            <a:r>
-              <a:rPr lang="en-US" dirty="0"/>
-              <a:t>: </a:t>
-            </a:r>
-            <a:r>
-              <a:rPr lang="en-US" dirty="0">
-                <a:hlinkClick r:id="rId3"/>
-              </a:rPr>
-              <a:t>https://www.youtube.com/watch?v=pFMgAWkrk8o</a:t>
-            </a:r>
-            <a:endParaRPr lang="pt-BR" dirty="0"/>
+              <a:rPr lang="pt-BR" dirty="0"/>
+              <a:t>Página para posts</a:t>
+            </a:r>
+          </a:p>
+        </p:txBody>
+      </p:sp>
+      <p:sp>
+        <p:nvSpPr>
+          <p:cNvPr id="6" name="Espaço Reservado para Conteúdo 5"/>
+          <p:cNvSpPr>
+            <a:spLocks noGrp="1"/>
+          </p:cNvSpPr>
+          <p:nvPr>
+            <p:ph idx="1"/>
+          </p:nvPr>
+        </p:nvSpPr>
+        <p:spPr/>
+        <p:txBody>
+          <a:bodyPr>
+            <a:normAutofit/>
+          </a:bodyPr>
+          <a:lstStyle/>
+          <a:p>
+            <a:r>
+              <a:rPr lang="pt-BR" dirty="0"/>
+              <a:t>No arquivo, </a:t>
+            </a:r>
+            <a:r>
+              <a:rPr lang="pt-BR" dirty="0" err="1">
+                <a:latin typeface="Courier New" panose="02070309020205020404" pitchFamily="49" charset="0"/>
+                <a:cs typeface="Courier New" panose="02070309020205020404" pitchFamily="49" charset="0"/>
+              </a:rPr>
+              <a:t>functions.php</a:t>
+            </a:r>
+            <a:r>
+              <a:rPr lang="pt-BR" dirty="0"/>
+              <a:t>, insira o código abaixo para possibilitar que este tema exiba as imagens de destaque dos posts:</a:t>
+            </a:r>
+          </a:p>
+          <a:p>
+            <a:pPr algn="l"/>
+            <a:r>
+              <a:rPr lang="en-US" dirty="0" err="1">
+                <a:latin typeface="Courier New" panose="02070309020205020404" pitchFamily="49" charset="0"/>
+                <a:cs typeface="Courier New" panose="02070309020205020404" pitchFamily="49" charset="0"/>
+              </a:rPr>
+              <a:t>add_theme_support</a:t>
+            </a:r>
+            <a:r>
+              <a:rPr lang="en-US" dirty="0">
+                <a:latin typeface="Courier New" panose="02070309020205020404" pitchFamily="49" charset="0"/>
+                <a:cs typeface="Courier New" panose="02070309020205020404" pitchFamily="49" charset="0"/>
+              </a:rPr>
+              <a:t>('post-thumbnails');</a:t>
+            </a:r>
+            <a:endParaRPr lang="pt-BR" dirty="0">
+              <a:latin typeface="Courier New" panose="02070309020205020404" pitchFamily="49" charset="0"/>
+              <a:cs typeface="Courier New" panose="02070309020205020404" pitchFamily="49" charset="0"/>
+            </a:endParaRPr>
           </a:p>
         </p:txBody>
       </p:sp>
     </p:spTree>
     <p:extLst>
       <p:ext uri="{BB962C8B-B14F-4D97-AF65-F5344CB8AC3E}">
-        <p14:creationId xmlns:p14="http://schemas.microsoft.com/office/powerpoint/2010/main" val="2436293185"/>
+        <p14:creationId xmlns:p14="http://schemas.microsoft.com/office/powerpoint/2010/main" val="2520793177"/>
+      </p:ext>
+    </p:extLst>
+  </p:cSld>
+  <p:clrMapOvr>
+    <a:masterClrMapping/>
+  </p:clrMapOvr>
+</p:sld>
+</file>
+
+<file path=ppt/slides/slide36.xml><?xml version="1.0" encoding="utf-8"?>
+<p:sld xmlns:a="http://schemas.openxmlformats.org/drawingml/2006/main" xmlns:r="http://schemas.openxmlformats.org/officeDocument/2006/relationships" xmlns:p="http://schemas.openxmlformats.org/presentationml/2006/main">
+  <p:cSld>
+    <p:spTree>
+      <p:nvGrpSpPr>
+        <p:cNvPr id="1" name=""/>
+        <p:cNvGrpSpPr/>
+        <p:nvPr/>
+      </p:nvGrpSpPr>
+      <p:grpSpPr>
+        <a:xfrm>
+          <a:off x="0" y="0"/>
+          <a:ext cx="0" cy="0"/>
+          <a:chOff x="0" y="0"/>
+          <a:chExt cx="0" cy="0"/>
+        </a:xfrm>
+      </p:grpSpPr>
+      <p:sp>
+        <p:nvSpPr>
+          <p:cNvPr id="5" name="Título 4"/>
+          <p:cNvSpPr>
+            <a:spLocks noGrp="1"/>
+          </p:cNvSpPr>
+          <p:nvPr>
+            <p:ph type="title"/>
+          </p:nvPr>
+        </p:nvSpPr>
+        <p:spPr/>
+        <p:txBody>
+          <a:bodyPr>
+            <a:normAutofit/>
+          </a:bodyPr>
+          <a:lstStyle/>
+          <a:p>
+            <a:r>
+              <a:rPr lang="pt-BR" dirty="0"/>
+              <a:t>Página para posts</a:t>
+            </a:r>
+          </a:p>
+        </p:txBody>
+      </p:sp>
+      <p:sp>
+        <p:nvSpPr>
+          <p:cNvPr id="6" name="Espaço Reservado para Conteúdo 5"/>
+          <p:cNvSpPr>
+            <a:spLocks noGrp="1"/>
+          </p:cNvSpPr>
+          <p:nvPr>
+            <p:ph idx="1"/>
+          </p:nvPr>
+        </p:nvSpPr>
+        <p:spPr/>
+        <p:txBody>
+          <a:bodyPr>
+            <a:normAutofit/>
+          </a:bodyPr>
+          <a:lstStyle/>
+          <a:p>
+            <a:r>
+              <a:rPr lang="pt-BR" dirty="0"/>
+              <a:t>Ainda no arquivo, </a:t>
+            </a:r>
+            <a:r>
+              <a:rPr lang="pt-BR" dirty="0" err="1">
+                <a:latin typeface="Courier New" panose="02070309020205020404" pitchFamily="49" charset="0"/>
+                <a:cs typeface="Courier New" panose="02070309020205020404" pitchFamily="49" charset="0"/>
+              </a:rPr>
+              <a:t>functions.php</a:t>
+            </a:r>
+            <a:r>
+              <a:rPr lang="pt-BR" dirty="0"/>
+              <a:t>, insira o código abaixo para definir os tamanhos de imagens possíveis neste tema:</a:t>
+            </a:r>
+          </a:p>
+          <a:p>
+            <a:pPr algn="l"/>
+            <a:r>
+              <a:rPr lang="en-US" dirty="0" err="1">
+                <a:latin typeface="Courier New" panose="02070309020205020404" pitchFamily="49" charset="0"/>
+                <a:cs typeface="Courier New" panose="02070309020205020404" pitchFamily="49" charset="0"/>
+              </a:rPr>
+              <a:t>add_image_size</a:t>
+            </a:r>
+            <a:r>
+              <a:rPr lang="en-US" dirty="0">
+                <a:latin typeface="Courier New" panose="02070309020205020404" pitchFamily="49" charset="0"/>
+                <a:cs typeface="Courier New" panose="02070309020205020404" pitchFamily="49" charset="0"/>
+              </a:rPr>
+              <a:t>('smallest', 300, 300, true);</a:t>
+            </a:r>
+          </a:p>
+          <a:p>
+            <a:pPr algn="l"/>
+            <a:r>
+              <a:rPr lang="en-US" dirty="0" err="1">
+                <a:latin typeface="Courier New" panose="02070309020205020404" pitchFamily="49" charset="0"/>
+                <a:cs typeface="Courier New" panose="02070309020205020404" pitchFamily="49" charset="0"/>
+              </a:rPr>
+              <a:t>add_image_size</a:t>
+            </a:r>
+            <a:r>
+              <a:rPr lang="en-US" dirty="0">
+                <a:latin typeface="Courier New" panose="02070309020205020404" pitchFamily="49" charset="0"/>
+                <a:cs typeface="Courier New" panose="02070309020205020404" pitchFamily="49" charset="0"/>
+              </a:rPr>
+              <a:t>('largest', 800, 800, true);</a:t>
+            </a:r>
+            <a:endParaRPr lang="pt-BR" dirty="0">
+              <a:latin typeface="Courier New" panose="02070309020205020404" pitchFamily="49" charset="0"/>
+              <a:cs typeface="Courier New" panose="02070309020205020404" pitchFamily="49" charset="0"/>
+            </a:endParaRPr>
+          </a:p>
+        </p:txBody>
+      </p:sp>
+    </p:spTree>
+    <p:extLst>
+      <p:ext uri="{BB962C8B-B14F-4D97-AF65-F5344CB8AC3E}">
+        <p14:creationId xmlns:p14="http://schemas.microsoft.com/office/powerpoint/2010/main" val="2096903172"/>
+      </p:ext>
+    </p:extLst>
+  </p:cSld>
+  <p:clrMapOvr>
+    <a:masterClrMapping/>
+  </p:clrMapOvr>
+</p:sld>
+</file>
+
+<file path=ppt/slides/slide37.xml><?xml version="1.0" encoding="utf-8"?>
+<p:sld xmlns:a="http://schemas.openxmlformats.org/drawingml/2006/main" xmlns:r="http://schemas.openxmlformats.org/officeDocument/2006/relationships" xmlns:p="http://schemas.openxmlformats.org/presentationml/2006/main">
+  <p:cSld>
+    <p:spTree>
+      <p:nvGrpSpPr>
+        <p:cNvPr id="1" name=""/>
+        <p:cNvGrpSpPr/>
+        <p:nvPr/>
+      </p:nvGrpSpPr>
+      <p:grpSpPr>
+        <a:xfrm>
+          <a:off x="0" y="0"/>
+          <a:ext cx="0" cy="0"/>
+          <a:chOff x="0" y="0"/>
+          <a:chExt cx="0" cy="0"/>
+        </a:xfrm>
+      </p:grpSpPr>
+      <p:sp>
+        <p:nvSpPr>
+          <p:cNvPr id="5" name="Título 4"/>
+          <p:cNvSpPr>
+            <a:spLocks noGrp="1"/>
+          </p:cNvSpPr>
+          <p:nvPr>
+            <p:ph type="title"/>
+          </p:nvPr>
+        </p:nvSpPr>
+        <p:spPr/>
+        <p:txBody>
+          <a:bodyPr>
+            <a:normAutofit/>
+          </a:bodyPr>
+          <a:lstStyle/>
+          <a:p>
+            <a:r>
+              <a:rPr lang="pt-BR" dirty="0"/>
+              <a:t>Página para posts</a:t>
+            </a:r>
+          </a:p>
+        </p:txBody>
+      </p:sp>
+      <p:sp>
+        <p:nvSpPr>
+          <p:cNvPr id="6" name="Espaço Reservado para Conteúdo 5"/>
+          <p:cNvSpPr>
+            <a:spLocks noGrp="1"/>
+          </p:cNvSpPr>
+          <p:nvPr>
+            <p:ph idx="1"/>
+          </p:nvPr>
+        </p:nvSpPr>
+        <p:spPr/>
+        <p:txBody>
+          <a:bodyPr>
+            <a:normAutofit fontScale="92500" lnSpcReduction="10000"/>
+          </a:bodyPr>
+          <a:lstStyle/>
+          <a:p>
+            <a:r>
+              <a:rPr lang="pt-BR" dirty="0"/>
+              <a:t>No arquivo, </a:t>
+            </a:r>
+            <a:r>
+              <a:rPr lang="pt-BR" dirty="0" err="1">
+                <a:latin typeface="Courier New" panose="02070309020205020404" pitchFamily="49" charset="0"/>
+                <a:cs typeface="Courier New" panose="02070309020205020404" pitchFamily="49" charset="0"/>
+              </a:rPr>
+              <a:t>single.php</a:t>
+            </a:r>
+            <a:r>
+              <a:rPr lang="pt-BR" dirty="0"/>
+              <a:t>, insira o código abaixo, logo após a chamada da função </a:t>
+            </a:r>
+            <a:r>
+              <a:rPr lang="pt-BR" dirty="0" err="1">
+                <a:latin typeface="Courier New" panose="02070309020205020404" pitchFamily="49" charset="0"/>
+                <a:cs typeface="Courier New" panose="02070309020205020404" pitchFamily="49" charset="0"/>
+              </a:rPr>
+              <a:t>the_title</a:t>
+            </a:r>
+            <a:r>
+              <a:rPr lang="pt-BR" dirty="0">
+                <a:latin typeface="Courier New" panose="02070309020205020404" pitchFamily="49" charset="0"/>
+                <a:cs typeface="Courier New" panose="02070309020205020404" pitchFamily="49" charset="0"/>
+              </a:rPr>
+              <a:t>()</a:t>
+            </a:r>
+            <a:r>
+              <a:rPr lang="pt-BR" dirty="0"/>
+              <a:t>, para inserir a imagem destacada do post:</a:t>
+            </a:r>
+          </a:p>
+          <a:p>
+            <a:pPr algn="l"/>
+            <a:r>
+              <a:rPr lang="en-US" dirty="0">
+                <a:latin typeface="Courier New" panose="02070309020205020404" pitchFamily="49" charset="0"/>
+                <a:cs typeface="Courier New" panose="02070309020205020404" pitchFamily="49" charset="0"/>
+              </a:rPr>
+              <a:t>&lt;?php if (</a:t>
+            </a:r>
+            <a:r>
+              <a:rPr lang="en-US" dirty="0" err="1">
+                <a:latin typeface="Courier New" panose="02070309020205020404" pitchFamily="49" charset="0"/>
+                <a:cs typeface="Courier New" panose="02070309020205020404" pitchFamily="49" charset="0"/>
+              </a:rPr>
+              <a:t>has_post_thumbnail</a:t>
+            </a:r>
+            <a:r>
+              <a:rPr lang="en-US" dirty="0">
+                <a:latin typeface="Courier New" panose="02070309020205020404" pitchFamily="49" charset="0"/>
+                <a:cs typeface="Courier New" panose="02070309020205020404" pitchFamily="49" charset="0"/>
+              </a:rPr>
+              <a:t>()): ?&gt;</a:t>
+            </a:r>
+          </a:p>
+          <a:p>
+            <a:pPr algn="l"/>
+            <a:r>
+              <a:rPr lang="en-US" dirty="0">
+                <a:latin typeface="Courier New" panose="02070309020205020404" pitchFamily="49" charset="0"/>
+                <a:cs typeface="Courier New" panose="02070309020205020404" pitchFamily="49" charset="0"/>
+              </a:rPr>
+              <a:t>&lt;</a:t>
+            </a:r>
+            <a:r>
+              <a:rPr lang="en-US" dirty="0" err="1">
+                <a:latin typeface="Courier New" panose="02070309020205020404" pitchFamily="49" charset="0"/>
+                <a:cs typeface="Courier New" panose="02070309020205020404" pitchFamily="49" charset="0"/>
+              </a:rPr>
+              <a:t>img</a:t>
+            </a:r>
+            <a:r>
+              <a:rPr lang="en-US" dirty="0">
+                <a:latin typeface="Courier New" panose="02070309020205020404" pitchFamily="49" charset="0"/>
+                <a:cs typeface="Courier New" panose="02070309020205020404" pitchFamily="49" charset="0"/>
+              </a:rPr>
+              <a:t> </a:t>
+            </a:r>
+            <a:br>
+              <a:rPr lang="en-US" dirty="0">
+                <a:latin typeface="Courier New" panose="02070309020205020404" pitchFamily="49" charset="0"/>
+                <a:cs typeface="Courier New" panose="02070309020205020404" pitchFamily="49" charset="0"/>
+              </a:rPr>
+            </a:br>
+            <a:r>
+              <a:rPr lang="en-US" dirty="0" err="1">
+                <a:latin typeface="Courier New" panose="02070309020205020404" pitchFamily="49" charset="0"/>
+                <a:cs typeface="Courier New" panose="02070309020205020404" pitchFamily="49" charset="0"/>
+              </a:rPr>
+              <a:t>src</a:t>
+            </a:r>
+            <a:r>
+              <a:rPr lang="en-US" dirty="0">
+                <a:latin typeface="Courier New" panose="02070309020205020404" pitchFamily="49" charset="0"/>
+                <a:cs typeface="Courier New" panose="02070309020205020404" pitchFamily="49" charset="0"/>
+              </a:rPr>
+              <a:t>="&lt;?php </a:t>
+            </a:r>
+            <a:r>
+              <a:rPr lang="en-US" dirty="0" err="1">
+                <a:latin typeface="Courier New" panose="02070309020205020404" pitchFamily="49" charset="0"/>
+                <a:cs typeface="Courier New" panose="02070309020205020404" pitchFamily="49" charset="0"/>
+              </a:rPr>
+              <a:t>the_post_thumbnail_url</a:t>
+            </a:r>
+            <a:r>
+              <a:rPr lang="en-US" dirty="0">
+                <a:latin typeface="Courier New" panose="02070309020205020404" pitchFamily="49" charset="0"/>
+                <a:cs typeface="Courier New" panose="02070309020205020404" pitchFamily="49" charset="0"/>
+              </a:rPr>
+              <a:t>('largest'); ?&gt;" </a:t>
+            </a:r>
+            <a:br>
+              <a:rPr lang="en-US" dirty="0">
+                <a:latin typeface="Courier New" panose="02070309020205020404" pitchFamily="49" charset="0"/>
+                <a:cs typeface="Courier New" panose="02070309020205020404" pitchFamily="49" charset="0"/>
+              </a:rPr>
+            </a:br>
+            <a:r>
+              <a:rPr lang="en-US" dirty="0">
+                <a:latin typeface="Courier New" panose="02070309020205020404" pitchFamily="49" charset="0"/>
+                <a:cs typeface="Courier New" panose="02070309020205020404" pitchFamily="49" charset="0"/>
+              </a:rPr>
+              <a:t>class="</a:t>
+            </a:r>
+            <a:r>
+              <a:rPr lang="en-US" dirty="0" err="1">
+                <a:latin typeface="Courier New" panose="02070309020205020404" pitchFamily="49" charset="0"/>
+                <a:cs typeface="Courier New" panose="02070309020205020404" pitchFamily="49" charset="0"/>
+              </a:rPr>
+              <a:t>img</a:t>
+            </a:r>
+            <a:r>
+              <a:rPr lang="en-US" dirty="0">
+                <a:latin typeface="Courier New" panose="02070309020205020404" pitchFamily="49" charset="0"/>
+                <a:cs typeface="Courier New" panose="02070309020205020404" pitchFamily="49" charset="0"/>
+              </a:rPr>
+              <a:t>-fluid" /&gt;</a:t>
+            </a:r>
+          </a:p>
+          <a:p>
+            <a:pPr algn="l"/>
+            <a:r>
+              <a:rPr lang="en-US" dirty="0">
+                <a:latin typeface="Courier New" panose="02070309020205020404" pitchFamily="49" charset="0"/>
+                <a:cs typeface="Courier New" panose="02070309020205020404" pitchFamily="49" charset="0"/>
+              </a:rPr>
+              <a:t>&lt;?php endif; ?&gt;</a:t>
+            </a:r>
+            <a:endParaRPr lang="pt-BR" dirty="0">
+              <a:latin typeface="Courier New" panose="02070309020205020404" pitchFamily="49" charset="0"/>
+              <a:cs typeface="Courier New" panose="02070309020205020404" pitchFamily="49" charset="0"/>
+            </a:endParaRPr>
+          </a:p>
+        </p:txBody>
+      </p:sp>
+    </p:spTree>
+    <p:extLst>
+      <p:ext uri="{BB962C8B-B14F-4D97-AF65-F5344CB8AC3E}">
+        <p14:creationId xmlns:p14="http://schemas.microsoft.com/office/powerpoint/2010/main" val="255451713"/>
+      </p:ext>
+    </p:extLst>
+  </p:cSld>
+  <p:clrMapOvr>
+    <a:masterClrMapping/>
+  </p:clrMapOvr>
+</p:sld>
+</file>
+
+<file path=ppt/slides/slide38.xml><?xml version="1.0" encoding="utf-8"?>
+<p:sld xmlns:a="http://schemas.openxmlformats.org/drawingml/2006/main" xmlns:r="http://schemas.openxmlformats.org/officeDocument/2006/relationships" xmlns:p="http://schemas.openxmlformats.org/presentationml/2006/main">
+  <p:cSld>
+    <p:spTree>
+      <p:nvGrpSpPr>
+        <p:cNvPr id="1" name=""/>
+        <p:cNvGrpSpPr/>
+        <p:nvPr/>
+      </p:nvGrpSpPr>
+      <p:grpSpPr>
+        <a:xfrm>
+          <a:off x="0" y="0"/>
+          <a:ext cx="0" cy="0"/>
+          <a:chOff x="0" y="0"/>
+          <a:chExt cx="0" cy="0"/>
+        </a:xfrm>
+      </p:grpSpPr>
+      <p:sp>
+        <p:nvSpPr>
+          <p:cNvPr id="5" name="Título 4"/>
+          <p:cNvSpPr>
+            <a:spLocks noGrp="1"/>
+          </p:cNvSpPr>
+          <p:nvPr>
+            <p:ph type="title"/>
+          </p:nvPr>
+        </p:nvSpPr>
+        <p:spPr/>
+        <p:txBody>
+          <a:bodyPr>
+            <a:normAutofit/>
+          </a:bodyPr>
+          <a:lstStyle/>
+          <a:p>
+            <a:r>
+              <a:rPr lang="pt-BR" dirty="0"/>
+              <a:t>Página para posts</a:t>
+            </a:r>
+          </a:p>
+        </p:txBody>
+      </p:sp>
+      <p:sp>
+        <p:nvSpPr>
+          <p:cNvPr id="6" name="Espaço Reservado para Conteúdo 5"/>
+          <p:cNvSpPr>
+            <a:spLocks noGrp="1"/>
+          </p:cNvSpPr>
+          <p:nvPr>
+            <p:ph idx="1"/>
+          </p:nvPr>
+        </p:nvSpPr>
+        <p:spPr/>
+        <p:txBody>
+          <a:bodyPr>
+            <a:normAutofit/>
+          </a:bodyPr>
+          <a:lstStyle/>
+          <a:p>
+            <a:r>
+              <a:rPr lang="pt-BR" dirty="0"/>
+              <a:t>No painel de gerenciamento, em:</a:t>
+            </a:r>
+          </a:p>
+          <a:p>
+            <a:r>
+              <a:rPr lang="pt-BR" b="1" dirty="0"/>
+              <a:t>Configurações &gt;&gt; Links permanentes &gt;&gt; Configurações comuns</a:t>
+            </a:r>
+          </a:p>
+          <a:p>
+            <a:r>
+              <a:rPr lang="pt-BR" dirty="0"/>
+              <a:t>Selecione </a:t>
+            </a:r>
+            <a:r>
+              <a:rPr lang="pt-BR" b="1" dirty="0"/>
+              <a:t>Nome do post</a:t>
+            </a:r>
+            <a:r>
+              <a:rPr lang="pt-BR" dirty="0"/>
+              <a:t>, para personalizar a URL dos links permanentes e arquivos.</a:t>
+            </a:r>
+          </a:p>
+        </p:txBody>
+      </p:sp>
+    </p:spTree>
+    <p:extLst>
+      <p:ext uri="{BB962C8B-B14F-4D97-AF65-F5344CB8AC3E}">
+        <p14:creationId xmlns:p14="http://schemas.microsoft.com/office/powerpoint/2010/main" val="1692675042"/>
+      </p:ext>
+    </p:extLst>
+  </p:cSld>
+  <p:clrMapOvr>
+    <a:masterClrMapping/>
+  </p:clrMapOvr>
+</p:sld>
+</file>
+
+<file path=ppt/slides/slide39.xml><?xml version="1.0" encoding="utf-8"?>
+<p:sld xmlns:a="http://schemas.openxmlformats.org/drawingml/2006/main" xmlns:r="http://schemas.openxmlformats.org/officeDocument/2006/relationships" xmlns:p="http://schemas.openxmlformats.org/presentationml/2006/main">
+  <p:cSld>
+    <p:spTree>
+      <p:nvGrpSpPr>
+        <p:cNvPr id="1" name=""/>
+        <p:cNvGrpSpPr/>
+        <p:nvPr/>
+      </p:nvGrpSpPr>
+      <p:grpSpPr>
+        <a:xfrm>
+          <a:off x="0" y="0"/>
+          <a:ext cx="0" cy="0"/>
+          <a:chOff x="0" y="0"/>
+          <a:chExt cx="0" cy="0"/>
+        </a:xfrm>
+      </p:grpSpPr>
+      <p:sp>
+        <p:nvSpPr>
+          <p:cNvPr id="5" name="Título 4"/>
+          <p:cNvSpPr>
+            <a:spLocks noGrp="1"/>
+          </p:cNvSpPr>
+          <p:nvPr>
+            <p:ph type="title"/>
+          </p:nvPr>
+        </p:nvSpPr>
+        <p:spPr/>
+        <p:txBody>
+          <a:bodyPr>
+            <a:normAutofit/>
+          </a:bodyPr>
+          <a:lstStyle/>
+          <a:p>
+            <a:r>
+              <a:rPr lang="pt-BR" dirty="0"/>
+              <a:t>Atualização do menu global</a:t>
+            </a:r>
+          </a:p>
+        </p:txBody>
+      </p:sp>
+      <p:sp>
+        <p:nvSpPr>
+          <p:cNvPr id="6" name="Espaço Reservado para Conteúdo 5"/>
+          <p:cNvSpPr>
+            <a:spLocks noGrp="1"/>
+          </p:cNvSpPr>
+          <p:nvPr>
+            <p:ph idx="1"/>
+          </p:nvPr>
+        </p:nvSpPr>
+        <p:spPr/>
+        <p:txBody>
+          <a:bodyPr>
+            <a:normAutofit/>
+          </a:bodyPr>
+          <a:lstStyle/>
+          <a:p>
+            <a:r>
+              <a:rPr lang="pt-BR" dirty="0"/>
+              <a:t>No painel de gerenciamento, insira uma opção para visualizar os posts de uma determinada categoria.</a:t>
+            </a:r>
+          </a:p>
+        </p:txBody>
+      </p:sp>
+    </p:spTree>
+    <p:extLst>
+      <p:ext uri="{BB962C8B-B14F-4D97-AF65-F5344CB8AC3E}">
+        <p14:creationId xmlns:p14="http://schemas.microsoft.com/office/powerpoint/2010/main" val="3249853894"/>
       </p:ext>
     </p:extLst>
   </p:cSld>
@@ -11255,15 +12430,214 @@
           <a:p>
             <a:r>
               <a:rPr lang="pt-BR" dirty="0"/>
-              <a:t>Ative o seu novo tema no painel de gerenciamento e visualize o site.</a:t>
-            </a:r>
+              <a:t>Insira a descrição do tema no arquivo </a:t>
+            </a:r>
+            <a:r>
+              <a:rPr lang="pt-BR" dirty="0">
+                <a:latin typeface="Courier New" panose="02070309020205020404" pitchFamily="49" charset="0"/>
+                <a:cs typeface="Courier New" panose="02070309020205020404" pitchFamily="49" charset="0"/>
+              </a:rPr>
+              <a:t>style.css</a:t>
+            </a:r>
+            <a:r>
+              <a:rPr lang="pt-BR" dirty="0"/>
+              <a:t>.</a:t>
+            </a:r>
+          </a:p>
+          <a:p>
+            <a:pPr algn="l"/>
+            <a:r>
+              <a:rPr lang="en-US" dirty="0">
+                <a:latin typeface="Courier New" panose="02070309020205020404" pitchFamily="49" charset="0"/>
+                <a:cs typeface="Courier New" panose="02070309020205020404" pitchFamily="49" charset="0"/>
+              </a:rPr>
+              <a:t>/*</a:t>
+            </a:r>
+          </a:p>
+          <a:p>
+            <a:pPr algn="l"/>
+            <a:r>
+              <a:rPr lang="en-US" dirty="0">
+                <a:latin typeface="Courier New" panose="02070309020205020404" pitchFamily="49" charset="0"/>
+                <a:cs typeface="Courier New" panose="02070309020205020404" pitchFamily="49" charset="0"/>
+              </a:rPr>
+              <a:t>Theme Name: </a:t>
+            </a:r>
+            <a:r>
+              <a:rPr lang="en-US" dirty="0" err="1">
+                <a:latin typeface="Courier New" panose="02070309020205020404" pitchFamily="49" charset="0"/>
+                <a:cs typeface="Courier New" panose="02070309020205020404" pitchFamily="49" charset="0"/>
+              </a:rPr>
+              <a:t>TemaSimples</a:t>
+            </a:r>
+            <a:endParaRPr lang="en-US" dirty="0">
+              <a:latin typeface="Courier New" panose="02070309020205020404" pitchFamily="49" charset="0"/>
+              <a:cs typeface="Courier New" panose="02070309020205020404" pitchFamily="49" charset="0"/>
+            </a:endParaRPr>
+          </a:p>
+          <a:p>
+            <a:pPr algn="l"/>
+            <a:r>
+              <a:rPr lang="en-US" dirty="0">
+                <a:latin typeface="Courier New" panose="02070309020205020404" pitchFamily="49" charset="0"/>
+                <a:cs typeface="Courier New" panose="02070309020205020404" pitchFamily="49" charset="0"/>
+              </a:rPr>
+              <a:t>Author: &lt;</a:t>
+            </a:r>
+            <a:r>
+              <a:rPr lang="en-US" dirty="0" err="1">
+                <a:latin typeface="Courier New" panose="02070309020205020404" pitchFamily="49" charset="0"/>
+                <a:cs typeface="Courier New" panose="02070309020205020404" pitchFamily="49" charset="0"/>
+              </a:rPr>
+              <a:t>nome</a:t>
+            </a:r>
+            <a:r>
+              <a:rPr lang="en-US" dirty="0">
+                <a:latin typeface="Courier New" panose="02070309020205020404" pitchFamily="49" charset="0"/>
+                <a:cs typeface="Courier New" panose="02070309020205020404" pitchFamily="49" charset="0"/>
+              </a:rPr>
+              <a:t>-do-</a:t>
+            </a:r>
+            <a:r>
+              <a:rPr lang="en-US" dirty="0" err="1">
+                <a:latin typeface="Courier New" panose="02070309020205020404" pitchFamily="49" charset="0"/>
+                <a:cs typeface="Courier New" panose="02070309020205020404" pitchFamily="49" charset="0"/>
+              </a:rPr>
+              <a:t>autor</a:t>
+            </a:r>
+            <a:r>
+              <a:rPr lang="en-US" dirty="0">
+                <a:latin typeface="Courier New" panose="02070309020205020404" pitchFamily="49" charset="0"/>
+                <a:cs typeface="Courier New" panose="02070309020205020404" pitchFamily="49" charset="0"/>
+              </a:rPr>
+              <a:t>&gt;</a:t>
+            </a:r>
+          </a:p>
+          <a:p>
+            <a:pPr algn="l"/>
+            <a:r>
+              <a:rPr lang="en-US" dirty="0">
+                <a:latin typeface="Courier New" panose="02070309020205020404" pitchFamily="49" charset="0"/>
+                <a:cs typeface="Courier New" panose="02070309020205020404" pitchFamily="49" charset="0"/>
+              </a:rPr>
+              <a:t>*/</a:t>
+            </a:r>
+          </a:p>
+          <a:p>
+            <a:endParaRPr lang="pt-BR" dirty="0"/>
           </a:p>
         </p:txBody>
       </p:sp>
     </p:spTree>
     <p:extLst>
       <p:ext uri="{BB962C8B-B14F-4D97-AF65-F5344CB8AC3E}">
-        <p14:creationId xmlns:p14="http://schemas.microsoft.com/office/powerpoint/2010/main" val="1832527211"/>
+        <p14:creationId xmlns:p14="http://schemas.microsoft.com/office/powerpoint/2010/main" val="2172749851"/>
+      </p:ext>
+    </p:extLst>
+  </p:cSld>
+  <p:clrMapOvr>
+    <a:masterClrMapping/>
+  </p:clrMapOvr>
+</p:sld>
+</file>
+
+<file path=ppt/slides/slide40.xml><?xml version="1.0" encoding="utf-8"?>
+<p:sld xmlns:a="http://schemas.openxmlformats.org/drawingml/2006/main" xmlns:r="http://schemas.openxmlformats.org/officeDocument/2006/relationships" xmlns:p="http://schemas.openxmlformats.org/presentationml/2006/main">
+  <p:cSld>
+    <p:spTree>
+      <p:nvGrpSpPr>
+        <p:cNvPr id="1" name=""/>
+        <p:cNvGrpSpPr/>
+        <p:nvPr/>
+      </p:nvGrpSpPr>
+      <p:grpSpPr>
+        <a:xfrm>
+          <a:off x="0" y="0"/>
+          <a:ext cx="0" cy="0"/>
+          <a:chOff x="0" y="0"/>
+          <a:chExt cx="0" cy="0"/>
+        </a:xfrm>
+      </p:grpSpPr>
+      <p:sp>
+        <p:nvSpPr>
+          <p:cNvPr id="5" name="Título 4"/>
+          <p:cNvSpPr>
+            <a:spLocks noGrp="1"/>
+          </p:cNvSpPr>
+          <p:nvPr>
+            <p:ph type="title"/>
+          </p:nvPr>
+        </p:nvSpPr>
+        <p:spPr/>
+        <p:txBody>
+          <a:bodyPr>
+            <a:normAutofit/>
+          </a:bodyPr>
+          <a:lstStyle/>
+          <a:p>
+            <a:r>
+              <a:rPr lang="pt-BR" dirty="0"/>
+              <a:t>Referências</a:t>
+            </a:r>
+          </a:p>
+        </p:txBody>
+      </p:sp>
+      <p:sp>
+        <p:nvSpPr>
+          <p:cNvPr id="6" name="Espaço Reservado para Conteúdo 5"/>
+          <p:cNvSpPr>
+            <a:spLocks noGrp="1"/>
+          </p:cNvSpPr>
+          <p:nvPr>
+            <p:ph idx="1"/>
+          </p:nvPr>
+        </p:nvSpPr>
+        <p:spPr>
+          <a:xfrm>
+            <a:off x="317694" y="1291052"/>
+            <a:ext cx="11705493" cy="5011777"/>
+          </a:xfrm>
+        </p:spPr>
+        <p:txBody>
+          <a:bodyPr>
+            <a:normAutofit/>
+          </a:bodyPr>
+          <a:lstStyle/>
+          <a:p>
+            <a:r>
+              <a:rPr lang="en-US" dirty="0"/>
+              <a:t>How to make your own WordPress theme from scratch (2019). </a:t>
+            </a:r>
+            <a:r>
+              <a:rPr lang="en-US" dirty="0" err="1"/>
+              <a:t>Disponível</a:t>
+            </a:r>
+            <a:r>
+              <a:rPr lang="en-US" dirty="0"/>
+              <a:t> </a:t>
+            </a:r>
+            <a:r>
+              <a:rPr lang="en-US" dirty="0" err="1"/>
+              <a:t>em</a:t>
+            </a:r>
+            <a:r>
+              <a:rPr lang="en-US" dirty="0"/>
+              <a:t>: </a:t>
+            </a:r>
+            <a:r>
+              <a:rPr lang="en-US" dirty="0">
+                <a:hlinkClick r:id="rId3"/>
+              </a:rPr>
+              <a:t>https://www.youtube.com/watch?v=pFMgAWkrk8o</a:t>
+            </a:r>
+            <a:endParaRPr lang="pt-BR" dirty="0"/>
+          </a:p>
+        </p:txBody>
+      </p:sp>
+    </p:spTree>
+    <p:extLst>
+      <p:ext uri="{BB962C8B-B14F-4D97-AF65-F5344CB8AC3E}">
+        <p14:creationId xmlns:p14="http://schemas.microsoft.com/office/powerpoint/2010/main" val="2436293185"/>
       </p:ext>
     </p:extLst>
   </p:cSld>
@@ -11325,104 +12699,19 @@
         <p:spPr/>
         <p:txBody>
           <a:bodyPr>
-            <a:normAutofit fontScale="92500" lnSpcReduction="20000"/>
+            <a:normAutofit/>
           </a:bodyPr>
           <a:lstStyle/>
           <a:p>
             <a:r>
               <a:rPr lang="pt-BR" dirty="0"/>
-              <a:t>Crie os arquivos:</a:t>
-            </a:r>
-          </a:p>
-          <a:p>
-            <a:pPr algn="l"/>
-            <a:r>
-              <a:rPr lang="pt-BR" dirty="0">
-                <a:latin typeface="Courier New" panose="02070309020205020404" pitchFamily="49" charset="0"/>
-                <a:cs typeface="Courier New" panose="02070309020205020404" pitchFamily="49" charset="0"/>
-              </a:rPr>
-              <a:t>front-</a:t>
-            </a:r>
-            <a:r>
-              <a:rPr lang="pt-BR" dirty="0" err="1">
-                <a:latin typeface="Courier New" panose="02070309020205020404" pitchFamily="49" charset="0"/>
-                <a:cs typeface="Courier New" panose="02070309020205020404" pitchFamily="49" charset="0"/>
-              </a:rPr>
-              <a:t>page.php</a:t>
-            </a:r>
-            <a:r>
-              <a:rPr lang="pt-BR" dirty="0"/>
-              <a:t> (página principal)</a:t>
-            </a:r>
-          </a:p>
-          <a:p>
-            <a:pPr algn="l"/>
-            <a:r>
-              <a:rPr lang="pt-BR" dirty="0" err="1">
-                <a:latin typeface="Courier New" panose="02070309020205020404" pitchFamily="49" charset="0"/>
-                <a:cs typeface="Courier New" panose="02070309020205020404" pitchFamily="49" charset="0"/>
-              </a:rPr>
-              <a:t>page.php</a:t>
-            </a:r>
-            <a:r>
-              <a:rPr lang="pt-BR" dirty="0"/>
-              <a:t> (visualização de páginas)</a:t>
-            </a:r>
-          </a:p>
-          <a:p>
-            <a:pPr algn="l"/>
-            <a:r>
-              <a:rPr lang="pt-BR" dirty="0" err="1">
-                <a:latin typeface="Courier New" panose="02070309020205020404" pitchFamily="49" charset="0"/>
-                <a:cs typeface="Courier New" panose="02070309020205020404" pitchFamily="49" charset="0"/>
-              </a:rPr>
-              <a:t>single.php</a:t>
-            </a:r>
-            <a:r>
-              <a:rPr lang="pt-BR" dirty="0"/>
-              <a:t> (visualização de um único post)</a:t>
-            </a:r>
-          </a:p>
-          <a:p>
-            <a:pPr algn="l"/>
-            <a:r>
-              <a:rPr lang="pt-BR" dirty="0" err="1">
-                <a:latin typeface="Courier New" panose="02070309020205020404" pitchFamily="49" charset="0"/>
-                <a:cs typeface="Courier New" panose="02070309020205020404" pitchFamily="49" charset="0"/>
-              </a:rPr>
-              <a:t>footer.php</a:t>
-            </a:r>
-            <a:r>
-              <a:rPr lang="pt-BR" dirty="0"/>
-              <a:t> (código do rodapé das páginas)</a:t>
-            </a:r>
-          </a:p>
-          <a:p>
-            <a:pPr algn="l"/>
-            <a:r>
-              <a:rPr lang="pt-BR" dirty="0" err="1">
-                <a:latin typeface="Courier New" panose="02070309020205020404" pitchFamily="49" charset="0"/>
-                <a:cs typeface="Courier New" panose="02070309020205020404" pitchFamily="49" charset="0"/>
-              </a:rPr>
-              <a:t>header.php</a:t>
-            </a:r>
-            <a:r>
-              <a:rPr lang="pt-BR" dirty="0"/>
-              <a:t> (código do cabeçalho das páginas)</a:t>
-            </a:r>
-          </a:p>
-          <a:p>
-            <a:pPr algn="l"/>
-            <a:r>
-              <a:rPr lang="pt-BR" dirty="0" err="1">
-                <a:latin typeface="Courier New" panose="02070309020205020404" pitchFamily="49" charset="0"/>
-                <a:cs typeface="Courier New" panose="02070309020205020404" pitchFamily="49" charset="0"/>
-              </a:rPr>
-              <a:t>archive.php</a:t>
-            </a:r>
-            <a:r>
-              <a:rPr lang="pt-BR" dirty="0"/>
-              <a:t> (visualizar posts filtrados por algum critério)</a:t>
+              <a:t>O novo tema já pode ser visualizado no painel de gerenciamento.</a:t>
+            </a:r>
+          </a:p>
+          <a:p>
+            <a:r>
+              <a:rPr lang="pt-BR" dirty="0"/>
+              <a:t>Ative o seu novo tema e visualize o site.</a:t>
             </a:r>
           </a:p>
         </p:txBody>
@@ -11430,7 +12719,7 @@
     </p:spTree>
     <p:extLst>
       <p:ext uri="{BB962C8B-B14F-4D97-AF65-F5344CB8AC3E}">
-        <p14:creationId xmlns:p14="http://schemas.microsoft.com/office/powerpoint/2010/main" val="1259099380"/>
+        <p14:creationId xmlns:p14="http://schemas.microsoft.com/office/powerpoint/2010/main" val="1832527211"/>
       </p:ext>
     </p:extLst>
   </p:cSld>
@@ -11474,7 +12763,7 @@
           <a:p>
             <a:r>
               <a:rPr lang="pt-BR" dirty="0"/>
-              <a:t>Página inicial</a:t>
+              <a:t>Estrutura</a:t>
             </a:r>
           </a:p>
         </p:txBody>
@@ -11492,49 +12781,104 @@
         <p:spPr/>
         <p:txBody>
           <a:bodyPr>
-            <a:normAutofit/>
+            <a:normAutofit fontScale="92500" lnSpcReduction="20000"/>
           </a:bodyPr>
           <a:lstStyle/>
           <a:p>
             <a:r>
               <a:rPr lang="pt-BR" dirty="0"/>
-              <a:t>Caso ainda não tenha criado a página Home de seu site, crie uma agora.</a:t>
-            </a:r>
-          </a:p>
-          <a:p>
-            <a:r>
-              <a:rPr lang="pt-BR" dirty="0"/>
-              <a:t>Depois, No painel de gerenciamento, navegue até</a:t>
-            </a:r>
-          </a:p>
-          <a:p>
-            <a:r>
-              <a:rPr lang="pt-BR" b="1" dirty="0"/>
-              <a:t>Configurações &gt; Leitura &gt; Sua página inicial exibe</a:t>
-            </a:r>
-          </a:p>
-          <a:p>
-            <a:r>
-              <a:rPr lang="pt-BR" dirty="0"/>
-              <a:t>Selecione a opção </a:t>
-            </a:r>
-            <a:r>
-              <a:rPr lang="pt-BR" b="1" dirty="0"/>
-              <a:t>Uma página estática</a:t>
-            </a:r>
-          </a:p>
-          <a:p>
-            <a:r>
-              <a:rPr lang="pt-BR" dirty="0"/>
-              <a:t>e, em </a:t>
-            </a:r>
-            <a:r>
-              <a:rPr lang="pt-BR" b="1" dirty="0"/>
-              <a:t>Página inicial</a:t>
-            </a:r>
-            <a:r>
-              <a:rPr lang="pt-BR" dirty="0"/>
-              <a:t>, selecione a página Home. </a:t>
+              <a:t>Crie os arquivos no diretório do novo tema:</a:t>
+            </a:r>
+          </a:p>
+          <a:p>
+            <a:pPr algn="l"/>
+            <a:r>
+              <a:rPr lang="pt-BR" dirty="0">
+                <a:latin typeface="Courier New" panose="02070309020205020404" pitchFamily="49" charset="0"/>
+                <a:cs typeface="Courier New" panose="02070309020205020404" pitchFamily="49" charset="0"/>
+              </a:rPr>
+              <a:t>front-</a:t>
+            </a:r>
+            <a:r>
+              <a:rPr lang="pt-BR" dirty="0" err="1">
+                <a:latin typeface="Courier New" panose="02070309020205020404" pitchFamily="49" charset="0"/>
+                <a:cs typeface="Courier New" panose="02070309020205020404" pitchFamily="49" charset="0"/>
+              </a:rPr>
+              <a:t>page.php</a:t>
+            </a:r>
+            <a:r>
+              <a:rPr lang="pt-BR" dirty="0"/>
+              <a:t> (página principal)</a:t>
+            </a:r>
+          </a:p>
+          <a:p>
+            <a:pPr algn="l"/>
+            <a:r>
+              <a:rPr lang="pt-BR" dirty="0" err="1">
+                <a:latin typeface="Courier New" panose="02070309020205020404" pitchFamily="49" charset="0"/>
+                <a:cs typeface="Courier New" panose="02070309020205020404" pitchFamily="49" charset="0"/>
+              </a:rPr>
+              <a:t>page.php</a:t>
+            </a:r>
+            <a:r>
+              <a:rPr lang="pt-BR" dirty="0"/>
+              <a:t> (visualização de páginas)</a:t>
+            </a:r>
+          </a:p>
+          <a:p>
+            <a:pPr algn="l"/>
+            <a:r>
+              <a:rPr lang="pt-BR" dirty="0" err="1">
+                <a:latin typeface="Courier New" panose="02070309020205020404" pitchFamily="49" charset="0"/>
+                <a:cs typeface="Courier New" panose="02070309020205020404" pitchFamily="49" charset="0"/>
+              </a:rPr>
+              <a:t>single.php</a:t>
+            </a:r>
+            <a:r>
+              <a:rPr lang="pt-BR" dirty="0"/>
+              <a:t> (visualização de um único post)</a:t>
+            </a:r>
+          </a:p>
+          <a:p>
+            <a:pPr algn="l"/>
+            <a:r>
+              <a:rPr lang="pt-BR" dirty="0" err="1">
+                <a:latin typeface="Courier New" panose="02070309020205020404" pitchFamily="49" charset="0"/>
+                <a:cs typeface="Courier New" panose="02070309020205020404" pitchFamily="49" charset="0"/>
+              </a:rPr>
+              <a:t>footer.php</a:t>
+            </a:r>
+            <a:r>
+              <a:rPr lang="pt-BR" dirty="0"/>
+              <a:t> (código do rodapé das páginas)</a:t>
+            </a:r>
+          </a:p>
+          <a:p>
+            <a:pPr algn="l"/>
+            <a:r>
+              <a:rPr lang="pt-BR" dirty="0" err="1">
+                <a:latin typeface="Courier New" panose="02070309020205020404" pitchFamily="49" charset="0"/>
+                <a:cs typeface="Courier New" panose="02070309020205020404" pitchFamily="49" charset="0"/>
+              </a:rPr>
+              <a:t>header.php</a:t>
+            </a:r>
+            <a:r>
+              <a:rPr lang="pt-BR" dirty="0"/>
+              <a:t> (código do cabeçalho das páginas)</a:t>
+            </a:r>
+          </a:p>
+          <a:p>
+            <a:pPr algn="l"/>
+            <a:r>
+              <a:rPr lang="pt-BR" dirty="0" err="1">
+                <a:latin typeface="Courier New" panose="02070309020205020404" pitchFamily="49" charset="0"/>
+                <a:cs typeface="Courier New" panose="02070309020205020404" pitchFamily="49" charset="0"/>
+              </a:rPr>
+              <a:t>archive.php</a:t>
+            </a:r>
+            <a:r>
+              <a:rPr lang="pt-BR" dirty="0"/>
+              <a:t> (visualizar posts filtrados por algum critério)</a:t>
             </a:r>
           </a:p>
         </p:txBody>
@@ -11542,7 +12886,7 @@
     </p:spTree>
     <p:extLst>
       <p:ext uri="{BB962C8B-B14F-4D97-AF65-F5344CB8AC3E}">
-        <p14:creationId xmlns:p14="http://schemas.microsoft.com/office/powerpoint/2010/main" val="2529673143"/>
+        <p14:creationId xmlns:p14="http://schemas.microsoft.com/office/powerpoint/2010/main" val="1259099380"/>
       </p:ext>
     </p:extLst>
   </p:cSld>
@@ -11604,109 +12948,49 @@
         <p:spPr/>
         <p:txBody>
           <a:bodyPr>
-            <a:normAutofit fontScale="92500" lnSpcReduction="10000"/>
+            <a:normAutofit/>
           </a:bodyPr>
           <a:lstStyle/>
           <a:p>
             <a:r>
               <a:rPr lang="pt-BR" dirty="0"/>
-              <a:t>Insira o código inicial, comum, das páginas no arquivo </a:t>
-            </a:r>
-            <a:r>
-              <a:rPr lang="pt-BR" dirty="0" err="1">
-                <a:latin typeface="Courier New" panose="02070309020205020404" pitchFamily="49" charset="0"/>
-                <a:cs typeface="Courier New" panose="02070309020205020404" pitchFamily="49" charset="0"/>
-              </a:rPr>
-              <a:t>header.php</a:t>
-            </a:r>
-            <a:r>
-              <a:rPr lang="pt-BR" dirty="0"/>
-              <a:t>:</a:t>
-            </a:r>
-          </a:p>
-          <a:p>
-            <a:pPr algn="l"/>
-            <a:r>
-              <a:rPr lang="en-US" dirty="0">
-                <a:latin typeface="Courier New" panose="02070309020205020404" pitchFamily="49" charset="0"/>
-                <a:cs typeface="Courier New" panose="02070309020205020404" pitchFamily="49" charset="0"/>
-              </a:rPr>
-              <a:t>&lt;!DOCTYPE html&gt;</a:t>
-            </a:r>
-          </a:p>
-          <a:p>
-            <a:pPr algn="l"/>
-            <a:r>
-              <a:rPr lang="en-US" dirty="0">
-                <a:latin typeface="Courier New" panose="02070309020205020404" pitchFamily="49" charset="0"/>
-                <a:cs typeface="Courier New" panose="02070309020205020404" pitchFamily="49" charset="0"/>
-              </a:rPr>
-              <a:t>&lt;html </a:t>
-            </a:r>
-            <a:r>
-              <a:rPr lang="en-US" dirty="0" err="1">
-                <a:latin typeface="Courier New" panose="02070309020205020404" pitchFamily="49" charset="0"/>
-                <a:cs typeface="Courier New" panose="02070309020205020404" pitchFamily="49" charset="0"/>
-              </a:rPr>
-              <a:t>lang</a:t>
-            </a:r>
-            <a:r>
-              <a:rPr lang="en-US" dirty="0">
-                <a:latin typeface="Courier New" panose="02070309020205020404" pitchFamily="49" charset="0"/>
-                <a:cs typeface="Courier New" panose="02070309020205020404" pitchFamily="49" charset="0"/>
-              </a:rPr>
-              <a:t>="</a:t>
-            </a:r>
-            <a:r>
-              <a:rPr lang="en-US" dirty="0" err="1">
-                <a:latin typeface="Courier New" panose="02070309020205020404" pitchFamily="49" charset="0"/>
-                <a:cs typeface="Courier New" panose="02070309020205020404" pitchFamily="49" charset="0"/>
-              </a:rPr>
-              <a:t>pt-br</a:t>
-            </a:r>
-            <a:r>
-              <a:rPr lang="en-US" dirty="0">
-                <a:latin typeface="Courier New" panose="02070309020205020404" pitchFamily="49" charset="0"/>
-                <a:cs typeface="Courier New" panose="02070309020205020404" pitchFamily="49" charset="0"/>
-              </a:rPr>
-              <a:t>"&gt;</a:t>
-            </a:r>
-          </a:p>
-          <a:p>
-            <a:pPr algn="l"/>
-            <a:r>
-              <a:rPr lang="en-US" dirty="0">
-                <a:latin typeface="Courier New" panose="02070309020205020404" pitchFamily="49" charset="0"/>
-                <a:cs typeface="Courier New" panose="02070309020205020404" pitchFamily="49" charset="0"/>
-              </a:rPr>
-              <a:t>    &lt;head&gt;</a:t>
-            </a:r>
-          </a:p>
-          <a:p>
-            <a:pPr algn="l"/>
-            <a:r>
-              <a:rPr lang="en-US" dirty="0">
-                <a:latin typeface="Courier New" panose="02070309020205020404" pitchFamily="49" charset="0"/>
-                <a:cs typeface="Courier New" panose="02070309020205020404" pitchFamily="49" charset="0"/>
-              </a:rPr>
-              <a:t>    &lt;/head&gt;</a:t>
-            </a:r>
-          </a:p>
-          <a:p>
-            <a:pPr algn="l"/>
-            <a:r>
-              <a:rPr lang="en-US" dirty="0">
-                <a:latin typeface="Courier New" panose="02070309020205020404" pitchFamily="49" charset="0"/>
-                <a:cs typeface="Courier New" panose="02070309020205020404" pitchFamily="49" charset="0"/>
-              </a:rPr>
-              <a:t>    &lt;body&gt;</a:t>
-            </a:r>
-            <a:r>
-              <a:rPr lang="pt-BR" dirty="0">
-                <a:latin typeface="Courier New" panose="02070309020205020404" pitchFamily="49" charset="0"/>
-                <a:cs typeface="Courier New" panose="02070309020205020404" pitchFamily="49" charset="0"/>
-              </a:rPr>
-              <a:t> </a:t>
+              <a:t>Caso ainda não tenha criado a página Home de seu site, crie uma agora no painel de gerenciamento.</a:t>
+            </a:r>
+          </a:p>
+          <a:p>
+            <a:r>
+              <a:rPr lang="pt-BR" dirty="0"/>
+              <a:t>Depois, No painel de gerenciamento, navegue até</a:t>
+            </a:r>
+          </a:p>
+          <a:p>
+            <a:r>
+              <a:rPr lang="pt-BR" b="1" dirty="0"/>
+              <a:t>Configurações &gt; Leitura &gt; Sua página inicial exibe</a:t>
+            </a:r>
+          </a:p>
+          <a:p>
+            <a:r>
+              <a:rPr lang="pt-BR" dirty="0"/>
+              <a:t>Selecione a opção </a:t>
+            </a:r>
+            <a:r>
+              <a:rPr lang="pt-BR" b="1" dirty="0"/>
+              <a:t>Uma página estática</a:t>
+            </a:r>
+          </a:p>
+          <a:p>
+            <a:r>
+              <a:rPr lang="pt-BR" dirty="0"/>
+              <a:t>e, em </a:t>
+            </a:r>
+            <a:r>
+              <a:rPr lang="pt-BR" b="1" dirty="0"/>
+              <a:t>Página inicial</a:t>
+            </a:r>
+            <a:r>
+              <a:rPr lang="pt-BR" dirty="0"/>
+              <a:t>, selecione a página Home. </a:t>
             </a:r>
           </a:p>
         </p:txBody>
@@ -11714,7 +12998,7 @@
     </p:spTree>
     <p:extLst>
       <p:ext uri="{BB962C8B-B14F-4D97-AF65-F5344CB8AC3E}">
-        <p14:creationId xmlns:p14="http://schemas.microsoft.com/office/powerpoint/2010/main" val="2287660699"/>
+        <p14:creationId xmlns:p14="http://schemas.microsoft.com/office/powerpoint/2010/main" val="2529673143"/>
       </p:ext>
     </p:extLst>
   </p:cSld>
@@ -11776,20 +13060,20 @@
         <p:spPr/>
         <p:txBody>
           <a:bodyPr>
-            <a:normAutofit/>
+            <a:normAutofit fontScale="92500" lnSpcReduction="10000"/>
           </a:bodyPr>
           <a:lstStyle/>
           <a:p>
             <a:r>
               <a:rPr lang="pt-BR" dirty="0"/>
-              <a:t>Insira o código final, comum, das páginas no arquivo </a:t>
+              <a:t>Insira o código inicial, comum, das páginas no arquivo </a:t>
             </a:r>
             <a:r>
               <a:rPr lang="pt-BR" dirty="0" err="1">
                 <a:latin typeface="Courier New" panose="02070309020205020404" pitchFamily="49" charset="0"/>
                 <a:cs typeface="Courier New" panose="02070309020205020404" pitchFamily="49" charset="0"/>
               </a:rPr>
-              <a:t>footer.php</a:t>
+              <a:t>header.php</a:t>
             </a:r>
             <a:r>
               <a:rPr lang="pt-BR" dirty="0"/>
@@ -11803,7 +13087,7 @@
                 <a:latin typeface="Courier New" panose="02070309020205020404" pitchFamily="49" charset="0"/>
                 <a:cs typeface="Courier New" panose="02070309020205020404" pitchFamily="49" charset="0"/>
               </a:rPr>
-              <a:t> &lt;/body&gt;</a:t>
+              <a:t>&lt;!DOCTYPE html&gt;</a:t>
             </a:r>
           </a:p>
           <a:p>
@@ -11813,7 +13097,65 @@
                 <a:latin typeface="Courier New" panose="02070309020205020404" pitchFamily="49" charset="0"/>
                 <a:cs typeface="Courier New" panose="02070309020205020404" pitchFamily="49" charset="0"/>
               </a:rPr>
-              <a:t>&lt;/html&gt;</a:t>
+              <a:t>&lt;html </a:t>
+            </a:r>
+            <a:r>
+              <a:rPr lang="en-US" dirty="0" err="1">
+                <a:latin typeface="Courier New" panose="02070309020205020404" pitchFamily="49" charset="0"/>
+                <a:cs typeface="Courier New" panose="02070309020205020404" pitchFamily="49" charset="0"/>
+              </a:rPr>
+              <a:t>lang</a:t>
+            </a:r>
+            <a:r>
+              <a:rPr lang="en-US" dirty="0">
+                <a:latin typeface="Courier New" panose="02070309020205020404" pitchFamily="49" charset="0"/>
+                <a:cs typeface="Courier New" panose="02070309020205020404" pitchFamily="49" charset="0"/>
+              </a:rPr>
+              <a:t>="</a:t>
+            </a:r>
+            <a:r>
+              <a:rPr lang="en-US" dirty="0" err="1">
+                <a:latin typeface="Courier New" panose="02070309020205020404" pitchFamily="49" charset="0"/>
+                <a:cs typeface="Courier New" panose="02070309020205020404" pitchFamily="49" charset="0"/>
+              </a:rPr>
+              <a:t>pt-br</a:t>
+            </a:r>
+            <a:r>
+              <a:rPr lang="en-US" dirty="0">
+                <a:latin typeface="Courier New" panose="02070309020205020404" pitchFamily="49" charset="0"/>
+                <a:cs typeface="Courier New" panose="02070309020205020404" pitchFamily="49" charset="0"/>
+              </a:rPr>
+              <a:t>"&gt;</a:t>
+            </a:r>
+          </a:p>
+          <a:p>
+            <a:pPr algn="l"/>
+            <a:r>
+              <a:rPr lang="en-US" dirty="0">
+                <a:latin typeface="Courier New" panose="02070309020205020404" pitchFamily="49" charset="0"/>
+                <a:cs typeface="Courier New" panose="02070309020205020404" pitchFamily="49" charset="0"/>
+              </a:rPr>
+              <a:t>    &lt;head&gt;</a:t>
+            </a:r>
+          </a:p>
+          <a:p>
+            <a:pPr algn="l"/>
+            <a:r>
+              <a:rPr lang="en-US" dirty="0">
+                <a:latin typeface="Courier New" panose="02070309020205020404" pitchFamily="49" charset="0"/>
+                <a:cs typeface="Courier New" panose="02070309020205020404" pitchFamily="49" charset="0"/>
+              </a:rPr>
+              <a:t>    &lt;/head&gt;</a:t>
+            </a:r>
+          </a:p>
+          <a:p>
+            <a:pPr algn="l"/>
+            <a:r>
+              <a:rPr lang="en-US" dirty="0">
+                <a:latin typeface="Courier New" panose="02070309020205020404" pitchFamily="49" charset="0"/>
+                <a:cs typeface="Courier New" panose="02070309020205020404" pitchFamily="49" charset="0"/>
+              </a:rPr>
+              <a:t>    &lt;body&gt;</a:t>
             </a:r>
             <a:r>
               <a:rPr lang="pt-BR" dirty="0">
@@ -11828,7 +13170,7 @@
     </p:spTree>
     <p:extLst>
       <p:ext uri="{BB962C8B-B14F-4D97-AF65-F5344CB8AC3E}">
-        <p14:creationId xmlns:p14="http://schemas.microsoft.com/office/powerpoint/2010/main" val="3837942883"/>
+        <p14:creationId xmlns:p14="http://schemas.microsoft.com/office/powerpoint/2010/main" val="2287660699"/>
       </p:ext>
     </p:extLst>
   </p:cSld>
@@ -11896,107 +13238,53 @@
           <a:p>
             <a:r>
               <a:rPr lang="pt-BR" dirty="0"/>
-              <a:t>No arquivo </a:t>
+              <a:t>Insira o código final, comum, das páginas no arquivo </a:t>
+            </a:r>
+            <a:r>
+              <a:rPr lang="pt-BR" dirty="0" err="1">
+                <a:latin typeface="Courier New" panose="02070309020205020404" pitchFamily="49" charset="0"/>
+                <a:cs typeface="Courier New" panose="02070309020205020404" pitchFamily="49" charset="0"/>
+              </a:rPr>
+              <a:t>footer.php</a:t>
+            </a:r>
+            <a:r>
+              <a:rPr lang="pt-BR" dirty="0"/>
+              <a:t>:</a:t>
+            </a:r>
+          </a:p>
+          <a:p>
+            <a:pPr algn="l"/>
+            <a:r>
+              <a:rPr lang="en-US" dirty="0">
+                <a:latin typeface="Courier New" panose="02070309020205020404" pitchFamily="49" charset="0"/>
+                <a:cs typeface="Courier New" panose="02070309020205020404" pitchFamily="49" charset="0"/>
+              </a:rPr>
+              <a:t> &lt;/body&gt;</a:t>
+            </a:r>
+          </a:p>
+          <a:p>
+            <a:pPr algn="l"/>
+            <a:r>
+              <a:rPr lang="en-US" dirty="0">
+                <a:latin typeface="Courier New" panose="02070309020205020404" pitchFamily="49" charset="0"/>
+                <a:cs typeface="Courier New" panose="02070309020205020404" pitchFamily="49" charset="0"/>
+              </a:rPr>
+              <a:t>&lt;/html&gt;</a:t>
             </a:r>
             <a:r>
               <a:rPr lang="pt-BR" dirty="0">
                 <a:latin typeface="Courier New" panose="02070309020205020404" pitchFamily="49" charset="0"/>
                 <a:cs typeface="Courier New" panose="02070309020205020404" pitchFamily="49" charset="0"/>
               </a:rPr>
-              <a:t>front-</a:t>
-            </a:r>
-            <a:r>
-              <a:rPr lang="pt-BR" dirty="0" err="1">
-                <a:latin typeface="Courier New" panose="02070309020205020404" pitchFamily="49" charset="0"/>
-                <a:cs typeface="Courier New" panose="02070309020205020404" pitchFamily="49" charset="0"/>
-              </a:rPr>
-              <a:t>page.php</a:t>
-            </a:r>
-            <a:r>
-              <a:rPr lang="pt-BR" dirty="0"/>
-              <a:t>, insira o código que adicionará o conteúdo dos arquivos </a:t>
-            </a:r>
-            <a:r>
-              <a:rPr lang="pt-BR" dirty="0" err="1">
-                <a:latin typeface="Courier New" panose="02070309020205020404" pitchFamily="49" charset="0"/>
-                <a:cs typeface="Courier New" panose="02070309020205020404" pitchFamily="49" charset="0"/>
-              </a:rPr>
-              <a:t>header.php</a:t>
-            </a:r>
-            <a:r>
-              <a:rPr lang="pt-BR" dirty="0"/>
-              <a:t> e </a:t>
-            </a:r>
-            <a:r>
-              <a:rPr lang="pt-BR" dirty="0" err="1">
-                <a:latin typeface="Courier New" panose="02070309020205020404" pitchFamily="49" charset="0"/>
-                <a:cs typeface="Courier New" panose="02070309020205020404" pitchFamily="49" charset="0"/>
-              </a:rPr>
-              <a:t>footer.php</a:t>
-            </a:r>
-            <a:r>
-              <a:rPr lang="pt-BR" dirty="0"/>
-              <a:t>:</a:t>
-            </a:r>
-          </a:p>
-          <a:p>
-            <a:pPr algn="l"/>
-            <a:r>
-              <a:rPr lang="en-US" dirty="0">
-                <a:latin typeface="Courier New" panose="02070309020205020404" pitchFamily="49" charset="0"/>
-                <a:cs typeface="Courier New" panose="02070309020205020404" pitchFamily="49" charset="0"/>
-              </a:rPr>
-              <a:t>&lt;?php </a:t>
-            </a:r>
-            <a:r>
-              <a:rPr lang="en-US" dirty="0" err="1">
-                <a:latin typeface="Courier New" panose="02070309020205020404" pitchFamily="49" charset="0"/>
-                <a:cs typeface="Courier New" panose="02070309020205020404" pitchFamily="49" charset="0"/>
-              </a:rPr>
-              <a:t>get_header</a:t>
-            </a:r>
-            <a:r>
-              <a:rPr lang="en-US" dirty="0">
-                <a:latin typeface="Courier New" panose="02070309020205020404" pitchFamily="49" charset="0"/>
-                <a:cs typeface="Courier New" panose="02070309020205020404" pitchFamily="49" charset="0"/>
-              </a:rPr>
-              <a:t>(); ?&gt;</a:t>
-            </a:r>
-          </a:p>
-          <a:p>
-            <a:pPr algn="l"/>
-            <a:r>
-              <a:rPr lang="en-US" dirty="0">
-                <a:latin typeface="Courier New" panose="02070309020205020404" pitchFamily="49" charset="0"/>
-                <a:cs typeface="Courier New" panose="02070309020205020404" pitchFamily="49" charset="0"/>
-              </a:rPr>
-              <a:t>&lt;?php </a:t>
-            </a:r>
-            <a:r>
-              <a:rPr lang="en-US" dirty="0" err="1">
-                <a:latin typeface="Courier New" panose="02070309020205020404" pitchFamily="49" charset="0"/>
-                <a:cs typeface="Courier New" panose="02070309020205020404" pitchFamily="49" charset="0"/>
-              </a:rPr>
-              <a:t>get_footer</a:t>
-            </a:r>
-            <a:r>
-              <a:rPr lang="en-US" dirty="0">
-                <a:latin typeface="Courier New" panose="02070309020205020404" pitchFamily="49" charset="0"/>
-                <a:cs typeface="Courier New" panose="02070309020205020404" pitchFamily="49" charset="0"/>
-              </a:rPr>
-              <a:t>(); ?&gt;</a:t>
-            </a:r>
-            <a:endParaRPr lang="pt-BR" dirty="0">
-              <a:latin typeface="Courier New" panose="02070309020205020404" pitchFamily="49" charset="0"/>
-              <a:cs typeface="Courier New" panose="02070309020205020404" pitchFamily="49" charset="0"/>
-            </a:endParaRPr>
+              <a:t> </a:t>
+            </a:r>
           </a:p>
         </p:txBody>
       </p:sp>
     </p:spTree>
     <p:extLst>
       <p:ext uri="{BB962C8B-B14F-4D97-AF65-F5344CB8AC3E}">
-        <p14:creationId xmlns:p14="http://schemas.microsoft.com/office/powerpoint/2010/main" val="2769387917"/>
+        <p14:creationId xmlns:p14="http://schemas.microsoft.com/office/powerpoint/2010/main" val="3837942883"/>
       </p:ext>
     </p:extLst>
   </p:cSld>

--- a/wordpress-como-criar-um-novo-tema.pptx
+++ b/wordpress-como-criar-um-novo-tema.pptx
@@ -45,8 +45,8 @@
     <p:sldId id="425" r:id="rId36"/>
     <p:sldId id="426" r:id="rId37"/>
     <p:sldId id="427" r:id="rId38"/>
-    <p:sldId id="428" r:id="rId39"/>
-    <p:sldId id="429" r:id="rId40"/>
+    <p:sldId id="429" r:id="rId39"/>
+    <p:sldId id="428" r:id="rId40"/>
     <p:sldId id="392" r:id="rId41"/>
   </p:sldIdLst>
   <p:sldSz cx="12192000" cy="6858000"/>
@@ -236,7 +236,7 @@
           <a:p>
             <a:fld id="{94D3EB41-CF60-4C9F-BD83-AE56FA0945EB}" type="datetimeFigureOut">
               <a:rPr lang="pt-BR" smtClean="0"/>
-              <a:t>11/02/2020</a:t>
+              <a:t>12/02/2020</a:t>
             </a:fld>
             <a:endParaRPr lang="pt-BR"/>
           </a:p>
@@ -3181,7 +3181,7 @@
     </p:spTree>
     <p:extLst>
       <p:ext uri="{BB962C8B-B14F-4D97-AF65-F5344CB8AC3E}">
-        <p14:creationId xmlns:p14="http://schemas.microsoft.com/office/powerpoint/2010/main" val="1363971774"/>
+        <p14:creationId xmlns:p14="http://schemas.microsoft.com/office/powerpoint/2010/main" val="676528111"/>
       </p:ext>
     </p:extLst>
   </p:cSld>
@@ -3265,7 +3265,7 @@
     </p:spTree>
     <p:extLst>
       <p:ext uri="{BB962C8B-B14F-4D97-AF65-F5344CB8AC3E}">
-        <p14:creationId xmlns:p14="http://schemas.microsoft.com/office/powerpoint/2010/main" val="676528111"/>
+        <p14:creationId xmlns:p14="http://schemas.microsoft.com/office/powerpoint/2010/main" val="1363971774"/>
       </p:ext>
     </p:extLst>
   </p:cSld>
@@ -4022,7 +4022,7 @@
           <a:p>
             <a:fld id="{9642BF85-54FF-46CE-B398-87F998CFD60B}" type="datetimeFigureOut">
               <a:rPr lang="pt-BR" smtClean="0"/>
-              <a:t>11/02/2020</a:t>
+              <a:t>12/02/2020</a:t>
             </a:fld>
             <a:endParaRPr lang="pt-BR"/>
           </a:p>
@@ -4190,7 +4190,7 @@
           <a:p>
             <a:fld id="{9642BF85-54FF-46CE-B398-87F998CFD60B}" type="datetimeFigureOut">
               <a:rPr lang="pt-BR" smtClean="0"/>
-              <a:t>11/02/2020</a:t>
+              <a:t>12/02/2020</a:t>
             </a:fld>
             <a:endParaRPr lang="pt-BR"/>
           </a:p>
@@ -4368,7 +4368,7 @@
           <a:p>
             <a:fld id="{9642BF85-54FF-46CE-B398-87F998CFD60B}" type="datetimeFigureOut">
               <a:rPr lang="pt-BR" smtClean="0"/>
-              <a:t>11/02/2020</a:t>
+              <a:t>12/02/2020</a:t>
             </a:fld>
             <a:endParaRPr lang="pt-BR"/>
           </a:p>
@@ -4705,7 +4705,7 @@
           <a:p>
             <a:fld id="{9642BF85-54FF-46CE-B398-87F998CFD60B}" type="datetimeFigureOut">
               <a:rPr lang="pt-BR" smtClean="0"/>
-              <a:t>11/02/2020</a:t>
+              <a:t>12/02/2020</a:t>
             </a:fld>
             <a:endParaRPr lang="pt-BR"/>
           </a:p>
@@ -4976,7 +4976,7 @@
           <a:p>
             <a:fld id="{9642BF85-54FF-46CE-B398-87F998CFD60B}" type="datetimeFigureOut">
               <a:rPr lang="pt-BR" smtClean="0"/>
-              <a:t>11/02/2020</a:t>
+              <a:t>12/02/2020</a:t>
             </a:fld>
             <a:endParaRPr lang="pt-BR"/>
           </a:p>
@@ -5222,7 +5222,7 @@
           <a:p>
             <a:fld id="{9642BF85-54FF-46CE-B398-87F998CFD60B}" type="datetimeFigureOut">
               <a:rPr lang="pt-BR" smtClean="0"/>
-              <a:t>11/02/2020</a:t>
+              <a:t>12/02/2020</a:t>
             </a:fld>
             <a:endParaRPr lang="pt-BR"/>
           </a:p>
@@ -5586,7 +5586,7 @@
           <a:p>
             <a:fld id="{9642BF85-54FF-46CE-B398-87F998CFD60B}" type="datetimeFigureOut">
               <a:rPr lang="pt-BR" smtClean="0"/>
-              <a:t>11/02/2020</a:t>
+              <a:t>12/02/2020</a:t>
             </a:fld>
             <a:endParaRPr lang="pt-BR"/>
           </a:p>
@@ -5720,7 +5720,7 @@
           <a:p>
             <a:fld id="{9642BF85-54FF-46CE-B398-87F998CFD60B}" type="datetimeFigureOut">
               <a:rPr lang="pt-BR" smtClean="0"/>
-              <a:t>11/02/2020</a:t>
+              <a:t>12/02/2020</a:t>
             </a:fld>
             <a:endParaRPr lang="pt-BR"/>
           </a:p>
@@ -5815,7 +5815,7 @@
           <a:p>
             <a:fld id="{9642BF85-54FF-46CE-B398-87F998CFD60B}" type="datetimeFigureOut">
               <a:rPr lang="pt-BR" smtClean="0"/>
-              <a:t>11/02/2020</a:t>
+              <a:t>12/02/2020</a:t>
             </a:fld>
             <a:endParaRPr lang="pt-BR"/>
           </a:p>
@@ -6090,7 +6090,7 @@
           <a:p>
             <a:fld id="{9642BF85-54FF-46CE-B398-87F998CFD60B}" type="datetimeFigureOut">
               <a:rPr lang="pt-BR" smtClean="0"/>
-              <a:t>11/02/2020</a:t>
+              <a:t>12/02/2020</a:t>
             </a:fld>
             <a:endParaRPr lang="pt-BR"/>
           </a:p>
@@ -6342,7 +6342,7 @@
           <a:p>
             <a:fld id="{9642BF85-54FF-46CE-B398-87F998CFD60B}" type="datetimeFigureOut">
               <a:rPr lang="pt-BR" smtClean="0"/>
-              <a:t>11/02/2020</a:t>
+              <a:t>12/02/2020</a:t>
             </a:fld>
             <a:endParaRPr lang="pt-BR"/>
           </a:p>
@@ -6562,7 +6562,7 @@
           <a:p>
             <a:fld id="{9642BF85-54FF-46CE-B398-87F998CFD60B}" type="datetimeFigureOut">
               <a:rPr lang="pt-BR" smtClean="0"/>
-              <a:t>11/02/2020</a:t>
+              <a:t>12/02/2020</a:t>
             </a:fld>
             <a:endParaRPr lang="pt-BR"/>
           </a:p>
@@ -11390,7 +11390,7 @@
         <p:spPr/>
         <p:txBody>
           <a:bodyPr>
-            <a:normAutofit fontScale="92500" lnSpcReduction="20000"/>
+            <a:normAutofit/>
           </a:bodyPr>
           <a:lstStyle/>
           <a:p>
@@ -11408,60 +11408,6 @@
             <a:r>
               <a:rPr lang="pt-BR" dirty="0"/>
               <a:t>, insira o código abaixo</a:t>
-            </a:r>
-          </a:p>
-          <a:p>
-            <a:r>
-              <a:rPr lang="en-US" dirty="0">
-                <a:latin typeface="Courier New" panose="02070309020205020404" pitchFamily="49" charset="0"/>
-                <a:cs typeface="Courier New" panose="02070309020205020404" pitchFamily="49" charset="0"/>
-              </a:rPr>
-              <a:t>&lt;h3&gt;&lt;?php </a:t>
-            </a:r>
-            <a:r>
-              <a:rPr lang="en-US" dirty="0" err="1">
-                <a:latin typeface="Courier New" panose="02070309020205020404" pitchFamily="49" charset="0"/>
-                <a:cs typeface="Courier New" panose="02070309020205020404" pitchFamily="49" charset="0"/>
-              </a:rPr>
-              <a:t>the_title</a:t>
-            </a:r>
-            <a:r>
-              <a:rPr lang="en-US" dirty="0">
-                <a:latin typeface="Courier New" panose="02070309020205020404" pitchFamily="49" charset="0"/>
-                <a:cs typeface="Courier New" panose="02070309020205020404" pitchFamily="49" charset="0"/>
-              </a:rPr>
-              <a:t>(); ?&gt;&lt;/h3&gt;</a:t>
-            </a:r>
-          </a:p>
-          <a:p>
-            <a:r>
-              <a:rPr lang="pt-BR" dirty="0"/>
-              <a:t>logo antes da chamada do método</a:t>
-            </a:r>
-            <a:r>
-              <a:rPr lang="pt-BR" dirty="0">
-                <a:latin typeface="Courier New" panose="02070309020205020404" pitchFamily="49" charset="0"/>
-                <a:cs typeface="Courier New" panose="02070309020205020404" pitchFamily="49" charset="0"/>
-              </a:rPr>
-              <a:t> </a:t>
-            </a:r>
-            <a:r>
-              <a:rPr lang="pt-BR" dirty="0" err="1">
-                <a:latin typeface="Courier New" panose="02070309020205020404" pitchFamily="49" charset="0"/>
-                <a:cs typeface="Courier New" panose="02070309020205020404" pitchFamily="49" charset="0"/>
-              </a:rPr>
-              <a:t>the_excerpt</a:t>
-            </a:r>
-            <a:r>
-              <a:rPr lang="pt-BR" dirty="0">
-                <a:latin typeface="Courier New" panose="02070309020205020404" pitchFamily="49" charset="0"/>
-                <a:cs typeface="Courier New" panose="02070309020205020404" pitchFamily="49" charset="0"/>
-              </a:rPr>
-              <a:t>()</a:t>
-            </a:r>
-            <a:r>
-              <a:rPr lang="pt-BR" dirty="0"/>
-              <a:t>, para exibir o título do post, e o código seguinte</a:t>
             </a:r>
           </a:p>
           <a:p>
@@ -12232,7 +12178,7 @@
           <a:p>
             <a:r>
               <a:rPr lang="pt-BR" dirty="0"/>
-              <a:t>Página para posts</a:t>
+              <a:t>Atualização do menu global</a:t>
             </a:r>
           </a:p>
         </p:txBody>
@@ -12256,27 +12202,7 @@
           <a:p>
             <a:r>
               <a:rPr lang="pt-BR" dirty="0"/>
-              <a:t>No painel de gerenciamento, em:</a:t>
-            </a:r>
-          </a:p>
-          <a:p>
-            <a:r>
-              <a:rPr lang="pt-BR" b="1" dirty="0"/>
-              <a:t>Configurações &gt;&gt; Links permanentes &gt;&gt; Configurações comuns</a:t>
-            </a:r>
-          </a:p>
-          <a:p>
-            <a:r>
-              <a:rPr lang="pt-BR" dirty="0"/>
-              <a:t>Selecione </a:t>
-            </a:r>
-            <a:r>
-              <a:rPr lang="pt-BR" b="1" dirty="0"/>
-              <a:t>Nome do post</a:t>
-            </a:r>
-            <a:r>
-              <a:rPr lang="pt-BR" dirty="0"/>
-              <a:t>, para personalizar a URL dos links permanentes e arquivos.</a:t>
+              <a:t>No painel de gerenciamento, insira uma opção para visualizar os posts de uma determinada categoria.</a:t>
             </a:r>
           </a:p>
         </p:txBody>
@@ -12284,7 +12210,7 @@
     </p:spTree>
     <p:extLst>
       <p:ext uri="{BB962C8B-B14F-4D97-AF65-F5344CB8AC3E}">
-        <p14:creationId xmlns:p14="http://schemas.microsoft.com/office/powerpoint/2010/main" val="1692675042"/>
+        <p14:creationId xmlns:p14="http://schemas.microsoft.com/office/powerpoint/2010/main" val="3249853894"/>
       </p:ext>
     </p:extLst>
   </p:cSld>
@@ -12330,7 +12256,7 @@
           <a:p>
             <a:r>
               <a:rPr lang="pt-BR" dirty="0"/>
-              <a:t>Atualização do menu global</a:t>
+              <a:t>Página para posts</a:t>
             </a:r>
           </a:p>
         </p:txBody>
@@ -12354,7 +12280,27 @@
           <a:p>
             <a:r>
               <a:rPr lang="pt-BR" dirty="0"/>
-              <a:t>No painel de gerenciamento, insira uma opção para visualizar os posts de uma determinada categoria.</a:t>
+              <a:t>No painel de gerenciamento, em:</a:t>
+            </a:r>
+          </a:p>
+          <a:p>
+            <a:r>
+              <a:rPr lang="pt-BR" b="1" dirty="0"/>
+              <a:t>Configurações &gt;&gt; Links permanentes &gt;&gt; Configurações comuns</a:t>
+            </a:r>
+          </a:p>
+          <a:p>
+            <a:r>
+              <a:rPr lang="pt-BR" dirty="0"/>
+              <a:t>Selecione </a:t>
+            </a:r>
+            <a:r>
+              <a:rPr lang="pt-BR" b="1" dirty="0"/>
+              <a:t>Nome do post</a:t>
+            </a:r>
+            <a:r>
+              <a:rPr lang="pt-BR" dirty="0"/>
+              <a:t>, para personalizar a URL dos links permanentes e arquivos.</a:t>
             </a:r>
           </a:p>
         </p:txBody>
@@ -12362,7 +12308,7 @@
     </p:spTree>
     <p:extLst>
       <p:ext uri="{BB962C8B-B14F-4D97-AF65-F5344CB8AC3E}">
-        <p14:creationId xmlns:p14="http://schemas.microsoft.com/office/powerpoint/2010/main" val="3249853894"/>
+        <p14:creationId xmlns:p14="http://schemas.microsoft.com/office/powerpoint/2010/main" val="1692675042"/>
       </p:ext>
     </p:extLst>
   </p:cSld>

--- a/wordpress-como-criar-um-novo-tema.pptx
+++ b/wordpress-como-criar-um-novo-tema.pptx
@@ -5,7 +5,7 @@
     <p:sldMasterId id="2147483648" r:id="rId1"/>
   </p:sldMasterIdLst>
   <p:notesMasterIdLst>
-    <p:notesMasterId r:id="rId42"/>
+    <p:notesMasterId r:id="rId49"/>
   </p:notesMasterIdLst>
   <p:sldIdLst>
     <p:sldId id="256" r:id="rId2"/>
@@ -18,36 +18,43 @@
     <p:sldId id="412" r:id="rId9"/>
     <p:sldId id="397" r:id="rId10"/>
     <p:sldId id="398" r:id="rId11"/>
-    <p:sldId id="399" r:id="rId12"/>
-    <p:sldId id="400" r:id="rId13"/>
-    <p:sldId id="401" r:id="rId14"/>
+    <p:sldId id="400" r:id="rId12"/>
+    <p:sldId id="401" r:id="rId13"/>
+    <p:sldId id="399" r:id="rId14"/>
     <p:sldId id="402" r:id="rId15"/>
-    <p:sldId id="403" r:id="rId16"/>
-    <p:sldId id="404" r:id="rId17"/>
+    <p:sldId id="431" r:id="rId16"/>
+    <p:sldId id="403" r:id="rId17"/>
     <p:sldId id="405" r:id="rId18"/>
-    <p:sldId id="406" r:id="rId19"/>
-    <p:sldId id="407" r:id="rId20"/>
-    <p:sldId id="408" r:id="rId21"/>
-    <p:sldId id="409" r:id="rId22"/>
-    <p:sldId id="410" r:id="rId23"/>
-    <p:sldId id="413" r:id="rId24"/>
-    <p:sldId id="414" r:id="rId25"/>
-    <p:sldId id="415" r:id="rId26"/>
-    <p:sldId id="416" r:id="rId27"/>
-    <p:sldId id="417" r:id="rId28"/>
-    <p:sldId id="418" r:id="rId29"/>
-    <p:sldId id="419" r:id="rId30"/>
-    <p:sldId id="411" r:id="rId31"/>
-    <p:sldId id="420" r:id="rId32"/>
-    <p:sldId id="421" r:id="rId33"/>
-    <p:sldId id="422" r:id="rId34"/>
-    <p:sldId id="423" r:id="rId35"/>
-    <p:sldId id="425" r:id="rId36"/>
-    <p:sldId id="426" r:id="rId37"/>
-    <p:sldId id="427" r:id="rId38"/>
-    <p:sldId id="429" r:id="rId39"/>
-    <p:sldId id="428" r:id="rId40"/>
-    <p:sldId id="392" r:id="rId41"/>
+    <p:sldId id="404" r:id="rId19"/>
+    <p:sldId id="406" r:id="rId20"/>
+    <p:sldId id="432" r:id="rId21"/>
+    <p:sldId id="407" r:id="rId22"/>
+    <p:sldId id="408" r:id="rId23"/>
+    <p:sldId id="409" r:id="rId24"/>
+    <p:sldId id="433" r:id="rId25"/>
+    <p:sldId id="410" r:id="rId26"/>
+    <p:sldId id="413" r:id="rId27"/>
+    <p:sldId id="414" r:id="rId28"/>
+    <p:sldId id="415" r:id="rId29"/>
+    <p:sldId id="416" r:id="rId30"/>
+    <p:sldId id="417" r:id="rId31"/>
+    <p:sldId id="434" r:id="rId32"/>
+    <p:sldId id="418" r:id="rId33"/>
+    <p:sldId id="419" r:id="rId34"/>
+    <p:sldId id="411" r:id="rId35"/>
+    <p:sldId id="420" r:id="rId36"/>
+    <p:sldId id="421" r:id="rId37"/>
+    <p:sldId id="422" r:id="rId38"/>
+    <p:sldId id="423" r:id="rId39"/>
+    <p:sldId id="435" r:id="rId40"/>
+    <p:sldId id="425" r:id="rId41"/>
+    <p:sldId id="436" r:id="rId42"/>
+    <p:sldId id="426" r:id="rId43"/>
+    <p:sldId id="427" r:id="rId44"/>
+    <p:sldId id="437" r:id="rId45"/>
+    <p:sldId id="429" r:id="rId46"/>
+    <p:sldId id="428" r:id="rId47"/>
+    <p:sldId id="392" r:id="rId48"/>
   </p:sldIdLst>
   <p:sldSz cx="12192000" cy="6858000"/>
   <p:notesSz cx="6858000" cy="9144000"/>
@@ -236,7 +243,7 @@
           <a:p>
             <a:fld id="{94D3EB41-CF60-4C9F-BD83-AE56FA0945EB}" type="datetimeFigureOut">
               <a:rPr lang="pt-BR" smtClean="0"/>
-              <a:t>12/02/2020</a:t>
+              <a:t>13/02/2020</a:t>
             </a:fld>
             <a:endParaRPr lang="pt-BR"/>
           </a:p>
@@ -745,7 +752,7 @@
     </p:spTree>
     <p:extLst>
       <p:ext uri="{BB962C8B-B14F-4D97-AF65-F5344CB8AC3E}">
-        <p14:creationId xmlns:p14="http://schemas.microsoft.com/office/powerpoint/2010/main" val="1073619568"/>
+        <p14:creationId xmlns:p14="http://schemas.microsoft.com/office/powerpoint/2010/main" val="3180764149"/>
       </p:ext>
     </p:extLst>
   </p:cSld>
@@ -829,7 +836,7 @@
     </p:spTree>
     <p:extLst>
       <p:ext uri="{BB962C8B-B14F-4D97-AF65-F5344CB8AC3E}">
-        <p14:creationId xmlns:p14="http://schemas.microsoft.com/office/powerpoint/2010/main" val="3180764149"/>
+        <p14:creationId xmlns:p14="http://schemas.microsoft.com/office/powerpoint/2010/main" val="1166011652"/>
       </p:ext>
     </p:extLst>
   </p:cSld>
@@ -913,7 +920,7 @@
     </p:spTree>
     <p:extLst>
       <p:ext uri="{BB962C8B-B14F-4D97-AF65-F5344CB8AC3E}">
-        <p14:creationId xmlns:p14="http://schemas.microsoft.com/office/powerpoint/2010/main" val="1166011652"/>
+        <p14:creationId xmlns:p14="http://schemas.microsoft.com/office/powerpoint/2010/main" val="1073619568"/>
       </p:ext>
     </p:extLst>
   </p:cSld>
@@ -1081,7 +1088,7 @@
     </p:spTree>
     <p:extLst>
       <p:ext uri="{BB962C8B-B14F-4D97-AF65-F5344CB8AC3E}">
-        <p14:creationId xmlns:p14="http://schemas.microsoft.com/office/powerpoint/2010/main" val="2138049373"/>
+        <p14:creationId xmlns:p14="http://schemas.microsoft.com/office/powerpoint/2010/main" val="3498502092"/>
       </p:ext>
     </p:extLst>
   </p:cSld>
@@ -1165,7 +1172,7 @@
     </p:spTree>
     <p:extLst>
       <p:ext uri="{BB962C8B-B14F-4D97-AF65-F5344CB8AC3E}">
-        <p14:creationId xmlns:p14="http://schemas.microsoft.com/office/powerpoint/2010/main" val="3080775855"/>
+        <p14:creationId xmlns:p14="http://schemas.microsoft.com/office/powerpoint/2010/main" val="2138049373"/>
       </p:ext>
     </p:extLst>
   </p:cSld>
@@ -1333,7 +1340,7 @@
     </p:spTree>
     <p:extLst>
       <p:ext uri="{BB962C8B-B14F-4D97-AF65-F5344CB8AC3E}">
-        <p14:creationId xmlns:p14="http://schemas.microsoft.com/office/powerpoint/2010/main" val="440497715"/>
+        <p14:creationId xmlns:p14="http://schemas.microsoft.com/office/powerpoint/2010/main" val="3080775855"/>
       </p:ext>
     </p:extLst>
   </p:cSld>
@@ -1417,7 +1424,7 @@
     </p:spTree>
     <p:extLst>
       <p:ext uri="{BB962C8B-B14F-4D97-AF65-F5344CB8AC3E}">
-        <p14:creationId xmlns:p14="http://schemas.microsoft.com/office/powerpoint/2010/main" val="2660273404"/>
+        <p14:creationId xmlns:p14="http://schemas.microsoft.com/office/powerpoint/2010/main" val="440497715"/>
       </p:ext>
     </p:extLst>
   </p:cSld>
@@ -1585,7 +1592,7 @@
     </p:spTree>
     <p:extLst>
       <p:ext uri="{BB962C8B-B14F-4D97-AF65-F5344CB8AC3E}">
-        <p14:creationId xmlns:p14="http://schemas.microsoft.com/office/powerpoint/2010/main" val="2894900618"/>
+        <p14:creationId xmlns:p14="http://schemas.microsoft.com/office/powerpoint/2010/main" val="1311367968"/>
       </p:ext>
     </p:extLst>
   </p:cSld>
@@ -1669,7 +1676,7 @@
     </p:spTree>
     <p:extLst>
       <p:ext uri="{BB962C8B-B14F-4D97-AF65-F5344CB8AC3E}">
-        <p14:creationId xmlns:p14="http://schemas.microsoft.com/office/powerpoint/2010/main" val="3598011116"/>
+        <p14:creationId xmlns:p14="http://schemas.microsoft.com/office/powerpoint/2010/main" val="2660273404"/>
       </p:ext>
     </p:extLst>
   </p:cSld>
@@ -1753,7 +1760,7 @@
     </p:spTree>
     <p:extLst>
       <p:ext uri="{BB962C8B-B14F-4D97-AF65-F5344CB8AC3E}">
-        <p14:creationId xmlns:p14="http://schemas.microsoft.com/office/powerpoint/2010/main" val="10824467"/>
+        <p14:creationId xmlns:p14="http://schemas.microsoft.com/office/powerpoint/2010/main" val="2894900618"/>
       </p:ext>
     </p:extLst>
   </p:cSld>
@@ -1837,7 +1844,7 @@
     </p:spTree>
     <p:extLst>
       <p:ext uri="{BB962C8B-B14F-4D97-AF65-F5344CB8AC3E}">
-        <p14:creationId xmlns:p14="http://schemas.microsoft.com/office/powerpoint/2010/main" val="682146649"/>
+        <p14:creationId xmlns:p14="http://schemas.microsoft.com/office/powerpoint/2010/main" val="3598011116"/>
       </p:ext>
     </p:extLst>
   </p:cSld>
@@ -1921,7 +1928,7 @@
     </p:spTree>
     <p:extLst>
       <p:ext uri="{BB962C8B-B14F-4D97-AF65-F5344CB8AC3E}">
-        <p14:creationId xmlns:p14="http://schemas.microsoft.com/office/powerpoint/2010/main" val="1782642357"/>
+        <p14:creationId xmlns:p14="http://schemas.microsoft.com/office/powerpoint/2010/main" val="2474133804"/>
       </p:ext>
     </p:extLst>
   </p:cSld>
@@ -2005,7 +2012,7 @@
     </p:spTree>
     <p:extLst>
       <p:ext uri="{BB962C8B-B14F-4D97-AF65-F5344CB8AC3E}">
-        <p14:creationId xmlns:p14="http://schemas.microsoft.com/office/powerpoint/2010/main" val="3356350520"/>
+        <p14:creationId xmlns:p14="http://schemas.microsoft.com/office/powerpoint/2010/main" val="10824467"/>
       </p:ext>
     </p:extLst>
   </p:cSld>
@@ -2089,7 +2096,7 @@
     </p:spTree>
     <p:extLst>
       <p:ext uri="{BB962C8B-B14F-4D97-AF65-F5344CB8AC3E}">
-        <p14:creationId xmlns:p14="http://schemas.microsoft.com/office/powerpoint/2010/main" val="1451322432"/>
+        <p14:creationId xmlns:p14="http://schemas.microsoft.com/office/powerpoint/2010/main" val="682146649"/>
       </p:ext>
     </p:extLst>
   </p:cSld>
@@ -2173,7 +2180,7 @@
     </p:spTree>
     <p:extLst>
       <p:ext uri="{BB962C8B-B14F-4D97-AF65-F5344CB8AC3E}">
-        <p14:creationId xmlns:p14="http://schemas.microsoft.com/office/powerpoint/2010/main" val="1353072654"/>
+        <p14:creationId xmlns:p14="http://schemas.microsoft.com/office/powerpoint/2010/main" val="1782642357"/>
       </p:ext>
     </p:extLst>
   </p:cSld>
@@ -2257,7 +2264,7 @@
     </p:spTree>
     <p:extLst>
       <p:ext uri="{BB962C8B-B14F-4D97-AF65-F5344CB8AC3E}">
-        <p14:creationId xmlns:p14="http://schemas.microsoft.com/office/powerpoint/2010/main" val="404051931"/>
+        <p14:creationId xmlns:p14="http://schemas.microsoft.com/office/powerpoint/2010/main" val="3356350520"/>
       </p:ext>
     </p:extLst>
   </p:cSld>
@@ -2341,7 +2348,7 @@
     </p:spTree>
     <p:extLst>
       <p:ext uri="{BB962C8B-B14F-4D97-AF65-F5344CB8AC3E}">
-        <p14:creationId xmlns:p14="http://schemas.microsoft.com/office/powerpoint/2010/main" val="4289979712"/>
+        <p14:creationId xmlns:p14="http://schemas.microsoft.com/office/powerpoint/2010/main" val="1451322432"/>
       </p:ext>
     </p:extLst>
   </p:cSld>
@@ -2509,7 +2516,7 @@
     </p:spTree>
     <p:extLst>
       <p:ext uri="{BB962C8B-B14F-4D97-AF65-F5344CB8AC3E}">
-        <p14:creationId xmlns:p14="http://schemas.microsoft.com/office/powerpoint/2010/main" val="2119129949"/>
+        <p14:creationId xmlns:p14="http://schemas.microsoft.com/office/powerpoint/2010/main" val="1353072654"/>
       </p:ext>
     </p:extLst>
   </p:cSld>
@@ -2593,7 +2600,7 @@
     </p:spTree>
     <p:extLst>
       <p:ext uri="{BB962C8B-B14F-4D97-AF65-F5344CB8AC3E}">
-        <p14:creationId xmlns:p14="http://schemas.microsoft.com/office/powerpoint/2010/main" val="2576326811"/>
+        <p14:creationId xmlns:p14="http://schemas.microsoft.com/office/powerpoint/2010/main" val="2848853064"/>
       </p:ext>
     </p:extLst>
   </p:cSld>
@@ -2677,7 +2684,7 @@
     </p:spTree>
     <p:extLst>
       <p:ext uri="{BB962C8B-B14F-4D97-AF65-F5344CB8AC3E}">
-        <p14:creationId xmlns:p14="http://schemas.microsoft.com/office/powerpoint/2010/main" val="1652793502"/>
+        <p14:creationId xmlns:p14="http://schemas.microsoft.com/office/powerpoint/2010/main" val="404051931"/>
       </p:ext>
     </p:extLst>
   </p:cSld>
@@ -2761,7 +2768,7 @@
     </p:spTree>
     <p:extLst>
       <p:ext uri="{BB962C8B-B14F-4D97-AF65-F5344CB8AC3E}">
-        <p14:creationId xmlns:p14="http://schemas.microsoft.com/office/powerpoint/2010/main" val="76305166"/>
+        <p14:creationId xmlns:p14="http://schemas.microsoft.com/office/powerpoint/2010/main" val="4289979712"/>
       </p:ext>
     </p:extLst>
   </p:cSld>
@@ -2845,7 +2852,7 @@
     </p:spTree>
     <p:extLst>
       <p:ext uri="{BB962C8B-B14F-4D97-AF65-F5344CB8AC3E}">
-        <p14:creationId xmlns:p14="http://schemas.microsoft.com/office/powerpoint/2010/main" val="4189901219"/>
+        <p14:creationId xmlns:p14="http://schemas.microsoft.com/office/powerpoint/2010/main" val="2119129949"/>
       </p:ext>
     </p:extLst>
   </p:cSld>
@@ -2929,7 +2936,7 @@
     </p:spTree>
     <p:extLst>
       <p:ext uri="{BB962C8B-B14F-4D97-AF65-F5344CB8AC3E}">
-        <p14:creationId xmlns:p14="http://schemas.microsoft.com/office/powerpoint/2010/main" val="3701135508"/>
+        <p14:creationId xmlns:p14="http://schemas.microsoft.com/office/powerpoint/2010/main" val="2576326811"/>
       </p:ext>
     </p:extLst>
   </p:cSld>
@@ -3013,7 +3020,7 @@
     </p:spTree>
     <p:extLst>
       <p:ext uri="{BB962C8B-B14F-4D97-AF65-F5344CB8AC3E}">
-        <p14:creationId xmlns:p14="http://schemas.microsoft.com/office/powerpoint/2010/main" val="4270546382"/>
+        <p14:creationId xmlns:p14="http://schemas.microsoft.com/office/powerpoint/2010/main" val="1652793502"/>
       </p:ext>
     </p:extLst>
   </p:cSld>
@@ -3097,7 +3104,7 @@
     </p:spTree>
     <p:extLst>
       <p:ext uri="{BB962C8B-B14F-4D97-AF65-F5344CB8AC3E}">
-        <p14:creationId xmlns:p14="http://schemas.microsoft.com/office/powerpoint/2010/main" val="2458189762"/>
+        <p14:creationId xmlns:p14="http://schemas.microsoft.com/office/powerpoint/2010/main" val="76305166"/>
       </p:ext>
     </p:extLst>
   </p:cSld>
@@ -3181,7 +3188,7 @@
     </p:spTree>
     <p:extLst>
       <p:ext uri="{BB962C8B-B14F-4D97-AF65-F5344CB8AC3E}">
-        <p14:creationId xmlns:p14="http://schemas.microsoft.com/office/powerpoint/2010/main" val="676528111"/>
+        <p14:creationId xmlns:p14="http://schemas.microsoft.com/office/powerpoint/2010/main" val="4189901219"/>
       </p:ext>
     </p:extLst>
   </p:cSld>
@@ -3265,7 +3272,7 @@
     </p:spTree>
     <p:extLst>
       <p:ext uri="{BB962C8B-B14F-4D97-AF65-F5344CB8AC3E}">
-        <p14:creationId xmlns:p14="http://schemas.microsoft.com/office/powerpoint/2010/main" val="1363971774"/>
+        <p14:creationId xmlns:p14="http://schemas.microsoft.com/office/powerpoint/2010/main" val="1203586697"/>
       </p:ext>
     </p:extLst>
   </p:cSld>
@@ -3403,7 +3410,7 @@
           <a:bodyPr/>
           <a:lstStyle/>
           <a:p>
-            <a:endParaRPr lang="pt-BR" dirty="0"/>
+            <a:endParaRPr lang="en-US" dirty="0"/>
           </a:p>
         </p:txBody>
       </p:sp>
@@ -3425,6 +3432,594 @@
             <a:fld id="{020F486D-935E-4125-8FD7-C735663CC7DE}" type="slidenum">
               <a:rPr lang="pt-BR" smtClean="0"/>
               <a:t>40</a:t>
+            </a:fld>
+            <a:endParaRPr lang="pt-BR"/>
+          </a:p>
+        </p:txBody>
+      </p:sp>
+    </p:spTree>
+    <p:extLst>
+      <p:ext uri="{BB962C8B-B14F-4D97-AF65-F5344CB8AC3E}">
+        <p14:creationId xmlns:p14="http://schemas.microsoft.com/office/powerpoint/2010/main" val="3701135508"/>
+      </p:ext>
+    </p:extLst>
+  </p:cSld>
+  <p:clrMapOvr>
+    <a:masterClrMapping/>
+  </p:clrMapOvr>
+</p:notes>
+</file>
+
+<file path=ppt/notesSlides/notesSlide41.xml><?xml version="1.0" encoding="utf-8"?>
+<p:notes xmlns:a="http://schemas.openxmlformats.org/drawingml/2006/main" xmlns:r="http://schemas.openxmlformats.org/officeDocument/2006/relationships" xmlns:p="http://schemas.openxmlformats.org/presentationml/2006/main">
+  <p:cSld>
+    <p:spTree>
+      <p:nvGrpSpPr>
+        <p:cNvPr id="1" name=""/>
+        <p:cNvGrpSpPr/>
+        <p:nvPr/>
+      </p:nvGrpSpPr>
+      <p:grpSpPr>
+        <a:xfrm>
+          <a:off x="0" y="0"/>
+          <a:ext cx="0" cy="0"/>
+          <a:chOff x="0" y="0"/>
+          <a:chExt cx="0" cy="0"/>
+        </a:xfrm>
+      </p:grpSpPr>
+      <p:sp>
+        <p:nvSpPr>
+          <p:cNvPr id="2" name="Slide Image Placeholder 1"/>
+          <p:cNvSpPr>
+            <a:spLocks noGrp="1" noRot="1" noChangeAspect="1"/>
+          </p:cNvSpPr>
+          <p:nvPr>
+            <p:ph type="sldImg"/>
+          </p:nvPr>
+        </p:nvSpPr>
+        <p:spPr/>
+      </p:sp>
+      <p:sp>
+        <p:nvSpPr>
+          <p:cNvPr id="3" name="Notes Placeholder 2"/>
+          <p:cNvSpPr>
+            <a:spLocks noGrp="1"/>
+          </p:cNvSpPr>
+          <p:nvPr>
+            <p:ph type="body" idx="1"/>
+          </p:nvPr>
+        </p:nvSpPr>
+        <p:spPr/>
+        <p:txBody>
+          <a:bodyPr/>
+          <a:lstStyle/>
+          <a:p>
+            <a:endParaRPr lang="en-US" dirty="0"/>
+          </a:p>
+        </p:txBody>
+      </p:sp>
+      <p:sp>
+        <p:nvSpPr>
+          <p:cNvPr id="4" name="Slide Number Placeholder 3"/>
+          <p:cNvSpPr>
+            <a:spLocks noGrp="1"/>
+          </p:cNvSpPr>
+          <p:nvPr>
+            <p:ph type="sldNum" sz="quarter" idx="5"/>
+          </p:nvPr>
+        </p:nvSpPr>
+        <p:spPr/>
+        <p:txBody>
+          <a:bodyPr/>
+          <a:lstStyle/>
+          <a:p>
+            <a:fld id="{020F486D-935E-4125-8FD7-C735663CC7DE}" type="slidenum">
+              <a:rPr lang="pt-BR" smtClean="0"/>
+              <a:t>41</a:t>
+            </a:fld>
+            <a:endParaRPr lang="pt-BR"/>
+          </a:p>
+        </p:txBody>
+      </p:sp>
+    </p:spTree>
+    <p:extLst>
+      <p:ext uri="{BB962C8B-B14F-4D97-AF65-F5344CB8AC3E}">
+        <p14:creationId xmlns:p14="http://schemas.microsoft.com/office/powerpoint/2010/main" val="2717037532"/>
+      </p:ext>
+    </p:extLst>
+  </p:cSld>
+  <p:clrMapOvr>
+    <a:masterClrMapping/>
+  </p:clrMapOvr>
+</p:notes>
+</file>
+
+<file path=ppt/notesSlides/notesSlide42.xml><?xml version="1.0" encoding="utf-8"?>
+<p:notes xmlns:a="http://schemas.openxmlformats.org/drawingml/2006/main" xmlns:r="http://schemas.openxmlformats.org/officeDocument/2006/relationships" xmlns:p="http://schemas.openxmlformats.org/presentationml/2006/main">
+  <p:cSld>
+    <p:spTree>
+      <p:nvGrpSpPr>
+        <p:cNvPr id="1" name=""/>
+        <p:cNvGrpSpPr/>
+        <p:nvPr/>
+      </p:nvGrpSpPr>
+      <p:grpSpPr>
+        <a:xfrm>
+          <a:off x="0" y="0"/>
+          <a:ext cx="0" cy="0"/>
+          <a:chOff x="0" y="0"/>
+          <a:chExt cx="0" cy="0"/>
+        </a:xfrm>
+      </p:grpSpPr>
+      <p:sp>
+        <p:nvSpPr>
+          <p:cNvPr id="2" name="Slide Image Placeholder 1"/>
+          <p:cNvSpPr>
+            <a:spLocks noGrp="1" noRot="1" noChangeAspect="1"/>
+          </p:cNvSpPr>
+          <p:nvPr>
+            <p:ph type="sldImg"/>
+          </p:nvPr>
+        </p:nvSpPr>
+        <p:spPr/>
+      </p:sp>
+      <p:sp>
+        <p:nvSpPr>
+          <p:cNvPr id="3" name="Notes Placeholder 2"/>
+          <p:cNvSpPr>
+            <a:spLocks noGrp="1"/>
+          </p:cNvSpPr>
+          <p:nvPr>
+            <p:ph type="body" idx="1"/>
+          </p:nvPr>
+        </p:nvSpPr>
+        <p:spPr/>
+        <p:txBody>
+          <a:bodyPr/>
+          <a:lstStyle/>
+          <a:p>
+            <a:endParaRPr lang="en-US" dirty="0"/>
+          </a:p>
+        </p:txBody>
+      </p:sp>
+      <p:sp>
+        <p:nvSpPr>
+          <p:cNvPr id="4" name="Slide Number Placeholder 3"/>
+          <p:cNvSpPr>
+            <a:spLocks noGrp="1"/>
+          </p:cNvSpPr>
+          <p:nvPr>
+            <p:ph type="sldNum" sz="quarter" idx="5"/>
+          </p:nvPr>
+        </p:nvSpPr>
+        <p:spPr/>
+        <p:txBody>
+          <a:bodyPr/>
+          <a:lstStyle/>
+          <a:p>
+            <a:fld id="{020F486D-935E-4125-8FD7-C735663CC7DE}" type="slidenum">
+              <a:rPr lang="pt-BR" smtClean="0"/>
+              <a:t>42</a:t>
+            </a:fld>
+            <a:endParaRPr lang="pt-BR"/>
+          </a:p>
+        </p:txBody>
+      </p:sp>
+    </p:spTree>
+    <p:extLst>
+      <p:ext uri="{BB962C8B-B14F-4D97-AF65-F5344CB8AC3E}">
+        <p14:creationId xmlns:p14="http://schemas.microsoft.com/office/powerpoint/2010/main" val="4270546382"/>
+      </p:ext>
+    </p:extLst>
+  </p:cSld>
+  <p:clrMapOvr>
+    <a:masterClrMapping/>
+  </p:clrMapOvr>
+</p:notes>
+</file>
+
+<file path=ppt/notesSlides/notesSlide43.xml><?xml version="1.0" encoding="utf-8"?>
+<p:notes xmlns:a="http://schemas.openxmlformats.org/drawingml/2006/main" xmlns:r="http://schemas.openxmlformats.org/officeDocument/2006/relationships" xmlns:p="http://schemas.openxmlformats.org/presentationml/2006/main">
+  <p:cSld>
+    <p:spTree>
+      <p:nvGrpSpPr>
+        <p:cNvPr id="1" name=""/>
+        <p:cNvGrpSpPr/>
+        <p:nvPr/>
+      </p:nvGrpSpPr>
+      <p:grpSpPr>
+        <a:xfrm>
+          <a:off x="0" y="0"/>
+          <a:ext cx="0" cy="0"/>
+          <a:chOff x="0" y="0"/>
+          <a:chExt cx="0" cy="0"/>
+        </a:xfrm>
+      </p:grpSpPr>
+      <p:sp>
+        <p:nvSpPr>
+          <p:cNvPr id="2" name="Slide Image Placeholder 1"/>
+          <p:cNvSpPr>
+            <a:spLocks noGrp="1" noRot="1" noChangeAspect="1"/>
+          </p:cNvSpPr>
+          <p:nvPr>
+            <p:ph type="sldImg"/>
+          </p:nvPr>
+        </p:nvSpPr>
+        <p:spPr/>
+      </p:sp>
+      <p:sp>
+        <p:nvSpPr>
+          <p:cNvPr id="3" name="Notes Placeholder 2"/>
+          <p:cNvSpPr>
+            <a:spLocks noGrp="1"/>
+          </p:cNvSpPr>
+          <p:nvPr>
+            <p:ph type="body" idx="1"/>
+          </p:nvPr>
+        </p:nvSpPr>
+        <p:spPr/>
+        <p:txBody>
+          <a:bodyPr/>
+          <a:lstStyle/>
+          <a:p>
+            <a:endParaRPr lang="en-US" dirty="0"/>
+          </a:p>
+        </p:txBody>
+      </p:sp>
+      <p:sp>
+        <p:nvSpPr>
+          <p:cNvPr id="4" name="Slide Number Placeholder 3"/>
+          <p:cNvSpPr>
+            <a:spLocks noGrp="1"/>
+          </p:cNvSpPr>
+          <p:nvPr>
+            <p:ph type="sldNum" sz="quarter" idx="5"/>
+          </p:nvPr>
+        </p:nvSpPr>
+        <p:spPr/>
+        <p:txBody>
+          <a:bodyPr/>
+          <a:lstStyle/>
+          <a:p>
+            <a:fld id="{020F486D-935E-4125-8FD7-C735663CC7DE}" type="slidenum">
+              <a:rPr lang="pt-BR" smtClean="0"/>
+              <a:t>43</a:t>
+            </a:fld>
+            <a:endParaRPr lang="pt-BR"/>
+          </a:p>
+        </p:txBody>
+      </p:sp>
+    </p:spTree>
+    <p:extLst>
+      <p:ext uri="{BB962C8B-B14F-4D97-AF65-F5344CB8AC3E}">
+        <p14:creationId xmlns:p14="http://schemas.microsoft.com/office/powerpoint/2010/main" val="2458189762"/>
+      </p:ext>
+    </p:extLst>
+  </p:cSld>
+  <p:clrMapOvr>
+    <a:masterClrMapping/>
+  </p:clrMapOvr>
+</p:notes>
+</file>
+
+<file path=ppt/notesSlides/notesSlide44.xml><?xml version="1.0" encoding="utf-8"?>
+<p:notes xmlns:a="http://schemas.openxmlformats.org/drawingml/2006/main" xmlns:r="http://schemas.openxmlformats.org/officeDocument/2006/relationships" xmlns:p="http://schemas.openxmlformats.org/presentationml/2006/main">
+  <p:cSld>
+    <p:spTree>
+      <p:nvGrpSpPr>
+        <p:cNvPr id="1" name=""/>
+        <p:cNvGrpSpPr/>
+        <p:nvPr/>
+      </p:nvGrpSpPr>
+      <p:grpSpPr>
+        <a:xfrm>
+          <a:off x="0" y="0"/>
+          <a:ext cx="0" cy="0"/>
+          <a:chOff x="0" y="0"/>
+          <a:chExt cx="0" cy="0"/>
+        </a:xfrm>
+      </p:grpSpPr>
+      <p:sp>
+        <p:nvSpPr>
+          <p:cNvPr id="2" name="Slide Image Placeholder 1"/>
+          <p:cNvSpPr>
+            <a:spLocks noGrp="1" noRot="1" noChangeAspect="1"/>
+          </p:cNvSpPr>
+          <p:nvPr>
+            <p:ph type="sldImg"/>
+          </p:nvPr>
+        </p:nvSpPr>
+        <p:spPr/>
+      </p:sp>
+      <p:sp>
+        <p:nvSpPr>
+          <p:cNvPr id="3" name="Notes Placeholder 2"/>
+          <p:cNvSpPr>
+            <a:spLocks noGrp="1"/>
+          </p:cNvSpPr>
+          <p:nvPr>
+            <p:ph type="body" idx="1"/>
+          </p:nvPr>
+        </p:nvSpPr>
+        <p:spPr/>
+        <p:txBody>
+          <a:bodyPr/>
+          <a:lstStyle/>
+          <a:p>
+            <a:endParaRPr lang="en-US" dirty="0"/>
+          </a:p>
+        </p:txBody>
+      </p:sp>
+      <p:sp>
+        <p:nvSpPr>
+          <p:cNvPr id="4" name="Slide Number Placeholder 3"/>
+          <p:cNvSpPr>
+            <a:spLocks noGrp="1"/>
+          </p:cNvSpPr>
+          <p:nvPr>
+            <p:ph type="sldNum" sz="quarter" idx="5"/>
+          </p:nvPr>
+        </p:nvSpPr>
+        <p:spPr/>
+        <p:txBody>
+          <a:bodyPr/>
+          <a:lstStyle/>
+          <a:p>
+            <a:fld id="{020F486D-935E-4125-8FD7-C735663CC7DE}" type="slidenum">
+              <a:rPr lang="pt-BR" smtClean="0"/>
+              <a:t>44</a:t>
+            </a:fld>
+            <a:endParaRPr lang="pt-BR"/>
+          </a:p>
+        </p:txBody>
+      </p:sp>
+    </p:spTree>
+    <p:extLst>
+      <p:ext uri="{BB962C8B-B14F-4D97-AF65-F5344CB8AC3E}">
+        <p14:creationId xmlns:p14="http://schemas.microsoft.com/office/powerpoint/2010/main" val="546712338"/>
+      </p:ext>
+    </p:extLst>
+  </p:cSld>
+  <p:clrMapOvr>
+    <a:masterClrMapping/>
+  </p:clrMapOvr>
+</p:notes>
+</file>
+
+<file path=ppt/notesSlides/notesSlide45.xml><?xml version="1.0" encoding="utf-8"?>
+<p:notes xmlns:a="http://schemas.openxmlformats.org/drawingml/2006/main" xmlns:r="http://schemas.openxmlformats.org/officeDocument/2006/relationships" xmlns:p="http://schemas.openxmlformats.org/presentationml/2006/main">
+  <p:cSld>
+    <p:spTree>
+      <p:nvGrpSpPr>
+        <p:cNvPr id="1" name=""/>
+        <p:cNvGrpSpPr/>
+        <p:nvPr/>
+      </p:nvGrpSpPr>
+      <p:grpSpPr>
+        <a:xfrm>
+          <a:off x="0" y="0"/>
+          <a:ext cx="0" cy="0"/>
+          <a:chOff x="0" y="0"/>
+          <a:chExt cx="0" cy="0"/>
+        </a:xfrm>
+      </p:grpSpPr>
+      <p:sp>
+        <p:nvSpPr>
+          <p:cNvPr id="2" name="Slide Image Placeholder 1"/>
+          <p:cNvSpPr>
+            <a:spLocks noGrp="1" noRot="1" noChangeAspect="1"/>
+          </p:cNvSpPr>
+          <p:nvPr>
+            <p:ph type="sldImg"/>
+          </p:nvPr>
+        </p:nvSpPr>
+        <p:spPr/>
+      </p:sp>
+      <p:sp>
+        <p:nvSpPr>
+          <p:cNvPr id="3" name="Notes Placeholder 2"/>
+          <p:cNvSpPr>
+            <a:spLocks noGrp="1"/>
+          </p:cNvSpPr>
+          <p:nvPr>
+            <p:ph type="body" idx="1"/>
+          </p:nvPr>
+        </p:nvSpPr>
+        <p:spPr/>
+        <p:txBody>
+          <a:bodyPr/>
+          <a:lstStyle/>
+          <a:p>
+            <a:endParaRPr lang="en-US" dirty="0"/>
+          </a:p>
+        </p:txBody>
+      </p:sp>
+      <p:sp>
+        <p:nvSpPr>
+          <p:cNvPr id="4" name="Slide Number Placeholder 3"/>
+          <p:cNvSpPr>
+            <a:spLocks noGrp="1"/>
+          </p:cNvSpPr>
+          <p:nvPr>
+            <p:ph type="sldNum" sz="quarter" idx="5"/>
+          </p:nvPr>
+        </p:nvSpPr>
+        <p:spPr/>
+        <p:txBody>
+          <a:bodyPr/>
+          <a:lstStyle/>
+          <a:p>
+            <a:fld id="{020F486D-935E-4125-8FD7-C735663CC7DE}" type="slidenum">
+              <a:rPr lang="pt-BR" smtClean="0"/>
+              <a:t>45</a:t>
+            </a:fld>
+            <a:endParaRPr lang="pt-BR"/>
+          </a:p>
+        </p:txBody>
+      </p:sp>
+    </p:spTree>
+    <p:extLst>
+      <p:ext uri="{BB962C8B-B14F-4D97-AF65-F5344CB8AC3E}">
+        <p14:creationId xmlns:p14="http://schemas.microsoft.com/office/powerpoint/2010/main" val="676528111"/>
+      </p:ext>
+    </p:extLst>
+  </p:cSld>
+  <p:clrMapOvr>
+    <a:masterClrMapping/>
+  </p:clrMapOvr>
+</p:notes>
+</file>
+
+<file path=ppt/notesSlides/notesSlide46.xml><?xml version="1.0" encoding="utf-8"?>
+<p:notes xmlns:a="http://schemas.openxmlformats.org/drawingml/2006/main" xmlns:r="http://schemas.openxmlformats.org/officeDocument/2006/relationships" xmlns:p="http://schemas.openxmlformats.org/presentationml/2006/main">
+  <p:cSld>
+    <p:spTree>
+      <p:nvGrpSpPr>
+        <p:cNvPr id="1" name=""/>
+        <p:cNvGrpSpPr/>
+        <p:nvPr/>
+      </p:nvGrpSpPr>
+      <p:grpSpPr>
+        <a:xfrm>
+          <a:off x="0" y="0"/>
+          <a:ext cx="0" cy="0"/>
+          <a:chOff x="0" y="0"/>
+          <a:chExt cx="0" cy="0"/>
+        </a:xfrm>
+      </p:grpSpPr>
+      <p:sp>
+        <p:nvSpPr>
+          <p:cNvPr id="2" name="Slide Image Placeholder 1"/>
+          <p:cNvSpPr>
+            <a:spLocks noGrp="1" noRot="1" noChangeAspect="1"/>
+          </p:cNvSpPr>
+          <p:nvPr>
+            <p:ph type="sldImg"/>
+          </p:nvPr>
+        </p:nvSpPr>
+        <p:spPr/>
+      </p:sp>
+      <p:sp>
+        <p:nvSpPr>
+          <p:cNvPr id="3" name="Notes Placeholder 2"/>
+          <p:cNvSpPr>
+            <a:spLocks noGrp="1"/>
+          </p:cNvSpPr>
+          <p:nvPr>
+            <p:ph type="body" idx="1"/>
+          </p:nvPr>
+        </p:nvSpPr>
+        <p:spPr/>
+        <p:txBody>
+          <a:bodyPr/>
+          <a:lstStyle/>
+          <a:p>
+            <a:endParaRPr lang="en-US" dirty="0"/>
+          </a:p>
+        </p:txBody>
+      </p:sp>
+      <p:sp>
+        <p:nvSpPr>
+          <p:cNvPr id="4" name="Slide Number Placeholder 3"/>
+          <p:cNvSpPr>
+            <a:spLocks noGrp="1"/>
+          </p:cNvSpPr>
+          <p:nvPr>
+            <p:ph type="sldNum" sz="quarter" idx="5"/>
+          </p:nvPr>
+        </p:nvSpPr>
+        <p:spPr/>
+        <p:txBody>
+          <a:bodyPr/>
+          <a:lstStyle/>
+          <a:p>
+            <a:fld id="{020F486D-935E-4125-8FD7-C735663CC7DE}" type="slidenum">
+              <a:rPr lang="pt-BR" smtClean="0"/>
+              <a:t>46</a:t>
+            </a:fld>
+            <a:endParaRPr lang="pt-BR"/>
+          </a:p>
+        </p:txBody>
+      </p:sp>
+    </p:spTree>
+    <p:extLst>
+      <p:ext uri="{BB962C8B-B14F-4D97-AF65-F5344CB8AC3E}">
+        <p14:creationId xmlns:p14="http://schemas.microsoft.com/office/powerpoint/2010/main" val="1363971774"/>
+      </p:ext>
+    </p:extLst>
+  </p:cSld>
+  <p:clrMapOvr>
+    <a:masterClrMapping/>
+  </p:clrMapOvr>
+</p:notes>
+</file>
+
+<file path=ppt/notesSlides/notesSlide47.xml><?xml version="1.0" encoding="utf-8"?>
+<p:notes xmlns:a="http://schemas.openxmlformats.org/drawingml/2006/main" xmlns:r="http://schemas.openxmlformats.org/officeDocument/2006/relationships" xmlns:p="http://schemas.openxmlformats.org/presentationml/2006/main">
+  <p:cSld>
+    <p:spTree>
+      <p:nvGrpSpPr>
+        <p:cNvPr id="1" name=""/>
+        <p:cNvGrpSpPr/>
+        <p:nvPr/>
+      </p:nvGrpSpPr>
+      <p:grpSpPr>
+        <a:xfrm>
+          <a:off x="0" y="0"/>
+          <a:ext cx="0" cy="0"/>
+          <a:chOff x="0" y="0"/>
+          <a:chExt cx="0" cy="0"/>
+        </a:xfrm>
+      </p:grpSpPr>
+      <p:sp>
+        <p:nvSpPr>
+          <p:cNvPr id="2" name="Slide Image Placeholder 1"/>
+          <p:cNvSpPr>
+            <a:spLocks noGrp="1" noRot="1" noChangeAspect="1"/>
+          </p:cNvSpPr>
+          <p:nvPr>
+            <p:ph type="sldImg"/>
+          </p:nvPr>
+        </p:nvSpPr>
+        <p:spPr/>
+      </p:sp>
+      <p:sp>
+        <p:nvSpPr>
+          <p:cNvPr id="3" name="Notes Placeholder 2"/>
+          <p:cNvSpPr>
+            <a:spLocks noGrp="1"/>
+          </p:cNvSpPr>
+          <p:nvPr>
+            <p:ph type="body" idx="1"/>
+          </p:nvPr>
+        </p:nvSpPr>
+        <p:spPr/>
+        <p:txBody>
+          <a:bodyPr/>
+          <a:lstStyle/>
+          <a:p>
+            <a:endParaRPr lang="pt-BR" dirty="0"/>
+          </a:p>
+        </p:txBody>
+      </p:sp>
+      <p:sp>
+        <p:nvSpPr>
+          <p:cNvPr id="4" name="Slide Number Placeholder 3"/>
+          <p:cNvSpPr>
+            <a:spLocks noGrp="1"/>
+          </p:cNvSpPr>
+          <p:nvPr>
+            <p:ph type="sldNum" sz="quarter" idx="5"/>
+          </p:nvPr>
+        </p:nvSpPr>
+        <p:spPr/>
+        <p:txBody>
+          <a:bodyPr/>
+          <a:lstStyle/>
+          <a:p>
+            <a:fld id="{020F486D-935E-4125-8FD7-C735663CC7DE}" type="slidenum">
+              <a:rPr lang="pt-BR" smtClean="0"/>
+              <a:t>47</a:t>
             </a:fld>
             <a:endParaRPr lang="pt-BR"/>
           </a:p>
@@ -4022,7 +4617,7 @@
           <a:p>
             <a:fld id="{9642BF85-54FF-46CE-B398-87F998CFD60B}" type="datetimeFigureOut">
               <a:rPr lang="pt-BR" smtClean="0"/>
-              <a:t>12/02/2020</a:t>
+              <a:t>13/02/2020</a:t>
             </a:fld>
             <a:endParaRPr lang="pt-BR"/>
           </a:p>
@@ -4190,7 +4785,7 @@
           <a:p>
             <a:fld id="{9642BF85-54FF-46CE-B398-87F998CFD60B}" type="datetimeFigureOut">
               <a:rPr lang="pt-BR" smtClean="0"/>
-              <a:t>12/02/2020</a:t>
+              <a:t>13/02/2020</a:t>
             </a:fld>
             <a:endParaRPr lang="pt-BR"/>
           </a:p>
@@ -4368,7 +4963,7 @@
           <a:p>
             <a:fld id="{9642BF85-54FF-46CE-B398-87F998CFD60B}" type="datetimeFigureOut">
               <a:rPr lang="pt-BR" smtClean="0"/>
-              <a:t>12/02/2020</a:t>
+              <a:t>13/02/2020</a:t>
             </a:fld>
             <a:endParaRPr lang="pt-BR"/>
           </a:p>
@@ -4705,7 +5300,7 @@
           <a:p>
             <a:fld id="{9642BF85-54FF-46CE-B398-87F998CFD60B}" type="datetimeFigureOut">
               <a:rPr lang="pt-BR" smtClean="0"/>
-              <a:t>12/02/2020</a:t>
+              <a:t>13/02/2020</a:t>
             </a:fld>
             <a:endParaRPr lang="pt-BR"/>
           </a:p>
@@ -4976,7 +5571,7 @@
           <a:p>
             <a:fld id="{9642BF85-54FF-46CE-B398-87F998CFD60B}" type="datetimeFigureOut">
               <a:rPr lang="pt-BR" smtClean="0"/>
-              <a:t>12/02/2020</a:t>
+              <a:t>13/02/2020</a:t>
             </a:fld>
             <a:endParaRPr lang="pt-BR"/>
           </a:p>
@@ -5222,7 +5817,7 @@
           <a:p>
             <a:fld id="{9642BF85-54FF-46CE-B398-87F998CFD60B}" type="datetimeFigureOut">
               <a:rPr lang="pt-BR" smtClean="0"/>
-              <a:t>12/02/2020</a:t>
+              <a:t>13/02/2020</a:t>
             </a:fld>
             <a:endParaRPr lang="pt-BR"/>
           </a:p>
@@ -5586,7 +6181,7 @@
           <a:p>
             <a:fld id="{9642BF85-54FF-46CE-B398-87F998CFD60B}" type="datetimeFigureOut">
               <a:rPr lang="pt-BR" smtClean="0"/>
-              <a:t>12/02/2020</a:t>
+              <a:t>13/02/2020</a:t>
             </a:fld>
             <a:endParaRPr lang="pt-BR"/>
           </a:p>
@@ -5720,7 +6315,7 @@
           <a:p>
             <a:fld id="{9642BF85-54FF-46CE-B398-87F998CFD60B}" type="datetimeFigureOut">
               <a:rPr lang="pt-BR" smtClean="0"/>
-              <a:t>12/02/2020</a:t>
+              <a:t>13/02/2020</a:t>
             </a:fld>
             <a:endParaRPr lang="pt-BR"/>
           </a:p>
@@ -5815,7 +6410,7 @@
           <a:p>
             <a:fld id="{9642BF85-54FF-46CE-B398-87F998CFD60B}" type="datetimeFigureOut">
               <a:rPr lang="pt-BR" smtClean="0"/>
-              <a:t>12/02/2020</a:t>
+              <a:t>13/02/2020</a:t>
             </a:fld>
             <a:endParaRPr lang="pt-BR"/>
           </a:p>
@@ -6090,7 +6685,7 @@
           <a:p>
             <a:fld id="{9642BF85-54FF-46CE-B398-87F998CFD60B}" type="datetimeFigureOut">
               <a:rPr lang="pt-BR" smtClean="0"/>
-              <a:t>12/02/2020</a:t>
+              <a:t>13/02/2020</a:t>
             </a:fld>
             <a:endParaRPr lang="pt-BR"/>
           </a:p>
@@ -6342,7 +6937,7 @@
           <a:p>
             <a:fld id="{9642BF85-54FF-46CE-B398-87F998CFD60B}" type="datetimeFigureOut">
               <a:rPr lang="pt-BR" smtClean="0"/>
-              <a:t>12/02/2020</a:t>
+              <a:t>13/02/2020</a:t>
             </a:fld>
             <a:endParaRPr lang="pt-BR"/>
           </a:p>
@@ -6562,7 +7157,7 @@
           <a:p>
             <a:fld id="{9642BF85-54FF-46CE-B398-87F998CFD60B}" type="datetimeFigureOut">
               <a:rPr lang="pt-BR" smtClean="0"/>
-              <a:t>12/02/2020</a:t>
+              <a:t>13/02/2020</a:t>
             </a:fld>
             <a:endParaRPr lang="pt-BR"/>
           </a:p>
@@ -7289,27 +7884,36 @@
                 <a:latin typeface="Courier New" panose="02070309020205020404" pitchFamily="49" charset="0"/>
                 <a:cs typeface="Courier New" panose="02070309020205020404" pitchFamily="49" charset="0"/>
               </a:rPr>
-              <a:t>footer.php</a:t>
-            </a:r>
-            <a:r>
-              <a:rPr lang="pt-BR" dirty="0"/>
-              <a:t>, antes do fechamento da </a:t>
-            </a:r>
-            <a:r>
-              <a:rPr lang="pt-BR" dirty="0" err="1"/>
-              <a:t>tag</a:t>
-            </a:r>
-            <a:r>
-              <a:rPr lang="pt-BR" dirty="0"/>
-              <a:t> </a:t>
-            </a:r>
-            <a:r>
-              <a:rPr lang="pt-BR" dirty="0" err="1"/>
-              <a:t>body</a:t>
-            </a:r>
-            <a:r>
-              <a:rPr lang="pt-BR" dirty="0"/>
-              <a:t>, insira o código que adicionará os scripts que devem ficar no final das páginas:</a:t>
+              <a:t>header.php</a:t>
+            </a:r>
+            <a:r>
+              <a:rPr lang="pt-BR" dirty="0"/>
+              <a:t>, dentro do elemento </a:t>
+            </a:r>
+            <a:r>
+              <a:rPr lang="pt-BR" dirty="0">
+                <a:latin typeface="Courier New" panose="02070309020205020404" pitchFamily="49" charset="0"/>
+                <a:cs typeface="Courier New" panose="02070309020205020404" pitchFamily="49" charset="0"/>
+              </a:rPr>
+              <a:t>&lt;</a:t>
+            </a:r>
+            <a:r>
+              <a:rPr lang="pt-BR" dirty="0" err="1">
+                <a:latin typeface="Courier New" panose="02070309020205020404" pitchFamily="49" charset="0"/>
+                <a:cs typeface="Courier New" panose="02070309020205020404" pitchFamily="49" charset="0"/>
+              </a:rPr>
+              <a:t>head</a:t>
+            </a:r>
+            <a:r>
+              <a:rPr lang="pt-BR" dirty="0">
+                <a:latin typeface="Courier New" panose="02070309020205020404" pitchFamily="49" charset="0"/>
+                <a:cs typeface="Courier New" panose="02070309020205020404" pitchFamily="49" charset="0"/>
+              </a:rPr>
+              <a:t>&gt;</a:t>
+            </a:r>
+            <a:r>
+              <a:rPr lang="pt-BR" dirty="0"/>
+              <a:t>, insira o código que adicionará os scripts que devem ficar no início das páginas:</a:t>
             </a:r>
           </a:p>
           <a:p>
@@ -7326,7 +7930,7 @@
                 <a:latin typeface="Courier New" panose="02070309020205020404" pitchFamily="49" charset="0"/>
                 <a:cs typeface="Courier New" panose="02070309020205020404" pitchFamily="49" charset="0"/>
               </a:rPr>
-              <a:t>wp_footer</a:t>
+              <a:t>wp_head</a:t>
             </a:r>
             <a:r>
               <a:rPr lang="en-US" dirty="0">
@@ -7345,7 +7949,7 @@
     </p:spTree>
     <p:extLst>
       <p:ext uri="{BB962C8B-B14F-4D97-AF65-F5344CB8AC3E}">
-        <p14:creationId xmlns:p14="http://schemas.microsoft.com/office/powerpoint/2010/main" val="548694929"/>
+        <p14:creationId xmlns:p14="http://schemas.microsoft.com/office/powerpoint/2010/main" val="3855399896"/>
       </p:ext>
     </p:extLst>
   </p:cSld>
@@ -7389,7 +7993,28 @@
           <a:p>
             <a:r>
               <a:rPr lang="pt-BR" dirty="0"/>
-              <a:t>Adição de scripts necessários</a:t>
+              <a:t>Adição de classe no elemento </a:t>
+            </a:r>
+            <a:r>
+              <a:rPr lang="pt-BR" dirty="0">
+                <a:latin typeface="Courier New" panose="02070309020205020404" pitchFamily="49" charset="0"/>
+                <a:cs typeface="Courier New" panose="02070309020205020404" pitchFamily="49" charset="0"/>
+              </a:rPr>
+              <a:t>&lt;</a:t>
+            </a:r>
+            <a:r>
+              <a:rPr lang="pt-BR" dirty="0" err="1">
+                <a:latin typeface="Courier New" panose="02070309020205020404" pitchFamily="49" charset="0"/>
+                <a:cs typeface="Courier New" panose="02070309020205020404" pitchFamily="49" charset="0"/>
+              </a:rPr>
+              <a:t>body</a:t>
+            </a:r>
+            <a:r>
+              <a:rPr lang="pt-BR" dirty="0">
+                <a:latin typeface="Courier New" panose="02070309020205020404" pitchFamily="49" charset="0"/>
+                <a:cs typeface="Courier New" panose="02070309020205020404" pitchFamily="49" charset="0"/>
+              </a:rPr>
+              <a:t>&gt;</a:t>
             </a:r>
           </a:p>
         </p:txBody>
@@ -7424,32 +8049,31 @@
             </a:r>
             <a:r>
               <a:rPr lang="pt-BR" dirty="0"/>
-              <a:t>, dentro do elemento </a:t>
-            </a:r>
-            <a:r>
-              <a:rPr lang="pt-BR" dirty="0">
-                <a:latin typeface="Courier New" panose="02070309020205020404" pitchFamily="49" charset="0"/>
-                <a:cs typeface="Courier New" panose="02070309020205020404" pitchFamily="49" charset="0"/>
-              </a:rPr>
-              <a:t>&lt;</a:t>
-            </a:r>
-            <a:r>
-              <a:rPr lang="pt-BR" dirty="0" err="1">
-                <a:latin typeface="Courier New" panose="02070309020205020404" pitchFamily="49" charset="0"/>
-                <a:cs typeface="Courier New" panose="02070309020205020404" pitchFamily="49" charset="0"/>
-              </a:rPr>
-              <a:t>head</a:t>
-            </a:r>
-            <a:r>
-              <a:rPr lang="pt-BR" dirty="0">
-                <a:latin typeface="Courier New" panose="02070309020205020404" pitchFamily="49" charset="0"/>
-                <a:cs typeface="Courier New" panose="02070309020205020404" pitchFamily="49" charset="0"/>
-              </a:rPr>
-              <a:t>&gt;</a:t>
-            </a:r>
-            <a:r>
-              <a:rPr lang="pt-BR" dirty="0"/>
-              <a:t>, insira o código que adicionará os scripts que devem ficar no início das páginas:</a:t>
+              <a:t>, insira o código na </a:t>
+            </a:r>
+            <a:r>
+              <a:rPr lang="pt-BR" dirty="0" err="1"/>
+              <a:t>tag</a:t>
+            </a:r>
+            <a:r>
+              <a:rPr lang="pt-BR" dirty="0"/>
+              <a:t> </a:t>
+            </a:r>
+            <a:r>
+              <a:rPr lang="pt-BR" dirty="0" err="1"/>
+              <a:t>body</a:t>
+            </a:r>
+            <a:r>
+              <a:rPr lang="pt-BR" dirty="0"/>
+              <a:t> que adicionará as classes necessárias para a estrutura da página no </a:t>
+            </a:r>
+            <a:r>
+              <a:rPr lang="pt-BR" dirty="0" err="1"/>
+              <a:t>Wordpress</a:t>
+            </a:r>
+            <a:r>
+              <a:rPr lang="pt-BR" dirty="0"/>
+              <a:t>:</a:t>
             </a:r>
           </a:p>
           <a:p>
@@ -7459,21 +8083,21 @@
                 <a:latin typeface="Courier New" panose="02070309020205020404" pitchFamily="49" charset="0"/>
                 <a:cs typeface="Courier New" panose="02070309020205020404" pitchFamily="49" charset="0"/>
               </a:rPr>
-              <a:t>&lt;?php </a:t>
+              <a:t>&lt;body &lt;?php </a:t>
             </a:r>
             <a:r>
               <a:rPr lang="en-US" dirty="0" err="1">
                 <a:latin typeface="Courier New" panose="02070309020205020404" pitchFamily="49" charset="0"/>
                 <a:cs typeface="Courier New" panose="02070309020205020404" pitchFamily="49" charset="0"/>
               </a:rPr>
-              <a:t>wp_head</a:t>
-            </a:r>
-            <a:r>
-              <a:rPr lang="en-US" dirty="0">
-                <a:latin typeface="Courier New" panose="02070309020205020404" pitchFamily="49" charset="0"/>
-                <a:cs typeface="Courier New" panose="02070309020205020404" pitchFamily="49" charset="0"/>
-              </a:rPr>
-              <a:t>(); ?&gt;</a:t>
+              <a:t>body_class</a:t>
+            </a:r>
+            <a:r>
+              <a:rPr lang="en-US" dirty="0">
+                <a:latin typeface="Courier New" panose="02070309020205020404" pitchFamily="49" charset="0"/>
+                <a:cs typeface="Courier New" panose="02070309020205020404" pitchFamily="49" charset="0"/>
+              </a:rPr>
+              <a:t>(); ?&gt;&gt;</a:t>
             </a:r>
             <a:endParaRPr lang="pt-BR" dirty="0">
               <a:latin typeface="Courier New" panose="02070309020205020404" pitchFamily="49" charset="0"/>
@@ -7485,7 +8109,7 @@
     </p:spTree>
     <p:extLst>
       <p:ext uri="{BB962C8B-B14F-4D97-AF65-F5344CB8AC3E}">
-        <p14:creationId xmlns:p14="http://schemas.microsoft.com/office/powerpoint/2010/main" val="3855399896"/>
+        <p14:creationId xmlns:p14="http://schemas.microsoft.com/office/powerpoint/2010/main" val="2565023380"/>
       </p:ext>
     </p:extLst>
   </p:cSld>
@@ -7529,28 +8153,7 @@
           <a:p>
             <a:r>
               <a:rPr lang="pt-BR" dirty="0"/>
-              <a:t>Adição de classe no elemento </a:t>
-            </a:r>
-            <a:r>
-              <a:rPr lang="pt-BR" dirty="0">
-                <a:latin typeface="Courier New" panose="02070309020205020404" pitchFamily="49" charset="0"/>
-                <a:cs typeface="Courier New" panose="02070309020205020404" pitchFamily="49" charset="0"/>
-              </a:rPr>
-              <a:t>&lt;</a:t>
-            </a:r>
-            <a:r>
-              <a:rPr lang="pt-BR" dirty="0" err="1">
-                <a:latin typeface="Courier New" panose="02070309020205020404" pitchFamily="49" charset="0"/>
-                <a:cs typeface="Courier New" panose="02070309020205020404" pitchFamily="49" charset="0"/>
-              </a:rPr>
-              <a:t>body</a:t>
-            </a:r>
-            <a:r>
-              <a:rPr lang="pt-BR" dirty="0">
-                <a:latin typeface="Courier New" panose="02070309020205020404" pitchFamily="49" charset="0"/>
-                <a:cs typeface="Courier New" panose="02070309020205020404" pitchFamily="49" charset="0"/>
-              </a:rPr>
-              <a:t>&gt;</a:t>
+              <a:t>Adição de scripts necessários</a:t>
             </a:r>
           </a:p>
         </p:txBody>
@@ -7581,11 +8184,11 @@
                 <a:latin typeface="Courier New" panose="02070309020205020404" pitchFamily="49" charset="0"/>
                 <a:cs typeface="Courier New" panose="02070309020205020404" pitchFamily="49" charset="0"/>
               </a:rPr>
-              <a:t>header.php</a:t>
-            </a:r>
-            <a:r>
-              <a:rPr lang="pt-BR" dirty="0"/>
-              <a:t>, insira o código na </a:t>
+              <a:t>footer.php</a:t>
+            </a:r>
+            <a:r>
+              <a:rPr lang="pt-BR" dirty="0"/>
+              <a:t>, antes do fechamento da </a:t>
             </a:r>
             <a:r>
               <a:rPr lang="pt-BR" dirty="0" err="1"/>
@@ -7601,15 +8204,7 @@
             </a:r>
             <a:r>
               <a:rPr lang="pt-BR" dirty="0"/>
-              <a:t> que adicionará as classes necessárias para a estrutura da página no </a:t>
-            </a:r>
-            <a:r>
-              <a:rPr lang="pt-BR" dirty="0" err="1"/>
-              <a:t>Wordpress</a:t>
-            </a:r>
-            <a:r>
-              <a:rPr lang="pt-BR" dirty="0"/>
-              <a:t>:</a:t>
+              <a:t>, insira o código que adicionará os scripts que devem ficar no final das páginas:</a:t>
             </a:r>
           </a:p>
           <a:p>
@@ -7619,21 +8214,21 @@
                 <a:latin typeface="Courier New" panose="02070309020205020404" pitchFamily="49" charset="0"/>
                 <a:cs typeface="Courier New" panose="02070309020205020404" pitchFamily="49" charset="0"/>
               </a:rPr>
-              <a:t>&lt;body &lt;?php </a:t>
+              <a:t>&lt;?php </a:t>
             </a:r>
             <a:r>
               <a:rPr lang="en-US" dirty="0" err="1">
                 <a:latin typeface="Courier New" panose="02070309020205020404" pitchFamily="49" charset="0"/>
                 <a:cs typeface="Courier New" panose="02070309020205020404" pitchFamily="49" charset="0"/>
               </a:rPr>
-              <a:t>body_class</a:t>
-            </a:r>
-            <a:r>
-              <a:rPr lang="en-US" dirty="0">
-                <a:latin typeface="Courier New" panose="02070309020205020404" pitchFamily="49" charset="0"/>
-                <a:cs typeface="Courier New" panose="02070309020205020404" pitchFamily="49" charset="0"/>
-              </a:rPr>
-              <a:t>(); ?&gt;&gt;</a:t>
+              <a:t>wp_footer</a:t>
+            </a:r>
+            <a:r>
+              <a:rPr lang="en-US" dirty="0">
+                <a:latin typeface="Courier New" panose="02070309020205020404" pitchFamily="49" charset="0"/>
+                <a:cs typeface="Courier New" panose="02070309020205020404" pitchFamily="49" charset="0"/>
+              </a:rPr>
+              <a:t>(); ?&gt;</a:t>
             </a:r>
             <a:endParaRPr lang="pt-BR" dirty="0">
               <a:latin typeface="Courier New" panose="02070309020205020404" pitchFamily="49" charset="0"/>
@@ -7645,7 +8240,7 @@
     </p:spTree>
     <p:extLst>
       <p:ext uri="{BB962C8B-B14F-4D97-AF65-F5344CB8AC3E}">
-        <p14:creationId xmlns:p14="http://schemas.microsoft.com/office/powerpoint/2010/main" val="2565023380"/>
+        <p14:creationId xmlns:p14="http://schemas.microsoft.com/office/powerpoint/2010/main" val="548694929"/>
       </p:ext>
     </p:extLst>
   </p:cSld>
@@ -7773,8 +8368,13 @@
           <a:p>
             <a:r>
               <a:rPr lang="pt-BR" dirty="0"/>
-              <a:t>Inserção de scripts adicionais</a:t>
-            </a:r>
+              <a:t>Arquivos da biblioteca </a:t>
+            </a:r>
+            <a:r>
+              <a:rPr lang="pt-BR" dirty="0" err="1"/>
+              <a:t>Bootstrap</a:t>
+            </a:r>
+            <a:endParaRPr lang="pt-BR" dirty="0"/>
           </a:p>
         </p:txBody>
       </p:sp>
@@ -7791,215 +8391,44 @@
         <p:spPr/>
         <p:txBody>
           <a:bodyPr>
-            <a:normAutofit fontScale="85000" lnSpcReduction="20000"/>
+            <a:normAutofit/>
           </a:bodyPr>
           <a:lstStyle/>
           <a:p>
             <a:r>
-              <a:rPr lang="en-US" dirty="0" err="1"/>
-              <a:t>Crie</a:t>
-            </a:r>
-            <a:r>
-              <a:rPr lang="en-US" dirty="0"/>
-              <a:t> o </a:t>
-            </a:r>
-            <a:r>
-              <a:rPr lang="en-US" dirty="0" err="1"/>
-              <a:t>arquivo</a:t>
-            </a:r>
-            <a:r>
-              <a:rPr lang="en-US" dirty="0"/>
-              <a:t> </a:t>
-            </a:r>
-            <a:r>
-              <a:rPr lang="en-US" dirty="0" err="1">
-                <a:latin typeface="Courier New" panose="02070309020205020404" pitchFamily="49" charset="0"/>
-                <a:cs typeface="Courier New" panose="02070309020205020404" pitchFamily="49" charset="0"/>
-              </a:rPr>
-              <a:t>functions.php</a:t>
-            </a:r>
-            <a:r>
-              <a:rPr lang="en-US" dirty="0"/>
-              <a:t> com o </a:t>
-            </a:r>
-            <a:r>
-              <a:rPr lang="en-US" dirty="0" err="1"/>
-              <a:t>seguinte</a:t>
-            </a:r>
-            <a:r>
-              <a:rPr lang="en-US" dirty="0"/>
-              <a:t> </a:t>
-            </a:r>
-            <a:r>
-              <a:rPr lang="en-US" dirty="0" err="1"/>
-              <a:t>código</a:t>
-            </a:r>
-            <a:r>
-              <a:rPr lang="en-US" dirty="0"/>
-              <a:t>:</a:t>
-            </a:r>
-            <a:endParaRPr lang="en-US" dirty="0">
-              <a:latin typeface="Courier New" panose="02070309020205020404" pitchFamily="49" charset="0"/>
-              <a:cs typeface="Courier New" panose="02070309020205020404" pitchFamily="49" charset="0"/>
-            </a:endParaRPr>
-          </a:p>
-          <a:p>
-            <a:pPr algn="l"/>
-            <a:r>
-              <a:rPr lang="en-US" dirty="0">
-                <a:latin typeface="Courier New" panose="02070309020205020404" pitchFamily="49" charset="0"/>
-                <a:cs typeface="Courier New" panose="02070309020205020404" pitchFamily="49" charset="0"/>
-              </a:rPr>
-              <a:t>function </a:t>
-            </a:r>
-            <a:r>
-              <a:rPr lang="en-US" dirty="0" err="1">
-                <a:latin typeface="Courier New" panose="02070309020205020404" pitchFamily="49" charset="0"/>
-                <a:cs typeface="Courier New" panose="02070309020205020404" pitchFamily="49" charset="0"/>
-              </a:rPr>
-              <a:t>adicionar_estilos</a:t>
-            </a:r>
-            <a:r>
-              <a:rPr lang="en-US" dirty="0">
-                <a:latin typeface="Courier New" panose="02070309020205020404" pitchFamily="49" charset="0"/>
-                <a:cs typeface="Courier New" panose="02070309020205020404" pitchFamily="49" charset="0"/>
-              </a:rPr>
-              <a:t>(){</a:t>
-            </a:r>
-          </a:p>
-          <a:p>
-            <a:pPr algn="l"/>
-            <a:r>
-              <a:rPr lang="en-US" dirty="0">
-                <a:latin typeface="Courier New" panose="02070309020205020404" pitchFamily="49" charset="0"/>
-                <a:cs typeface="Courier New" panose="02070309020205020404" pitchFamily="49" charset="0"/>
-              </a:rPr>
-              <a:t>    </a:t>
-            </a:r>
-            <a:r>
-              <a:rPr lang="en-US" dirty="0" err="1">
-                <a:latin typeface="Courier New" panose="02070309020205020404" pitchFamily="49" charset="0"/>
-                <a:cs typeface="Courier New" panose="02070309020205020404" pitchFamily="49" charset="0"/>
-              </a:rPr>
-              <a:t>wp_register_style</a:t>
-            </a:r>
-            <a:r>
-              <a:rPr lang="en-US" dirty="0">
-                <a:latin typeface="Courier New" panose="02070309020205020404" pitchFamily="49" charset="0"/>
-                <a:cs typeface="Courier New" panose="02070309020205020404" pitchFamily="49" charset="0"/>
-              </a:rPr>
-              <a:t>('bootstrap', </a:t>
-            </a:r>
-            <a:r>
-              <a:rPr lang="en-US" dirty="0" err="1">
-                <a:latin typeface="Courier New" panose="02070309020205020404" pitchFamily="49" charset="0"/>
-                <a:cs typeface="Courier New" panose="02070309020205020404" pitchFamily="49" charset="0"/>
-              </a:rPr>
-              <a:t>get_template_directory_uri</a:t>
-            </a:r>
-            <a:r>
-              <a:rPr lang="en-US" dirty="0">
-                <a:latin typeface="Courier New" panose="02070309020205020404" pitchFamily="49" charset="0"/>
-                <a:cs typeface="Courier New" panose="02070309020205020404" pitchFamily="49" charset="0"/>
-              </a:rPr>
-              <a:t>() . '/</a:t>
-            </a:r>
-            <a:r>
-              <a:rPr lang="en-US" dirty="0" err="1">
+              <a:rPr lang="pt-BR" dirty="0"/>
+              <a:t>Adicione ao tema os diretórios </a:t>
+            </a:r>
+            <a:r>
+              <a:rPr lang="pt-BR" dirty="0" err="1">
+                <a:latin typeface="Courier New" panose="02070309020205020404" pitchFamily="49" charset="0"/>
+                <a:cs typeface="Courier New" panose="02070309020205020404" pitchFamily="49" charset="0"/>
+              </a:rPr>
+              <a:t>js</a:t>
+            </a:r>
+            <a:r>
+              <a:rPr lang="pt-BR" dirty="0"/>
+              <a:t> e </a:t>
+            </a:r>
+            <a:r>
+              <a:rPr lang="pt-BR" dirty="0" err="1">
                 <a:latin typeface="Courier New" panose="02070309020205020404" pitchFamily="49" charset="0"/>
                 <a:cs typeface="Courier New" panose="02070309020205020404" pitchFamily="49" charset="0"/>
               </a:rPr>
               <a:t>css</a:t>
             </a:r>
             <a:r>
-              <a:rPr lang="en-US" dirty="0">
-                <a:latin typeface="Courier New" panose="02070309020205020404" pitchFamily="49" charset="0"/>
-                <a:cs typeface="Courier New" panose="02070309020205020404" pitchFamily="49" charset="0"/>
-              </a:rPr>
-              <a:t>/bootstrap.min.css');</a:t>
-            </a:r>
-          </a:p>
-          <a:p>
-            <a:pPr algn="l"/>
-            <a:r>
-              <a:rPr lang="en-US" dirty="0">
-                <a:latin typeface="Courier New" panose="02070309020205020404" pitchFamily="49" charset="0"/>
-                <a:cs typeface="Courier New" panose="02070309020205020404" pitchFamily="49" charset="0"/>
-              </a:rPr>
-              <a:t>    </a:t>
-            </a:r>
-            <a:r>
-              <a:rPr lang="en-US" dirty="0" err="1">
-                <a:latin typeface="Courier New" panose="02070309020205020404" pitchFamily="49" charset="0"/>
-                <a:cs typeface="Courier New" panose="02070309020205020404" pitchFamily="49" charset="0"/>
-              </a:rPr>
-              <a:t>wp_enqueue_style</a:t>
-            </a:r>
-            <a:r>
-              <a:rPr lang="en-US" dirty="0">
-                <a:latin typeface="Courier New" panose="02070309020205020404" pitchFamily="49" charset="0"/>
-                <a:cs typeface="Courier New" panose="02070309020205020404" pitchFamily="49" charset="0"/>
-              </a:rPr>
-              <a:t>('bootstrap');</a:t>
-            </a:r>
-          </a:p>
-          <a:p>
-            <a:pPr algn="l"/>
-            <a:r>
-              <a:rPr lang="en-US" dirty="0">
-                <a:latin typeface="Courier New" panose="02070309020205020404" pitchFamily="49" charset="0"/>
-                <a:cs typeface="Courier New" panose="02070309020205020404" pitchFamily="49" charset="0"/>
-              </a:rPr>
-              <a:t>}</a:t>
-            </a:r>
-          </a:p>
-          <a:p>
-            <a:pPr algn="l"/>
-            <a:r>
-              <a:rPr lang="en-US" dirty="0" err="1">
-                <a:latin typeface="Courier New" panose="02070309020205020404" pitchFamily="49" charset="0"/>
-                <a:cs typeface="Courier New" panose="02070309020205020404" pitchFamily="49" charset="0"/>
-              </a:rPr>
-              <a:t>add_action</a:t>
-            </a:r>
-            <a:r>
-              <a:rPr lang="en-US" dirty="0">
-                <a:latin typeface="Courier New" panose="02070309020205020404" pitchFamily="49" charset="0"/>
-                <a:cs typeface="Courier New" panose="02070309020205020404" pitchFamily="49" charset="0"/>
-              </a:rPr>
-              <a:t>('</a:t>
-            </a:r>
-            <a:r>
-              <a:rPr lang="en-US" dirty="0" err="1">
-                <a:latin typeface="Courier New" panose="02070309020205020404" pitchFamily="49" charset="0"/>
-                <a:cs typeface="Courier New" panose="02070309020205020404" pitchFamily="49" charset="0"/>
-              </a:rPr>
-              <a:t>wp_enqueue_scripts</a:t>
-            </a:r>
-            <a:r>
-              <a:rPr lang="en-US" dirty="0">
-                <a:latin typeface="Courier New" panose="02070309020205020404" pitchFamily="49" charset="0"/>
-                <a:cs typeface="Courier New" panose="02070309020205020404" pitchFamily="49" charset="0"/>
-              </a:rPr>
-              <a:t>', '</a:t>
-            </a:r>
-            <a:r>
-              <a:rPr lang="en-US" dirty="0" err="1">
-                <a:latin typeface="Courier New" panose="02070309020205020404" pitchFamily="49" charset="0"/>
-                <a:cs typeface="Courier New" panose="02070309020205020404" pitchFamily="49" charset="0"/>
-              </a:rPr>
-              <a:t>adicionar_estilos</a:t>
-            </a:r>
-            <a:r>
-              <a:rPr lang="en-US" dirty="0">
-                <a:latin typeface="Courier New" panose="02070309020205020404" pitchFamily="49" charset="0"/>
-                <a:cs typeface="Courier New" panose="02070309020205020404" pitchFamily="49" charset="0"/>
-              </a:rPr>
-              <a:t>');</a:t>
-            </a:r>
-          </a:p>
-          <a:p>
-            <a:pPr algn="l"/>
+              <a:rPr lang="pt-BR" dirty="0"/>
+              <a:t> com os respectivos arquivos da biblioteca </a:t>
+            </a:r>
+            <a:r>
+              <a:rPr lang="pt-BR" dirty="0" err="1"/>
+              <a:t>Bootstrap</a:t>
+            </a:r>
+            <a:r>
+              <a:rPr lang="pt-BR" dirty="0"/>
+              <a:t> que pretende usar.</a:t>
+            </a:r>
             <a:endParaRPr lang="pt-BR" dirty="0">
               <a:latin typeface="Courier New" panose="02070309020205020404" pitchFamily="49" charset="0"/>
               <a:cs typeface="Courier New" panose="02070309020205020404" pitchFamily="49" charset="0"/>
@@ -8010,7 +8439,7 @@
     </p:spTree>
     <p:extLst>
       <p:ext uri="{BB962C8B-B14F-4D97-AF65-F5344CB8AC3E}">
-        <p14:creationId xmlns:p14="http://schemas.microsoft.com/office/powerpoint/2010/main" val="253856445"/>
+        <p14:creationId xmlns:p14="http://schemas.microsoft.com/office/powerpoint/2010/main" val="2570501334"/>
       </p:ext>
     </p:extLst>
   </p:cSld>
@@ -8054,7 +8483,7 @@
           <a:p>
             <a:r>
               <a:rPr lang="pt-BR" dirty="0"/>
-              <a:t>Visualização do site</a:t>
+              <a:t>Inserção de scripts adicionais</a:t>
             </a:r>
           </a:p>
         </p:txBody>
@@ -8077,47 +8506,52 @@
           <a:lstStyle/>
           <a:p>
             <a:r>
-              <a:rPr lang="pt-BR" dirty="0"/>
-              <a:t>Insira algum conteúdo HTML no arquivo </a:t>
-            </a:r>
-            <a:r>
-              <a:rPr lang="pt-BR" dirty="0">
-                <a:latin typeface="Courier New" panose="02070309020205020404" pitchFamily="49" charset="0"/>
-                <a:cs typeface="Courier New" panose="02070309020205020404" pitchFamily="49" charset="0"/>
-              </a:rPr>
-              <a:t>front-</a:t>
-            </a:r>
-            <a:r>
-              <a:rPr lang="pt-BR" dirty="0" err="1">
-                <a:latin typeface="Courier New" panose="02070309020205020404" pitchFamily="49" charset="0"/>
-                <a:cs typeface="Courier New" panose="02070309020205020404" pitchFamily="49" charset="0"/>
-              </a:rPr>
-              <a:t>page.php</a:t>
-            </a:r>
-            <a:r>
-              <a:rPr lang="pt-BR" dirty="0"/>
-              <a:t> e visualize o site</a:t>
+              <a:rPr lang="en-US" dirty="0" err="1"/>
+              <a:t>Crie</a:t>
             </a:r>
             <a:r>
               <a:rPr lang="en-US" dirty="0"/>
-              <a:t> para </a:t>
-            </a:r>
-            <a:r>
-              <a:rPr lang="pt-BR" dirty="0"/>
-              <a:t>observar</a:t>
+              <a:t> o </a:t>
+            </a:r>
+            <a:r>
+              <a:rPr lang="en-US" dirty="0" err="1"/>
+              <a:t>arquivo</a:t>
             </a:r>
             <a:r>
               <a:rPr lang="en-US" dirty="0"/>
-              <a:t> a </a:t>
-            </a:r>
-            <a:r>
-              <a:rPr lang="pt-BR" dirty="0"/>
-              <a:t>inserção</a:t>
+              <a:t> </a:t>
+            </a:r>
+            <a:r>
+              <a:rPr lang="en-US" dirty="0" err="1">
+                <a:latin typeface="Courier New" panose="02070309020205020404" pitchFamily="49" charset="0"/>
+                <a:cs typeface="Courier New" panose="02070309020205020404" pitchFamily="49" charset="0"/>
+              </a:rPr>
+              <a:t>functions.php</a:t>
             </a:r>
             <a:r>
               <a:rPr lang="en-US" dirty="0"/>
-              <a:t> do novo script.</a:t>
-            </a:r>
+              <a:t> com o </a:t>
+            </a:r>
+            <a:r>
+              <a:rPr lang="en-US" dirty="0" err="1"/>
+              <a:t>seguinte</a:t>
+            </a:r>
+            <a:r>
+              <a:rPr lang="en-US" dirty="0"/>
+              <a:t> </a:t>
+            </a:r>
+            <a:r>
+              <a:rPr lang="en-US" dirty="0" err="1"/>
+              <a:t>código</a:t>
+            </a:r>
+            <a:r>
+              <a:rPr lang="en-US" dirty="0"/>
+              <a:t>:</a:t>
+            </a:r>
+            <a:endParaRPr lang="en-US" dirty="0">
+              <a:latin typeface="Courier New" panose="02070309020205020404" pitchFamily="49" charset="0"/>
+              <a:cs typeface="Courier New" panose="02070309020205020404" pitchFamily="49" charset="0"/>
+            </a:endParaRPr>
           </a:p>
           <a:p>
             <a:pPr algn="l"/>
@@ -8126,7 +8560,21 @@
                 <a:latin typeface="Courier New" panose="02070309020205020404" pitchFamily="49" charset="0"/>
                 <a:cs typeface="Courier New" panose="02070309020205020404" pitchFamily="49" charset="0"/>
               </a:rPr>
-              <a:t>&lt;div class="container"&gt;</a:t>
+              <a:t>function </a:t>
+            </a:r>
+            <a:r>
+              <a:rPr lang="en-US" dirty="0" err="1">
+                <a:latin typeface="Courier New" panose="02070309020205020404" pitchFamily="49" charset="0"/>
+                <a:cs typeface="Courier New" panose="02070309020205020404" pitchFamily="49" charset="0"/>
+              </a:rPr>
+              <a:t>adicionar_estilos</a:t>
+            </a:r>
+            <a:r>
+              <a:rPr lang="en-US" dirty="0">
+                <a:latin typeface="Courier New" panose="02070309020205020404" pitchFamily="49" charset="0"/>
+                <a:cs typeface="Courier New" panose="02070309020205020404" pitchFamily="49" charset="0"/>
+              </a:rPr>
+              <a:t>(){</a:t>
             </a:r>
           </a:p>
           <a:p>
@@ -8136,7 +8584,49 @@
                 <a:latin typeface="Courier New" panose="02070309020205020404" pitchFamily="49" charset="0"/>
                 <a:cs typeface="Courier New" panose="02070309020205020404" pitchFamily="49" charset="0"/>
               </a:rPr>
-              <a:t>    &lt;div class="row"&gt;</a:t>
+              <a:t>    </a:t>
+            </a:r>
+            <a:r>
+              <a:rPr lang="en-US" dirty="0" err="1">
+                <a:latin typeface="Courier New" panose="02070309020205020404" pitchFamily="49" charset="0"/>
+                <a:cs typeface="Courier New" panose="02070309020205020404" pitchFamily="49" charset="0"/>
+              </a:rPr>
+              <a:t>wp_register_style</a:t>
+            </a:r>
+            <a:r>
+              <a:rPr lang="en-US" dirty="0">
+                <a:latin typeface="Courier New" panose="02070309020205020404" pitchFamily="49" charset="0"/>
+                <a:cs typeface="Courier New" panose="02070309020205020404" pitchFamily="49" charset="0"/>
+              </a:rPr>
+              <a:t>('bootstrap', </a:t>
+            </a:r>
+            <a:r>
+              <a:rPr lang="en-US" dirty="0" err="1">
+                <a:latin typeface="Courier New" panose="02070309020205020404" pitchFamily="49" charset="0"/>
+                <a:cs typeface="Courier New" panose="02070309020205020404" pitchFamily="49" charset="0"/>
+              </a:rPr>
+              <a:t>get_template_directory_uri</a:t>
+            </a:r>
+            <a:r>
+              <a:rPr lang="en-US" dirty="0">
+                <a:latin typeface="Courier New" panose="02070309020205020404" pitchFamily="49" charset="0"/>
+                <a:cs typeface="Courier New" panose="02070309020205020404" pitchFamily="49" charset="0"/>
+              </a:rPr>
+              <a:t>() . '/</a:t>
+            </a:r>
+            <a:r>
+              <a:rPr lang="en-US" dirty="0" err="1">
+                <a:latin typeface="Courier New" panose="02070309020205020404" pitchFamily="49" charset="0"/>
+                <a:cs typeface="Courier New" panose="02070309020205020404" pitchFamily="49" charset="0"/>
+              </a:rPr>
+              <a:t>css</a:t>
+            </a:r>
+            <a:r>
+              <a:rPr lang="en-US" dirty="0">
+                <a:latin typeface="Courier New" panose="02070309020205020404" pitchFamily="49" charset="0"/>
+                <a:cs typeface="Courier New" panose="02070309020205020404" pitchFamily="49" charset="0"/>
+              </a:rPr>
+              <a:t>/bootstrap.min.css');</a:t>
             </a:r>
           </a:p>
           <a:p>
@@ -8146,21 +8636,21 @@
                 <a:latin typeface="Courier New" panose="02070309020205020404" pitchFamily="49" charset="0"/>
                 <a:cs typeface="Courier New" panose="02070309020205020404" pitchFamily="49" charset="0"/>
               </a:rPr>
-              <a:t>        &lt;div class="col"&gt;</a:t>
+              <a:t>    </a:t>
             </a:r>
             <a:r>
               <a:rPr lang="en-US" dirty="0" err="1">
                 <a:latin typeface="Courier New" panose="02070309020205020404" pitchFamily="49" charset="0"/>
                 <a:cs typeface="Courier New" panose="02070309020205020404" pitchFamily="49" charset="0"/>
               </a:rPr>
-              <a:t>Esquerda</a:t>
-            </a:r>
-            <a:r>
-              <a:rPr lang="en-US" dirty="0">
-                <a:latin typeface="Courier New" panose="02070309020205020404" pitchFamily="49" charset="0"/>
-                <a:cs typeface="Courier New" panose="02070309020205020404" pitchFamily="49" charset="0"/>
-              </a:rPr>
-              <a:t>&lt;/div&gt;</a:t>
+              <a:t>wp_enqueue_style</a:t>
+            </a:r>
+            <a:r>
+              <a:rPr lang="en-US" dirty="0">
+                <a:latin typeface="Courier New" panose="02070309020205020404" pitchFamily="49" charset="0"/>
+                <a:cs typeface="Courier New" panose="02070309020205020404" pitchFamily="49" charset="0"/>
+              </a:rPr>
+              <a:t>('bootstrap');</a:t>
             </a:r>
           </a:p>
           <a:p>
@@ -8170,42 +8660,56 @@
                 <a:latin typeface="Courier New" panose="02070309020205020404" pitchFamily="49" charset="0"/>
                 <a:cs typeface="Courier New" panose="02070309020205020404" pitchFamily="49" charset="0"/>
               </a:rPr>
-              <a:t>        &lt;div class="col"&gt;</a:t>
-            </a:r>
+              <a:t>}</a:t>
+            </a:r>
+          </a:p>
+          <a:p>
+            <a:pPr algn="l"/>
             <a:r>
               <a:rPr lang="en-US" dirty="0" err="1">
                 <a:latin typeface="Courier New" panose="02070309020205020404" pitchFamily="49" charset="0"/>
                 <a:cs typeface="Courier New" panose="02070309020205020404" pitchFamily="49" charset="0"/>
               </a:rPr>
-              <a:t>Direita</a:t>
-            </a:r>
-            <a:r>
-              <a:rPr lang="en-US" dirty="0">
-                <a:latin typeface="Courier New" panose="02070309020205020404" pitchFamily="49" charset="0"/>
-                <a:cs typeface="Courier New" panose="02070309020205020404" pitchFamily="49" charset="0"/>
-              </a:rPr>
-              <a:t>&lt;/div&gt;</a:t>
+              <a:t>add_action</a:t>
+            </a:r>
+            <a:r>
+              <a:rPr lang="en-US" dirty="0">
+                <a:latin typeface="Courier New" panose="02070309020205020404" pitchFamily="49" charset="0"/>
+                <a:cs typeface="Courier New" panose="02070309020205020404" pitchFamily="49" charset="0"/>
+              </a:rPr>
+              <a:t>('</a:t>
+            </a:r>
+            <a:r>
+              <a:rPr lang="en-US" dirty="0" err="1">
+                <a:latin typeface="Courier New" panose="02070309020205020404" pitchFamily="49" charset="0"/>
+                <a:cs typeface="Courier New" panose="02070309020205020404" pitchFamily="49" charset="0"/>
+              </a:rPr>
+              <a:t>wp_enqueue_scripts</a:t>
+            </a:r>
+            <a:r>
+              <a:rPr lang="en-US" dirty="0">
+                <a:latin typeface="Courier New" panose="02070309020205020404" pitchFamily="49" charset="0"/>
+                <a:cs typeface="Courier New" panose="02070309020205020404" pitchFamily="49" charset="0"/>
+              </a:rPr>
+              <a:t>', '</a:t>
+            </a:r>
+            <a:r>
+              <a:rPr lang="en-US" dirty="0" err="1">
+                <a:latin typeface="Courier New" panose="02070309020205020404" pitchFamily="49" charset="0"/>
+                <a:cs typeface="Courier New" panose="02070309020205020404" pitchFamily="49" charset="0"/>
+              </a:rPr>
+              <a:t>adicionar_estilos</a:t>
+            </a:r>
+            <a:r>
+              <a:rPr lang="en-US" dirty="0">
+                <a:latin typeface="Courier New" panose="02070309020205020404" pitchFamily="49" charset="0"/>
+                <a:cs typeface="Courier New" panose="02070309020205020404" pitchFamily="49" charset="0"/>
+              </a:rPr>
+              <a:t>');</a:t>
             </a:r>
           </a:p>
           <a:p>
             <a:pPr algn="l"/>
-            <a:r>
-              <a:rPr lang="en-US" dirty="0">
-                <a:latin typeface="Courier New" panose="02070309020205020404" pitchFamily="49" charset="0"/>
-                <a:cs typeface="Courier New" panose="02070309020205020404" pitchFamily="49" charset="0"/>
-              </a:rPr>
-              <a:t>    &lt;/div&gt;</a:t>
-            </a:r>
-          </a:p>
-          <a:p>
-            <a:pPr algn="l"/>
-            <a:r>
-              <a:rPr lang="en-US" dirty="0">
-                <a:latin typeface="Courier New" panose="02070309020205020404" pitchFamily="49" charset="0"/>
-                <a:cs typeface="Courier New" panose="02070309020205020404" pitchFamily="49" charset="0"/>
-              </a:rPr>
-              <a:t>&lt;/div&gt;</a:t>
-            </a:r>
             <a:endParaRPr lang="pt-BR" dirty="0">
               <a:latin typeface="Courier New" panose="02070309020205020404" pitchFamily="49" charset="0"/>
               <a:cs typeface="Courier New" panose="02070309020205020404" pitchFamily="49" charset="0"/>
@@ -8216,7 +8720,7 @@
     </p:spTree>
     <p:extLst>
       <p:ext uri="{BB962C8B-B14F-4D97-AF65-F5344CB8AC3E}">
-        <p14:creationId xmlns:p14="http://schemas.microsoft.com/office/powerpoint/2010/main" val="2278372398"/>
+        <p14:creationId xmlns:p14="http://schemas.microsoft.com/office/powerpoint/2010/main" val="253856445"/>
       </p:ext>
     </p:extLst>
   </p:cSld>
@@ -8283,8 +8787,20 @@
           <a:lstStyle/>
           <a:p>
             <a:r>
+              <a:rPr lang="en-US" dirty="0" err="1"/>
+              <a:t>Ainda</a:t>
+            </a:r>
+            <a:r>
               <a:rPr lang="en-US" dirty="0"/>
-              <a:t>No </a:t>
+              <a:t> </a:t>
+            </a:r>
+            <a:r>
+              <a:rPr lang="en-US" u="sng" dirty="0"/>
+              <a:t>no</a:t>
+            </a:r>
+            <a:r>
+              <a:rPr lang="en-US" dirty="0"/>
+              <a:t> </a:t>
             </a:r>
             <a:r>
               <a:rPr lang="en-US" dirty="0" err="1"/>
@@ -8501,20 +9017,27 @@
         <p:spPr/>
         <p:txBody>
           <a:bodyPr>
-            <a:normAutofit/>
+            <a:normAutofit fontScale="85000" lnSpcReduction="20000"/>
           </a:bodyPr>
           <a:lstStyle/>
           <a:p>
             <a:r>
               <a:rPr lang="pt-BR" dirty="0"/>
-              <a:t>Insira alguma regra CSS no arquivo </a:t>
+              <a:t>Insira algum conteúdo HTML no arquivo </a:t>
             </a:r>
             <a:r>
               <a:rPr lang="pt-BR" dirty="0">
                 <a:latin typeface="Courier New" panose="02070309020205020404" pitchFamily="49" charset="0"/>
                 <a:cs typeface="Courier New" panose="02070309020205020404" pitchFamily="49" charset="0"/>
               </a:rPr>
-              <a:t>style.css</a:t>
+              <a:t>front-</a:t>
+            </a:r>
+            <a:r>
+              <a:rPr lang="pt-BR" dirty="0" err="1">
+                <a:latin typeface="Courier New" panose="02070309020205020404" pitchFamily="49" charset="0"/>
+                <a:cs typeface="Courier New" panose="02070309020205020404" pitchFamily="49" charset="0"/>
+              </a:rPr>
+              <a:t>page.php</a:t>
             </a:r>
             <a:r>
               <a:rPr lang="pt-BR" dirty="0"/>
@@ -8548,7 +9071,7 @@
                 <a:latin typeface="Courier New" panose="02070309020205020404" pitchFamily="49" charset="0"/>
                 <a:cs typeface="Courier New" panose="02070309020205020404" pitchFamily="49" charset="0"/>
               </a:rPr>
-              <a:t>body{</a:t>
+              <a:t>&lt;div class="container"&gt;</a:t>
             </a:r>
           </a:p>
           <a:p>
@@ -8558,7 +9081,7 @@
                 <a:latin typeface="Courier New" panose="02070309020205020404" pitchFamily="49" charset="0"/>
                 <a:cs typeface="Courier New" panose="02070309020205020404" pitchFamily="49" charset="0"/>
               </a:rPr>
-              <a:t>    background-color: #ccc;</a:t>
+              <a:t>    &lt;div class="row"&gt;</a:t>
             </a:r>
           </a:p>
           <a:p>
@@ -8568,7 +9091,65 @@
                 <a:latin typeface="Courier New" panose="02070309020205020404" pitchFamily="49" charset="0"/>
                 <a:cs typeface="Courier New" panose="02070309020205020404" pitchFamily="49" charset="0"/>
               </a:rPr>
-              <a:t>}</a:t>
+              <a:t>        &lt;div class="col"&gt;</a:t>
+            </a:r>
+            <a:r>
+              <a:rPr lang="en-US" dirty="0" err="1">
+                <a:latin typeface="Courier New" panose="02070309020205020404" pitchFamily="49" charset="0"/>
+                <a:cs typeface="Courier New" panose="02070309020205020404" pitchFamily="49" charset="0"/>
+              </a:rPr>
+              <a:t>Esquerda</a:t>
+            </a:r>
+            <a:r>
+              <a:rPr lang="en-US" dirty="0">
+                <a:latin typeface="Courier New" panose="02070309020205020404" pitchFamily="49" charset="0"/>
+                <a:cs typeface="Courier New" panose="02070309020205020404" pitchFamily="49" charset="0"/>
+              </a:rPr>
+              <a:t>&lt;/div&gt;</a:t>
+            </a:r>
+          </a:p>
+          <a:p>
+            <a:pPr algn="l"/>
+            <a:r>
+              <a:rPr lang="en-US" dirty="0">
+                <a:latin typeface="Courier New" panose="02070309020205020404" pitchFamily="49" charset="0"/>
+                <a:cs typeface="Courier New" panose="02070309020205020404" pitchFamily="49" charset="0"/>
+              </a:rPr>
+              <a:t>        &lt;div class="col"&gt;</a:t>
+            </a:r>
+            <a:r>
+              <a:rPr lang="en-US" dirty="0" err="1">
+                <a:latin typeface="Courier New" panose="02070309020205020404" pitchFamily="49" charset="0"/>
+                <a:cs typeface="Courier New" panose="02070309020205020404" pitchFamily="49" charset="0"/>
+              </a:rPr>
+              <a:t>Direita</a:t>
+            </a:r>
+            <a:r>
+              <a:rPr lang="en-US" dirty="0">
+                <a:latin typeface="Courier New" panose="02070309020205020404" pitchFamily="49" charset="0"/>
+                <a:cs typeface="Courier New" panose="02070309020205020404" pitchFamily="49" charset="0"/>
+              </a:rPr>
+              <a:t>&lt;/div&gt;</a:t>
+            </a:r>
+          </a:p>
+          <a:p>
+            <a:pPr algn="l"/>
+            <a:r>
+              <a:rPr lang="en-US" dirty="0">
+                <a:latin typeface="Courier New" panose="02070309020205020404" pitchFamily="49" charset="0"/>
+                <a:cs typeface="Courier New" panose="02070309020205020404" pitchFamily="49" charset="0"/>
+              </a:rPr>
+              <a:t>    &lt;/div&gt;</a:t>
+            </a:r>
+          </a:p>
+          <a:p>
+            <a:pPr algn="l"/>
+            <a:r>
+              <a:rPr lang="en-US" dirty="0">
+                <a:latin typeface="Courier New" panose="02070309020205020404" pitchFamily="49" charset="0"/>
+                <a:cs typeface="Courier New" panose="02070309020205020404" pitchFamily="49" charset="0"/>
+              </a:rPr>
+              <a:t>&lt;/div&gt;</a:t>
             </a:r>
             <a:endParaRPr lang="pt-BR" dirty="0">
               <a:latin typeface="Courier New" panose="02070309020205020404" pitchFamily="49" charset="0"/>
@@ -8580,7 +9161,7 @@
     </p:spTree>
     <p:extLst>
       <p:ext uri="{BB962C8B-B14F-4D97-AF65-F5344CB8AC3E}">
-        <p14:creationId xmlns:p14="http://schemas.microsoft.com/office/powerpoint/2010/main" val="449393554"/>
+        <p14:creationId xmlns:p14="http://schemas.microsoft.com/office/powerpoint/2010/main" val="2278372398"/>
       </p:ext>
     </p:extLst>
   </p:cSld>
@@ -8624,7 +9205,7 @@
           <a:p>
             <a:r>
               <a:rPr lang="pt-BR" dirty="0"/>
-              <a:t>Inserção de scripts adicionais</a:t>
+              <a:t>Visualização do site</a:t>
             </a:r>
           </a:p>
         </p:txBody>
@@ -8647,56 +9228,40 @@
           <a:lstStyle/>
           <a:p>
             <a:r>
+              <a:rPr lang="pt-BR" dirty="0"/>
+              <a:t>Insira alguma regra CSS no arquivo </a:t>
+            </a:r>
+            <a:r>
+              <a:rPr lang="pt-BR" dirty="0">
+                <a:latin typeface="Courier New" panose="02070309020205020404" pitchFamily="49" charset="0"/>
+                <a:cs typeface="Courier New" panose="02070309020205020404" pitchFamily="49" charset="0"/>
+              </a:rPr>
+              <a:t>style.css</a:t>
+            </a:r>
+            <a:r>
+              <a:rPr lang="pt-BR" dirty="0"/>
+              <a:t> e visualize o site</a:t>
+            </a:r>
+            <a:r>
               <a:rPr lang="en-US" dirty="0"/>
-              <a:t>No </a:t>
-            </a:r>
-            <a:r>
-              <a:rPr lang="en-US" dirty="0" err="1"/>
-              <a:t>arquivo</a:t>
+              <a:t> para </a:t>
+            </a:r>
+            <a:r>
+              <a:rPr lang="pt-BR" dirty="0"/>
+              <a:t>observar</a:t>
             </a:r>
             <a:r>
               <a:rPr lang="en-US" dirty="0"/>
-              <a:t> </a:t>
-            </a:r>
-            <a:r>
-              <a:rPr lang="en-US" dirty="0" err="1">
-                <a:latin typeface="Courier New" panose="02070309020205020404" pitchFamily="49" charset="0"/>
-                <a:cs typeface="Courier New" panose="02070309020205020404" pitchFamily="49" charset="0"/>
-              </a:rPr>
-              <a:t>functions.php</a:t>
+              <a:t> a </a:t>
+            </a:r>
+            <a:r>
+              <a:rPr lang="pt-BR" dirty="0"/>
+              <a:t>inserção</a:t>
             </a:r>
             <a:r>
               <a:rPr lang="en-US" dirty="0"/>
-              <a:t>, </a:t>
-            </a:r>
-            <a:r>
-              <a:rPr lang="en-US" dirty="0" err="1"/>
-              <a:t>insira</a:t>
-            </a:r>
-            <a:r>
-              <a:rPr lang="en-US" dirty="0"/>
-              <a:t> o </a:t>
-            </a:r>
-            <a:r>
-              <a:rPr lang="en-US" dirty="0" err="1"/>
-              <a:t>seguinte</a:t>
-            </a:r>
-            <a:r>
-              <a:rPr lang="en-US" dirty="0"/>
-              <a:t> </a:t>
-            </a:r>
-            <a:r>
-              <a:rPr lang="en-US" dirty="0" err="1"/>
-              <a:t>código</a:t>
-            </a:r>
-            <a:r>
-              <a:rPr lang="en-US" dirty="0"/>
-              <a:t>:</a:t>
-            </a:r>
-            <a:endParaRPr lang="en-US" dirty="0">
-              <a:latin typeface="Courier New" panose="02070309020205020404" pitchFamily="49" charset="0"/>
-              <a:cs typeface="Courier New" panose="02070309020205020404" pitchFamily="49" charset="0"/>
-            </a:endParaRPr>
+              <a:t> do novo script.</a:t>
+            </a:r>
           </a:p>
           <a:p>
             <a:pPr algn="l"/>
@@ -8705,21 +9270,7 @@
                 <a:latin typeface="Courier New" panose="02070309020205020404" pitchFamily="49" charset="0"/>
                 <a:cs typeface="Courier New" panose="02070309020205020404" pitchFamily="49" charset="0"/>
               </a:rPr>
-              <a:t>function </a:t>
-            </a:r>
-            <a:r>
-              <a:rPr lang="en-US" dirty="0" err="1">
-                <a:latin typeface="Courier New" panose="02070309020205020404" pitchFamily="49" charset="0"/>
-                <a:cs typeface="Courier New" panose="02070309020205020404" pitchFamily="49" charset="0"/>
-              </a:rPr>
-              <a:t>adicionar_scripts</a:t>
-            </a:r>
-            <a:r>
-              <a:rPr lang="en-US" dirty="0">
-                <a:latin typeface="Courier New" panose="02070309020205020404" pitchFamily="49" charset="0"/>
-                <a:cs typeface="Courier New" panose="02070309020205020404" pitchFamily="49" charset="0"/>
-              </a:rPr>
-              <a:t>(){</a:t>
+              <a:t>body{</a:t>
             </a:r>
           </a:p>
           <a:p>
@@ -8729,35 +9280,7 @@
                 <a:latin typeface="Courier New" panose="02070309020205020404" pitchFamily="49" charset="0"/>
                 <a:cs typeface="Courier New" panose="02070309020205020404" pitchFamily="49" charset="0"/>
               </a:rPr>
-              <a:t>    </a:t>
-            </a:r>
-            <a:r>
-              <a:rPr lang="en-US" dirty="0" err="1">
-                <a:latin typeface="Courier New" panose="02070309020205020404" pitchFamily="49" charset="0"/>
-                <a:cs typeface="Courier New" panose="02070309020205020404" pitchFamily="49" charset="0"/>
-              </a:rPr>
-              <a:t>wp_deregister_script</a:t>
-            </a:r>
-            <a:r>
-              <a:rPr lang="en-US" dirty="0">
-                <a:latin typeface="Courier New" panose="02070309020205020404" pitchFamily="49" charset="0"/>
-                <a:cs typeface="Courier New" panose="02070309020205020404" pitchFamily="49" charset="0"/>
-              </a:rPr>
-              <a:t>('</a:t>
-            </a:r>
-            <a:r>
-              <a:rPr lang="en-US" dirty="0" err="1">
-                <a:latin typeface="Courier New" panose="02070309020205020404" pitchFamily="49" charset="0"/>
-                <a:cs typeface="Courier New" panose="02070309020205020404" pitchFamily="49" charset="0"/>
-              </a:rPr>
-              <a:t>jquery</a:t>
-            </a:r>
-            <a:r>
-              <a:rPr lang="en-US" dirty="0">
-                <a:latin typeface="Courier New" panose="02070309020205020404" pitchFamily="49" charset="0"/>
-                <a:cs typeface="Courier New" panose="02070309020205020404" pitchFamily="49" charset="0"/>
-              </a:rPr>
-              <a:t>');</a:t>
+              <a:t>    background-color: #ccc;</a:t>
             </a:r>
           </a:p>
           <a:p>
@@ -8767,63 +9290,7 @@
                 <a:latin typeface="Courier New" panose="02070309020205020404" pitchFamily="49" charset="0"/>
                 <a:cs typeface="Courier New" panose="02070309020205020404" pitchFamily="49" charset="0"/>
               </a:rPr>
-              <a:t>    </a:t>
-            </a:r>
-            <a:r>
-              <a:rPr lang="en-US" dirty="0" err="1">
-                <a:latin typeface="Courier New" panose="02070309020205020404" pitchFamily="49" charset="0"/>
-                <a:cs typeface="Courier New" panose="02070309020205020404" pitchFamily="49" charset="0"/>
-              </a:rPr>
-              <a:t>wp_register_script</a:t>
-            </a:r>
-            <a:r>
-              <a:rPr lang="en-US" dirty="0">
-                <a:latin typeface="Courier New" panose="02070309020205020404" pitchFamily="49" charset="0"/>
-                <a:cs typeface="Courier New" panose="02070309020205020404" pitchFamily="49" charset="0"/>
-              </a:rPr>
-              <a:t>('</a:t>
-            </a:r>
-            <a:r>
-              <a:rPr lang="en-US" dirty="0" err="1">
-                <a:latin typeface="Courier New" panose="02070309020205020404" pitchFamily="49" charset="0"/>
-                <a:cs typeface="Courier New" panose="02070309020205020404" pitchFamily="49" charset="0"/>
-              </a:rPr>
-              <a:t>jquery</a:t>
-            </a:r>
-            <a:r>
-              <a:rPr lang="en-US" dirty="0">
-                <a:latin typeface="Courier New" panose="02070309020205020404" pitchFamily="49" charset="0"/>
-                <a:cs typeface="Courier New" panose="02070309020205020404" pitchFamily="49" charset="0"/>
-              </a:rPr>
-              <a:t>', </a:t>
-            </a:r>
-            <a:r>
-              <a:rPr lang="en-US" dirty="0" err="1">
-                <a:latin typeface="Courier New" panose="02070309020205020404" pitchFamily="49" charset="0"/>
-                <a:cs typeface="Courier New" panose="02070309020205020404" pitchFamily="49" charset="0"/>
-              </a:rPr>
-              <a:t>get_template_directory_uri</a:t>
-            </a:r>
-            <a:r>
-              <a:rPr lang="en-US" dirty="0">
-                <a:latin typeface="Courier New" panose="02070309020205020404" pitchFamily="49" charset="0"/>
-                <a:cs typeface="Courier New" panose="02070309020205020404" pitchFamily="49" charset="0"/>
-              </a:rPr>
-              <a:t>() . '/</a:t>
-            </a:r>
-            <a:r>
-              <a:rPr lang="en-US" dirty="0" err="1">
-                <a:latin typeface="Courier New" panose="02070309020205020404" pitchFamily="49" charset="0"/>
-                <a:cs typeface="Courier New" panose="02070309020205020404" pitchFamily="49" charset="0"/>
-              </a:rPr>
-              <a:t>js</a:t>
-            </a:r>
-            <a:r>
-              <a:rPr lang="en-US" dirty="0">
-                <a:latin typeface="Courier New" panose="02070309020205020404" pitchFamily="49" charset="0"/>
-                <a:cs typeface="Courier New" panose="02070309020205020404" pitchFamily="49" charset="0"/>
-              </a:rPr>
-              <a:t>/jquery-3.4.1.min.js', array(), 1, true);</a:t>
+              <a:t>}</a:t>
             </a:r>
             <a:endParaRPr lang="pt-BR" dirty="0">
               <a:latin typeface="Courier New" panose="02070309020205020404" pitchFamily="49" charset="0"/>
@@ -8835,7 +9302,7 @@
     </p:spTree>
     <p:extLst>
       <p:ext uri="{BB962C8B-B14F-4D97-AF65-F5344CB8AC3E}">
-        <p14:creationId xmlns:p14="http://schemas.microsoft.com/office/powerpoint/2010/main" val="843939500"/>
+        <p14:creationId xmlns:p14="http://schemas.microsoft.com/office/powerpoint/2010/main" val="449393554"/>
       </p:ext>
     </p:extLst>
   </p:cSld>
@@ -8975,8 +9442,13 @@
           <a:p>
             <a:r>
               <a:rPr lang="pt-BR" dirty="0"/>
-              <a:t>Inserção de scripts adicionais</a:t>
-            </a:r>
+              <a:t>Arquivo da biblioteca </a:t>
+            </a:r>
+            <a:r>
+              <a:rPr lang="pt-BR" dirty="0" err="1"/>
+              <a:t>jQuery</a:t>
+            </a:r>
+            <a:endParaRPr lang="pt-BR" dirty="0"/>
           </a:p>
         </p:txBody>
       </p:sp>
@@ -8993,237 +9465,44 @@
         <p:spPr/>
         <p:txBody>
           <a:bodyPr>
-            <a:normAutofit fontScale="85000" lnSpcReduction="10000"/>
+            <a:normAutofit/>
           </a:bodyPr>
           <a:lstStyle/>
           <a:p>
             <a:r>
-              <a:rPr lang="en-US" dirty="0"/>
-              <a:t>No </a:t>
-            </a:r>
-            <a:r>
-              <a:rPr lang="en-US" dirty="0" err="1"/>
-              <a:t>arquivo</a:t>
-            </a:r>
-            <a:r>
-              <a:rPr lang="en-US" dirty="0"/>
-              <a:t> </a:t>
-            </a:r>
-            <a:r>
-              <a:rPr lang="en-US" dirty="0" err="1">
-                <a:latin typeface="Courier New" panose="02070309020205020404" pitchFamily="49" charset="0"/>
-                <a:cs typeface="Courier New" panose="02070309020205020404" pitchFamily="49" charset="0"/>
-              </a:rPr>
-              <a:t>functions.php</a:t>
-            </a:r>
-            <a:r>
-              <a:rPr lang="en-US" dirty="0"/>
-              <a:t>, </a:t>
-            </a:r>
-            <a:r>
-              <a:rPr lang="en-US" dirty="0" err="1"/>
-              <a:t>insira</a:t>
-            </a:r>
-            <a:r>
-              <a:rPr lang="en-US" dirty="0"/>
-              <a:t> o </a:t>
-            </a:r>
-            <a:r>
-              <a:rPr lang="en-US" dirty="0" err="1"/>
-              <a:t>seguinte</a:t>
-            </a:r>
-            <a:r>
-              <a:rPr lang="en-US" dirty="0"/>
-              <a:t> </a:t>
-            </a:r>
-            <a:r>
-              <a:rPr lang="en-US" dirty="0" err="1"/>
-              <a:t>código</a:t>
-            </a:r>
-            <a:r>
-              <a:rPr lang="en-US" dirty="0"/>
-              <a:t>:</a:t>
-            </a:r>
-            <a:endParaRPr lang="en-US" dirty="0">
+              <a:rPr lang="pt-BR" dirty="0"/>
+              <a:t>Adicione ao diretório </a:t>
+            </a:r>
+            <a:r>
+              <a:rPr lang="pt-BR" dirty="0" err="1">
+                <a:latin typeface="Courier New" panose="02070309020205020404" pitchFamily="49" charset="0"/>
+                <a:cs typeface="Courier New" panose="02070309020205020404" pitchFamily="49" charset="0"/>
+              </a:rPr>
+              <a:t>js</a:t>
+            </a:r>
+            <a:r>
+              <a:rPr lang="pt-BR" dirty="0"/>
+              <a:t> o arquivo da biblioteca </a:t>
+            </a:r>
+            <a:r>
+              <a:rPr lang="pt-BR" dirty="0" err="1"/>
+              <a:t>jQuery</a:t>
+            </a:r>
+            <a:r>
+              <a:rPr lang="pt-BR" dirty="0"/>
+              <a:t> que pretende usar.</a:t>
+            </a:r>
+            <a:endParaRPr lang="pt-BR" dirty="0">
               <a:latin typeface="Courier New" panose="02070309020205020404" pitchFamily="49" charset="0"/>
               <a:cs typeface="Courier New" panose="02070309020205020404" pitchFamily="49" charset="0"/>
             </a:endParaRPr>
           </a:p>
-          <a:p>
-            <a:pPr algn="l"/>
-            <a:r>
-              <a:rPr lang="en-US" dirty="0">
-                <a:latin typeface="Courier New" panose="02070309020205020404" pitchFamily="49" charset="0"/>
-                <a:cs typeface="Courier New" panose="02070309020205020404" pitchFamily="49" charset="0"/>
-              </a:rPr>
-              <a:t>    </a:t>
-            </a:r>
-            <a:r>
-              <a:rPr lang="en-US" dirty="0" err="1">
-                <a:latin typeface="Courier New" panose="02070309020205020404" pitchFamily="49" charset="0"/>
-                <a:cs typeface="Courier New" panose="02070309020205020404" pitchFamily="49" charset="0"/>
-              </a:rPr>
-              <a:t>wp_enqueue_script</a:t>
-            </a:r>
-            <a:r>
-              <a:rPr lang="en-US" dirty="0">
-                <a:latin typeface="Courier New" panose="02070309020205020404" pitchFamily="49" charset="0"/>
-                <a:cs typeface="Courier New" panose="02070309020205020404" pitchFamily="49" charset="0"/>
-              </a:rPr>
-              <a:t>('</a:t>
-            </a:r>
-            <a:r>
-              <a:rPr lang="en-US" dirty="0" err="1">
-                <a:latin typeface="Courier New" panose="02070309020205020404" pitchFamily="49" charset="0"/>
-                <a:cs typeface="Courier New" panose="02070309020205020404" pitchFamily="49" charset="0"/>
-              </a:rPr>
-              <a:t>jquery</a:t>
-            </a:r>
-            <a:r>
-              <a:rPr lang="en-US" dirty="0">
-                <a:latin typeface="Courier New" panose="02070309020205020404" pitchFamily="49" charset="0"/>
-                <a:cs typeface="Courier New" panose="02070309020205020404" pitchFamily="49" charset="0"/>
-              </a:rPr>
-              <a:t>');</a:t>
-            </a:r>
-          </a:p>
-          <a:p>
-            <a:pPr algn="l"/>
-            <a:r>
-              <a:rPr lang="en-US" dirty="0">
-                <a:latin typeface="Courier New" panose="02070309020205020404" pitchFamily="49" charset="0"/>
-                <a:cs typeface="Courier New" panose="02070309020205020404" pitchFamily="49" charset="0"/>
-              </a:rPr>
-              <a:t>    </a:t>
-            </a:r>
-            <a:r>
-              <a:rPr lang="en-US" dirty="0" err="1">
-                <a:latin typeface="Courier New" panose="02070309020205020404" pitchFamily="49" charset="0"/>
-                <a:cs typeface="Courier New" panose="02070309020205020404" pitchFamily="49" charset="0"/>
-              </a:rPr>
-              <a:t>wp_register_script</a:t>
-            </a:r>
-            <a:r>
-              <a:rPr lang="en-US" dirty="0">
-                <a:latin typeface="Courier New" panose="02070309020205020404" pitchFamily="49" charset="0"/>
-                <a:cs typeface="Courier New" panose="02070309020205020404" pitchFamily="49" charset="0"/>
-              </a:rPr>
-              <a:t>('script', </a:t>
-            </a:r>
-            <a:r>
-              <a:rPr lang="en-US" dirty="0" err="1">
-                <a:latin typeface="Courier New" panose="02070309020205020404" pitchFamily="49" charset="0"/>
-                <a:cs typeface="Courier New" panose="02070309020205020404" pitchFamily="49" charset="0"/>
-              </a:rPr>
-              <a:t>get_template_directory_uri</a:t>
-            </a:r>
-            <a:r>
-              <a:rPr lang="en-US" dirty="0">
-                <a:latin typeface="Courier New" panose="02070309020205020404" pitchFamily="49" charset="0"/>
-                <a:cs typeface="Courier New" panose="02070309020205020404" pitchFamily="49" charset="0"/>
-              </a:rPr>
-              <a:t>() . '/</a:t>
-            </a:r>
-            <a:r>
-              <a:rPr lang="en-US" dirty="0" err="1">
-                <a:latin typeface="Courier New" panose="02070309020205020404" pitchFamily="49" charset="0"/>
-                <a:cs typeface="Courier New" panose="02070309020205020404" pitchFamily="49" charset="0"/>
-              </a:rPr>
-              <a:t>js</a:t>
-            </a:r>
-            <a:r>
-              <a:rPr lang="en-US" dirty="0">
-                <a:latin typeface="Courier New" panose="02070309020205020404" pitchFamily="49" charset="0"/>
-                <a:cs typeface="Courier New" panose="02070309020205020404" pitchFamily="49" charset="0"/>
-              </a:rPr>
-              <a:t>/scripts.js', array(), 1, true);</a:t>
-            </a:r>
-          </a:p>
-          <a:p>
-            <a:pPr algn="l"/>
-            <a:r>
-              <a:rPr lang="en-US" dirty="0">
-                <a:latin typeface="Courier New" panose="02070309020205020404" pitchFamily="49" charset="0"/>
-                <a:cs typeface="Courier New" panose="02070309020205020404" pitchFamily="49" charset="0"/>
-              </a:rPr>
-              <a:t>    </a:t>
-            </a:r>
-            <a:r>
-              <a:rPr lang="en-US" dirty="0" err="1">
-                <a:latin typeface="Courier New" panose="02070309020205020404" pitchFamily="49" charset="0"/>
-                <a:cs typeface="Courier New" panose="02070309020205020404" pitchFamily="49" charset="0"/>
-              </a:rPr>
-              <a:t>wp_enqueue_script</a:t>
-            </a:r>
-            <a:r>
-              <a:rPr lang="en-US" dirty="0">
-                <a:latin typeface="Courier New" panose="02070309020205020404" pitchFamily="49" charset="0"/>
-                <a:cs typeface="Courier New" panose="02070309020205020404" pitchFamily="49" charset="0"/>
-              </a:rPr>
-              <a:t>('script');</a:t>
-            </a:r>
-          </a:p>
-          <a:p>
-            <a:pPr algn="l"/>
-            <a:r>
-              <a:rPr lang="en-US" dirty="0">
-                <a:latin typeface="Courier New" panose="02070309020205020404" pitchFamily="49" charset="0"/>
-                <a:cs typeface="Courier New" panose="02070309020205020404" pitchFamily="49" charset="0"/>
-              </a:rPr>
-              <a:t>}</a:t>
-            </a:r>
-          </a:p>
-          <a:p>
-            <a:pPr algn="l"/>
-            <a:r>
-              <a:rPr lang="en-US" dirty="0" err="1">
-                <a:latin typeface="Courier New" panose="02070309020205020404" pitchFamily="49" charset="0"/>
-                <a:cs typeface="Courier New" panose="02070309020205020404" pitchFamily="49" charset="0"/>
-              </a:rPr>
-              <a:t>add_action</a:t>
-            </a:r>
-            <a:r>
-              <a:rPr lang="en-US" dirty="0">
-                <a:latin typeface="Courier New" panose="02070309020205020404" pitchFamily="49" charset="0"/>
-                <a:cs typeface="Courier New" panose="02070309020205020404" pitchFamily="49" charset="0"/>
-              </a:rPr>
-              <a:t>('</a:t>
-            </a:r>
-            <a:r>
-              <a:rPr lang="en-US" dirty="0" err="1">
-                <a:latin typeface="Courier New" panose="02070309020205020404" pitchFamily="49" charset="0"/>
-                <a:cs typeface="Courier New" panose="02070309020205020404" pitchFamily="49" charset="0"/>
-              </a:rPr>
-              <a:t>wp_enqueue_scripts</a:t>
-            </a:r>
-            <a:r>
-              <a:rPr lang="en-US" dirty="0">
-                <a:latin typeface="Courier New" panose="02070309020205020404" pitchFamily="49" charset="0"/>
-                <a:cs typeface="Courier New" panose="02070309020205020404" pitchFamily="49" charset="0"/>
-              </a:rPr>
-              <a:t>', ' </a:t>
-            </a:r>
-            <a:r>
-              <a:rPr lang="en-US" dirty="0" err="1">
-                <a:latin typeface="Courier New" panose="02070309020205020404" pitchFamily="49" charset="0"/>
-                <a:cs typeface="Courier New" panose="02070309020205020404" pitchFamily="49" charset="0"/>
-              </a:rPr>
-              <a:t>adicionar_scripts</a:t>
-            </a:r>
-            <a:r>
-              <a:rPr lang="en-US" dirty="0">
-                <a:latin typeface="Courier New" panose="02070309020205020404" pitchFamily="49" charset="0"/>
-                <a:cs typeface="Courier New" panose="02070309020205020404" pitchFamily="49" charset="0"/>
-              </a:rPr>
-              <a:t>');</a:t>
-            </a:r>
-          </a:p>
         </p:txBody>
       </p:sp>
     </p:spTree>
     <p:extLst>
       <p:ext uri="{BB962C8B-B14F-4D97-AF65-F5344CB8AC3E}">
-        <p14:creationId xmlns:p14="http://schemas.microsoft.com/office/powerpoint/2010/main" val="711182316"/>
+        <p14:creationId xmlns:p14="http://schemas.microsoft.com/office/powerpoint/2010/main" val="1554053278"/>
       </p:ext>
     </p:extLst>
   </p:cSld>
@@ -9267,7 +9546,7 @@
           <a:p>
             <a:r>
               <a:rPr lang="pt-BR" dirty="0"/>
-              <a:t>Visualização do site</a:t>
+              <a:t>Inserção de scripts adicionais</a:t>
             </a:r>
           </a:p>
         </p:txBody>
@@ -9290,40 +9569,56 @@
           <a:lstStyle/>
           <a:p>
             <a:r>
-              <a:rPr lang="pt-BR" dirty="0"/>
-              <a:t>Insira algum script no arquivo </a:t>
-            </a:r>
-            <a:r>
-              <a:rPr lang="pt-BR" dirty="0">
-                <a:latin typeface="Courier New" panose="02070309020205020404" pitchFamily="49" charset="0"/>
-                <a:cs typeface="Courier New" panose="02070309020205020404" pitchFamily="49" charset="0"/>
-              </a:rPr>
-              <a:t>scripts.js</a:t>
-            </a:r>
-            <a:r>
-              <a:rPr lang="pt-BR" dirty="0"/>
-              <a:t> e visualize o site</a:t>
-            </a:r>
-            <a:r>
               <a:rPr lang="en-US" dirty="0"/>
-              <a:t> para </a:t>
-            </a:r>
-            <a:r>
-              <a:rPr lang="pt-BR" dirty="0"/>
-              <a:t>observar</a:t>
+              <a:t>No </a:t>
+            </a:r>
+            <a:r>
+              <a:rPr lang="en-US" dirty="0" err="1"/>
+              <a:t>arquivo</a:t>
             </a:r>
             <a:r>
               <a:rPr lang="en-US" dirty="0"/>
-              <a:t> a </a:t>
-            </a:r>
-            <a:r>
-              <a:rPr lang="pt-BR" dirty="0"/>
-              <a:t>inserção</a:t>
+              <a:t> </a:t>
+            </a:r>
+            <a:r>
+              <a:rPr lang="en-US" dirty="0" err="1">
+                <a:latin typeface="Courier New" panose="02070309020205020404" pitchFamily="49" charset="0"/>
+                <a:cs typeface="Courier New" panose="02070309020205020404" pitchFamily="49" charset="0"/>
+              </a:rPr>
+              <a:t>functions.php</a:t>
             </a:r>
             <a:r>
               <a:rPr lang="en-US" dirty="0"/>
-              <a:t> do novo script.</a:t>
-            </a:r>
+              <a:t>, </a:t>
+            </a:r>
+            <a:r>
+              <a:rPr lang="en-US" dirty="0" err="1"/>
+              <a:t>insira</a:t>
+            </a:r>
+            <a:r>
+              <a:rPr lang="en-US" dirty="0"/>
+              <a:t> o </a:t>
+            </a:r>
+            <a:r>
+              <a:rPr lang="en-US" dirty="0" err="1"/>
+              <a:t>seguinte</a:t>
+            </a:r>
+            <a:r>
+              <a:rPr lang="en-US" dirty="0"/>
+              <a:t> </a:t>
+            </a:r>
+            <a:r>
+              <a:rPr lang="en-US" dirty="0" err="1"/>
+              <a:t>código</a:t>
+            </a:r>
+            <a:r>
+              <a:rPr lang="en-US" dirty="0"/>
+              <a:t>:</a:t>
+            </a:r>
+            <a:endParaRPr lang="en-US" dirty="0">
+              <a:latin typeface="Courier New" panose="02070309020205020404" pitchFamily="49" charset="0"/>
+              <a:cs typeface="Courier New" panose="02070309020205020404" pitchFamily="49" charset="0"/>
+            </a:endParaRPr>
           </a:p>
           <a:p>
             <a:pPr algn="l"/>
@@ -9332,7 +9627,21 @@
                 <a:latin typeface="Courier New" panose="02070309020205020404" pitchFamily="49" charset="0"/>
                 <a:cs typeface="Courier New" panose="02070309020205020404" pitchFamily="49" charset="0"/>
               </a:rPr>
-              <a:t>$(document).ready(function(){</a:t>
+              <a:t>function </a:t>
+            </a:r>
+            <a:r>
+              <a:rPr lang="en-US" dirty="0" err="1">
+                <a:latin typeface="Courier New" panose="02070309020205020404" pitchFamily="49" charset="0"/>
+                <a:cs typeface="Courier New" panose="02070309020205020404" pitchFamily="49" charset="0"/>
+              </a:rPr>
+              <a:t>adicionar_scripts</a:t>
+            </a:r>
+            <a:r>
+              <a:rPr lang="en-US" dirty="0">
+                <a:latin typeface="Courier New" panose="02070309020205020404" pitchFamily="49" charset="0"/>
+                <a:cs typeface="Courier New" panose="02070309020205020404" pitchFamily="49" charset="0"/>
+              </a:rPr>
+              <a:t>(){</a:t>
             </a:r>
           </a:p>
           <a:p>
@@ -9342,7 +9651,35 @@
                 <a:latin typeface="Courier New" panose="02070309020205020404" pitchFamily="49" charset="0"/>
                 <a:cs typeface="Courier New" panose="02070309020205020404" pitchFamily="49" charset="0"/>
               </a:rPr>
-              <a:t>    alert('oi');</a:t>
+              <a:t>    </a:t>
+            </a:r>
+            <a:r>
+              <a:rPr lang="en-US" dirty="0" err="1">
+                <a:latin typeface="Courier New" panose="02070309020205020404" pitchFamily="49" charset="0"/>
+                <a:cs typeface="Courier New" panose="02070309020205020404" pitchFamily="49" charset="0"/>
+              </a:rPr>
+              <a:t>wp_deregister_script</a:t>
+            </a:r>
+            <a:r>
+              <a:rPr lang="en-US" dirty="0">
+                <a:latin typeface="Courier New" panose="02070309020205020404" pitchFamily="49" charset="0"/>
+                <a:cs typeface="Courier New" panose="02070309020205020404" pitchFamily="49" charset="0"/>
+              </a:rPr>
+              <a:t>('</a:t>
+            </a:r>
+            <a:r>
+              <a:rPr lang="en-US" dirty="0" err="1">
+                <a:latin typeface="Courier New" panose="02070309020205020404" pitchFamily="49" charset="0"/>
+                <a:cs typeface="Courier New" panose="02070309020205020404" pitchFamily="49" charset="0"/>
+              </a:rPr>
+              <a:t>jquery</a:t>
+            </a:r>
+            <a:r>
+              <a:rPr lang="en-US" dirty="0">
+                <a:latin typeface="Courier New" panose="02070309020205020404" pitchFamily="49" charset="0"/>
+                <a:cs typeface="Courier New" panose="02070309020205020404" pitchFamily="49" charset="0"/>
+              </a:rPr>
+              <a:t>');</a:t>
             </a:r>
           </a:p>
           <a:p>
@@ -9352,7 +9689,63 @@
                 <a:latin typeface="Courier New" panose="02070309020205020404" pitchFamily="49" charset="0"/>
                 <a:cs typeface="Courier New" panose="02070309020205020404" pitchFamily="49" charset="0"/>
               </a:rPr>
-              <a:t>});</a:t>
+              <a:t>    </a:t>
+            </a:r>
+            <a:r>
+              <a:rPr lang="en-US" dirty="0" err="1">
+                <a:latin typeface="Courier New" panose="02070309020205020404" pitchFamily="49" charset="0"/>
+                <a:cs typeface="Courier New" panose="02070309020205020404" pitchFamily="49" charset="0"/>
+              </a:rPr>
+              <a:t>wp_register_script</a:t>
+            </a:r>
+            <a:r>
+              <a:rPr lang="en-US" dirty="0">
+                <a:latin typeface="Courier New" panose="02070309020205020404" pitchFamily="49" charset="0"/>
+                <a:cs typeface="Courier New" panose="02070309020205020404" pitchFamily="49" charset="0"/>
+              </a:rPr>
+              <a:t>('</a:t>
+            </a:r>
+            <a:r>
+              <a:rPr lang="en-US" dirty="0" err="1">
+                <a:latin typeface="Courier New" panose="02070309020205020404" pitchFamily="49" charset="0"/>
+                <a:cs typeface="Courier New" panose="02070309020205020404" pitchFamily="49" charset="0"/>
+              </a:rPr>
+              <a:t>jquery</a:t>
+            </a:r>
+            <a:r>
+              <a:rPr lang="en-US" dirty="0">
+                <a:latin typeface="Courier New" panose="02070309020205020404" pitchFamily="49" charset="0"/>
+                <a:cs typeface="Courier New" panose="02070309020205020404" pitchFamily="49" charset="0"/>
+              </a:rPr>
+              <a:t>', </a:t>
+            </a:r>
+            <a:r>
+              <a:rPr lang="en-US" dirty="0" err="1">
+                <a:latin typeface="Courier New" panose="02070309020205020404" pitchFamily="49" charset="0"/>
+                <a:cs typeface="Courier New" panose="02070309020205020404" pitchFamily="49" charset="0"/>
+              </a:rPr>
+              <a:t>get_template_directory_uri</a:t>
+            </a:r>
+            <a:r>
+              <a:rPr lang="en-US" dirty="0">
+                <a:latin typeface="Courier New" panose="02070309020205020404" pitchFamily="49" charset="0"/>
+                <a:cs typeface="Courier New" panose="02070309020205020404" pitchFamily="49" charset="0"/>
+              </a:rPr>
+              <a:t>() . '/</a:t>
+            </a:r>
+            <a:r>
+              <a:rPr lang="en-US" dirty="0" err="1">
+                <a:latin typeface="Courier New" panose="02070309020205020404" pitchFamily="49" charset="0"/>
+                <a:cs typeface="Courier New" panose="02070309020205020404" pitchFamily="49" charset="0"/>
+              </a:rPr>
+              <a:t>js</a:t>
+            </a:r>
+            <a:r>
+              <a:rPr lang="en-US" dirty="0">
+                <a:latin typeface="Courier New" panose="02070309020205020404" pitchFamily="49" charset="0"/>
+                <a:cs typeface="Courier New" panose="02070309020205020404" pitchFamily="49" charset="0"/>
+              </a:rPr>
+              <a:t>/jquery-3.4.1.min.js', array(), 1, true);</a:t>
             </a:r>
             <a:endParaRPr lang="pt-BR" dirty="0">
               <a:latin typeface="Courier New" panose="02070309020205020404" pitchFamily="49" charset="0"/>
@@ -9364,7 +9757,7 @@
     </p:spTree>
     <p:extLst>
       <p:ext uri="{BB962C8B-B14F-4D97-AF65-F5344CB8AC3E}">
-        <p14:creationId xmlns:p14="http://schemas.microsoft.com/office/powerpoint/2010/main" val="1145995629"/>
+        <p14:creationId xmlns:p14="http://schemas.microsoft.com/office/powerpoint/2010/main" val="843939500"/>
       </p:ext>
     </p:extLst>
   </p:cSld>
@@ -9408,7 +9801,7 @@
           <a:p>
             <a:r>
               <a:rPr lang="pt-BR" dirty="0"/>
-              <a:t>Inserção do cabeçalho</a:t>
+              <a:t>Inserção de scripts adicionais</a:t>
             </a:r>
           </a:p>
         </p:txBody>
@@ -9426,131 +9819,237 @@
         <p:spPr/>
         <p:txBody>
           <a:bodyPr>
-            <a:normAutofit fontScale="92500" lnSpcReduction="10000"/>
+            <a:normAutofit fontScale="85000" lnSpcReduction="10000"/>
           </a:bodyPr>
           <a:lstStyle/>
           <a:p>
             <a:r>
-              <a:rPr lang="pt-BR" dirty="0"/>
-              <a:t>No arquivo </a:t>
-            </a:r>
-            <a:r>
-              <a:rPr lang="pt-BR" dirty="0" err="1">
-                <a:latin typeface="Courier New" panose="02070309020205020404" pitchFamily="49" charset="0"/>
-                <a:cs typeface="Courier New" panose="02070309020205020404" pitchFamily="49" charset="0"/>
-              </a:rPr>
-              <a:t>header.php</a:t>
-            </a:r>
-            <a:r>
-              <a:rPr lang="pt-BR" dirty="0"/>
-              <a:t>, insira o elemento </a:t>
-            </a:r>
-            <a:r>
-              <a:rPr lang="pt-BR" dirty="0">
-                <a:latin typeface="Courier New" panose="02070309020205020404" pitchFamily="49" charset="0"/>
-                <a:cs typeface="Courier New" panose="02070309020205020404" pitchFamily="49" charset="0"/>
-              </a:rPr>
-              <a:t>&lt;header&gt;</a:t>
-            </a:r>
-            <a:r>
-              <a:rPr lang="pt-BR" dirty="0"/>
-              <a:t> (vazio) após a abertura da </a:t>
-            </a:r>
-            <a:r>
-              <a:rPr lang="pt-BR" dirty="0" err="1"/>
-              <a:t>tag</a:t>
-            </a:r>
-            <a:r>
-              <a:rPr lang="pt-BR" dirty="0"/>
+              <a:rPr lang="en-US" dirty="0"/>
+              <a:t>No </a:t>
+            </a:r>
+            <a:r>
+              <a:rPr lang="en-US" dirty="0" err="1"/>
+              <a:t>arquivo</a:t>
+            </a:r>
+            <a:r>
+              <a:rPr lang="en-US" dirty="0"/>
               <a:t> </a:t>
             </a:r>
             <a:r>
-              <a:rPr lang="pt-BR" dirty="0" err="1"/>
-              <a:t>body</a:t>
-            </a:r>
-            <a:r>
-              <a:rPr lang="pt-BR" dirty="0"/>
-              <a:t> e crie uma regra CSS para o mesmo</a:t>
+              <a:rPr lang="en-US" dirty="0" err="1">
+                <a:latin typeface="Courier New" panose="02070309020205020404" pitchFamily="49" charset="0"/>
+                <a:cs typeface="Courier New" panose="02070309020205020404" pitchFamily="49" charset="0"/>
+              </a:rPr>
+              <a:t>functions.php</a:t>
+            </a:r>
+            <a:r>
+              <a:rPr lang="en-US" dirty="0"/>
+              <a:t>, </a:t>
+            </a:r>
+            <a:r>
+              <a:rPr lang="en-US" dirty="0" err="1"/>
+              <a:t>insira</a:t>
+            </a:r>
+            <a:r>
+              <a:rPr lang="en-US" dirty="0"/>
+              <a:t> o </a:t>
+            </a:r>
+            <a:r>
+              <a:rPr lang="en-US" dirty="0" err="1"/>
+              <a:t>seguinte</a:t>
+            </a:r>
+            <a:r>
+              <a:rPr lang="en-US" dirty="0"/>
+              <a:t> </a:t>
+            </a:r>
+            <a:r>
+              <a:rPr lang="en-US" dirty="0" err="1"/>
+              <a:t>código</a:t>
             </a:r>
             <a:r>
               <a:rPr lang="en-US" dirty="0"/>
               <a:t>:</a:t>
             </a:r>
-          </a:p>
-          <a:p>
-            <a:pPr algn="l"/>
-            <a:r>
-              <a:rPr lang="en-US" dirty="0">
-                <a:latin typeface="Courier New" panose="02070309020205020404" pitchFamily="49" charset="0"/>
-                <a:cs typeface="Courier New" panose="02070309020205020404" pitchFamily="49" charset="0"/>
-              </a:rPr>
-              <a:t>header{</a:t>
-            </a:r>
-          </a:p>
-          <a:p>
-            <a:pPr algn="l"/>
-            <a:r>
-              <a:rPr lang="en-US" dirty="0">
-                <a:latin typeface="Courier New" panose="02070309020205020404" pitchFamily="49" charset="0"/>
-                <a:cs typeface="Courier New" panose="02070309020205020404" pitchFamily="49" charset="0"/>
-              </a:rPr>
-              <a:t>    background-color: #</a:t>
-            </a:r>
-            <a:r>
-              <a:rPr lang="en-US" dirty="0" err="1">
-                <a:latin typeface="Courier New" panose="02070309020205020404" pitchFamily="49" charset="0"/>
-                <a:cs typeface="Courier New" panose="02070309020205020404" pitchFamily="49" charset="0"/>
-              </a:rPr>
-              <a:t>fff</a:t>
-            </a:r>
-            <a:r>
-              <a:rPr lang="en-US" dirty="0">
-                <a:latin typeface="Courier New" panose="02070309020205020404" pitchFamily="49" charset="0"/>
-                <a:cs typeface="Courier New" panose="02070309020205020404" pitchFamily="49" charset="0"/>
-              </a:rPr>
-              <a:t>;</a:t>
-            </a:r>
-          </a:p>
-          <a:p>
-            <a:pPr algn="l"/>
-            <a:r>
-              <a:rPr lang="en-US" dirty="0">
-                <a:latin typeface="Courier New" panose="02070309020205020404" pitchFamily="49" charset="0"/>
-                <a:cs typeface="Courier New" panose="02070309020205020404" pitchFamily="49" charset="0"/>
-              </a:rPr>
-              <a:t>    width: 100%;</a:t>
-            </a:r>
-          </a:p>
-          <a:p>
-            <a:pPr algn="l"/>
-            <a:r>
-              <a:rPr lang="en-US" dirty="0">
-                <a:latin typeface="Courier New" panose="02070309020205020404" pitchFamily="49" charset="0"/>
-                <a:cs typeface="Courier New" panose="02070309020205020404" pitchFamily="49" charset="0"/>
-              </a:rPr>
-              <a:t>	height: 100px;</a:t>
-            </a:r>
-          </a:p>
-          <a:p>
-            <a:pPr algn="l"/>
-            <a:r>
-              <a:rPr lang="en-US" dirty="0">
-                <a:latin typeface="Courier New" panose="02070309020205020404" pitchFamily="49" charset="0"/>
-                <a:cs typeface="Courier New" panose="02070309020205020404" pitchFamily="49" charset="0"/>
-              </a:rPr>
-              <a:t>}</a:t>
-            </a:r>
-            <a:endParaRPr lang="pt-BR" dirty="0">
+            <a:endParaRPr lang="en-US" dirty="0">
               <a:latin typeface="Courier New" panose="02070309020205020404" pitchFamily="49" charset="0"/>
               <a:cs typeface="Courier New" panose="02070309020205020404" pitchFamily="49" charset="0"/>
             </a:endParaRPr>
           </a:p>
+          <a:p>
+            <a:pPr algn="l"/>
+            <a:r>
+              <a:rPr lang="en-US" dirty="0">
+                <a:latin typeface="Courier New" panose="02070309020205020404" pitchFamily="49" charset="0"/>
+                <a:cs typeface="Courier New" panose="02070309020205020404" pitchFamily="49" charset="0"/>
+              </a:rPr>
+              <a:t>    </a:t>
+            </a:r>
+            <a:r>
+              <a:rPr lang="en-US" dirty="0" err="1">
+                <a:latin typeface="Courier New" panose="02070309020205020404" pitchFamily="49" charset="0"/>
+                <a:cs typeface="Courier New" panose="02070309020205020404" pitchFamily="49" charset="0"/>
+              </a:rPr>
+              <a:t>wp_enqueue_script</a:t>
+            </a:r>
+            <a:r>
+              <a:rPr lang="en-US" dirty="0">
+                <a:latin typeface="Courier New" panose="02070309020205020404" pitchFamily="49" charset="0"/>
+                <a:cs typeface="Courier New" panose="02070309020205020404" pitchFamily="49" charset="0"/>
+              </a:rPr>
+              <a:t>('</a:t>
+            </a:r>
+            <a:r>
+              <a:rPr lang="en-US" dirty="0" err="1">
+                <a:latin typeface="Courier New" panose="02070309020205020404" pitchFamily="49" charset="0"/>
+                <a:cs typeface="Courier New" panose="02070309020205020404" pitchFamily="49" charset="0"/>
+              </a:rPr>
+              <a:t>jquery</a:t>
+            </a:r>
+            <a:r>
+              <a:rPr lang="en-US" dirty="0">
+                <a:latin typeface="Courier New" panose="02070309020205020404" pitchFamily="49" charset="0"/>
+                <a:cs typeface="Courier New" panose="02070309020205020404" pitchFamily="49" charset="0"/>
+              </a:rPr>
+              <a:t>');</a:t>
+            </a:r>
+          </a:p>
+          <a:p>
+            <a:pPr algn="l"/>
+            <a:r>
+              <a:rPr lang="en-US" dirty="0">
+                <a:latin typeface="Courier New" panose="02070309020205020404" pitchFamily="49" charset="0"/>
+                <a:cs typeface="Courier New" panose="02070309020205020404" pitchFamily="49" charset="0"/>
+              </a:rPr>
+              <a:t>    </a:t>
+            </a:r>
+            <a:r>
+              <a:rPr lang="en-US" dirty="0" err="1">
+                <a:latin typeface="Courier New" panose="02070309020205020404" pitchFamily="49" charset="0"/>
+                <a:cs typeface="Courier New" panose="02070309020205020404" pitchFamily="49" charset="0"/>
+              </a:rPr>
+              <a:t>wp_register_script</a:t>
+            </a:r>
+            <a:r>
+              <a:rPr lang="en-US" dirty="0">
+                <a:latin typeface="Courier New" panose="02070309020205020404" pitchFamily="49" charset="0"/>
+                <a:cs typeface="Courier New" panose="02070309020205020404" pitchFamily="49" charset="0"/>
+              </a:rPr>
+              <a:t>('script', </a:t>
+            </a:r>
+            <a:r>
+              <a:rPr lang="en-US" dirty="0" err="1">
+                <a:latin typeface="Courier New" panose="02070309020205020404" pitchFamily="49" charset="0"/>
+                <a:cs typeface="Courier New" panose="02070309020205020404" pitchFamily="49" charset="0"/>
+              </a:rPr>
+              <a:t>get_template_directory_uri</a:t>
+            </a:r>
+            <a:r>
+              <a:rPr lang="en-US" dirty="0">
+                <a:latin typeface="Courier New" panose="02070309020205020404" pitchFamily="49" charset="0"/>
+                <a:cs typeface="Courier New" panose="02070309020205020404" pitchFamily="49" charset="0"/>
+              </a:rPr>
+              <a:t>() . '/</a:t>
+            </a:r>
+            <a:r>
+              <a:rPr lang="en-US" dirty="0" err="1">
+                <a:latin typeface="Courier New" panose="02070309020205020404" pitchFamily="49" charset="0"/>
+                <a:cs typeface="Courier New" panose="02070309020205020404" pitchFamily="49" charset="0"/>
+              </a:rPr>
+              <a:t>js</a:t>
+            </a:r>
+            <a:r>
+              <a:rPr lang="en-US" dirty="0">
+                <a:latin typeface="Courier New" panose="02070309020205020404" pitchFamily="49" charset="0"/>
+                <a:cs typeface="Courier New" panose="02070309020205020404" pitchFamily="49" charset="0"/>
+              </a:rPr>
+              <a:t>/scripts.js', array(), 1, true);</a:t>
+            </a:r>
+          </a:p>
+          <a:p>
+            <a:pPr algn="l"/>
+            <a:r>
+              <a:rPr lang="en-US" dirty="0">
+                <a:latin typeface="Courier New" panose="02070309020205020404" pitchFamily="49" charset="0"/>
+                <a:cs typeface="Courier New" panose="02070309020205020404" pitchFamily="49" charset="0"/>
+              </a:rPr>
+              <a:t>    </a:t>
+            </a:r>
+            <a:r>
+              <a:rPr lang="en-US" dirty="0" err="1">
+                <a:latin typeface="Courier New" panose="02070309020205020404" pitchFamily="49" charset="0"/>
+                <a:cs typeface="Courier New" panose="02070309020205020404" pitchFamily="49" charset="0"/>
+              </a:rPr>
+              <a:t>wp_enqueue_script</a:t>
+            </a:r>
+            <a:r>
+              <a:rPr lang="en-US" dirty="0">
+                <a:latin typeface="Courier New" panose="02070309020205020404" pitchFamily="49" charset="0"/>
+                <a:cs typeface="Courier New" panose="02070309020205020404" pitchFamily="49" charset="0"/>
+              </a:rPr>
+              <a:t>('script');</a:t>
+            </a:r>
+          </a:p>
+          <a:p>
+            <a:pPr algn="l"/>
+            <a:r>
+              <a:rPr lang="en-US" dirty="0">
+                <a:latin typeface="Courier New" panose="02070309020205020404" pitchFamily="49" charset="0"/>
+                <a:cs typeface="Courier New" panose="02070309020205020404" pitchFamily="49" charset="0"/>
+              </a:rPr>
+              <a:t>}</a:t>
+            </a:r>
+          </a:p>
+          <a:p>
+            <a:pPr algn="l"/>
+            <a:r>
+              <a:rPr lang="en-US" dirty="0" err="1">
+                <a:latin typeface="Courier New" panose="02070309020205020404" pitchFamily="49" charset="0"/>
+                <a:cs typeface="Courier New" panose="02070309020205020404" pitchFamily="49" charset="0"/>
+              </a:rPr>
+              <a:t>add_action</a:t>
+            </a:r>
+            <a:r>
+              <a:rPr lang="en-US" dirty="0">
+                <a:latin typeface="Courier New" panose="02070309020205020404" pitchFamily="49" charset="0"/>
+                <a:cs typeface="Courier New" panose="02070309020205020404" pitchFamily="49" charset="0"/>
+              </a:rPr>
+              <a:t>('</a:t>
+            </a:r>
+            <a:r>
+              <a:rPr lang="en-US" dirty="0" err="1">
+                <a:latin typeface="Courier New" panose="02070309020205020404" pitchFamily="49" charset="0"/>
+                <a:cs typeface="Courier New" panose="02070309020205020404" pitchFamily="49" charset="0"/>
+              </a:rPr>
+              <a:t>wp_enqueue_scripts</a:t>
+            </a:r>
+            <a:r>
+              <a:rPr lang="en-US" dirty="0">
+                <a:latin typeface="Courier New" panose="02070309020205020404" pitchFamily="49" charset="0"/>
+                <a:cs typeface="Courier New" panose="02070309020205020404" pitchFamily="49" charset="0"/>
+              </a:rPr>
+              <a:t>', '</a:t>
+            </a:r>
+            <a:r>
+              <a:rPr lang="en-US" dirty="0" err="1">
+                <a:latin typeface="Courier New" panose="02070309020205020404" pitchFamily="49" charset="0"/>
+                <a:cs typeface="Courier New" panose="02070309020205020404" pitchFamily="49" charset="0"/>
+              </a:rPr>
+              <a:t>adicionar_scripts</a:t>
+            </a:r>
+            <a:r>
+              <a:rPr lang="en-US" dirty="0">
+                <a:latin typeface="Courier New" panose="02070309020205020404" pitchFamily="49" charset="0"/>
+                <a:cs typeface="Courier New" panose="02070309020205020404" pitchFamily="49" charset="0"/>
+              </a:rPr>
+              <a:t>');</a:t>
+            </a:r>
+          </a:p>
         </p:txBody>
       </p:sp>
     </p:spTree>
     <p:extLst>
       <p:ext uri="{BB962C8B-B14F-4D97-AF65-F5344CB8AC3E}">
-        <p14:creationId xmlns:p14="http://schemas.microsoft.com/office/powerpoint/2010/main" val="3655724266"/>
+        <p14:creationId xmlns:p14="http://schemas.microsoft.com/office/powerpoint/2010/main" val="711182316"/>
       </p:ext>
     </p:extLst>
   </p:cSld>
@@ -9594,7 +10093,7 @@
           <a:p>
             <a:r>
               <a:rPr lang="pt-BR" dirty="0"/>
-              <a:t>Inserção do conteúdo</a:t>
+              <a:t>Visualização do site</a:t>
             </a:r>
           </a:p>
         </p:txBody>
@@ -9618,68 +10117,38 @@
           <a:p>
             <a:r>
               <a:rPr lang="pt-BR" dirty="0"/>
-              <a:t>No arquivo </a:t>
+              <a:t>Insira algum script no arquivo </a:t>
             </a:r>
             <a:r>
               <a:rPr lang="pt-BR" dirty="0">
                 <a:latin typeface="Courier New" panose="02070309020205020404" pitchFamily="49" charset="0"/>
                 <a:cs typeface="Courier New" panose="02070309020205020404" pitchFamily="49" charset="0"/>
               </a:rPr>
-              <a:t>front-</a:t>
-            </a:r>
-            <a:r>
-              <a:rPr lang="pt-BR" dirty="0" err="1">
-                <a:latin typeface="Courier New" panose="02070309020205020404" pitchFamily="49" charset="0"/>
-                <a:cs typeface="Courier New" panose="02070309020205020404" pitchFamily="49" charset="0"/>
-              </a:rPr>
-              <a:t>page.php</a:t>
-            </a:r>
-            <a:r>
-              <a:rPr lang="pt-BR" dirty="0"/>
-              <a:t>, substitua o conteúdo do elemento </a:t>
-            </a:r>
-            <a:r>
-              <a:rPr lang="pt-BR" dirty="0">
-                <a:latin typeface="Courier New" panose="02070309020205020404" pitchFamily="49" charset="0"/>
-                <a:cs typeface="Courier New" panose="02070309020205020404" pitchFamily="49" charset="0"/>
-              </a:rPr>
-              <a:t>&lt;</a:t>
-            </a:r>
-            <a:r>
-              <a:rPr lang="pt-BR" dirty="0" err="1">
-                <a:latin typeface="Courier New" panose="02070309020205020404" pitchFamily="49" charset="0"/>
-                <a:cs typeface="Courier New" panose="02070309020205020404" pitchFamily="49" charset="0"/>
-              </a:rPr>
-              <a:t>div</a:t>
-            </a:r>
-            <a:r>
-              <a:rPr lang="pt-BR" dirty="0">
-                <a:latin typeface="Courier New" panose="02070309020205020404" pitchFamily="49" charset="0"/>
-                <a:cs typeface="Courier New" panose="02070309020205020404" pitchFamily="49" charset="0"/>
-              </a:rPr>
-              <a:t> </a:t>
-            </a:r>
-            <a:r>
-              <a:rPr lang="pt-BR" dirty="0" err="1">
-                <a:latin typeface="Courier New" panose="02070309020205020404" pitchFamily="49" charset="0"/>
-                <a:cs typeface="Courier New" panose="02070309020205020404" pitchFamily="49" charset="0"/>
-              </a:rPr>
-              <a:t>class</a:t>
-            </a:r>
-            <a:r>
-              <a:rPr lang="pt-BR" dirty="0">
-                <a:latin typeface="Courier New" panose="02070309020205020404" pitchFamily="49" charset="0"/>
-                <a:cs typeface="Courier New" panose="02070309020205020404" pitchFamily="49" charset="0"/>
-              </a:rPr>
-              <a:t>=“container”&gt;</a:t>
-            </a:r>
-            <a:r>
-              <a:rPr lang="pt-BR" dirty="0"/>
-              <a:t>, para exibir o título da página inicial</a:t>
+              <a:t>scripts.js</a:t>
+            </a:r>
+            <a:r>
+              <a:rPr lang="pt-BR" dirty="0"/>
+              <a:t> e visualize o site</a:t>
             </a:r>
             <a:r>
               <a:rPr lang="en-US" dirty="0"/>
-              <a:t>:</a:t>
+              <a:t> para </a:t>
+            </a:r>
+            <a:r>
+              <a:rPr lang="pt-BR" dirty="0"/>
+              <a:t>observar</a:t>
+            </a:r>
+            <a:r>
+              <a:rPr lang="en-US" dirty="0"/>
+              <a:t> a </a:t>
+            </a:r>
+            <a:r>
+              <a:rPr lang="pt-BR" dirty="0"/>
+              <a:t>inserção</a:t>
+            </a:r>
+            <a:r>
+              <a:rPr lang="en-US" dirty="0"/>
+              <a:t> do novo script.</a:t>
             </a:r>
           </a:p>
           <a:p>
@@ -9689,7 +10158,7 @@
                 <a:latin typeface="Courier New" panose="02070309020205020404" pitchFamily="49" charset="0"/>
                 <a:cs typeface="Courier New" panose="02070309020205020404" pitchFamily="49" charset="0"/>
               </a:rPr>
-              <a:t>&lt;div class="container"&gt;</a:t>
+              <a:t>$(document).ready(function(){</a:t>
             </a:r>
           </a:p>
           <a:p>
@@ -9699,21 +10168,7 @@
                 <a:latin typeface="Courier New" panose="02070309020205020404" pitchFamily="49" charset="0"/>
                 <a:cs typeface="Courier New" panose="02070309020205020404" pitchFamily="49" charset="0"/>
               </a:rPr>
-              <a:t>    &lt;h1&gt;&lt;?php </a:t>
-            </a:r>
-            <a:r>
-              <a:rPr lang="en-US" dirty="0" err="1">
-                <a:latin typeface="Courier New" panose="02070309020205020404" pitchFamily="49" charset="0"/>
-                <a:cs typeface="Courier New" panose="02070309020205020404" pitchFamily="49" charset="0"/>
-              </a:rPr>
-              <a:t>the_title</a:t>
-            </a:r>
-            <a:r>
-              <a:rPr lang="en-US" dirty="0">
-                <a:latin typeface="Courier New" panose="02070309020205020404" pitchFamily="49" charset="0"/>
-                <a:cs typeface="Courier New" panose="02070309020205020404" pitchFamily="49" charset="0"/>
-              </a:rPr>
-              <a:t>(); ?&gt;&lt;/h1&gt;</a:t>
+              <a:t>    alert('oi');</a:t>
             </a:r>
           </a:p>
           <a:p>
@@ -9723,7 +10178,7 @@
                 <a:latin typeface="Courier New" panose="02070309020205020404" pitchFamily="49" charset="0"/>
                 <a:cs typeface="Courier New" panose="02070309020205020404" pitchFamily="49" charset="0"/>
               </a:rPr>
-              <a:t>&lt;/div&gt;</a:t>
+              <a:t>});</a:t>
             </a:r>
             <a:endParaRPr lang="pt-BR" dirty="0">
               <a:latin typeface="Courier New" panose="02070309020205020404" pitchFamily="49" charset="0"/>
@@ -9735,7 +10190,7 @@
     </p:spTree>
     <p:extLst>
       <p:ext uri="{BB962C8B-B14F-4D97-AF65-F5344CB8AC3E}">
-        <p14:creationId xmlns:p14="http://schemas.microsoft.com/office/powerpoint/2010/main" val="3361946354"/>
+        <p14:creationId xmlns:p14="http://schemas.microsoft.com/office/powerpoint/2010/main" val="1145995629"/>
       </p:ext>
     </p:extLst>
   </p:cSld>
@@ -9779,7 +10234,7 @@
           <a:p>
             <a:r>
               <a:rPr lang="pt-BR" dirty="0"/>
-              <a:t>Inserção do conteúdo</a:t>
+              <a:t>Visualização do site</a:t>
             </a:r>
           </a:p>
         </p:txBody>
@@ -9803,29 +10258,11 @@
           <a:p>
             <a:r>
               <a:rPr lang="pt-BR" dirty="0"/>
-              <a:t>Ainda no arquivo </a:t>
-            </a:r>
-            <a:r>
-              <a:rPr lang="pt-BR" dirty="0">
-                <a:latin typeface="Courier New" panose="02070309020205020404" pitchFamily="49" charset="0"/>
-                <a:cs typeface="Courier New" panose="02070309020205020404" pitchFamily="49" charset="0"/>
-              </a:rPr>
-              <a:t>front-</a:t>
-            </a:r>
-            <a:r>
-              <a:rPr lang="pt-BR" dirty="0" err="1">
-                <a:latin typeface="Courier New" panose="02070309020205020404" pitchFamily="49" charset="0"/>
-                <a:cs typeface="Courier New" panose="02070309020205020404" pitchFamily="49" charset="0"/>
-              </a:rPr>
-              <a:t>page.php</a:t>
-            </a:r>
-            <a:r>
-              <a:rPr lang="pt-BR" dirty="0"/>
-              <a:t>, insira o código abaixo após o título, para exibir o corpo da página inicial</a:t>
+              <a:t>Após verificar o funcionamento correto do script adicionado, comente o código antes de prosseguir</a:t>
             </a:r>
             <a:r>
               <a:rPr lang="en-US" dirty="0"/>
-              <a:t>:</a:t>
+              <a:t>.</a:t>
             </a:r>
           </a:p>
           <a:p>
@@ -9835,49 +10272,7 @@
                 <a:latin typeface="Courier New" panose="02070309020205020404" pitchFamily="49" charset="0"/>
                 <a:cs typeface="Courier New" panose="02070309020205020404" pitchFamily="49" charset="0"/>
               </a:rPr>
-              <a:t>&lt;?php if(</a:t>
-            </a:r>
-            <a:r>
-              <a:rPr lang="en-US" dirty="0" err="1">
-                <a:latin typeface="Courier New" panose="02070309020205020404" pitchFamily="49" charset="0"/>
-                <a:cs typeface="Courier New" panose="02070309020205020404" pitchFamily="49" charset="0"/>
-              </a:rPr>
-              <a:t>have_posts</a:t>
-            </a:r>
-            <a:r>
-              <a:rPr lang="en-US" dirty="0">
-                <a:latin typeface="Courier New" panose="02070309020205020404" pitchFamily="49" charset="0"/>
-                <a:cs typeface="Courier New" panose="02070309020205020404" pitchFamily="49" charset="0"/>
-              </a:rPr>
-              <a:t>()) : while(</a:t>
-            </a:r>
-            <a:r>
-              <a:rPr lang="en-US" dirty="0" err="1">
-                <a:latin typeface="Courier New" panose="02070309020205020404" pitchFamily="49" charset="0"/>
-                <a:cs typeface="Courier New" panose="02070309020205020404" pitchFamily="49" charset="0"/>
-              </a:rPr>
-              <a:t>have_posts</a:t>
-            </a:r>
-            <a:r>
-              <a:rPr lang="en-US" dirty="0">
-                <a:latin typeface="Courier New" panose="02070309020205020404" pitchFamily="49" charset="0"/>
-                <a:cs typeface="Courier New" panose="02070309020205020404" pitchFamily="49" charset="0"/>
-              </a:rPr>
-              <a:t>()) : </a:t>
-            </a:r>
-            <a:r>
-              <a:rPr lang="en-US" dirty="0" err="1">
-                <a:latin typeface="Courier New" panose="02070309020205020404" pitchFamily="49" charset="0"/>
-                <a:cs typeface="Courier New" panose="02070309020205020404" pitchFamily="49" charset="0"/>
-              </a:rPr>
-              <a:t>the_post</a:t>
-            </a:r>
-            <a:r>
-              <a:rPr lang="en-US" dirty="0">
-                <a:latin typeface="Courier New" panose="02070309020205020404" pitchFamily="49" charset="0"/>
-                <a:cs typeface="Courier New" panose="02070309020205020404" pitchFamily="49" charset="0"/>
-              </a:rPr>
-              <a:t>(); ?&gt;</a:t>
+              <a:t>$(document).ready(function(){</a:t>
             </a:r>
           </a:p>
           <a:p>
@@ -9887,21 +10282,7 @@
                 <a:latin typeface="Courier New" panose="02070309020205020404" pitchFamily="49" charset="0"/>
                 <a:cs typeface="Courier New" panose="02070309020205020404" pitchFamily="49" charset="0"/>
               </a:rPr>
-              <a:t>    &lt;?php </a:t>
-            </a:r>
-            <a:r>
-              <a:rPr lang="en-US" dirty="0" err="1">
-                <a:latin typeface="Courier New" panose="02070309020205020404" pitchFamily="49" charset="0"/>
-                <a:cs typeface="Courier New" panose="02070309020205020404" pitchFamily="49" charset="0"/>
-              </a:rPr>
-              <a:t>the_content</a:t>
-            </a:r>
-            <a:r>
-              <a:rPr lang="en-US" dirty="0">
-                <a:latin typeface="Courier New" panose="02070309020205020404" pitchFamily="49" charset="0"/>
-                <a:cs typeface="Courier New" panose="02070309020205020404" pitchFamily="49" charset="0"/>
-              </a:rPr>
-              <a:t>(); ?&gt;</a:t>
+              <a:t>    //alert('oi');</a:t>
             </a:r>
           </a:p>
           <a:p>
@@ -9911,21 +10292,7 @@
                 <a:latin typeface="Courier New" panose="02070309020205020404" pitchFamily="49" charset="0"/>
                 <a:cs typeface="Courier New" panose="02070309020205020404" pitchFamily="49" charset="0"/>
               </a:rPr>
-              <a:t>&lt;?php </a:t>
-            </a:r>
-            <a:r>
-              <a:rPr lang="en-US" dirty="0" err="1">
-                <a:latin typeface="Courier New" panose="02070309020205020404" pitchFamily="49" charset="0"/>
-                <a:cs typeface="Courier New" panose="02070309020205020404" pitchFamily="49" charset="0"/>
-              </a:rPr>
-              <a:t>endwhile</a:t>
-            </a:r>
-            <a:r>
-              <a:rPr lang="en-US" dirty="0">
-                <a:latin typeface="Courier New" panose="02070309020205020404" pitchFamily="49" charset="0"/>
-                <a:cs typeface="Courier New" panose="02070309020205020404" pitchFamily="49" charset="0"/>
-              </a:rPr>
-              <a:t>; endif; ?&gt;</a:t>
+              <a:t>});</a:t>
             </a:r>
             <a:endParaRPr lang="pt-BR" dirty="0">
               <a:latin typeface="Courier New" panose="02070309020205020404" pitchFamily="49" charset="0"/>
@@ -9937,7 +10304,7 @@
     </p:spTree>
     <p:extLst>
       <p:ext uri="{BB962C8B-B14F-4D97-AF65-F5344CB8AC3E}">
-        <p14:creationId xmlns:p14="http://schemas.microsoft.com/office/powerpoint/2010/main" val="1376213679"/>
+        <p14:creationId xmlns:p14="http://schemas.microsoft.com/office/powerpoint/2010/main" val="204113814"/>
       </p:ext>
     </p:extLst>
   </p:cSld>
@@ -9976,73 +10343,142 @@
         </p:nvSpPr>
         <p:spPr/>
         <p:txBody>
+          <a:bodyPr/>
+          <a:lstStyle/>
+          <a:p>
+            <a:r>
+              <a:rPr lang="pt-BR" dirty="0"/>
+              <a:t>Inserção do cabeçalho</a:t>
+            </a:r>
+          </a:p>
+        </p:txBody>
+      </p:sp>
+      <p:sp>
+        <p:nvSpPr>
+          <p:cNvPr id="6" name="Espaço Reservado para Conteúdo 5"/>
+          <p:cNvSpPr>
+            <a:spLocks noGrp="1"/>
+          </p:cNvSpPr>
+          <p:nvPr>
+            <p:ph idx="1"/>
+          </p:nvPr>
+        </p:nvSpPr>
+        <p:spPr/>
+        <p:txBody>
           <a:bodyPr>
-            <a:normAutofit/>
+            <a:normAutofit fontScale="92500" lnSpcReduction="10000"/>
           </a:bodyPr>
           <a:lstStyle/>
           <a:p>
             <a:r>
               <a:rPr lang="pt-BR" dirty="0"/>
-              <a:t>Demais páginas</a:t>
-            </a:r>
-          </a:p>
-        </p:txBody>
-      </p:sp>
-      <p:sp>
-        <p:nvSpPr>
-          <p:cNvPr id="6" name="Espaço Reservado para Conteúdo 5"/>
-          <p:cNvSpPr>
-            <a:spLocks noGrp="1"/>
-          </p:cNvSpPr>
-          <p:nvPr>
-            <p:ph idx="1"/>
-          </p:nvPr>
-        </p:nvSpPr>
-        <p:spPr/>
-        <p:txBody>
-          <a:bodyPr>
-            <a:normAutofit/>
-          </a:bodyPr>
-          <a:lstStyle/>
-          <a:p>
-            <a:r>
-              <a:rPr lang="pt-BR" dirty="0"/>
-              <a:t>Caso ainda não tenha, crie as demais páginas do site, no painel de gerenciamento.</a:t>
-            </a:r>
-          </a:p>
-          <a:p>
-            <a:r>
-              <a:rPr lang="pt-BR" dirty="0"/>
-              <a:t>Copie o código do arquivo </a:t>
+              <a:t>No arquivo </a:t>
+            </a:r>
+            <a:r>
+              <a:rPr lang="pt-BR" dirty="0" err="1">
+                <a:latin typeface="Courier New" panose="02070309020205020404" pitchFamily="49" charset="0"/>
+                <a:cs typeface="Courier New" panose="02070309020205020404" pitchFamily="49" charset="0"/>
+              </a:rPr>
+              <a:t>header.php</a:t>
+            </a:r>
+            <a:r>
+              <a:rPr lang="pt-BR" dirty="0"/>
+              <a:t>, insira o elemento </a:t>
             </a:r>
             <a:r>
               <a:rPr lang="pt-BR" dirty="0">
                 <a:latin typeface="Courier New" panose="02070309020205020404" pitchFamily="49" charset="0"/>
                 <a:cs typeface="Courier New" panose="02070309020205020404" pitchFamily="49" charset="0"/>
               </a:rPr>
-              <a:t>front-</a:t>
-            </a:r>
-            <a:r>
-              <a:rPr lang="pt-BR" dirty="0" err="1">
-                <a:latin typeface="Courier New" panose="02070309020205020404" pitchFamily="49" charset="0"/>
-                <a:cs typeface="Courier New" panose="02070309020205020404" pitchFamily="49" charset="0"/>
-              </a:rPr>
-              <a:t>page.php</a:t>
-            </a:r>
-            <a:r>
-              <a:rPr lang="pt-BR" dirty="0"/>
-              <a:t> para o arquivo </a:t>
-            </a:r>
-            <a:r>
-              <a:rPr lang="pt-BR" dirty="0" err="1">
-                <a:latin typeface="Courier New" panose="02070309020205020404" pitchFamily="49" charset="0"/>
-                <a:cs typeface="Courier New" panose="02070309020205020404" pitchFamily="49" charset="0"/>
-              </a:rPr>
-              <a:t>page.php</a:t>
-            </a:r>
-            <a:r>
-              <a:rPr lang="pt-BR" dirty="0"/>
-              <a:t>.</a:t>
+              <a:t>&lt;header&gt;</a:t>
+            </a:r>
+            <a:r>
+              <a:rPr lang="pt-BR" dirty="0"/>
+              <a:t> (vazio) após a abertura da </a:t>
+            </a:r>
+            <a:r>
+              <a:rPr lang="pt-BR" dirty="0" err="1"/>
+              <a:t>tag</a:t>
+            </a:r>
+            <a:r>
+              <a:rPr lang="pt-BR" dirty="0"/>
+              <a:t> </a:t>
+            </a:r>
+            <a:r>
+              <a:rPr lang="pt-BR" dirty="0" err="1"/>
+              <a:t>body</a:t>
+            </a:r>
+            <a:r>
+              <a:rPr lang="pt-BR" dirty="0"/>
+              <a:t> e crie uma regra CSS para o mesmo</a:t>
+            </a:r>
+            <a:r>
+              <a:rPr lang="en-US" dirty="0"/>
+              <a:t>:</a:t>
+            </a:r>
+          </a:p>
+          <a:p>
+            <a:pPr algn="l"/>
+            <a:r>
+              <a:rPr lang="en-US" dirty="0">
+                <a:latin typeface="Courier New" panose="02070309020205020404" pitchFamily="49" charset="0"/>
+                <a:cs typeface="Courier New" panose="02070309020205020404" pitchFamily="49" charset="0"/>
+              </a:rPr>
+              <a:t>header{</a:t>
+            </a:r>
+          </a:p>
+          <a:p>
+            <a:pPr algn="l"/>
+            <a:r>
+              <a:rPr lang="en-US" dirty="0">
+                <a:latin typeface="Courier New" panose="02070309020205020404" pitchFamily="49" charset="0"/>
+                <a:cs typeface="Courier New" panose="02070309020205020404" pitchFamily="49" charset="0"/>
+              </a:rPr>
+              <a:t>    background-color: #</a:t>
+            </a:r>
+            <a:r>
+              <a:rPr lang="en-US" dirty="0" err="1">
+                <a:latin typeface="Courier New" panose="02070309020205020404" pitchFamily="49" charset="0"/>
+                <a:cs typeface="Courier New" panose="02070309020205020404" pitchFamily="49" charset="0"/>
+              </a:rPr>
+              <a:t>fff</a:t>
+            </a:r>
+            <a:r>
+              <a:rPr lang="en-US" dirty="0">
+                <a:latin typeface="Courier New" panose="02070309020205020404" pitchFamily="49" charset="0"/>
+                <a:cs typeface="Courier New" panose="02070309020205020404" pitchFamily="49" charset="0"/>
+              </a:rPr>
+              <a:t>;</a:t>
+            </a:r>
+          </a:p>
+          <a:p>
+            <a:pPr algn="l"/>
+            <a:r>
+              <a:rPr lang="en-US" dirty="0">
+                <a:latin typeface="Courier New" panose="02070309020205020404" pitchFamily="49" charset="0"/>
+                <a:cs typeface="Courier New" panose="02070309020205020404" pitchFamily="49" charset="0"/>
+              </a:rPr>
+              <a:t>    width: 100%;</a:t>
+            </a:r>
+          </a:p>
+          <a:p>
+            <a:pPr algn="l"/>
+            <a:r>
+              <a:rPr lang="en-US" dirty="0">
+                <a:latin typeface="Courier New" panose="02070309020205020404" pitchFamily="49" charset="0"/>
+                <a:cs typeface="Courier New" panose="02070309020205020404" pitchFamily="49" charset="0"/>
+              </a:rPr>
+              <a:t>	min-height: 100px;</a:t>
+            </a:r>
+          </a:p>
+          <a:p>
+            <a:pPr algn="l"/>
+            <a:r>
+              <a:rPr lang="en-US" dirty="0">
+                <a:latin typeface="Courier New" panose="02070309020205020404" pitchFamily="49" charset="0"/>
+                <a:cs typeface="Courier New" panose="02070309020205020404" pitchFamily="49" charset="0"/>
+              </a:rPr>
+              <a:t>}</a:t>
             </a:r>
             <a:endParaRPr lang="pt-BR" dirty="0">
               <a:latin typeface="Courier New" panose="02070309020205020404" pitchFamily="49" charset="0"/>
@@ -10054,7 +10490,7 @@
     </p:spTree>
     <p:extLst>
       <p:ext uri="{BB962C8B-B14F-4D97-AF65-F5344CB8AC3E}">
-        <p14:creationId xmlns:p14="http://schemas.microsoft.com/office/powerpoint/2010/main" val="2277025092"/>
+        <p14:creationId xmlns:p14="http://schemas.microsoft.com/office/powerpoint/2010/main" val="3655724266"/>
       </p:ext>
     </p:extLst>
   </p:cSld>
@@ -10093,6 +10529,28 @@
         </p:nvSpPr>
         <p:spPr/>
         <p:txBody>
+          <a:bodyPr/>
+          <a:lstStyle/>
+          <a:p>
+            <a:r>
+              <a:rPr lang="pt-BR" dirty="0"/>
+              <a:t>Inserção do conteúdo</a:t>
+            </a:r>
+          </a:p>
+        </p:txBody>
+      </p:sp>
+      <p:sp>
+        <p:nvSpPr>
+          <p:cNvPr id="6" name="Espaço Reservado para Conteúdo 5"/>
+          <p:cNvSpPr>
+            <a:spLocks noGrp="1"/>
+          </p:cNvSpPr>
+          <p:nvPr>
+            <p:ph idx="1"/>
+          </p:nvPr>
+        </p:nvSpPr>
+        <p:spPr/>
+        <p:txBody>
           <a:bodyPr>
             <a:normAutofit/>
           </a:bodyPr>
@@ -10100,67 +10558,124 @@
           <a:p>
             <a:r>
               <a:rPr lang="pt-BR" dirty="0"/>
-              <a:t>Inserção do menu global</a:t>
-            </a:r>
-          </a:p>
-        </p:txBody>
-      </p:sp>
-      <p:sp>
-        <p:nvSpPr>
-          <p:cNvPr id="6" name="Espaço Reservado para Conteúdo 5"/>
-          <p:cNvSpPr>
-            <a:spLocks noGrp="1"/>
-          </p:cNvSpPr>
-          <p:nvPr>
-            <p:ph idx="1"/>
-          </p:nvPr>
-        </p:nvSpPr>
-        <p:spPr/>
-        <p:txBody>
-          <a:bodyPr>
-            <a:normAutofit/>
-          </a:bodyPr>
-          <a:lstStyle/>
-          <a:p>
-            <a:r>
-              <a:rPr lang="pt-BR" dirty="0"/>
               <a:t>No arquivo </a:t>
             </a:r>
             <a:r>
+              <a:rPr lang="pt-BR" dirty="0">
+                <a:latin typeface="Courier New" panose="02070309020205020404" pitchFamily="49" charset="0"/>
+                <a:cs typeface="Courier New" panose="02070309020205020404" pitchFamily="49" charset="0"/>
+              </a:rPr>
+              <a:t>front-</a:t>
+            </a:r>
+            <a:r>
               <a:rPr lang="pt-BR" dirty="0" err="1">
                 <a:latin typeface="Courier New" panose="02070309020205020404" pitchFamily="49" charset="0"/>
                 <a:cs typeface="Courier New" panose="02070309020205020404" pitchFamily="49" charset="0"/>
               </a:rPr>
-              <a:t>functions.php</a:t>
-            </a:r>
-            <a:r>
-              <a:rPr lang="pt-BR" dirty="0"/>
-              <a:t>, insira o código abaixo no final do arquivo para habilitar o uso de menus no tema:</a:t>
+              <a:t>page.php</a:t>
+            </a:r>
+            <a:r>
+              <a:rPr lang="pt-BR" dirty="0"/>
+              <a:t>, substitua o conteúdo do elemento </a:t>
+            </a:r>
+            <a:r>
+              <a:rPr lang="pt-BR" dirty="0">
+                <a:latin typeface="Courier New" panose="02070309020205020404" pitchFamily="49" charset="0"/>
+                <a:cs typeface="Courier New" panose="02070309020205020404" pitchFamily="49" charset="0"/>
+              </a:rPr>
+              <a:t>&lt;</a:t>
+            </a:r>
+            <a:r>
+              <a:rPr lang="pt-BR" dirty="0" err="1">
+                <a:latin typeface="Courier New" panose="02070309020205020404" pitchFamily="49" charset="0"/>
+                <a:cs typeface="Courier New" panose="02070309020205020404" pitchFamily="49" charset="0"/>
+              </a:rPr>
+              <a:t>div</a:t>
+            </a:r>
+            <a:r>
+              <a:rPr lang="pt-BR" dirty="0">
+                <a:latin typeface="Courier New" panose="02070309020205020404" pitchFamily="49" charset="0"/>
+                <a:cs typeface="Courier New" panose="02070309020205020404" pitchFamily="49" charset="0"/>
+              </a:rPr>
+              <a:t> </a:t>
+            </a:r>
+            <a:r>
+              <a:rPr lang="pt-BR" dirty="0" err="1">
+                <a:latin typeface="Courier New" panose="02070309020205020404" pitchFamily="49" charset="0"/>
+                <a:cs typeface="Courier New" panose="02070309020205020404" pitchFamily="49" charset="0"/>
+              </a:rPr>
+              <a:t>class</a:t>
+            </a:r>
+            <a:r>
+              <a:rPr lang="pt-BR" dirty="0">
+                <a:latin typeface="Courier New" panose="02070309020205020404" pitchFamily="49" charset="0"/>
+                <a:cs typeface="Courier New" panose="02070309020205020404" pitchFamily="49" charset="0"/>
+              </a:rPr>
+              <a:t>=“container”&gt;</a:t>
+            </a:r>
+            <a:r>
+              <a:rPr lang="pt-BR" dirty="0"/>
+              <a:t>, para exibir o título da página inicial</a:t>
+            </a:r>
+            <a:r>
+              <a:rPr lang="en-US" dirty="0"/>
+              <a:t>:</a:t>
             </a:r>
           </a:p>
           <a:p>
             <a:pPr algn="l"/>
             <a:r>
-              <a:rPr lang="pt-BR" dirty="0" err="1">
-                <a:latin typeface="Courier New" panose="02070309020205020404" pitchFamily="49" charset="0"/>
-                <a:cs typeface="Courier New" panose="02070309020205020404" pitchFamily="49" charset="0"/>
-              </a:rPr>
-              <a:t>add_theme_support</a:t>
-            </a:r>
-            <a:r>
-              <a:rPr lang="pt-BR" dirty="0">
-                <a:latin typeface="Courier New" panose="02070309020205020404" pitchFamily="49" charset="0"/>
-                <a:cs typeface="Courier New" panose="02070309020205020404" pitchFamily="49" charset="0"/>
-              </a:rPr>
-              <a:t>('menus');</a:t>
-            </a:r>
+              <a:rPr lang="en-US" dirty="0">
+                <a:latin typeface="Courier New" panose="02070309020205020404" pitchFamily="49" charset="0"/>
+                <a:cs typeface="Courier New" panose="02070309020205020404" pitchFamily="49" charset="0"/>
+              </a:rPr>
+              <a:t>&lt;div class="container"&gt;</a:t>
+            </a:r>
+          </a:p>
+          <a:p>
+            <a:pPr algn="l"/>
+            <a:r>
+              <a:rPr lang="en-US" dirty="0">
+                <a:latin typeface="Courier New" panose="02070309020205020404" pitchFamily="49" charset="0"/>
+                <a:cs typeface="Courier New" panose="02070309020205020404" pitchFamily="49" charset="0"/>
+              </a:rPr>
+              <a:t>    &lt;h1&gt;&lt;?php </a:t>
+            </a:r>
+            <a:r>
+              <a:rPr lang="en-US" dirty="0" err="1">
+                <a:latin typeface="Courier New" panose="02070309020205020404" pitchFamily="49" charset="0"/>
+                <a:cs typeface="Courier New" panose="02070309020205020404" pitchFamily="49" charset="0"/>
+              </a:rPr>
+              <a:t>the_title</a:t>
+            </a:r>
+            <a:r>
+              <a:rPr lang="en-US" dirty="0">
+                <a:latin typeface="Courier New" panose="02070309020205020404" pitchFamily="49" charset="0"/>
+                <a:cs typeface="Courier New" panose="02070309020205020404" pitchFamily="49" charset="0"/>
+              </a:rPr>
+              <a:t>(); ?&gt;&lt;/h1&gt;</a:t>
+            </a:r>
+          </a:p>
+          <a:p>
+            <a:pPr algn="l"/>
+            <a:r>
+              <a:rPr lang="en-US" dirty="0">
+                <a:latin typeface="Courier New" panose="02070309020205020404" pitchFamily="49" charset="0"/>
+                <a:cs typeface="Courier New" panose="02070309020205020404" pitchFamily="49" charset="0"/>
+              </a:rPr>
+              <a:t>&lt;/div&gt;</a:t>
+            </a:r>
+            <a:endParaRPr lang="pt-BR" dirty="0">
+              <a:latin typeface="Courier New" panose="02070309020205020404" pitchFamily="49" charset="0"/>
+              <a:cs typeface="Courier New" panose="02070309020205020404" pitchFamily="49" charset="0"/>
+            </a:endParaRPr>
           </a:p>
         </p:txBody>
       </p:sp>
     </p:spTree>
     <p:extLst>
       <p:ext uri="{BB962C8B-B14F-4D97-AF65-F5344CB8AC3E}">
-        <p14:creationId xmlns:p14="http://schemas.microsoft.com/office/powerpoint/2010/main" val="3057588112"/>
+        <p14:creationId xmlns:p14="http://schemas.microsoft.com/office/powerpoint/2010/main" val="3361946354"/>
       </p:ext>
     </p:extLst>
   </p:cSld>
@@ -10199,6 +10714,28 @@
         </p:nvSpPr>
         <p:spPr/>
         <p:txBody>
+          <a:bodyPr/>
+          <a:lstStyle/>
+          <a:p>
+            <a:r>
+              <a:rPr lang="pt-BR" dirty="0"/>
+              <a:t>Inserção do conteúdo</a:t>
+            </a:r>
+          </a:p>
+        </p:txBody>
+      </p:sp>
+      <p:sp>
+        <p:nvSpPr>
+          <p:cNvPr id="6" name="Espaço Reservado para Conteúdo 5"/>
+          <p:cNvSpPr>
+            <a:spLocks noGrp="1"/>
+          </p:cNvSpPr>
+          <p:nvPr>
+            <p:ph idx="1"/>
+          </p:nvPr>
+        </p:nvSpPr>
+        <p:spPr/>
+        <p:txBody>
           <a:bodyPr>
             <a:normAutofit/>
           </a:bodyPr>
@@ -10206,177 +10743,141 @@
           <a:p>
             <a:r>
               <a:rPr lang="pt-BR" dirty="0"/>
-              <a:t>Inserção do menu global</a:t>
-            </a:r>
-          </a:p>
-        </p:txBody>
-      </p:sp>
-      <p:sp>
-        <p:nvSpPr>
-          <p:cNvPr id="6" name="Espaço Reservado para Conteúdo 5"/>
-          <p:cNvSpPr>
-            <a:spLocks noGrp="1"/>
-          </p:cNvSpPr>
-          <p:nvPr>
-            <p:ph idx="1"/>
-          </p:nvPr>
-        </p:nvSpPr>
-        <p:spPr/>
-        <p:txBody>
-          <a:bodyPr>
-            <a:normAutofit fontScale="92500" lnSpcReduction="20000"/>
-          </a:bodyPr>
-          <a:lstStyle/>
-          <a:p>
-            <a:r>
-              <a:rPr lang="pt-BR" dirty="0"/>
               <a:t>Ainda no arquivo </a:t>
             </a:r>
             <a:r>
+              <a:rPr lang="pt-BR" dirty="0">
+                <a:latin typeface="Courier New" panose="02070309020205020404" pitchFamily="49" charset="0"/>
+                <a:cs typeface="Courier New" panose="02070309020205020404" pitchFamily="49" charset="0"/>
+              </a:rPr>
+              <a:t>front-</a:t>
+            </a:r>
+            <a:r>
               <a:rPr lang="pt-BR" dirty="0" err="1">
                 <a:latin typeface="Courier New" panose="02070309020205020404" pitchFamily="49" charset="0"/>
                 <a:cs typeface="Courier New" panose="02070309020205020404" pitchFamily="49" charset="0"/>
               </a:rPr>
-              <a:t>functions.php</a:t>
-            </a:r>
-            <a:r>
-              <a:rPr lang="pt-BR" dirty="0"/>
-              <a:t>, insira o código abaixo no final do arquivo para habilitar a configuração da localização dos menus:</a:t>
+              <a:t>page.php</a:t>
+            </a:r>
+            <a:r>
+              <a:rPr lang="pt-BR" dirty="0"/>
+              <a:t>, insira o código abaixo após o título, para exibir o corpo da página inicial</a:t>
+            </a:r>
+            <a:r>
+              <a:rPr lang="en-US" dirty="0"/>
+              <a:t>:</a:t>
             </a:r>
           </a:p>
           <a:p>
             <a:pPr algn="l"/>
             <a:r>
-              <a:rPr lang="pt-BR" dirty="0" err="1">
-                <a:latin typeface="Courier New" panose="02070309020205020404" pitchFamily="49" charset="0"/>
-                <a:cs typeface="Courier New" panose="02070309020205020404" pitchFamily="49" charset="0"/>
-              </a:rPr>
-              <a:t>register_nav_menus</a:t>
-            </a:r>
-            <a:r>
-              <a:rPr lang="pt-BR" dirty="0">
-                <a:latin typeface="Courier New" panose="02070309020205020404" pitchFamily="49" charset="0"/>
-                <a:cs typeface="Courier New" panose="02070309020205020404" pitchFamily="49" charset="0"/>
-              </a:rPr>
-              <a:t>(</a:t>
+              <a:rPr lang="en-US" dirty="0">
+                <a:latin typeface="Courier New" panose="02070309020205020404" pitchFamily="49" charset="0"/>
+                <a:cs typeface="Courier New" panose="02070309020205020404" pitchFamily="49" charset="0"/>
+              </a:rPr>
+              <a:t>&lt;?php if(</a:t>
+            </a:r>
+            <a:r>
+              <a:rPr lang="en-US" dirty="0" err="1">
+                <a:latin typeface="Courier New" panose="02070309020205020404" pitchFamily="49" charset="0"/>
+                <a:cs typeface="Courier New" panose="02070309020205020404" pitchFamily="49" charset="0"/>
+              </a:rPr>
+              <a:t>have_posts</a:t>
+            </a:r>
+            <a:r>
+              <a:rPr lang="en-US" dirty="0">
+                <a:latin typeface="Courier New" panose="02070309020205020404" pitchFamily="49" charset="0"/>
+                <a:cs typeface="Courier New" panose="02070309020205020404" pitchFamily="49" charset="0"/>
+              </a:rPr>
+              <a:t>()) : while(</a:t>
+            </a:r>
+            <a:r>
+              <a:rPr lang="en-US" dirty="0" err="1">
+                <a:latin typeface="Courier New" panose="02070309020205020404" pitchFamily="49" charset="0"/>
+                <a:cs typeface="Courier New" panose="02070309020205020404" pitchFamily="49" charset="0"/>
+              </a:rPr>
+              <a:t>have_posts</a:t>
+            </a:r>
+            <a:r>
+              <a:rPr lang="en-US" dirty="0">
+                <a:latin typeface="Courier New" panose="02070309020205020404" pitchFamily="49" charset="0"/>
+                <a:cs typeface="Courier New" panose="02070309020205020404" pitchFamily="49" charset="0"/>
+              </a:rPr>
+              <a:t>()) : </a:t>
+            </a:r>
+            <a:r>
+              <a:rPr lang="en-US" dirty="0" err="1">
+                <a:latin typeface="Courier New" panose="02070309020205020404" pitchFamily="49" charset="0"/>
+                <a:cs typeface="Courier New" panose="02070309020205020404" pitchFamily="49" charset="0"/>
+              </a:rPr>
+              <a:t>the_post</a:t>
+            </a:r>
+            <a:r>
+              <a:rPr lang="en-US" dirty="0">
+                <a:latin typeface="Courier New" panose="02070309020205020404" pitchFamily="49" charset="0"/>
+                <a:cs typeface="Courier New" panose="02070309020205020404" pitchFamily="49" charset="0"/>
+              </a:rPr>
+              <a:t>(); ?&gt;</a:t>
             </a:r>
           </a:p>
           <a:p>
             <a:pPr algn="l"/>
             <a:r>
-              <a:rPr lang="pt-BR" dirty="0">
-                <a:latin typeface="Courier New" panose="02070309020205020404" pitchFamily="49" charset="0"/>
-                <a:cs typeface="Courier New" panose="02070309020205020404" pitchFamily="49" charset="0"/>
-              </a:rPr>
-              <a:t>    </a:t>
-            </a:r>
-            <a:r>
-              <a:rPr lang="pt-BR" dirty="0" err="1">
-                <a:latin typeface="Courier New" panose="02070309020205020404" pitchFamily="49" charset="0"/>
-                <a:cs typeface="Courier New" panose="02070309020205020404" pitchFamily="49" charset="0"/>
-              </a:rPr>
-              <a:t>array</a:t>
-            </a:r>
-            <a:r>
-              <a:rPr lang="pt-BR" dirty="0">
-                <a:latin typeface="Courier New" panose="02070309020205020404" pitchFamily="49" charset="0"/>
-                <a:cs typeface="Courier New" panose="02070309020205020404" pitchFamily="49" charset="0"/>
-              </a:rPr>
-              <a:t>(</a:t>
+              <a:rPr lang="en-US" dirty="0">
+                <a:latin typeface="Courier New" panose="02070309020205020404" pitchFamily="49" charset="0"/>
+                <a:cs typeface="Courier New" panose="02070309020205020404" pitchFamily="49" charset="0"/>
+              </a:rPr>
+              <a:t>    &lt;?php </a:t>
+            </a:r>
+            <a:r>
+              <a:rPr lang="en-US" dirty="0" err="1">
+                <a:latin typeface="Courier New" panose="02070309020205020404" pitchFamily="49" charset="0"/>
+                <a:cs typeface="Courier New" panose="02070309020205020404" pitchFamily="49" charset="0"/>
+              </a:rPr>
+              <a:t>the_content</a:t>
+            </a:r>
+            <a:r>
+              <a:rPr lang="en-US" dirty="0">
+                <a:latin typeface="Courier New" panose="02070309020205020404" pitchFamily="49" charset="0"/>
+                <a:cs typeface="Courier New" panose="02070309020205020404" pitchFamily="49" charset="0"/>
+              </a:rPr>
+              <a:t>(); ?&gt;</a:t>
             </a:r>
           </a:p>
           <a:p>
             <a:pPr algn="l"/>
             <a:r>
-              <a:rPr lang="pt-BR" dirty="0">
-                <a:latin typeface="Courier New" panose="02070309020205020404" pitchFamily="49" charset="0"/>
-                <a:cs typeface="Courier New" panose="02070309020205020404" pitchFamily="49" charset="0"/>
-              </a:rPr>
-              <a:t>        'top-menu' =&gt; __('Top Menu', '</a:t>
-            </a:r>
-            <a:r>
-              <a:rPr lang="pt-BR" dirty="0" err="1">
-                <a:latin typeface="Courier New" panose="02070309020205020404" pitchFamily="49" charset="0"/>
-                <a:cs typeface="Courier New" panose="02070309020205020404" pitchFamily="49" charset="0"/>
-              </a:rPr>
-              <a:t>theme</a:t>
-            </a:r>
-            <a:r>
-              <a:rPr lang="pt-BR" dirty="0">
-                <a:latin typeface="Courier New" panose="02070309020205020404" pitchFamily="49" charset="0"/>
-                <a:cs typeface="Courier New" panose="02070309020205020404" pitchFamily="49" charset="0"/>
-              </a:rPr>
-              <a:t>'),</a:t>
-            </a:r>
-          </a:p>
-          <a:p>
-            <a:pPr algn="l"/>
-            <a:r>
-              <a:rPr lang="pt-BR" dirty="0">
-                <a:latin typeface="Courier New" panose="02070309020205020404" pitchFamily="49" charset="0"/>
-                <a:cs typeface="Courier New" panose="02070309020205020404" pitchFamily="49" charset="0"/>
-              </a:rPr>
-              <a:t>        '</a:t>
-            </a:r>
-            <a:r>
-              <a:rPr lang="pt-BR" dirty="0" err="1">
-                <a:latin typeface="Courier New" panose="02070309020205020404" pitchFamily="49" charset="0"/>
-                <a:cs typeface="Courier New" panose="02070309020205020404" pitchFamily="49" charset="0"/>
-              </a:rPr>
-              <a:t>footer</a:t>
-            </a:r>
-            <a:r>
-              <a:rPr lang="pt-BR" dirty="0">
-                <a:latin typeface="Courier New" panose="02070309020205020404" pitchFamily="49" charset="0"/>
-                <a:cs typeface="Courier New" panose="02070309020205020404" pitchFamily="49" charset="0"/>
-              </a:rPr>
-              <a:t>-menu' =&gt; __('</a:t>
-            </a:r>
-            <a:r>
-              <a:rPr lang="pt-BR" dirty="0" err="1">
-                <a:latin typeface="Courier New" panose="02070309020205020404" pitchFamily="49" charset="0"/>
-                <a:cs typeface="Courier New" panose="02070309020205020404" pitchFamily="49" charset="0"/>
-              </a:rPr>
-              <a:t>Footer</a:t>
-            </a:r>
-            <a:r>
-              <a:rPr lang="pt-BR" dirty="0">
-                <a:latin typeface="Courier New" panose="02070309020205020404" pitchFamily="49" charset="0"/>
-                <a:cs typeface="Courier New" panose="02070309020205020404" pitchFamily="49" charset="0"/>
-              </a:rPr>
-              <a:t> Menu', '</a:t>
-            </a:r>
-            <a:r>
-              <a:rPr lang="pt-BR" dirty="0" err="1">
-                <a:latin typeface="Courier New" panose="02070309020205020404" pitchFamily="49" charset="0"/>
-                <a:cs typeface="Courier New" panose="02070309020205020404" pitchFamily="49" charset="0"/>
-              </a:rPr>
-              <a:t>theme</a:t>
-            </a:r>
-            <a:r>
-              <a:rPr lang="pt-BR" dirty="0">
-                <a:latin typeface="Courier New" panose="02070309020205020404" pitchFamily="49" charset="0"/>
-                <a:cs typeface="Courier New" panose="02070309020205020404" pitchFamily="49" charset="0"/>
-              </a:rPr>
-              <a:t>')</a:t>
-            </a:r>
-          </a:p>
-          <a:p>
-            <a:pPr algn="l"/>
-            <a:r>
-              <a:rPr lang="pt-BR" dirty="0">
-                <a:latin typeface="Courier New" panose="02070309020205020404" pitchFamily="49" charset="0"/>
-                <a:cs typeface="Courier New" panose="02070309020205020404" pitchFamily="49" charset="0"/>
-              </a:rPr>
-              <a:t>    ));</a:t>
-            </a:r>
+              <a:rPr lang="en-US" dirty="0">
+                <a:latin typeface="Courier New" panose="02070309020205020404" pitchFamily="49" charset="0"/>
+                <a:cs typeface="Courier New" panose="02070309020205020404" pitchFamily="49" charset="0"/>
+              </a:rPr>
+              <a:t>&lt;?php </a:t>
+            </a:r>
+            <a:r>
+              <a:rPr lang="en-US" dirty="0" err="1">
+                <a:latin typeface="Courier New" panose="02070309020205020404" pitchFamily="49" charset="0"/>
+                <a:cs typeface="Courier New" panose="02070309020205020404" pitchFamily="49" charset="0"/>
+              </a:rPr>
+              <a:t>endwhile</a:t>
+            </a:r>
+            <a:r>
+              <a:rPr lang="en-US" dirty="0">
+                <a:latin typeface="Courier New" panose="02070309020205020404" pitchFamily="49" charset="0"/>
+                <a:cs typeface="Courier New" panose="02070309020205020404" pitchFamily="49" charset="0"/>
+              </a:rPr>
+              <a:t>; endif; ?&gt;</a:t>
+            </a:r>
+            <a:endParaRPr lang="pt-BR" dirty="0">
+              <a:latin typeface="Courier New" panose="02070309020205020404" pitchFamily="49" charset="0"/>
+              <a:cs typeface="Courier New" panose="02070309020205020404" pitchFamily="49" charset="0"/>
+            </a:endParaRPr>
           </a:p>
         </p:txBody>
       </p:sp>
     </p:spTree>
     <p:extLst>
       <p:ext uri="{BB962C8B-B14F-4D97-AF65-F5344CB8AC3E}">
-        <p14:creationId xmlns:p14="http://schemas.microsoft.com/office/powerpoint/2010/main" val="25992435"/>
+        <p14:creationId xmlns:p14="http://schemas.microsoft.com/office/powerpoint/2010/main" val="1376213679"/>
       </p:ext>
     </p:extLst>
   </p:cSld>
@@ -10422,7 +10923,7 @@
           <a:p>
             <a:r>
               <a:rPr lang="pt-BR" dirty="0"/>
-              <a:t>Inserção do menu global</a:t>
+              <a:t>Demais páginas</a:t>
             </a:r>
           </a:p>
         </p:txBody>
@@ -10437,12 +10938,7 @@
             <p:ph idx="1"/>
           </p:nvPr>
         </p:nvSpPr>
-        <p:spPr>
-          <a:xfrm>
-            <a:off x="317694" y="1291052"/>
-            <a:ext cx="11705493" cy="5045579"/>
-          </a:xfrm>
-        </p:spPr>
+        <p:spPr/>
         <p:txBody>
           <a:bodyPr>
             <a:normAutofit/>
@@ -10451,96 +10947,42 @@
           <a:p>
             <a:r>
               <a:rPr lang="pt-BR" dirty="0"/>
-              <a:t>No arquivo </a:t>
+              <a:t>Caso ainda não tenha, crie as demais páginas do site, no painel de gerenciamento.</a:t>
+            </a:r>
+          </a:p>
+          <a:p>
+            <a:r>
+              <a:rPr lang="pt-BR" dirty="0"/>
+              <a:t>Copie o código do arquivo </a:t>
+            </a:r>
+            <a:r>
+              <a:rPr lang="pt-BR" dirty="0">
+                <a:latin typeface="Courier New" panose="02070309020205020404" pitchFamily="49" charset="0"/>
+                <a:cs typeface="Courier New" panose="02070309020205020404" pitchFamily="49" charset="0"/>
+              </a:rPr>
+              <a:t>front-</a:t>
             </a:r>
             <a:r>
               <a:rPr lang="pt-BR" dirty="0" err="1">
                 <a:latin typeface="Courier New" panose="02070309020205020404" pitchFamily="49" charset="0"/>
                 <a:cs typeface="Courier New" panose="02070309020205020404" pitchFamily="49" charset="0"/>
               </a:rPr>
-              <a:t>header.php</a:t>
-            </a:r>
-            <a:r>
-              <a:rPr lang="pt-BR" dirty="0"/>
-              <a:t>, insira o código abaixo para incluir o menu no cabeçalho das páginas:</a:t>
-            </a:r>
-          </a:p>
-          <a:p>
-            <a:pPr algn="l"/>
-            <a:r>
-              <a:rPr lang="en-US" dirty="0">
-                <a:latin typeface="Courier New" panose="02070309020205020404" pitchFamily="49" charset="0"/>
-                <a:cs typeface="Courier New" panose="02070309020205020404" pitchFamily="49" charset="0"/>
-              </a:rPr>
-              <a:t>&lt;?php </a:t>
-            </a:r>
-            <a:r>
-              <a:rPr lang="en-US" dirty="0" err="1">
-                <a:latin typeface="Courier New" panose="02070309020205020404" pitchFamily="49" charset="0"/>
-                <a:cs typeface="Courier New" panose="02070309020205020404" pitchFamily="49" charset="0"/>
-              </a:rPr>
-              <a:t>wp_nav_menu</a:t>
-            </a:r>
-            <a:r>
-              <a:rPr lang="en-US" dirty="0">
-                <a:latin typeface="Courier New" panose="02070309020205020404" pitchFamily="49" charset="0"/>
-                <a:cs typeface="Courier New" panose="02070309020205020404" pitchFamily="49" charset="0"/>
-              </a:rPr>
-              <a:t>(</a:t>
-            </a:r>
-          </a:p>
-          <a:p>
-            <a:pPr algn="l"/>
-            <a:r>
-              <a:rPr lang="en-US" dirty="0">
-                <a:latin typeface="Courier New" panose="02070309020205020404" pitchFamily="49" charset="0"/>
-                <a:cs typeface="Courier New" panose="02070309020205020404" pitchFamily="49" charset="0"/>
-              </a:rPr>
-              <a:t>        array(</a:t>
-            </a:r>
-          </a:p>
-          <a:p>
-            <a:pPr algn="l"/>
-            <a:r>
-              <a:rPr lang="en-US" dirty="0">
-                <a:latin typeface="Courier New" panose="02070309020205020404" pitchFamily="49" charset="0"/>
-                <a:cs typeface="Courier New" panose="02070309020205020404" pitchFamily="49" charset="0"/>
-              </a:rPr>
-              <a:t>            '</a:t>
-            </a:r>
-            <a:r>
-              <a:rPr lang="en-US" dirty="0" err="1">
-                <a:latin typeface="Courier New" panose="02070309020205020404" pitchFamily="49" charset="0"/>
-                <a:cs typeface="Courier New" panose="02070309020205020404" pitchFamily="49" charset="0"/>
-              </a:rPr>
-              <a:t>theme_location</a:t>
-            </a:r>
-            <a:r>
-              <a:rPr lang="en-US" dirty="0">
-                <a:latin typeface="Courier New" panose="02070309020205020404" pitchFamily="49" charset="0"/>
-                <a:cs typeface="Courier New" panose="02070309020205020404" pitchFamily="49" charset="0"/>
-              </a:rPr>
-              <a:t>' =&gt; 'top-menu'</a:t>
-            </a:r>
-          </a:p>
-          <a:p>
-            <a:pPr algn="l"/>
-            <a:r>
-              <a:rPr lang="en-US" dirty="0">
-                <a:latin typeface="Courier New" panose="02070309020205020404" pitchFamily="49" charset="0"/>
-                <a:cs typeface="Courier New" panose="02070309020205020404" pitchFamily="49" charset="0"/>
-              </a:rPr>
-              <a:t>        ));</a:t>
-            </a:r>
-          </a:p>
-          <a:p>
-            <a:pPr algn="l"/>
-            <a:r>
-              <a:rPr lang="en-US" dirty="0">
-                <a:latin typeface="Courier New" panose="02070309020205020404" pitchFamily="49" charset="0"/>
-                <a:cs typeface="Courier New" panose="02070309020205020404" pitchFamily="49" charset="0"/>
-              </a:rPr>
-              <a:t>?&gt;</a:t>
+              <a:t>page.php</a:t>
+            </a:r>
+            <a:r>
+              <a:rPr lang="pt-BR" dirty="0"/>
+              <a:t> para o arquivo </a:t>
+            </a:r>
+            <a:r>
+              <a:rPr lang="pt-BR" dirty="0" err="1">
+                <a:latin typeface="Courier New" panose="02070309020205020404" pitchFamily="49" charset="0"/>
+                <a:cs typeface="Courier New" panose="02070309020205020404" pitchFamily="49" charset="0"/>
+              </a:rPr>
+              <a:t>page.php</a:t>
+            </a:r>
+            <a:r>
+              <a:rPr lang="pt-BR" dirty="0"/>
+              <a:t>.</a:t>
             </a:r>
             <a:endParaRPr lang="pt-BR" dirty="0">
               <a:latin typeface="Courier New" panose="02070309020205020404" pitchFamily="49" charset="0"/>
@@ -10552,7 +10994,7 @@
     </p:spTree>
     <p:extLst>
       <p:ext uri="{BB962C8B-B14F-4D97-AF65-F5344CB8AC3E}">
-        <p14:creationId xmlns:p14="http://schemas.microsoft.com/office/powerpoint/2010/main" val="891450009"/>
+        <p14:creationId xmlns:p14="http://schemas.microsoft.com/office/powerpoint/2010/main" val="2277025092"/>
       </p:ext>
     </p:extLst>
   </p:cSld>
@@ -10613,12 +11055,7 @@
             <p:ph idx="1"/>
           </p:nvPr>
         </p:nvSpPr>
-        <p:spPr>
-          <a:xfrm>
-            <a:off x="317694" y="1291052"/>
-            <a:ext cx="11705493" cy="5045579"/>
-          </a:xfrm>
-        </p:spPr>
+        <p:spPr/>
         <p:txBody>
           <a:bodyPr>
             <a:normAutofit/>
@@ -10627,106 +11064,43 @@
           <a:p>
             <a:r>
               <a:rPr lang="pt-BR" dirty="0"/>
-              <a:t>Para adicionar uma classe ao menu, basta inserir mais uma chave (</a:t>
+              <a:t>No arquivo </a:t>
             </a:r>
             <a:r>
               <a:rPr lang="pt-BR" dirty="0" err="1">
                 <a:latin typeface="Courier New" panose="02070309020205020404" pitchFamily="49" charset="0"/>
                 <a:cs typeface="Courier New" panose="02070309020205020404" pitchFamily="49" charset="0"/>
               </a:rPr>
-              <a:t>menu_class</a:t>
-            </a:r>
-            <a:r>
-              <a:rPr lang="pt-BR" dirty="0"/>
-              <a:t>) no </a:t>
-            </a:r>
-            <a:r>
-              <a:rPr lang="pt-BR" dirty="0" err="1"/>
-              <a:t>array</a:t>
-            </a:r>
-            <a:r>
-              <a:rPr lang="pt-BR" dirty="0"/>
-              <a:t> com o nome da classe desejada:</a:t>
+              <a:t>functions.php</a:t>
+            </a:r>
+            <a:r>
+              <a:rPr lang="pt-BR" dirty="0"/>
+              <a:t>, insira o código abaixo no final do arquivo para habilitar o uso de menus no tema:</a:t>
             </a:r>
           </a:p>
           <a:p>
             <a:pPr algn="l"/>
             <a:r>
-              <a:rPr lang="en-US" dirty="0">
-                <a:latin typeface="Courier New" panose="02070309020205020404" pitchFamily="49" charset="0"/>
-                <a:cs typeface="Courier New" panose="02070309020205020404" pitchFamily="49" charset="0"/>
-              </a:rPr>
-              <a:t>array(</a:t>
-            </a:r>
-          </a:p>
-          <a:p>
-            <a:pPr algn="l"/>
-            <a:r>
-              <a:rPr lang="en-US" dirty="0">
-                <a:latin typeface="Courier New" panose="02070309020205020404" pitchFamily="49" charset="0"/>
-                <a:cs typeface="Courier New" panose="02070309020205020404" pitchFamily="49" charset="0"/>
-              </a:rPr>
-              <a:t>    '</a:t>
-            </a:r>
-            <a:r>
-              <a:rPr lang="en-US" dirty="0" err="1">
-                <a:latin typeface="Courier New" panose="02070309020205020404" pitchFamily="49" charset="0"/>
-                <a:cs typeface="Courier New" panose="02070309020205020404" pitchFamily="49" charset="0"/>
-              </a:rPr>
-              <a:t>theme_location</a:t>
-            </a:r>
-            <a:r>
-              <a:rPr lang="en-US" dirty="0">
-                <a:latin typeface="Courier New" panose="02070309020205020404" pitchFamily="49" charset="0"/>
-                <a:cs typeface="Courier New" panose="02070309020205020404" pitchFamily="49" charset="0"/>
-              </a:rPr>
-              <a:t>' =&gt; 'top-menu’</a:t>
-            </a:r>
-          </a:p>
-          <a:p>
-            <a:pPr algn="l"/>
-            <a:r>
-              <a:rPr lang="en-US" dirty="0">
-                <a:latin typeface="Courier New" panose="02070309020205020404" pitchFamily="49" charset="0"/>
-                <a:cs typeface="Courier New" panose="02070309020205020404" pitchFamily="49" charset="0"/>
-              </a:rPr>
-              <a:t>	'</a:t>
-            </a:r>
-            <a:r>
-              <a:rPr lang="en-US" dirty="0" err="1">
-                <a:latin typeface="Courier New" panose="02070309020205020404" pitchFamily="49" charset="0"/>
-                <a:cs typeface="Courier New" panose="02070309020205020404" pitchFamily="49" charset="0"/>
-              </a:rPr>
-              <a:t>menu_class</a:t>
-            </a:r>
-            <a:r>
-              <a:rPr lang="en-US" dirty="0">
-                <a:latin typeface="Courier New" panose="02070309020205020404" pitchFamily="49" charset="0"/>
-                <a:cs typeface="Courier New" panose="02070309020205020404" pitchFamily="49" charset="0"/>
-              </a:rPr>
-              <a:t>' =&gt; 'navigation'</a:t>
-            </a:r>
-          </a:p>
-          <a:p>
-            <a:pPr algn="l"/>
-            <a:r>
-              <a:rPr lang="en-US" dirty="0">
-                <a:latin typeface="Courier New" panose="02070309020205020404" pitchFamily="49" charset="0"/>
-                <a:cs typeface="Courier New" panose="02070309020205020404" pitchFamily="49" charset="0"/>
-              </a:rPr>
-              <a:t>));</a:t>
-            </a:r>
-            <a:endParaRPr lang="pt-BR" dirty="0">
-              <a:latin typeface="Courier New" panose="02070309020205020404" pitchFamily="49" charset="0"/>
-              <a:cs typeface="Courier New" panose="02070309020205020404" pitchFamily="49" charset="0"/>
-            </a:endParaRPr>
+              <a:rPr lang="pt-BR" dirty="0" err="1">
+                <a:latin typeface="Courier New" panose="02070309020205020404" pitchFamily="49" charset="0"/>
+                <a:cs typeface="Courier New" panose="02070309020205020404" pitchFamily="49" charset="0"/>
+              </a:rPr>
+              <a:t>add_theme_support</a:t>
+            </a:r>
+            <a:r>
+              <a:rPr lang="pt-BR" dirty="0">
+                <a:latin typeface="Courier New" panose="02070309020205020404" pitchFamily="49" charset="0"/>
+                <a:cs typeface="Courier New" panose="02070309020205020404" pitchFamily="49" charset="0"/>
+              </a:rPr>
+              <a:t>('menus');</a:t>
+            </a:r>
           </a:p>
         </p:txBody>
       </p:sp>
     </p:spTree>
     <p:extLst>
       <p:ext uri="{BB962C8B-B14F-4D97-AF65-F5344CB8AC3E}">
-        <p14:creationId xmlns:p14="http://schemas.microsoft.com/office/powerpoint/2010/main" val="1926250769"/>
+        <p14:creationId xmlns:p14="http://schemas.microsoft.com/office/powerpoint/2010/main" val="3057588112"/>
       </p:ext>
     </p:extLst>
   </p:cSld>
@@ -10902,28 +11276,6 @@
         </p:nvSpPr>
         <p:spPr/>
         <p:txBody>
-          <a:bodyPr/>
-          <a:lstStyle/>
-          <a:p>
-            <a:r>
-              <a:rPr lang="pt-BR" dirty="0"/>
-              <a:t>Formatação do cabeçalho</a:t>
-            </a:r>
-          </a:p>
-        </p:txBody>
-      </p:sp>
-      <p:sp>
-        <p:nvSpPr>
-          <p:cNvPr id="6" name="Espaço Reservado para Conteúdo 5"/>
-          <p:cNvSpPr>
-            <a:spLocks noGrp="1"/>
-          </p:cNvSpPr>
-          <p:nvPr>
-            <p:ph idx="1"/>
-          </p:nvPr>
-        </p:nvSpPr>
-        <p:spPr/>
-        <p:txBody>
           <a:bodyPr>
             <a:normAutofit/>
           </a:bodyPr>
@@ -10931,62 +11283,177 @@
           <a:p>
             <a:r>
               <a:rPr lang="pt-BR" dirty="0"/>
-              <a:t>Adicione ao elemento </a:t>
+              <a:t>Inserção do menu global</a:t>
+            </a:r>
+          </a:p>
+        </p:txBody>
+      </p:sp>
+      <p:sp>
+        <p:nvSpPr>
+          <p:cNvPr id="6" name="Espaço Reservado para Conteúdo 5"/>
+          <p:cNvSpPr>
+            <a:spLocks noGrp="1"/>
+          </p:cNvSpPr>
+          <p:nvPr>
+            <p:ph idx="1"/>
+          </p:nvPr>
+        </p:nvSpPr>
+        <p:spPr/>
+        <p:txBody>
+          <a:bodyPr>
+            <a:normAutofit fontScale="92500" lnSpcReduction="20000"/>
+          </a:bodyPr>
+          <a:lstStyle/>
+          <a:p>
+            <a:r>
+              <a:rPr lang="pt-BR" dirty="0"/>
+              <a:t>Ainda no arquivo </a:t>
+            </a:r>
+            <a:r>
+              <a:rPr lang="pt-BR" dirty="0" err="1">
+                <a:latin typeface="Courier New" panose="02070309020205020404" pitchFamily="49" charset="0"/>
+                <a:cs typeface="Courier New" panose="02070309020205020404" pitchFamily="49" charset="0"/>
+              </a:rPr>
+              <a:t>functions.php</a:t>
+            </a:r>
+            <a:r>
+              <a:rPr lang="pt-BR" dirty="0"/>
+              <a:t>, insira o código abaixo no final do arquivo para habilitar a configuração da localização dos menus:</a:t>
+            </a:r>
+          </a:p>
+          <a:p>
+            <a:pPr algn="l"/>
+            <a:r>
+              <a:rPr lang="pt-BR" dirty="0" err="1">
+                <a:latin typeface="Courier New" panose="02070309020205020404" pitchFamily="49" charset="0"/>
+                <a:cs typeface="Courier New" panose="02070309020205020404" pitchFamily="49" charset="0"/>
+              </a:rPr>
+              <a:t>register_nav_menus</a:t>
             </a:r>
             <a:r>
               <a:rPr lang="pt-BR" dirty="0">
                 <a:latin typeface="Courier New" panose="02070309020205020404" pitchFamily="49" charset="0"/>
                 <a:cs typeface="Courier New" panose="02070309020205020404" pitchFamily="49" charset="0"/>
               </a:rPr>
-              <a:t>&lt;header&gt;</a:t>
-            </a:r>
-            <a:r>
-              <a:rPr lang="pt-BR" dirty="0"/>
-              <a:t> a classe </a:t>
+              <a:t>(</a:t>
+            </a:r>
+          </a:p>
+          <a:p>
+            <a:pPr algn="l"/>
+            <a:r>
+              <a:rPr lang="pt-BR" dirty="0">
+                <a:latin typeface="Courier New" panose="02070309020205020404" pitchFamily="49" charset="0"/>
+                <a:cs typeface="Courier New" panose="02070309020205020404" pitchFamily="49" charset="0"/>
+              </a:rPr>
+              <a:t>    </a:t>
             </a:r>
             <a:r>
               <a:rPr lang="pt-BR" dirty="0" err="1">
                 <a:latin typeface="Courier New" panose="02070309020205020404" pitchFamily="49" charset="0"/>
                 <a:cs typeface="Courier New" panose="02070309020205020404" pitchFamily="49" charset="0"/>
               </a:rPr>
-              <a:t>sticky</a:t>
+              <a:t>array</a:t>
             </a:r>
             <a:r>
               <a:rPr lang="pt-BR" dirty="0">
                 <a:latin typeface="Courier New" panose="02070309020205020404" pitchFamily="49" charset="0"/>
                 <a:cs typeface="Courier New" panose="02070309020205020404" pitchFamily="49" charset="0"/>
               </a:rPr>
-              <a:t>-top</a:t>
-            </a:r>
-            <a:r>
-              <a:rPr lang="pt-BR" dirty="0"/>
-              <a:t> para que ele fique fixo no topo da página</a:t>
-            </a:r>
-            <a:r>
-              <a:rPr lang="en-US" dirty="0"/>
-              <a:t>:</a:t>
+              <a:t>(</a:t>
             </a:r>
           </a:p>
           <a:p>
             <a:pPr algn="l"/>
             <a:r>
-              <a:rPr lang="en-US" dirty="0">
-                <a:latin typeface="Courier New" panose="02070309020205020404" pitchFamily="49" charset="0"/>
-                <a:cs typeface="Courier New" panose="02070309020205020404" pitchFamily="49" charset="0"/>
-              </a:rPr>
-              <a:t>&lt;header class="sticky-top"&gt;</a:t>
-            </a:r>
-            <a:endParaRPr lang="pt-BR" dirty="0">
-              <a:latin typeface="Courier New" panose="02070309020205020404" pitchFamily="49" charset="0"/>
-              <a:cs typeface="Courier New" panose="02070309020205020404" pitchFamily="49" charset="0"/>
-            </a:endParaRPr>
+              <a:rPr lang="pt-BR" dirty="0">
+                <a:latin typeface="Courier New" panose="02070309020205020404" pitchFamily="49" charset="0"/>
+                <a:cs typeface="Courier New" panose="02070309020205020404" pitchFamily="49" charset="0"/>
+              </a:rPr>
+              <a:t>        'top-menu' =&gt; __('Top Menu', '</a:t>
+            </a:r>
+            <a:r>
+              <a:rPr lang="pt-BR" dirty="0" err="1">
+                <a:latin typeface="Courier New" panose="02070309020205020404" pitchFamily="49" charset="0"/>
+                <a:cs typeface="Courier New" panose="02070309020205020404" pitchFamily="49" charset="0"/>
+              </a:rPr>
+              <a:t>theme</a:t>
+            </a:r>
+            <a:r>
+              <a:rPr lang="pt-BR" dirty="0">
+                <a:latin typeface="Courier New" panose="02070309020205020404" pitchFamily="49" charset="0"/>
+                <a:cs typeface="Courier New" panose="02070309020205020404" pitchFamily="49" charset="0"/>
+              </a:rPr>
+              <a:t>'),</a:t>
+            </a:r>
+          </a:p>
+          <a:p>
+            <a:pPr algn="l"/>
+            <a:r>
+              <a:rPr lang="pt-BR" dirty="0">
+                <a:latin typeface="Courier New" panose="02070309020205020404" pitchFamily="49" charset="0"/>
+                <a:cs typeface="Courier New" panose="02070309020205020404" pitchFamily="49" charset="0"/>
+              </a:rPr>
+              <a:t>        '</a:t>
+            </a:r>
+            <a:r>
+              <a:rPr lang="pt-BR" dirty="0" err="1">
+                <a:latin typeface="Courier New" panose="02070309020205020404" pitchFamily="49" charset="0"/>
+                <a:cs typeface="Courier New" panose="02070309020205020404" pitchFamily="49" charset="0"/>
+              </a:rPr>
+              <a:t>footer</a:t>
+            </a:r>
+            <a:r>
+              <a:rPr lang="pt-BR" dirty="0">
+                <a:latin typeface="Courier New" panose="02070309020205020404" pitchFamily="49" charset="0"/>
+                <a:cs typeface="Courier New" panose="02070309020205020404" pitchFamily="49" charset="0"/>
+              </a:rPr>
+              <a:t>-menu' =&gt; __('</a:t>
+            </a:r>
+            <a:r>
+              <a:rPr lang="pt-BR" dirty="0" err="1">
+                <a:latin typeface="Courier New" panose="02070309020205020404" pitchFamily="49" charset="0"/>
+                <a:cs typeface="Courier New" panose="02070309020205020404" pitchFamily="49" charset="0"/>
+              </a:rPr>
+              <a:t>Footer</a:t>
+            </a:r>
+            <a:r>
+              <a:rPr lang="pt-BR" dirty="0">
+                <a:latin typeface="Courier New" panose="02070309020205020404" pitchFamily="49" charset="0"/>
+                <a:cs typeface="Courier New" panose="02070309020205020404" pitchFamily="49" charset="0"/>
+              </a:rPr>
+              <a:t> Menu', '</a:t>
+            </a:r>
+            <a:r>
+              <a:rPr lang="pt-BR" dirty="0" err="1">
+                <a:latin typeface="Courier New" panose="02070309020205020404" pitchFamily="49" charset="0"/>
+                <a:cs typeface="Courier New" panose="02070309020205020404" pitchFamily="49" charset="0"/>
+              </a:rPr>
+              <a:t>theme</a:t>
+            </a:r>
+            <a:r>
+              <a:rPr lang="pt-BR" dirty="0">
+                <a:latin typeface="Courier New" panose="02070309020205020404" pitchFamily="49" charset="0"/>
+                <a:cs typeface="Courier New" panose="02070309020205020404" pitchFamily="49" charset="0"/>
+              </a:rPr>
+              <a:t>')</a:t>
+            </a:r>
+          </a:p>
+          <a:p>
+            <a:pPr algn="l"/>
+            <a:r>
+              <a:rPr lang="pt-BR" dirty="0">
+                <a:latin typeface="Courier New" panose="02070309020205020404" pitchFamily="49" charset="0"/>
+                <a:cs typeface="Courier New" panose="02070309020205020404" pitchFamily="49" charset="0"/>
+              </a:rPr>
+              <a:t>    ));</a:t>
+            </a:r>
           </a:p>
         </p:txBody>
       </p:sp>
     </p:spTree>
     <p:extLst>
       <p:ext uri="{BB962C8B-B14F-4D97-AF65-F5344CB8AC3E}">
-        <p14:creationId xmlns:p14="http://schemas.microsoft.com/office/powerpoint/2010/main" val="2999945282"/>
+        <p14:creationId xmlns:p14="http://schemas.microsoft.com/office/powerpoint/2010/main" val="25992435"/>
       </p:ext>
     </p:extLst>
   </p:cSld>
@@ -11032,7 +11499,7 @@
           <a:p>
             <a:r>
               <a:rPr lang="pt-BR" dirty="0"/>
-              <a:t>Página para posts</a:t>
+              <a:t>Inserção do menu global</a:t>
             </a:r>
           </a:p>
         </p:txBody>
@@ -11056,46 +11523,7 @@
           <a:p>
             <a:r>
               <a:rPr lang="pt-BR" dirty="0"/>
-              <a:t>Caso ainda não tenha, crie alguns posts para o site, no painel de gerenciamento.</a:t>
-            </a:r>
-          </a:p>
-          <a:p>
-            <a:r>
-              <a:rPr lang="pt-BR" dirty="0"/>
-              <a:t>Copie o código do arquivo </a:t>
-            </a:r>
-            <a:r>
-              <a:rPr lang="pt-BR" dirty="0" err="1">
-                <a:latin typeface="Courier New" panose="02070309020205020404" pitchFamily="49" charset="0"/>
-                <a:cs typeface="Courier New" panose="02070309020205020404" pitchFamily="49" charset="0"/>
-              </a:rPr>
-              <a:t>page.php</a:t>
-            </a:r>
-            <a:r>
-              <a:rPr lang="pt-BR" dirty="0"/>
-              <a:t> para o arquivo </a:t>
-            </a:r>
-            <a:r>
-              <a:rPr lang="pt-BR" dirty="0" err="1">
-                <a:latin typeface="Courier New" panose="02070309020205020404" pitchFamily="49" charset="0"/>
-                <a:cs typeface="Courier New" panose="02070309020205020404" pitchFamily="49" charset="0"/>
-              </a:rPr>
-              <a:t>single.php</a:t>
-            </a:r>
-            <a:r>
-              <a:rPr lang="pt-BR" dirty="0"/>
-              <a:t> e </a:t>
-            </a:r>
-            <a:r>
-              <a:rPr lang="pt-BR" dirty="0" err="1">
-                <a:latin typeface="Courier New" panose="02070309020205020404" pitchFamily="49" charset="0"/>
-                <a:cs typeface="Courier New" panose="02070309020205020404" pitchFamily="49" charset="0"/>
-              </a:rPr>
-              <a:t>archive.php</a:t>
-            </a:r>
-            <a:r>
-              <a:rPr lang="pt-BR" dirty="0"/>
-              <a:t>.</a:t>
+              <a:t>No painel de gerenciamento, crie um menu para as páginas criadas  e configure sua localização.</a:t>
             </a:r>
             <a:endParaRPr lang="pt-BR" dirty="0">
               <a:latin typeface="Courier New" panose="02070309020205020404" pitchFamily="49" charset="0"/>
@@ -11107,7 +11535,7 @@
     </p:spTree>
     <p:extLst>
       <p:ext uri="{BB962C8B-B14F-4D97-AF65-F5344CB8AC3E}">
-        <p14:creationId xmlns:p14="http://schemas.microsoft.com/office/powerpoint/2010/main" val="3423407118"/>
+        <p14:creationId xmlns:p14="http://schemas.microsoft.com/office/powerpoint/2010/main" val="1871195646"/>
       </p:ext>
     </p:extLst>
   </p:cSld>
@@ -11153,7 +11581,7 @@
           <a:p>
             <a:r>
               <a:rPr lang="pt-BR" dirty="0"/>
-              <a:t>Página para posts</a:t>
+              <a:t>Inserção do menu global</a:t>
             </a:r>
           </a:p>
         </p:txBody>
@@ -11168,7 +11596,12 @@
             <p:ph idx="1"/>
           </p:nvPr>
         </p:nvSpPr>
-        <p:spPr/>
+        <p:spPr>
+          <a:xfrm>
+            <a:off x="317694" y="1291052"/>
+            <a:ext cx="11705493" cy="5045579"/>
+          </a:xfrm>
+        </p:spPr>
         <p:txBody>
           <a:bodyPr>
             <a:normAutofit/>
@@ -11177,144 +11610,107 @@
           <a:p>
             <a:r>
               <a:rPr lang="pt-BR" dirty="0"/>
-              <a:t>No arquivo, </a:t>
+              <a:t>No arquivo </a:t>
             </a:r>
             <a:r>
               <a:rPr lang="pt-BR" dirty="0" err="1">
                 <a:latin typeface="Courier New" panose="02070309020205020404" pitchFamily="49" charset="0"/>
                 <a:cs typeface="Courier New" panose="02070309020205020404" pitchFamily="49" charset="0"/>
               </a:rPr>
-              <a:t>archive.php</a:t>
-            </a:r>
-            <a:r>
-              <a:rPr lang="pt-BR" dirty="0"/>
-              <a:t>, substitua </a:t>
-            </a:r>
-            <a:r>
-              <a:rPr lang="pt-BR" dirty="0" err="1">
-                <a:latin typeface="Courier New" panose="02070309020205020404" pitchFamily="49" charset="0"/>
-                <a:cs typeface="Courier New" panose="02070309020205020404" pitchFamily="49" charset="0"/>
-              </a:rPr>
-              <a:t>the_title</a:t>
+              <a:t>header.php</a:t>
+            </a:r>
+            <a:r>
+              <a:rPr lang="pt-BR" dirty="0"/>
+              <a:t>, insira o código abaixo no elemento </a:t>
             </a:r>
             <a:r>
               <a:rPr lang="pt-BR" dirty="0">
                 <a:latin typeface="Courier New" panose="02070309020205020404" pitchFamily="49" charset="0"/>
                 <a:cs typeface="Courier New" panose="02070309020205020404" pitchFamily="49" charset="0"/>
               </a:rPr>
-              <a:t>()</a:t>
-            </a:r>
-            <a:r>
-              <a:rPr lang="pt-BR" dirty="0"/>
-              <a:t> por </a:t>
-            </a:r>
-            <a:r>
-              <a:rPr lang="pt-BR" dirty="0" err="1">
-                <a:latin typeface="Courier New" panose="02070309020205020404" pitchFamily="49" charset="0"/>
-                <a:cs typeface="Courier New" panose="02070309020205020404" pitchFamily="49" charset="0"/>
-              </a:rPr>
-              <a:t>single_cat_title</a:t>
-            </a:r>
-            <a:r>
-              <a:rPr lang="pt-BR" dirty="0">
-                <a:latin typeface="Courier New" panose="02070309020205020404" pitchFamily="49" charset="0"/>
-                <a:cs typeface="Courier New" panose="02070309020205020404" pitchFamily="49" charset="0"/>
-              </a:rPr>
-              <a:t>()</a:t>
-            </a:r>
-            <a:r>
-              <a:rPr lang="pt-BR" dirty="0"/>
-              <a:t> e </a:t>
-            </a:r>
-            <a:r>
-              <a:rPr lang="pt-BR" dirty="0" err="1">
-                <a:latin typeface="Courier New" panose="02070309020205020404" pitchFamily="49" charset="0"/>
-                <a:cs typeface="Courier New" panose="02070309020205020404" pitchFamily="49" charset="0"/>
-              </a:rPr>
-              <a:t>the_content</a:t>
-            </a:r>
-            <a:r>
-              <a:rPr lang="pt-BR" dirty="0">
-                <a:latin typeface="Courier New" panose="02070309020205020404" pitchFamily="49" charset="0"/>
-                <a:cs typeface="Courier New" panose="02070309020205020404" pitchFamily="49" charset="0"/>
-              </a:rPr>
-              <a:t>()</a:t>
-            </a:r>
-            <a:r>
-              <a:rPr lang="pt-BR" dirty="0"/>
-              <a:t> por </a:t>
-            </a:r>
-            <a:r>
-              <a:rPr lang="pt-BR" dirty="0" err="1">
-                <a:latin typeface="Courier New" panose="02070309020205020404" pitchFamily="49" charset="0"/>
-                <a:cs typeface="Courier New" panose="02070309020205020404" pitchFamily="49" charset="0"/>
-              </a:rPr>
-              <a:t>the_excerpt</a:t>
-            </a:r>
-            <a:r>
-              <a:rPr lang="pt-BR" dirty="0">
-                <a:latin typeface="Courier New" panose="02070309020205020404" pitchFamily="49" charset="0"/>
-                <a:cs typeface="Courier New" panose="02070309020205020404" pitchFamily="49" charset="0"/>
-              </a:rPr>
-              <a:t>()</a:t>
-            </a:r>
-            <a:r>
-              <a:rPr lang="pt-BR" dirty="0"/>
-              <a:t>.</a:t>
-            </a:r>
-          </a:p>
-          <a:p>
-            <a:r>
-              <a:rPr lang="pt-BR" dirty="0"/>
-              <a:t>Depois, insira o código abaixo logo antes da chamada do método</a:t>
-            </a:r>
-            <a:r>
-              <a:rPr lang="pt-BR" dirty="0">
-                <a:latin typeface="Courier New" panose="02070309020205020404" pitchFamily="49" charset="0"/>
-                <a:cs typeface="Courier New" panose="02070309020205020404" pitchFamily="49" charset="0"/>
-              </a:rPr>
-              <a:t> </a:t>
-            </a:r>
-            <a:r>
-              <a:rPr lang="pt-BR" dirty="0" err="1">
-                <a:latin typeface="Courier New" panose="02070309020205020404" pitchFamily="49" charset="0"/>
-                <a:cs typeface="Courier New" panose="02070309020205020404" pitchFamily="49" charset="0"/>
-              </a:rPr>
-              <a:t>the_excerpt</a:t>
-            </a:r>
-            <a:r>
-              <a:rPr lang="pt-BR" dirty="0">
-                <a:latin typeface="Courier New" panose="02070309020205020404" pitchFamily="49" charset="0"/>
-                <a:cs typeface="Courier New" panose="02070309020205020404" pitchFamily="49" charset="0"/>
-              </a:rPr>
-              <a:t>()</a:t>
-            </a:r>
-            <a:r>
-              <a:rPr lang="pt-BR" dirty="0"/>
-              <a:t>, para exibir o título do post.</a:t>
-            </a:r>
-          </a:p>
-          <a:p>
-            <a:r>
-              <a:rPr lang="en-US" dirty="0">
-                <a:latin typeface="Courier New" panose="02070309020205020404" pitchFamily="49" charset="0"/>
-                <a:cs typeface="Courier New" panose="02070309020205020404" pitchFamily="49" charset="0"/>
-              </a:rPr>
-              <a:t>&lt;h3&gt;&lt;?php </a:t>
+              <a:t>&lt;header&gt;</a:t>
+            </a:r>
+            <a:r>
+              <a:rPr lang="pt-BR" dirty="0"/>
+              <a:t> para incluir o menu no cabeçalho das páginas:</a:t>
+            </a:r>
+          </a:p>
+          <a:p>
+            <a:pPr algn="l"/>
+            <a:r>
+              <a:rPr lang="en-US" dirty="0">
+                <a:latin typeface="Courier New" panose="02070309020205020404" pitchFamily="49" charset="0"/>
+                <a:cs typeface="Courier New" panose="02070309020205020404" pitchFamily="49" charset="0"/>
+              </a:rPr>
+              <a:t>&lt;?php </a:t>
             </a:r>
             <a:r>
               <a:rPr lang="en-US" dirty="0" err="1">
                 <a:latin typeface="Courier New" panose="02070309020205020404" pitchFamily="49" charset="0"/>
                 <a:cs typeface="Courier New" panose="02070309020205020404" pitchFamily="49" charset="0"/>
               </a:rPr>
-              <a:t>the_title</a:t>
-            </a:r>
-            <a:r>
-              <a:rPr lang="en-US" dirty="0">
-                <a:latin typeface="Courier New" panose="02070309020205020404" pitchFamily="49" charset="0"/>
-                <a:cs typeface="Courier New" panose="02070309020205020404" pitchFamily="49" charset="0"/>
-              </a:rPr>
-              <a:t>(); ?&gt;&lt;/h3&gt;</a:t>
+              <a:t>wp_nav_menu</a:t>
+            </a:r>
+            <a:r>
+              <a:rPr lang="en-US" dirty="0">
+                <a:latin typeface="Courier New" panose="02070309020205020404" pitchFamily="49" charset="0"/>
+                <a:cs typeface="Courier New" panose="02070309020205020404" pitchFamily="49" charset="0"/>
+              </a:rPr>
+              <a:t>(</a:t>
+            </a:r>
+          </a:p>
+          <a:p>
+            <a:pPr algn="l"/>
+            <a:r>
+              <a:rPr lang="en-US" dirty="0">
+                <a:latin typeface="Courier New" panose="02070309020205020404" pitchFamily="49" charset="0"/>
+                <a:cs typeface="Courier New" panose="02070309020205020404" pitchFamily="49" charset="0"/>
+              </a:rPr>
+              <a:t>        array(</a:t>
+            </a:r>
+          </a:p>
+          <a:p>
+            <a:pPr algn="l"/>
+            <a:r>
+              <a:rPr lang="en-US" dirty="0">
+                <a:latin typeface="Courier New" panose="02070309020205020404" pitchFamily="49" charset="0"/>
+                <a:cs typeface="Courier New" panose="02070309020205020404" pitchFamily="49" charset="0"/>
+              </a:rPr>
+              <a:t>            '</a:t>
+            </a:r>
+            <a:r>
+              <a:rPr lang="en-US" dirty="0" err="1">
+                <a:latin typeface="Courier New" panose="02070309020205020404" pitchFamily="49" charset="0"/>
+                <a:cs typeface="Courier New" panose="02070309020205020404" pitchFamily="49" charset="0"/>
+              </a:rPr>
+              <a:t>theme_location</a:t>
+            </a:r>
+            <a:r>
+              <a:rPr lang="en-US" dirty="0">
+                <a:latin typeface="Courier New" panose="02070309020205020404" pitchFamily="49" charset="0"/>
+                <a:cs typeface="Courier New" panose="02070309020205020404" pitchFamily="49" charset="0"/>
+              </a:rPr>
+              <a:t>' =&gt; 'top-menu'</a:t>
+            </a:r>
+          </a:p>
+          <a:p>
+            <a:pPr algn="l"/>
+            <a:r>
+              <a:rPr lang="en-US" dirty="0">
+                <a:latin typeface="Courier New" panose="02070309020205020404" pitchFamily="49" charset="0"/>
+                <a:cs typeface="Courier New" panose="02070309020205020404" pitchFamily="49" charset="0"/>
+              </a:rPr>
+              <a:t>        ));</a:t>
+            </a:r>
+          </a:p>
+          <a:p>
+            <a:pPr algn="l"/>
+            <a:r>
+              <a:rPr lang="en-US" dirty="0">
+                <a:latin typeface="Courier New" panose="02070309020205020404" pitchFamily="49" charset="0"/>
+                <a:cs typeface="Courier New" panose="02070309020205020404" pitchFamily="49" charset="0"/>
+              </a:rPr>
+              <a:t>?&gt;</a:t>
             </a:r>
             <a:endParaRPr lang="pt-BR" dirty="0">
               <a:latin typeface="Courier New" panose="02070309020205020404" pitchFamily="49" charset="0"/>
@@ -11326,7 +11722,7 @@
     </p:spTree>
     <p:extLst>
       <p:ext uri="{BB962C8B-B14F-4D97-AF65-F5344CB8AC3E}">
-        <p14:creationId xmlns:p14="http://schemas.microsoft.com/office/powerpoint/2010/main" val="2045831681"/>
+        <p14:creationId xmlns:p14="http://schemas.microsoft.com/office/powerpoint/2010/main" val="891450009"/>
       </p:ext>
     </p:extLst>
   </p:cSld>
@@ -11372,7 +11768,7 @@
           <a:p>
             <a:r>
               <a:rPr lang="pt-BR" dirty="0"/>
-              <a:t>Página para posts</a:t>
+              <a:t>Inserção do menu global</a:t>
             </a:r>
           </a:p>
         </p:txBody>
@@ -11387,7 +11783,12 @@
             <p:ph idx="1"/>
           </p:nvPr>
         </p:nvSpPr>
-        <p:spPr/>
+        <p:spPr>
+          <a:xfrm>
+            <a:off x="317694" y="1291052"/>
+            <a:ext cx="11705493" cy="5045579"/>
+          </a:xfrm>
+        </p:spPr>
         <p:txBody>
           <a:bodyPr>
             <a:normAutofit/>
@@ -11396,133 +11797,106 @@
           <a:p>
             <a:r>
               <a:rPr lang="pt-BR" dirty="0"/>
-              <a:t>Ainda no arquivo, </a:t>
+              <a:t>Para adicionar uma classe ao menu, basta inserir mais uma chave (</a:t>
             </a:r>
             <a:r>
               <a:rPr lang="pt-BR" dirty="0" err="1">
                 <a:latin typeface="Courier New" panose="02070309020205020404" pitchFamily="49" charset="0"/>
                 <a:cs typeface="Courier New" panose="02070309020205020404" pitchFamily="49" charset="0"/>
               </a:rPr>
-              <a:t>archive.php</a:t>
-            </a:r>
-            <a:r>
-              <a:rPr lang="pt-BR" dirty="0"/>
-              <a:t>, insira o código abaixo</a:t>
-            </a:r>
-          </a:p>
-          <a:p>
-            <a:r>
-              <a:rPr lang="en-US" dirty="0">
-                <a:latin typeface="Courier New" panose="02070309020205020404" pitchFamily="49" charset="0"/>
-                <a:cs typeface="Courier New" panose="02070309020205020404" pitchFamily="49" charset="0"/>
-              </a:rPr>
-              <a:t>&lt;a </a:t>
+              <a:t>menu_class</a:t>
+            </a:r>
+            <a:r>
+              <a:rPr lang="pt-BR" dirty="0"/>
+              <a:t>) no </a:t>
+            </a:r>
+            <a:r>
+              <a:rPr lang="pt-BR" dirty="0" err="1"/>
+              <a:t>array</a:t>
+            </a:r>
+            <a:r>
+              <a:rPr lang="pt-BR" dirty="0"/>
+              <a:t> com o nome da classe desejada:</a:t>
+            </a:r>
+          </a:p>
+          <a:p>
+            <a:pPr algn="l"/>
+            <a:r>
+              <a:rPr lang="en-US" dirty="0">
+                <a:latin typeface="Courier New" panose="02070309020205020404" pitchFamily="49" charset="0"/>
+                <a:cs typeface="Courier New" panose="02070309020205020404" pitchFamily="49" charset="0"/>
+              </a:rPr>
+              <a:t>array(</a:t>
+            </a:r>
+          </a:p>
+          <a:p>
+            <a:pPr algn="l"/>
+            <a:r>
+              <a:rPr lang="en-US" dirty="0">
+                <a:latin typeface="Courier New" panose="02070309020205020404" pitchFamily="49" charset="0"/>
+                <a:cs typeface="Courier New" panose="02070309020205020404" pitchFamily="49" charset="0"/>
+              </a:rPr>
+              <a:t>    '</a:t>
             </a:r>
             <a:r>
               <a:rPr lang="en-US" dirty="0" err="1">
                 <a:latin typeface="Courier New" panose="02070309020205020404" pitchFamily="49" charset="0"/>
                 <a:cs typeface="Courier New" panose="02070309020205020404" pitchFamily="49" charset="0"/>
               </a:rPr>
-              <a:t>href</a:t>
-            </a:r>
-            <a:r>
-              <a:rPr lang="en-US" dirty="0">
-                <a:latin typeface="Courier New" panose="02070309020205020404" pitchFamily="49" charset="0"/>
-                <a:cs typeface="Courier New" panose="02070309020205020404" pitchFamily="49" charset="0"/>
-              </a:rPr>
-              <a:t>="&lt;?php </a:t>
+              <a:t>theme_location</a:t>
+            </a:r>
+            <a:r>
+              <a:rPr lang="en-US" dirty="0">
+                <a:latin typeface="Courier New" panose="02070309020205020404" pitchFamily="49" charset="0"/>
+                <a:cs typeface="Courier New" panose="02070309020205020404" pitchFamily="49" charset="0"/>
+              </a:rPr>
+              <a:t>' =&gt; 'top-menu’,</a:t>
+            </a:r>
+          </a:p>
+          <a:p>
+            <a:pPr algn="l"/>
+            <a:r>
+              <a:rPr lang="en-US" dirty="0">
+                <a:latin typeface="Courier New" panose="02070309020205020404" pitchFamily="49" charset="0"/>
+                <a:cs typeface="Courier New" panose="02070309020205020404" pitchFamily="49" charset="0"/>
+              </a:rPr>
+              <a:t>	'</a:t>
             </a:r>
             <a:r>
               <a:rPr lang="en-US" dirty="0" err="1">
                 <a:latin typeface="Courier New" panose="02070309020205020404" pitchFamily="49" charset="0"/>
                 <a:cs typeface="Courier New" panose="02070309020205020404" pitchFamily="49" charset="0"/>
               </a:rPr>
-              <a:t>the_permalink</a:t>
-            </a:r>
-            <a:r>
-              <a:rPr lang="en-US" dirty="0">
-                <a:latin typeface="Courier New" panose="02070309020205020404" pitchFamily="49" charset="0"/>
-                <a:cs typeface="Courier New" panose="02070309020205020404" pitchFamily="49" charset="0"/>
-              </a:rPr>
-              <a:t>(); ?&gt;" class="</a:t>
-            </a:r>
-            <a:r>
-              <a:rPr lang="en-US" dirty="0" err="1">
-                <a:latin typeface="Courier New" panose="02070309020205020404" pitchFamily="49" charset="0"/>
-                <a:cs typeface="Courier New" panose="02070309020205020404" pitchFamily="49" charset="0"/>
-              </a:rPr>
-              <a:t>btn</a:t>
-            </a:r>
-            <a:r>
-              <a:rPr lang="en-US" dirty="0">
-                <a:latin typeface="Courier New" panose="02070309020205020404" pitchFamily="49" charset="0"/>
-                <a:cs typeface="Courier New" panose="02070309020205020404" pitchFamily="49" charset="0"/>
-              </a:rPr>
-              <a:t> </a:t>
-            </a:r>
-            <a:r>
-              <a:rPr lang="en-US" dirty="0" err="1">
-                <a:latin typeface="Courier New" panose="02070309020205020404" pitchFamily="49" charset="0"/>
-                <a:cs typeface="Courier New" panose="02070309020205020404" pitchFamily="49" charset="0"/>
-              </a:rPr>
-              <a:t>btn</a:t>
-            </a:r>
-            <a:r>
-              <a:rPr lang="en-US" dirty="0">
-                <a:latin typeface="Courier New" panose="02070309020205020404" pitchFamily="49" charset="0"/>
-                <a:cs typeface="Courier New" panose="02070309020205020404" pitchFamily="49" charset="0"/>
-              </a:rPr>
-              <a:t>-success"&gt;Leia </a:t>
-            </a:r>
-            <a:r>
-              <a:rPr lang="en-US" dirty="0" err="1">
-                <a:latin typeface="Courier New" panose="02070309020205020404" pitchFamily="49" charset="0"/>
-                <a:cs typeface="Courier New" panose="02070309020205020404" pitchFamily="49" charset="0"/>
-              </a:rPr>
-              <a:t>mais</a:t>
-            </a:r>
-            <a:r>
-              <a:rPr lang="en-US" dirty="0">
-                <a:latin typeface="Courier New" panose="02070309020205020404" pitchFamily="49" charset="0"/>
-                <a:cs typeface="Courier New" panose="02070309020205020404" pitchFamily="49" charset="0"/>
-              </a:rPr>
-              <a:t>&lt;/a&gt;</a:t>
+              <a:t>menu_class</a:t>
+            </a:r>
+            <a:r>
+              <a:rPr lang="en-US" dirty="0">
+                <a:latin typeface="Courier New" panose="02070309020205020404" pitchFamily="49" charset="0"/>
+                <a:cs typeface="Courier New" panose="02070309020205020404" pitchFamily="49" charset="0"/>
+              </a:rPr>
+              <a:t>' =&gt; 'navigation'</a:t>
+            </a:r>
+          </a:p>
+          <a:p>
+            <a:pPr algn="l"/>
+            <a:r>
+              <a:rPr lang="en-US" dirty="0">
+                <a:latin typeface="Courier New" panose="02070309020205020404" pitchFamily="49" charset="0"/>
+                <a:cs typeface="Courier New" panose="02070309020205020404" pitchFamily="49" charset="0"/>
+              </a:rPr>
+              <a:t>));</a:t>
             </a:r>
             <a:endParaRPr lang="pt-BR" dirty="0">
               <a:latin typeface="Courier New" panose="02070309020205020404" pitchFamily="49" charset="0"/>
               <a:cs typeface="Courier New" panose="02070309020205020404" pitchFamily="49" charset="0"/>
             </a:endParaRPr>
           </a:p>
-          <a:p>
-            <a:r>
-              <a:rPr lang="pt-BR" dirty="0"/>
-              <a:t>Logo após a chamada do método </a:t>
-            </a:r>
-            <a:r>
-              <a:rPr lang="pt-BR" dirty="0" err="1">
-                <a:latin typeface="Courier New" panose="02070309020205020404" pitchFamily="49" charset="0"/>
-                <a:cs typeface="Courier New" panose="02070309020205020404" pitchFamily="49" charset="0"/>
-              </a:rPr>
-              <a:t>the_excerpt</a:t>
-            </a:r>
-            <a:r>
-              <a:rPr lang="pt-BR" dirty="0">
-                <a:latin typeface="Courier New" panose="02070309020205020404" pitchFamily="49" charset="0"/>
-                <a:cs typeface="Courier New" panose="02070309020205020404" pitchFamily="49" charset="0"/>
-              </a:rPr>
-              <a:t>()</a:t>
-            </a:r>
-            <a:r>
-              <a:rPr lang="pt-BR" dirty="0"/>
-              <a:t>, para exibir um link para o post completo.</a:t>
-            </a:r>
-          </a:p>
         </p:txBody>
       </p:sp>
     </p:spTree>
     <p:extLst>
       <p:ext uri="{BB962C8B-B14F-4D97-AF65-F5344CB8AC3E}">
-        <p14:creationId xmlns:p14="http://schemas.microsoft.com/office/powerpoint/2010/main" val="3672891892"/>
+        <p14:creationId xmlns:p14="http://schemas.microsoft.com/office/powerpoint/2010/main" val="1926250769"/>
       </p:ext>
     </p:extLst>
   </p:cSld>
@@ -11561,6 +11935,28 @@
         </p:nvSpPr>
         <p:spPr/>
         <p:txBody>
+          <a:bodyPr/>
+          <a:lstStyle/>
+          <a:p>
+            <a:r>
+              <a:rPr lang="pt-BR" dirty="0"/>
+              <a:t>Formatação do cabeçalho</a:t>
+            </a:r>
+          </a:p>
+        </p:txBody>
+      </p:sp>
+      <p:sp>
+        <p:nvSpPr>
+          <p:cNvPr id="6" name="Espaço Reservado para Conteúdo 5"/>
+          <p:cNvSpPr>
+            <a:spLocks noGrp="1"/>
+          </p:cNvSpPr>
+          <p:nvPr>
+            <p:ph idx="1"/>
+          </p:nvPr>
+        </p:nvSpPr>
+        <p:spPr/>
+        <p:txBody>
           <a:bodyPr>
             <a:normAutofit/>
           </a:bodyPr>
@@ -11568,42 +11964,40 @@
           <a:p>
             <a:r>
               <a:rPr lang="pt-BR" dirty="0"/>
-              <a:t>Página para posts</a:t>
-            </a:r>
-          </a:p>
-        </p:txBody>
-      </p:sp>
-      <p:sp>
-        <p:nvSpPr>
-          <p:cNvPr id="6" name="Espaço Reservado para Conteúdo 5"/>
-          <p:cNvSpPr>
-            <a:spLocks noGrp="1"/>
-          </p:cNvSpPr>
-          <p:nvPr>
-            <p:ph idx="1"/>
-          </p:nvPr>
-        </p:nvSpPr>
-        <p:spPr/>
-        <p:txBody>
-          <a:bodyPr>
-            <a:normAutofit fontScale="92500" lnSpcReduction="10000"/>
-          </a:bodyPr>
-          <a:lstStyle/>
-          <a:p>
-            <a:r>
-              <a:rPr lang="pt-BR" dirty="0"/>
-              <a:t>Ainda no arquivo, </a:t>
+              <a:t>Adicione ao elemento </a:t>
+            </a:r>
+            <a:r>
+              <a:rPr lang="pt-BR" dirty="0">
+                <a:latin typeface="Courier New" panose="02070309020205020404" pitchFamily="49" charset="0"/>
+                <a:cs typeface="Courier New" panose="02070309020205020404" pitchFamily="49" charset="0"/>
+              </a:rPr>
+              <a:t>&lt;header&gt;</a:t>
+            </a:r>
+            <a:r>
+              <a:rPr lang="pt-BR" dirty="0"/>
+              <a:t> a classe </a:t>
             </a:r>
             <a:r>
               <a:rPr lang="pt-BR" dirty="0" err="1">
                 <a:latin typeface="Courier New" panose="02070309020205020404" pitchFamily="49" charset="0"/>
                 <a:cs typeface="Courier New" panose="02070309020205020404" pitchFamily="49" charset="0"/>
               </a:rPr>
-              <a:t>archive.php</a:t>
-            </a:r>
-            <a:r>
-              <a:rPr lang="pt-BR" dirty="0"/>
-              <a:t>, envolva as informações do post com a estrutura abaixo:</a:t>
+              <a:t>sticky</a:t>
+            </a:r>
+            <a:r>
+              <a:rPr lang="pt-BR" dirty="0">
+                <a:latin typeface="Courier New" panose="02070309020205020404" pitchFamily="49" charset="0"/>
+                <a:cs typeface="Courier New" panose="02070309020205020404" pitchFamily="49" charset="0"/>
+              </a:rPr>
+              <a:t>-top</a:t>
+            </a:r>
+            <a:r>
+              <a:rPr lang="pt-BR" dirty="0"/>
+              <a:t> para que ele fique fixo no topo da página</a:t>
+            </a:r>
+            <a:r>
+              <a:rPr lang="en-US" dirty="0"/>
+              <a:t>:</a:t>
             </a:r>
           </a:p>
           <a:p>
@@ -11613,47 +12007,7 @@
                 <a:latin typeface="Courier New" panose="02070309020205020404" pitchFamily="49" charset="0"/>
                 <a:cs typeface="Courier New" panose="02070309020205020404" pitchFamily="49" charset="0"/>
               </a:rPr>
-              <a:t>&lt;div class="card"&gt;</a:t>
-            </a:r>
-          </a:p>
-          <a:p>
-            <a:pPr algn="l"/>
-            <a:r>
-              <a:rPr lang="en-US" dirty="0">
-                <a:latin typeface="Courier New" panose="02070309020205020404" pitchFamily="49" charset="0"/>
-                <a:cs typeface="Courier New" panose="02070309020205020404" pitchFamily="49" charset="0"/>
-              </a:rPr>
-              <a:t>	&lt;div class="card-body"&gt;</a:t>
-            </a:r>
-          </a:p>
-          <a:p>
-            <a:pPr algn="l"/>
-            <a:r>
-              <a:rPr lang="en-US" dirty="0">
-                <a:latin typeface="Courier New" panose="02070309020205020404" pitchFamily="49" charset="0"/>
-                <a:cs typeface="Courier New" panose="02070309020205020404" pitchFamily="49" charset="0"/>
-              </a:rPr>
-              <a:t>		…</a:t>
-            </a:r>
-          </a:p>
-          <a:p>
-            <a:pPr algn="l"/>
-            <a:r>
-              <a:rPr lang="en-US" dirty="0">
-                <a:latin typeface="Courier New" panose="02070309020205020404" pitchFamily="49" charset="0"/>
-                <a:cs typeface="Courier New" panose="02070309020205020404" pitchFamily="49" charset="0"/>
-              </a:rPr>
-              <a:t>	&lt;/div&gt;</a:t>
-            </a:r>
-          </a:p>
-          <a:p>
-            <a:pPr algn="l"/>
-            <a:r>
-              <a:rPr lang="en-US" dirty="0">
-                <a:latin typeface="Courier New" panose="02070309020205020404" pitchFamily="49" charset="0"/>
-                <a:cs typeface="Courier New" panose="02070309020205020404" pitchFamily="49" charset="0"/>
-              </a:rPr>
-              <a:t>&lt;/div&gt;</a:t>
+              <a:t>&lt;header class="sticky-top"&gt;</a:t>
             </a:r>
             <a:endParaRPr lang="pt-BR" dirty="0">
               <a:latin typeface="Courier New" panose="02070309020205020404" pitchFamily="49" charset="0"/>
@@ -11665,7 +12019,7 @@
     </p:spTree>
     <p:extLst>
       <p:ext uri="{BB962C8B-B14F-4D97-AF65-F5344CB8AC3E}">
-        <p14:creationId xmlns:p14="http://schemas.microsoft.com/office/powerpoint/2010/main" val="3869236380"/>
+        <p14:creationId xmlns:p14="http://schemas.microsoft.com/office/powerpoint/2010/main" val="2999945282"/>
       </p:ext>
     </p:extLst>
   </p:cSld>
@@ -11735,35 +12089,46 @@
           <a:p>
             <a:r>
               <a:rPr lang="pt-BR" dirty="0"/>
-              <a:t>No arquivo, </a:t>
+              <a:t>Caso ainda não tenha, crie alguns posts para o site, no painel de gerenciamento.</a:t>
+            </a:r>
+          </a:p>
+          <a:p>
+            <a:r>
+              <a:rPr lang="pt-BR" dirty="0"/>
+              <a:t>Copie o código do arquivo </a:t>
             </a:r>
             <a:r>
               <a:rPr lang="pt-BR" dirty="0" err="1">
                 <a:latin typeface="Courier New" panose="02070309020205020404" pitchFamily="49" charset="0"/>
                 <a:cs typeface="Courier New" panose="02070309020205020404" pitchFamily="49" charset="0"/>
               </a:rPr>
-              <a:t>functions.php</a:t>
-            </a:r>
-            <a:r>
-              <a:rPr lang="pt-BR" dirty="0"/>
-              <a:t>, insira o código abaixo para possibilitar que este tema exiba as imagens de destaque dos posts:</a:t>
-            </a:r>
-          </a:p>
-          <a:p>
-            <a:pPr algn="l"/>
-            <a:r>
-              <a:rPr lang="en-US" dirty="0" err="1">
-                <a:latin typeface="Courier New" panose="02070309020205020404" pitchFamily="49" charset="0"/>
-                <a:cs typeface="Courier New" panose="02070309020205020404" pitchFamily="49" charset="0"/>
-              </a:rPr>
-              <a:t>add_theme_support</a:t>
-            </a:r>
-            <a:r>
-              <a:rPr lang="en-US" dirty="0">
-                <a:latin typeface="Courier New" panose="02070309020205020404" pitchFamily="49" charset="0"/>
-                <a:cs typeface="Courier New" panose="02070309020205020404" pitchFamily="49" charset="0"/>
-              </a:rPr>
-              <a:t>('post-thumbnails');</a:t>
+              <a:t>page.php</a:t>
+            </a:r>
+            <a:r>
+              <a:rPr lang="pt-BR" dirty="0"/>
+              <a:t> para o arquivo </a:t>
+            </a:r>
+            <a:r>
+              <a:rPr lang="pt-BR" dirty="0" err="1">
+                <a:latin typeface="Courier New" panose="02070309020205020404" pitchFamily="49" charset="0"/>
+                <a:cs typeface="Courier New" panose="02070309020205020404" pitchFamily="49" charset="0"/>
+              </a:rPr>
+              <a:t>single.php</a:t>
+            </a:r>
+            <a:r>
+              <a:rPr lang="pt-BR" dirty="0"/>
+              <a:t> e </a:t>
+            </a:r>
+            <a:r>
+              <a:rPr lang="pt-BR" dirty="0" err="1">
+                <a:latin typeface="Courier New" panose="02070309020205020404" pitchFamily="49" charset="0"/>
+                <a:cs typeface="Courier New" panose="02070309020205020404" pitchFamily="49" charset="0"/>
+              </a:rPr>
+              <a:t>archive.php</a:t>
+            </a:r>
+            <a:r>
+              <a:rPr lang="pt-BR" dirty="0"/>
+              <a:t>.</a:t>
             </a:r>
             <a:endParaRPr lang="pt-BR" dirty="0">
               <a:latin typeface="Courier New" panose="02070309020205020404" pitchFamily="49" charset="0"/>
@@ -11775,7 +12140,7 @@
     </p:spTree>
     <p:extLst>
       <p:ext uri="{BB962C8B-B14F-4D97-AF65-F5344CB8AC3E}">
-        <p14:creationId xmlns:p14="http://schemas.microsoft.com/office/powerpoint/2010/main" val="2520793177"/>
+        <p14:creationId xmlns:p14="http://schemas.microsoft.com/office/powerpoint/2010/main" val="3423407118"/>
       </p:ext>
     </p:extLst>
   </p:cSld>
@@ -11845,52 +12210,144 @@
           <a:p>
             <a:r>
               <a:rPr lang="pt-BR" dirty="0"/>
-              <a:t>Ainda no arquivo, </a:t>
+              <a:t>No arquivo, </a:t>
             </a:r>
             <a:r>
               <a:rPr lang="pt-BR" dirty="0" err="1">
                 <a:latin typeface="Courier New" panose="02070309020205020404" pitchFamily="49" charset="0"/>
                 <a:cs typeface="Courier New" panose="02070309020205020404" pitchFamily="49" charset="0"/>
               </a:rPr>
-              <a:t>functions.php</a:t>
-            </a:r>
-            <a:r>
-              <a:rPr lang="pt-BR" dirty="0"/>
-              <a:t>, insira o código abaixo para definir os tamanhos de imagens possíveis neste tema:</a:t>
-            </a:r>
-          </a:p>
-          <a:p>
-            <a:pPr algn="l"/>
+              <a:t>archive.php</a:t>
+            </a:r>
+            <a:r>
+              <a:rPr lang="pt-BR" dirty="0"/>
+              <a:t>, substitua </a:t>
+            </a:r>
+            <a:r>
+              <a:rPr lang="pt-BR" dirty="0" err="1">
+                <a:latin typeface="Courier New" panose="02070309020205020404" pitchFamily="49" charset="0"/>
+                <a:cs typeface="Courier New" panose="02070309020205020404" pitchFamily="49" charset="0"/>
+              </a:rPr>
+              <a:t>the_title</a:t>
+            </a:r>
+            <a:r>
+              <a:rPr lang="pt-BR" dirty="0">
+                <a:latin typeface="Courier New" panose="02070309020205020404" pitchFamily="49" charset="0"/>
+                <a:cs typeface="Courier New" panose="02070309020205020404" pitchFamily="49" charset="0"/>
+              </a:rPr>
+              <a:t>()</a:t>
+            </a:r>
+            <a:r>
+              <a:rPr lang="pt-BR" dirty="0"/>
+              <a:t> por </a:t>
+            </a:r>
+            <a:r>
+              <a:rPr lang="pt-BR" dirty="0" err="1">
+                <a:latin typeface="Courier New" panose="02070309020205020404" pitchFamily="49" charset="0"/>
+                <a:cs typeface="Courier New" panose="02070309020205020404" pitchFamily="49" charset="0"/>
+              </a:rPr>
+              <a:t>single_cat_title</a:t>
+            </a:r>
+            <a:r>
+              <a:rPr lang="pt-BR" dirty="0">
+                <a:latin typeface="Courier New" panose="02070309020205020404" pitchFamily="49" charset="0"/>
+                <a:cs typeface="Courier New" panose="02070309020205020404" pitchFamily="49" charset="0"/>
+              </a:rPr>
+              <a:t>()</a:t>
+            </a:r>
+            <a:r>
+              <a:rPr lang="pt-BR" dirty="0"/>
+              <a:t> e </a:t>
+            </a:r>
+            <a:r>
+              <a:rPr lang="pt-BR" dirty="0" err="1">
+                <a:latin typeface="Courier New" panose="02070309020205020404" pitchFamily="49" charset="0"/>
+                <a:cs typeface="Courier New" panose="02070309020205020404" pitchFamily="49" charset="0"/>
+              </a:rPr>
+              <a:t>the_content</a:t>
+            </a:r>
+            <a:r>
+              <a:rPr lang="pt-BR" dirty="0">
+                <a:latin typeface="Courier New" panose="02070309020205020404" pitchFamily="49" charset="0"/>
+                <a:cs typeface="Courier New" panose="02070309020205020404" pitchFamily="49" charset="0"/>
+              </a:rPr>
+              <a:t>()</a:t>
+            </a:r>
+            <a:r>
+              <a:rPr lang="pt-BR" dirty="0"/>
+              <a:t> por </a:t>
+            </a:r>
+            <a:r>
+              <a:rPr lang="pt-BR" dirty="0" err="1">
+                <a:latin typeface="Courier New" panose="02070309020205020404" pitchFamily="49" charset="0"/>
+                <a:cs typeface="Courier New" panose="02070309020205020404" pitchFamily="49" charset="0"/>
+              </a:rPr>
+              <a:t>the_excerpt</a:t>
+            </a:r>
+            <a:r>
+              <a:rPr lang="pt-BR" dirty="0">
+                <a:latin typeface="Courier New" panose="02070309020205020404" pitchFamily="49" charset="0"/>
+                <a:cs typeface="Courier New" panose="02070309020205020404" pitchFamily="49" charset="0"/>
+              </a:rPr>
+              <a:t>()</a:t>
+            </a:r>
+            <a:r>
+              <a:rPr lang="pt-BR" dirty="0"/>
+              <a:t>.</a:t>
+            </a:r>
+          </a:p>
+          <a:p>
+            <a:r>
+              <a:rPr lang="pt-BR" dirty="0"/>
+              <a:t>Depois, insira o código abaixo logo antes da chamada do método</a:t>
+            </a:r>
+            <a:r>
+              <a:rPr lang="pt-BR" dirty="0">
+                <a:latin typeface="Courier New" panose="02070309020205020404" pitchFamily="49" charset="0"/>
+                <a:cs typeface="Courier New" panose="02070309020205020404" pitchFamily="49" charset="0"/>
+              </a:rPr>
+              <a:t> </a:t>
+            </a:r>
+            <a:r>
+              <a:rPr lang="pt-BR" dirty="0" err="1">
+                <a:latin typeface="Courier New" panose="02070309020205020404" pitchFamily="49" charset="0"/>
+                <a:cs typeface="Courier New" panose="02070309020205020404" pitchFamily="49" charset="0"/>
+              </a:rPr>
+              <a:t>the_excerpt</a:t>
+            </a:r>
+            <a:r>
+              <a:rPr lang="pt-BR" dirty="0">
+                <a:latin typeface="Courier New" panose="02070309020205020404" pitchFamily="49" charset="0"/>
+                <a:cs typeface="Courier New" panose="02070309020205020404" pitchFamily="49" charset="0"/>
+              </a:rPr>
+              <a:t>()</a:t>
+            </a:r>
+            <a:r>
+              <a:rPr lang="pt-BR" dirty="0"/>
+              <a:t>, para exibir o título do post.</a:t>
+            </a:r>
+          </a:p>
+          <a:p>
+            <a:r>
+              <a:rPr lang="en-US" dirty="0">
+                <a:latin typeface="Courier New" panose="02070309020205020404" pitchFamily="49" charset="0"/>
+                <a:cs typeface="Courier New" panose="02070309020205020404" pitchFamily="49" charset="0"/>
+              </a:rPr>
+              <a:t>&lt;h3&gt;&lt;?php </a:t>
+            </a:r>
             <a:r>
               <a:rPr lang="en-US" dirty="0" err="1">
                 <a:latin typeface="Courier New" panose="02070309020205020404" pitchFamily="49" charset="0"/>
                 <a:cs typeface="Courier New" panose="02070309020205020404" pitchFamily="49" charset="0"/>
               </a:rPr>
-              <a:t>add_image_size</a:t>
-            </a:r>
-            <a:r>
-              <a:rPr lang="en-US" dirty="0">
-                <a:latin typeface="Courier New" panose="02070309020205020404" pitchFamily="49" charset="0"/>
-                <a:cs typeface="Courier New" panose="02070309020205020404" pitchFamily="49" charset="0"/>
-              </a:rPr>
-              <a:t>('smallest', 300, 300, true);</a:t>
-            </a:r>
-          </a:p>
-          <a:p>
-            <a:pPr algn="l"/>
-            <a:r>
-              <a:rPr lang="en-US" dirty="0" err="1">
-                <a:latin typeface="Courier New" panose="02070309020205020404" pitchFamily="49" charset="0"/>
-                <a:cs typeface="Courier New" panose="02070309020205020404" pitchFamily="49" charset="0"/>
-              </a:rPr>
-              <a:t>add_image_size</a:t>
-            </a:r>
-            <a:r>
-              <a:rPr lang="en-US" dirty="0">
-                <a:latin typeface="Courier New" panose="02070309020205020404" pitchFamily="49" charset="0"/>
-                <a:cs typeface="Courier New" panose="02070309020205020404" pitchFamily="49" charset="0"/>
-              </a:rPr>
-              <a:t>('largest', 800, 800, true);</a:t>
+              <a:t>the_title</a:t>
+            </a:r>
+            <a:r>
+              <a:rPr lang="en-US" dirty="0">
+                <a:latin typeface="Courier New" panose="02070309020205020404" pitchFamily="49" charset="0"/>
+                <a:cs typeface="Courier New" panose="02070309020205020404" pitchFamily="49" charset="0"/>
+              </a:rPr>
+              <a:t>(); ?&gt;&lt;/h3&gt;</a:t>
             </a:r>
             <a:endParaRPr lang="pt-BR" dirty="0">
               <a:latin typeface="Courier New" panose="02070309020205020404" pitchFamily="49" charset="0"/>
@@ -11902,7 +12359,7 @@
     </p:spTree>
     <p:extLst>
       <p:ext uri="{BB962C8B-B14F-4D97-AF65-F5344CB8AC3E}">
-        <p14:creationId xmlns:p14="http://schemas.microsoft.com/office/powerpoint/2010/main" val="2096903172"/>
+        <p14:creationId xmlns:p14="http://schemas.microsoft.com/office/powerpoint/2010/main" val="2045831681"/>
       </p:ext>
     </p:extLst>
   </p:cSld>
@@ -11966,83 +12423,68 @@
         <p:spPr/>
         <p:txBody>
           <a:bodyPr>
-            <a:normAutofit fontScale="92500" lnSpcReduction="10000"/>
+            <a:normAutofit/>
           </a:bodyPr>
           <a:lstStyle/>
           <a:p>
             <a:r>
               <a:rPr lang="pt-BR" dirty="0"/>
-              <a:t>No arquivo, </a:t>
+              <a:t>Ainda no arquivo, </a:t>
             </a:r>
             <a:r>
               <a:rPr lang="pt-BR" dirty="0" err="1">
                 <a:latin typeface="Courier New" panose="02070309020205020404" pitchFamily="49" charset="0"/>
                 <a:cs typeface="Courier New" panose="02070309020205020404" pitchFamily="49" charset="0"/>
               </a:rPr>
-              <a:t>single.php</a:t>
-            </a:r>
-            <a:r>
-              <a:rPr lang="pt-BR" dirty="0"/>
-              <a:t>, insira o código abaixo, logo após a chamada da função </a:t>
-            </a:r>
-            <a:r>
-              <a:rPr lang="pt-BR" dirty="0" err="1">
-                <a:latin typeface="Courier New" panose="02070309020205020404" pitchFamily="49" charset="0"/>
-                <a:cs typeface="Courier New" panose="02070309020205020404" pitchFamily="49" charset="0"/>
-              </a:rPr>
-              <a:t>the_title</a:t>
-            </a:r>
-            <a:r>
-              <a:rPr lang="pt-BR" dirty="0">
-                <a:latin typeface="Courier New" panose="02070309020205020404" pitchFamily="49" charset="0"/>
-                <a:cs typeface="Courier New" panose="02070309020205020404" pitchFamily="49" charset="0"/>
-              </a:rPr>
-              <a:t>()</a:t>
-            </a:r>
-            <a:r>
-              <a:rPr lang="pt-BR" dirty="0"/>
-              <a:t>, para inserir a imagem destacada do post:</a:t>
-            </a:r>
-          </a:p>
-          <a:p>
-            <a:pPr algn="l"/>
-            <a:r>
-              <a:rPr lang="en-US" dirty="0">
-                <a:latin typeface="Courier New" panose="02070309020205020404" pitchFamily="49" charset="0"/>
-                <a:cs typeface="Courier New" panose="02070309020205020404" pitchFamily="49" charset="0"/>
-              </a:rPr>
-              <a:t>&lt;?php if (</a:t>
+              <a:t>archive.php</a:t>
+            </a:r>
+            <a:r>
+              <a:rPr lang="pt-BR" dirty="0"/>
+              <a:t>, insira o código abaixo</a:t>
+            </a:r>
+          </a:p>
+          <a:p>
+            <a:r>
+              <a:rPr lang="en-US" dirty="0">
+                <a:latin typeface="Courier New" panose="02070309020205020404" pitchFamily="49" charset="0"/>
+                <a:cs typeface="Courier New" panose="02070309020205020404" pitchFamily="49" charset="0"/>
+              </a:rPr>
+              <a:t>&lt;a </a:t>
             </a:r>
             <a:r>
               <a:rPr lang="en-US" dirty="0" err="1">
                 <a:latin typeface="Courier New" panose="02070309020205020404" pitchFamily="49" charset="0"/>
                 <a:cs typeface="Courier New" panose="02070309020205020404" pitchFamily="49" charset="0"/>
               </a:rPr>
-              <a:t>has_post_thumbnail</a:t>
-            </a:r>
-            <a:r>
-              <a:rPr lang="en-US" dirty="0">
-                <a:latin typeface="Courier New" panose="02070309020205020404" pitchFamily="49" charset="0"/>
-                <a:cs typeface="Courier New" panose="02070309020205020404" pitchFamily="49" charset="0"/>
-              </a:rPr>
-              <a:t>()): ?&gt;</a:t>
-            </a:r>
-          </a:p>
-          <a:p>
-            <a:pPr algn="l"/>
-            <a:r>
-              <a:rPr lang="en-US" dirty="0">
-                <a:latin typeface="Courier New" panose="02070309020205020404" pitchFamily="49" charset="0"/>
-                <a:cs typeface="Courier New" panose="02070309020205020404" pitchFamily="49" charset="0"/>
-              </a:rPr>
-              <a:t>&lt;</a:t>
+              <a:t>href</a:t>
+            </a:r>
+            <a:r>
+              <a:rPr lang="en-US" dirty="0">
+                <a:latin typeface="Courier New" panose="02070309020205020404" pitchFamily="49" charset="0"/>
+                <a:cs typeface="Courier New" panose="02070309020205020404" pitchFamily="49" charset="0"/>
+              </a:rPr>
+              <a:t>="&lt;?php </a:t>
             </a:r>
             <a:r>
               <a:rPr lang="en-US" dirty="0" err="1">
                 <a:latin typeface="Courier New" panose="02070309020205020404" pitchFamily="49" charset="0"/>
                 <a:cs typeface="Courier New" panose="02070309020205020404" pitchFamily="49" charset="0"/>
               </a:rPr>
-              <a:t>img</a:t>
+              <a:t>the_permalink</a:t>
+            </a:r>
+            <a:r>
+              <a:rPr lang="en-US" dirty="0">
+                <a:latin typeface="Courier New" panose="02070309020205020404" pitchFamily="49" charset="0"/>
+                <a:cs typeface="Courier New" panose="02070309020205020404" pitchFamily="49" charset="0"/>
+              </a:rPr>
+              <a:t>(); ?&gt;" class="</a:t>
+            </a:r>
+            <a:r>
+              <a:rPr lang="en-US" dirty="0" err="1">
+                <a:latin typeface="Courier New" panose="02070309020205020404" pitchFamily="49" charset="0"/>
+                <a:cs typeface="Courier New" panose="02070309020205020404" pitchFamily="49" charset="0"/>
+              </a:rPr>
+              <a:t>btn</a:t>
             </a:r>
             <a:r>
               <a:rPr lang="en-US" dirty="0">
@@ -12051,88 +12493,69 @@
               </a:rPr>
               <a:t> </a:t>
             </a:r>
-            <a:br>
-              <a:rPr lang="en-US" dirty="0">
-                <a:latin typeface="Courier New" panose="02070309020205020404" pitchFamily="49" charset="0"/>
-                <a:cs typeface="Courier New" panose="02070309020205020404" pitchFamily="49" charset="0"/>
-              </a:rPr>
-            </a:br>
             <a:r>
               <a:rPr lang="en-US" dirty="0" err="1">
                 <a:latin typeface="Courier New" panose="02070309020205020404" pitchFamily="49" charset="0"/>
                 <a:cs typeface="Courier New" panose="02070309020205020404" pitchFamily="49" charset="0"/>
               </a:rPr>
-              <a:t>src</a:t>
-            </a:r>
-            <a:r>
-              <a:rPr lang="en-US" dirty="0">
-                <a:latin typeface="Courier New" panose="02070309020205020404" pitchFamily="49" charset="0"/>
-                <a:cs typeface="Courier New" panose="02070309020205020404" pitchFamily="49" charset="0"/>
-              </a:rPr>
-              <a:t>="&lt;?php </a:t>
+              <a:t>btn</a:t>
+            </a:r>
+            <a:r>
+              <a:rPr lang="en-US" dirty="0">
+                <a:latin typeface="Courier New" panose="02070309020205020404" pitchFamily="49" charset="0"/>
+                <a:cs typeface="Courier New" panose="02070309020205020404" pitchFamily="49" charset="0"/>
+              </a:rPr>
+              <a:t>-success"&gt;Leia </a:t>
             </a:r>
             <a:r>
               <a:rPr lang="en-US" dirty="0" err="1">
                 <a:latin typeface="Courier New" panose="02070309020205020404" pitchFamily="49" charset="0"/>
                 <a:cs typeface="Courier New" panose="02070309020205020404" pitchFamily="49" charset="0"/>
               </a:rPr>
-              <a:t>the_post_thumbnail_url</a:t>
-            </a:r>
-            <a:r>
-              <a:rPr lang="en-US" dirty="0">
-                <a:latin typeface="Courier New" panose="02070309020205020404" pitchFamily="49" charset="0"/>
-                <a:cs typeface="Courier New" panose="02070309020205020404" pitchFamily="49" charset="0"/>
-              </a:rPr>
-              <a:t>('largest'); ?&gt;" </a:t>
-            </a:r>
-            <a:br>
-              <a:rPr lang="en-US" dirty="0">
-                <a:latin typeface="Courier New" panose="02070309020205020404" pitchFamily="49" charset="0"/>
-                <a:cs typeface="Courier New" panose="02070309020205020404" pitchFamily="49" charset="0"/>
-              </a:rPr>
-            </a:br>
-            <a:r>
-              <a:rPr lang="en-US" dirty="0">
-                <a:latin typeface="Courier New" panose="02070309020205020404" pitchFamily="49" charset="0"/>
-                <a:cs typeface="Courier New" panose="02070309020205020404" pitchFamily="49" charset="0"/>
-              </a:rPr>
-              <a:t>class="</a:t>
-            </a:r>
-            <a:r>
-              <a:rPr lang="en-US" dirty="0" err="1">
-                <a:latin typeface="Courier New" panose="02070309020205020404" pitchFamily="49" charset="0"/>
-                <a:cs typeface="Courier New" panose="02070309020205020404" pitchFamily="49" charset="0"/>
-              </a:rPr>
-              <a:t>img</a:t>
-            </a:r>
-            <a:r>
-              <a:rPr lang="en-US" dirty="0">
-                <a:latin typeface="Courier New" panose="02070309020205020404" pitchFamily="49" charset="0"/>
-                <a:cs typeface="Courier New" panose="02070309020205020404" pitchFamily="49" charset="0"/>
-              </a:rPr>
-              <a:t>-fluid" /&gt;</a:t>
-            </a:r>
-          </a:p>
-          <a:p>
-            <a:pPr algn="l"/>
-            <a:r>
-              <a:rPr lang="en-US" dirty="0">
-                <a:latin typeface="Courier New" panose="02070309020205020404" pitchFamily="49" charset="0"/>
-                <a:cs typeface="Courier New" panose="02070309020205020404" pitchFamily="49" charset="0"/>
-              </a:rPr>
-              <a:t>&lt;?php endif; ?&gt;</a:t>
+              <a:t>mais</a:t>
+            </a:r>
+            <a:r>
+              <a:rPr lang="en-US" dirty="0">
+                <a:latin typeface="Courier New" panose="02070309020205020404" pitchFamily="49" charset="0"/>
+                <a:cs typeface="Courier New" panose="02070309020205020404" pitchFamily="49" charset="0"/>
+              </a:rPr>
+              <a:t>&lt;/a&gt;</a:t>
             </a:r>
             <a:endParaRPr lang="pt-BR" dirty="0">
               <a:latin typeface="Courier New" panose="02070309020205020404" pitchFamily="49" charset="0"/>
               <a:cs typeface="Courier New" panose="02070309020205020404" pitchFamily="49" charset="0"/>
             </a:endParaRPr>
           </a:p>
+          <a:p>
+            <a:r>
+              <a:rPr lang="pt-BR" dirty="0"/>
+              <a:t>Logo após a chamada do método </a:t>
+            </a:r>
+            <a:r>
+              <a:rPr lang="pt-BR" dirty="0" err="1">
+                <a:latin typeface="Courier New" panose="02070309020205020404" pitchFamily="49" charset="0"/>
+                <a:cs typeface="Courier New" panose="02070309020205020404" pitchFamily="49" charset="0"/>
+              </a:rPr>
+              <a:t>the_excerpt</a:t>
+            </a:r>
+            <a:r>
+              <a:rPr lang="pt-BR" dirty="0">
+                <a:latin typeface="Courier New" panose="02070309020205020404" pitchFamily="49" charset="0"/>
+                <a:cs typeface="Courier New" panose="02070309020205020404" pitchFamily="49" charset="0"/>
+              </a:rPr>
+              <a:t>()</a:t>
+            </a:r>
+            <a:r>
+              <a:rPr lang="pt-BR" dirty="0"/>
+              <a:t>, para exibir um link para o post completo.</a:t>
+            </a:r>
+          </a:p>
         </p:txBody>
       </p:sp>
     </p:spTree>
     <p:extLst>
       <p:ext uri="{BB962C8B-B14F-4D97-AF65-F5344CB8AC3E}">
-        <p14:creationId xmlns:p14="http://schemas.microsoft.com/office/powerpoint/2010/main" val="255451713"/>
+        <p14:creationId xmlns:p14="http://schemas.microsoft.com/office/powerpoint/2010/main" val="3672891892"/>
       </p:ext>
     </p:extLst>
   </p:cSld>
@@ -12178,7 +12601,7 @@
           <a:p>
             <a:r>
               <a:rPr lang="pt-BR" dirty="0"/>
-              <a:t>Atualização do menu global</a:t>
+              <a:t>Página para posts</a:t>
             </a:r>
           </a:p>
         </p:txBody>
@@ -12196,21 +12619,86 @@
         <p:spPr/>
         <p:txBody>
           <a:bodyPr>
-            <a:normAutofit/>
+            <a:normAutofit fontScale="92500" lnSpcReduction="10000"/>
           </a:bodyPr>
           <a:lstStyle/>
           <a:p>
             <a:r>
               <a:rPr lang="pt-BR" dirty="0"/>
-              <a:t>No painel de gerenciamento, insira uma opção para visualizar os posts de uma determinada categoria.</a:t>
-            </a:r>
+              <a:t>Ainda no arquivo, </a:t>
+            </a:r>
+            <a:r>
+              <a:rPr lang="pt-BR" dirty="0" err="1">
+                <a:latin typeface="Courier New" panose="02070309020205020404" pitchFamily="49" charset="0"/>
+                <a:cs typeface="Courier New" panose="02070309020205020404" pitchFamily="49" charset="0"/>
+              </a:rPr>
+              <a:t>archive.php</a:t>
+            </a:r>
+            <a:r>
+              <a:rPr lang="pt-BR" dirty="0"/>
+              <a:t>, envolva as informações do post com a estrutura abaixo:</a:t>
+            </a:r>
+          </a:p>
+          <a:p>
+            <a:pPr algn="l"/>
+            <a:r>
+              <a:rPr lang="en-US" dirty="0">
+                <a:latin typeface="Courier New" panose="02070309020205020404" pitchFamily="49" charset="0"/>
+                <a:cs typeface="Courier New" panose="02070309020205020404" pitchFamily="49" charset="0"/>
+              </a:rPr>
+              <a:t>&lt;div class="card"&gt;</a:t>
+            </a:r>
+          </a:p>
+          <a:p>
+            <a:pPr algn="l"/>
+            <a:r>
+              <a:rPr lang="en-US" dirty="0">
+                <a:latin typeface="Courier New" panose="02070309020205020404" pitchFamily="49" charset="0"/>
+                <a:cs typeface="Courier New" panose="02070309020205020404" pitchFamily="49" charset="0"/>
+              </a:rPr>
+              <a:t>	&lt;div class="card-body"&gt;</a:t>
+            </a:r>
+          </a:p>
+          <a:p>
+            <a:pPr algn="l"/>
+            <a:r>
+              <a:rPr lang="en-US" dirty="0">
+                <a:latin typeface="Courier New" panose="02070309020205020404" pitchFamily="49" charset="0"/>
+                <a:cs typeface="Courier New" panose="02070309020205020404" pitchFamily="49" charset="0"/>
+              </a:rPr>
+              <a:t>		…</a:t>
+            </a:r>
+          </a:p>
+          <a:p>
+            <a:pPr algn="l"/>
+            <a:r>
+              <a:rPr lang="en-US" dirty="0">
+                <a:latin typeface="Courier New" panose="02070309020205020404" pitchFamily="49" charset="0"/>
+                <a:cs typeface="Courier New" panose="02070309020205020404" pitchFamily="49" charset="0"/>
+              </a:rPr>
+              <a:t>	&lt;/div&gt;</a:t>
+            </a:r>
+          </a:p>
+          <a:p>
+            <a:pPr algn="l"/>
+            <a:r>
+              <a:rPr lang="en-US" dirty="0">
+                <a:latin typeface="Courier New" panose="02070309020205020404" pitchFamily="49" charset="0"/>
+                <a:cs typeface="Courier New" panose="02070309020205020404" pitchFamily="49" charset="0"/>
+              </a:rPr>
+              <a:t>&lt;/div&gt;</a:t>
+            </a:r>
+            <a:endParaRPr lang="pt-BR" dirty="0">
+              <a:latin typeface="Courier New" panose="02070309020205020404" pitchFamily="49" charset="0"/>
+              <a:cs typeface="Courier New" panose="02070309020205020404" pitchFamily="49" charset="0"/>
+            </a:endParaRPr>
           </a:p>
         </p:txBody>
       </p:sp>
     </p:spTree>
     <p:extLst>
       <p:ext uri="{BB962C8B-B14F-4D97-AF65-F5344CB8AC3E}">
-        <p14:creationId xmlns:p14="http://schemas.microsoft.com/office/powerpoint/2010/main" val="3249853894"/>
+        <p14:creationId xmlns:p14="http://schemas.microsoft.com/office/powerpoint/2010/main" val="3869236380"/>
       </p:ext>
     </p:extLst>
   </p:cSld>
@@ -12249,6 +12737,28 @@
         </p:nvSpPr>
         <p:spPr/>
         <p:txBody>
+          <a:bodyPr/>
+          <a:lstStyle/>
+          <a:p>
+            <a:r>
+              <a:rPr lang="pt-BR" dirty="0"/>
+              <a:t>Visualização do site</a:t>
+            </a:r>
+          </a:p>
+        </p:txBody>
+      </p:sp>
+      <p:sp>
+        <p:nvSpPr>
+          <p:cNvPr id="6" name="Espaço Reservado para Conteúdo 5"/>
+          <p:cNvSpPr>
+            <a:spLocks noGrp="1"/>
+          </p:cNvSpPr>
+          <p:nvPr>
+            <p:ph idx="1"/>
+          </p:nvPr>
+        </p:nvSpPr>
+        <p:spPr/>
+        <p:txBody>
           <a:bodyPr>
             <a:normAutofit/>
           </a:bodyPr>
@@ -12256,59 +12766,35 @@
           <a:p>
             <a:r>
               <a:rPr lang="pt-BR" dirty="0"/>
-              <a:t>Página para posts</a:t>
-            </a:r>
-          </a:p>
-        </p:txBody>
-      </p:sp>
-      <p:sp>
-        <p:nvSpPr>
-          <p:cNvPr id="6" name="Espaço Reservado para Conteúdo 5"/>
-          <p:cNvSpPr>
-            <a:spLocks noGrp="1"/>
-          </p:cNvSpPr>
-          <p:nvPr>
-            <p:ph idx="1"/>
-          </p:nvPr>
-        </p:nvSpPr>
-        <p:spPr/>
-        <p:txBody>
-          <a:bodyPr>
-            <a:normAutofit/>
-          </a:bodyPr>
-          <a:lstStyle/>
-          <a:p>
-            <a:r>
-              <a:rPr lang="pt-BR" dirty="0"/>
-              <a:t>No painel de gerenciamento, em:</a:t>
+              <a:t>No painel de gerenciamento, em</a:t>
             </a:r>
           </a:p>
           <a:p>
             <a:r>
               <a:rPr lang="pt-BR" b="1" dirty="0"/>
-              <a:t>Configurações &gt;&gt; Links permanentes &gt;&gt; Configurações comuns</a:t>
-            </a:r>
-          </a:p>
-          <a:p>
-            <a:r>
-              <a:rPr lang="pt-BR" dirty="0"/>
-              <a:t>Selecione </a:t>
+              <a:t>Posts &gt;&gt; Categorias</a:t>
+            </a:r>
+          </a:p>
+          <a:p>
+            <a:r>
+              <a:rPr lang="pt-BR" dirty="0"/>
+              <a:t>escolha uma categoria e clique no link </a:t>
             </a:r>
             <a:r>
               <a:rPr lang="pt-BR" b="1" dirty="0"/>
-              <a:t>Nome do post</a:t>
-            </a:r>
-            <a:r>
-              <a:rPr lang="pt-BR" dirty="0"/>
-              <a:t>, para personalizar a URL dos links permanentes e arquivos.</a:t>
-            </a:r>
+              <a:t>Visualizar</a:t>
+            </a:r>
+            <a:endParaRPr lang="pt-BR" b="1" dirty="0">
+              <a:latin typeface="Courier New" panose="02070309020205020404" pitchFamily="49" charset="0"/>
+              <a:cs typeface="Courier New" panose="02070309020205020404" pitchFamily="49" charset="0"/>
+            </a:endParaRPr>
           </a:p>
         </p:txBody>
       </p:sp>
     </p:spTree>
     <p:extLst>
       <p:ext uri="{BB962C8B-B14F-4D97-AF65-F5344CB8AC3E}">
-        <p14:creationId xmlns:p14="http://schemas.microsoft.com/office/powerpoint/2010/main" val="1692675042"/>
+        <p14:creationId xmlns:p14="http://schemas.microsoft.com/office/powerpoint/2010/main" val="964251144"/>
       </p:ext>
     </p:extLst>
   </p:cSld>
@@ -12370,7 +12856,7 @@
         <p:spPr/>
         <p:txBody>
           <a:bodyPr>
-            <a:normAutofit/>
+            <a:normAutofit lnSpcReduction="10000"/>
           </a:bodyPr>
           <a:lstStyle/>
           <a:p>
@@ -12388,6 +12874,16 @@
             <a:r>
               <a:rPr lang="pt-BR" dirty="0"/>
               <a:t>.</a:t>
+            </a:r>
+          </a:p>
+          <a:p>
+            <a:pPr algn="l"/>
+            <a:r>
+              <a:rPr lang="en-US" dirty="0">
+                <a:latin typeface="Courier New" panose="02070309020205020404" pitchFamily="49" charset="0"/>
+                <a:cs typeface="Courier New" panose="02070309020205020404" pitchFamily="49" charset="0"/>
+              </a:rPr>
+              <a:t>@charset "utf-8";</a:t>
             </a:r>
           </a:p>
           <a:p>
@@ -12523,6 +13019,959 @@
           <a:p>
             <a:r>
               <a:rPr lang="pt-BR" dirty="0"/>
+              <a:t>Página para posts</a:t>
+            </a:r>
+          </a:p>
+        </p:txBody>
+      </p:sp>
+      <p:sp>
+        <p:nvSpPr>
+          <p:cNvPr id="6" name="Espaço Reservado para Conteúdo 5"/>
+          <p:cNvSpPr>
+            <a:spLocks noGrp="1"/>
+          </p:cNvSpPr>
+          <p:nvPr>
+            <p:ph idx="1"/>
+          </p:nvPr>
+        </p:nvSpPr>
+        <p:spPr/>
+        <p:txBody>
+          <a:bodyPr>
+            <a:normAutofit/>
+          </a:bodyPr>
+          <a:lstStyle/>
+          <a:p>
+            <a:r>
+              <a:rPr lang="pt-BR" dirty="0"/>
+              <a:t>No arquivo, </a:t>
+            </a:r>
+            <a:r>
+              <a:rPr lang="pt-BR" dirty="0" err="1">
+                <a:latin typeface="Courier New" panose="02070309020205020404" pitchFamily="49" charset="0"/>
+                <a:cs typeface="Courier New" panose="02070309020205020404" pitchFamily="49" charset="0"/>
+              </a:rPr>
+              <a:t>functions.php</a:t>
+            </a:r>
+            <a:r>
+              <a:rPr lang="pt-BR" dirty="0"/>
+              <a:t>, insira o código abaixo para possibilitar que este tema exiba as imagens de destaque dos posts:</a:t>
+            </a:r>
+          </a:p>
+          <a:p>
+            <a:pPr algn="l"/>
+            <a:r>
+              <a:rPr lang="en-US" dirty="0" err="1">
+                <a:latin typeface="Courier New" panose="02070309020205020404" pitchFamily="49" charset="0"/>
+                <a:cs typeface="Courier New" panose="02070309020205020404" pitchFamily="49" charset="0"/>
+              </a:rPr>
+              <a:t>add_theme_support</a:t>
+            </a:r>
+            <a:r>
+              <a:rPr lang="en-US" dirty="0">
+                <a:latin typeface="Courier New" panose="02070309020205020404" pitchFamily="49" charset="0"/>
+                <a:cs typeface="Courier New" panose="02070309020205020404" pitchFamily="49" charset="0"/>
+              </a:rPr>
+              <a:t>('post-thumbnails');</a:t>
+            </a:r>
+            <a:endParaRPr lang="pt-BR" dirty="0">
+              <a:latin typeface="Courier New" panose="02070309020205020404" pitchFamily="49" charset="0"/>
+              <a:cs typeface="Courier New" panose="02070309020205020404" pitchFamily="49" charset="0"/>
+            </a:endParaRPr>
+          </a:p>
+        </p:txBody>
+      </p:sp>
+    </p:spTree>
+    <p:extLst>
+      <p:ext uri="{BB962C8B-B14F-4D97-AF65-F5344CB8AC3E}">
+        <p14:creationId xmlns:p14="http://schemas.microsoft.com/office/powerpoint/2010/main" val="2520793177"/>
+      </p:ext>
+    </p:extLst>
+  </p:cSld>
+  <p:clrMapOvr>
+    <a:masterClrMapping/>
+  </p:clrMapOvr>
+</p:sld>
+</file>
+
+<file path=ppt/slides/slide41.xml><?xml version="1.0" encoding="utf-8"?>
+<p:sld xmlns:a="http://schemas.openxmlformats.org/drawingml/2006/main" xmlns:r="http://schemas.openxmlformats.org/officeDocument/2006/relationships" xmlns:p="http://schemas.openxmlformats.org/presentationml/2006/main">
+  <p:cSld>
+    <p:spTree>
+      <p:nvGrpSpPr>
+        <p:cNvPr id="1" name=""/>
+        <p:cNvGrpSpPr/>
+        <p:nvPr/>
+      </p:nvGrpSpPr>
+      <p:grpSpPr>
+        <a:xfrm>
+          <a:off x="0" y="0"/>
+          <a:ext cx="0" cy="0"/>
+          <a:chOff x="0" y="0"/>
+          <a:chExt cx="0" cy="0"/>
+        </a:xfrm>
+      </p:grpSpPr>
+      <p:sp>
+        <p:nvSpPr>
+          <p:cNvPr id="5" name="Título 4"/>
+          <p:cNvSpPr>
+            <a:spLocks noGrp="1"/>
+          </p:cNvSpPr>
+          <p:nvPr>
+            <p:ph type="title"/>
+          </p:nvPr>
+        </p:nvSpPr>
+        <p:spPr/>
+        <p:txBody>
+          <a:bodyPr/>
+          <a:lstStyle/>
+          <a:p>
+            <a:r>
+              <a:rPr lang="pt-BR" dirty="0"/>
+              <a:t>Visualização do site</a:t>
+            </a:r>
+          </a:p>
+        </p:txBody>
+      </p:sp>
+      <p:sp>
+        <p:nvSpPr>
+          <p:cNvPr id="6" name="Espaço Reservado para Conteúdo 5"/>
+          <p:cNvSpPr>
+            <a:spLocks noGrp="1"/>
+          </p:cNvSpPr>
+          <p:nvPr>
+            <p:ph idx="1"/>
+          </p:nvPr>
+        </p:nvSpPr>
+        <p:spPr/>
+        <p:txBody>
+          <a:bodyPr>
+            <a:normAutofit/>
+          </a:bodyPr>
+          <a:lstStyle/>
+          <a:p>
+            <a:r>
+              <a:rPr lang="pt-BR" dirty="0"/>
+              <a:t>No painel de gerenciamento, insira uma imagem destacada em alguns posts.</a:t>
+            </a:r>
+            <a:endParaRPr lang="pt-BR" b="1" dirty="0">
+              <a:latin typeface="Courier New" panose="02070309020205020404" pitchFamily="49" charset="0"/>
+              <a:cs typeface="Courier New" panose="02070309020205020404" pitchFamily="49" charset="0"/>
+            </a:endParaRPr>
+          </a:p>
+        </p:txBody>
+      </p:sp>
+    </p:spTree>
+    <p:extLst>
+      <p:ext uri="{BB962C8B-B14F-4D97-AF65-F5344CB8AC3E}">
+        <p14:creationId xmlns:p14="http://schemas.microsoft.com/office/powerpoint/2010/main" val="94682367"/>
+      </p:ext>
+    </p:extLst>
+  </p:cSld>
+  <p:clrMapOvr>
+    <a:masterClrMapping/>
+  </p:clrMapOvr>
+</p:sld>
+</file>
+
+<file path=ppt/slides/slide42.xml><?xml version="1.0" encoding="utf-8"?>
+<p:sld xmlns:a="http://schemas.openxmlformats.org/drawingml/2006/main" xmlns:r="http://schemas.openxmlformats.org/officeDocument/2006/relationships" xmlns:p="http://schemas.openxmlformats.org/presentationml/2006/main">
+  <p:cSld>
+    <p:spTree>
+      <p:nvGrpSpPr>
+        <p:cNvPr id="1" name=""/>
+        <p:cNvGrpSpPr/>
+        <p:nvPr/>
+      </p:nvGrpSpPr>
+      <p:grpSpPr>
+        <a:xfrm>
+          <a:off x="0" y="0"/>
+          <a:ext cx="0" cy="0"/>
+          <a:chOff x="0" y="0"/>
+          <a:chExt cx="0" cy="0"/>
+        </a:xfrm>
+      </p:grpSpPr>
+      <p:sp>
+        <p:nvSpPr>
+          <p:cNvPr id="5" name="Título 4"/>
+          <p:cNvSpPr>
+            <a:spLocks noGrp="1"/>
+          </p:cNvSpPr>
+          <p:nvPr>
+            <p:ph type="title"/>
+          </p:nvPr>
+        </p:nvSpPr>
+        <p:spPr/>
+        <p:txBody>
+          <a:bodyPr>
+            <a:normAutofit/>
+          </a:bodyPr>
+          <a:lstStyle/>
+          <a:p>
+            <a:r>
+              <a:rPr lang="pt-BR" dirty="0"/>
+              <a:t>Página para posts</a:t>
+            </a:r>
+          </a:p>
+        </p:txBody>
+      </p:sp>
+      <p:sp>
+        <p:nvSpPr>
+          <p:cNvPr id="6" name="Espaço Reservado para Conteúdo 5"/>
+          <p:cNvSpPr>
+            <a:spLocks noGrp="1"/>
+          </p:cNvSpPr>
+          <p:nvPr>
+            <p:ph idx="1"/>
+          </p:nvPr>
+        </p:nvSpPr>
+        <p:spPr/>
+        <p:txBody>
+          <a:bodyPr>
+            <a:normAutofit/>
+          </a:bodyPr>
+          <a:lstStyle/>
+          <a:p>
+            <a:r>
+              <a:rPr lang="pt-BR" dirty="0"/>
+              <a:t>Ainda no arquivo, </a:t>
+            </a:r>
+            <a:r>
+              <a:rPr lang="pt-BR" dirty="0" err="1">
+                <a:latin typeface="Courier New" panose="02070309020205020404" pitchFamily="49" charset="0"/>
+                <a:cs typeface="Courier New" panose="02070309020205020404" pitchFamily="49" charset="0"/>
+              </a:rPr>
+              <a:t>functions.php</a:t>
+            </a:r>
+            <a:r>
+              <a:rPr lang="pt-BR" dirty="0"/>
+              <a:t>, insira o código abaixo para definir os tamanhos de imagens possíveis neste tema:</a:t>
+            </a:r>
+          </a:p>
+          <a:p>
+            <a:pPr algn="l"/>
+            <a:r>
+              <a:rPr lang="en-US" dirty="0" err="1">
+                <a:latin typeface="Courier New" panose="02070309020205020404" pitchFamily="49" charset="0"/>
+                <a:cs typeface="Courier New" panose="02070309020205020404" pitchFamily="49" charset="0"/>
+              </a:rPr>
+              <a:t>add_image_size</a:t>
+            </a:r>
+            <a:r>
+              <a:rPr lang="en-US" dirty="0">
+                <a:latin typeface="Courier New" panose="02070309020205020404" pitchFamily="49" charset="0"/>
+                <a:cs typeface="Courier New" panose="02070309020205020404" pitchFamily="49" charset="0"/>
+              </a:rPr>
+              <a:t>('smallest', 300, 300, true);</a:t>
+            </a:r>
+          </a:p>
+          <a:p>
+            <a:pPr algn="l"/>
+            <a:r>
+              <a:rPr lang="en-US" dirty="0" err="1">
+                <a:latin typeface="Courier New" panose="02070309020205020404" pitchFamily="49" charset="0"/>
+                <a:cs typeface="Courier New" panose="02070309020205020404" pitchFamily="49" charset="0"/>
+              </a:rPr>
+              <a:t>add_image_size</a:t>
+            </a:r>
+            <a:r>
+              <a:rPr lang="en-US" dirty="0">
+                <a:latin typeface="Courier New" panose="02070309020205020404" pitchFamily="49" charset="0"/>
+                <a:cs typeface="Courier New" panose="02070309020205020404" pitchFamily="49" charset="0"/>
+              </a:rPr>
+              <a:t>('largest', 800, 800, true);</a:t>
+            </a:r>
+            <a:endParaRPr lang="pt-BR" dirty="0">
+              <a:latin typeface="Courier New" panose="02070309020205020404" pitchFamily="49" charset="0"/>
+              <a:cs typeface="Courier New" panose="02070309020205020404" pitchFamily="49" charset="0"/>
+            </a:endParaRPr>
+          </a:p>
+        </p:txBody>
+      </p:sp>
+    </p:spTree>
+    <p:extLst>
+      <p:ext uri="{BB962C8B-B14F-4D97-AF65-F5344CB8AC3E}">
+        <p14:creationId xmlns:p14="http://schemas.microsoft.com/office/powerpoint/2010/main" val="2096903172"/>
+      </p:ext>
+    </p:extLst>
+  </p:cSld>
+  <p:clrMapOvr>
+    <a:masterClrMapping/>
+  </p:clrMapOvr>
+</p:sld>
+</file>
+
+<file path=ppt/slides/slide43.xml><?xml version="1.0" encoding="utf-8"?>
+<p:sld xmlns:a="http://schemas.openxmlformats.org/drawingml/2006/main" xmlns:r="http://schemas.openxmlformats.org/officeDocument/2006/relationships" xmlns:p="http://schemas.openxmlformats.org/presentationml/2006/main">
+  <p:cSld>
+    <p:spTree>
+      <p:nvGrpSpPr>
+        <p:cNvPr id="1" name=""/>
+        <p:cNvGrpSpPr/>
+        <p:nvPr/>
+      </p:nvGrpSpPr>
+      <p:grpSpPr>
+        <a:xfrm>
+          <a:off x="0" y="0"/>
+          <a:ext cx="0" cy="0"/>
+          <a:chOff x="0" y="0"/>
+          <a:chExt cx="0" cy="0"/>
+        </a:xfrm>
+      </p:grpSpPr>
+      <p:sp>
+        <p:nvSpPr>
+          <p:cNvPr id="5" name="Título 4"/>
+          <p:cNvSpPr>
+            <a:spLocks noGrp="1"/>
+          </p:cNvSpPr>
+          <p:nvPr>
+            <p:ph type="title"/>
+          </p:nvPr>
+        </p:nvSpPr>
+        <p:spPr/>
+        <p:txBody>
+          <a:bodyPr>
+            <a:normAutofit/>
+          </a:bodyPr>
+          <a:lstStyle/>
+          <a:p>
+            <a:r>
+              <a:rPr lang="pt-BR" dirty="0"/>
+              <a:t>Página para posts</a:t>
+            </a:r>
+          </a:p>
+        </p:txBody>
+      </p:sp>
+      <p:sp>
+        <p:nvSpPr>
+          <p:cNvPr id="6" name="Espaço Reservado para Conteúdo 5"/>
+          <p:cNvSpPr>
+            <a:spLocks noGrp="1"/>
+          </p:cNvSpPr>
+          <p:nvPr>
+            <p:ph idx="1"/>
+          </p:nvPr>
+        </p:nvSpPr>
+        <p:spPr/>
+        <p:txBody>
+          <a:bodyPr>
+            <a:normAutofit fontScale="92500" lnSpcReduction="10000"/>
+          </a:bodyPr>
+          <a:lstStyle/>
+          <a:p>
+            <a:r>
+              <a:rPr lang="pt-BR" dirty="0"/>
+              <a:t>No arquivo, </a:t>
+            </a:r>
+            <a:r>
+              <a:rPr lang="pt-BR" dirty="0" err="1">
+                <a:latin typeface="Courier New" panose="02070309020205020404" pitchFamily="49" charset="0"/>
+                <a:cs typeface="Courier New" panose="02070309020205020404" pitchFamily="49" charset="0"/>
+              </a:rPr>
+              <a:t>single.php</a:t>
+            </a:r>
+            <a:r>
+              <a:rPr lang="pt-BR" dirty="0"/>
+              <a:t>, insira o código abaixo, logo após a chamada da função </a:t>
+            </a:r>
+            <a:r>
+              <a:rPr lang="pt-BR" dirty="0" err="1">
+                <a:latin typeface="Courier New" panose="02070309020205020404" pitchFamily="49" charset="0"/>
+                <a:cs typeface="Courier New" panose="02070309020205020404" pitchFamily="49" charset="0"/>
+              </a:rPr>
+              <a:t>the_title</a:t>
+            </a:r>
+            <a:r>
+              <a:rPr lang="pt-BR" dirty="0">
+                <a:latin typeface="Courier New" panose="02070309020205020404" pitchFamily="49" charset="0"/>
+                <a:cs typeface="Courier New" panose="02070309020205020404" pitchFamily="49" charset="0"/>
+              </a:rPr>
+              <a:t>()</a:t>
+            </a:r>
+            <a:r>
+              <a:rPr lang="pt-BR" dirty="0"/>
+              <a:t>, para inserir a imagem destacada do post:</a:t>
+            </a:r>
+          </a:p>
+          <a:p>
+            <a:pPr algn="l"/>
+            <a:r>
+              <a:rPr lang="en-US" dirty="0">
+                <a:latin typeface="Courier New" panose="02070309020205020404" pitchFamily="49" charset="0"/>
+                <a:cs typeface="Courier New" panose="02070309020205020404" pitchFamily="49" charset="0"/>
+              </a:rPr>
+              <a:t>&lt;?php if (</a:t>
+            </a:r>
+            <a:r>
+              <a:rPr lang="en-US" dirty="0" err="1">
+                <a:latin typeface="Courier New" panose="02070309020205020404" pitchFamily="49" charset="0"/>
+                <a:cs typeface="Courier New" panose="02070309020205020404" pitchFamily="49" charset="0"/>
+              </a:rPr>
+              <a:t>has_post_thumbnail</a:t>
+            </a:r>
+            <a:r>
+              <a:rPr lang="en-US" dirty="0">
+                <a:latin typeface="Courier New" panose="02070309020205020404" pitchFamily="49" charset="0"/>
+                <a:cs typeface="Courier New" panose="02070309020205020404" pitchFamily="49" charset="0"/>
+              </a:rPr>
+              <a:t>()): ?&gt;</a:t>
+            </a:r>
+          </a:p>
+          <a:p>
+            <a:pPr algn="l"/>
+            <a:r>
+              <a:rPr lang="en-US" dirty="0">
+                <a:latin typeface="Courier New" panose="02070309020205020404" pitchFamily="49" charset="0"/>
+                <a:cs typeface="Courier New" panose="02070309020205020404" pitchFamily="49" charset="0"/>
+              </a:rPr>
+              <a:t>&lt;</a:t>
+            </a:r>
+            <a:r>
+              <a:rPr lang="en-US" dirty="0" err="1">
+                <a:latin typeface="Courier New" panose="02070309020205020404" pitchFamily="49" charset="0"/>
+                <a:cs typeface="Courier New" panose="02070309020205020404" pitchFamily="49" charset="0"/>
+              </a:rPr>
+              <a:t>img</a:t>
+            </a:r>
+            <a:r>
+              <a:rPr lang="en-US" dirty="0">
+                <a:latin typeface="Courier New" panose="02070309020205020404" pitchFamily="49" charset="0"/>
+                <a:cs typeface="Courier New" panose="02070309020205020404" pitchFamily="49" charset="0"/>
+              </a:rPr>
+              <a:t> </a:t>
+            </a:r>
+            <a:br>
+              <a:rPr lang="en-US" dirty="0">
+                <a:latin typeface="Courier New" panose="02070309020205020404" pitchFamily="49" charset="0"/>
+                <a:cs typeface="Courier New" panose="02070309020205020404" pitchFamily="49" charset="0"/>
+              </a:rPr>
+            </a:br>
+            <a:r>
+              <a:rPr lang="en-US" dirty="0" err="1">
+                <a:latin typeface="Courier New" panose="02070309020205020404" pitchFamily="49" charset="0"/>
+                <a:cs typeface="Courier New" panose="02070309020205020404" pitchFamily="49" charset="0"/>
+              </a:rPr>
+              <a:t>src</a:t>
+            </a:r>
+            <a:r>
+              <a:rPr lang="en-US" dirty="0">
+                <a:latin typeface="Courier New" panose="02070309020205020404" pitchFamily="49" charset="0"/>
+                <a:cs typeface="Courier New" panose="02070309020205020404" pitchFamily="49" charset="0"/>
+              </a:rPr>
+              <a:t>="&lt;?php </a:t>
+            </a:r>
+            <a:r>
+              <a:rPr lang="en-US" dirty="0" err="1">
+                <a:latin typeface="Courier New" panose="02070309020205020404" pitchFamily="49" charset="0"/>
+                <a:cs typeface="Courier New" panose="02070309020205020404" pitchFamily="49" charset="0"/>
+              </a:rPr>
+              <a:t>the_post_thumbnail_url</a:t>
+            </a:r>
+            <a:r>
+              <a:rPr lang="en-US" dirty="0">
+                <a:latin typeface="Courier New" panose="02070309020205020404" pitchFamily="49" charset="0"/>
+                <a:cs typeface="Courier New" panose="02070309020205020404" pitchFamily="49" charset="0"/>
+              </a:rPr>
+              <a:t>('largest'); ?&gt;" </a:t>
+            </a:r>
+            <a:br>
+              <a:rPr lang="en-US" dirty="0">
+                <a:latin typeface="Courier New" panose="02070309020205020404" pitchFamily="49" charset="0"/>
+                <a:cs typeface="Courier New" panose="02070309020205020404" pitchFamily="49" charset="0"/>
+              </a:rPr>
+            </a:br>
+            <a:r>
+              <a:rPr lang="en-US" dirty="0">
+                <a:latin typeface="Courier New" panose="02070309020205020404" pitchFamily="49" charset="0"/>
+                <a:cs typeface="Courier New" panose="02070309020205020404" pitchFamily="49" charset="0"/>
+              </a:rPr>
+              <a:t>class="</a:t>
+            </a:r>
+            <a:r>
+              <a:rPr lang="en-US" dirty="0" err="1">
+                <a:latin typeface="Courier New" panose="02070309020205020404" pitchFamily="49" charset="0"/>
+                <a:cs typeface="Courier New" panose="02070309020205020404" pitchFamily="49" charset="0"/>
+              </a:rPr>
+              <a:t>img</a:t>
+            </a:r>
+            <a:r>
+              <a:rPr lang="en-US" dirty="0">
+                <a:latin typeface="Courier New" panose="02070309020205020404" pitchFamily="49" charset="0"/>
+                <a:cs typeface="Courier New" panose="02070309020205020404" pitchFamily="49" charset="0"/>
+              </a:rPr>
+              <a:t>-fluid" /&gt;</a:t>
+            </a:r>
+          </a:p>
+          <a:p>
+            <a:pPr algn="l"/>
+            <a:r>
+              <a:rPr lang="en-US" dirty="0">
+                <a:latin typeface="Courier New" panose="02070309020205020404" pitchFamily="49" charset="0"/>
+                <a:cs typeface="Courier New" panose="02070309020205020404" pitchFamily="49" charset="0"/>
+              </a:rPr>
+              <a:t>&lt;?php endif; ?&gt;</a:t>
+            </a:r>
+            <a:endParaRPr lang="pt-BR" dirty="0">
+              <a:latin typeface="Courier New" panose="02070309020205020404" pitchFamily="49" charset="0"/>
+              <a:cs typeface="Courier New" panose="02070309020205020404" pitchFamily="49" charset="0"/>
+            </a:endParaRPr>
+          </a:p>
+        </p:txBody>
+      </p:sp>
+    </p:spTree>
+    <p:extLst>
+      <p:ext uri="{BB962C8B-B14F-4D97-AF65-F5344CB8AC3E}">
+        <p14:creationId xmlns:p14="http://schemas.microsoft.com/office/powerpoint/2010/main" val="255451713"/>
+      </p:ext>
+    </p:extLst>
+  </p:cSld>
+  <p:clrMapOvr>
+    <a:masterClrMapping/>
+  </p:clrMapOvr>
+</p:sld>
+</file>
+
+<file path=ppt/slides/slide44.xml><?xml version="1.0" encoding="utf-8"?>
+<p:sld xmlns:a="http://schemas.openxmlformats.org/drawingml/2006/main" xmlns:r="http://schemas.openxmlformats.org/officeDocument/2006/relationships" xmlns:p="http://schemas.openxmlformats.org/presentationml/2006/main">
+  <p:cSld>
+    <p:spTree>
+      <p:nvGrpSpPr>
+        <p:cNvPr id="1" name=""/>
+        <p:cNvGrpSpPr/>
+        <p:nvPr/>
+      </p:nvGrpSpPr>
+      <p:grpSpPr>
+        <a:xfrm>
+          <a:off x="0" y="0"/>
+          <a:ext cx="0" cy="0"/>
+          <a:chOff x="0" y="0"/>
+          <a:chExt cx="0" cy="0"/>
+        </a:xfrm>
+      </p:grpSpPr>
+      <p:sp>
+        <p:nvSpPr>
+          <p:cNvPr id="5" name="Título 4"/>
+          <p:cNvSpPr>
+            <a:spLocks noGrp="1"/>
+          </p:cNvSpPr>
+          <p:nvPr>
+            <p:ph type="title"/>
+          </p:nvPr>
+        </p:nvSpPr>
+        <p:spPr/>
+        <p:txBody>
+          <a:bodyPr>
+            <a:normAutofit/>
+          </a:bodyPr>
+          <a:lstStyle/>
+          <a:p>
+            <a:r>
+              <a:rPr lang="pt-BR" dirty="0"/>
+              <a:t>Página para posts</a:t>
+            </a:r>
+          </a:p>
+        </p:txBody>
+      </p:sp>
+      <p:sp>
+        <p:nvSpPr>
+          <p:cNvPr id="6" name="Espaço Reservado para Conteúdo 5"/>
+          <p:cNvSpPr>
+            <a:spLocks noGrp="1"/>
+          </p:cNvSpPr>
+          <p:nvPr>
+            <p:ph idx="1"/>
+          </p:nvPr>
+        </p:nvSpPr>
+        <p:spPr/>
+        <p:txBody>
+          <a:bodyPr>
+            <a:normAutofit fontScale="92500" lnSpcReduction="10000"/>
+          </a:bodyPr>
+          <a:lstStyle/>
+          <a:p>
+            <a:r>
+              <a:rPr lang="pt-BR" dirty="0"/>
+              <a:t>No arquivo, </a:t>
+            </a:r>
+            <a:r>
+              <a:rPr lang="pt-BR" dirty="0" err="1">
+                <a:latin typeface="Courier New" panose="02070309020205020404" pitchFamily="49" charset="0"/>
+                <a:cs typeface="Courier New" panose="02070309020205020404" pitchFamily="49" charset="0"/>
+              </a:rPr>
+              <a:t>archive.php</a:t>
+            </a:r>
+            <a:r>
+              <a:rPr lang="pt-BR" dirty="0"/>
+              <a:t>, insira o código abaixo, logo após a chamada da função </a:t>
+            </a:r>
+            <a:r>
+              <a:rPr lang="pt-BR" dirty="0" err="1">
+                <a:latin typeface="Courier New" panose="02070309020205020404" pitchFamily="49" charset="0"/>
+                <a:cs typeface="Courier New" panose="02070309020205020404" pitchFamily="49" charset="0"/>
+              </a:rPr>
+              <a:t>the_title</a:t>
+            </a:r>
+            <a:r>
+              <a:rPr lang="pt-BR" dirty="0">
+                <a:latin typeface="Courier New" panose="02070309020205020404" pitchFamily="49" charset="0"/>
+                <a:cs typeface="Courier New" panose="02070309020205020404" pitchFamily="49" charset="0"/>
+              </a:rPr>
+              <a:t>()</a:t>
+            </a:r>
+            <a:r>
+              <a:rPr lang="pt-BR" dirty="0"/>
+              <a:t>, para inserir a imagem destacada do post:</a:t>
+            </a:r>
+          </a:p>
+          <a:p>
+            <a:pPr algn="l"/>
+            <a:r>
+              <a:rPr lang="en-US" dirty="0">
+                <a:latin typeface="Courier New" panose="02070309020205020404" pitchFamily="49" charset="0"/>
+                <a:cs typeface="Courier New" panose="02070309020205020404" pitchFamily="49" charset="0"/>
+              </a:rPr>
+              <a:t>&lt;?php if (</a:t>
+            </a:r>
+            <a:r>
+              <a:rPr lang="en-US" dirty="0" err="1">
+                <a:latin typeface="Courier New" panose="02070309020205020404" pitchFamily="49" charset="0"/>
+                <a:cs typeface="Courier New" panose="02070309020205020404" pitchFamily="49" charset="0"/>
+              </a:rPr>
+              <a:t>has_post_thumbnail</a:t>
+            </a:r>
+            <a:r>
+              <a:rPr lang="en-US" dirty="0">
+                <a:latin typeface="Courier New" panose="02070309020205020404" pitchFamily="49" charset="0"/>
+                <a:cs typeface="Courier New" panose="02070309020205020404" pitchFamily="49" charset="0"/>
+              </a:rPr>
+              <a:t>()): ?&gt;</a:t>
+            </a:r>
+          </a:p>
+          <a:p>
+            <a:pPr algn="l"/>
+            <a:r>
+              <a:rPr lang="en-US" dirty="0">
+                <a:latin typeface="Courier New" panose="02070309020205020404" pitchFamily="49" charset="0"/>
+                <a:cs typeface="Courier New" panose="02070309020205020404" pitchFamily="49" charset="0"/>
+              </a:rPr>
+              <a:t>&lt;</a:t>
+            </a:r>
+            <a:r>
+              <a:rPr lang="en-US" dirty="0" err="1">
+                <a:latin typeface="Courier New" panose="02070309020205020404" pitchFamily="49" charset="0"/>
+                <a:cs typeface="Courier New" panose="02070309020205020404" pitchFamily="49" charset="0"/>
+              </a:rPr>
+              <a:t>img</a:t>
+            </a:r>
+            <a:r>
+              <a:rPr lang="en-US" dirty="0">
+                <a:latin typeface="Courier New" panose="02070309020205020404" pitchFamily="49" charset="0"/>
+                <a:cs typeface="Courier New" panose="02070309020205020404" pitchFamily="49" charset="0"/>
+              </a:rPr>
+              <a:t> </a:t>
+            </a:r>
+            <a:br>
+              <a:rPr lang="en-US" dirty="0">
+                <a:latin typeface="Courier New" panose="02070309020205020404" pitchFamily="49" charset="0"/>
+                <a:cs typeface="Courier New" panose="02070309020205020404" pitchFamily="49" charset="0"/>
+              </a:rPr>
+            </a:br>
+            <a:r>
+              <a:rPr lang="en-US" dirty="0" err="1">
+                <a:latin typeface="Courier New" panose="02070309020205020404" pitchFamily="49" charset="0"/>
+                <a:cs typeface="Courier New" panose="02070309020205020404" pitchFamily="49" charset="0"/>
+              </a:rPr>
+              <a:t>src</a:t>
+            </a:r>
+            <a:r>
+              <a:rPr lang="en-US" dirty="0">
+                <a:latin typeface="Courier New" panose="02070309020205020404" pitchFamily="49" charset="0"/>
+                <a:cs typeface="Courier New" panose="02070309020205020404" pitchFamily="49" charset="0"/>
+              </a:rPr>
+              <a:t>="&lt;?php </a:t>
+            </a:r>
+            <a:r>
+              <a:rPr lang="en-US" dirty="0" err="1">
+                <a:latin typeface="Courier New" panose="02070309020205020404" pitchFamily="49" charset="0"/>
+                <a:cs typeface="Courier New" panose="02070309020205020404" pitchFamily="49" charset="0"/>
+              </a:rPr>
+              <a:t>the_post_thumbnail_url</a:t>
+            </a:r>
+            <a:r>
+              <a:rPr lang="en-US" dirty="0">
+                <a:latin typeface="Courier New" panose="02070309020205020404" pitchFamily="49" charset="0"/>
+                <a:cs typeface="Courier New" panose="02070309020205020404" pitchFamily="49" charset="0"/>
+              </a:rPr>
+              <a:t>('smallest'); ?&gt;" </a:t>
+            </a:r>
+            <a:br>
+              <a:rPr lang="en-US" dirty="0">
+                <a:latin typeface="Courier New" panose="02070309020205020404" pitchFamily="49" charset="0"/>
+                <a:cs typeface="Courier New" panose="02070309020205020404" pitchFamily="49" charset="0"/>
+              </a:rPr>
+            </a:br>
+            <a:r>
+              <a:rPr lang="en-US" dirty="0">
+                <a:latin typeface="Courier New" panose="02070309020205020404" pitchFamily="49" charset="0"/>
+                <a:cs typeface="Courier New" panose="02070309020205020404" pitchFamily="49" charset="0"/>
+              </a:rPr>
+              <a:t>class="</a:t>
+            </a:r>
+            <a:r>
+              <a:rPr lang="en-US" dirty="0" err="1">
+                <a:latin typeface="Courier New" panose="02070309020205020404" pitchFamily="49" charset="0"/>
+                <a:cs typeface="Courier New" panose="02070309020205020404" pitchFamily="49" charset="0"/>
+              </a:rPr>
+              <a:t>img</a:t>
+            </a:r>
+            <a:r>
+              <a:rPr lang="en-US" dirty="0">
+                <a:latin typeface="Courier New" panose="02070309020205020404" pitchFamily="49" charset="0"/>
+                <a:cs typeface="Courier New" panose="02070309020205020404" pitchFamily="49" charset="0"/>
+              </a:rPr>
+              <a:t>-fluid" /&gt;</a:t>
+            </a:r>
+          </a:p>
+          <a:p>
+            <a:pPr algn="l"/>
+            <a:r>
+              <a:rPr lang="en-US" dirty="0">
+                <a:latin typeface="Courier New" panose="02070309020205020404" pitchFamily="49" charset="0"/>
+                <a:cs typeface="Courier New" panose="02070309020205020404" pitchFamily="49" charset="0"/>
+              </a:rPr>
+              <a:t>&lt;?php endif; ?&gt;</a:t>
+            </a:r>
+            <a:endParaRPr lang="pt-BR" dirty="0">
+              <a:latin typeface="Courier New" panose="02070309020205020404" pitchFamily="49" charset="0"/>
+              <a:cs typeface="Courier New" panose="02070309020205020404" pitchFamily="49" charset="0"/>
+            </a:endParaRPr>
+          </a:p>
+        </p:txBody>
+      </p:sp>
+    </p:spTree>
+    <p:extLst>
+      <p:ext uri="{BB962C8B-B14F-4D97-AF65-F5344CB8AC3E}">
+        <p14:creationId xmlns:p14="http://schemas.microsoft.com/office/powerpoint/2010/main" val="2912158657"/>
+      </p:ext>
+    </p:extLst>
+  </p:cSld>
+  <p:clrMapOvr>
+    <a:masterClrMapping/>
+  </p:clrMapOvr>
+</p:sld>
+</file>
+
+<file path=ppt/slides/slide45.xml><?xml version="1.0" encoding="utf-8"?>
+<p:sld xmlns:a="http://schemas.openxmlformats.org/drawingml/2006/main" xmlns:r="http://schemas.openxmlformats.org/officeDocument/2006/relationships" xmlns:p="http://schemas.openxmlformats.org/presentationml/2006/main">
+  <p:cSld>
+    <p:spTree>
+      <p:nvGrpSpPr>
+        <p:cNvPr id="1" name=""/>
+        <p:cNvGrpSpPr/>
+        <p:nvPr/>
+      </p:nvGrpSpPr>
+      <p:grpSpPr>
+        <a:xfrm>
+          <a:off x="0" y="0"/>
+          <a:ext cx="0" cy="0"/>
+          <a:chOff x="0" y="0"/>
+          <a:chExt cx="0" cy="0"/>
+        </a:xfrm>
+      </p:grpSpPr>
+      <p:sp>
+        <p:nvSpPr>
+          <p:cNvPr id="5" name="Título 4"/>
+          <p:cNvSpPr>
+            <a:spLocks noGrp="1"/>
+          </p:cNvSpPr>
+          <p:nvPr>
+            <p:ph type="title"/>
+          </p:nvPr>
+        </p:nvSpPr>
+        <p:spPr/>
+        <p:txBody>
+          <a:bodyPr>
+            <a:normAutofit/>
+          </a:bodyPr>
+          <a:lstStyle/>
+          <a:p>
+            <a:r>
+              <a:rPr lang="pt-BR" dirty="0"/>
+              <a:t>Atualização do menu global</a:t>
+            </a:r>
+          </a:p>
+        </p:txBody>
+      </p:sp>
+      <p:sp>
+        <p:nvSpPr>
+          <p:cNvPr id="6" name="Espaço Reservado para Conteúdo 5"/>
+          <p:cNvSpPr>
+            <a:spLocks noGrp="1"/>
+          </p:cNvSpPr>
+          <p:nvPr>
+            <p:ph idx="1"/>
+          </p:nvPr>
+        </p:nvSpPr>
+        <p:spPr/>
+        <p:txBody>
+          <a:bodyPr>
+            <a:normAutofit/>
+          </a:bodyPr>
+          <a:lstStyle/>
+          <a:p>
+            <a:r>
+              <a:rPr lang="pt-BR" dirty="0"/>
+              <a:t>No painel de gerenciamento, insira uma opção para visualizar os posts de uma determinada categoria.</a:t>
+            </a:r>
+          </a:p>
+        </p:txBody>
+      </p:sp>
+    </p:spTree>
+    <p:extLst>
+      <p:ext uri="{BB962C8B-B14F-4D97-AF65-F5344CB8AC3E}">
+        <p14:creationId xmlns:p14="http://schemas.microsoft.com/office/powerpoint/2010/main" val="3249853894"/>
+      </p:ext>
+    </p:extLst>
+  </p:cSld>
+  <p:clrMapOvr>
+    <a:masterClrMapping/>
+  </p:clrMapOvr>
+</p:sld>
+</file>
+
+<file path=ppt/slides/slide46.xml><?xml version="1.0" encoding="utf-8"?>
+<p:sld xmlns:a="http://schemas.openxmlformats.org/drawingml/2006/main" xmlns:r="http://schemas.openxmlformats.org/officeDocument/2006/relationships" xmlns:p="http://schemas.openxmlformats.org/presentationml/2006/main">
+  <p:cSld>
+    <p:spTree>
+      <p:nvGrpSpPr>
+        <p:cNvPr id="1" name=""/>
+        <p:cNvGrpSpPr/>
+        <p:nvPr/>
+      </p:nvGrpSpPr>
+      <p:grpSpPr>
+        <a:xfrm>
+          <a:off x="0" y="0"/>
+          <a:ext cx="0" cy="0"/>
+          <a:chOff x="0" y="0"/>
+          <a:chExt cx="0" cy="0"/>
+        </a:xfrm>
+      </p:grpSpPr>
+      <p:sp>
+        <p:nvSpPr>
+          <p:cNvPr id="5" name="Título 4"/>
+          <p:cNvSpPr>
+            <a:spLocks noGrp="1"/>
+          </p:cNvSpPr>
+          <p:nvPr>
+            <p:ph type="title"/>
+          </p:nvPr>
+        </p:nvSpPr>
+        <p:spPr/>
+        <p:txBody>
+          <a:bodyPr>
+            <a:normAutofit/>
+          </a:bodyPr>
+          <a:lstStyle/>
+          <a:p>
+            <a:r>
+              <a:rPr lang="pt-BR" dirty="0"/>
+              <a:t>Página para posts</a:t>
+            </a:r>
+          </a:p>
+        </p:txBody>
+      </p:sp>
+      <p:sp>
+        <p:nvSpPr>
+          <p:cNvPr id="6" name="Espaço Reservado para Conteúdo 5"/>
+          <p:cNvSpPr>
+            <a:spLocks noGrp="1"/>
+          </p:cNvSpPr>
+          <p:nvPr>
+            <p:ph idx="1"/>
+          </p:nvPr>
+        </p:nvSpPr>
+        <p:spPr/>
+        <p:txBody>
+          <a:bodyPr>
+            <a:normAutofit/>
+          </a:bodyPr>
+          <a:lstStyle/>
+          <a:p>
+            <a:r>
+              <a:rPr lang="pt-BR" dirty="0"/>
+              <a:t>No painel de gerenciamento, em:</a:t>
+            </a:r>
+          </a:p>
+          <a:p>
+            <a:r>
+              <a:rPr lang="pt-BR" b="1" dirty="0"/>
+              <a:t>Configurações &gt;&gt; Links permanentes &gt;&gt; Configurações comuns</a:t>
+            </a:r>
+          </a:p>
+          <a:p>
+            <a:r>
+              <a:rPr lang="pt-BR" dirty="0"/>
+              <a:t>Selecione </a:t>
+            </a:r>
+            <a:r>
+              <a:rPr lang="pt-BR" b="1" dirty="0"/>
+              <a:t>Nome do post</a:t>
+            </a:r>
+            <a:r>
+              <a:rPr lang="pt-BR" dirty="0"/>
+              <a:t>, para personalizar a URL dos links permanentes e arquivos.</a:t>
+            </a:r>
+          </a:p>
+        </p:txBody>
+      </p:sp>
+    </p:spTree>
+    <p:extLst>
+      <p:ext uri="{BB962C8B-B14F-4D97-AF65-F5344CB8AC3E}">
+        <p14:creationId xmlns:p14="http://schemas.microsoft.com/office/powerpoint/2010/main" val="1692675042"/>
+      </p:ext>
+    </p:extLst>
+  </p:cSld>
+  <p:clrMapOvr>
+    <a:masterClrMapping/>
+  </p:clrMapOvr>
+</p:sld>
+</file>
+
+<file path=ppt/slides/slide47.xml><?xml version="1.0" encoding="utf-8"?>
+<p:sld xmlns:a="http://schemas.openxmlformats.org/drawingml/2006/main" xmlns:r="http://schemas.openxmlformats.org/officeDocument/2006/relationships" xmlns:p="http://schemas.openxmlformats.org/presentationml/2006/main">
+  <p:cSld>
+    <p:spTree>
+      <p:nvGrpSpPr>
+        <p:cNvPr id="1" name=""/>
+        <p:cNvGrpSpPr/>
+        <p:nvPr/>
+      </p:nvGrpSpPr>
+      <p:grpSpPr>
+        <a:xfrm>
+          <a:off x="0" y="0"/>
+          <a:ext cx="0" cy="0"/>
+          <a:chOff x="0" y="0"/>
+          <a:chExt cx="0" cy="0"/>
+        </a:xfrm>
+      </p:grpSpPr>
+      <p:sp>
+        <p:nvSpPr>
+          <p:cNvPr id="5" name="Título 4"/>
+          <p:cNvSpPr>
+            <a:spLocks noGrp="1"/>
+          </p:cNvSpPr>
+          <p:nvPr>
+            <p:ph type="title"/>
+          </p:nvPr>
+        </p:nvSpPr>
+        <p:spPr/>
+        <p:txBody>
+          <a:bodyPr>
+            <a:normAutofit/>
+          </a:bodyPr>
+          <a:lstStyle/>
+          <a:p>
+            <a:r>
+              <a:rPr lang="pt-BR" dirty="0"/>
               <a:t>Referências</a:t>
             </a:r>
           </a:p>
@@ -12551,8 +14000,20 @@
           <a:lstStyle/>
           <a:p>
             <a:r>
+              <a:rPr lang="en-US" dirty="0" err="1"/>
+              <a:t>Mr</a:t>
+            </a:r>
+            <a:r>
               <a:rPr lang="en-US" dirty="0"/>
-              <a:t>How to make your own WordPress theme from scratch (2019). </a:t>
+              <a:t> Digital. </a:t>
+            </a:r>
+            <a:r>
+              <a:rPr lang="en-US" b="1" dirty="0"/>
+              <a:t>How to make your own WordPress theme from scratch (2019)</a:t>
+            </a:r>
+            <a:r>
+              <a:rPr lang="en-US" dirty="0"/>
+              <a:t>. </a:t>
             </a:r>
             <a:r>
               <a:rPr lang="en-US" dirty="0" err="1"/>

--- a/wordpress-como-criar-um-novo-tema.pptx
+++ b/wordpress-como-criar-um-novo-tema.pptx
@@ -50,8 +50,8 @@
     <p:sldId id="425" r:id="rId41"/>
     <p:sldId id="436" r:id="rId42"/>
     <p:sldId id="426" r:id="rId43"/>
-    <p:sldId id="427" r:id="rId44"/>
-    <p:sldId id="437" r:id="rId45"/>
+    <p:sldId id="437" r:id="rId44"/>
+    <p:sldId id="427" r:id="rId45"/>
     <p:sldId id="429" r:id="rId46"/>
     <p:sldId id="428" r:id="rId47"/>
     <p:sldId id="392" r:id="rId48"/>
@@ -3692,7 +3692,7 @@
     </p:spTree>
     <p:extLst>
       <p:ext uri="{BB962C8B-B14F-4D97-AF65-F5344CB8AC3E}">
-        <p14:creationId xmlns:p14="http://schemas.microsoft.com/office/powerpoint/2010/main" val="2458189762"/>
+        <p14:creationId xmlns:p14="http://schemas.microsoft.com/office/powerpoint/2010/main" val="546712338"/>
       </p:ext>
     </p:extLst>
   </p:cSld>
@@ -3776,7 +3776,7 @@
     </p:spTree>
     <p:extLst>
       <p:ext uri="{BB962C8B-B14F-4D97-AF65-F5344CB8AC3E}">
-        <p14:creationId xmlns:p14="http://schemas.microsoft.com/office/powerpoint/2010/main" val="546712338"/>
+        <p14:creationId xmlns:p14="http://schemas.microsoft.com/office/powerpoint/2010/main" val="2458189762"/>
       </p:ext>
     </p:extLst>
   </p:cSld>
@@ -12782,7 +12782,7 @@
             </a:r>
             <a:r>
               <a:rPr lang="pt-BR" b="1" dirty="0"/>
-              <a:t>Visualizar</a:t>
+              <a:t>Ver</a:t>
             </a:r>
             <a:endParaRPr lang="pt-BR" b="1" dirty="0">
               <a:latin typeface="Courier New" panose="02070309020205020404" pitchFamily="49" charset="0"/>
@@ -13367,7 +13367,7 @@
                 <a:latin typeface="Courier New" panose="02070309020205020404" pitchFamily="49" charset="0"/>
                 <a:cs typeface="Courier New" panose="02070309020205020404" pitchFamily="49" charset="0"/>
               </a:rPr>
-              <a:t>single.php</a:t>
+              <a:t>archive.php</a:t>
             </a:r>
             <a:r>
               <a:rPr lang="pt-BR" dirty="0"/>
@@ -13471,7 +13471,7 @@
                 <a:latin typeface="Courier New" panose="02070309020205020404" pitchFamily="49" charset="0"/>
                 <a:cs typeface="Courier New" panose="02070309020205020404" pitchFamily="49" charset="0"/>
               </a:rPr>
-              <a:t>('largest'); ?&gt;" </a:t>
+              <a:t>('smallest'); ?&gt;" </a:t>
             </a:r>
             <a:br>
               <a:rPr lang="en-US" dirty="0">
@@ -13520,7 +13520,7 @@
     </p:spTree>
     <p:extLst>
       <p:ext uri="{BB962C8B-B14F-4D97-AF65-F5344CB8AC3E}">
-        <p14:creationId xmlns:p14="http://schemas.microsoft.com/office/powerpoint/2010/main" val="255451713"/>
+        <p14:creationId xmlns:p14="http://schemas.microsoft.com/office/powerpoint/2010/main" val="2912158657"/>
       </p:ext>
     </p:extLst>
   </p:cSld>
@@ -13597,7 +13597,7 @@
                 <a:latin typeface="Courier New" panose="02070309020205020404" pitchFamily="49" charset="0"/>
                 <a:cs typeface="Courier New" panose="02070309020205020404" pitchFamily="49" charset="0"/>
               </a:rPr>
-              <a:t>archive.php</a:t>
+              <a:t>single.php</a:t>
             </a:r>
             <a:r>
               <a:rPr lang="pt-BR" dirty="0"/>
@@ -13701,7 +13701,7 @@
                 <a:latin typeface="Courier New" panose="02070309020205020404" pitchFamily="49" charset="0"/>
                 <a:cs typeface="Courier New" panose="02070309020205020404" pitchFamily="49" charset="0"/>
               </a:rPr>
-              <a:t>('smallest'); ?&gt;" </a:t>
+              <a:t>('largest'); ?&gt;" </a:t>
             </a:r>
             <a:br>
               <a:rPr lang="en-US" dirty="0">
@@ -13750,7 +13750,7 @@
     </p:spTree>
     <p:extLst>
       <p:ext uri="{BB962C8B-B14F-4D97-AF65-F5344CB8AC3E}">
-        <p14:creationId xmlns:p14="http://schemas.microsoft.com/office/powerpoint/2010/main" val="2912158657"/>
+        <p14:creationId xmlns:p14="http://schemas.microsoft.com/office/powerpoint/2010/main" val="255451713"/>
       </p:ext>
     </p:extLst>
   </p:cSld>
